--- a/A4_Presentation.pptx
+++ b/A4_Presentation.pptx
@@ -5,19 +5,24 @@
     <p:sldMasterId id="2147483660" r:id="rId1"/>
   </p:sldMasterIdLst>
   <p:handoutMasterIdLst>
-    <p:handoutMasterId r:id="rId12"/>
+    <p:handoutMasterId r:id="rId17"/>
   </p:handoutMasterIdLst>
   <p:sldIdLst>
     <p:sldId id="280" r:id="rId2"/>
     <p:sldId id="281" r:id="rId3"/>
-    <p:sldId id="283" r:id="rId4"/>
-    <p:sldId id="282" r:id="rId5"/>
-    <p:sldId id="284" r:id="rId6"/>
-    <p:sldId id="285" r:id="rId7"/>
-    <p:sldId id="286" r:id="rId8"/>
-    <p:sldId id="289" r:id="rId9"/>
-    <p:sldId id="287" r:id="rId10"/>
-    <p:sldId id="290" r:id="rId11"/>
+    <p:sldId id="291" r:id="rId4"/>
+    <p:sldId id="283" r:id="rId5"/>
+    <p:sldId id="282" r:id="rId6"/>
+    <p:sldId id="292" r:id="rId7"/>
+    <p:sldId id="293" r:id="rId8"/>
+    <p:sldId id="284" r:id="rId9"/>
+    <p:sldId id="294" r:id="rId10"/>
+    <p:sldId id="295" r:id="rId11"/>
+    <p:sldId id="285" r:id="rId12"/>
+    <p:sldId id="286" r:id="rId13"/>
+    <p:sldId id="289" r:id="rId14"/>
+    <p:sldId id="287" r:id="rId15"/>
+    <p:sldId id="290" r:id="rId16"/>
   </p:sldIdLst>
   <p:sldSz cx="24387175" cy="13716000"/>
   <p:notesSz cx="6858000" cy="9144000"/>
@@ -220,7 +225,7 @@
           <a:p>
             <a:fld id="{52CFFC7C-0376-E44D-ACA0-D60DC10B59F7}" type="datetimeFigureOut">
               <a:rPr lang="en-US" smtClean="0"/>
-              <a:t>4/17/2020</a:t>
+              <a:t>4/25/2020</a:t>
             </a:fld>
             <a:endParaRPr lang="en-US"/>
           </a:p>
@@ -783,12 +788,12 @@
           </a:ln>
           <a:extLst>
             <a:ext uri="{909E8E84-426E-40dd-AFC4-6F175D3DCCD1}">
-              <a14:hiddenFill xmlns:a14="http://schemas.microsoft.com/office/drawing/2010/main" xmlns="">
+              <a14:hiddenFill xmlns="" xmlns:a14="http://schemas.microsoft.com/office/drawing/2010/main">
                 <a:noFill/>
               </a14:hiddenFill>
             </a:ext>
             <a:ext uri="{91240B29-F687-4f45-9708-019B960494DF}">
-              <a14:hiddenLine xmlns:a14="http://schemas.microsoft.com/office/drawing/2010/main" xmlns="" w="9525">
+              <a14:hiddenLine xmlns="" xmlns:a14="http://schemas.microsoft.com/office/drawing/2010/main" w="9525">
                 <a:solidFill>
                   <a:srgbClr val="000000"/>
                 </a:solidFill>
@@ -833,12 +838,12 @@
           </a:ln>
           <a:extLst>
             <a:ext uri="{909E8E84-426E-40dd-AFC4-6F175D3DCCD1}">
-              <a14:hiddenFill xmlns:a14="http://schemas.microsoft.com/office/drawing/2010/main" xmlns="">
+              <a14:hiddenFill xmlns="" xmlns:a14="http://schemas.microsoft.com/office/drawing/2010/main">
                 <a:noFill/>
               </a14:hiddenFill>
             </a:ext>
             <a:ext uri="{91240B29-F687-4f45-9708-019B960494DF}">
-              <a14:hiddenLine xmlns:a14="http://schemas.microsoft.com/office/drawing/2010/main" xmlns="" w="9525">
+              <a14:hiddenLine xmlns="" xmlns:a14="http://schemas.microsoft.com/office/drawing/2010/main" w="9525">
                 <a:solidFill>
                   <a:srgbClr val="000000"/>
                 </a:solidFill>
@@ -1015,6 +1020,1538 @@
 </file>
 
 <file path=ppt/slides/slide10.xml><?xml version="1.0" encoding="utf-8"?>
+<p:sld xmlns:a="http://schemas.openxmlformats.org/drawingml/2006/main" xmlns:r="http://schemas.openxmlformats.org/officeDocument/2006/relationships" xmlns:p="http://schemas.openxmlformats.org/presentationml/2006/main">
+  <p:cSld>
+    <p:spTree>
+      <p:nvGrpSpPr>
+        <p:cNvPr id="1" name=""/>
+        <p:cNvGrpSpPr/>
+        <p:nvPr/>
+      </p:nvGrpSpPr>
+      <p:grpSpPr>
+        <a:xfrm>
+          <a:off x="0" y="0"/>
+          <a:ext cx="0" cy="0"/>
+          <a:chOff x="0" y="0"/>
+          <a:chExt cx="0" cy="0"/>
+        </a:xfrm>
+      </p:grpSpPr>
+      <p:sp>
+        <p:nvSpPr>
+          <p:cNvPr id="2" name="ZoneTexte 1">
+            <a:extLst>
+              <a:ext uri="{FF2B5EF4-FFF2-40B4-BE49-F238E27FC236}">
+                <a16:creationId xmlns:a16="http://schemas.microsoft.com/office/drawing/2014/main" id="{D542047B-0147-45C6-AADC-B75D32DE578D}"/>
+              </a:ext>
+            </a:extLst>
+          </p:cNvPr>
+          <p:cNvSpPr txBox="1"/>
+          <p:nvPr/>
+        </p:nvSpPr>
+        <p:spPr>
+          <a:xfrm>
+            <a:off x="2375270" y="1113184"/>
+            <a:ext cx="17880677" cy="1046440"/>
+          </a:xfrm>
+          <a:prstGeom prst="rect">
+            <a:avLst/>
+          </a:prstGeom>
+          <a:noFill/>
+        </p:spPr>
+        <p:txBody>
+          <a:bodyPr wrap="square" rtlCol="0">
+            <a:spAutoFit/>
+          </a:bodyPr>
+          <a:lstStyle/>
+          <a:p>
+            <a:r>
+              <a:rPr lang="fr-FR" sz="6200" b="1" dirty="0">
+                <a:latin typeface="Montserrat" panose="00000500000000000000" pitchFamily="2" charset="0"/>
+              </a:rPr>
+              <a:t>IV : Détection des circuits/Calcul du rang</a:t>
+            </a:r>
+          </a:p>
+        </p:txBody>
+      </p:sp>
+      <p:sp>
+        <p:nvSpPr>
+          <p:cNvPr id="3" name="ZoneTexte 2">
+            <a:extLst>
+              <a:ext uri="{FF2B5EF4-FFF2-40B4-BE49-F238E27FC236}">
+                <a16:creationId xmlns:a16="http://schemas.microsoft.com/office/drawing/2014/main" id="{E70CFCEE-CA49-4117-A144-52FC88055AE1}"/>
+              </a:ext>
+            </a:extLst>
+          </p:cNvPr>
+          <p:cNvSpPr txBox="1"/>
+          <p:nvPr/>
+        </p:nvSpPr>
+        <p:spPr>
+          <a:xfrm>
+            <a:off x="2375270" y="2159624"/>
+            <a:ext cx="17880677" cy="1046440"/>
+          </a:xfrm>
+          <a:prstGeom prst="rect">
+            <a:avLst/>
+          </a:prstGeom>
+          <a:noFill/>
+        </p:spPr>
+        <p:txBody>
+          <a:bodyPr wrap="square" rtlCol="0">
+            <a:spAutoFit/>
+          </a:bodyPr>
+          <a:lstStyle/>
+          <a:p>
+            <a:r>
+              <a:rPr lang="fr-FR" sz="6200" b="1" dirty="0">
+                <a:latin typeface="Montserrat" panose="00000500000000000000" pitchFamily="2" charset="0"/>
+              </a:rPr>
+              <a:t>	</a:t>
+            </a:r>
+            <a:r>
+              <a:rPr lang="fr-FR" sz="4200" b="1" dirty="0">
+                <a:latin typeface="Montserrat" panose="00000500000000000000" pitchFamily="2" charset="0"/>
+              </a:rPr>
+              <a:t>B : Calcul du rang</a:t>
+            </a:r>
+          </a:p>
+        </p:txBody>
+      </p:sp>
+    </p:spTree>
+    <p:extLst>
+      <p:ext uri="{BB962C8B-B14F-4D97-AF65-F5344CB8AC3E}">
+        <p14:creationId xmlns:p14="http://schemas.microsoft.com/office/powerpoint/2010/main" val="1856378732"/>
+      </p:ext>
+    </p:extLst>
+  </p:cSld>
+  <p:clrMapOvr>
+    <a:masterClrMapping/>
+  </p:clrMapOvr>
+</p:sld>
+</file>
+
+<file path=ppt/slides/slide11.xml><?xml version="1.0" encoding="utf-8"?>
+<p:sld xmlns:a="http://schemas.openxmlformats.org/drawingml/2006/main" xmlns:r="http://schemas.openxmlformats.org/officeDocument/2006/relationships" xmlns:p="http://schemas.openxmlformats.org/presentationml/2006/main">
+  <p:cSld>
+    <p:spTree>
+      <p:nvGrpSpPr>
+        <p:cNvPr id="1" name=""/>
+        <p:cNvGrpSpPr/>
+        <p:nvPr/>
+      </p:nvGrpSpPr>
+      <p:grpSpPr>
+        <a:xfrm>
+          <a:off x="0" y="0"/>
+          <a:ext cx="0" cy="0"/>
+          <a:chOff x="0" y="0"/>
+          <a:chExt cx="0" cy="0"/>
+        </a:xfrm>
+      </p:grpSpPr>
+      <p:sp>
+        <p:nvSpPr>
+          <p:cNvPr id="2" name="ZoneTexte 1">
+            <a:extLst>
+              <a:ext uri="{FF2B5EF4-FFF2-40B4-BE49-F238E27FC236}">
+                <a16:creationId xmlns:a16="http://schemas.microsoft.com/office/drawing/2014/main" id="{536CE0D5-47AC-484A-A05B-416C49C244C2}"/>
+              </a:ext>
+            </a:extLst>
+          </p:cNvPr>
+          <p:cNvSpPr txBox="1"/>
+          <p:nvPr/>
+        </p:nvSpPr>
+        <p:spPr>
+          <a:xfrm>
+            <a:off x="2375270" y="1113184"/>
+            <a:ext cx="17880677" cy="1046440"/>
+          </a:xfrm>
+          <a:prstGeom prst="rect">
+            <a:avLst/>
+          </a:prstGeom>
+          <a:noFill/>
+        </p:spPr>
+        <p:txBody>
+          <a:bodyPr wrap="square" rtlCol="0">
+            <a:spAutoFit/>
+          </a:bodyPr>
+          <a:lstStyle/>
+          <a:p>
+            <a:r>
+              <a:rPr lang="fr-FR" sz="6200" b="1" dirty="0">
+                <a:latin typeface="Montserrat" panose="00000500000000000000" pitchFamily="2" charset="0"/>
+              </a:rPr>
+              <a:t>V : Méthode de l’ordonnancement</a:t>
+            </a:r>
+          </a:p>
+        </p:txBody>
+      </p:sp>
+      <p:sp>
+        <p:nvSpPr>
+          <p:cNvPr id="3" name="ZoneTexte 2">
+            <a:extLst>
+              <a:ext uri="{FF2B5EF4-FFF2-40B4-BE49-F238E27FC236}">
+                <a16:creationId xmlns:a16="http://schemas.microsoft.com/office/drawing/2014/main" id="{1821A6BC-3EAE-47C5-86EC-2C4075E9138A}"/>
+              </a:ext>
+            </a:extLst>
+          </p:cNvPr>
+          <p:cNvSpPr txBox="1"/>
+          <p:nvPr/>
+        </p:nvSpPr>
+        <p:spPr>
+          <a:xfrm>
+            <a:off x="2375270" y="3070863"/>
+            <a:ext cx="20694280" cy="10864513"/>
+          </a:xfrm>
+          <a:prstGeom prst="rect">
+            <a:avLst/>
+          </a:prstGeom>
+          <a:noFill/>
+        </p:spPr>
+        <p:txBody>
+          <a:bodyPr wrap="square" rtlCol="0">
+            <a:spAutoFit/>
+          </a:bodyPr>
+          <a:lstStyle/>
+          <a:p>
+            <a:r>
+              <a:rPr lang="fr-FR" sz="3800" dirty="0">
+                <a:latin typeface="Montserrat" panose="00000500000000000000" pitchFamily="2" charset="0"/>
+              </a:rPr>
+              <a:t>Plusieurs conditions sont nécessaires afin de pouvoir ordonnancer un graphe :</a:t>
+            </a:r>
+          </a:p>
+          <a:p>
+            <a:pPr marL="1485946" lvl="1" indent="-571500">
+              <a:buFont typeface="Wingdings" panose="05000000000000000000" pitchFamily="2" charset="2"/>
+              <a:buChar char="Ø"/>
+            </a:pPr>
+            <a:endParaRPr lang="fr-FR" sz="3400" dirty="0">
+              <a:latin typeface="Montserrat" panose="00000500000000000000" pitchFamily="2" charset="0"/>
+            </a:endParaRPr>
+          </a:p>
+          <a:p>
+            <a:pPr marL="1485946" lvl="1" indent="-571500">
+              <a:buFont typeface="Wingdings" panose="05000000000000000000" pitchFamily="2" charset="2"/>
+              <a:buChar char="Ø"/>
+            </a:pPr>
+            <a:r>
+              <a:rPr lang="fr-FR" sz="3400" dirty="0">
+                <a:latin typeface="Montserrat" panose="00000500000000000000" pitchFamily="2" charset="0"/>
+              </a:rPr>
+              <a:t>Un seul point d’entrée =&gt; vérifier qu’une seule colonne de la matrice d’adjacence ne contient que des 0</a:t>
+            </a:r>
+          </a:p>
+          <a:p>
+            <a:pPr marL="1485946" lvl="1" indent="-571500">
+              <a:buFont typeface="Wingdings" panose="05000000000000000000" pitchFamily="2" charset="2"/>
+              <a:buChar char="Ø"/>
+            </a:pPr>
+            <a:endParaRPr lang="fr-FR" sz="3400" dirty="0">
+              <a:latin typeface="Montserrat" panose="00000500000000000000" pitchFamily="2" charset="0"/>
+            </a:endParaRPr>
+          </a:p>
+          <a:p>
+            <a:pPr marL="1485946" lvl="1" indent="-571500">
+              <a:buFont typeface="Wingdings" panose="05000000000000000000" pitchFamily="2" charset="2"/>
+              <a:buChar char="Ø"/>
+            </a:pPr>
+            <a:r>
+              <a:rPr lang="fr-FR" sz="3400" dirty="0">
+                <a:latin typeface="Montserrat" panose="00000500000000000000" pitchFamily="2" charset="0"/>
+              </a:rPr>
+              <a:t>Un seul point de sortie =&gt; vérifier qu’une seule ligne de la matrice d’adjacence ne contient que des 0</a:t>
+            </a:r>
+          </a:p>
+          <a:p>
+            <a:pPr marL="1485946" lvl="1" indent="-571500">
+              <a:buFont typeface="Wingdings" panose="05000000000000000000" pitchFamily="2" charset="2"/>
+              <a:buChar char="Ø"/>
+            </a:pPr>
+            <a:endParaRPr lang="fr-FR" sz="3400" dirty="0">
+              <a:latin typeface="Montserrat" panose="00000500000000000000" pitchFamily="2" charset="0"/>
+            </a:endParaRPr>
+          </a:p>
+          <a:p>
+            <a:pPr marL="1485946" lvl="1" indent="-571500">
+              <a:buFont typeface="Wingdings" panose="05000000000000000000" pitchFamily="2" charset="2"/>
+              <a:buChar char="Ø"/>
+            </a:pPr>
+            <a:r>
+              <a:rPr lang="fr-FR" sz="3400" dirty="0">
+                <a:latin typeface="Montserrat" panose="00000500000000000000" pitchFamily="2" charset="0"/>
+              </a:rPr>
+              <a:t>Pas de circuit </a:t>
+            </a:r>
+          </a:p>
+          <a:p>
+            <a:pPr marL="1485946" lvl="1" indent="-571500">
+              <a:buFont typeface="Wingdings" panose="05000000000000000000" pitchFamily="2" charset="2"/>
+              <a:buChar char="Ø"/>
+            </a:pPr>
+            <a:endParaRPr lang="fr-FR" sz="3400" dirty="0">
+              <a:latin typeface="Montserrat" panose="00000500000000000000" pitchFamily="2" charset="0"/>
+            </a:endParaRPr>
+          </a:p>
+          <a:p>
+            <a:pPr marL="1485946" lvl="1" indent="-571500">
+              <a:buFont typeface="Wingdings" panose="05000000000000000000" pitchFamily="2" charset="2"/>
+              <a:buChar char="Ø"/>
+            </a:pPr>
+            <a:r>
+              <a:rPr lang="fr-FR" sz="3400" dirty="0">
+                <a:latin typeface="Montserrat" panose="00000500000000000000" pitchFamily="2" charset="0"/>
+              </a:rPr>
+              <a:t>Pas d’arcs à valeur négative </a:t>
+            </a:r>
+          </a:p>
+          <a:p>
+            <a:pPr marL="1485946" lvl="1" indent="-571500">
+              <a:buFont typeface="Wingdings" panose="05000000000000000000" pitchFamily="2" charset="2"/>
+              <a:buChar char="Ø"/>
+            </a:pPr>
+            <a:endParaRPr lang="fr-FR" sz="3400" dirty="0"/>
+          </a:p>
+          <a:p>
+            <a:pPr marL="1485946" lvl="1" indent="-571500">
+              <a:buFont typeface="Wingdings" panose="05000000000000000000" pitchFamily="2" charset="2"/>
+              <a:buChar char="Ø"/>
+            </a:pPr>
+            <a:r>
+              <a:rPr lang="fr-FR" sz="3400" dirty="0">
+                <a:latin typeface="Montserrat" panose="00000500000000000000" pitchFamily="2" charset="0"/>
+              </a:rPr>
+              <a:t>Valeurs identiques pour tous les arcs incidents vers l’extérieur à </a:t>
+            </a:r>
+          </a:p>
+          <a:p>
+            <a:pPr lvl="1"/>
+            <a:r>
+              <a:rPr lang="fr-FR" sz="3400" dirty="0">
+                <a:latin typeface="Montserrat" panose="00000500000000000000" pitchFamily="2" charset="0"/>
+              </a:rPr>
+              <a:t>un sommet  =&gt; chaque case d’une ligne ne possède que 2 valeurs</a:t>
+            </a:r>
+          </a:p>
+          <a:p>
+            <a:pPr lvl="1"/>
+            <a:r>
+              <a:rPr lang="fr-FR" sz="3400" dirty="0">
+                <a:latin typeface="Montserrat" panose="00000500000000000000" pitchFamily="2" charset="0"/>
+              </a:rPr>
+              <a:t>			- la valeur de l’arc</a:t>
+            </a:r>
+          </a:p>
+          <a:p>
+            <a:pPr lvl="1"/>
+            <a:r>
+              <a:rPr lang="fr-FR" sz="3400" dirty="0">
+                <a:latin typeface="Montserrat" panose="00000500000000000000" pitchFamily="2" charset="0"/>
+              </a:rPr>
+              <a:t>			- *</a:t>
+            </a:r>
+          </a:p>
+          <a:p>
+            <a:pPr marL="1485946" lvl="1" indent="-571500">
+              <a:buFont typeface="Wingdings" panose="05000000000000000000" pitchFamily="2" charset="2"/>
+              <a:buChar char="Ø"/>
+            </a:pPr>
+            <a:endParaRPr lang="fr-FR" sz="3400" dirty="0">
+              <a:latin typeface="Montserrat" panose="00000500000000000000" pitchFamily="2" charset="0"/>
+            </a:endParaRPr>
+          </a:p>
+          <a:p>
+            <a:pPr marL="1485946" lvl="1" indent="-571500">
+              <a:buFont typeface="Wingdings" panose="05000000000000000000" pitchFamily="2" charset="2"/>
+              <a:buChar char="Ø"/>
+            </a:pPr>
+            <a:r>
+              <a:rPr lang="fr-FR" sz="3400" dirty="0">
+                <a:latin typeface="Montserrat" panose="00000500000000000000" pitchFamily="2" charset="0"/>
+              </a:rPr>
+              <a:t>Arcs incidents vers l’extérieur au point d’entrée de valeur nulle ; </a:t>
+            </a:r>
+          </a:p>
+          <a:p>
+            <a:pPr lvl="1"/>
+            <a:endParaRPr lang="fr-FR" sz="4200" dirty="0">
+              <a:latin typeface="Montserrat" panose="00000500000000000000" pitchFamily="2" charset="0"/>
+            </a:endParaRPr>
+          </a:p>
+          <a:p>
+            <a:pPr marL="1485946" lvl="1" indent="-571500">
+              <a:buFont typeface="Wingdings" panose="05000000000000000000" pitchFamily="2" charset="2"/>
+              <a:buChar char="Ø"/>
+            </a:pPr>
+            <a:endParaRPr lang="fr-FR" sz="4200" dirty="0">
+              <a:latin typeface="Montserrat" panose="00000500000000000000" pitchFamily="2" charset="0"/>
+            </a:endParaRPr>
+          </a:p>
+        </p:txBody>
+      </p:sp>
+    </p:spTree>
+    <p:extLst>
+      <p:ext uri="{BB962C8B-B14F-4D97-AF65-F5344CB8AC3E}">
+        <p14:creationId xmlns:p14="http://schemas.microsoft.com/office/powerpoint/2010/main" val="1136447872"/>
+      </p:ext>
+    </p:extLst>
+  </p:cSld>
+  <p:clrMapOvr>
+    <a:masterClrMapping/>
+  </p:clrMapOvr>
+</p:sld>
+</file>
+
+<file path=ppt/slides/slide12.xml><?xml version="1.0" encoding="utf-8"?>
+<p:sld xmlns:a="http://schemas.openxmlformats.org/drawingml/2006/main" xmlns:r="http://schemas.openxmlformats.org/officeDocument/2006/relationships" xmlns:p="http://schemas.openxmlformats.org/presentationml/2006/main">
+  <p:cSld>
+    <p:spTree>
+      <p:nvGrpSpPr>
+        <p:cNvPr id="1" name=""/>
+        <p:cNvGrpSpPr/>
+        <p:nvPr/>
+      </p:nvGrpSpPr>
+      <p:grpSpPr>
+        <a:xfrm>
+          <a:off x="0" y="0"/>
+          <a:ext cx="0" cy="0"/>
+          <a:chOff x="0" y="0"/>
+          <a:chExt cx="0" cy="0"/>
+        </a:xfrm>
+      </p:grpSpPr>
+      <p:sp>
+        <p:nvSpPr>
+          <p:cNvPr id="2" name="ZoneTexte 1">
+            <a:extLst>
+              <a:ext uri="{FF2B5EF4-FFF2-40B4-BE49-F238E27FC236}">
+                <a16:creationId xmlns:a16="http://schemas.microsoft.com/office/drawing/2014/main" id="{536CE0D5-47AC-484A-A05B-416C49C244C2}"/>
+              </a:ext>
+            </a:extLst>
+          </p:cNvPr>
+          <p:cNvSpPr txBox="1"/>
+          <p:nvPr/>
+        </p:nvSpPr>
+        <p:spPr>
+          <a:xfrm>
+            <a:off x="2375271" y="1113184"/>
+            <a:ext cx="17880677" cy="1046440"/>
+          </a:xfrm>
+          <a:prstGeom prst="rect">
+            <a:avLst/>
+          </a:prstGeom>
+          <a:noFill/>
+        </p:spPr>
+        <p:txBody>
+          <a:bodyPr wrap="square" rtlCol="0">
+            <a:spAutoFit/>
+          </a:bodyPr>
+          <a:lstStyle/>
+          <a:p>
+            <a:r>
+              <a:rPr lang="fr-FR" sz="6200" b="1" dirty="0">
+                <a:latin typeface="Montserrat" panose="00000500000000000000" pitchFamily="2" charset="0"/>
+              </a:rPr>
+              <a:t>V : Méthode de l’ordonnancement</a:t>
+            </a:r>
+          </a:p>
+        </p:txBody>
+      </p:sp>
+      <p:sp>
+        <p:nvSpPr>
+          <p:cNvPr id="3" name="ZoneTexte 2">
+            <a:extLst>
+              <a:ext uri="{FF2B5EF4-FFF2-40B4-BE49-F238E27FC236}">
+                <a16:creationId xmlns:a16="http://schemas.microsoft.com/office/drawing/2014/main" id="{1821A6BC-3EAE-47C5-86EC-2C4075E9138A}"/>
+              </a:ext>
+            </a:extLst>
+          </p:cNvPr>
+          <p:cNvSpPr txBox="1"/>
+          <p:nvPr/>
+        </p:nvSpPr>
+        <p:spPr>
+          <a:xfrm>
+            <a:off x="1803771" y="3318743"/>
+            <a:ext cx="15139006" cy="8894743"/>
+          </a:xfrm>
+          <a:prstGeom prst="rect">
+            <a:avLst/>
+          </a:prstGeom>
+          <a:noFill/>
+        </p:spPr>
+        <p:txBody>
+          <a:bodyPr wrap="square" rtlCol="0">
+            <a:spAutoFit/>
+          </a:bodyPr>
+          <a:lstStyle/>
+          <a:p>
+            <a:pPr algn="just"/>
+            <a:r>
+              <a:rPr lang="fr-FR" sz="3800" dirty="0">
+                <a:latin typeface="Montserrat" panose="00000500000000000000" pitchFamily="2" charset="0"/>
+              </a:rPr>
+              <a:t>Une fois les conditions vérifiées on peut passer a l’ordonnancement.</a:t>
+            </a:r>
+          </a:p>
+          <a:p>
+            <a:pPr algn="just"/>
+            <a:endParaRPr lang="fr-FR" sz="3800" dirty="0">
+              <a:latin typeface="Montserrat" panose="00000500000000000000" pitchFamily="2" charset="0"/>
+            </a:endParaRPr>
+          </a:p>
+          <a:p>
+            <a:pPr algn="just"/>
+            <a:r>
+              <a:rPr lang="fr-FR" sz="3800" dirty="0">
+                <a:latin typeface="Montserrat" panose="00000500000000000000" pitchFamily="2" charset="0"/>
+              </a:rPr>
+              <a:t>Pour chaque sommet, on calcul la date au plus tôt :</a:t>
+            </a:r>
+          </a:p>
+          <a:p>
+            <a:pPr algn="just"/>
+            <a:endParaRPr lang="fr-FR" sz="3800" dirty="0">
+              <a:latin typeface="Montserrat" panose="00000500000000000000" pitchFamily="2" charset="0"/>
+            </a:endParaRPr>
+          </a:p>
+          <a:p>
+            <a:pPr algn="just"/>
+            <a:r>
+              <a:rPr lang="fr-FR" sz="3800" dirty="0">
+                <a:latin typeface="Montserrat" panose="00000500000000000000" pitchFamily="2" charset="0"/>
+              </a:rPr>
+              <a:t>	- Date au plus tôt = </a:t>
+            </a:r>
+          </a:p>
+          <a:p>
+            <a:pPr algn="just"/>
+            <a:r>
+              <a:rPr lang="fr-FR" sz="3800" dirty="0">
+                <a:latin typeface="Montserrat" panose="00000500000000000000" pitchFamily="2" charset="0"/>
+              </a:rPr>
+              <a:t>		Date au plus tôt du prédécesseur</a:t>
+            </a:r>
+          </a:p>
+          <a:p>
+            <a:pPr algn="just"/>
+            <a:r>
+              <a:rPr lang="fr-FR" sz="3800" dirty="0">
+                <a:latin typeface="Montserrat" panose="00000500000000000000" pitchFamily="2" charset="0"/>
+              </a:rPr>
+              <a:t>		+ valeur de la tache du prédécesseur</a:t>
+            </a:r>
+          </a:p>
+          <a:p>
+            <a:pPr algn="just"/>
+            <a:r>
+              <a:rPr lang="fr-FR" sz="3800" dirty="0">
+                <a:latin typeface="Montserrat" panose="00000500000000000000" pitchFamily="2" charset="0"/>
+              </a:rPr>
+              <a:t>	- Date au plus tôt retenue =</a:t>
+            </a:r>
+          </a:p>
+          <a:p>
+            <a:pPr algn="just"/>
+            <a:r>
+              <a:rPr lang="fr-FR" sz="3800" dirty="0">
+                <a:latin typeface="Montserrat" panose="00000500000000000000" pitchFamily="2" charset="0"/>
+              </a:rPr>
+              <a:t>		Date au plus tôt la plus grande parmi toutes </a:t>
+            </a:r>
+          </a:p>
+          <a:p>
+            <a:pPr algn="just"/>
+            <a:r>
+              <a:rPr lang="fr-FR" sz="3800" dirty="0">
+                <a:latin typeface="Montserrat" panose="00000500000000000000" pitchFamily="2" charset="0"/>
+              </a:rPr>
+              <a:t>		les dates au plus tôt calculées</a:t>
+            </a:r>
+          </a:p>
+          <a:p>
+            <a:pPr algn="just"/>
+            <a:endParaRPr lang="fr-FR" sz="3800" dirty="0">
+              <a:latin typeface="Montserrat" panose="00000500000000000000" pitchFamily="2" charset="0"/>
+            </a:endParaRPr>
+          </a:p>
+          <a:p>
+            <a:pPr algn="just"/>
+            <a:r>
+              <a:rPr lang="fr-FR" dirty="0">
+                <a:latin typeface="Montserrat" panose="00000500000000000000" pitchFamily="2" charset="0"/>
+              </a:rPr>
+              <a:t>Le calcul se fait en partant du point d’entrée (dont la date au plus tôt est 0) et par ordre croissant du rang.			</a:t>
+            </a:r>
+            <a:endParaRPr lang="fr-FR" sz="4200" dirty="0">
+              <a:latin typeface="Montserrat" panose="00000500000000000000" pitchFamily="2" charset="0"/>
+            </a:endParaRPr>
+          </a:p>
+          <a:p>
+            <a:pPr marL="1485946" lvl="1" indent="-571500">
+              <a:buFont typeface="Wingdings" panose="05000000000000000000" pitchFamily="2" charset="2"/>
+              <a:buChar char="Ø"/>
+            </a:pPr>
+            <a:endParaRPr lang="fr-FR" sz="4200" dirty="0">
+              <a:latin typeface="Montserrat" panose="00000500000000000000" pitchFamily="2" charset="0"/>
+            </a:endParaRPr>
+          </a:p>
+        </p:txBody>
+      </p:sp>
+      <p:pic>
+        <p:nvPicPr>
+          <p:cNvPr id="6" name="Image 5">
+            <a:extLst>
+              <a:ext uri="{FF2B5EF4-FFF2-40B4-BE49-F238E27FC236}">
+                <a16:creationId xmlns:a16="http://schemas.microsoft.com/office/drawing/2014/main" id="{FC063811-AF74-448F-BFE2-6FE9D3E3E94C}"/>
+              </a:ext>
+            </a:extLst>
+          </p:cNvPr>
+          <p:cNvPicPr>
+            <a:picLocks noChangeAspect="1"/>
+          </p:cNvPicPr>
+          <p:nvPr/>
+        </p:nvPicPr>
+        <p:blipFill>
+          <a:blip r:embed="rId2"/>
+          <a:stretch>
+            <a:fillRect/>
+          </a:stretch>
+        </p:blipFill>
+        <p:spPr>
+          <a:xfrm>
+            <a:off x="17304038" y="5018719"/>
+            <a:ext cx="5903819" cy="1562100"/>
+          </a:xfrm>
+          <a:prstGeom prst="rect">
+            <a:avLst/>
+          </a:prstGeom>
+        </p:spPr>
+      </p:pic>
+      <p:sp>
+        <p:nvSpPr>
+          <p:cNvPr id="8" name="ZoneTexte 7">
+            <a:extLst>
+              <a:ext uri="{FF2B5EF4-FFF2-40B4-BE49-F238E27FC236}">
+                <a16:creationId xmlns:a16="http://schemas.microsoft.com/office/drawing/2014/main" id="{F417EAFD-794E-4BC9-B4E1-140FEDB4533D}"/>
+              </a:ext>
+            </a:extLst>
+          </p:cNvPr>
+          <p:cNvSpPr txBox="1"/>
+          <p:nvPr/>
+        </p:nvSpPr>
+        <p:spPr>
+          <a:xfrm>
+            <a:off x="17031472" y="6639389"/>
+            <a:ext cx="6448952" cy="954107"/>
+          </a:xfrm>
+          <a:prstGeom prst="rect">
+            <a:avLst/>
+          </a:prstGeom>
+          <a:noFill/>
+        </p:spPr>
+        <p:txBody>
+          <a:bodyPr wrap="square" rtlCol="0">
+            <a:spAutoFit/>
+          </a:bodyPr>
+          <a:lstStyle/>
+          <a:p>
+            <a:pPr algn="ctr"/>
+            <a:r>
+              <a:rPr lang="fr-FR" sz="2800" i="1" dirty="0">
+                <a:latin typeface="Open Sans" panose="020B0606030504020204" pitchFamily="34" charset="0"/>
+                <a:ea typeface="Open Sans" panose="020B0606030504020204" pitchFamily="34" charset="0"/>
+                <a:cs typeface="Open Sans" panose="020B0606030504020204" pitchFamily="34" charset="0"/>
+              </a:rPr>
+              <a:t>Figure 1 : Exemple pour le sommet  9</a:t>
+            </a:r>
+          </a:p>
+          <a:p>
+            <a:pPr algn="ctr"/>
+            <a:r>
+              <a:rPr lang="fr-FR" sz="2800" i="1" dirty="0">
+                <a:latin typeface="Open Sans" panose="020B0606030504020204" pitchFamily="34" charset="0"/>
+                <a:ea typeface="Open Sans" panose="020B0606030504020204" pitchFamily="34" charset="0"/>
+                <a:cs typeface="Open Sans" panose="020B0606030504020204" pitchFamily="34" charset="0"/>
+              </a:rPr>
+              <a:t>du graphe 11</a:t>
+            </a:r>
+          </a:p>
+        </p:txBody>
+      </p:sp>
+    </p:spTree>
+    <p:extLst>
+      <p:ext uri="{BB962C8B-B14F-4D97-AF65-F5344CB8AC3E}">
+        <p14:creationId xmlns:p14="http://schemas.microsoft.com/office/powerpoint/2010/main" val="2826287301"/>
+      </p:ext>
+    </p:extLst>
+  </p:cSld>
+  <p:clrMapOvr>
+    <a:masterClrMapping/>
+  </p:clrMapOvr>
+</p:sld>
+</file>
+
+<file path=ppt/slides/slide13.xml><?xml version="1.0" encoding="utf-8"?>
+<p:sld xmlns:a="http://schemas.openxmlformats.org/drawingml/2006/main" xmlns:r="http://schemas.openxmlformats.org/officeDocument/2006/relationships" xmlns:p="http://schemas.openxmlformats.org/presentationml/2006/main">
+  <p:cSld>
+    <p:spTree>
+      <p:nvGrpSpPr>
+        <p:cNvPr id="1" name=""/>
+        <p:cNvGrpSpPr/>
+        <p:nvPr/>
+      </p:nvGrpSpPr>
+      <p:grpSpPr>
+        <a:xfrm>
+          <a:off x="0" y="0"/>
+          <a:ext cx="0" cy="0"/>
+          <a:chOff x="0" y="0"/>
+          <a:chExt cx="0" cy="0"/>
+        </a:xfrm>
+      </p:grpSpPr>
+      <p:sp>
+        <p:nvSpPr>
+          <p:cNvPr id="3" name="ZoneTexte 2">
+            <a:extLst>
+              <a:ext uri="{FF2B5EF4-FFF2-40B4-BE49-F238E27FC236}">
+                <a16:creationId xmlns:a16="http://schemas.microsoft.com/office/drawing/2014/main" id="{168B7E97-4894-436F-9382-6A92F4014357}"/>
+              </a:ext>
+            </a:extLst>
+          </p:cNvPr>
+          <p:cNvSpPr txBox="1"/>
+          <p:nvPr/>
+        </p:nvSpPr>
+        <p:spPr>
+          <a:xfrm>
+            <a:off x="2375271" y="1113184"/>
+            <a:ext cx="17880677" cy="1046440"/>
+          </a:xfrm>
+          <a:prstGeom prst="rect">
+            <a:avLst/>
+          </a:prstGeom>
+          <a:noFill/>
+        </p:spPr>
+        <p:txBody>
+          <a:bodyPr wrap="square" rtlCol="0">
+            <a:spAutoFit/>
+          </a:bodyPr>
+          <a:lstStyle/>
+          <a:p>
+            <a:r>
+              <a:rPr lang="fr-FR" sz="6200" b="1" dirty="0">
+                <a:latin typeface="Montserrat" panose="00000500000000000000" pitchFamily="2" charset="0"/>
+              </a:rPr>
+              <a:t>V : Méthode de l’ordonnancement</a:t>
+            </a:r>
+          </a:p>
+        </p:txBody>
+      </p:sp>
+      <p:sp>
+        <p:nvSpPr>
+          <p:cNvPr id="4" name="Oval 58">
+            <a:extLst>
+              <a:ext uri="{FF2B5EF4-FFF2-40B4-BE49-F238E27FC236}">
+                <a16:creationId xmlns:a16="http://schemas.microsoft.com/office/drawing/2014/main" id="{B07BAEF7-F2F1-4129-850F-39566CB7AE7B}"/>
+              </a:ext>
+            </a:extLst>
+          </p:cNvPr>
+          <p:cNvSpPr/>
+          <p:nvPr/>
+        </p:nvSpPr>
+        <p:spPr>
+          <a:xfrm>
+            <a:off x="1673229" y="3765604"/>
+            <a:ext cx="1074332" cy="1074611"/>
+          </a:xfrm>
+          <a:prstGeom prst="ellipse">
+            <a:avLst/>
+          </a:prstGeom>
+          <a:noFill/>
+          <a:ln w="28575">
+            <a:solidFill>
+              <a:schemeClr val="tx1"/>
+            </a:solidFill>
+          </a:ln>
+        </p:spPr>
+        <p:style>
+          <a:lnRef idx="2">
+            <a:schemeClr val="accent1">
+              <a:shade val="50000"/>
+            </a:schemeClr>
+          </a:lnRef>
+          <a:fillRef idx="1">
+            <a:schemeClr val="accent1"/>
+          </a:fillRef>
+          <a:effectRef idx="0">
+            <a:schemeClr val="accent1"/>
+          </a:effectRef>
+          <a:fontRef idx="minor">
+            <a:schemeClr val="lt1"/>
+          </a:fontRef>
+        </p:style>
+        <p:txBody>
+          <a:bodyPr rtlCol="0" anchor="ctr"/>
+          <a:lstStyle/>
+          <a:p>
+            <a:pPr algn="ctr"/>
+            <a:endParaRPr lang="en-US" sz="2900" dirty="0">
+              <a:latin typeface="Montserrat Light" charset="0"/>
+              <a:ea typeface="Montserrat Light" charset="0"/>
+              <a:cs typeface="Montserrat Light" charset="0"/>
+            </a:endParaRPr>
+          </a:p>
+        </p:txBody>
+      </p:sp>
+      <p:sp>
+        <p:nvSpPr>
+          <p:cNvPr id="5" name="ZoneTexte 4">
+            <a:extLst>
+              <a:ext uri="{FF2B5EF4-FFF2-40B4-BE49-F238E27FC236}">
+                <a16:creationId xmlns:a16="http://schemas.microsoft.com/office/drawing/2014/main" id="{F680C0E6-F5ED-46B1-BB6D-14E0E90DF401}"/>
+              </a:ext>
+            </a:extLst>
+          </p:cNvPr>
+          <p:cNvSpPr txBox="1"/>
+          <p:nvPr/>
+        </p:nvSpPr>
+        <p:spPr>
+          <a:xfrm>
+            <a:off x="1827648" y="3856634"/>
+            <a:ext cx="765494" cy="892552"/>
+          </a:xfrm>
+          <a:prstGeom prst="rect">
+            <a:avLst/>
+          </a:prstGeom>
+          <a:noFill/>
+        </p:spPr>
+        <p:txBody>
+          <a:bodyPr wrap="square" rtlCol="0">
+            <a:spAutoFit/>
+          </a:bodyPr>
+          <a:lstStyle/>
+          <a:p>
+            <a:pPr algn="ctr"/>
+            <a:r>
+              <a:rPr lang="fr-FR" sz="5200" b="1" dirty="0">
+                <a:latin typeface="Montserrat" panose="00000500000000000000" pitchFamily="2" charset="0"/>
+              </a:rPr>
+              <a:t>1</a:t>
+            </a:r>
+          </a:p>
+        </p:txBody>
+      </p:sp>
+      <p:sp>
+        <p:nvSpPr>
+          <p:cNvPr id="6" name="ZoneTexte 5">
+            <a:extLst>
+              <a:ext uri="{FF2B5EF4-FFF2-40B4-BE49-F238E27FC236}">
+                <a16:creationId xmlns:a16="http://schemas.microsoft.com/office/drawing/2014/main" id="{110C598B-31D9-45EA-92EE-E3CCB76B189C}"/>
+              </a:ext>
+            </a:extLst>
+          </p:cNvPr>
+          <p:cNvSpPr txBox="1"/>
+          <p:nvPr/>
+        </p:nvSpPr>
+        <p:spPr>
+          <a:xfrm>
+            <a:off x="3813175" y="3702744"/>
+            <a:ext cx="7456472" cy="1200329"/>
+          </a:xfrm>
+          <a:prstGeom prst="rect">
+            <a:avLst/>
+          </a:prstGeom>
+          <a:noFill/>
+        </p:spPr>
+        <p:txBody>
+          <a:bodyPr wrap="square" rtlCol="0">
+            <a:spAutoFit/>
+          </a:bodyPr>
+          <a:lstStyle/>
+          <a:p>
+            <a:r>
+              <a:rPr lang="fr-FR" dirty="0">
+                <a:latin typeface="Open Sans" panose="020B0606030504020204" pitchFamily="34" charset="0"/>
+                <a:ea typeface="Open Sans" panose="020B0606030504020204" pitchFamily="34" charset="0"/>
+                <a:cs typeface="Open Sans" panose="020B0606030504020204" pitchFamily="34" charset="0"/>
+              </a:rPr>
+              <a:t>Récupération de la liste des prédécesseurs</a:t>
+            </a:r>
+          </a:p>
+        </p:txBody>
+      </p:sp>
+      <p:pic>
+        <p:nvPicPr>
+          <p:cNvPr id="7" name="Image 6">
+            <a:extLst>
+              <a:ext uri="{FF2B5EF4-FFF2-40B4-BE49-F238E27FC236}">
+                <a16:creationId xmlns:a16="http://schemas.microsoft.com/office/drawing/2014/main" id="{0B2C8889-337D-492E-A6D3-4A889B2B4B28}"/>
+              </a:ext>
+            </a:extLst>
+          </p:cNvPr>
+          <p:cNvPicPr>
+            <a:picLocks noChangeAspect="1"/>
+          </p:cNvPicPr>
+          <p:nvPr/>
+        </p:nvPicPr>
+        <p:blipFill>
+          <a:blip r:embed="rId2"/>
+          <a:stretch>
+            <a:fillRect/>
+          </a:stretch>
+        </p:blipFill>
+        <p:spPr>
+          <a:xfrm>
+            <a:off x="14122399" y="3226583"/>
+            <a:ext cx="7698714" cy="2152650"/>
+          </a:xfrm>
+          <a:prstGeom prst="rect">
+            <a:avLst/>
+          </a:prstGeom>
+        </p:spPr>
+      </p:pic>
+      <p:sp>
+        <p:nvSpPr>
+          <p:cNvPr id="8" name="Oval 58">
+            <a:extLst>
+              <a:ext uri="{FF2B5EF4-FFF2-40B4-BE49-F238E27FC236}">
+                <a16:creationId xmlns:a16="http://schemas.microsoft.com/office/drawing/2014/main" id="{C7DDF454-155F-4E61-AFEC-FEA3F830D8B6}"/>
+              </a:ext>
+            </a:extLst>
+          </p:cNvPr>
+          <p:cNvSpPr/>
+          <p:nvPr/>
+        </p:nvSpPr>
+        <p:spPr>
+          <a:xfrm>
+            <a:off x="1653792" y="6920860"/>
+            <a:ext cx="1074332" cy="1074611"/>
+          </a:xfrm>
+          <a:prstGeom prst="ellipse">
+            <a:avLst/>
+          </a:prstGeom>
+          <a:noFill/>
+          <a:ln w="28575">
+            <a:solidFill>
+              <a:schemeClr val="tx1"/>
+            </a:solidFill>
+          </a:ln>
+        </p:spPr>
+        <p:style>
+          <a:lnRef idx="2">
+            <a:schemeClr val="accent1">
+              <a:shade val="50000"/>
+            </a:schemeClr>
+          </a:lnRef>
+          <a:fillRef idx="1">
+            <a:schemeClr val="accent1"/>
+          </a:fillRef>
+          <a:effectRef idx="0">
+            <a:schemeClr val="accent1"/>
+          </a:effectRef>
+          <a:fontRef idx="minor">
+            <a:schemeClr val="lt1"/>
+          </a:fontRef>
+        </p:style>
+        <p:txBody>
+          <a:bodyPr rtlCol="0" anchor="ctr"/>
+          <a:lstStyle/>
+          <a:p>
+            <a:pPr algn="ctr"/>
+            <a:endParaRPr lang="en-US" sz="2900" dirty="0">
+              <a:latin typeface="Montserrat Light" charset="0"/>
+              <a:ea typeface="Montserrat Light" charset="0"/>
+              <a:cs typeface="Montserrat Light" charset="0"/>
+            </a:endParaRPr>
+          </a:p>
+        </p:txBody>
+      </p:sp>
+      <p:sp>
+        <p:nvSpPr>
+          <p:cNvPr id="9" name="ZoneTexte 8">
+            <a:extLst>
+              <a:ext uri="{FF2B5EF4-FFF2-40B4-BE49-F238E27FC236}">
+                <a16:creationId xmlns:a16="http://schemas.microsoft.com/office/drawing/2014/main" id="{F4424929-5651-49E7-8B2F-63484DFC02E3}"/>
+              </a:ext>
+            </a:extLst>
+          </p:cNvPr>
+          <p:cNvSpPr txBox="1"/>
+          <p:nvPr/>
+        </p:nvSpPr>
+        <p:spPr>
+          <a:xfrm>
+            <a:off x="3813175" y="6921039"/>
+            <a:ext cx="7456472" cy="1200329"/>
+          </a:xfrm>
+          <a:prstGeom prst="rect">
+            <a:avLst/>
+          </a:prstGeom>
+          <a:noFill/>
+        </p:spPr>
+        <p:txBody>
+          <a:bodyPr wrap="square" rtlCol="0">
+            <a:spAutoFit/>
+          </a:bodyPr>
+          <a:lstStyle/>
+          <a:p>
+            <a:r>
+              <a:rPr lang="fr-FR" dirty="0">
+                <a:latin typeface="Open Sans" panose="020B0606030504020204" pitchFamily="34" charset="0"/>
+                <a:ea typeface="Open Sans" panose="020B0606030504020204" pitchFamily="34" charset="0"/>
+                <a:cs typeface="Open Sans" panose="020B0606030504020204" pitchFamily="34" charset="0"/>
+              </a:rPr>
+              <a:t>Récupération de la tâche de chaque prédécesseurs</a:t>
+            </a:r>
+          </a:p>
+        </p:txBody>
+      </p:sp>
+      <p:sp>
+        <p:nvSpPr>
+          <p:cNvPr id="10" name="ZoneTexte 9">
+            <a:extLst>
+              <a:ext uri="{FF2B5EF4-FFF2-40B4-BE49-F238E27FC236}">
+                <a16:creationId xmlns:a16="http://schemas.microsoft.com/office/drawing/2014/main" id="{D7B59304-604B-48E2-BDA1-4BACBADAC7DD}"/>
+              </a:ext>
+            </a:extLst>
+          </p:cNvPr>
+          <p:cNvSpPr txBox="1"/>
+          <p:nvPr/>
+        </p:nvSpPr>
+        <p:spPr>
+          <a:xfrm>
+            <a:off x="1808211" y="7011888"/>
+            <a:ext cx="765494" cy="892552"/>
+          </a:xfrm>
+          <a:prstGeom prst="rect">
+            <a:avLst/>
+          </a:prstGeom>
+          <a:noFill/>
+        </p:spPr>
+        <p:txBody>
+          <a:bodyPr wrap="square" rtlCol="0">
+            <a:spAutoFit/>
+          </a:bodyPr>
+          <a:lstStyle/>
+          <a:p>
+            <a:pPr algn="ctr"/>
+            <a:r>
+              <a:rPr lang="fr-FR" sz="5200" b="1" dirty="0">
+                <a:latin typeface="Montserrat" panose="00000500000000000000" pitchFamily="2" charset="0"/>
+              </a:rPr>
+              <a:t>2</a:t>
+            </a:r>
+          </a:p>
+        </p:txBody>
+      </p:sp>
+      <p:pic>
+        <p:nvPicPr>
+          <p:cNvPr id="11" name="Image 10">
+            <a:extLst>
+              <a:ext uri="{FF2B5EF4-FFF2-40B4-BE49-F238E27FC236}">
+                <a16:creationId xmlns:a16="http://schemas.microsoft.com/office/drawing/2014/main" id="{DE7832F5-F3E9-4ADA-B25B-561F8660DB19}"/>
+              </a:ext>
+            </a:extLst>
+          </p:cNvPr>
+          <p:cNvPicPr>
+            <a:picLocks noChangeAspect="1"/>
+          </p:cNvPicPr>
+          <p:nvPr/>
+        </p:nvPicPr>
+        <p:blipFill>
+          <a:blip r:embed="rId3"/>
+          <a:stretch>
+            <a:fillRect/>
+          </a:stretch>
+        </p:blipFill>
+        <p:spPr>
+          <a:xfrm>
+            <a:off x="12860910" y="6730156"/>
+            <a:ext cx="9718054" cy="1456015"/>
+          </a:xfrm>
+          <a:prstGeom prst="rect">
+            <a:avLst/>
+          </a:prstGeom>
+        </p:spPr>
+      </p:pic>
+      <p:sp>
+        <p:nvSpPr>
+          <p:cNvPr id="13" name="Oval 58">
+            <a:extLst>
+              <a:ext uri="{FF2B5EF4-FFF2-40B4-BE49-F238E27FC236}">
+                <a16:creationId xmlns:a16="http://schemas.microsoft.com/office/drawing/2014/main" id="{E4E2DA26-AC9E-4058-9D87-0D410C6E667B}"/>
+              </a:ext>
+            </a:extLst>
+          </p:cNvPr>
+          <p:cNvSpPr/>
+          <p:nvPr/>
+        </p:nvSpPr>
+        <p:spPr>
+          <a:xfrm>
+            <a:off x="1653792" y="10141180"/>
+            <a:ext cx="1074332" cy="1074611"/>
+          </a:xfrm>
+          <a:prstGeom prst="ellipse">
+            <a:avLst/>
+          </a:prstGeom>
+          <a:noFill/>
+          <a:ln w="28575">
+            <a:solidFill>
+              <a:schemeClr val="tx1"/>
+            </a:solidFill>
+          </a:ln>
+        </p:spPr>
+        <p:style>
+          <a:lnRef idx="2">
+            <a:schemeClr val="accent1">
+              <a:shade val="50000"/>
+            </a:schemeClr>
+          </a:lnRef>
+          <a:fillRef idx="1">
+            <a:schemeClr val="accent1"/>
+          </a:fillRef>
+          <a:effectRef idx="0">
+            <a:schemeClr val="accent1"/>
+          </a:effectRef>
+          <a:fontRef idx="minor">
+            <a:schemeClr val="lt1"/>
+          </a:fontRef>
+        </p:style>
+        <p:txBody>
+          <a:bodyPr rtlCol="0" anchor="ctr"/>
+          <a:lstStyle/>
+          <a:p>
+            <a:pPr algn="ctr"/>
+            <a:endParaRPr lang="en-US" sz="2900" dirty="0">
+              <a:latin typeface="Montserrat Light" charset="0"/>
+              <a:ea typeface="Montserrat Light" charset="0"/>
+              <a:cs typeface="Montserrat Light" charset="0"/>
+            </a:endParaRPr>
+          </a:p>
+        </p:txBody>
+      </p:sp>
+      <p:sp>
+        <p:nvSpPr>
+          <p:cNvPr id="14" name="ZoneTexte 13">
+            <a:extLst>
+              <a:ext uri="{FF2B5EF4-FFF2-40B4-BE49-F238E27FC236}">
+                <a16:creationId xmlns:a16="http://schemas.microsoft.com/office/drawing/2014/main" id="{AA25CED6-68EE-4376-90A9-33B9E7C3139A}"/>
+              </a:ext>
+            </a:extLst>
+          </p:cNvPr>
+          <p:cNvSpPr txBox="1"/>
+          <p:nvPr/>
+        </p:nvSpPr>
+        <p:spPr>
+          <a:xfrm>
+            <a:off x="3813175" y="10256648"/>
+            <a:ext cx="7456472" cy="646331"/>
+          </a:xfrm>
+          <a:prstGeom prst="rect">
+            <a:avLst/>
+          </a:prstGeom>
+          <a:noFill/>
+        </p:spPr>
+        <p:txBody>
+          <a:bodyPr wrap="square" rtlCol="0">
+            <a:spAutoFit/>
+          </a:bodyPr>
+          <a:lstStyle/>
+          <a:p>
+            <a:r>
+              <a:rPr lang="fr-FR" dirty="0">
+                <a:latin typeface="Open Sans" panose="020B0606030504020204" pitchFamily="34" charset="0"/>
+                <a:ea typeface="Open Sans" panose="020B0606030504020204" pitchFamily="34" charset="0"/>
+                <a:cs typeface="Open Sans" panose="020B0606030504020204" pitchFamily="34" charset="0"/>
+              </a:rPr>
+              <a:t>Calcul de la date au plus tôt</a:t>
+            </a:r>
+          </a:p>
+        </p:txBody>
+      </p:sp>
+      <p:sp>
+        <p:nvSpPr>
+          <p:cNvPr id="15" name="ZoneTexte 14">
+            <a:extLst>
+              <a:ext uri="{FF2B5EF4-FFF2-40B4-BE49-F238E27FC236}">
+                <a16:creationId xmlns:a16="http://schemas.microsoft.com/office/drawing/2014/main" id="{562304AB-0373-4B45-9908-C982A42E31E3}"/>
+              </a:ext>
+            </a:extLst>
+          </p:cNvPr>
+          <p:cNvSpPr txBox="1"/>
+          <p:nvPr/>
+        </p:nvSpPr>
+        <p:spPr>
+          <a:xfrm>
+            <a:off x="1808211" y="10232208"/>
+            <a:ext cx="765494" cy="892552"/>
+          </a:xfrm>
+          <a:prstGeom prst="rect">
+            <a:avLst/>
+          </a:prstGeom>
+          <a:noFill/>
+        </p:spPr>
+        <p:txBody>
+          <a:bodyPr wrap="square" rtlCol="0">
+            <a:spAutoFit/>
+          </a:bodyPr>
+          <a:lstStyle/>
+          <a:p>
+            <a:pPr algn="ctr"/>
+            <a:r>
+              <a:rPr lang="fr-FR" sz="5200" b="1" dirty="0">
+                <a:latin typeface="Montserrat" panose="00000500000000000000" pitchFamily="2" charset="0"/>
+              </a:rPr>
+              <a:t>3</a:t>
+            </a:r>
+          </a:p>
+        </p:txBody>
+      </p:sp>
+      <p:pic>
+        <p:nvPicPr>
+          <p:cNvPr id="16" name="Image 15">
+            <a:extLst>
+              <a:ext uri="{FF2B5EF4-FFF2-40B4-BE49-F238E27FC236}">
+                <a16:creationId xmlns:a16="http://schemas.microsoft.com/office/drawing/2014/main" id="{EF0B0F2F-B255-4B97-A43D-B822435F2791}"/>
+              </a:ext>
+            </a:extLst>
+          </p:cNvPr>
+          <p:cNvPicPr>
+            <a:picLocks noChangeAspect="1"/>
+          </p:cNvPicPr>
+          <p:nvPr/>
+        </p:nvPicPr>
+        <p:blipFill>
+          <a:blip r:embed="rId4"/>
+          <a:stretch>
+            <a:fillRect/>
+          </a:stretch>
+        </p:blipFill>
+        <p:spPr>
+          <a:xfrm>
+            <a:off x="12139642" y="8928265"/>
+            <a:ext cx="11160589" cy="3500438"/>
+          </a:xfrm>
+          <a:prstGeom prst="rect">
+            <a:avLst/>
+          </a:prstGeom>
+        </p:spPr>
+      </p:pic>
+    </p:spTree>
+    <p:extLst>
+      <p:ext uri="{BB962C8B-B14F-4D97-AF65-F5344CB8AC3E}">
+        <p14:creationId xmlns:p14="http://schemas.microsoft.com/office/powerpoint/2010/main" val="3789154728"/>
+      </p:ext>
+    </p:extLst>
+  </p:cSld>
+  <p:clrMapOvr>
+    <a:masterClrMapping/>
+  </p:clrMapOvr>
+</p:sld>
+</file>
+
+<file path=ppt/slides/slide14.xml><?xml version="1.0" encoding="utf-8"?>
+<p:sld xmlns:a="http://schemas.openxmlformats.org/drawingml/2006/main" xmlns:r="http://schemas.openxmlformats.org/officeDocument/2006/relationships" xmlns:p="http://schemas.openxmlformats.org/presentationml/2006/main">
+  <p:cSld>
+    <p:spTree>
+      <p:nvGrpSpPr>
+        <p:cNvPr id="1" name=""/>
+        <p:cNvGrpSpPr/>
+        <p:nvPr/>
+      </p:nvGrpSpPr>
+      <p:grpSpPr>
+        <a:xfrm>
+          <a:off x="0" y="0"/>
+          <a:ext cx="0" cy="0"/>
+          <a:chOff x="0" y="0"/>
+          <a:chExt cx="0" cy="0"/>
+        </a:xfrm>
+      </p:grpSpPr>
+      <p:sp>
+        <p:nvSpPr>
+          <p:cNvPr id="2" name="ZoneTexte 1">
+            <a:extLst>
+              <a:ext uri="{FF2B5EF4-FFF2-40B4-BE49-F238E27FC236}">
+                <a16:creationId xmlns:a16="http://schemas.microsoft.com/office/drawing/2014/main" id="{536CE0D5-47AC-484A-A05B-416C49C244C2}"/>
+              </a:ext>
+            </a:extLst>
+          </p:cNvPr>
+          <p:cNvSpPr txBox="1"/>
+          <p:nvPr/>
+        </p:nvSpPr>
+        <p:spPr>
+          <a:xfrm>
+            <a:off x="2375271" y="1113184"/>
+            <a:ext cx="17880677" cy="1046440"/>
+          </a:xfrm>
+          <a:prstGeom prst="rect">
+            <a:avLst/>
+          </a:prstGeom>
+          <a:noFill/>
+        </p:spPr>
+        <p:txBody>
+          <a:bodyPr wrap="square" rtlCol="0">
+            <a:spAutoFit/>
+          </a:bodyPr>
+          <a:lstStyle/>
+          <a:p>
+            <a:r>
+              <a:rPr lang="fr-FR" sz="6200" b="1" dirty="0">
+                <a:latin typeface="Montserrat" panose="00000500000000000000" pitchFamily="2" charset="0"/>
+              </a:rPr>
+              <a:t>V : Méthode de l’ordonnancement</a:t>
+            </a:r>
+          </a:p>
+        </p:txBody>
+      </p:sp>
+      <p:sp>
+        <p:nvSpPr>
+          <p:cNvPr id="3" name="ZoneTexte 2">
+            <a:extLst>
+              <a:ext uri="{FF2B5EF4-FFF2-40B4-BE49-F238E27FC236}">
+                <a16:creationId xmlns:a16="http://schemas.microsoft.com/office/drawing/2014/main" id="{1821A6BC-3EAE-47C5-86EC-2C4075E9138A}"/>
+              </a:ext>
+            </a:extLst>
+          </p:cNvPr>
+          <p:cNvSpPr txBox="1"/>
+          <p:nvPr/>
+        </p:nvSpPr>
+        <p:spPr>
+          <a:xfrm>
+            <a:off x="2375271" y="2523612"/>
+            <a:ext cx="14636379" cy="9694962"/>
+          </a:xfrm>
+          <a:prstGeom prst="rect">
+            <a:avLst/>
+          </a:prstGeom>
+          <a:noFill/>
+        </p:spPr>
+        <p:txBody>
+          <a:bodyPr wrap="square" rtlCol="0">
+            <a:spAutoFit/>
+          </a:bodyPr>
+          <a:lstStyle/>
+          <a:p>
+            <a:pPr algn="just"/>
+            <a:r>
+              <a:rPr lang="fr-FR" dirty="0">
+                <a:latin typeface="Montserrat" panose="00000500000000000000" pitchFamily="2" charset="0"/>
+              </a:rPr>
+              <a:t>Pour chaque sommet, on calcul la date au plus tard :</a:t>
+            </a:r>
+          </a:p>
+          <a:p>
+            <a:pPr algn="just"/>
+            <a:endParaRPr lang="fr-FR" dirty="0">
+              <a:latin typeface="Montserrat" panose="00000500000000000000" pitchFamily="2" charset="0"/>
+            </a:endParaRPr>
+          </a:p>
+          <a:p>
+            <a:pPr algn="just"/>
+            <a:r>
+              <a:rPr lang="fr-FR" dirty="0">
+                <a:latin typeface="Montserrat" panose="00000500000000000000" pitchFamily="2" charset="0"/>
+              </a:rPr>
+              <a:t>	- Date au plus tard = </a:t>
+            </a:r>
+          </a:p>
+          <a:p>
+            <a:pPr algn="just"/>
+            <a:r>
+              <a:rPr lang="fr-FR" dirty="0">
+                <a:latin typeface="Montserrat" panose="00000500000000000000" pitchFamily="2" charset="0"/>
+              </a:rPr>
+              <a:t>		Date au plus tard du successeur</a:t>
+            </a:r>
+          </a:p>
+          <a:p>
+            <a:pPr algn="just"/>
+            <a:r>
+              <a:rPr lang="fr-FR" dirty="0">
+                <a:latin typeface="Montserrat" panose="00000500000000000000" pitchFamily="2" charset="0"/>
+              </a:rPr>
+              <a:t>		- valeur de la tache du sommet</a:t>
+            </a:r>
+          </a:p>
+          <a:p>
+            <a:pPr algn="just"/>
+            <a:r>
+              <a:rPr lang="fr-FR" dirty="0">
+                <a:latin typeface="Montserrat" panose="00000500000000000000" pitchFamily="2" charset="0"/>
+              </a:rPr>
+              <a:t>	- Date au plus tard retenue =</a:t>
+            </a:r>
+          </a:p>
+          <a:p>
+            <a:pPr algn="just"/>
+            <a:r>
+              <a:rPr lang="fr-FR" dirty="0">
+                <a:latin typeface="Montserrat" panose="00000500000000000000" pitchFamily="2" charset="0"/>
+              </a:rPr>
+              <a:t>		Date au plus tard la plus petite parmi toutes </a:t>
+            </a:r>
+          </a:p>
+          <a:p>
+            <a:pPr algn="just"/>
+            <a:r>
+              <a:rPr lang="fr-FR" dirty="0">
+                <a:latin typeface="Montserrat" panose="00000500000000000000" pitchFamily="2" charset="0"/>
+              </a:rPr>
+              <a:t>		les dates au plus tard calculées</a:t>
+            </a:r>
+          </a:p>
+          <a:p>
+            <a:pPr algn="just"/>
+            <a:r>
+              <a:rPr lang="fr-FR" dirty="0">
+                <a:latin typeface="Montserrat" panose="00000500000000000000" pitchFamily="2" charset="0"/>
+              </a:rPr>
+              <a:t>	</a:t>
+            </a:r>
+          </a:p>
+          <a:p>
+            <a:pPr algn="just"/>
+            <a:r>
+              <a:rPr lang="fr-FR" dirty="0">
+                <a:latin typeface="Montserrat" panose="00000500000000000000" pitchFamily="2" charset="0"/>
+              </a:rPr>
+              <a:t>Le calcul se fait en partant de la sortie puis par ordre décroissant du rang. </a:t>
+            </a:r>
+          </a:p>
+          <a:p>
+            <a:pPr algn="just"/>
+            <a:endParaRPr lang="fr-FR" dirty="0">
+              <a:latin typeface="Montserrat" panose="00000500000000000000" pitchFamily="2" charset="0"/>
+            </a:endParaRPr>
+          </a:p>
+          <a:p>
+            <a:pPr algn="just"/>
+            <a:r>
+              <a:rPr lang="fr-FR" dirty="0">
+                <a:latin typeface="Montserrat" panose="00000500000000000000" pitchFamily="2" charset="0"/>
+              </a:rPr>
+              <a:t>Date au plus tard sortie = date au plus tôt sortie</a:t>
+            </a:r>
+          </a:p>
+          <a:p>
+            <a:pPr algn="just"/>
+            <a:endParaRPr lang="fr-FR" dirty="0"/>
+          </a:p>
+          <a:p>
+            <a:pPr algn="just"/>
+            <a:r>
+              <a:rPr lang="fr-FR" dirty="0">
+                <a:latin typeface="Montserrat" panose="00000500000000000000" pitchFamily="2" charset="0"/>
+              </a:rPr>
+              <a:t>Marge sommet i = Date au plus tard – date au plus tôt </a:t>
+            </a:r>
+            <a:endParaRPr lang="fr-FR" dirty="0"/>
+          </a:p>
+          <a:p>
+            <a:pPr lvl="1"/>
+            <a:endParaRPr lang="fr-FR" sz="4200" dirty="0">
+              <a:latin typeface="Montserrat" panose="00000500000000000000" pitchFamily="2" charset="0"/>
+            </a:endParaRPr>
+          </a:p>
+          <a:p>
+            <a:pPr marL="1485946" lvl="1" indent="-571500">
+              <a:buFont typeface="Wingdings" panose="05000000000000000000" pitchFamily="2" charset="2"/>
+              <a:buChar char="Ø"/>
+            </a:pPr>
+            <a:endParaRPr lang="fr-FR" sz="4200" dirty="0">
+              <a:latin typeface="Montserrat" panose="00000500000000000000" pitchFamily="2" charset="0"/>
+            </a:endParaRPr>
+          </a:p>
+        </p:txBody>
+      </p:sp>
+      <p:pic>
+        <p:nvPicPr>
+          <p:cNvPr id="5" name="Image 4">
+            <a:extLst>
+              <a:ext uri="{FF2B5EF4-FFF2-40B4-BE49-F238E27FC236}">
+                <a16:creationId xmlns:a16="http://schemas.microsoft.com/office/drawing/2014/main" id="{66DAA051-29B0-451C-9A0D-582D083B3232}"/>
+              </a:ext>
+            </a:extLst>
+          </p:cNvPr>
+          <p:cNvPicPr>
+            <a:picLocks noChangeAspect="1"/>
+          </p:cNvPicPr>
+          <p:nvPr/>
+        </p:nvPicPr>
+        <p:blipFill>
+          <a:blip r:embed="rId2"/>
+          <a:stretch>
+            <a:fillRect/>
+          </a:stretch>
+        </p:blipFill>
+        <p:spPr>
+          <a:xfrm>
+            <a:off x="17532519" y="4313218"/>
+            <a:ext cx="5446857" cy="1590675"/>
+          </a:xfrm>
+          <a:prstGeom prst="rect">
+            <a:avLst/>
+          </a:prstGeom>
+        </p:spPr>
+      </p:pic>
+      <p:sp>
+        <p:nvSpPr>
+          <p:cNvPr id="7" name="ZoneTexte 6">
+            <a:extLst>
+              <a:ext uri="{FF2B5EF4-FFF2-40B4-BE49-F238E27FC236}">
+                <a16:creationId xmlns:a16="http://schemas.microsoft.com/office/drawing/2014/main" id="{4AA0E3F0-63A1-4001-B82E-E5B7996A7FD9}"/>
+              </a:ext>
+            </a:extLst>
+          </p:cNvPr>
+          <p:cNvSpPr txBox="1"/>
+          <p:nvPr/>
+        </p:nvSpPr>
+        <p:spPr>
+          <a:xfrm>
+            <a:off x="17031472" y="5903893"/>
+            <a:ext cx="6448952" cy="954107"/>
+          </a:xfrm>
+          <a:prstGeom prst="rect">
+            <a:avLst/>
+          </a:prstGeom>
+          <a:noFill/>
+        </p:spPr>
+        <p:txBody>
+          <a:bodyPr wrap="square" rtlCol="0">
+            <a:spAutoFit/>
+          </a:bodyPr>
+          <a:lstStyle/>
+          <a:p>
+            <a:pPr algn="ctr"/>
+            <a:r>
+              <a:rPr lang="fr-FR" sz="2800" i="1" dirty="0">
+                <a:latin typeface="Open Sans" panose="020B0606030504020204" pitchFamily="34" charset="0"/>
+                <a:ea typeface="Open Sans" panose="020B0606030504020204" pitchFamily="34" charset="0"/>
+                <a:cs typeface="Open Sans" panose="020B0606030504020204" pitchFamily="34" charset="0"/>
+              </a:rPr>
+              <a:t>Figure 1 : Exemple pour le sommet  7</a:t>
+            </a:r>
+          </a:p>
+          <a:p>
+            <a:pPr algn="ctr"/>
+            <a:r>
+              <a:rPr lang="fr-FR" sz="2800" i="1" dirty="0">
+                <a:latin typeface="Open Sans" panose="020B0606030504020204" pitchFamily="34" charset="0"/>
+                <a:ea typeface="Open Sans" panose="020B0606030504020204" pitchFamily="34" charset="0"/>
+                <a:cs typeface="Open Sans" panose="020B0606030504020204" pitchFamily="34" charset="0"/>
+              </a:rPr>
+              <a:t>du graphe 11</a:t>
+            </a:r>
+          </a:p>
+        </p:txBody>
+      </p:sp>
+    </p:spTree>
+    <p:extLst>
+      <p:ext uri="{BB962C8B-B14F-4D97-AF65-F5344CB8AC3E}">
+        <p14:creationId xmlns:p14="http://schemas.microsoft.com/office/powerpoint/2010/main" val="3200125803"/>
+      </p:ext>
+    </p:extLst>
+  </p:cSld>
+  <p:clrMapOvr>
+    <a:masterClrMapping/>
+  </p:clrMapOvr>
+</p:sld>
+</file>
+
+<file path=ppt/slides/slide15.xml><?xml version="1.0" encoding="utf-8"?>
 <p:sld xmlns:a="http://schemas.openxmlformats.org/drawingml/2006/main" xmlns:r="http://schemas.openxmlformats.org/officeDocument/2006/relationships" xmlns:p="http://schemas.openxmlformats.org/presentationml/2006/main">
   <p:cSld>
     <p:spTree>
@@ -1629,7 +3166,7 @@
               <a:rPr lang="fr-FR" sz="6200" b="1" dirty="0">
                 <a:latin typeface="Montserrat" panose="00000500000000000000" pitchFamily="2" charset="0"/>
               </a:rPr>
-              <a:t>I : Structure des données</a:t>
+              <a:t>I : Classes/Structure des données</a:t>
             </a:r>
           </a:p>
         </p:txBody>
@@ -1875,7 +3412,7 @@
           <p:cNvPr id="2" name="ZoneTexte 1">
             <a:extLst>
               <a:ext uri="{FF2B5EF4-FFF2-40B4-BE49-F238E27FC236}">
-                <a16:creationId xmlns:a16="http://schemas.microsoft.com/office/drawing/2014/main" id="{BADF6940-8781-4AFC-9625-097DB8BB1C2F}"/>
+                <a16:creationId xmlns:a16="http://schemas.microsoft.com/office/drawing/2014/main" id="{A9FF8833-BA63-4434-8F08-BB8EA7F73171}"/>
               </a:ext>
             </a:extLst>
           </p:cNvPr>
@@ -1902,17 +3439,152 @@
               <a:rPr lang="fr-FR" sz="6200" b="1" dirty="0">
                 <a:latin typeface="Montserrat" panose="00000500000000000000" pitchFamily="2" charset="0"/>
               </a:rPr>
-              <a:t>II : Structure général du programme</a:t>
+              <a:t>I : Classes/Structure des données</a:t>
+            </a:r>
+          </a:p>
+        </p:txBody>
+      </p:sp>
+      <p:sp>
+        <p:nvSpPr>
+          <p:cNvPr id="4" name="ZoneTexte 3">
+            <a:extLst>
+              <a:ext uri="{FF2B5EF4-FFF2-40B4-BE49-F238E27FC236}">
+                <a16:creationId xmlns:a16="http://schemas.microsoft.com/office/drawing/2014/main" id="{538EA1FC-6F02-4204-B003-2D08A2C812CC}"/>
+              </a:ext>
+            </a:extLst>
+          </p:cNvPr>
+          <p:cNvSpPr txBox="1"/>
+          <p:nvPr/>
+        </p:nvSpPr>
+        <p:spPr>
+          <a:xfrm>
+            <a:off x="1838313" y="3250426"/>
+            <a:ext cx="20710547" cy="646331"/>
+          </a:xfrm>
+          <a:prstGeom prst="rect">
+            <a:avLst/>
+          </a:prstGeom>
+          <a:noFill/>
+        </p:spPr>
+        <p:txBody>
+          <a:bodyPr wrap="square" rtlCol="0">
+            <a:spAutoFit/>
+          </a:bodyPr>
+          <a:lstStyle/>
+          <a:p>
+            <a:pPr algn="ctr"/>
+            <a:r>
+              <a:rPr lang="fr-FR" dirty="0">
+                <a:latin typeface="Open Sans" panose="020B0606030504020204" pitchFamily="34" charset="0"/>
+                <a:ea typeface="Open Sans" panose="020B0606030504020204" pitchFamily="34" charset="0"/>
+                <a:cs typeface="Open Sans" panose="020B0606030504020204" pitchFamily="34" charset="0"/>
+              </a:rPr>
+              <a:t>2 structures de données	</a:t>
+            </a:r>
+          </a:p>
+        </p:txBody>
+      </p:sp>
+      <p:sp>
+        <p:nvSpPr>
+          <p:cNvPr id="5" name="ZoneTexte 4">
+            <a:extLst>
+              <a:ext uri="{FF2B5EF4-FFF2-40B4-BE49-F238E27FC236}">
+                <a16:creationId xmlns:a16="http://schemas.microsoft.com/office/drawing/2014/main" id="{FBBD58BA-BDD1-48E8-9FC8-12725EC81AA1}"/>
+              </a:ext>
+            </a:extLst>
+          </p:cNvPr>
+          <p:cNvSpPr txBox="1"/>
+          <p:nvPr/>
+        </p:nvSpPr>
+        <p:spPr>
+          <a:xfrm>
+            <a:off x="1838312" y="4987559"/>
+            <a:ext cx="10355275" cy="3416320"/>
+          </a:xfrm>
+          <a:prstGeom prst="rect">
+            <a:avLst/>
+          </a:prstGeom>
+          <a:noFill/>
+        </p:spPr>
+        <p:txBody>
+          <a:bodyPr wrap="square" rtlCol="0">
+            <a:spAutoFit/>
+          </a:bodyPr>
+          <a:lstStyle/>
+          <a:p>
+            <a:pPr marL="571500" indent="-571500">
+              <a:buFontTx/>
+              <a:buChar char="-"/>
+            </a:pPr>
+            <a:r>
+              <a:rPr lang="fr-FR" dirty="0">
+                <a:latin typeface="Open Sans" panose="020B0606030504020204" pitchFamily="34" charset="0"/>
+                <a:ea typeface="Open Sans" panose="020B0606030504020204" pitchFamily="34" charset="0"/>
+                <a:cs typeface="Open Sans" panose="020B0606030504020204" pitchFamily="34" charset="0"/>
+              </a:rPr>
+              <a:t>Liste </a:t>
+            </a:r>
+          </a:p>
+          <a:p>
+            <a:pPr lvl="1"/>
+            <a:endParaRPr lang="fr-FR" dirty="0">
+              <a:latin typeface="Open Sans" panose="020B0606030504020204" pitchFamily="34" charset="0"/>
+              <a:ea typeface="Open Sans" panose="020B0606030504020204" pitchFamily="34" charset="0"/>
+              <a:cs typeface="Open Sans" panose="020B0606030504020204" pitchFamily="34" charset="0"/>
+            </a:endParaRPr>
+          </a:p>
+          <a:p>
+            <a:pPr marL="1485946" lvl="1" indent="-571500">
+              <a:buFontTx/>
+              <a:buChar char="-"/>
+            </a:pPr>
+            <a:r>
+              <a:rPr lang="fr-FR" dirty="0" err="1">
+                <a:latin typeface="Open Sans" panose="020B0606030504020204" pitchFamily="34" charset="0"/>
+                <a:ea typeface="Open Sans" panose="020B0606030504020204" pitchFamily="34" charset="0"/>
+                <a:cs typeface="Open Sans" panose="020B0606030504020204" pitchFamily="34" charset="0"/>
+              </a:rPr>
+              <a:t>ArrayList</a:t>
+            </a:r>
+            <a:r>
+              <a:rPr lang="fr-FR" dirty="0">
+                <a:latin typeface="Open Sans" panose="020B0606030504020204" pitchFamily="34" charset="0"/>
+                <a:ea typeface="Open Sans" panose="020B0606030504020204" pitchFamily="34" charset="0"/>
+                <a:cs typeface="Open Sans" panose="020B0606030504020204" pitchFamily="34" charset="0"/>
+              </a:rPr>
+              <a:t>&lt;Arc&gt;</a:t>
+            </a:r>
+          </a:p>
+          <a:p>
+            <a:pPr lvl="1"/>
+            <a:r>
+              <a:rPr lang="fr-FR" dirty="0">
+                <a:latin typeface="Open Sans" panose="020B0606030504020204" pitchFamily="34" charset="0"/>
+                <a:ea typeface="Open Sans" panose="020B0606030504020204" pitchFamily="34" charset="0"/>
+                <a:cs typeface="Open Sans" panose="020B0606030504020204" pitchFamily="34" charset="0"/>
+              </a:rPr>
+              <a:t>=&gt; 	Stockage de la liste des arcs</a:t>
+            </a:r>
+          </a:p>
+          <a:p>
+            <a:pPr lvl="1"/>
+            <a:r>
+              <a:rPr lang="fr-FR" dirty="0">
+                <a:latin typeface="Open Sans" panose="020B0606030504020204" pitchFamily="34" charset="0"/>
+                <a:ea typeface="Open Sans" panose="020B0606030504020204" pitchFamily="34" charset="0"/>
+                <a:cs typeface="Open Sans" panose="020B0606030504020204" pitchFamily="34" charset="0"/>
+              </a:rPr>
+              <a:t>=&gt; 	Utilisée pour construire la matrice d’adjacence et des valeurs	</a:t>
             </a:r>
           </a:p>
         </p:txBody>
       </p:sp>
       <p:pic>
         <p:nvPicPr>
-          <p:cNvPr id="3" name="Image 2">
-            <a:extLst>
-              <a:ext uri="{FF2B5EF4-FFF2-40B4-BE49-F238E27FC236}">
-                <a16:creationId xmlns:a16="http://schemas.microsoft.com/office/drawing/2014/main" id="{C043BB56-3AF4-4C63-8795-937B575C6A37}"/>
+          <p:cNvPr id="6" name="Image 5">
+            <a:extLst>
+              <a:ext uri="{FF2B5EF4-FFF2-40B4-BE49-F238E27FC236}">
+                <a16:creationId xmlns:a16="http://schemas.microsoft.com/office/drawing/2014/main" id="{BB6FB4D8-8B6F-4964-93FD-F3945856D3D6}"/>
               </a:ext>
             </a:extLst>
           </p:cNvPr>
@@ -1929,8 +3601,8 @@
         </p:blipFill>
         <p:spPr>
           <a:xfrm>
-            <a:off x="13582579" y="4152485"/>
-            <a:ext cx="8835257" cy="6365185"/>
+            <a:off x="1467294" y="10265812"/>
+            <a:ext cx="9864450" cy="1109324"/>
           </a:xfrm>
           <a:prstGeom prst="rect">
             <a:avLst/>
@@ -1939,10 +3611,10 @@
       </p:pic>
       <p:sp>
         <p:nvSpPr>
-          <p:cNvPr id="6" name="ZoneTexte 5">
-            <a:extLst>
-              <a:ext uri="{FF2B5EF4-FFF2-40B4-BE49-F238E27FC236}">
-                <a16:creationId xmlns:a16="http://schemas.microsoft.com/office/drawing/2014/main" id="{A31EF583-50D6-46C8-AB9C-330A99875210}"/>
+          <p:cNvPr id="8" name="ZoneTexte 7">
+            <a:extLst>
+              <a:ext uri="{FF2B5EF4-FFF2-40B4-BE49-F238E27FC236}">
+                <a16:creationId xmlns:a16="http://schemas.microsoft.com/office/drawing/2014/main" id="{556DAE75-9FD5-4FF6-B527-81E3DFDF571E}"/>
               </a:ext>
             </a:extLst>
           </p:cNvPr>
@@ -1951,8 +3623,8 @@
         </p:nvSpPr>
         <p:spPr>
           <a:xfrm>
-            <a:off x="1838557" y="4152485"/>
-            <a:ext cx="11744021" cy="6186309"/>
+            <a:off x="12193585" y="4987559"/>
+            <a:ext cx="10355275" cy="3970318"/>
           </a:xfrm>
           <a:prstGeom prst="rect">
             <a:avLst/>
@@ -1965,103 +3637,183 @@
           </a:bodyPr>
           <a:lstStyle/>
           <a:p>
-            <a:r>
-              <a:rPr lang="fr-FR" dirty="0">
-                <a:latin typeface="Open Sans" panose="020B0606030504020204" pitchFamily="34" charset="0"/>
-                <a:ea typeface="Open Sans" panose="020B0606030504020204" pitchFamily="34" charset="0"/>
-                <a:cs typeface="Open Sans" panose="020B0606030504020204" pitchFamily="34" charset="0"/>
-              </a:rPr>
-              <a:t>Faire</a:t>
-            </a:r>
-          </a:p>
-          <a:p>
-            <a:r>
-              <a:rPr lang="fr-FR" dirty="0">
-                <a:latin typeface="Open Sans" panose="020B0606030504020204" pitchFamily="34" charset="0"/>
-                <a:ea typeface="Open Sans" panose="020B0606030504020204" pitchFamily="34" charset="0"/>
-                <a:cs typeface="Open Sans" panose="020B0606030504020204" pitchFamily="34" charset="0"/>
-              </a:rPr>
-              <a:t>    Choix utilisateur du graphe</a:t>
-            </a:r>
-          </a:p>
-          <a:p>
-            <a:r>
-              <a:rPr lang="fr-FR" dirty="0">
-                <a:latin typeface="Open Sans" panose="020B0606030504020204" pitchFamily="34" charset="0"/>
-                <a:ea typeface="Open Sans" panose="020B0606030504020204" pitchFamily="34" charset="0"/>
-                <a:cs typeface="Open Sans" panose="020B0606030504020204" pitchFamily="34" charset="0"/>
-              </a:rPr>
-              <a:t>    Construction du graphe</a:t>
-            </a:r>
-          </a:p>
-          <a:p>
-            <a:r>
-              <a:rPr lang="fr-FR" dirty="0">
-                <a:latin typeface="Open Sans" panose="020B0606030504020204" pitchFamily="34" charset="0"/>
-                <a:ea typeface="Open Sans" panose="020B0606030504020204" pitchFamily="34" charset="0"/>
-                <a:cs typeface="Open Sans" panose="020B0606030504020204" pitchFamily="34" charset="0"/>
-              </a:rPr>
-              <a:t>    Si graphe construit</a:t>
-            </a:r>
-          </a:p>
-          <a:p>
-            <a:r>
-              <a:rPr lang="fr-FR" dirty="0">
-                <a:latin typeface="Open Sans" panose="020B0606030504020204" pitchFamily="34" charset="0"/>
-                <a:ea typeface="Open Sans" panose="020B0606030504020204" pitchFamily="34" charset="0"/>
-                <a:cs typeface="Open Sans" panose="020B0606030504020204" pitchFamily="34" charset="0"/>
-              </a:rPr>
-              <a:t>	Affichage des matrices</a:t>
-            </a:r>
-          </a:p>
-          <a:p>
-            <a:r>
-              <a:rPr lang="fr-FR" dirty="0">
-                <a:latin typeface="Open Sans" panose="020B0606030504020204" pitchFamily="34" charset="0"/>
-                <a:ea typeface="Open Sans" panose="020B0606030504020204" pitchFamily="34" charset="0"/>
-                <a:cs typeface="Open Sans" panose="020B0606030504020204" pitchFamily="34" charset="0"/>
-              </a:rPr>
-              <a:t>	Si pas de circuit</a:t>
-            </a:r>
-          </a:p>
-          <a:p>
-            <a:r>
-              <a:rPr lang="fr-FR" dirty="0">
-                <a:latin typeface="Open Sans" panose="020B0606030504020204" pitchFamily="34" charset="0"/>
-                <a:ea typeface="Open Sans" panose="020B0606030504020204" pitchFamily="34" charset="0"/>
-                <a:cs typeface="Open Sans" panose="020B0606030504020204" pitchFamily="34" charset="0"/>
-              </a:rPr>
-              <a:t>		Calcul du rang</a:t>
-            </a:r>
-          </a:p>
-          <a:p>
-            <a:r>
-              <a:rPr lang="fr-FR" dirty="0">
-                <a:latin typeface="Open Sans" panose="020B0606030504020204" pitchFamily="34" charset="0"/>
-                <a:ea typeface="Open Sans" panose="020B0606030504020204" pitchFamily="34" charset="0"/>
-                <a:cs typeface="Open Sans" panose="020B0606030504020204" pitchFamily="34" charset="0"/>
-              </a:rPr>
-              <a:t>		si est un graphe d’ordonnancement</a:t>
-            </a:r>
-          </a:p>
-          <a:p>
-            <a:r>
-              <a:rPr lang="fr-FR" dirty="0">
-                <a:latin typeface="Open Sans" panose="020B0606030504020204" pitchFamily="34" charset="0"/>
-                <a:ea typeface="Open Sans" panose="020B0606030504020204" pitchFamily="34" charset="0"/>
-                <a:cs typeface="Open Sans" panose="020B0606030504020204" pitchFamily="34" charset="0"/>
-              </a:rPr>
-              <a:t>			Ordonnancement</a:t>
-            </a:r>
-          </a:p>
-          <a:p>
-            <a:r>
-              <a:rPr lang="fr-FR" dirty="0">
-                <a:latin typeface="Open Sans" panose="020B0606030504020204" pitchFamily="34" charset="0"/>
-                <a:ea typeface="Open Sans" panose="020B0606030504020204" pitchFamily="34" charset="0"/>
-                <a:cs typeface="Open Sans" panose="020B0606030504020204" pitchFamily="34" charset="0"/>
-              </a:rPr>
-              <a:t>Tant que l’utilisateur veut choisir un graphe		</a:t>
+            <a:pPr marL="571500" indent="-571500">
+              <a:buFontTx/>
+              <a:buChar char="-"/>
+            </a:pPr>
+            <a:r>
+              <a:rPr lang="fr-FR" dirty="0">
+                <a:latin typeface="Open Sans" panose="020B0606030504020204" pitchFamily="34" charset="0"/>
+                <a:ea typeface="Open Sans" panose="020B0606030504020204" pitchFamily="34" charset="0"/>
+                <a:cs typeface="Open Sans" panose="020B0606030504020204" pitchFamily="34" charset="0"/>
+              </a:rPr>
+              <a:t>Matrice [</a:t>
+            </a:r>
+            <a:r>
+              <a:rPr lang="fr-FR" dirty="0" err="1">
+                <a:latin typeface="Open Sans" panose="020B0606030504020204" pitchFamily="34" charset="0"/>
+                <a:ea typeface="Open Sans" panose="020B0606030504020204" pitchFamily="34" charset="0"/>
+                <a:cs typeface="Open Sans" panose="020B0606030504020204" pitchFamily="34" charset="0"/>
+              </a:rPr>
+              <a:t>nb_sommet</a:t>
+            </a:r>
+            <a:r>
+              <a:rPr lang="fr-FR" dirty="0">
+                <a:latin typeface="Open Sans" panose="020B0606030504020204" pitchFamily="34" charset="0"/>
+                <a:ea typeface="Open Sans" panose="020B0606030504020204" pitchFamily="34" charset="0"/>
+                <a:cs typeface="Open Sans" panose="020B0606030504020204" pitchFamily="34" charset="0"/>
+              </a:rPr>
+              <a:t> x </a:t>
+            </a:r>
+            <a:r>
+              <a:rPr lang="fr-FR" dirty="0" err="1">
+                <a:latin typeface="Open Sans" panose="020B0606030504020204" pitchFamily="34" charset="0"/>
+                <a:ea typeface="Open Sans" panose="020B0606030504020204" pitchFamily="34" charset="0"/>
+                <a:cs typeface="Open Sans" panose="020B0606030504020204" pitchFamily="34" charset="0"/>
+              </a:rPr>
+              <a:t>nb_sommet</a:t>
+            </a:r>
+            <a:r>
+              <a:rPr lang="fr-FR" dirty="0">
+                <a:latin typeface="Open Sans" panose="020B0606030504020204" pitchFamily="34" charset="0"/>
+                <a:ea typeface="Open Sans" panose="020B0606030504020204" pitchFamily="34" charset="0"/>
+                <a:cs typeface="Open Sans" panose="020B0606030504020204" pitchFamily="34" charset="0"/>
+              </a:rPr>
+              <a:t>]</a:t>
+            </a:r>
+          </a:p>
+          <a:p>
+            <a:pPr lvl="1"/>
+            <a:endParaRPr lang="fr-FR" dirty="0">
+              <a:latin typeface="Open Sans" panose="020B0606030504020204" pitchFamily="34" charset="0"/>
+              <a:ea typeface="Open Sans" panose="020B0606030504020204" pitchFamily="34" charset="0"/>
+              <a:cs typeface="Open Sans" panose="020B0606030504020204" pitchFamily="34" charset="0"/>
+            </a:endParaRPr>
+          </a:p>
+          <a:p>
+            <a:pPr marL="1485946" lvl="1" indent="-571500">
+              <a:buFontTx/>
+              <a:buChar char="-"/>
+            </a:pPr>
+            <a:r>
+              <a:rPr lang="fr-FR" dirty="0">
+                <a:latin typeface="Open Sans" panose="020B0606030504020204" pitchFamily="34" charset="0"/>
+                <a:ea typeface="Open Sans" panose="020B0606030504020204" pitchFamily="34" charset="0"/>
+                <a:cs typeface="Open Sans" panose="020B0606030504020204" pitchFamily="34" charset="0"/>
+              </a:rPr>
+              <a:t>Adjacence </a:t>
+            </a:r>
+          </a:p>
+          <a:p>
+            <a:pPr marL="2400391" lvl="2" indent="-571500">
+              <a:buFontTx/>
+              <a:buChar char="-"/>
+            </a:pPr>
+            <a:r>
+              <a:rPr lang="fr-FR" dirty="0">
+                <a:latin typeface="Open Sans" panose="020B0606030504020204" pitchFamily="34" charset="0"/>
+                <a:ea typeface="Open Sans" panose="020B0606030504020204" pitchFamily="34" charset="0"/>
+                <a:cs typeface="Open Sans" panose="020B0606030504020204" pitchFamily="34" charset="0"/>
+              </a:rPr>
+              <a:t>Tableau 2D d’entier</a:t>
+            </a:r>
+          </a:p>
+          <a:p>
+            <a:pPr marL="1485946" lvl="1" indent="-571500">
+              <a:buFontTx/>
+              <a:buChar char="-"/>
+            </a:pPr>
+            <a:r>
+              <a:rPr lang="fr-FR" dirty="0">
+                <a:latin typeface="Open Sans" panose="020B0606030504020204" pitchFamily="34" charset="0"/>
+                <a:ea typeface="Open Sans" panose="020B0606030504020204" pitchFamily="34" charset="0"/>
+                <a:cs typeface="Open Sans" panose="020B0606030504020204" pitchFamily="34" charset="0"/>
+              </a:rPr>
+              <a:t>Valeurs</a:t>
+            </a:r>
+          </a:p>
+          <a:p>
+            <a:pPr marL="2400391" lvl="2" indent="-571500">
+              <a:buFontTx/>
+              <a:buChar char="-"/>
+            </a:pPr>
+            <a:r>
+              <a:rPr lang="fr-FR" dirty="0">
+                <a:latin typeface="Open Sans" panose="020B0606030504020204" pitchFamily="34" charset="0"/>
+                <a:ea typeface="Open Sans" panose="020B0606030504020204" pitchFamily="34" charset="0"/>
+                <a:cs typeface="Open Sans" panose="020B0606030504020204" pitchFamily="34" charset="0"/>
+              </a:rPr>
+              <a:t>Tableau 2D de chaine de caractère	</a:t>
+            </a:r>
+          </a:p>
+        </p:txBody>
+      </p:sp>
+      <p:pic>
+        <p:nvPicPr>
+          <p:cNvPr id="9" name="Image 8">
+            <a:extLst>
+              <a:ext uri="{FF2B5EF4-FFF2-40B4-BE49-F238E27FC236}">
+                <a16:creationId xmlns:a16="http://schemas.microsoft.com/office/drawing/2014/main" id="{FE40B7F2-D91D-4939-BCA2-A316F1A0EB6C}"/>
+              </a:ext>
+            </a:extLst>
+          </p:cNvPr>
+          <p:cNvPicPr>
+            <a:picLocks noChangeAspect="1"/>
+          </p:cNvPicPr>
+          <p:nvPr/>
+        </p:nvPicPr>
+        <p:blipFill>
+          <a:blip r:embed="rId3"/>
+          <a:stretch>
+            <a:fillRect/>
+          </a:stretch>
+        </p:blipFill>
+        <p:spPr>
+          <a:xfrm>
+            <a:off x="16216375" y="8670175"/>
+            <a:ext cx="4119881" cy="3191273"/>
+          </a:xfrm>
+          <a:prstGeom prst="rect">
+            <a:avLst/>
+          </a:prstGeom>
+        </p:spPr>
+      </p:pic>
+      <p:sp>
+        <p:nvSpPr>
+          <p:cNvPr id="11" name="ZoneTexte 10">
+            <a:extLst>
+              <a:ext uri="{FF2B5EF4-FFF2-40B4-BE49-F238E27FC236}">
+                <a16:creationId xmlns:a16="http://schemas.microsoft.com/office/drawing/2014/main" id="{03D7B03A-7BAC-4FCE-B4B4-234C95069880}"/>
+              </a:ext>
+            </a:extLst>
+          </p:cNvPr>
+          <p:cNvSpPr txBox="1"/>
+          <p:nvPr/>
+        </p:nvSpPr>
+        <p:spPr>
+          <a:xfrm>
+            <a:off x="15051839" y="11996160"/>
+            <a:ext cx="6448952" cy="954107"/>
+          </a:xfrm>
+          <a:prstGeom prst="rect">
+            <a:avLst/>
+          </a:prstGeom>
+          <a:noFill/>
+        </p:spPr>
+        <p:txBody>
+          <a:bodyPr wrap="square" rtlCol="0">
+            <a:spAutoFit/>
+          </a:bodyPr>
+          <a:lstStyle/>
+          <a:p>
+            <a:pPr algn="ctr"/>
+            <a:r>
+              <a:rPr lang="fr-FR" sz="2800" i="1" dirty="0">
+                <a:latin typeface="Open Sans" panose="020B0606030504020204" pitchFamily="34" charset="0"/>
+                <a:ea typeface="Open Sans" panose="020B0606030504020204" pitchFamily="34" charset="0"/>
+                <a:cs typeface="Open Sans" panose="020B0606030504020204" pitchFamily="34" charset="0"/>
+              </a:rPr>
+              <a:t>Figure  : Matrice d’adjacence du graphe 3</a:t>
             </a:r>
           </a:p>
         </p:txBody>
@@ -2069,7 +3821,7 @@
     </p:spTree>
     <p:extLst>
       <p:ext uri="{BB962C8B-B14F-4D97-AF65-F5344CB8AC3E}">
-        <p14:creationId xmlns:p14="http://schemas.microsoft.com/office/powerpoint/2010/main" val="3623557237"/>
+        <p14:creationId xmlns:p14="http://schemas.microsoft.com/office/powerpoint/2010/main" val="3568871093"/>
       </p:ext>
     </p:extLst>
   </p:cSld>
@@ -2096,6 +3848,240 @@
           <a:chExt cx="0" cy="0"/>
         </a:xfrm>
       </p:grpSpPr>
+      <p:sp>
+        <p:nvSpPr>
+          <p:cNvPr id="2" name="ZoneTexte 1">
+            <a:extLst>
+              <a:ext uri="{FF2B5EF4-FFF2-40B4-BE49-F238E27FC236}">
+                <a16:creationId xmlns:a16="http://schemas.microsoft.com/office/drawing/2014/main" id="{BADF6940-8781-4AFC-9625-097DB8BB1C2F}"/>
+              </a:ext>
+            </a:extLst>
+          </p:cNvPr>
+          <p:cNvSpPr txBox="1"/>
+          <p:nvPr/>
+        </p:nvSpPr>
+        <p:spPr>
+          <a:xfrm>
+            <a:off x="2375271" y="1113184"/>
+            <a:ext cx="16936278" cy="1046440"/>
+          </a:xfrm>
+          <a:prstGeom prst="rect">
+            <a:avLst/>
+          </a:prstGeom>
+          <a:noFill/>
+        </p:spPr>
+        <p:txBody>
+          <a:bodyPr wrap="square" rtlCol="0">
+            <a:spAutoFit/>
+          </a:bodyPr>
+          <a:lstStyle/>
+          <a:p>
+            <a:r>
+              <a:rPr lang="fr-FR" sz="6200" b="1" dirty="0">
+                <a:latin typeface="Montserrat" panose="00000500000000000000" pitchFamily="2" charset="0"/>
+              </a:rPr>
+              <a:t>II : Structure général du programme</a:t>
+            </a:r>
+          </a:p>
+        </p:txBody>
+      </p:sp>
+      <p:pic>
+        <p:nvPicPr>
+          <p:cNvPr id="3" name="Image 2">
+            <a:extLst>
+              <a:ext uri="{FF2B5EF4-FFF2-40B4-BE49-F238E27FC236}">
+                <a16:creationId xmlns:a16="http://schemas.microsoft.com/office/drawing/2014/main" id="{C043BB56-3AF4-4C63-8795-937B575C6A37}"/>
+              </a:ext>
+            </a:extLst>
+          </p:cNvPr>
+          <p:cNvPicPr>
+            <a:picLocks noChangeAspect="1"/>
+          </p:cNvPicPr>
+          <p:nvPr/>
+        </p:nvPicPr>
+        <p:blipFill>
+          <a:blip r:embed="rId2"/>
+          <a:stretch>
+            <a:fillRect/>
+          </a:stretch>
+        </p:blipFill>
+        <p:spPr>
+          <a:xfrm>
+            <a:off x="13713361" y="4063046"/>
+            <a:ext cx="8835257" cy="6365185"/>
+          </a:xfrm>
+          <a:prstGeom prst="rect">
+            <a:avLst/>
+          </a:prstGeom>
+        </p:spPr>
+      </p:pic>
+      <p:sp>
+        <p:nvSpPr>
+          <p:cNvPr id="6" name="ZoneTexte 5">
+            <a:extLst>
+              <a:ext uri="{FF2B5EF4-FFF2-40B4-BE49-F238E27FC236}">
+                <a16:creationId xmlns:a16="http://schemas.microsoft.com/office/drawing/2014/main" id="{A31EF583-50D6-46C8-AB9C-330A99875210}"/>
+              </a:ext>
+            </a:extLst>
+          </p:cNvPr>
+          <p:cNvSpPr txBox="1"/>
+          <p:nvPr/>
+        </p:nvSpPr>
+        <p:spPr>
+          <a:xfrm>
+            <a:off x="1838557" y="4152485"/>
+            <a:ext cx="11744021" cy="6186309"/>
+          </a:xfrm>
+          <a:prstGeom prst="rect">
+            <a:avLst/>
+          </a:prstGeom>
+          <a:noFill/>
+        </p:spPr>
+        <p:txBody>
+          <a:bodyPr wrap="square" rtlCol="0">
+            <a:spAutoFit/>
+          </a:bodyPr>
+          <a:lstStyle/>
+          <a:p>
+            <a:r>
+              <a:rPr lang="fr-FR" dirty="0">
+                <a:latin typeface="Open Sans" panose="020B0606030504020204" pitchFamily="34" charset="0"/>
+                <a:ea typeface="Open Sans" panose="020B0606030504020204" pitchFamily="34" charset="0"/>
+                <a:cs typeface="Open Sans" panose="020B0606030504020204" pitchFamily="34" charset="0"/>
+              </a:rPr>
+              <a:t>Faire</a:t>
+            </a:r>
+          </a:p>
+          <a:p>
+            <a:r>
+              <a:rPr lang="fr-FR" dirty="0">
+                <a:latin typeface="Open Sans" panose="020B0606030504020204" pitchFamily="34" charset="0"/>
+                <a:ea typeface="Open Sans" panose="020B0606030504020204" pitchFamily="34" charset="0"/>
+                <a:cs typeface="Open Sans" panose="020B0606030504020204" pitchFamily="34" charset="0"/>
+              </a:rPr>
+              <a:t>    Choix utilisateur du numéro du graphe</a:t>
+            </a:r>
+          </a:p>
+          <a:p>
+            <a:r>
+              <a:rPr lang="fr-FR" dirty="0">
+                <a:latin typeface="Open Sans" panose="020B0606030504020204" pitchFamily="34" charset="0"/>
+                <a:ea typeface="Open Sans" panose="020B0606030504020204" pitchFamily="34" charset="0"/>
+                <a:cs typeface="Open Sans" panose="020B0606030504020204" pitchFamily="34" charset="0"/>
+              </a:rPr>
+              <a:t>    Construction du graphe</a:t>
+            </a:r>
+          </a:p>
+          <a:p>
+            <a:r>
+              <a:rPr lang="fr-FR" dirty="0">
+                <a:latin typeface="Open Sans" panose="020B0606030504020204" pitchFamily="34" charset="0"/>
+                <a:ea typeface="Open Sans" panose="020B0606030504020204" pitchFamily="34" charset="0"/>
+                <a:cs typeface="Open Sans" panose="020B0606030504020204" pitchFamily="34" charset="0"/>
+              </a:rPr>
+              <a:t>    Si graphe construit correctement</a:t>
+            </a:r>
+          </a:p>
+          <a:p>
+            <a:r>
+              <a:rPr lang="fr-FR" dirty="0">
+                <a:latin typeface="Open Sans" panose="020B0606030504020204" pitchFamily="34" charset="0"/>
+                <a:ea typeface="Open Sans" panose="020B0606030504020204" pitchFamily="34" charset="0"/>
+                <a:cs typeface="Open Sans" panose="020B0606030504020204" pitchFamily="34" charset="0"/>
+              </a:rPr>
+              <a:t>	Affichage des matrices</a:t>
+            </a:r>
+          </a:p>
+          <a:p>
+            <a:r>
+              <a:rPr lang="fr-FR" dirty="0">
+                <a:latin typeface="Open Sans" panose="020B0606030504020204" pitchFamily="34" charset="0"/>
+                <a:ea typeface="Open Sans" panose="020B0606030504020204" pitchFamily="34" charset="0"/>
+                <a:cs typeface="Open Sans" panose="020B0606030504020204" pitchFamily="34" charset="0"/>
+              </a:rPr>
+              <a:t>	Si pas de circuit</a:t>
+            </a:r>
+          </a:p>
+          <a:p>
+            <a:r>
+              <a:rPr lang="fr-FR" dirty="0">
+                <a:latin typeface="Open Sans" panose="020B0606030504020204" pitchFamily="34" charset="0"/>
+                <a:ea typeface="Open Sans" panose="020B0606030504020204" pitchFamily="34" charset="0"/>
+                <a:cs typeface="Open Sans" panose="020B0606030504020204" pitchFamily="34" charset="0"/>
+              </a:rPr>
+              <a:t>		Calcul du rang</a:t>
+            </a:r>
+          </a:p>
+          <a:p>
+            <a:r>
+              <a:rPr lang="fr-FR" dirty="0">
+                <a:latin typeface="Open Sans" panose="020B0606030504020204" pitchFamily="34" charset="0"/>
+                <a:ea typeface="Open Sans" panose="020B0606030504020204" pitchFamily="34" charset="0"/>
+                <a:cs typeface="Open Sans" panose="020B0606030504020204" pitchFamily="34" charset="0"/>
+              </a:rPr>
+              <a:t>		si est un graphe d’ordonnancement</a:t>
+            </a:r>
+          </a:p>
+          <a:p>
+            <a:r>
+              <a:rPr lang="fr-FR" dirty="0">
+                <a:latin typeface="Open Sans" panose="020B0606030504020204" pitchFamily="34" charset="0"/>
+                <a:ea typeface="Open Sans" panose="020B0606030504020204" pitchFamily="34" charset="0"/>
+                <a:cs typeface="Open Sans" panose="020B0606030504020204" pitchFamily="34" charset="0"/>
+              </a:rPr>
+              <a:t>			Ordonnancement</a:t>
+            </a:r>
+          </a:p>
+          <a:p>
+            <a:r>
+              <a:rPr lang="fr-FR" dirty="0">
+                <a:latin typeface="Open Sans" panose="020B0606030504020204" pitchFamily="34" charset="0"/>
+                <a:ea typeface="Open Sans" panose="020B0606030504020204" pitchFamily="34" charset="0"/>
+                <a:cs typeface="Open Sans" panose="020B0606030504020204" pitchFamily="34" charset="0"/>
+              </a:rPr>
+              <a:t>Tant que l’utilisateur veut choisir un graphe		</a:t>
+            </a:r>
+          </a:p>
+        </p:txBody>
+      </p:sp>
+    </p:spTree>
+    <p:extLst>
+      <p:ext uri="{BB962C8B-B14F-4D97-AF65-F5344CB8AC3E}">
+        <p14:creationId xmlns:p14="http://schemas.microsoft.com/office/powerpoint/2010/main" val="3623557237"/>
+      </p:ext>
+    </p:extLst>
+  </p:cSld>
+  <p:clrMapOvr>
+    <a:masterClrMapping/>
+  </p:clrMapOvr>
+</p:sld>
+</file>
+
+<file path=ppt/slides/slide5.xml><?xml version="1.0" encoding="utf-8"?>
+<p:sld xmlns:a="http://schemas.openxmlformats.org/drawingml/2006/main" xmlns:r="http://schemas.openxmlformats.org/officeDocument/2006/relationships" xmlns:p="http://schemas.openxmlformats.org/presentationml/2006/main">
+  <p:cSld>
+    <p:bg>
+      <p:bgPr>
+        <a:solidFill>
+          <a:srgbClr val="0070C0"/>
+        </a:solidFill>
+        <a:effectLst/>
+      </p:bgPr>
+    </p:bg>
+    <p:spTree>
+      <p:nvGrpSpPr>
+        <p:cNvPr id="1" name=""/>
+        <p:cNvGrpSpPr/>
+        <p:nvPr/>
+      </p:nvGrpSpPr>
+      <p:grpSpPr>
+        <a:xfrm>
+          <a:off x="0" y="0"/>
+          <a:ext cx="0" cy="0"/>
+          <a:chOff x="0" y="0"/>
+          <a:chExt cx="0" cy="0"/>
+        </a:xfrm>
+      </p:grpSpPr>
       <p:pic>
         <p:nvPicPr>
           <p:cNvPr id="3" name="Image 2">
@@ -2655,7 +4641,7 @@
 </p:sld>
 </file>
 
-<file path=ppt/slides/slide5.xml><?xml version="1.0" encoding="utf-8"?>
+<file path=ppt/slides/slide6.xml><?xml version="1.0" encoding="utf-8"?>
 <p:sld xmlns:a="http://schemas.openxmlformats.org/drawingml/2006/main" xmlns:r="http://schemas.openxmlformats.org/officeDocument/2006/relationships" xmlns:p="http://schemas.openxmlformats.org/presentationml/2006/main">
   <p:cSld>
     <p:spTree>
@@ -2674,6 +4660,1010 @@
       </p:grpSpPr>
       <p:sp>
         <p:nvSpPr>
+          <p:cNvPr id="4" name="ZoneTexte 3">
+            <a:extLst>
+              <a:ext uri="{FF2B5EF4-FFF2-40B4-BE49-F238E27FC236}">
+                <a16:creationId xmlns:a16="http://schemas.microsoft.com/office/drawing/2014/main" id="{EA0FE7AC-BB07-4DEC-9ADD-4F60B9B7B0FF}"/>
+              </a:ext>
+            </a:extLst>
+          </p:cNvPr>
+          <p:cNvSpPr txBox="1"/>
+          <p:nvPr/>
+        </p:nvSpPr>
+        <p:spPr>
+          <a:xfrm>
+            <a:off x="3813175" y="4182019"/>
+            <a:ext cx="7456472" cy="1754326"/>
+          </a:xfrm>
+          <a:prstGeom prst="rect">
+            <a:avLst/>
+          </a:prstGeom>
+          <a:noFill/>
+        </p:spPr>
+        <p:txBody>
+          <a:bodyPr wrap="square" rtlCol="0">
+            <a:spAutoFit/>
+          </a:bodyPr>
+          <a:lstStyle/>
+          <a:p>
+            <a:r>
+              <a:rPr lang="fr-FR" dirty="0">
+                <a:latin typeface="Open Sans" panose="020B0606030504020204" pitchFamily="34" charset="0"/>
+                <a:ea typeface="Open Sans" panose="020B0606030504020204" pitchFamily="34" charset="0"/>
+                <a:cs typeface="Open Sans" panose="020B0606030504020204" pitchFamily="34" charset="0"/>
+              </a:rPr>
+              <a:t>Lecture du fichier</a:t>
+            </a:r>
+          </a:p>
+          <a:p>
+            <a:r>
+              <a:rPr lang="fr-FR" dirty="0">
+                <a:latin typeface="Open Sans" panose="020B0606030504020204" pitchFamily="34" charset="0"/>
+                <a:ea typeface="Open Sans" panose="020B0606030504020204" pitchFamily="34" charset="0"/>
+                <a:cs typeface="Open Sans" panose="020B0606030504020204" pitchFamily="34" charset="0"/>
+              </a:rPr>
+              <a:t>+ gestion des erreurs du fichier</a:t>
+            </a:r>
+          </a:p>
+          <a:p>
+            <a:r>
+              <a:rPr lang="fr-FR" dirty="0">
+                <a:latin typeface="Open Sans" panose="020B0606030504020204" pitchFamily="34" charset="0"/>
+                <a:ea typeface="Open Sans" panose="020B0606030504020204" pitchFamily="34" charset="0"/>
+                <a:cs typeface="Open Sans" panose="020B0606030504020204" pitchFamily="34" charset="0"/>
+              </a:rPr>
+              <a:t>+ construction de la liste des arcs </a:t>
+            </a:r>
+          </a:p>
+        </p:txBody>
+      </p:sp>
+      <p:sp>
+        <p:nvSpPr>
+          <p:cNvPr id="5" name="ZoneTexte 4">
+            <a:extLst>
+              <a:ext uri="{FF2B5EF4-FFF2-40B4-BE49-F238E27FC236}">
+                <a16:creationId xmlns:a16="http://schemas.microsoft.com/office/drawing/2014/main" id="{3B50A57D-B928-4625-AF7E-5D78DD675CB3}"/>
+              </a:ext>
+            </a:extLst>
+          </p:cNvPr>
+          <p:cNvSpPr txBox="1"/>
+          <p:nvPr/>
+        </p:nvSpPr>
+        <p:spPr>
+          <a:xfrm>
+            <a:off x="2375271" y="1113184"/>
+            <a:ext cx="16936278" cy="1046440"/>
+          </a:xfrm>
+          <a:prstGeom prst="rect">
+            <a:avLst/>
+          </a:prstGeom>
+          <a:noFill/>
+        </p:spPr>
+        <p:txBody>
+          <a:bodyPr wrap="square" rtlCol="0">
+            <a:spAutoFit/>
+          </a:bodyPr>
+          <a:lstStyle/>
+          <a:p>
+            <a:r>
+              <a:rPr lang="fr-FR" sz="6200" b="1" dirty="0">
+                <a:latin typeface="Montserrat" panose="00000500000000000000" pitchFamily="2" charset="0"/>
+              </a:rPr>
+              <a:t>III : Travail sur le graphe</a:t>
+            </a:r>
+          </a:p>
+        </p:txBody>
+      </p:sp>
+      <p:sp>
+        <p:nvSpPr>
+          <p:cNvPr id="6" name="Oval 58">
+            <a:extLst>
+              <a:ext uri="{FF2B5EF4-FFF2-40B4-BE49-F238E27FC236}">
+                <a16:creationId xmlns:a16="http://schemas.microsoft.com/office/drawing/2014/main" id="{4DDE5A9A-995F-4F65-B36C-24B23FE81FA6}"/>
+              </a:ext>
+            </a:extLst>
+          </p:cNvPr>
+          <p:cNvSpPr/>
+          <p:nvPr/>
+        </p:nvSpPr>
+        <p:spPr>
+          <a:xfrm>
+            <a:off x="1673229" y="4521877"/>
+            <a:ext cx="1074332" cy="1074611"/>
+          </a:xfrm>
+          <a:prstGeom prst="ellipse">
+            <a:avLst/>
+          </a:prstGeom>
+          <a:noFill/>
+          <a:ln w="28575">
+            <a:solidFill>
+              <a:schemeClr val="tx1"/>
+            </a:solidFill>
+          </a:ln>
+        </p:spPr>
+        <p:style>
+          <a:lnRef idx="2">
+            <a:schemeClr val="accent1">
+              <a:shade val="50000"/>
+            </a:schemeClr>
+          </a:lnRef>
+          <a:fillRef idx="1">
+            <a:schemeClr val="accent1"/>
+          </a:fillRef>
+          <a:effectRef idx="0">
+            <a:schemeClr val="accent1"/>
+          </a:effectRef>
+          <a:fontRef idx="minor">
+            <a:schemeClr val="lt1"/>
+          </a:fontRef>
+        </p:style>
+        <p:txBody>
+          <a:bodyPr rtlCol="0" anchor="ctr"/>
+          <a:lstStyle/>
+          <a:p>
+            <a:pPr algn="ctr"/>
+            <a:endParaRPr lang="en-US" sz="2900" dirty="0">
+              <a:latin typeface="Montserrat Light" charset="0"/>
+              <a:ea typeface="Montserrat Light" charset="0"/>
+              <a:cs typeface="Montserrat Light" charset="0"/>
+            </a:endParaRPr>
+          </a:p>
+        </p:txBody>
+      </p:sp>
+      <p:sp>
+        <p:nvSpPr>
+          <p:cNvPr id="7" name="ZoneTexte 6">
+            <a:extLst>
+              <a:ext uri="{FF2B5EF4-FFF2-40B4-BE49-F238E27FC236}">
+                <a16:creationId xmlns:a16="http://schemas.microsoft.com/office/drawing/2014/main" id="{827714E3-FA22-434B-A4E3-039D72D5E060}"/>
+              </a:ext>
+            </a:extLst>
+          </p:cNvPr>
+          <p:cNvSpPr txBox="1"/>
+          <p:nvPr/>
+        </p:nvSpPr>
+        <p:spPr>
+          <a:xfrm>
+            <a:off x="1827648" y="4612907"/>
+            <a:ext cx="765494" cy="892552"/>
+          </a:xfrm>
+          <a:prstGeom prst="rect">
+            <a:avLst/>
+          </a:prstGeom>
+          <a:noFill/>
+        </p:spPr>
+        <p:txBody>
+          <a:bodyPr wrap="square" rtlCol="0">
+            <a:spAutoFit/>
+          </a:bodyPr>
+          <a:lstStyle/>
+          <a:p>
+            <a:pPr algn="ctr"/>
+            <a:r>
+              <a:rPr lang="fr-FR" sz="5200" b="1" dirty="0">
+                <a:latin typeface="Montserrat" panose="00000500000000000000" pitchFamily="2" charset="0"/>
+              </a:rPr>
+              <a:t>1</a:t>
+            </a:r>
+          </a:p>
+        </p:txBody>
+      </p:sp>
+      <p:sp>
+        <p:nvSpPr>
+          <p:cNvPr id="8" name="Oval 58">
+            <a:extLst>
+              <a:ext uri="{FF2B5EF4-FFF2-40B4-BE49-F238E27FC236}">
+                <a16:creationId xmlns:a16="http://schemas.microsoft.com/office/drawing/2014/main" id="{D4B047C2-0925-4AC7-987B-7DB95EEFBCFD}"/>
+              </a:ext>
+            </a:extLst>
+          </p:cNvPr>
+          <p:cNvSpPr/>
+          <p:nvPr/>
+        </p:nvSpPr>
+        <p:spPr>
+          <a:xfrm>
+            <a:off x="1673229" y="9406593"/>
+            <a:ext cx="1074332" cy="1074611"/>
+          </a:xfrm>
+          <a:prstGeom prst="ellipse">
+            <a:avLst/>
+          </a:prstGeom>
+          <a:noFill/>
+          <a:ln w="28575">
+            <a:solidFill>
+              <a:schemeClr val="tx1"/>
+            </a:solidFill>
+          </a:ln>
+        </p:spPr>
+        <p:style>
+          <a:lnRef idx="2">
+            <a:schemeClr val="accent1">
+              <a:shade val="50000"/>
+            </a:schemeClr>
+          </a:lnRef>
+          <a:fillRef idx="1">
+            <a:schemeClr val="accent1"/>
+          </a:fillRef>
+          <a:effectRef idx="0">
+            <a:schemeClr val="accent1"/>
+          </a:effectRef>
+          <a:fontRef idx="minor">
+            <a:schemeClr val="lt1"/>
+          </a:fontRef>
+        </p:style>
+        <p:txBody>
+          <a:bodyPr rtlCol="0" anchor="ctr"/>
+          <a:lstStyle/>
+          <a:p>
+            <a:pPr algn="ctr"/>
+            <a:endParaRPr lang="en-US" sz="2900" dirty="0">
+              <a:latin typeface="Montserrat Light" charset="0"/>
+              <a:ea typeface="Montserrat Light" charset="0"/>
+              <a:cs typeface="Montserrat Light" charset="0"/>
+            </a:endParaRPr>
+          </a:p>
+        </p:txBody>
+      </p:sp>
+      <p:sp>
+        <p:nvSpPr>
+          <p:cNvPr id="9" name="ZoneTexte 8">
+            <a:extLst>
+              <a:ext uri="{FF2B5EF4-FFF2-40B4-BE49-F238E27FC236}">
+                <a16:creationId xmlns:a16="http://schemas.microsoft.com/office/drawing/2014/main" id="{92E06871-EB20-4B6F-9D2F-4255CE8C8488}"/>
+              </a:ext>
+            </a:extLst>
+          </p:cNvPr>
+          <p:cNvSpPr txBox="1"/>
+          <p:nvPr/>
+        </p:nvSpPr>
+        <p:spPr>
+          <a:xfrm>
+            <a:off x="1827648" y="9497623"/>
+            <a:ext cx="765494" cy="892552"/>
+          </a:xfrm>
+          <a:prstGeom prst="rect">
+            <a:avLst/>
+          </a:prstGeom>
+          <a:noFill/>
+        </p:spPr>
+        <p:txBody>
+          <a:bodyPr wrap="square" rtlCol="0">
+            <a:spAutoFit/>
+          </a:bodyPr>
+          <a:lstStyle/>
+          <a:p>
+            <a:pPr algn="ctr"/>
+            <a:r>
+              <a:rPr lang="fr-FR" sz="5200" b="1" dirty="0">
+                <a:latin typeface="Montserrat" panose="00000500000000000000" pitchFamily="2" charset="0"/>
+              </a:rPr>
+              <a:t>2</a:t>
+            </a:r>
+          </a:p>
+        </p:txBody>
+      </p:sp>
+      <p:sp>
+        <p:nvSpPr>
+          <p:cNvPr id="10" name="ZoneTexte 9">
+            <a:extLst>
+              <a:ext uri="{FF2B5EF4-FFF2-40B4-BE49-F238E27FC236}">
+                <a16:creationId xmlns:a16="http://schemas.microsoft.com/office/drawing/2014/main" id="{48CF25AB-A965-420B-B5A8-C5E2588225B7}"/>
+              </a:ext>
+            </a:extLst>
+          </p:cNvPr>
+          <p:cNvSpPr txBox="1"/>
+          <p:nvPr/>
+        </p:nvSpPr>
+        <p:spPr>
+          <a:xfrm>
+            <a:off x="3943445" y="9620734"/>
+            <a:ext cx="7195931" cy="646331"/>
+          </a:xfrm>
+          <a:prstGeom prst="rect">
+            <a:avLst/>
+          </a:prstGeom>
+          <a:noFill/>
+        </p:spPr>
+        <p:txBody>
+          <a:bodyPr wrap="square" rtlCol="0">
+            <a:spAutoFit/>
+          </a:bodyPr>
+          <a:lstStyle/>
+          <a:p>
+            <a:r>
+              <a:rPr lang="fr-FR" dirty="0">
+                <a:latin typeface="Open Sans" panose="020B0606030504020204" pitchFamily="34" charset="0"/>
+                <a:ea typeface="Open Sans" panose="020B0606030504020204" pitchFamily="34" charset="0"/>
+                <a:cs typeface="Open Sans" panose="020B0606030504020204" pitchFamily="34" charset="0"/>
+              </a:rPr>
+              <a:t>Remplissage des matrices</a:t>
+            </a:r>
+          </a:p>
+        </p:txBody>
+      </p:sp>
+      <p:sp>
+        <p:nvSpPr>
+          <p:cNvPr id="17" name="ZoneTexte 16">
+            <a:extLst>
+              <a:ext uri="{FF2B5EF4-FFF2-40B4-BE49-F238E27FC236}">
+                <a16:creationId xmlns:a16="http://schemas.microsoft.com/office/drawing/2014/main" id="{AC69661E-CA34-46C7-8519-15FF797B65DC}"/>
+              </a:ext>
+            </a:extLst>
+          </p:cNvPr>
+          <p:cNvSpPr txBox="1"/>
+          <p:nvPr/>
+        </p:nvSpPr>
+        <p:spPr>
+          <a:xfrm>
+            <a:off x="15257474" y="3797299"/>
+            <a:ext cx="7456472" cy="3416320"/>
+          </a:xfrm>
+          <a:prstGeom prst="rect">
+            <a:avLst/>
+          </a:prstGeom>
+          <a:noFill/>
+        </p:spPr>
+        <p:txBody>
+          <a:bodyPr wrap="square" rtlCol="0">
+            <a:spAutoFit/>
+          </a:bodyPr>
+          <a:lstStyle/>
+          <a:p>
+            <a:r>
+              <a:rPr lang="fr-FR" dirty="0">
+                <a:latin typeface="Open Sans" panose="020B0606030504020204" pitchFamily="34" charset="0"/>
+                <a:ea typeface="Open Sans" panose="020B0606030504020204" pitchFamily="34" charset="0"/>
+                <a:cs typeface="Open Sans" panose="020B0606030504020204" pitchFamily="34" charset="0"/>
+              </a:rPr>
+              <a:t>Ouvrir fichier</a:t>
+            </a:r>
+          </a:p>
+          <a:p>
+            <a:r>
+              <a:rPr lang="fr-FR" dirty="0" err="1">
+                <a:latin typeface="Open Sans" panose="020B0606030504020204" pitchFamily="34" charset="0"/>
+                <a:ea typeface="Open Sans" panose="020B0606030504020204" pitchFamily="34" charset="0"/>
+                <a:cs typeface="Open Sans" panose="020B0606030504020204" pitchFamily="34" charset="0"/>
+              </a:rPr>
+              <a:t>Nb_sommet</a:t>
+            </a:r>
+            <a:r>
+              <a:rPr lang="fr-FR" dirty="0">
+                <a:latin typeface="Open Sans" panose="020B0606030504020204" pitchFamily="34" charset="0"/>
+                <a:ea typeface="Open Sans" panose="020B0606030504020204" pitchFamily="34" charset="0"/>
+                <a:cs typeface="Open Sans" panose="020B0606030504020204" pitchFamily="34" charset="0"/>
+              </a:rPr>
+              <a:t> = lire 1</a:t>
+            </a:r>
+            <a:r>
+              <a:rPr lang="fr-FR" baseline="30000" dirty="0">
+                <a:latin typeface="Open Sans" panose="020B0606030504020204" pitchFamily="34" charset="0"/>
+                <a:ea typeface="Open Sans" panose="020B0606030504020204" pitchFamily="34" charset="0"/>
+                <a:cs typeface="Open Sans" panose="020B0606030504020204" pitchFamily="34" charset="0"/>
+              </a:rPr>
+              <a:t>e</a:t>
+            </a:r>
+            <a:r>
+              <a:rPr lang="fr-FR" dirty="0">
+                <a:latin typeface="Open Sans" panose="020B0606030504020204" pitchFamily="34" charset="0"/>
+                <a:ea typeface="Open Sans" panose="020B0606030504020204" pitchFamily="34" charset="0"/>
+                <a:cs typeface="Open Sans" panose="020B0606030504020204" pitchFamily="34" charset="0"/>
+              </a:rPr>
+              <a:t> ligne</a:t>
+            </a:r>
+          </a:p>
+          <a:p>
+            <a:r>
+              <a:rPr lang="fr-FR" dirty="0" err="1">
+                <a:latin typeface="Open Sans" panose="020B0606030504020204" pitchFamily="34" charset="0"/>
+                <a:ea typeface="Open Sans" panose="020B0606030504020204" pitchFamily="34" charset="0"/>
+                <a:cs typeface="Open Sans" panose="020B0606030504020204" pitchFamily="34" charset="0"/>
+              </a:rPr>
+              <a:t>Nb_arc</a:t>
+            </a:r>
+            <a:r>
+              <a:rPr lang="fr-FR" dirty="0">
+                <a:latin typeface="Open Sans" panose="020B0606030504020204" pitchFamily="34" charset="0"/>
+                <a:ea typeface="Open Sans" panose="020B0606030504020204" pitchFamily="34" charset="0"/>
+                <a:cs typeface="Open Sans" panose="020B0606030504020204" pitchFamily="34" charset="0"/>
+              </a:rPr>
+              <a:t> = lire ligne suivante</a:t>
+            </a:r>
+          </a:p>
+          <a:p>
+            <a:r>
+              <a:rPr lang="fr-FR" dirty="0">
+                <a:latin typeface="Open Sans" panose="020B0606030504020204" pitchFamily="34" charset="0"/>
+                <a:ea typeface="Open Sans" panose="020B0606030504020204" pitchFamily="34" charset="0"/>
+                <a:cs typeface="Open Sans" panose="020B0606030504020204" pitchFamily="34" charset="0"/>
+              </a:rPr>
+              <a:t>Tant que ligne suivante existe</a:t>
+            </a:r>
+          </a:p>
+          <a:p>
+            <a:r>
+              <a:rPr lang="fr-FR" dirty="0">
+                <a:latin typeface="Open Sans" panose="020B0606030504020204" pitchFamily="34" charset="0"/>
+                <a:ea typeface="Open Sans" panose="020B0606030504020204" pitchFamily="34" charset="0"/>
+                <a:cs typeface="Open Sans" panose="020B0606030504020204" pitchFamily="34" charset="0"/>
+              </a:rPr>
+              <a:t>	</a:t>
+            </a:r>
+            <a:r>
+              <a:rPr lang="fr-FR" dirty="0" err="1">
+                <a:latin typeface="Open Sans" panose="020B0606030504020204" pitchFamily="34" charset="0"/>
+                <a:ea typeface="Open Sans" panose="020B0606030504020204" pitchFamily="34" charset="0"/>
+                <a:cs typeface="Open Sans" panose="020B0606030504020204" pitchFamily="34" charset="0"/>
+              </a:rPr>
+              <a:t>listArc.ajouter</a:t>
+            </a:r>
+            <a:r>
+              <a:rPr lang="fr-FR" dirty="0">
+                <a:latin typeface="Open Sans" panose="020B0606030504020204" pitchFamily="34" charset="0"/>
+                <a:ea typeface="Open Sans" panose="020B0606030504020204" pitchFamily="34" charset="0"/>
+                <a:cs typeface="Open Sans" panose="020B0606030504020204" pitchFamily="34" charset="0"/>
+              </a:rPr>
+              <a:t>(créer Arc)</a:t>
+            </a:r>
+          </a:p>
+          <a:p>
+            <a:r>
+              <a:rPr lang="fr-FR" dirty="0">
+                <a:latin typeface="Open Sans" panose="020B0606030504020204" pitchFamily="34" charset="0"/>
+                <a:ea typeface="Open Sans" panose="020B0606030504020204" pitchFamily="34" charset="0"/>
+                <a:cs typeface="Open Sans" panose="020B0606030504020204" pitchFamily="34" charset="0"/>
+              </a:rPr>
+              <a:t>fin</a:t>
+            </a:r>
+          </a:p>
+        </p:txBody>
+      </p:sp>
+      <p:sp>
+        <p:nvSpPr>
+          <p:cNvPr id="18" name="ZoneTexte 17">
+            <a:extLst>
+              <a:ext uri="{FF2B5EF4-FFF2-40B4-BE49-F238E27FC236}">
+                <a16:creationId xmlns:a16="http://schemas.microsoft.com/office/drawing/2014/main" id="{0FEE7CE7-C350-4E9C-8925-3EDCCB3537D0}"/>
+              </a:ext>
+            </a:extLst>
+          </p:cNvPr>
+          <p:cNvSpPr txBox="1"/>
+          <p:nvPr/>
+        </p:nvSpPr>
+        <p:spPr>
+          <a:xfrm>
+            <a:off x="12508992" y="8851294"/>
+            <a:ext cx="12033503" cy="2862322"/>
+          </a:xfrm>
+          <a:prstGeom prst="rect">
+            <a:avLst/>
+          </a:prstGeom>
+          <a:noFill/>
+        </p:spPr>
+        <p:txBody>
+          <a:bodyPr wrap="square" rtlCol="0">
+            <a:spAutoFit/>
+          </a:bodyPr>
+          <a:lstStyle/>
+          <a:p>
+            <a:r>
+              <a:rPr lang="fr-FR" dirty="0">
+                <a:latin typeface="Open Sans" panose="020B0606030504020204" pitchFamily="34" charset="0"/>
+                <a:ea typeface="Open Sans" panose="020B0606030504020204" pitchFamily="34" charset="0"/>
+                <a:cs typeface="Open Sans" panose="020B0606030504020204" pitchFamily="34" charset="0"/>
+              </a:rPr>
+              <a:t>pour chaque arc de la liste</a:t>
+            </a:r>
+          </a:p>
+          <a:p>
+            <a:r>
+              <a:rPr lang="fr-FR" dirty="0">
+                <a:latin typeface="Open Sans" panose="020B0606030504020204" pitchFamily="34" charset="0"/>
+                <a:ea typeface="Open Sans" panose="020B0606030504020204" pitchFamily="34" charset="0"/>
+                <a:cs typeface="Open Sans" panose="020B0606030504020204" pitchFamily="34" charset="0"/>
+              </a:rPr>
+              <a:t>        </a:t>
+            </a:r>
+            <a:r>
+              <a:rPr lang="fr-FR" dirty="0" err="1">
+                <a:latin typeface="Open Sans" panose="020B0606030504020204" pitchFamily="34" charset="0"/>
+                <a:ea typeface="Open Sans" panose="020B0606030504020204" pitchFamily="34" charset="0"/>
+                <a:cs typeface="Open Sans" panose="020B0606030504020204" pitchFamily="34" charset="0"/>
+              </a:rPr>
+              <a:t>matriceAdjacence</a:t>
+            </a:r>
+            <a:r>
+              <a:rPr lang="fr-FR" dirty="0">
+                <a:latin typeface="Open Sans" panose="020B0606030504020204" pitchFamily="34" charset="0"/>
+                <a:ea typeface="Open Sans" panose="020B0606030504020204" pitchFamily="34" charset="0"/>
+                <a:cs typeface="Open Sans" panose="020B0606030504020204" pitchFamily="34" charset="0"/>
+              </a:rPr>
+              <a:t>[</a:t>
+            </a:r>
+            <a:r>
+              <a:rPr lang="fr-FR" dirty="0" err="1">
+                <a:latin typeface="Open Sans" panose="020B0606030504020204" pitchFamily="34" charset="0"/>
+                <a:ea typeface="Open Sans" panose="020B0606030504020204" pitchFamily="34" charset="0"/>
+                <a:cs typeface="Open Sans" panose="020B0606030504020204" pitchFamily="34" charset="0"/>
+              </a:rPr>
+              <a:t>arc.source</a:t>
+            </a:r>
+            <a:r>
+              <a:rPr lang="fr-FR" dirty="0">
+                <a:latin typeface="Open Sans" panose="020B0606030504020204" pitchFamily="34" charset="0"/>
+                <a:ea typeface="Open Sans" panose="020B0606030504020204" pitchFamily="34" charset="0"/>
+                <a:cs typeface="Open Sans" panose="020B0606030504020204" pitchFamily="34" charset="0"/>
+              </a:rPr>
+              <a:t>][</a:t>
+            </a:r>
+            <a:r>
+              <a:rPr lang="fr-FR" dirty="0" err="1">
+                <a:latin typeface="Open Sans" panose="020B0606030504020204" pitchFamily="34" charset="0"/>
+                <a:ea typeface="Open Sans" panose="020B0606030504020204" pitchFamily="34" charset="0"/>
+                <a:cs typeface="Open Sans" panose="020B0606030504020204" pitchFamily="34" charset="0"/>
+              </a:rPr>
+              <a:t>arc.cible</a:t>
+            </a:r>
+            <a:r>
+              <a:rPr lang="fr-FR" dirty="0">
+                <a:latin typeface="Open Sans" panose="020B0606030504020204" pitchFamily="34" charset="0"/>
+                <a:ea typeface="Open Sans" panose="020B0606030504020204" pitchFamily="34" charset="0"/>
+                <a:cs typeface="Open Sans" panose="020B0606030504020204" pitchFamily="34" charset="0"/>
+              </a:rPr>
+              <a:t>] = 1</a:t>
+            </a:r>
+          </a:p>
+          <a:p>
+            <a:r>
+              <a:rPr lang="fr-FR" dirty="0">
+                <a:latin typeface="Open Sans" panose="020B0606030504020204" pitchFamily="34" charset="0"/>
+                <a:ea typeface="Open Sans" panose="020B0606030504020204" pitchFamily="34" charset="0"/>
+                <a:cs typeface="Open Sans" panose="020B0606030504020204" pitchFamily="34" charset="0"/>
+              </a:rPr>
+              <a:t>        </a:t>
+            </a:r>
+            <a:r>
+              <a:rPr lang="fr-FR" dirty="0" err="1">
+                <a:latin typeface="Open Sans" panose="020B0606030504020204" pitchFamily="34" charset="0"/>
+                <a:ea typeface="Open Sans" panose="020B0606030504020204" pitchFamily="34" charset="0"/>
+                <a:cs typeface="Open Sans" panose="020B0606030504020204" pitchFamily="34" charset="0"/>
+              </a:rPr>
+              <a:t>matriceValeur</a:t>
+            </a:r>
+            <a:r>
+              <a:rPr lang="fr-FR" dirty="0">
+                <a:latin typeface="Open Sans" panose="020B0606030504020204" pitchFamily="34" charset="0"/>
+                <a:ea typeface="Open Sans" panose="020B0606030504020204" pitchFamily="34" charset="0"/>
+                <a:cs typeface="Open Sans" panose="020B0606030504020204" pitchFamily="34" charset="0"/>
+              </a:rPr>
+              <a:t>[</a:t>
+            </a:r>
+            <a:r>
+              <a:rPr lang="fr-FR" dirty="0" err="1">
+                <a:latin typeface="Open Sans" panose="020B0606030504020204" pitchFamily="34" charset="0"/>
+                <a:ea typeface="Open Sans" panose="020B0606030504020204" pitchFamily="34" charset="0"/>
+                <a:cs typeface="Open Sans" panose="020B0606030504020204" pitchFamily="34" charset="0"/>
+              </a:rPr>
+              <a:t>arc.source</a:t>
+            </a:r>
+            <a:r>
+              <a:rPr lang="fr-FR" dirty="0">
+                <a:latin typeface="Open Sans" panose="020B0606030504020204" pitchFamily="34" charset="0"/>
+                <a:ea typeface="Open Sans" panose="020B0606030504020204" pitchFamily="34" charset="0"/>
+                <a:cs typeface="Open Sans" panose="020B0606030504020204" pitchFamily="34" charset="0"/>
+              </a:rPr>
+              <a:t>][</a:t>
+            </a:r>
+            <a:r>
+              <a:rPr lang="fr-FR" dirty="0" err="1">
+                <a:latin typeface="Open Sans" panose="020B0606030504020204" pitchFamily="34" charset="0"/>
+                <a:ea typeface="Open Sans" panose="020B0606030504020204" pitchFamily="34" charset="0"/>
+                <a:cs typeface="Open Sans" panose="020B0606030504020204" pitchFamily="34" charset="0"/>
+              </a:rPr>
+              <a:t>arc.cible</a:t>
+            </a:r>
+            <a:r>
+              <a:rPr lang="fr-FR" dirty="0">
+                <a:latin typeface="Open Sans" panose="020B0606030504020204" pitchFamily="34" charset="0"/>
+                <a:ea typeface="Open Sans" panose="020B0606030504020204" pitchFamily="34" charset="0"/>
+                <a:cs typeface="Open Sans" panose="020B0606030504020204" pitchFamily="34" charset="0"/>
+              </a:rPr>
+              <a:t>] = </a:t>
+            </a:r>
+            <a:r>
+              <a:rPr lang="fr-FR" dirty="0" err="1">
+                <a:latin typeface="Open Sans" panose="020B0606030504020204" pitchFamily="34" charset="0"/>
+                <a:ea typeface="Open Sans" panose="020B0606030504020204" pitchFamily="34" charset="0"/>
+                <a:cs typeface="Open Sans" panose="020B0606030504020204" pitchFamily="34" charset="0"/>
+              </a:rPr>
+              <a:t>arc.valeur</a:t>
+            </a:r>
+            <a:endParaRPr lang="fr-FR" dirty="0">
+              <a:latin typeface="Open Sans" panose="020B0606030504020204" pitchFamily="34" charset="0"/>
+              <a:ea typeface="Open Sans" panose="020B0606030504020204" pitchFamily="34" charset="0"/>
+              <a:cs typeface="Open Sans" panose="020B0606030504020204" pitchFamily="34" charset="0"/>
+            </a:endParaRPr>
+          </a:p>
+          <a:p>
+            <a:r>
+              <a:rPr lang="fr-FR" dirty="0">
+                <a:latin typeface="Open Sans" panose="020B0606030504020204" pitchFamily="34" charset="0"/>
+                <a:ea typeface="Open Sans" panose="020B0606030504020204" pitchFamily="34" charset="0"/>
+                <a:cs typeface="Open Sans" panose="020B0606030504020204" pitchFamily="34" charset="0"/>
+              </a:rPr>
+              <a:t>fin</a:t>
+            </a:r>
+          </a:p>
+          <a:p>
+            <a:endParaRPr lang="fr-FR" dirty="0">
+              <a:latin typeface="Open Sans" panose="020B0606030504020204" pitchFamily="34" charset="0"/>
+              <a:ea typeface="Open Sans" panose="020B0606030504020204" pitchFamily="34" charset="0"/>
+              <a:cs typeface="Open Sans" panose="020B0606030504020204" pitchFamily="34" charset="0"/>
+            </a:endParaRPr>
+          </a:p>
+        </p:txBody>
+      </p:sp>
+    </p:spTree>
+    <p:extLst>
+      <p:ext uri="{BB962C8B-B14F-4D97-AF65-F5344CB8AC3E}">
+        <p14:creationId xmlns:p14="http://schemas.microsoft.com/office/powerpoint/2010/main" val="2512741618"/>
+      </p:ext>
+    </p:extLst>
+  </p:cSld>
+  <p:clrMapOvr>
+    <a:masterClrMapping/>
+  </p:clrMapOvr>
+</p:sld>
+</file>
+
+<file path=ppt/slides/slide7.xml><?xml version="1.0" encoding="utf-8"?>
+<p:sld xmlns:a="http://schemas.openxmlformats.org/drawingml/2006/main" xmlns:r="http://schemas.openxmlformats.org/officeDocument/2006/relationships" xmlns:p="http://schemas.openxmlformats.org/presentationml/2006/main">
+  <p:cSld>
+    <p:spTree>
+      <p:nvGrpSpPr>
+        <p:cNvPr id="1" name=""/>
+        <p:cNvGrpSpPr/>
+        <p:nvPr/>
+      </p:nvGrpSpPr>
+      <p:grpSpPr>
+        <a:xfrm>
+          <a:off x="0" y="0"/>
+          <a:ext cx="0" cy="0"/>
+          <a:chOff x="0" y="0"/>
+          <a:chExt cx="0" cy="0"/>
+        </a:xfrm>
+      </p:grpSpPr>
+      <p:sp>
+        <p:nvSpPr>
+          <p:cNvPr id="2" name="Oval 58">
+            <a:extLst>
+              <a:ext uri="{FF2B5EF4-FFF2-40B4-BE49-F238E27FC236}">
+                <a16:creationId xmlns:a16="http://schemas.microsoft.com/office/drawing/2014/main" id="{04B9C2C4-3F63-45FB-9BCA-C82620382EBB}"/>
+              </a:ext>
+            </a:extLst>
+          </p:cNvPr>
+          <p:cNvSpPr/>
+          <p:nvPr/>
+        </p:nvSpPr>
+        <p:spPr>
+          <a:xfrm>
+            <a:off x="1666739" y="6643861"/>
+            <a:ext cx="1076784" cy="1077064"/>
+          </a:xfrm>
+          <a:prstGeom prst="ellipse">
+            <a:avLst/>
+          </a:prstGeom>
+          <a:noFill/>
+          <a:ln w="28575">
+            <a:solidFill>
+              <a:schemeClr val="tx1"/>
+            </a:solidFill>
+          </a:ln>
+        </p:spPr>
+        <p:style>
+          <a:lnRef idx="2">
+            <a:schemeClr val="accent1">
+              <a:shade val="50000"/>
+            </a:schemeClr>
+          </a:lnRef>
+          <a:fillRef idx="1">
+            <a:schemeClr val="accent1"/>
+          </a:fillRef>
+          <a:effectRef idx="0">
+            <a:schemeClr val="accent1"/>
+          </a:effectRef>
+          <a:fontRef idx="minor">
+            <a:schemeClr val="lt1"/>
+          </a:fontRef>
+        </p:style>
+        <p:txBody>
+          <a:bodyPr rtlCol="0" anchor="ctr"/>
+          <a:lstStyle/>
+          <a:p>
+            <a:pPr algn="ctr"/>
+            <a:endParaRPr lang="en-US" sz="2900" dirty="0">
+              <a:latin typeface="Montserrat Light" charset="0"/>
+              <a:ea typeface="Montserrat Light" charset="0"/>
+              <a:cs typeface="Montserrat Light" charset="0"/>
+            </a:endParaRPr>
+          </a:p>
+        </p:txBody>
+      </p:sp>
+      <p:sp>
+        <p:nvSpPr>
+          <p:cNvPr id="3" name="ZoneTexte 2">
+            <a:extLst>
+              <a:ext uri="{FF2B5EF4-FFF2-40B4-BE49-F238E27FC236}">
+                <a16:creationId xmlns:a16="http://schemas.microsoft.com/office/drawing/2014/main" id="{85239782-E7AA-4B50-A25E-03F852041C26}"/>
+              </a:ext>
+            </a:extLst>
+          </p:cNvPr>
+          <p:cNvSpPr txBox="1"/>
+          <p:nvPr/>
+        </p:nvSpPr>
+        <p:spPr>
+          <a:xfrm>
+            <a:off x="1821863" y="6734890"/>
+            <a:ext cx="767241" cy="894589"/>
+          </a:xfrm>
+          <a:prstGeom prst="rect">
+            <a:avLst/>
+          </a:prstGeom>
+          <a:noFill/>
+        </p:spPr>
+        <p:txBody>
+          <a:bodyPr wrap="square" rtlCol="0">
+            <a:spAutoFit/>
+          </a:bodyPr>
+          <a:lstStyle/>
+          <a:p>
+            <a:pPr algn="ctr"/>
+            <a:r>
+              <a:rPr lang="fr-FR" sz="5200" b="1" dirty="0">
+                <a:latin typeface="Montserrat" panose="00000500000000000000" pitchFamily="2" charset="0"/>
+              </a:rPr>
+              <a:t>3</a:t>
+            </a:r>
+          </a:p>
+        </p:txBody>
+      </p:sp>
+      <p:sp>
+        <p:nvSpPr>
+          <p:cNvPr id="4" name="ZoneTexte 3">
+            <a:extLst>
+              <a:ext uri="{FF2B5EF4-FFF2-40B4-BE49-F238E27FC236}">
+                <a16:creationId xmlns:a16="http://schemas.microsoft.com/office/drawing/2014/main" id="{DF0EE0F1-AD8F-4DD7-B7FB-457D3762F355}"/>
+              </a:ext>
+            </a:extLst>
+          </p:cNvPr>
+          <p:cNvSpPr txBox="1"/>
+          <p:nvPr/>
+        </p:nvSpPr>
+        <p:spPr>
+          <a:xfrm>
+            <a:off x="3796748" y="6858000"/>
+            <a:ext cx="7212357" cy="647806"/>
+          </a:xfrm>
+          <a:prstGeom prst="rect">
+            <a:avLst/>
+          </a:prstGeom>
+          <a:noFill/>
+        </p:spPr>
+        <p:txBody>
+          <a:bodyPr wrap="square" rtlCol="0">
+            <a:spAutoFit/>
+          </a:bodyPr>
+          <a:lstStyle/>
+          <a:p>
+            <a:r>
+              <a:rPr lang="fr-FR" dirty="0">
+                <a:latin typeface="Open Sans" panose="020B0606030504020204" pitchFamily="34" charset="0"/>
+                <a:ea typeface="Open Sans" panose="020B0606030504020204" pitchFamily="34" charset="0"/>
+                <a:cs typeface="Open Sans" panose="020B0606030504020204" pitchFamily="34" charset="0"/>
+              </a:rPr>
+              <a:t>Affichage des matrices</a:t>
+            </a:r>
+          </a:p>
+        </p:txBody>
+      </p:sp>
+      <p:sp>
+        <p:nvSpPr>
+          <p:cNvPr id="5" name="ZoneTexte 4">
+            <a:extLst>
+              <a:ext uri="{FF2B5EF4-FFF2-40B4-BE49-F238E27FC236}">
+                <a16:creationId xmlns:a16="http://schemas.microsoft.com/office/drawing/2014/main" id="{02E489F1-16D7-4708-8216-68CE6A15EE4C}"/>
+              </a:ext>
+            </a:extLst>
+          </p:cNvPr>
+          <p:cNvSpPr txBox="1"/>
+          <p:nvPr/>
+        </p:nvSpPr>
+        <p:spPr>
+          <a:xfrm>
+            <a:off x="2375271" y="1113184"/>
+            <a:ext cx="16936278" cy="1046440"/>
+          </a:xfrm>
+          <a:prstGeom prst="rect">
+            <a:avLst/>
+          </a:prstGeom>
+          <a:noFill/>
+        </p:spPr>
+        <p:txBody>
+          <a:bodyPr wrap="square" rtlCol="0">
+            <a:spAutoFit/>
+          </a:bodyPr>
+          <a:lstStyle/>
+          <a:p>
+            <a:r>
+              <a:rPr lang="fr-FR" sz="6200" b="1" dirty="0">
+                <a:latin typeface="Montserrat" panose="00000500000000000000" pitchFamily="2" charset="0"/>
+              </a:rPr>
+              <a:t>III : Travail sur le graphe</a:t>
+            </a:r>
+          </a:p>
+        </p:txBody>
+      </p:sp>
+      <p:sp>
+        <p:nvSpPr>
+          <p:cNvPr id="6" name="ZoneTexte 5">
+            <a:extLst>
+              <a:ext uri="{FF2B5EF4-FFF2-40B4-BE49-F238E27FC236}">
+                <a16:creationId xmlns:a16="http://schemas.microsoft.com/office/drawing/2014/main" id="{A6CE167B-5116-4A69-BD44-120C8BC4324D}"/>
+              </a:ext>
+            </a:extLst>
+          </p:cNvPr>
+          <p:cNvSpPr txBox="1"/>
+          <p:nvPr/>
+        </p:nvSpPr>
+        <p:spPr>
+          <a:xfrm>
+            <a:off x="11198402" y="4365747"/>
+            <a:ext cx="11704841" cy="5632311"/>
+          </a:xfrm>
+          <a:prstGeom prst="rect">
+            <a:avLst/>
+          </a:prstGeom>
+          <a:noFill/>
+        </p:spPr>
+        <p:txBody>
+          <a:bodyPr wrap="square" rtlCol="0">
+            <a:spAutoFit/>
+          </a:bodyPr>
+          <a:lstStyle/>
+          <a:p>
+            <a:r>
+              <a:rPr lang="fr-FR" dirty="0">
+                <a:latin typeface="Open Sans" panose="020B0606030504020204" pitchFamily="34" charset="0"/>
+                <a:ea typeface="Open Sans" panose="020B0606030504020204" pitchFamily="34" charset="0"/>
+                <a:cs typeface="Open Sans" panose="020B0606030504020204" pitchFamily="34" charset="0"/>
+              </a:rPr>
+              <a:t>pour i allant de 0 à nbSommet-1</a:t>
+            </a:r>
+          </a:p>
+          <a:p>
+            <a:r>
+              <a:rPr lang="fr-FR" dirty="0">
+                <a:latin typeface="Open Sans" panose="020B0606030504020204" pitchFamily="34" charset="0"/>
+                <a:ea typeface="Open Sans" panose="020B0606030504020204" pitchFamily="34" charset="0"/>
+                <a:cs typeface="Open Sans" panose="020B0606030504020204" pitchFamily="34" charset="0"/>
+              </a:rPr>
+              <a:t>        affiche i</a:t>
+            </a:r>
+          </a:p>
+          <a:p>
+            <a:r>
+              <a:rPr lang="fr-FR" dirty="0">
+                <a:latin typeface="Open Sans" panose="020B0606030504020204" pitchFamily="34" charset="0"/>
+                <a:ea typeface="Open Sans" panose="020B0606030504020204" pitchFamily="34" charset="0"/>
+                <a:cs typeface="Open Sans" panose="020B0606030504020204" pitchFamily="34" charset="0"/>
+              </a:rPr>
+              <a:t>Fin</a:t>
+            </a:r>
+          </a:p>
+          <a:p>
+            <a:r>
+              <a:rPr lang="fr-FR" dirty="0">
+                <a:latin typeface="Open Sans" panose="020B0606030504020204" pitchFamily="34" charset="0"/>
+                <a:ea typeface="Open Sans" panose="020B0606030504020204" pitchFamily="34" charset="0"/>
+                <a:cs typeface="Open Sans" panose="020B0606030504020204" pitchFamily="34" charset="0"/>
+              </a:rPr>
+              <a:t>pour  pour i allant de 0 à nbSommet-1</a:t>
+            </a:r>
+          </a:p>
+          <a:p>
+            <a:r>
+              <a:rPr lang="fr-FR" dirty="0">
+                <a:latin typeface="Open Sans" panose="020B0606030504020204" pitchFamily="34" charset="0"/>
+                <a:ea typeface="Open Sans" panose="020B0606030504020204" pitchFamily="34" charset="0"/>
+                <a:cs typeface="Open Sans" panose="020B0606030504020204" pitchFamily="34" charset="0"/>
+              </a:rPr>
+              <a:t>        affiche i</a:t>
+            </a:r>
+          </a:p>
+          <a:p>
+            <a:r>
+              <a:rPr lang="fr-FR" dirty="0">
+                <a:latin typeface="Open Sans" panose="020B0606030504020204" pitchFamily="34" charset="0"/>
+                <a:ea typeface="Open Sans" panose="020B0606030504020204" pitchFamily="34" charset="0"/>
+                <a:cs typeface="Open Sans" panose="020B0606030504020204" pitchFamily="34" charset="0"/>
+              </a:rPr>
+              <a:t>        pour j allant de 0 à nbSommet-1</a:t>
+            </a:r>
+          </a:p>
+          <a:p>
+            <a:r>
+              <a:rPr lang="fr-FR" dirty="0">
+                <a:latin typeface="Open Sans" panose="020B0606030504020204" pitchFamily="34" charset="0"/>
+                <a:ea typeface="Open Sans" panose="020B0606030504020204" pitchFamily="34" charset="0"/>
+                <a:cs typeface="Open Sans" panose="020B0606030504020204" pitchFamily="34" charset="0"/>
+              </a:rPr>
+              <a:t>        	affiche matrice[i][j]</a:t>
+            </a:r>
+          </a:p>
+          <a:p>
+            <a:r>
+              <a:rPr lang="fr-FR" dirty="0">
+                <a:latin typeface="Open Sans" panose="020B0606030504020204" pitchFamily="34" charset="0"/>
+                <a:ea typeface="Open Sans" panose="020B0606030504020204" pitchFamily="34" charset="0"/>
+                <a:cs typeface="Open Sans" panose="020B0606030504020204" pitchFamily="34" charset="0"/>
+              </a:rPr>
+              <a:t>        fin</a:t>
+            </a:r>
+          </a:p>
+          <a:p>
+            <a:r>
+              <a:rPr lang="fr-FR" dirty="0">
+                <a:latin typeface="Open Sans" panose="020B0606030504020204" pitchFamily="34" charset="0"/>
+                <a:ea typeface="Open Sans" panose="020B0606030504020204" pitchFamily="34" charset="0"/>
+                <a:cs typeface="Open Sans" panose="020B0606030504020204" pitchFamily="34" charset="0"/>
+              </a:rPr>
+              <a:t>        retour à la ligne</a:t>
+            </a:r>
+          </a:p>
+          <a:p>
+            <a:r>
+              <a:rPr lang="fr-FR" dirty="0">
+                <a:latin typeface="Open Sans" panose="020B0606030504020204" pitchFamily="34" charset="0"/>
+                <a:ea typeface="Open Sans" panose="020B0606030504020204" pitchFamily="34" charset="0"/>
+                <a:cs typeface="Open Sans" panose="020B0606030504020204" pitchFamily="34" charset="0"/>
+              </a:rPr>
+              <a:t>fin</a:t>
+            </a:r>
+          </a:p>
+        </p:txBody>
+      </p:sp>
+    </p:spTree>
+    <p:extLst>
+      <p:ext uri="{BB962C8B-B14F-4D97-AF65-F5344CB8AC3E}">
+        <p14:creationId xmlns:p14="http://schemas.microsoft.com/office/powerpoint/2010/main" val="2663343757"/>
+      </p:ext>
+    </p:extLst>
+  </p:cSld>
+  <p:clrMapOvr>
+    <a:masterClrMapping/>
+  </p:clrMapOvr>
+</p:sld>
+</file>
+
+<file path=ppt/slides/slide8.xml><?xml version="1.0" encoding="utf-8"?>
+<p:sld xmlns:a="http://schemas.openxmlformats.org/drawingml/2006/main" xmlns:r="http://schemas.openxmlformats.org/officeDocument/2006/relationships" xmlns:p="http://schemas.openxmlformats.org/presentationml/2006/main">
+  <p:cSld>
+    <p:spTree>
+      <p:nvGrpSpPr>
+        <p:cNvPr id="1" name=""/>
+        <p:cNvGrpSpPr/>
+        <p:nvPr/>
+      </p:nvGrpSpPr>
+      <p:grpSpPr>
+        <a:xfrm>
+          <a:off x="0" y="0"/>
+          <a:ext cx="0" cy="0"/>
+          <a:chOff x="0" y="0"/>
+          <a:chExt cx="0" cy="0"/>
+        </a:xfrm>
+      </p:grpSpPr>
+      <p:sp>
+        <p:nvSpPr>
           <p:cNvPr id="2" name="ZoneTexte 1">
             <a:extLst>
               <a:ext uri="{FF2B5EF4-FFF2-40B4-BE49-F238E27FC236}">
@@ -2724,13 +5714,13 @@
           <p:nvPr>
             <p:extLst>
               <p:ext uri="{D42A27DB-BD31-4B8C-83A1-F6EECF244321}">
-                <p14:modId xmlns:p14="http://schemas.microsoft.com/office/powerpoint/2010/main" val="3945901317"/>
+                <p14:modId xmlns:p14="http://schemas.microsoft.com/office/powerpoint/2010/main" val="2475347313"/>
               </p:ext>
             </p:extLst>
           </p:nvPr>
         </p:nvGraphicFramePr>
         <p:xfrm>
-          <a:off x="1172368" y="2960370"/>
+          <a:off x="1172368" y="3675988"/>
           <a:ext cx="22042438" cy="7863840"/>
         </p:xfrm>
         <a:graphic>
@@ -3312,38 +6302,8 @@
         </p:blipFill>
         <p:spPr>
           <a:xfrm>
-            <a:off x="14599004" y="10026491"/>
+            <a:off x="14797786" y="11805097"/>
             <a:ext cx="6687261" cy="1595438"/>
-          </a:xfrm>
-          <a:prstGeom prst="rect">
-            <a:avLst/>
-          </a:prstGeom>
-        </p:spPr>
-      </p:pic>
-      <p:pic>
-        <p:nvPicPr>
-          <p:cNvPr id="7" name="Image 6">
-            <a:extLst>
-              <a:ext uri="{FF2B5EF4-FFF2-40B4-BE49-F238E27FC236}">
-                <a16:creationId xmlns:a16="http://schemas.microsoft.com/office/drawing/2014/main" id="{0465A63D-E554-4FC4-82F1-407048C30B48}"/>
-              </a:ext>
-            </a:extLst>
-          </p:cNvPr>
-          <p:cNvPicPr>
-            <a:picLocks noChangeAspect="1"/>
-          </p:cNvPicPr>
-          <p:nvPr/>
-        </p:nvPicPr>
-        <p:blipFill>
-          <a:blip r:embed="rId3"/>
-          <a:stretch>
-            <a:fillRect/>
-          </a:stretch>
-        </p:blipFill>
-        <p:spPr>
-          <a:xfrm>
-            <a:off x="8640263" y="8881230"/>
-            <a:ext cx="2981469" cy="3885960"/>
           </a:xfrm>
           <a:prstGeom prst="rect">
             <a:avLst/>
@@ -3354,1120 +6314,6 @@
     <p:extLst>
       <p:ext uri="{BB962C8B-B14F-4D97-AF65-F5344CB8AC3E}">
         <p14:creationId xmlns:p14="http://schemas.microsoft.com/office/powerpoint/2010/main" val="724628257"/>
-      </p:ext>
-    </p:extLst>
-  </p:cSld>
-  <p:clrMapOvr>
-    <a:masterClrMapping/>
-  </p:clrMapOvr>
-</p:sld>
-</file>
-
-<file path=ppt/slides/slide6.xml><?xml version="1.0" encoding="utf-8"?>
-<p:sld xmlns:a="http://schemas.openxmlformats.org/drawingml/2006/main" xmlns:r="http://schemas.openxmlformats.org/officeDocument/2006/relationships" xmlns:p="http://schemas.openxmlformats.org/presentationml/2006/main">
-  <p:cSld>
-    <p:spTree>
-      <p:nvGrpSpPr>
-        <p:cNvPr id="1" name=""/>
-        <p:cNvGrpSpPr/>
-        <p:nvPr/>
-      </p:nvGrpSpPr>
-      <p:grpSpPr>
-        <a:xfrm>
-          <a:off x="0" y="0"/>
-          <a:ext cx="0" cy="0"/>
-          <a:chOff x="0" y="0"/>
-          <a:chExt cx="0" cy="0"/>
-        </a:xfrm>
-      </p:grpSpPr>
-      <p:sp>
-        <p:nvSpPr>
-          <p:cNvPr id="2" name="ZoneTexte 1">
-            <a:extLst>
-              <a:ext uri="{FF2B5EF4-FFF2-40B4-BE49-F238E27FC236}">
-                <a16:creationId xmlns:a16="http://schemas.microsoft.com/office/drawing/2014/main" id="{536CE0D5-47AC-484A-A05B-416C49C244C2}"/>
-              </a:ext>
-            </a:extLst>
-          </p:cNvPr>
-          <p:cNvSpPr txBox="1"/>
-          <p:nvPr/>
-        </p:nvSpPr>
-        <p:spPr>
-          <a:xfrm>
-            <a:off x="2375270" y="1113184"/>
-            <a:ext cx="17880677" cy="1046440"/>
-          </a:xfrm>
-          <a:prstGeom prst="rect">
-            <a:avLst/>
-          </a:prstGeom>
-          <a:noFill/>
-        </p:spPr>
-        <p:txBody>
-          <a:bodyPr wrap="square" rtlCol="0">
-            <a:spAutoFit/>
-          </a:bodyPr>
-          <a:lstStyle/>
-          <a:p>
-            <a:r>
-              <a:rPr lang="fr-FR" sz="6200" b="1" dirty="0">
-                <a:latin typeface="Montserrat" panose="00000500000000000000" pitchFamily="2" charset="0"/>
-              </a:rPr>
-              <a:t>V : Méthode de l’ordonnancement</a:t>
-            </a:r>
-          </a:p>
-        </p:txBody>
-      </p:sp>
-      <p:sp>
-        <p:nvSpPr>
-          <p:cNvPr id="3" name="ZoneTexte 2">
-            <a:extLst>
-              <a:ext uri="{FF2B5EF4-FFF2-40B4-BE49-F238E27FC236}">
-                <a16:creationId xmlns:a16="http://schemas.microsoft.com/office/drawing/2014/main" id="{1821A6BC-3EAE-47C5-86EC-2C4075E9138A}"/>
-              </a:ext>
-            </a:extLst>
-          </p:cNvPr>
-          <p:cNvSpPr txBox="1"/>
-          <p:nvPr/>
-        </p:nvSpPr>
-        <p:spPr>
-          <a:xfrm>
-            <a:off x="2375270" y="3587698"/>
-            <a:ext cx="20694280" cy="9818072"/>
-          </a:xfrm>
-          <a:prstGeom prst="rect">
-            <a:avLst/>
-          </a:prstGeom>
-          <a:noFill/>
-        </p:spPr>
-        <p:txBody>
-          <a:bodyPr wrap="square" rtlCol="0">
-            <a:spAutoFit/>
-          </a:bodyPr>
-          <a:lstStyle/>
-          <a:p>
-            <a:r>
-              <a:rPr lang="fr-FR" sz="3800" dirty="0">
-                <a:latin typeface="Montserrat" panose="00000500000000000000" pitchFamily="2" charset="0"/>
-              </a:rPr>
-              <a:t>Plusieurs conditions sont nécessaires afin de pouvoir ordonnancer un graphe :</a:t>
-            </a:r>
-          </a:p>
-          <a:p>
-            <a:pPr marL="1485946" lvl="1" indent="-571500">
-              <a:buFont typeface="Wingdings" panose="05000000000000000000" pitchFamily="2" charset="2"/>
-              <a:buChar char="Ø"/>
-            </a:pPr>
-            <a:endParaRPr lang="fr-FR" sz="3400" dirty="0">
-              <a:latin typeface="Montserrat" panose="00000500000000000000" pitchFamily="2" charset="0"/>
-            </a:endParaRPr>
-          </a:p>
-          <a:p>
-            <a:pPr marL="1485946" lvl="1" indent="-571500">
-              <a:buFont typeface="Wingdings" panose="05000000000000000000" pitchFamily="2" charset="2"/>
-              <a:buChar char="Ø"/>
-            </a:pPr>
-            <a:r>
-              <a:rPr lang="fr-FR" sz="3400" dirty="0">
-                <a:latin typeface="Montserrat" panose="00000500000000000000" pitchFamily="2" charset="0"/>
-              </a:rPr>
-              <a:t>Un seul point d’entrée =&gt; vérifier qu’une seule colonne est vide</a:t>
-            </a:r>
-          </a:p>
-          <a:p>
-            <a:pPr marL="1485946" lvl="1" indent="-571500">
-              <a:buFont typeface="Wingdings" panose="05000000000000000000" pitchFamily="2" charset="2"/>
-              <a:buChar char="Ø"/>
-            </a:pPr>
-            <a:endParaRPr lang="fr-FR" sz="3400" dirty="0">
-              <a:latin typeface="Montserrat" panose="00000500000000000000" pitchFamily="2" charset="0"/>
-            </a:endParaRPr>
-          </a:p>
-          <a:p>
-            <a:pPr marL="1485946" lvl="1" indent="-571500">
-              <a:buFont typeface="Wingdings" panose="05000000000000000000" pitchFamily="2" charset="2"/>
-              <a:buChar char="Ø"/>
-            </a:pPr>
-            <a:r>
-              <a:rPr lang="fr-FR" sz="3400" dirty="0">
-                <a:latin typeface="Montserrat" panose="00000500000000000000" pitchFamily="2" charset="0"/>
-              </a:rPr>
-              <a:t>Un seul point de sortie =&gt; vérifier qu’une seule ligne est vide</a:t>
-            </a:r>
-          </a:p>
-          <a:p>
-            <a:pPr marL="1485946" lvl="1" indent="-571500">
-              <a:buFont typeface="Wingdings" panose="05000000000000000000" pitchFamily="2" charset="2"/>
-              <a:buChar char="Ø"/>
-            </a:pPr>
-            <a:endParaRPr lang="fr-FR" sz="3400" dirty="0">
-              <a:latin typeface="Montserrat" panose="00000500000000000000" pitchFamily="2" charset="0"/>
-            </a:endParaRPr>
-          </a:p>
-          <a:p>
-            <a:pPr marL="1485946" lvl="1" indent="-571500">
-              <a:buFont typeface="Wingdings" panose="05000000000000000000" pitchFamily="2" charset="2"/>
-              <a:buChar char="Ø"/>
-            </a:pPr>
-            <a:r>
-              <a:rPr lang="fr-FR" sz="3400" dirty="0">
-                <a:latin typeface="Montserrat" panose="00000500000000000000" pitchFamily="2" charset="0"/>
-              </a:rPr>
-              <a:t>Pas de circuit </a:t>
-            </a:r>
-          </a:p>
-          <a:p>
-            <a:pPr marL="1485946" lvl="1" indent="-571500">
-              <a:buFont typeface="Wingdings" panose="05000000000000000000" pitchFamily="2" charset="2"/>
-              <a:buChar char="Ø"/>
-            </a:pPr>
-            <a:endParaRPr lang="fr-FR" sz="3400" dirty="0">
-              <a:latin typeface="Montserrat" panose="00000500000000000000" pitchFamily="2" charset="0"/>
-            </a:endParaRPr>
-          </a:p>
-          <a:p>
-            <a:pPr marL="1485946" lvl="1" indent="-571500">
-              <a:buFont typeface="Wingdings" panose="05000000000000000000" pitchFamily="2" charset="2"/>
-              <a:buChar char="Ø"/>
-            </a:pPr>
-            <a:r>
-              <a:rPr lang="fr-FR" sz="3400" dirty="0">
-                <a:latin typeface="Montserrat" panose="00000500000000000000" pitchFamily="2" charset="0"/>
-              </a:rPr>
-              <a:t>Pas d’arcs à valeur négative </a:t>
-            </a:r>
-          </a:p>
-          <a:p>
-            <a:pPr marL="1485946" lvl="1" indent="-571500">
-              <a:buFont typeface="Wingdings" panose="05000000000000000000" pitchFamily="2" charset="2"/>
-              <a:buChar char="Ø"/>
-            </a:pPr>
-            <a:endParaRPr lang="fr-FR" sz="3400" dirty="0"/>
-          </a:p>
-          <a:p>
-            <a:pPr marL="1485946" lvl="1" indent="-571500">
-              <a:buFont typeface="Wingdings" panose="05000000000000000000" pitchFamily="2" charset="2"/>
-              <a:buChar char="Ø"/>
-            </a:pPr>
-            <a:r>
-              <a:rPr lang="fr-FR" sz="3400" dirty="0">
-                <a:latin typeface="Montserrat" panose="00000500000000000000" pitchFamily="2" charset="0"/>
-              </a:rPr>
-              <a:t>Valeurs identiques pour tous les arcs incidents vers l’extérieur à </a:t>
-            </a:r>
-          </a:p>
-          <a:p>
-            <a:pPr lvl="1"/>
-            <a:r>
-              <a:rPr lang="fr-FR" sz="3400" dirty="0">
-                <a:latin typeface="Montserrat" panose="00000500000000000000" pitchFamily="2" charset="0"/>
-              </a:rPr>
-              <a:t>un sommet  =&gt; chaque case d’une ligne ne possède que 2 valeurs</a:t>
-            </a:r>
-          </a:p>
-          <a:p>
-            <a:pPr lvl="1"/>
-            <a:r>
-              <a:rPr lang="fr-FR" sz="3400" dirty="0">
-                <a:latin typeface="Montserrat" panose="00000500000000000000" pitchFamily="2" charset="0"/>
-              </a:rPr>
-              <a:t>			- la valeur de l’arc</a:t>
-            </a:r>
-          </a:p>
-          <a:p>
-            <a:pPr lvl="1"/>
-            <a:r>
-              <a:rPr lang="fr-FR" sz="3400" dirty="0">
-                <a:latin typeface="Montserrat" panose="00000500000000000000" pitchFamily="2" charset="0"/>
-              </a:rPr>
-              <a:t>			- *</a:t>
-            </a:r>
-          </a:p>
-          <a:p>
-            <a:pPr marL="1485946" lvl="1" indent="-571500">
-              <a:buFont typeface="Wingdings" panose="05000000000000000000" pitchFamily="2" charset="2"/>
-              <a:buChar char="Ø"/>
-            </a:pPr>
-            <a:endParaRPr lang="fr-FR" sz="3400" dirty="0">
-              <a:latin typeface="Montserrat" panose="00000500000000000000" pitchFamily="2" charset="0"/>
-            </a:endParaRPr>
-          </a:p>
-          <a:p>
-            <a:pPr marL="1485946" lvl="1" indent="-571500">
-              <a:buFont typeface="Wingdings" panose="05000000000000000000" pitchFamily="2" charset="2"/>
-              <a:buChar char="Ø"/>
-            </a:pPr>
-            <a:r>
-              <a:rPr lang="fr-FR" sz="3400" dirty="0">
-                <a:latin typeface="Montserrat" panose="00000500000000000000" pitchFamily="2" charset="0"/>
-              </a:rPr>
-              <a:t>Arcs incidents vers l’extérieur au point d’entrée de valeur nulle ; </a:t>
-            </a:r>
-          </a:p>
-          <a:p>
-            <a:pPr lvl="1"/>
-            <a:endParaRPr lang="fr-FR" sz="4200" dirty="0">
-              <a:latin typeface="Montserrat" panose="00000500000000000000" pitchFamily="2" charset="0"/>
-            </a:endParaRPr>
-          </a:p>
-          <a:p>
-            <a:pPr marL="1485946" lvl="1" indent="-571500">
-              <a:buFont typeface="Wingdings" panose="05000000000000000000" pitchFamily="2" charset="2"/>
-              <a:buChar char="Ø"/>
-            </a:pPr>
-            <a:endParaRPr lang="fr-FR" sz="4200" dirty="0">
-              <a:latin typeface="Montserrat" panose="00000500000000000000" pitchFamily="2" charset="0"/>
-            </a:endParaRPr>
-          </a:p>
-        </p:txBody>
-      </p:sp>
-    </p:spTree>
-    <p:extLst>
-      <p:ext uri="{BB962C8B-B14F-4D97-AF65-F5344CB8AC3E}">
-        <p14:creationId xmlns:p14="http://schemas.microsoft.com/office/powerpoint/2010/main" val="1136447872"/>
-      </p:ext>
-    </p:extLst>
-  </p:cSld>
-  <p:clrMapOvr>
-    <a:masterClrMapping/>
-  </p:clrMapOvr>
-</p:sld>
-</file>
-
-<file path=ppt/slides/slide7.xml><?xml version="1.0" encoding="utf-8"?>
-<p:sld xmlns:a="http://schemas.openxmlformats.org/drawingml/2006/main" xmlns:r="http://schemas.openxmlformats.org/officeDocument/2006/relationships" xmlns:p="http://schemas.openxmlformats.org/presentationml/2006/main">
-  <p:cSld>
-    <p:spTree>
-      <p:nvGrpSpPr>
-        <p:cNvPr id="1" name=""/>
-        <p:cNvGrpSpPr/>
-        <p:nvPr/>
-      </p:nvGrpSpPr>
-      <p:grpSpPr>
-        <a:xfrm>
-          <a:off x="0" y="0"/>
-          <a:ext cx="0" cy="0"/>
-          <a:chOff x="0" y="0"/>
-          <a:chExt cx="0" cy="0"/>
-        </a:xfrm>
-      </p:grpSpPr>
-      <p:sp>
-        <p:nvSpPr>
-          <p:cNvPr id="2" name="ZoneTexte 1">
-            <a:extLst>
-              <a:ext uri="{FF2B5EF4-FFF2-40B4-BE49-F238E27FC236}">
-                <a16:creationId xmlns:a16="http://schemas.microsoft.com/office/drawing/2014/main" id="{536CE0D5-47AC-484A-A05B-416C49C244C2}"/>
-              </a:ext>
-            </a:extLst>
-          </p:cNvPr>
-          <p:cNvSpPr txBox="1"/>
-          <p:nvPr/>
-        </p:nvSpPr>
-        <p:spPr>
-          <a:xfrm>
-            <a:off x="2375271" y="1113184"/>
-            <a:ext cx="17880677" cy="1046440"/>
-          </a:xfrm>
-          <a:prstGeom prst="rect">
-            <a:avLst/>
-          </a:prstGeom>
-          <a:noFill/>
-        </p:spPr>
-        <p:txBody>
-          <a:bodyPr wrap="square" rtlCol="0">
-            <a:spAutoFit/>
-          </a:bodyPr>
-          <a:lstStyle/>
-          <a:p>
-            <a:r>
-              <a:rPr lang="fr-FR" sz="6200" b="1" dirty="0">
-                <a:latin typeface="Montserrat" panose="00000500000000000000" pitchFamily="2" charset="0"/>
-              </a:rPr>
-              <a:t>V : Méthode de l’ordonnancement</a:t>
-            </a:r>
-          </a:p>
-        </p:txBody>
-      </p:sp>
-      <p:sp>
-        <p:nvSpPr>
-          <p:cNvPr id="3" name="ZoneTexte 2">
-            <a:extLst>
-              <a:ext uri="{FF2B5EF4-FFF2-40B4-BE49-F238E27FC236}">
-                <a16:creationId xmlns:a16="http://schemas.microsoft.com/office/drawing/2014/main" id="{1821A6BC-3EAE-47C5-86EC-2C4075E9138A}"/>
-              </a:ext>
-            </a:extLst>
-          </p:cNvPr>
-          <p:cNvSpPr txBox="1"/>
-          <p:nvPr/>
-        </p:nvSpPr>
-        <p:spPr>
-          <a:xfrm>
-            <a:off x="1803771" y="2523612"/>
-            <a:ext cx="15139006" cy="8894743"/>
-          </a:xfrm>
-          <a:prstGeom prst="rect">
-            <a:avLst/>
-          </a:prstGeom>
-          <a:noFill/>
-        </p:spPr>
-        <p:txBody>
-          <a:bodyPr wrap="square" rtlCol="0">
-            <a:spAutoFit/>
-          </a:bodyPr>
-          <a:lstStyle/>
-          <a:p>
-            <a:pPr algn="just"/>
-            <a:r>
-              <a:rPr lang="fr-FR" sz="3800" dirty="0">
-                <a:latin typeface="Montserrat" panose="00000500000000000000" pitchFamily="2" charset="0"/>
-              </a:rPr>
-              <a:t>Une fois les conditions vérifiées on peut passer a l’ordonnancement.</a:t>
-            </a:r>
-          </a:p>
-          <a:p>
-            <a:pPr algn="just"/>
-            <a:endParaRPr lang="fr-FR" sz="3800" dirty="0">
-              <a:latin typeface="Montserrat" panose="00000500000000000000" pitchFamily="2" charset="0"/>
-            </a:endParaRPr>
-          </a:p>
-          <a:p>
-            <a:pPr algn="just"/>
-            <a:r>
-              <a:rPr lang="fr-FR" sz="3800" dirty="0">
-                <a:latin typeface="Montserrat" panose="00000500000000000000" pitchFamily="2" charset="0"/>
-              </a:rPr>
-              <a:t>Pour chaque sommet, on calcul la date au plus tôt :</a:t>
-            </a:r>
-          </a:p>
-          <a:p>
-            <a:pPr algn="just"/>
-            <a:endParaRPr lang="fr-FR" sz="3800" dirty="0">
-              <a:latin typeface="Montserrat" panose="00000500000000000000" pitchFamily="2" charset="0"/>
-            </a:endParaRPr>
-          </a:p>
-          <a:p>
-            <a:pPr algn="just"/>
-            <a:r>
-              <a:rPr lang="fr-FR" sz="3800" dirty="0">
-                <a:latin typeface="Montserrat" panose="00000500000000000000" pitchFamily="2" charset="0"/>
-              </a:rPr>
-              <a:t>	- Date au plus tôt = </a:t>
-            </a:r>
-          </a:p>
-          <a:p>
-            <a:pPr algn="just"/>
-            <a:r>
-              <a:rPr lang="fr-FR" sz="3800" dirty="0">
-                <a:latin typeface="Montserrat" panose="00000500000000000000" pitchFamily="2" charset="0"/>
-              </a:rPr>
-              <a:t>		Date au plus tôt du prédécesseur</a:t>
-            </a:r>
-          </a:p>
-          <a:p>
-            <a:pPr algn="just"/>
-            <a:r>
-              <a:rPr lang="fr-FR" sz="3800" dirty="0">
-                <a:latin typeface="Montserrat" panose="00000500000000000000" pitchFamily="2" charset="0"/>
-              </a:rPr>
-              <a:t>		+ valeur de la tache du prédécesseur</a:t>
-            </a:r>
-          </a:p>
-          <a:p>
-            <a:pPr algn="just"/>
-            <a:r>
-              <a:rPr lang="fr-FR" sz="3800" dirty="0">
-                <a:latin typeface="Montserrat" panose="00000500000000000000" pitchFamily="2" charset="0"/>
-              </a:rPr>
-              <a:t>	- Date au plus tôt retenue =</a:t>
-            </a:r>
-          </a:p>
-          <a:p>
-            <a:pPr algn="just"/>
-            <a:r>
-              <a:rPr lang="fr-FR" sz="3800" dirty="0">
-                <a:latin typeface="Montserrat" panose="00000500000000000000" pitchFamily="2" charset="0"/>
-              </a:rPr>
-              <a:t>		Date au plus tôt la plus grande parmi toutes </a:t>
-            </a:r>
-          </a:p>
-          <a:p>
-            <a:pPr algn="just"/>
-            <a:r>
-              <a:rPr lang="fr-FR" sz="3800" dirty="0">
-                <a:latin typeface="Montserrat" panose="00000500000000000000" pitchFamily="2" charset="0"/>
-              </a:rPr>
-              <a:t>		les dates au plus tôt calculées</a:t>
-            </a:r>
-          </a:p>
-          <a:p>
-            <a:pPr algn="just"/>
-            <a:endParaRPr lang="fr-FR" sz="3800" dirty="0">
-              <a:latin typeface="Montserrat" panose="00000500000000000000" pitchFamily="2" charset="0"/>
-            </a:endParaRPr>
-          </a:p>
-          <a:p>
-            <a:pPr algn="just"/>
-            <a:r>
-              <a:rPr lang="fr-FR" dirty="0">
-                <a:latin typeface="Montserrat" panose="00000500000000000000" pitchFamily="2" charset="0"/>
-              </a:rPr>
-              <a:t>Le calcul se fait en partant du point d’entrée (dont la date au plus tôt est 0) et par ordre croissant du rang.			</a:t>
-            </a:r>
-            <a:endParaRPr lang="fr-FR" sz="4200" dirty="0">
-              <a:latin typeface="Montserrat" panose="00000500000000000000" pitchFamily="2" charset="0"/>
-            </a:endParaRPr>
-          </a:p>
-          <a:p>
-            <a:pPr marL="1485946" lvl="1" indent="-571500">
-              <a:buFont typeface="Wingdings" panose="05000000000000000000" pitchFamily="2" charset="2"/>
-              <a:buChar char="Ø"/>
-            </a:pPr>
-            <a:endParaRPr lang="fr-FR" sz="4200" dirty="0">
-              <a:latin typeface="Montserrat" panose="00000500000000000000" pitchFamily="2" charset="0"/>
-            </a:endParaRPr>
-          </a:p>
-        </p:txBody>
-      </p:sp>
-      <p:pic>
-        <p:nvPicPr>
-          <p:cNvPr id="6" name="Image 5">
-            <a:extLst>
-              <a:ext uri="{FF2B5EF4-FFF2-40B4-BE49-F238E27FC236}">
-                <a16:creationId xmlns:a16="http://schemas.microsoft.com/office/drawing/2014/main" id="{FC063811-AF74-448F-BFE2-6FE9D3E3E94C}"/>
-              </a:ext>
-            </a:extLst>
-          </p:cNvPr>
-          <p:cNvPicPr>
-            <a:picLocks noChangeAspect="1"/>
-          </p:cNvPicPr>
-          <p:nvPr/>
-        </p:nvPicPr>
-        <p:blipFill>
-          <a:blip r:embed="rId2"/>
-          <a:stretch>
-            <a:fillRect/>
-          </a:stretch>
-        </p:blipFill>
-        <p:spPr>
-          <a:xfrm>
-            <a:off x="17304038" y="4283223"/>
-            <a:ext cx="5903819" cy="1562100"/>
-          </a:xfrm>
-          <a:prstGeom prst="rect">
-            <a:avLst/>
-          </a:prstGeom>
-        </p:spPr>
-      </p:pic>
-      <p:sp>
-        <p:nvSpPr>
-          <p:cNvPr id="8" name="ZoneTexte 7">
-            <a:extLst>
-              <a:ext uri="{FF2B5EF4-FFF2-40B4-BE49-F238E27FC236}">
-                <a16:creationId xmlns:a16="http://schemas.microsoft.com/office/drawing/2014/main" id="{F417EAFD-794E-4BC9-B4E1-140FEDB4533D}"/>
-              </a:ext>
-            </a:extLst>
-          </p:cNvPr>
-          <p:cNvSpPr txBox="1"/>
-          <p:nvPr/>
-        </p:nvSpPr>
-        <p:spPr>
-          <a:xfrm>
-            <a:off x="17031472" y="5903893"/>
-            <a:ext cx="6448952" cy="954107"/>
-          </a:xfrm>
-          <a:prstGeom prst="rect">
-            <a:avLst/>
-          </a:prstGeom>
-          <a:noFill/>
-        </p:spPr>
-        <p:txBody>
-          <a:bodyPr wrap="square" rtlCol="0">
-            <a:spAutoFit/>
-          </a:bodyPr>
-          <a:lstStyle/>
-          <a:p>
-            <a:pPr algn="ctr"/>
-            <a:r>
-              <a:rPr lang="fr-FR" sz="2800" i="1" dirty="0">
-                <a:latin typeface="Open Sans" panose="020B0606030504020204" pitchFamily="34" charset="0"/>
-                <a:ea typeface="Open Sans" panose="020B0606030504020204" pitchFamily="34" charset="0"/>
-                <a:cs typeface="Open Sans" panose="020B0606030504020204" pitchFamily="34" charset="0"/>
-              </a:rPr>
-              <a:t>Figure 1 : Exemple pour le sommet  9</a:t>
-            </a:r>
-          </a:p>
-          <a:p>
-            <a:pPr algn="ctr"/>
-            <a:r>
-              <a:rPr lang="fr-FR" sz="2800" i="1" dirty="0">
-                <a:latin typeface="Open Sans" panose="020B0606030504020204" pitchFamily="34" charset="0"/>
-                <a:ea typeface="Open Sans" panose="020B0606030504020204" pitchFamily="34" charset="0"/>
-                <a:cs typeface="Open Sans" panose="020B0606030504020204" pitchFamily="34" charset="0"/>
-              </a:rPr>
-              <a:t>du graphe 11</a:t>
-            </a:r>
-          </a:p>
-        </p:txBody>
-      </p:sp>
-    </p:spTree>
-    <p:extLst>
-      <p:ext uri="{BB962C8B-B14F-4D97-AF65-F5344CB8AC3E}">
-        <p14:creationId xmlns:p14="http://schemas.microsoft.com/office/powerpoint/2010/main" val="2826287301"/>
-      </p:ext>
-    </p:extLst>
-  </p:cSld>
-  <p:clrMapOvr>
-    <a:masterClrMapping/>
-  </p:clrMapOvr>
-</p:sld>
-</file>
-
-<file path=ppt/slides/slide8.xml><?xml version="1.0" encoding="utf-8"?>
-<p:sld xmlns:a="http://schemas.openxmlformats.org/drawingml/2006/main" xmlns:r="http://schemas.openxmlformats.org/officeDocument/2006/relationships" xmlns:p="http://schemas.openxmlformats.org/presentationml/2006/main">
-  <p:cSld>
-    <p:spTree>
-      <p:nvGrpSpPr>
-        <p:cNvPr id="1" name=""/>
-        <p:cNvGrpSpPr/>
-        <p:nvPr/>
-      </p:nvGrpSpPr>
-      <p:grpSpPr>
-        <a:xfrm>
-          <a:off x="0" y="0"/>
-          <a:ext cx="0" cy="0"/>
-          <a:chOff x="0" y="0"/>
-          <a:chExt cx="0" cy="0"/>
-        </a:xfrm>
-      </p:grpSpPr>
-      <p:sp>
-        <p:nvSpPr>
-          <p:cNvPr id="3" name="ZoneTexte 2">
-            <a:extLst>
-              <a:ext uri="{FF2B5EF4-FFF2-40B4-BE49-F238E27FC236}">
-                <a16:creationId xmlns:a16="http://schemas.microsoft.com/office/drawing/2014/main" id="{168B7E97-4894-436F-9382-6A92F4014357}"/>
-              </a:ext>
-            </a:extLst>
-          </p:cNvPr>
-          <p:cNvSpPr txBox="1"/>
-          <p:nvPr/>
-        </p:nvSpPr>
-        <p:spPr>
-          <a:xfrm>
-            <a:off x="2375271" y="1113184"/>
-            <a:ext cx="17880677" cy="1046440"/>
-          </a:xfrm>
-          <a:prstGeom prst="rect">
-            <a:avLst/>
-          </a:prstGeom>
-          <a:noFill/>
-        </p:spPr>
-        <p:txBody>
-          <a:bodyPr wrap="square" rtlCol="0">
-            <a:spAutoFit/>
-          </a:bodyPr>
-          <a:lstStyle/>
-          <a:p>
-            <a:r>
-              <a:rPr lang="fr-FR" sz="6200" b="1" dirty="0">
-                <a:latin typeface="Montserrat" panose="00000500000000000000" pitchFamily="2" charset="0"/>
-              </a:rPr>
-              <a:t>V : Méthode de l’ordonnancement</a:t>
-            </a:r>
-          </a:p>
-        </p:txBody>
-      </p:sp>
-      <p:sp>
-        <p:nvSpPr>
-          <p:cNvPr id="4" name="Oval 58">
-            <a:extLst>
-              <a:ext uri="{FF2B5EF4-FFF2-40B4-BE49-F238E27FC236}">
-                <a16:creationId xmlns:a16="http://schemas.microsoft.com/office/drawing/2014/main" id="{B07BAEF7-F2F1-4129-850F-39566CB7AE7B}"/>
-              </a:ext>
-            </a:extLst>
-          </p:cNvPr>
-          <p:cNvSpPr/>
-          <p:nvPr/>
-        </p:nvSpPr>
-        <p:spPr>
-          <a:xfrm>
-            <a:off x="1673229" y="3765604"/>
-            <a:ext cx="1074332" cy="1074611"/>
-          </a:xfrm>
-          <a:prstGeom prst="ellipse">
-            <a:avLst/>
-          </a:prstGeom>
-          <a:noFill/>
-          <a:ln w="28575">
-            <a:solidFill>
-              <a:schemeClr val="tx1"/>
-            </a:solidFill>
-          </a:ln>
-        </p:spPr>
-        <p:style>
-          <a:lnRef idx="2">
-            <a:schemeClr val="accent1">
-              <a:shade val="50000"/>
-            </a:schemeClr>
-          </a:lnRef>
-          <a:fillRef idx="1">
-            <a:schemeClr val="accent1"/>
-          </a:fillRef>
-          <a:effectRef idx="0">
-            <a:schemeClr val="accent1"/>
-          </a:effectRef>
-          <a:fontRef idx="minor">
-            <a:schemeClr val="lt1"/>
-          </a:fontRef>
-        </p:style>
-        <p:txBody>
-          <a:bodyPr rtlCol="0" anchor="ctr"/>
-          <a:lstStyle/>
-          <a:p>
-            <a:pPr algn="ctr"/>
-            <a:endParaRPr lang="en-US" sz="2900" dirty="0">
-              <a:latin typeface="Montserrat Light" charset="0"/>
-              <a:ea typeface="Montserrat Light" charset="0"/>
-              <a:cs typeface="Montserrat Light" charset="0"/>
-            </a:endParaRPr>
-          </a:p>
-        </p:txBody>
-      </p:sp>
-      <p:sp>
-        <p:nvSpPr>
-          <p:cNvPr id="5" name="ZoneTexte 4">
-            <a:extLst>
-              <a:ext uri="{FF2B5EF4-FFF2-40B4-BE49-F238E27FC236}">
-                <a16:creationId xmlns:a16="http://schemas.microsoft.com/office/drawing/2014/main" id="{F680C0E6-F5ED-46B1-BB6D-14E0E90DF401}"/>
-              </a:ext>
-            </a:extLst>
-          </p:cNvPr>
-          <p:cNvSpPr txBox="1"/>
-          <p:nvPr/>
-        </p:nvSpPr>
-        <p:spPr>
-          <a:xfrm>
-            <a:off x="1827648" y="3856634"/>
-            <a:ext cx="765494" cy="892552"/>
-          </a:xfrm>
-          <a:prstGeom prst="rect">
-            <a:avLst/>
-          </a:prstGeom>
-          <a:noFill/>
-        </p:spPr>
-        <p:txBody>
-          <a:bodyPr wrap="square" rtlCol="0">
-            <a:spAutoFit/>
-          </a:bodyPr>
-          <a:lstStyle/>
-          <a:p>
-            <a:pPr algn="ctr"/>
-            <a:r>
-              <a:rPr lang="fr-FR" sz="5200" b="1" dirty="0">
-                <a:latin typeface="Montserrat" panose="00000500000000000000" pitchFamily="2" charset="0"/>
-              </a:rPr>
-              <a:t>1</a:t>
-            </a:r>
-          </a:p>
-        </p:txBody>
-      </p:sp>
-      <p:sp>
-        <p:nvSpPr>
-          <p:cNvPr id="6" name="ZoneTexte 5">
-            <a:extLst>
-              <a:ext uri="{FF2B5EF4-FFF2-40B4-BE49-F238E27FC236}">
-                <a16:creationId xmlns:a16="http://schemas.microsoft.com/office/drawing/2014/main" id="{110C598B-31D9-45EA-92EE-E3CCB76B189C}"/>
-              </a:ext>
-            </a:extLst>
-          </p:cNvPr>
-          <p:cNvSpPr txBox="1"/>
-          <p:nvPr/>
-        </p:nvSpPr>
-        <p:spPr>
-          <a:xfrm>
-            <a:off x="3813175" y="3702744"/>
-            <a:ext cx="7456472" cy="1200329"/>
-          </a:xfrm>
-          <a:prstGeom prst="rect">
-            <a:avLst/>
-          </a:prstGeom>
-          <a:noFill/>
-        </p:spPr>
-        <p:txBody>
-          <a:bodyPr wrap="square" rtlCol="0">
-            <a:spAutoFit/>
-          </a:bodyPr>
-          <a:lstStyle/>
-          <a:p>
-            <a:r>
-              <a:rPr lang="fr-FR" dirty="0">
-                <a:latin typeface="Open Sans" panose="020B0606030504020204" pitchFamily="34" charset="0"/>
-                <a:ea typeface="Open Sans" panose="020B0606030504020204" pitchFamily="34" charset="0"/>
-                <a:cs typeface="Open Sans" panose="020B0606030504020204" pitchFamily="34" charset="0"/>
-              </a:rPr>
-              <a:t>Récupération de la liste des prédécesseurs</a:t>
-            </a:r>
-          </a:p>
-        </p:txBody>
-      </p:sp>
-      <p:pic>
-        <p:nvPicPr>
-          <p:cNvPr id="7" name="Image 6">
-            <a:extLst>
-              <a:ext uri="{FF2B5EF4-FFF2-40B4-BE49-F238E27FC236}">
-                <a16:creationId xmlns:a16="http://schemas.microsoft.com/office/drawing/2014/main" id="{0B2C8889-337D-492E-A6D3-4A889B2B4B28}"/>
-              </a:ext>
-            </a:extLst>
-          </p:cNvPr>
-          <p:cNvPicPr>
-            <a:picLocks noChangeAspect="1"/>
-          </p:cNvPicPr>
-          <p:nvPr/>
-        </p:nvPicPr>
-        <p:blipFill>
-          <a:blip r:embed="rId2"/>
-          <a:stretch>
-            <a:fillRect/>
-          </a:stretch>
-        </p:blipFill>
-        <p:spPr>
-          <a:xfrm>
-            <a:off x="14122399" y="3226583"/>
-            <a:ext cx="7698714" cy="2152650"/>
-          </a:xfrm>
-          <a:prstGeom prst="rect">
-            <a:avLst/>
-          </a:prstGeom>
-        </p:spPr>
-      </p:pic>
-      <p:sp>
-        <p:nvSpPr>
-          <p:cNvPr id="8" name="Oval 58">
-            <a:extLst>
-              <a:ext uri="{FF2B5EF4-FFF2-40B4-BE49-F238E27FC236}">
-                <a16:creationId xmlns:a16="http://schemas.microsoft.com/office/drawing/2014/main" id="{C7DDF454-155F-4E61-AFEC-FEA3F830D8B6}"/>
-              </a:ext>
-            </a:extLst>
-          </p:cNvPr>
-          <p:cNvSpPr/>
-          <p:nvPr/>
-        </p:nvSpPr>
-        <p:spPr>
-          <a:xfrm>
-            <a:off x="1653792" y="6920860"/>
-            <a:ext cx="1074332" cy="1074611"/>
-          </a:xfrm>
-          <a:prstGeom prst="ellipse">
-            <a:avLst/>
-          </a:prstGeom>
-          <a:noFill/>
-          <a:ln w="28575">
-            <a:solidFill>
-              <a:schemeClr val="tx1"/>
-            </a:solidFill>
-          </a:ln>
-        </p:spPr>
-        <p:style>
-          <a:lnRef idx="2">
-            <a:schemeClr val="accent1">
-              <a:shade val="50000"/>
-            </a:schemeClr>
-          </a:lnRef>
-          <a:fillRef idx="1">
-            <a:schemeClr val="accent1"/>
-          </a:fillRef>
-          <a:effectRef idx="0">
-            <a:schemeClr val="accent1"/>
-          </a:effectRef>
-          <a:fontRef idx="minor">
-            <a:schemeClr val="lt1"/>
-          </a:fontRef>
-        </p:style>
-        <p:txBody>
-          <a:bodyPr rtlCol="0" anchor="ctr"/>
-          <a:lstStyle/>
-          <a:p>
-            <a:pPr algn="ctr"/>
-            <a:endParaRPr lang="en-US" sz="2900" dirty="0">
-              <a:latin typeface="Montserrat Light" charset="0"/>
-              <a:ea typeface="Montserrat Light" charset="0"/>
-              <a:cs typeface="Montserrat Light" charset="0"/>
-            </a:endParaRPr>
-          </a:p>
-        </p:txBody>
-      </p:sp>
-      <p:sp>
-        <p:nvSpPr>
-          <p:cNvPr id="9" name="ZoneTexte 8">
-            <a:extLst>
-              <a:ext uri="{FF2B5EF4-FFF2-40B4-BE49-F238E27FC236}">
-                <a16:creationId xmlns:a16="http://schemas.microsoft.com/office/drawing/2014/main" id="{F4424929-5651-49E7-8B2F-63484DFC02E3}"/>
-              </a:ext>
-            </a:extLst>
-          </p:cNvPr>
-          <p:cNvSpPr txBox="1"/>
-          <p:nvPr/>
-        </p:nvSpPr>
-        <p:spPr>
-          <a:xfrm>
-            <a:off x="3813175" y="6921039"/>
-            <a:ext cx="7456472" cy="1200329"/>
-          </a:xfrm>
-          <a:prstGeom prst="rect">
-            <a:avLst/>
-          </a:prstGeom>
-          <a:noFill/>
-        </p:spPr>
-        <p:txBody>
-          <a:bodyPr wrap="square" rtlCol="0">
-            <a:spAutoFit/>
-          </a:bodyPr>
-          <a:lstStyle/>
-          <a:p>
-            <a:r>
-              <a:rPr lang="fr-FR" dirty="0">
-                <a:latin typeface="Open Sans" panose="020B0606030504020204" pitchFamily="34" charset="0"/>
-                <a:ea typeface="Open Sans" panose="020B0606030504020204" pitchFamily="34" charset="0"/>
-                <a:cs typeface="Open Sans" panose="020B0606030504020204" pitchFamily="34" charset="0"/>
-              </a:rPr>
-              <a:t>Récupération de la tâche de chaque prédécesseurs</a:t>
-            </a:r>
-          </a:p>
-        </p:txBody>
-      </p:sp>
-      <p:sp>
-        <p:nvSpPr>
-          <p:cNvPr id="10" name="ZoneTexte 9">
-            <a:extLst>
-              <a:ext uri="{FF2B5EF4-FFF2-40B4-BE49-F238E27FC236}">
-                <a16:creationId xmlns:a16="http://schemas.microsoft.com/office/drawing/2014/main" id="{D7B59304-604B-48E2-BDA1-4BACBADAC7DD}"/>
-              </a:ext>
-            </a:extLst>
-          </p:cNvPr>
-          <p:cNvSpPr txBox="1"/>
-          <p:nvPr/>
-        </p:nvSpPr>
-        <p:spPr>
-          <a:xfrm>
-            <a:off x="1808211" y="7011888"/>
-            <a:ext cx="765494" cy="892552"/>
-          </a:xfrm>
-          <a:prstGeom prst="rect">
-            <a:avLst/>
-          </a:prstGeom>
-          <a:noFill/>
-        </p:spPr>
-        <p:txBody>
-          <a:bodyPr wrap="square" rtlCol="0">
-            <a:spAutoFit/>
-          </a:bodyPr>
-          <a:lstStyle/>
-          <a:p>
-            <a:pPr algn="ctr"/>
-            <a:r>
-              <a:rPr lang="fr-FR" sz="5200" b="1" dirty="0">
-                <a:latin typeface="Montserrat" panose="00000500000000000000" pitchFamily="2" charset="0"/>
-              </a:rPr>
-              <a:t>2</a:t>
-            </a:r>
-          </a:p>
-        </p:txBody>
-      </p:sp>
-      <p:pic>
-        <p:nvPicPr>
-          <p:cNvPr id="11" name="Image 10">
-            <a:extLst>
-              <a:ext uri="{FF2B5EF4-FFF2-40B4-BE49-F238E27FC236}">
-                <a16:creationId xmlns:a16="http://schemas.microsoft.com/office/drawing/2014/main" id="{DE7832F5-F3E9-4ADA-B25B-561F8660DB19}"/>
-              </a:ext>
-            </a:extLst>
-          </p:cNvPr>
-          <p:cNvPicPr>
-            <a:picLocks noChangeAspect="1"/>
-          </p:cNvPicPr>
-          <p:nvPr/>
-        </p:nvPicPr>
-        <p:blipFill>
-          <a:blip r:embed="rId3"/>
-          <a:stretch>
-            <a:fillRect/>
-          </a:stretch>
-        </p:blipFill>
-        <p:spPr>
-          <a:xfrm>
-            <a:off x="12860910" y="6730156"/>
-            <a:ext cx="9718054" cy="1456015"/>
-          </a:xfrm>
-          <a:prstGeom prst="rect">
-            <a:avLst/>
-          </a:prstGeom>
-        </p:spPr>
-      </p:pic>
-      <p:sp>
-        <p:nvSpPr>
-          <p:cNvPr id="13" name="Oval 58">
-            <a:extLst>
-              <a:ext uri="{FF2B5EF4-FFF2-40B4-BE49-F238E27FC236}">
-                <a16:creationId xmlns:a16="http://schemas.microsoft.com/office/drawing/2014/main" id="{E4E2DA26-AC9E-4058-9D87-0D410C6E667B}"/>
-              </a:ext>
-            </a:extLst>
-          </p:cNvPr>
-          <p:cNvSpPr/>
-          <p:nvPr/>
-        </p:nvSpPr>
-        <p:spPr>
-          <a:xfrm>
-            <a:off x="1653792" y="10141180"/>
-            <a:ext cx="1074332" cy="1074611"/>
-          </a:xfrm>
-          <a:prstGeom prst="ellipse">
-            <a:avLst/>
-          </a:prstGeom>
-          <a:noFill/>
-          <a:ln w="28575">
-            <a:solidFill>
-              <a:schemeClr val="tx1"/>
-            </a:solidFill>
-          </a:ln>
-        </p:spPr>
-        <p:style>
-          <a:lnRef idx="2">
-            <a:schemeClr val="accent1">
-              <a:shade val="50000"/>
-            </a:schemeClr>
-          </a:lnRef>
-          <a:fillRef idx="1">
-            <a:schemeClr val="accent1"/>
-          </a:fillRef>
-          <a:effectRef idx="0">
-            <a:schemeClr val="accent1"/>
-          </a:effectRef>
-          <a:fontRef idx="minor">
-            <a:schemeClr val="lt1"/>
-          </a:fontRef>
-        </p:style>
-        <p:txBody>
-          <a:bodyPr rtlCol="0" anchor="ctr"/>
-          <a:lstStyle/>
-          <a:p>
-            <a:pPr algn="ctr"/>
-            <a:endParaRPr lang="en-US" sz="2900" dirty="0">
-              <a:latin typeface="Montserrat Light" charset="0"/>
-              <a:ea typeface="Montserrat Light" charset="0"/>
-              <a:cs typeface="Montserrat Light" charset="0"/>
-            </a:endParaRPr>
-          </a:p>
-        </p:txBody>
-      </p:sp>
-      <p:sp>
-        <p:nvSpPr>
-          <p:cNvPr id="14" name="ZoneTexte 13">
-            <a:extLst>
-              <a:ext uri="{FF2B5EF4-FFF2-40B4-BE49-F238E27FC236}">
-                <a16:creationId xmlns:a16="http://schemas.microsoft.com/office/drawing/2014/main" id="{AA25CED6-68EE-4376-90A9-33B9E7C3139A}"/>
-              </a:ext>
-            </a:extLst>
-          </p:cNvPr>
-          <p:cNvSpPr txBox="1"/>
-          <p:nvPr/>
-        </p:nvSpPr>
-        <p:spPr>
-          <a:xfrm>
-            <a:off x="3813175" y="10256648"/>
-            <a:ext cx="7456472" cy="646331"/>
-          </a:xfrm>
-          <a:prstGeom prst="rect">
-            <a:avLst/>
-          </a:prstGeom>
-          <a:noFill/>
-        </p:spPr>
-        <p:txBody>
-          <a:bodyPr wrap="square" rtlCol="0">
-            <a:spAutoFit/>
-          </a:bodyPr>
-          <a:lstStyle/>
-          <a:p>
-            <a:r>
-              <a:rPr lang="fr-FR" dirty="0">
-                <a:latin typeface="Open Sans" panose="020B0606030504020204" pitchFamily="34" charset="0"/>
-                <a:ea typeface="Open Sans" panose="020B0606030504020204" pitchFamily="34" charset="0"/>
-                <a:cs typeface="Open Sans" panose="020B0606030504020204" pitchFamily="34" charset="0"/>
-              </a:rPr>
-              <a:t>Calcul de la date au plus tôt</a:t>
-            </a:r>
-          </a:p>
-        </p:txBody>
-      </p:sp>
-      <p:sp>
-        <p:nvSpPr>
-          <p:cNvPr id="15" name="ZoneTexte 14">
-            <a:extLst>
-              <a:ext uri="{FF2B5EF4-FFF2-40B4-BE49-F238E27FC236}">
-                <a16:creationId xmlns:a16="http://schemas.microsoft.com/office/drawing/2014/main" id="{562304AB-0373-4B45-9908-C982A42E31E3}"/>
-              </a:ext>
-            </a:extLst>
-          </p:cNvPr>
-          <p:cNvSpPr txBox="1"/>
-          <p:nvPr/>
-        </p:nvSpPr>
-        <p:spPr>
-          <a:xfrm>
-            <a:off x="1808211" y="10232208"/>
-            <a:ext cx="765494" cy="892552"/>
-          </a:xfrm>
-          <a:prstGeom prst="rect">
-            <a:avLst/>
-          </a:prstGeom>
-          <a:noFill/>
-        </p:spPr>
-        <p:txBody>
-          <a:bodyPr wrap="square" rtlCol="0">
-            <a:spAutoFit/>
-          </a:bodyPr>
-          <a:lstStyle/>
-          <a:p>
-            <a:pPr algn="ctr"/>
-            <a:r>
-              <a:rPr lang="fr-FR" sz="5200" b="1" dirty="0">
-                <a:latin typeface="Montserrat" panose="00000500000000000000" pitchFamily="2" charset="0"/>
-              </a:rPr>
-              <a:t>3</a:t>
-            </a:r>
-          </a:p>
-        </p:txBody>
-      </p:sp>
-      <p:pic>
-        <p:nvPicPr>
-          <p:cNvPr id="16" name="Image 15">
-            <a:extLst>
-              <a:ext uri="{FF2B5EF4-FFF2-40B4-BE49-F238E27FC236}">
-                <a16:creationId xmlns:a16="http://schemas.microsoft.com/office/drawing/2014/main" id="{EF0B0F2F-B255-4B97-A43D-B822435F2791}"/>
-              </a:ext>
-            </a:extLst>
-          </p:cNvPr>
-          <p:cNvPicPr>
-            <a:picLocks noChangeAspect="1"/>
-          </p:cNvPicPr>
-          <p:nvPr/>
-        </p:nvPicPr>
-        <p:blipFill>
-          <a:blip r:embed="rId4"/>
-          <a:stretch>
-            <a:fillRect/>
-          </a:stretch>
-        </p:blipFill>
-        <p:spPr>
-          <a:xfrm>
-            <a:off x="12139642" y="8928265"/>
-            <a:ext cx="11160589" cy="3500438"/>
-          </a:xfrm>
-          <a:prstGeom prst="rect">
-            <a:avLst/>
-          </a:prstGeom>
-        </p:spPr>
-      </p:pic>
-    </p:spTree>
-    <p:extLst>
-      <p:ext uri="{BB962C8B-B14F-4D97-AF65-F5344CB8AC3E}">
-        <p14:creationId xmlns:p14="http://schemas.microsoft.com/office/powerpoint/2010/main" val="3789154728"/>
       </p:ext>
     </p:extLst>
   </p:cSld>
@@ -4499,7 +6345,7 @@
           <p:cNvPr id="2" name="ZoneTexte 1">
             <a:extLst>
               <a:ext uri="{FF2B5EF4-FFF2-40B4-BE49-F238E27FC236}">
-                <a16:creationId xmlns:a16="http://schemas.microsoft.com/office/drawing/2014/main" id="{536CE0D5-47AC-484A-A05B-416C49C244C2}"/>
+                <a16:creationId xmlns:a16="http://schemas.microsoft.com/office/drawing/2014/main" id="{0BB93BEE-9EB7-4D84-99E2-6E95A2D3D9A3}"/>
               </a:ext>
             </a:extLst>
           </p:cNvPr>
@@ -4508,7 +6354,7 @@
         </p:nvSpPr>
         <p:spPr>
           <a:xfrm>
-            <a:off x="2375271" y="1113184"/>
+            <a:off x="2375270" y="1113184"/>
             <a:ext cx="17880677" cy="1046440"/>
           </a:xfrm>
           <a:prstGeom prst="rect">
@@ -4526,7 +6372,7 @@
               <a:rPr lang="fr-FR" sz="6200" b="1" dirty="0">
                 <a:latin typeface="Montserrat" panose="00000500000000000000" pitchFamily="2" charset="0"/>
               </a:rPr>
-              <a:t>V : Méthode de l’ordonnancement</a:t>
+              <a:t>IV : Détection des circuits/Calcul du rang</a:t>
             </a:r>
           </a:p>
         </p:txBody>
@@ -4536,7 +6382,7 @@
           <p:cNvPr id="3" name="ZoneTexte 2">
             <a:extLst>
               <a:ext uri="{FF2B5EF4-FFF2-40B4-BE49-F238E27FC236}">
-                <a16:creationId xmlns:a16="http://schemas.microsoft.com/office/drawing/2014/main" id="{1821A6BC-3EAE-47C5-86EC-2C4075E9138A}"/>
+                <a16:creationId xmlns:a16="http://schemas.microsoft.com/office/drawing/2014/main" id="{6B6CB9E2-B804-4366-B558-2F2B68F85495}"/>
               </a:ext>
             </a:extLst>
           </p:cNvPr>
@@ -4545,8 +6391,8 @@
         </p:nvSpPr>
         <p:spPr>
           <a:xfrm>
-            <a:off x="2375271" y="2523612"/>
-            <a:ext cx="14636379" cy="9694962"/>
+            <a:off x="2375270" y="2159624"/>
+            <a:ext cx="17880677" cy="1046440"/>
           </a:xfrm>
           <a:prstGeom prst="rect">
             <a:avLst/>
@@ -4559,144 +6405,379 @@
           </a:bodyPr>
           <a:lstStyle/>
           <a:p>
-            <a:pPr algn="just"/>
-            <a:r>
-              <a:rPr lang="fr-FR" dirty="0">
+            <a:r>
+              <a:rPr lang="fr-FR" sz="6200" b="1" dirty="0">
                 <a:latin typeface="Montserrat" panose="00000500000000000000" pitchFamily="2" charset="0"/>
               </a:rPr>
-              <a:t>Pour chaque sommet, on calcul la date au plus tard :</a:t>
-            </a:r>
-          </a:p>
-          <a:p>
-            <a:pPr algn="just"/>
-            <a:endParaRPr lang="fr-FR" dirty="0">
-              <a:latin typeface="Montserrat" panose="00000500000000000000" pitchFamily="2" charset="0"/>
-            </a:endParaRPr>
-          </a:p>
-          <a:p>
-            <a:pPr algn="just"/>
-            <a:r>
-              <a:rPr lang="fr-FR" dirty="0">
+              <a:t>	</a:t>
+            </a:r>
+            <a:r>
+              <a:rPr lang="fr-FR" sz="4200" b="1" dirty="0">
                 <a:latin typeface="Montserrat" panose="00000500000000000000" pitchFamily="2" charset="0"/>
               </a:rPr>
-              <a:t>	- Date au plus tard = </a:t>
-            </a:r>
-          </a:p>
-          <a:p>
-            <a:pPr algn="just"/>
-            <a:r>
-              <a:rPr lang="fr-FR" dirty="0">
-                <a:latin typeface="Montserrat" panose="00000500000000000000" pitchFamily="2" charset="0"/>
-              </a:rPr>
-              <a:t>		Date au plus tard du successeur</a:t>
-            </a:r>
-          </a:p>
-          <a:p>
-            <a:pPr algn="just"/>
-            <a:r>
-              <a:rPr lang="fr-FR" dirty="0">
-                <a:latin typeface="Montserrat" panose="00000500000000000000" pitchFamily="2" charset="0"/>
-              </a:rPr>
-              <a:t>		- valeur de la tache du sommet</a:t>
-            </a:r>
-          </a:p>
-          <a:p>
-            <a:pPr algn="just"/>
-            <a:r>
-              <a:rPr lang="fr-FR" dirty="0">
-                <a:latin typeface="Montserrat" panose="00000500000000000000" pitchFamily="2" charset="0"/>
-              </a:rPr>
-              <a:t>	- Date au plus tard retenue =</a:t>
-            </a:r>
-          </a:p>
-          <a:p>
-            <a:pPr algn="just"/>
-            <a:r>
-              <a:rPr lang="fr-FR" dirty="0">
-                <a:latin typeface="Montserrat" panose="00000500000000000000" pitchFamily="2" charset="0"/>
-              </a:rPr>
-              <a:t>		Date au plus tard la plus petite parmi toutes </a:t>
-            </a:r>
-          </a:p>
-          <a:p>
-            <a:pPr algn="just"/>
-            <a:r>
-              <a:rPr lang="fr-FR" dirty="0">
-                <a:latin typeface="Montserrat" panose="00000500000000000000" pitchFamily="2" charset="0"/>
-              </a:rPr>
-              <a:t>		les dates au plus tard calculées</a:t>
-            </a:r>
-          </a:p>
-          <a:p>
-            <a:pPr algn="just"/>
-            <a:r>
-              <a:rPr lang="fr-FR" dirty="0">
-                <a:latin typeface="Montserrat" panose="00000500000000000000" pitchFamily="2" charset="0"/>
-              </a:rPr>
+              <a:t>A : Détection des circuits</a:t>
+            </a:r>
+          </a:p>
+        </p:txBody>
+      </p:sp>
+      <p:sp>
+        <p:nvSpPr>
+          <p:cNvPr id="5" name="Rectangle 4">
+            <a:extLst>
+              <a:ext uri="{FF2B5EF4-FFF2-40B4-BE49-F238E27FC236}">
+                <a16:creationId xmlns:a16="http://schemas.microsoft.com/office/drawing/2014/main" id="{92C21976-B511-4AE7-BDC9-2F9DBCDD1671}"/>
+              </a:ext>
+            </a:extLst>
+          </p:cNvPr>
+          <p:cNvSpPr/>
+          <p:nvPr/>
+        </p:nvSpPr>
+        <p:spPr>
+          <a:xfrm>
+            <a:off x="1272209" y="3677479"/>
+            <a:ext cx="8905461" cy="9571851"/>
+          </a:xfrm>
+          <a:prstGeom prst="rect">
+            <a:avLst/>
+          </a:prstGeom>
+        </p:spPr>
+        <p:txBody>
+          <a:bodyPr wrap="square">
+            <a:spAutoFit/>
+          </a:bodyPr>
+          <a:lstStyle/>
+          <a:p>
+            <a:r>
+              <a:rPr lang="fr-FR" sz="2800" dirty="0" err="1"/>
+              <a:t>matTempo</a:t>
+            </a:r>
+            <a:r>
+              <a:rPr lang="fr-FR" sz="2800" dirty="0"/>
+              <a:t> = </a:t>
+            </a:r>
+            <a:r>
+              <a:rPr lang="fr-FR" sz="2800" dirty="0" err="1"/>
+              <a:t>matriceAdjacence</a:t>
+            </a:r>
+            <a:endParaRPr lang="fr-FR" sz="2800" dirty="0"/>
+          </a:p>
+          <a:p>
+            <a:r>
+              <a:rPr lang="fr-FR" sz="2800" dirty="0"/>
+              <a:t>pour chaque sommet i</a:t>
+            </a:r>
+          </a:p>
+          <a:p>
+            <a:r>
+              <a:rPr lang="fr-FR" sz="2800" dirty="0"/>
               <a:t>	</a:t>
             </a:r>
-          </a:p>
-          <a:p>
-            <a:pPr algn="just"/>
-            <a:r>
-              <a:rPr lang="fr-FR" dirty="0">
-                <a:latin typeface="Montserrat" panose="00000500000000000000" pitchFamily="2" charset="0"/>
-              </a:rPr>
-              <a:t>Le calcul se fait en partant de la sortie puis par ordre décroissant du rang. </a:t>
-            </a:r>
-          </a:p>
-          <a:p>
-            <a:pPr algn="just"/>
-            <a:endParaRPr lang="fr-FR" dirty="0">
-              <a:latin typeface="Montserrat" panose="00000500000000000000" pitchFamily="2" charset="0"/>
-            </a:endParaRPr>
-          </a:p>
-          <a:p>
-            <a:pPr algn="just"/>
-            <a:r>
-              <a:rPr lang="fr-FR" dirty="0">
-                <a:latin typeface="Montserrat" panose="00000500000000000000" pitchFamily="2" charset="0"/>
-              </a:rPr>
-              <a:t>Date au plus tard sortie = date au plus tôt sortie</a:t>
-            </a:r>
-          </a:p>
-          <a:p>
-            <a:pPr algn="just"/>
-            <a:endParaRPr lang="fr-FR" dirty="0"/>
-          </a:p>
-          <a:p>
-            <a:pPr algn="just"/>
-            <a:r>
-              <a:rPr lang="fr-FR" dirty="0">
-                <a:latin typeface="Montserrat" panose="00000500000000000000" pitchFamily="2" charset="0"/>
-              </a:rPr>
-              <a:t>Marge sommet i = Date au plus tard – date au plus tôt </a:t>
-            </a:r>
-            <a:endParaRPr lang="fr-FR" dirty="0"/>
-          </a:p>
-          <a:p>
-            <a:pPr lvl="1"/>
-            <a:endParaRPr lang="fr-FR" sz="4200" dirty="0">
-              <a:latin typeface="Montserrat" panose="00000500000000000000" pitchFamily="2" charset="0"/>
-            </a:endParaRPr>
-          </a:p>
-          <a:p>
-            <a:pPr marL="1485946" lvl="1" indent="-571500">
-              <a:buFont typeface="Wingdings" panose="05000000000000000000" pitchFamily="2" charset="2"/>
-              <a:buChar char="Ø"/>
-            </a:pPr>
-            <a:endParaRPr lang="fr-FR" sz="4200" dirty="0">
-              <a:latin typeface="Montserrat" panose="00000500000000000000" pitchFamily="2" charset="0"/>
-            </a:endParaRPr>
+            <a:r>
+              <a:rPr lang="fr-FR" sz="2800" dirty="0" err="1"/>
+              <a:t>listeTodo</a:t>
+            </a:r>
+            <a:r>
+              <a:rPr lang="fr-FR" sz="2800" dirty="0"/>
+              <a:t> &lt;- i</a:t>
+            </a:r>
+          </a:p>
+          <a:p>
+            <a:r>
+              <a:rPr lang="fr-FR" sz="2800" dirty="0"/>
+              <a:t>fin</a:t>
+            </a:r>
+          </a:p>
+          <a:p>
+            <a:r>
+              <a:rPr lang="fr-FR" sz="2800" dirty="0"/>
+              <a:t>Faire</a:t>
+            </a:r>
+          </a:p>
+          <a:p>
+            <a:r>
+              <a:rPr lang="fr-FR" sz="2800" dirty="0"/>
+              <a:t>	</a:t>
+            </a:r>
+            <a:r>
+              <a:rPr lang="fr-FR" sz="2800" dirty="0" err="1"/>
+              <a:t>listeTodoPrec.clear</a:t>
+            </a:r>
+            <a:endParaRPr lang="fr-FR" sz="2800" dirty="0"/>
+          </a:p>
+          <a:p>
+            <a:r>
+              <a:rPr lang="fr-FR" sz="2800" dirty="0"/>
+              <a:t>	</a:t>
+            </a:r>
+            <a:r>
+              <a:rPr lang="fr-FR" sz="2800" dirty="0" err="1"/>
+              <a:t>listeTodoPrec</a:t>
+            </a:r>
+            <a:r>
+              <a:rPr lang="fr-FR" sz="2800" dirty="0"/>
+              <a:t> = </a:t>
+            </a:r>
+            <a:r>
+              <a:rPr lang="fr-FR" sz="2800" dirty="0" err="1"/>
+              <a:t>listTodo</a:t>
+            </a:r>
+            <a:endParaRPr lang="fr-FR" sz="2800" dirty="0"/>
+          </a:p>
+          <a:p>
+            <a:r>
+              <a:rPr lang="fr-FR" sz="2800" dirty="0"/>
+              <a:t>	pour chaque sommet i </a:t>
+            </a:r>
+            <a:r>
+              <a:rPr lang="fr-FR" sz="2800" dirty="0">
+                <a:sym typeface="Symbol" panose="05050102010706020507" pitchFamily="18" charset="2"/>
+              </a:rPr>
+              <a:t></a:t>
+            </a:r>
+            <a:r>
+              <a:rPr lang="fr-FR" sz="2800" dirty="0"/>
+              <a:t> </a:t>
+            </a:r>
+            <a:r>
+              <a:rPr lang="fr-FR" sz="2800" dirty="0" err="1"/>
+              <a:t>listeTodo</a:t>
+            </a:r>
+            <a:endParaRPr lang="fr-FR" sz="2800" dirty="0"/>
+          </a:p>
+          <a:p>
+            <a:r>
+              <a:rPr lang="fr-FR" sz="2800" dirty="0"/>
+              <a:t>		si pas de </a:t>
+            </a:r>
+            <a:r>
+              <a:rPr lang="fr-FR" sz="2800" dirty="0" err="1"/>
+              <a:t>predecesseur</a:t>
+            </a:r>
+            <a:endParaRPr lang="fr-FR" sz="2800" dirty="0"/>
+          </a:p>
+          <a:p>
+            <a:r>
+              <a:rPr lang="fr-FR" sz="2800" dirty="0"/>
+              <a:t>			</a:t>
+            </a:r>
+            <a:r>
+              <a:rPr lang="fr-FR" sz="2800" dirty="0" err="1"/>
+              <a:t>listeDone</a:t>
+            </a:r>
+            <a:r>
+              <a:rPr lang="fr-FR" sz="2800" dirty="0"/>
+              <a:t> &lt;- i</a:t>
+            </a:r>
+          </a:p>
+          <a:p>
+            <a:r>
+              <a:rPr lang="fr-FR" sz="2800" dirty="0"/>
+              <a:t>		fin</a:t>
+            </a:r>
+          </a:p>
+          <a:p>
+            <a:r>
+              <a:rPr lang="fr-FR" sz="2800" dirty="0"/>
+              <a:t>        	fin</a:t>
+            </a:r>
+          </a:p>
+          <a:p>
+            <a:r>
+              <a:rPr lang="fr-FR" sz="2800" dirty="0"/>
+              <a:t>	pour chaque sommet i </a:t>
+            </a:r>
+            <a:r>
+              <a:rPr lang="fr-FR" sz="2800" dirty="0">
+                <a:sym typeface="Symbol" panose="05050102010706020507" pitchFamily="18" charset="2"/>
+              </a:rPr>
+              <a:t></a:t>
+            </a:r>
+            <a:r>
+              <a:rPr lang="fr-FR" sz="2800" dirty="0"/>
+              <a:t> </a:t>
+            </a:r>
+            <a:r>
+              <a:rPr lang="fr-FR" sz="2800" dirty="0" err="1"/>
+              <a:t>listeDone</a:t>
+            </a:r>
+            <a:endParaRPr lang="fr-FR" sz="2800" dirty="0"/>
+          </a:p>
+          <a:p>
+            <a:r>
+              <a:rPr lang="fr-FR" sz="2800" dirty="0"/>
+              <a:t>		pour j allant de 0 à nbSommet-1</a:t>
+            </a:r>
+          </a:p>
+          <a:p>
+            <a:r>
+              <a:rPr lang="fr-FR" sz="2800" dirty="0"/>
+              <a:t>			</a:t>
+            </a:r>
+            <a:r>
+              <a:rPr lang="fr-FR" sz="2800" dirty="0" err="1"/>
+              <a:t>matTempo</a:t>
+            </a:r>
+            <a:r>
+              <a:rPr lang="fr-FR" sz="2800" dirty="0"/>
+              <a:t>[i][j] = -1</a:t>
+            </a:r>
+          </a:p>
+          <a:p>
+            <a:r>
+              <a:rPr lang="fr-FR" sz="2800" dirty="0"/>
+              <a:t>			</a:t>
+            </a:r>
+            <a:r>
+              <a:rPr lang="fr-FR" sz="2800" dirty="0" err="1"/>
+              <a:t>matTempo</a:t>
+            </a:r>
+            <a:r>
+              <a:rPr lang="fr-FR" sz="2800" dirty="0"/>
+              <a:t>[j][i] = -1</a:t>
+            </a:r>
+          </a:p>
+          <a:p>
+            <a:r>
+              <a:rPr lang="fr-FR" sz="2800" dirty="0"/>
+              <a:t>            		fin</a:t>
+            </a:r>
+          </a:p>
+          <a:p>
+            <a:r>
+              <a:rPr lang="fr-FR" sz="2800" dirty="0"/>
+              <a:t>        	fin</a:t>
+            </a:r>
+          </a:p>
+          <a:p>
+            <a:r>
+              <a:rPr lang="fr-FR" sz="2800" dirty="0"/>
+              <a:t>	pour chaque sommet i de </a:t>
+            </a:r>
+            <a:r>
+              <a:rPr lang="fr-FR" sz="2800" dirty="0" err="1"/>
+              <a:t>listeDone</a:t>
+            </a:r>
+            <a:endParaRPr lang="fr-FR" sz="2800" dirty="0"/>
+          </a:p>
+          <a:p>
+            <a:r>
+              <a:rPr lang="fr-FR" sz="2800" dirty="0"/>
+              <a:t>		suppression de i dans </a:t>
+            </a:r>
+            <a:r>
+              <a:rPr lang="fr-FR" sz="2800" dirty="0" err="1"/>
+              <a:t>listeTodo</a:t>
+            </a:r>
+            <a:endParaRPr lang="fr-FR" sz="2800" dirty="0"/>
+          </a:p>
+          <a:p>
+            <a:r>
+              <a:rPr lang="fr-FR" sz="2800" dirty="0"/>
+              <a:t>	fin</a:t>
+            </a:r>
+          </a:p>
+          <a:p>
+            <a:r>
+              <a:rPr lang="fr-FR" sz="2800" dirty="0"/>
+              <a:t>tant que(</a:t>
+            </a:r>
+            <a:r>
+              <a:rPr lang="fr-FR" sz="2800" dirty="0" err="1"/>
+              <a:t>listeTodoPrec</a:t>
+            </a:r>
+            <a:r>
+              <a:rPr lang="fr-FR" sz="2800" dirty="0"/>
+              <a:t> = </a:t>
+            </a:r>
+            <a:r>
+              <a:rPr lang="fr-FR" sz="2800" dirty="0" err="1"/>
+              <a:t>listeTodo</a:t>
+            </a:r>
+            <a:r>
+              <a:rPr lang="fr-FR" sz="2800" dirty="0"/>
+              <a:t>)</a:t>
+            </a:r>
+          </a:p>
+        </p:txBody>
+      </p:sp>
+      <p:sp>
+        <p:nvSpPr>
+          <p:cNvPr id="8" name="Rectangle 7">
+            <a:extLst>
+              <a:ext uri="{FF2B5EF4-FFF2-40B4-BE49-F238E27FC236}">
+                <a16:creationId xmlns:a16="http://schemas.microsoft.com/office/drawing/2014/main" id="{EFD828A0-6E00-4164-B220-FD41D68B44D8}"/>
+              </a:ext>
+            </a:extLst>
+          </p:cNvPr>
+          <p:cNvSpPr/>
+          <p:nvPr/>
+        </p:nvSpPr>
+        <p:spPr>
+          <a:xfrm>
+            <a:off x="12095784" y="3677479"/>
+            <a:ext cx="12192000" cy="2246769"/>
+          </a:xfrm>
+          <a:prstGeom prst="rect">
+            <a:avLst/>
+          </a:prstGeom>
+        </p:spPr>
+        <p:txBody>
+          <a:bodyPr>
+            <a:spAutoFit/>
+          </a:bodyPr>
+          <a:lstStyle/>
+          <a:p>
+            <a:r>
+              <a:rPr lang="fr-FR" sz="2800" dirty="0"/>
+              <a:t>si </a:t>
+            </a:r>
+            <a:r>
+              <a:rPr lang="fr-FR" sz="2800" dirty="0" err="1"/>
+              <a:t>listeTodo</a:t>
+            </a:r>
+            <a:r>
+              <a:rPr lang="fr-FR" sz="2800" dirty="0"/>
+              <a:t> est vide</a:t>
+            </a:r>
+          </a:p>
+          <a:p>
+            <a:r>
+              <a:rPr lang="fr-FR" sz="2800" dirty="0"/>
+              <a:t>	return false</a:t>
+            </a:r>
+          </a:p>
+          <a:p>
+            <a:r>
+              <a:rPr lang="fr-FR" sz="2800" dirty="0" err="1"/>
+              <a:t>else</a:t>
+            </a:r>
+            <a:endParaRPr lang="fr-FR" sz="2800" dirty="0"/>
+          </a:p>
+          <a:p>
+            <a:r>
+              <a:rPr lang="fr-FR" sz="2800" dirty="0"/>
+              <a:t>	return </a:t>
+            </a:r>
+            <a:r>
+              <a:rPr lang="fr-FR" sz="2800" dirty="0" err="1"/>
+              <a:t>true</a:t>
+            </a:r>
+            <a:endParaRPr lang="fr-FR" sz="2800" dirty="0"/>
+          </a:p>
+          <a:p>
+            <a:r>
+              <a:rPr lang="fr-FR" sz="2800" dirty="0"/>
+              <a:t>fin</a:t>
+            </a:r>
           </a:p>
         </p:txBody>
       </p:sp>
       <p:pic>
         <p:nvPicPr>
-          <p:cNvPr id="5" name="Image 4">
-            <a:extLst>
-              <a:ext uri="{FF2B5EF4-FFF2-40B4-BE49-F238E27FC236}">
-                <a16:creationId xmlns:a16="http://schemas.microsoft.com/office/drawing/2014/main" id="{66DAA051-29B0-451C-9A0D-582D083B3232}"/>
+          <p:cNvPr id="9" name="Image 8">
+            <a:extLst>
+              <a:ext uri="{FF2B5EF4-FFF2-40B4-BE49-F238E27FC236}">
+                <a16:creationId xmlns:a16="http://schemas.microsoft.com/office/drawing/2014/main" id="{97C76938-D83B-454F-A62D-3D085BAE5891}"/>
               </a:ext>
             </a:extLst>
           </p:cNvPr>
@@ -4713,69 +6794,18 @@
         </p:blipFill>
         <p:spPr>
           <a:xfrm>
-            <a:off x="17532519" y="4313218"/>
-            <a:ext cx="5446857" cy="1590675"/>
+            <a:off x="15736801" y="6395663"/>
+            <a:ext cx="4519146" cy="5890123"/>
           </a:xfrm>
           <a:prstGeom prst="rect">
             <a:avLst/>
           </a:prstGeom>
         </p:spPr>
       </p:pic>
-      <p:sp>
-        <p:nvSpPr>
-          <p:cNvPr id="7" name="ZoneTexte 6">
-            <a:extLst>
-              <a:ext uri="{FF2B5EF4-FFF2-40B4-BE49-F238E27FC236}">
-                <a16:creationId xmlns:a16="http://schemas.microsoft.com/office/drawing/2014/main" id="{4AA0E3F0-63A1-4001-B82E-E5B7996A7FD9}"/>
-              </a:ext>
-            </a:extLst>
-          </p:cNvPr>
-          <p:cNvSpPr txBox="1"/>
-          <p:nvPr/>
-        </p:nvSpPr>
-        <p:spPr>
-          <a:xfrm>
-            <a:off x="17031472" y="5903893"/>
-            <a:ext cx="6448952" cy="954107"/>
-          </a:xfrm>
-          <a:prstGeom prst="rect">
-            <a:avLst/>
-          </a:prstGeom>
-          <a:noFill/>
-        </p:spPr>
-        <p:txBody>
-          <a:bodyPr wrap="square" rtlCol="0">
-            <a:spAutoFit/>
-          </a:bodyPr>
-          <a:lstStyle/>
-          <a:p>
-            <a:pPr algn="ctr"/>
-            <a:r>
-              <a:rPr lang="fr-FR" sz="2800" i="1" dirty="0">
-                <a:latin typeface="Open Sans" panose="020B0606030504020204" pitchFamily="34" charset="0"/>
-                <a:ea typeface="Open Sans" panose="020B0606030504020204" pitchFamily="34" charset="0"/>
-                <a:cs typeface="Open Sans" panose="020B0606030504020204" pitchFamily="34" charset="0"/>
-              </a:rPr>
-              <a:t>Figure 1 : Exemple pour le sommet  7</a:t>
-            </a:r>
-          </a:p>
-          <a:p>
-            <a:pPr algn="ctr"/>
-            <a:r>
-              <a:rPr lang="fr-FR" sz="2800" i="1" dirty="0">
-                <a:latin typeface="Open Sans" panose="020B0606030504020204" pitchFamily="34" charset="0"/>
-                <a:ea typeface="Open Sans" panose="020B0606030504020204" pitchFamily="34" charset="0"/>
-                <a:cs typeface="Open Sans" panose="020B0606030504020204" pitchFamily="34" charset="0"/>
-              </a:rPr>
-              <a:t>du graphe 11</a:t>
-            </a:r>
-          </a:p>
-        </p:txBody>
-      </p:sp>
     </p:spTree>
     <p:extLst>
       <p:ext uri="{BB962C8B-B14F-4D97-AF65-F5344CB8AC3E}">
-        <p14:creationId xmlns:p14="http://schemas.microsoft.com/office/powerpoint/2010/main" val="3200125803"/>
+        <p14:creationId xmlns:p14="http://schemas.microsoft.com/office/powerpoint/2010/main" val="2810062672"/>
       </p:ext>
     </p:extLst>
   </p:cSld>

--- a/A4_Presentation.pptx
+++ b/A4_Presentation.pptx
@@ -788,12 +788,12 @@
           </a:ln>
           <a:extLst>
             <a:ext uri="{909E8E84-426E-40dd-AFC4-6F175D3DCCD1}">
-              <a14:hiddenFill xmlns="" xmlns:a14="http://schemas.microsoft.com/office/drawing/2010/main">
+              <a14:hiddenFill xmlns:a14="http://schemas.microsoft.com/office/drawing/2010/main" xmlns="">
                 <a:noFill/>
               </a14:hiddenFill>
             </a:ext>
             <a:ext uri="{91240B29-F687-4f45-9708-019B960494DF}">
-              <a14:hiddenLine xmlns="" xmlns:a14="http://schemas.microsoft.com/office/drawing/2010/main" w="9525">
+              <a14:hiddenLine xmlns:a14="http://schemas.microsoft.com/office/drawing/2010/main" xmlns="" w="9525">
                 <a:solidFill>
                   <a:srgbClr val="000000"/>
                 </a:solidFill>
@@ -838,12 +838,12 @@
           </a:ln>
           <a:extLst>
             <a:ext uri="{909E8E84-426E-40dd-AFC4-6F175D3DCCD1}">
-              <a14:hiddenFill xmlns="" xmlns:a14="http://schemas.microsoft.com/office/drawing/2010/main">
+              <a14:hiddenFill xmlns:a14="http://schemas.microsoft.com/office/drawing/2010/main" xmlns="">
                 <a:noFill/>
               </a14:hiddenFill>
             </a:ext>
             <a:ext uri="{91240B29-F687-4f45-9708-019B960494DF}">
-              <a14:hiddenLine xmlns="" xmlns:a14="http://schemas.microsoft.com/office/drawing/2010/main" w="9525">
+              <a14:hiddenLine xmlns:a14="http://schemas.microsoft.com/office/drawing/2010/main" xmlns="" w="9525">
                 <a:solidFill>
                   <a:srgbClr val="000000"/>
                 </a:solidFill>
@@ -1116,6 +1116,713 @@
           </a:p>
         </p:txBody>
       </p:sp>
+      <p:sp>
+        <p:nvSpPr>
+          <p:cNvPr id="4" name="Rectangle 3">
+            <a:extLst>
+              <a:ext uri="{FF2B5EF4-FFF2-40B4-BE49-F238E27FC236}">
+                <a16:creationId xmlns:a16="http://schemas.microsoft.com/office/drawing/2014/main" id="{8BADA5C4-2775-45F1-B22A-32DB36A27472}"/>
+              </a:ext>
+            </a:extLst>
+          </p:cNvPr>
+          <p:cNvSpPr/>
+          <p:nvPr/>
+        </p:nvSpPr>
+        <p:spPr>
+          <a:xfrm>
+            <a:off x="2367629" y="5219322"/>
+            <a:ext cx="8877631" cy="5262979"/>
+          </a:xfrm>
+          <a:prstGeom prst="rect">
+            <a:avLst/>
+          </a:prstGeom>
+        </p:spPr>
+        <p:txBody>
+          <a:bodyPr wrap="square">
+            <a:spAutoFit/>
+          </a:bodyPr>
+          <a:lstStyle/>
+          <a:p>
+            <a:r>
+              <a:rPr lang="fr-FR" sz="2800" dirty="0" err="1">
+                <a:latin typeface="Open Sans" panose="020B0606030504020204" pitchFamily="34" charset="0"/>
+                <a:ea typeface="Open Sans" panose="020B0606030504020204" pitchFamily="34" charset="0"/>
+                <a:cs typeface="Open Sans" panose="020B0606030504020204" pitchFamily="34" charset="0"/>
+              </a:rPr>
+              <a:t>rgCourant</a:t>
+            </a:r>
+            <a:r>
+              <a:rPr lang="fr-FR" sz="2800" dirty="0">
+                <a:latin typeface="Open Sans" panose="020B0606030504020204" pitchFamily="34" charset="0"/>
+                <a:ea typeface="Open Sans" panose="020B0606030504020204" pitchFamily="34" charset="0"/>
+                <a:cs typeface="Open Sans" panose="020B0606030504020204" pitchFamily="34" charset="0"/>
+              </a:rPr>
+              <a:t> = 0</a:t>
+            </a:r>
+          </a:p>
+          <a:p>
+            <a:r>
+              <a:rPr lang="fr-FR" sz="2800" dirty="0" err="1">
+                <a:latin typeface="Open Sans" panose="020B0606030504020204" pitchFamily="34" charset="0"/>
+                <a:ea typeface="Open Sans" panose="020B0606030504020204" pitchFamily="34" charset="0"/>
+                <a:cs typeface="Open Sans" panose="020B0606030504020204" pitchFamily="34" charset="0"/>
+              </a:rPr>
+              <a:t>degMoins</a:t>
+            </a:r>
+            <a:r>
+              <a:rPr lang="fr-FR" sz="2800" dirty="0">
+                <a:latin typeface="Open Sans" panose="020B0606030504020204" pitchFamily="34" charset="0"/>
+                <a:ea typeface="Open Sans" panose="020B0606030504020204" pitchFamily="34" charset="0"/>
+                <a:cs typeface="Open Sans" panose="020B0606030504020204" pitchFamily="34" charset="0"/>
+              </a:rPr>
+              <a:t>[</a:t>
+            </a:r>
+            <a:r>
+              <a:rPr lang="fr-FR" sz="2800" dirty="0" err="1">
+                <a:latin typeface="Open Sans" panose="020B0606030504020204" pitchFamily="34" charset="0"/>
+                <a:ea typeface="Open Sans" panose="020B0606030504020204" pitchFamily="34" charset="0"/>
+                <a:cs typeface="Open Sans" panose="020B0606030504020204" pitchFamily="34" charset="0"/>
+              </a:rPr>
+              <a:t>nbSommet</a:t>
+            </a:r>
+            <a:r>
+              <a:rPr lang="fr-FR" sz="2800" dirty="0">
+                <a:latin typeface="Open Sans" panose="020B0606030504020204" pitchFamily="34" charset="0"/>
+                <a:ea typeface="Open Sans" panose="020B0606030504020204" pitchFamily="34" charset="0"/>
+                <a:cs typeface="Open Sans" panose="020B0606030504020204" pitchFamily="34" charset="0"/>
+              </a:rPr>
+              <a:t>]</a:t>
+            </a:r>
+          </a:p>
+          <a:p>
+            <a:r>
+              <a:rPr lang="fr-FR" sz="2800" dirty="0" err="1">
+                <a:latin typeface="Open Sans" panose="020B0606030504020204" pitchFamily="34" charset="0"/>
+                <a:ea typeface="Open Sans" panose="020B0606030504020204" pitchFamily="34" charset="0"/>
+                <a:cs typeface="Open Sans" panose="020B0606030504020204" pitchFamily="34" charset="0"/>
+              </a:rPr>
+              <a:t>matTempo</a:t>
+            </a:r>
+            <a:r>
+              <a:rPr lang="fr-FR" sz="2800" dirty="0">
+                <a:latin typeface="Open Sans" panose="020B0606030504020204" pitchFamily="34" charset="0"/>
+                <a:ea typeface="Open Sans" panose="020B0606030504020204" pitchFamily="34" charset="0"/>
+                <a:cs typeface="Open Sans" panose="020B0606030504020204" pitchFamily="34" charset="0"/>
+              </a:rPr>
+              <a:t> = </a:t>
+            </a:r>
+            <a:r>
+              <a:rPr lang="fr-FR" sz="2800" dirty="0" err="1">
+                <a:latin typeface="Open Sans" panose="020B0606030504020204" pitchFamily="34" charset="0"/>
+                <a:ea typeface="Open Sans" panose="020B0606030504020204" pitchFamily="34" charset="0"/>
+                <a:cs typeface="Open Sans" panose="020B0606030504020204" pitchFamily="34" charset="0"/>
+              </a:rPr>
+              <a:t>matriceAdjacence</a:t>
+            </a:r>
+            <a:endParaRPr lang="fr-FR" sz="2800" dirty="0">
+              <a:latin typeface="Open Sans" panose="020B0606030504020204" pitchFamily="34" charset="0"/>
+              <a:ea typeface="Open Sans" panose="020B0606030504020204" pitchFamily="34" charset="0"/>
+              <a:cs typeface="Open Sans" panose="020B0606030504020204" pitchFamily="34" charset="0"/>
+            </a:endParaRPr>
+          </a:p>
+          <a:p>
+            <a:r>
+              <a:rPr lang="fr-FR" sz="2800" dirty="0">
+                <a:latin typeface="Open Sans" panose="020B0606030504020204" pitchFamily="34" charset="0"/>
+                <a:ea typeface="Open Sans" panose="020B0606030504020204" pitchFamily="34" charset="0"/>
+                <a:cs typeface="Open Sans" panose="020B0606030504020204" pitchFamily="34" charset="0"/>
+              </a:rPr>
+              <a:t>pour chaque sommet i</a:t>
+            </a:r>
+          </a:p>
+          <a:p>
+            <a:r>
+              <a:rPr lang="fr-FR" sz="2800" dirty="0">
+                <a:latin typeface="Open Sans" panose="020B0606030504020204" pitchFamily="34" charset="0"/>
+                <a:ea typeface="Open Sans" panose="020B0606030504020204" pitchFamily="34" charset="0"/>
+                <a:cs typeface="Open Sans" panose="020B0606030504020204" pitchFamily="34" charset="0"/>
+              </a:rPr>
+              <a:t>	ajout i à </a:t>
+            </a:r>
+            <a:r>
+              <a:rPr lang="fr-FR" sz="2800" dirty="0" err="1">
+                <a:latin typeface="Open Sans" panose="020B0606030504020204" pitchFamily="34" charset="0"/>
+                <a:ea typeface="Open Sans" panose="020B0606030504020204" pitchFamily="34" charset="0"/>
+                <a:cs typeface="Open Sans" panose="020B0606030504020204" pitchFamily="34" charset="0"/>
+              </a:rPr>
+              <a:t>listeTodo</a:t>
+            </a:r>
+            <a:endParaRPr lang="fr-FR" sz="2800" dirty="0">
+              <a:latin typeface="Open Sans" panose="020B0606030504020204" pitchFamily="34" charset="0"/>
+              <a:ea typeface="Open Sans" panose="020B0606030504020204" pitchFamily="34" charset="0"/>
+              <a:cs typeface="Open Sans" panose="020B0606030504020204" pitchFamily="34" charset="0"/>
+            </a:endParaRPr>
+          </a:p>
+          <a:p>
+            <a:r>
+              <a:rPr lang="fr-FR" sz="2800" dirty="0">
+                <a:latin typeface="Open Sans" panose="020B0606030504020204" pitchFamily="34" charset="0"/>
+                <a:ea typeface="Open Sans" panose="020B0606030504020204" pitchFamily="34" charset="0"/>
+                <a:cs typeface="Open Sans" panose="020B0606030504020204" pitchFamily="34" charset="0"/>
+              </a:rPr>
+              <a:t>	</a:t>
+            </a:r>
+            <a:r>
+              <a:rPr lang="fr-FR" sz="2800" dirty="0" err="1">
+                <a:latin typeface="Open Sans" panose="020B0606030504020204" pitchFamily="34" charset="0"/>
+                <a:ea typeface="Open Sans" panose="020B0606030504020204" pitchFamily="34" charset="0"/>
+                <a:cs typeface="Open Sans" panose="020B0606030504020204" pitchFamily="34" charset="0"/>
+              </a:rPr>
+              <a:t>degMoins</a:t>
+            </a:r>
+            <a:r>
+              <a:rPr lang="fr-FR" sz="2800" dirty="0">
+                <a:latin typeface="Open Sans" panose="020B0606030504020204" pitchFamily="34" charset="0"/>
+                <a:ea typeface="Open Sans" panose="020B0606030504020204" pitchFamily="34" charset="0"/>
+                <a:cs typeface="Open Sans" panose="020B0606030504020204" pitchFamily="34" charset="0"/>
+              </a:rPr>
+              <a:t>[i] = nombre de </a:t>
+            </a:r>
+            <a:r>
+              <a:rPr lang="fr-FR" sz="2800" dirty="0" err="1">
+                <a:latin typeface="Open Sans" panose="020B0606030504020204" pitchFamily="34" charset="0"/>
+                <a:ea typeface="Open Sans" panose="020B0606030504020204" pitchFamily="34" charset="0"/>
+                <a:cs typeface="Open Sans" panose="020B0606030504020204" pitchFamily="34" charset="0"/>
+              </a:rPr>
+              <a:t>predecesseur</a:t>
+            </a:r>
+            <a:r>
+              <a:rPr lang="fr-FR" sz="2800" dirty="0">
+                <a:latin typeface="Open Sans" panose="020B0606030504020204" pitchFamily="34" charset="0"/>
+                <a:ea typeface="Open Sans" panose="020B0606030504020204" pitchFamily="34" charset="0"/>
+                <a:cs typeface="Open Sans" panose="020B0606030504020204" pitchFamily="34" charset="0"/>
+              </a:rPr>
+              <a:t> de i</a:t>
+            </a:r>
+          </a:p>
+          <a:p>
+            <a:r>
+              <a:rPr lang="fr-FR" sz="2800" dirty="0">
+                <a:latin typeface="Open Sans" panose="020B0606030504020204" pitchFamily="34" charset="0"/>
+                <a:ea typeface="Open Sans" panose="020B0606030504020204" pitchFamily="34" charset="0"/>
+                <a:cs typeface="Open Sans" panose="020B0606030504020204" pitchFamily="34" charset="0"/>
+              </a:rPr>
+              <a:t>    	si (</a:t>
+            </a:r>
+            <a:r>
+              <a:rPr lang="fr-FR" sz="2800" dirty="0" err="1">
+                <a:latin typeface="Open Sans" panose="020B0606030504020204" pitchFamily="34" charset="0"/>
+                <a:ea typeface="Open Sans" panose="020B0606030504020204" pitchFamily="34" charset="0"/>
+                <a:cs typeface="Open Sans" panose="020B0606030504020204" pitchFamily="34" charset="0"/>
+              </a:rPr>
+              <a:t>degMoins</a:t>
+            </a:r>
+            <a:r>
+              <a:rPr lang="fr-FR" sz="2800" dirty="0">
+                <a:latin typeface="Open Sans" panose="020B0606030504020204" pitchFamily="34" charset="0"/>
+                <a:ea typeface="Open Sans" panose="020B0606030504020204" pitchFamily="34" charset="0"/>
+                <a:cs typeface="Open Sans" panose="020B0606030504020204" pitchFamily="34" charset="0"/>
+              </a:rPr>
+              <a:t>[i] == 0)</a:t>
+            </a:r>
+          </a:p>
+          <a:p>
+            <a:r>
+              <a:rPr lang="fr-FR" sz="2800" dirty="0">
+                <a:latin typeface="Open Sans" panose="020B0606030504020204" pitchFamily="34" charset="0"/>
+                <a:ea typeface="Open Sans" panose="020B0606030504020204" pitchFamily="34" charset="0"/>
+                <a:cs typeface="Open Sans" panose="020B0606030504020204" pitchFamily="34" charset="0"/>
+              </a:rPr>
+              <a:t>      		ajout i à </a:t>
+            </a:r>
+            <a:r>
+              <a:rPr lang="fr-FR" sz="2800" dirty="0" err="1">
+                <a:latin typeface="Open Sans" panose="020B0606030504020204" pitchFamily="34" charset="0"/>
+                <a:ea typeface="Open Sans" panose="020B0606030504020204" pitchFamily="34" charset="0"/>
+                <a:cs typeface="Open Sans" panose="020B0606030504020204" pitchFamily="34" charset="0"/>
+              </a:rPr>
+              <a:t>listeRacines</a:t>
+            </a:r>
+            <a:endParaRPr lang="fr-FR" sz="2800" dirty="0">
+              <a:latin typeface="Open Sans" panose="020B0606030504020204" pitchFamily="34" charset="0"/>
+              <a:ea typeface="Open Sans" panose="020B0606030504020204" pitchFamily="34" charset="0"/>
+              <a:cs typeface="Open Sans" panose="020B0606030504020204" pitchFamily="34" charset="0"/>
+            </a:endParaRPr>
+          </a:p>
+          <a:p>
+            <a:r>
+              <a:rPr lang="fr-FR" sz="2800" dirty="0">
+                <a:latin typeface="Open Sans" panose="020B0606030504020204" pitchFamily="34" charset="0"/>
+                <a:ea typeface="Open Sans" panose="020B0606030504020204" pitchFamily="34" charset="0"/>
+                <a:cs typeface="Open Sans" panose="020B0606030504020204" pitchFamily="34" charset="0"/>
+              </a:rPr>
+              <a:t>    	fin</a:t>
+            </a:r>
+          </a:p>
+          <a:p>
+            <a:r>
+              <a:rPr lang="fr-FR" sz="2800" dirty="0">
+                <a:latin typeface="Open Sans" panose="020B0606030504020204" pitchFamily="34" charset="0"/>
+                <a:ea typeface="Open Sans" panose="020B0606030504020204" pitchFamily="34" charset="0"/>
+                <a:cs typeface="Open Sans" panose="020B0606030504020204" pitchFamily="34" charset="0"/>
+              </a:rPr>
+              <a:t>fin</a:t>
+            </a:r>
+          </a:p>
+          <a:p>
+            <a:endParaRPr lang="fr-FR" sz="2800" dirty="0">
+              <a:latin typeface="Open Sans" panose="020B0606030504020204" pitchFamily="34" charset="0"/>
+              <a:ea typeface="Open Sans" panose="020B0606030504020204" pitchFamily="34" charset="0"/>
+              <a:cs typeface="Open Sans" panose="020B0606030504020204" pitchFamily="34" charset="0"/>
+            </a:endParaRPr>
+          </a:p>
+        </p:txBody>
+      </p:sp>
+      <p:sp>
+        <p:nvSpPr>
+          <p:cNvPr id="5" name="Rectangle 4">
+            <a:extLst>
+              <a:ext uri="{FF2B5EF4-FFF2-40B4-BE49-F238E27FC236}">
+                <a16:creationId xmlns:a16="http://schemas.microsoft.com/office/drawing/2014/main" id="{4670B0AF-1041-420E-91B2-650D497DD854}"/>
+              </a:ext>
+            </a:extLst>
+          </p:cNvPr>
+          <p:cNvSpPr/>
+          <p:nvPr/>
+        </p:nvSpPr>
+        <p:spPr>
+          <a:xfrm>
+            <a:off x="13141915" y="2815521"/>
+            <a:ext cx="10279444" cy="9325630"/>
+          </a:xfrm>
+          <a:prstGeom prst="rect">
+            <a:avLst/>
+          </a:prstGeom>
+        </p:spPr>
+        <p:txBody>
+          <a:bodyPr wrap="square">
+            <a:spAutoFit/>
+          </a:bodyPr>
+          <a:lstStyle/>
+          <a:p>
+            <a:r>
+              <a:rPr lang="fr-FR" sz="3000" dirty="0">
+                <a:latin typeface="Open Sans" panose="020B0606030504020204" pitchFamily="34" charset="0"/>
+                <a:ea typeface="Open Sans" panose="020B0606030504020204" pitchFamily="34" charset="0"/>
+                <a:cs typeface="Open Sans" panose="020B0606030504020204" pitchFamily="34" charset="0"/>
+              </a:rPr>
+              <a:t>faire</a:t>
+            </a:r>
+          </a:p>
+          <a:p>
+            <a:r>
+              <a:rPr lang="fr-FR" sz="3000" dirty="0">
+                <a:latin typeface="Open Sans" panose="020B0606030504020204" pitchFamily="34" charset="0"/>
+                <a:ea typeface="Open Sans" panose="020B0606030504020204" pitchFamily="34" charset="0"/>
+                <a:cs typeface="Open Sans" panose="020B0606030504020204" pitchFamily="34" charset="0"/>
+              </a:rPr>
+              <a:t>    pour chaque sommet i de </a:t>
+            </a:r>
+            <a:r>
+              <a:rPr lang="fr-FR" sz="3000" dirty="0" err="1">
+                <a:latin typeface="Open Sans" panose="020B0606030504020204" pitchFamily="34" charset="0"/>
+                <a:ea typeface="Open Sans" panose="020B0606030504020204" pitchFamily="34" charset="0"/>
+                <a:cs typeface="Open Sans" panose="020B0606030504020204" pitchFamily="34" charset="0"/>
+              </a:rPr>
+              <a:t>listeRacine</a:t>
+            </a:r>
+            <a:endParaRPr lang="fr-FR" sz="3000" dirty="0">
+              <a:latin typeface="Open Sans" panose="020B0606030504020204" pitchFamily="34" charset="0"/>
+              <a:ea typeface="Open Sans" panose="020B0606030504020204" pitchFamily="34" charset="0"/>
+              <a:cs typeface="Open Sans" panose="020B0606030504020204" pitchFamily="34" charset="0"/>
+            </a:endParaRPr>
+          </a:p>
+          <a:p>
+            <a:r>
+              <a:rPr lang="fr-FR" sz="3000" dirty="0">
+                <a:latin typeface="Open Sans" panose="020B0606030504020204" pitchFamily="34" charset="0"/>
+                <a:ea typeface="Open Sans" panose="020B0606030504020204" pitchFamily="34" charset="0"/>
+                <a:cs typeface="Open Sans" panose="020B0606030504020204" pitchFamily="34" charset="0"/>
+              </a:rPr>
+              <a:t>        rang[i] = </a:t>
+            </a:r>
+            <a:r>
+              <a:rPr lang="fr-FR" sz="3000" dirty="0" err="1">
+                <a:latin typeface="Open Sans" panose="020B0606030504020204" pitchFamily="34" charset="0"/>
+                <a:ea typeface="Open Sans" panose="020B0606030504020204" pitchFamily="34" charset="0"/>
+                <a:cs typeface="Open Sans" panose="020B0606030504020204" pitchFamily="34" charset="0"/>
+              </a:rPr>
+              <a:t>rgCourant</a:t>
+            </a:r>
+            <a:endParaRPr lang="fr-FR" sz="3000" dirty="0">
+              <a:latin typeface="Open Sans" panose="020B0606030504020204" pitchFamily="34" charset="0"/>
+              <a:ea typeface="Open Sans" panose="020B0606030504020204" pitchFamily="34" charset="0"/>
+              <a:cs typeface="Open Sans" panose="020B0606030504020204" pitchFamily="34" charset="0"/>
+            </a:endParaRPr>
+          </a:p>
+          <a:p>
+            <a:r>
+              <a:rPr lang="fr-FR" sz="3000" dirty="0">
+                <a:latin typeface="Open Sans" panose="020B0606030504020204" pitchFamily="34" charset="0"/>
+                <a:ea typeface="Open Sans" panose="020B0606030504020204" pitchFamily="34" charset="0"/>
+                <a:cs typeface="Open Sans" panose="020B0606030504020204" pitchFamily="34" charset="0"/>
+              </a:rPr>
+              <a:t>        pour i allant de 0 à </a:t>
+            </a:r>
+            <a:r>
+              <a:rPr lang="fr-FR" sz="3000" dirty="0" err="1">
+                <a:latin typeface="Open Sans" panose="020B0606030504020204" pitchFamily="34" charset="0"/>
+                <a:ea typeface="Open Sans" panose="020B0606030504020204" pitchFamily="34" charset="0"/>
+                <a:cs typeface="Open Sans" panose="020B0606030504020204" pitchFamily="34" charset="0"/>
+              </a:rPr>
+              <a:t>nbSommet</a:t>
+            </a:r>
+            <a:r>
+              <a:rPr lang="fr-FR" sz="3000" dirty="0">
+                <a:latin typeface="Open Sans" panose="020B0606030504020204" pitchFamily="34" charset="0"/>
+                <a:ea typeface="Open Sans" panose="020B0606030504020204" pitchFamily="34" charset="0"/>
+                <a:cs typeface="Open Sans" panose="020B0606030504020204" pitchFamily="34" charset="0"/>
+              </a:rPr>
+              <a:t> - 1</a:t>
+            </a:r>
+          </a:p>
+          <a:p>
+            <a:r>
+              <a:rPr lang="fr-FR" sz="3000" dirty="0">
+                <a:latin typeface="Open Sans" panose="020B0606030504020204" pitchFamily="34" charset="0"/>
+                <a:ea typeface="Open Sans" panose="020B0606030504020204" pitchFamily="34" charset="0"/>
+                <a:cs typeface="Open Sans" panose="020B0606030504020204" pitchFamily="34" charset="0"/>
+              </a:rPr>
+              <a:t>	</a:t>
+            </a:r>
+            <a:r>
+              <a:rPr lang="fr-FR" sz="3000" dirty="0" err="1">
+                <a:latin typeface="Open Sans" panose="020B0606030504020204" pitchFamily="34" charset="0"/>
+                <a:ea typeface="Open Sans" panose="020B0606030504020204" pitchFamily="34" charset="0"/>
+                <a:cs typeface="Open Sans" panose="020B0606030504020204" pitchFamily="34" charset="0"/>
+              </a:rPr>
+              <a:t>matTempo</a:t>
+            </a:r>
+            <a:r>
+              <a:rPr lang="fr-FR" sz="3000" dirty="0">
+                <a:latin typeface="Open Sans" panose="020B0606030504020204" pitchFamily="34" charset="0"/>
+                <a:ea typeface="Open Sans" panose="020B0606030504020204" pitchFamily="34" charset="0"/>
+                <a:cs typeface="Open Sans" panose="020B0606030504020204" pitchFamily="34" charset="0"/>
+              </a:rPr>
+              <a:t>[i][j] = -1</a:t>
+            </a:r>
+          </a:p>
+          <a:p>
+            <a:r>
+              <a:rPr lang="fr-FR" sz="3000" dirty="0">
+                <a:latin typeface="Open Sans" panose="020B0606030504020204" pitchFamily="34" charset="0"/>
+                <a:ea typeface="Open Sans" panose="020B0606030504020204" pitchFamily="34" charset="0"/>
+                <a:cs typeface="Open Sans" panose="020B0606030504020204" pitchFamily="34" charset="0"/>
+              </a:rPr>
+              <a:t>	</a:t>
+            </a:r>
+            <a:r>
+              <a:rPr lang="fr-FR" sz="3000" dirty="0" err="1">
+                <a:latin typeface="Open Sans" panose="020B0606030504020204" pitchFamily="34" charset="0"/>
+                <a:ea typeface="Open Sans" panose="020B0606030504020204" pitchFamily="34" charset="0"/>
+                <a:cs typeface="Open Sans" panose="020B0606030504020204" pitchFamily="34" charset="0"/>
+              </a:rPr>
+              <a:t>matTempo</a:t>
+            </a:r>
+            <a:r>
+              <a:rPr lang="fr-FR" sz="3000" dirty="0">
+                <a:latin typeface="Open Sans" panose="020B0606030504020204" pitchFamily="34" charset="0"/>
+                <a:ea typeface="Open Sans" panose="020B0606030504020204" pitchFamily="34" charset="0"/>
+                <a:cs typeface="Open Sans" panose="020B0606030504020204" pitchFamily="34" charset="0"/>
+              </a:rPr>
+              <a:t>[j][i] = -1</a:t>
+            </a:r>
+          </a:p>
+          <a:p>
+            <a:r>
+              <a:rPr lang="fr-FR" sz="3000" dirty="0">
+                <a:latin typeface="Open Sans" panose="020B0606030504020204" pitchFamily="34" charset="0"/>
+                <a:ea typeface="Open Sans" panose="020B0606030504020204" pitchFamily="34" charset="0"/>
+                <a:cs typeface="Open Sans" panose="020B0606030504020204" pitchFamily="34" charset="0"/>
+              </a:rPr>
+              <a:t>         fin</a:t>
+            </a:r>
+          </a:p>
+          <a:p>
+            <a:r>
+              <a:rPr lang="fr-FR" sz="3000" dirty="0">
+                <a:latin typeface="Open Sans" panose="020B0606030504020204" pitchFamily="34" charset="0"/>
+                <a:ea typeface="Open Sans" panose="020B0606030504020204" pitchFamily="34" charset="0"/>
+                <a:cs typeface="Open Sans" panose="020B0606030504020204" pitchFamily="34" charset="0"/>
+              </a:rPr>
+              <a:t>    fin</a:t>
+            </a:r>
+          </a:p>
+          <a:p>
+            <a:r>
+              <a:rPr lang="fr-FR" sz="3000" dirty="0">
+                <a:latin typeface="Open Sans" panose="020B0606030504020204" pitchFamily="34" charset="0"/>
+                <a:ea typeface="Open Sans" panose="020B0606030504020204" pitchFamily="34" charset="0"/>
+                <a:cs typeface="Open Sans" panose="020B0606030504020204" pitchFamily="34" charset="0"/>
+              </a:rPr>
+              <a:t>    pour chaque sommet i de </a:t>
+            </a:r>
+            <a:r>
+              <a:rPr lang="fr-FR" sz="3000" dirty="0" err="1">
+                <a:latin typeface="Open Sans" panose="020B0606030504020204" pitchFamily="34" charset="0"/>
+                <a:ea typeface="Open Sans" panose="020B0606030504020204" pitchFamily="34" charset="0"/>
+                <a:cs typeface="Open Sans" panose="020B0606030504020204" pitchFamily="34" charset="0"/>
+              </a:rPr>
+              <a:t>listeRacine</a:t>
+            </a:r>
+            <a:endParaRPr lang="fr-FR" sz="3000" dirty="0">
+              <a:latin typeface="Open Sans" panose="020B0606030504020204" pitchFamily="34" charset="0"/>
+              <a:ea typeface="Open Sans" panose="020B0606030504020204" pitchFamily="34" charset="0"/>
+              <a:cs typeface="Open Sans" panose="020B0606030504020204" pitchFamily="34" charset="0"/>
+            </a:endParaRPr>
+          </a:p>
+          <a:p>
+            <a:r>
+              <a:rPr lang="fr-FR" sz="3000" dirty="0">
+                <a:latin typeface="Open Sans" panose="020B0606030504020204" pitchFamily="34" charset="0"/>
+                <a:ea typeface="Open Sans" panose="020B0606030504020204" pitchFamily="34" charset="0"/>
+                <a:cs typeface="Open Sans" panose="020B0606030504020204" pitchFamily="34" charset="0"/>
+              </a:rPr>
+              <a:t>        retirer i de </a:t>
+            </a:r>
+            <a:r>
+              <a:rPr lang="fr-FR" sz="3000" dirty="0" err="1">
+                <a:latin typeface="Open Sans" panose="020B0606030504020204" pitchFamily="34" charset="0"/>
+                <a:ea typeface="Open Sans" panose="020B0606030504020204" pitchFamily="34" charset="0"/>
+                <a:cs typeface="Open Sans" panose="020B0606030504020204" pitchFamily="34" charset="0"/>
+              </a:rPr>
+              <a:t>listeTodo</a:t>
+            </a:r>
+            <a:endParaRPr lang="fr-FR" sz="3000" dirty="0">
+              <a:latin typeface="Open Sans" panose="020B0606030504020204" pitchFamily="34" charset="0"/>
+              <a:ea typeface="Open Sans" panose="020B0606030504020204" pitchFamily="34" charset="0"/>
+              <a:cs typeface="Open Sans" panose="020B0606030504020204" pitchFamily="34" charset="0"/>
+            </a:endParaRPr>
+          </a:p>
+          <a:p>
+            <a:r>
+              <a:rPr lang="fr-FR" sz="3000" dirty="0">
+                <a:latin typeface="Open Sans" panose="020B0606030504020204" pitchFamily="34" charset="0"/>
+                <a:ea typeface="Open Sans" panose="020B0606030504020204" pitchFamily="34" charset="0"/>
+                <a:cs typeface="Open Sans" panose="020B0606030504020204" pitchFamily="34" charset="0"/>
+              </a:rPr>
+              <a:t>    fin</a:t>
+            </a:r>
+          </a:p>
+          <a:p>
+            <a:r>
+              <a:rPr lang="fr-FR" sz="3000" dirty="0">
+                <a:latin typeface="Open Sans" panose="020B0606030504020204" pitchFamily="34" charset="0"/>
+                <a:ea typeface="Open Sans" panose="020B0606030504020204" pitchFamily="34" charset="0"/>
+                <a:cs typeface="Open Sans" panose="020B0606030504020204" pitchFamily="34" charset="0"/>
+              </a:rPr>
+              <a:t>    supprimer éléments de </a:t>
+            </a:r>
+            <a:r>
+              <a:rPr lang="fr-FR" sz="3000" dirty="0" err="1">
+                <a:latin typeface="Open Sans" panose="020B0606030504020204" pitchFamily="34" charset="0"/>
+                <a:ea typeface="Open Sans" panose="020B0606030504020204" pitchFamily="34" charset="0"/>
+                <a:cs typeface="Open Sans" panose="020B0606030504020204" pitchFamily="34" charset="0"/>
+              </a:rPr>
+              <a:t>listeRacines</a:t>
+            </a:r>
+            <a:endParaRPr lang="fr-FR" sz="3000" dirty="0">
+              <a:latin typeface="Open Sans" panose="020B0606030504020204" pitchFamily="34" charset="0"/>
+              <a:ea typeface="Open Sans" panose="020B0606030504020204" pitchFamily="34" charset="0"/>
+              <a:cs typeface="Open Sans" panose="020B0606030504020204" pitchFamily="34" charset="0"/>
+            </a:endParaRPr>
+          </a:p>
+          <a:p>
+            <a:r>
+              <a:rPr lang="fr-FR" sz="3000" dirty="0">
+                <a:latin typeface="Open Sans" panose="020B0606030504020204" pitchFamily="34" charset="0"/>
+                <a:ea typeface="Open Sans" panose="020B0606030504020204" pitchFamily="34" charset="0"/>
+                <a:cs typeface="Open Sans" panose="020B0606030504020204" pitchFamily="34" charset="0"/>
+              </a:rPr>
+              <a:t>    pour chaque sommet i de </a:t>
+            </a:r>
+            <a:r>
+              <a:rPr lang="fr-FR" sz="3000" dirty="0" err="1">
+                <a:latin typeface="Open Sans" panose="020B0606030504020204" pitchFamily="34" charset="0"/>
+                <a:ea typeface="Open Sans" panose="020B0606030504020204" pitchFamily="34" charset="0"/>
+                <a:cs typeface="Open Sans" panose="020B0606030504020204" pitchFamily="34" charset="0"/>
+              </a:rPr>
+              <a:t>listeTodo</a:t>
+            </a:r>
+            <a:endParaRPr lang="fr-FR" sz="3000" dirty="0">
+              <a:latin typeface="Open Sans" panose="020B0606030504020204" pitchFamily="34" charset="0"/>
+              <a:ea typeface="Open Sans" panose="020B0606030504020204" pitchFamily="34" charset="0"/>
+              <a:cs typeface="Open Sans" panose="020B0606030504020204" pitchFamily="34" charset="0"/>
+            </a:endParaRPr>
+          </a:p>
+          <a:p>
+            <a:r>
+              <a:rPr lang="fr-FR" sz="3000" dirty="0">
+                <a:latin typeface="Open Sans" panose="020B0606030504020204" pitchFamily="34" charset="0"/>
+                <a:ea typeface="Open Sans" panose="020B0606030504020204" pitchFamily="34" charset="0"/>
+                <a:cs typeface="Open Sans" panose="020B0606030504020204" pitchFamily="34" charset="0"/>
+              </a:rPr>
+              <a:t>        </a:t>
+            </a:r>
+            <a:r>
+              <a:rPr lang="fr-FR" sz="3000" dirty="0" err="1">
+                <a:latin typeface="Open Sans" panose="020B0606030504020204" pitchFamily="34" charset="0"/>
+                <a:ea typeface="Open Sans" panose="020B0606030504020204" pitchFamily="34" charset="0"/>
+                <a:cs typeface="Open Sans" panose="020B0606030504020204" pitchFamily="34" charset="0"/>
+              </a:rPr>
+              <a:t>degMoins</a:t>
+            </a:r>
+            <a:r>
+              <a:rPr lang="fr-FR" sz="3000" dirty="0">
+                <a:latin typeface="Open Sans" panose="020B0606030504020204" pitchFamily="34" charset="0"/>
+                <a:ea typeface="Open Sans" panose="020B0606030504020204" pitchFamily="34" charset="0"/>
+                <a:cs typeface="Open Sans" panose="020B0606030504020204" pitchFamily="34" charset="0"/>
+              </a:rPr>
+              <a:t>[i] = nombre de prédécesseurs de i</a:t>
+            </a:r>
+          </a:p>
+          <a:p>
+            <a:r>
+              <a:rPr lang="fr-FR" sz="3000" dirty="0">
+                <a:latin typeface="Open Sans" panose="020B0606030504020204" pitchFamily="34" charset="0"/>
+                <a:ea typeface="Open Sans" panose="020B0606030504020204" pitchFamily="34" charset="0"/>
+                <a:cs typeface="Open Sans" panose="020B0606030504020204" pitchFamily="34" charset="0"/>
+              </a:rPr>
+              <a:t>         si (</a:t>
+            </a:r>
+            <a:r>
+              <a:rPr lang="fr-FR" sz="3000" dirty="0" err="1">
+                <a:latin typeface="Open Sans" panose="020B0606030504020204" pitchFamily="34" charset="0"/>
+                <a:ea typeface="Open Sans" panose="020B0606030504020204" pitchFamily="34" charset="0"/>
+                <a:cs typeface="Open Sans" panose="020B0606030504020204" pitchFamily="34" charset="0"/>
+              </a:rPr>
+              <a:t>degMoins</a:t>
+            </a:r>
+            <a:r>
+              <a:rPr lang="fr-FR" sz="3000" dirty="0">
+                <a:latin typeface="Open Sans" panose="020B0606030504020204" pitchFamily="34" charset="0"/>
+                <a:ea typeface="Open Sans" panose="020B0606030504020204" pitchFamily="34" charset="0"/>
+                <a:cs typeface="Open Sans" panose="020B0606030504020204" pitchFamily="34" charset="0"/>
+              </a:rPr>
+              <a:t>[i] == 0)</a:t>
+            </a:r>
+          </a:p>
+          <a:p>
+            <a:r>
+              <a:rPr lang="fr-FR" sz="3000" dirty="0">
+                <a:latin typeface="Open Sans" panose="020B0606030504020204" pitchFamily="34" charset="0"/>
+                <a:ea typeface="Open Sans" panose="020B0606030504020204" pitchFamily="34" charset="0"/>
+                <a:cs typeface="Open Sans" panose="020B0606030504020204" pitchFamily="34" charset="0"/>
+              </a:rPr>
+              <a:t>                ajout i à </a:t>
+            </a:r>
+            <a:r>
+              <a:rPr lang="fr-FR" sz="3000" dirty="0" err="1">
+                <a:latin typeface="Open Sans" panose="020B0606030504020204" pitchFamily="34" charset="0"/>
+                <a:ea typeface="Open Sans" panose="020B0606030504020204" pitchFamily="34" charset="0"/>
+                <a:cs typeface="Open Sans" panose="020B0606030504020204" pitchFamily="34" charset="0"/>
+              </a:rPr>
+              <a:t>listeRacines</a:t>
+            </a:r>
+            <a:endParaRPr lang="fr-FR" sz="3000" dirty="0">
+              <a:latin typeface="Open Sans" panose="020B0606030504020204" pitchFamily="34" charset="0"/>
+              <a:ea typeface="Open Sans" panose="020B0606030504020204" pitchFamily="34" charset="0"/>
+              <a:cs typeface="Open Sans" panose="020B0606030504020204" pitchFamily="34" charset="0"/>
+            </a:endParaRPr>
+          </a:p>
+          <a:p>
+            <a:r>
+              <a:rPr lang="fr-FR" sz="3000" dirty="0">
+                <a:latin typeface="Open Sans" panose="020B0606030504020204" pitchFamily="34" charset="0"/>
+                <a:ea typeface="Open Sans" panose="020B0606030504020204" pitchFamily="34" charset="0"/>
+                <a:cs typeface="Open Sans" panose="020B0606030504020204" pitchFamily="34" charset="0"/>
+              </a:rPr>
+              <a:t>         fin</a:t>
+            </a:r>
+          </a:p>
+          <a:p>
+            <a:r>
+              <a:rPr lang="fr-FR" sz="3000" dirty="0">
+                <a:latin typeface="Open Sans" panose="020B0606030504020204" pitchFamily="34" charset="0"/>
+                <a:ea typeface="Open Sans" panose="020B0606030504020204" pitchFamily="34" charset="0"/>
+                <a:cs typeface="Open Sans" panose="020B0606030504020204" pitchFamily="34" charset="0"/>
+              </a:rPr>
+              <a:t>    fin</a:t>
+            </a:r>
+          </a:p>
+          <a:p>
+            <a:r>
+              <a:rPr lang="fr-FR" sz="3000" dirty="0">
+                <a:latin typeface="Open Sans" panose="020B0606030504020204" pitchFamily="34" charset="0"/>
+                <a:ea typeface="Open Sans" panose="020B0606030504020204" pitchFamily="34" charset="0"/>
+                <a:cs typeface="Open Sans" panose="020B0606030504020204" pitchFamily="34" charset="0"/>
+              </a:rPr>
+              <a:t>    rang courant ++</a:t>
+            </a:r>
+          </a:p>
+          <a:p>
+            <a:r>
+              <a:rPr lang="fr-FR" sz="3000" dirty="0">
+                <a:latin typeface="Open Sans" panose="020B0606030504020204" pitchFamily="34" charset="0"/>
+                <a:ea typeface="Open Sans" panose="020B0606030504020204" pitchFamily="34" charset="0"/>
+                <a:cs typeface="Open Sans" panose="020B0606030504020204" pitchFamily="34" charset="0"/>
+              </a:rPr>
+              <a:t>tant que (</a:t>
+            </a:r>
+            <a:r>
+              <a:rPr lang="fr-FR" sz="3000" dirty="0" err="1">
+                <a:latin typeface="Open Sans" panose="020B0606030504020204" pitchFamily="34" charset="0"/>
+                <a:ea typeface="Open Sans" panose="020B0606030504020204" pitchFamily="34" charset="0"/>
+                <a:cs typeface="Open Sans" panose="020B0606030504020204" pitchFamily="34" charset="0"/>
+              </a:rPr>
+              <a:t>listTodo</a:t>
+            </a:r>
+            <a:r>
+              <a:rPr lang="fr-FR" sz="3000" dirty="0">
+                <a:latin typeface="Open Sans" panose="020B0606030504020204" pitchFamily="34" charset="0"/>
+                <a:ea typeface="Open Sans" panose="020B0606030504020204" pitchFamily="34" charset="0"/>
+                <a:cs typeface="Open Sans" panose="020B0606030504020204" pitchFamily="34" charset="0"/>
+              </a:rPr>
+              <a:t> n'est pas vide)</a:t>
+            </a:r>
+          </a:p>
+        </p:txBody>
+      </p:sp>
+      <p:pic>
+        <p:nvPicPr>
+          <p:cNvPr id="6" name="Image 5">
+            <a:extLst>
+              <a:ext uri="{FF2B5EF4-FFF2-40B4-BE49-F238E27FC236}">
+                <a16:creationId xmlns:a16="http://schemas.microsoft.com/office/drawing/2014/main" id="{1E773EE8-80A8-4144-B1A3-D0D1AFD24002}"/>
+              </a:ext>
+            </a:extLst>
+          </p:cNvPr>
+          <p:cNvPicPr>
+            <a:picLocks noChangeAspect="1"/>
+          </p:cNvPicPr>
+          <p:nvPr/>
+        </p:nvPicPr>
+        <p:blipFill>
+          <a:blip r:embed="rId2"/>
+          <a:stretch>
+            <a:fillRect/>
+          </a:stretch>
+        </p:blipFill>
+        <p:spPr>
+          <a:xfrm>
+            <a:off x="1598382" y="11094711"/>
+            <a:ext cx="10595205" cy="1046440"/>
+          </a:xfrm>
+          <a:prstGeom prst="rect">
+            <a:avLst/>
+          </a:prstGeom>
+        </p:spPr>
+      </p:pic>
     </p:spTree>
     <p:extLst>
       <p:ext uri="{BB962C8B-B14F-4D97-AF65-F5344CB8AC3E}">
@@ -1213,7 +1920,9 @@
           <a:p>
             <a:r>
               <a:rPr lang="fr-FR" sz="3800" dirty="0">
-                <a:latin typeface="Montserrat" panose="00000500000000000000" pitchFamily="2" charset="0"/>
+                <a:latin typeface="Open Sans" panose="020B0606030504020204" pitchFamily="34" charset="0"/>
+                <a:ea typeface="Open Sans" panose="020B0606030504020204" pitchFamily="34" charset="0"/>
+                <a:cs typeface="Open Sans" panose="020B0606030504020204" pitchFamily="34" charset="0"/>
               </a:rPr>
               <a:t>Plusieurs conditions sont nécessaires afin de pouvoir ordonnancer un graphe :</a:t>
             </a:r>
@@ -1224,7 +1933,9 @@
               <a:buChar char="Ø"/>
             </a:pPr>
             <a:endParaRPr lang="fr-FR" sz="3400" dirty="0">
-              <a:latin typeface="Montserrat" panose="00000500000000000000" pitchFamily="2" charset="0"/>
+              <a:latin typeface="Open Sans" panose="020B0606030504020204" pitchFamily="34" charset="0"/>
+              <a:ea typeface="Open Sans" panose="020B0606030504020204" pitchFamily="34" charset="0"/>
+              <a:cs typeface="Open Sans" panose="020B0606030504020204" pitchFamily="34" charset="0"/>
             </a:endParaRPr>
           </a:p>
           <a:p>
@@ -1234,7 +1945,9 @@
             </a:pPr>
             <a:r>
               <a:rPr lang="fr-FR" sz="3400" dirty="0">
-                <a:latin typeface="Montserrat" panose="00000500000000000000" pitchFamily="2" charset="0"/>
+                <a:latin typeface="Open Sans" panose="020B0606030504020204" pitchFamily="34" charset="0"/>
+                <a:ea typeface="Open Sans" panose="020B0606030504020204" pitchFamily="34" charset="0"/>
+                <a:cs typeface="Open Sans" panose="020B0606030504020204" pitchFamily="34" charset="0"/>
               </a:rPr>
               <a:t>Un seul point d’entrée =&gt; vérifier qu’une seule colonne de la matrice d’adjacence ne contient que des 0</a:t>
             </a:r>
@@ -1245,7 +1958,9 @@
               <a:buChar char="Ø"/>
             </a:pPr>
             <a:endParaRPr lang="fr-FR" sz="3400" dirty="0">
-              <a:latin typeface="Montserrat" panose="00000500000000000000" pitchFamily="2" charset="0"/>
+              <a:latin typeface="Open Sans" panose="020B0606030504020204" pitchFamily="34" charset="0"/>
+              <a:ea typeface="Open Sans" panose="020B0606030504020204" pitchFamily="34" charset="0"/>
+              <a:cs typeface="Open Sans" panose="020B0606030504020204" pitchFamily="34" charset="0"/>
             </a:endParaRPr>
           </a:p>
           <a:p>
@@ -1255,7 +1970,9 @@
             </a:pPr>
             <a:r>
               <a:rPr lang="fr-FR" sz="3400" dirty="0">
-                <a:latin typeface="Montserrat" panose="00000500000000000000" pitchFamily="2" charset="0"/>
+                <a:latin typeface="Open Sans" panose="020B0606030504020204" pitchFamily="34" charset="0"/>
+                <a:ea typeface="Open Sans" panose="020B0606030504020204" pitchFamily="34" charset="0"/>
+                <a:cs typeface="Open Sans" panose="020B0606030504020204" pitchFamily="34" charset="0"/>
               </a:rPr>
               <a:t>Un seul point de sortie =&gt; vérifier qu’une seule ligne de la matrice d’adjacence ne contient que des 0</a:t>
             </a:r>
@@ -1266,7 +1983,9 @@
               <a:buChar char="Ø"/>
             </a:pPr>
             <a:endParaRPr lang="fr-FR" sz="3400" dirty="0">
-              <a:latin typeface="Montserrat" panose="00000500000000000000" pitchFamily="2" charset="0"/>
+              <a:latin typeface="Open Sans" panose="020B0606030504020204" pitchFamily="34" charset="0"/>
+              <a:ea typeface="Open Sans" panose="020B0606030504020204" pitchFamily="34" charset="0"/>
+              <a:cs typeface="Open Sans" panose="020B0606030504020204" pitchFamily="34" charset="0"/>
             </a:endParaRPr>
           </a:p>
           <a:p>
@@ -1276,7 +1995,9 @@
             </a:pPr>
             <a:r>
               <a:rPr lang="fr-FR" sz="3400" dirty="0">
-                <a:latin typeface="Montserrat" panose="00000500000000000000" pitchFamily="2" charset="0"/>
+                <a:latin typeface="Open Sans" panose="020B0606030504020204" pitchFamily="34" charset="0"/>
+                <a:ea typeface="Open Sans" panose="020B0606030504020204" pitchFamily="34" charset="0"/>
+                <a:cs typeface="Open Sans" panose="020B0606030504020204" pitchFamily="34" charset="0"/>
               </a:rPr>
               <a:t>Pas de circuit </a:t>
             </a:r>
@@ -1287,7 +2008,9 @@
               <a:buChar char="Ø"/>
             </a:pPr>
             <a:endParaRPr lang="fr-FR" sz="3400" dirty="0">
-              <a:latin typeface="Montserrat" panose="00000500000000000000" pitchFamily="2" charset="0"/>
+              <a:latin typeface="Open Sans" panose="020B0606030504020204" pitchFamily="34" charset="0"/>
+              <a:ea typeface="Open Sans" panose="020B0606030504020204" pitchFamily="34" charset="0"/>
+              <a:cs typeface="Open Sans" panose="020B0606030504020204" pitchFamily="34" charset="0"/>
             </a:endParaRPr>
           </a:p>
           <a:p>
@@ -1297,55 +2020,11 @@
             </a:pPr>
             <a:r>
               <a:rPr lang="fr-FR" sz="3400" dirty="0">
-                <a:latin typeface="Montserrat" panose="00000500000000000000" pitchFamily="2" charset="0"/>
+                <a:latin typeface="Open Sans" panose="020B0606030504020204" pitchFamily="34" charset="0"/>
+                <a:ea typeface="Open Sans" panose="020B0606030504020204" pitchFamily="34" charset="0"/>
+                <a:cs typeface="Open Sans" panose="020B0606030504020204" pitchFamily="34" charset="0"/>
               </a:rPr>
               <a:t>Pas d’arcs à valeur négative </a:t>
-            </a:r>
-          </a:p>
-          <a:p>
-            <a:pPr marL="1485946" lvl="1" indent="-571500">
-              <a:buFont typeface="Wingdings" panose="05000000000000000000" pitchFamily="2" charset="2"/>
-              <a:buChar char="Ø"/>
-            </a:pPr>
-            <a:endParaRPr lang="fr-FR" sz="3400" dirty="0"/>
-          </a:p>
-          <a:p>
-            <a:pPr marL="1485946" lvl="1" indent="-571500">
-              <a:buFont typeface="Wingdings" panose="05000000000000000000" pitchFamily="2" charset="2"/>
-              <a:buChar char="Ø"/>
-            </a:pPr>
-            <a:r>
-              <a:rPr lang="fr-FR" sz="3400" dirty="0">
-                <a:latin typeface="Montserrat" panose="00000500000000000000" pitchFamily="2" charset="0"/>
-              </a:rPr>
-              <a:t>Valeurs identiques pour tous les arcs incidents vers l’extérieur à </a:t>
-            </a:r>
-          </a:p>
-          <a:p>
-            <a:pPr lvl="1"/>
-            <a:r>
-              <a:rPr lang="fr-FR" sz="3400" dirty="0">
-                <a:latin typeface="Montserrat" panose="00000500000000000000" pitchFamily="2" charset="0"/>
-              </a:rPr>
-              <a:t>un sommet  =&gt; chaque case d’une ligne ne possède que 2 valeurs</a:t>
-            </a:r>
-          </a:p>
-          <a:p>
-            <a:pPr lvl="1"/>
-            <a:r>
-              <a:rPr lang="fr-FR" sz="3400" dirty="0">
-                <a:latin typeface="Montserrat" panose="00000500000000000000" pitchFamily="2" charset="0"/>
-              </a:rPr>
-              <a:t>			- la valeur de l’arc</a:t>
-            </a:r>
-          </a:p>
-          <a:p>
-            <a:pPr lvl="1"/>
-            <a:r>
-              <a:rPr lang="fr-FR" sz="3400" dirty="0">
-                <a:latin typeface="Montserrat" panose="00000500000000000000" pitchFamily="2" charset="0"/>
-              </a:rPr>
-              <a:t>			- *</a:t>
             </a:r>
           </a:p>
           <a:p>
@@ -1354,7 +2033,9 @@
               <a:buChar char="Ø"/>
             </a:pPr>
             <a:endParaRPr lang="fr-FR" sz="3400" dirty="0">
-              <a:latin typeface="Montserrat" panose="00000500000000000000" pitchFamily="2" charset="0"/>
+              <a:latin typeface="Open Sans" panose="020B0606030504020204" pitchFamily="34" charset="0"/>
+              <a:ea typeface="Open Sans" panose="020B0606030504020204" pitchFamily="34" charset="0"/>
+              <a:cs typeface="Open Sans" panose="020B0606030504020204" pitchFamily="34" charset="0"/>
             </a:endParaRPr>
           </a:p>
           <a:p>
@@ -1364,7 +2045,67 @@
             </a:pPr>
             <a:r>
               <a:rPr lang="fr-FR" sz="3400" dirty="0">
-                <a:latin typeface="Montserrat" panose="00000500000000000000" pitchFamily="2" charset="0"/>
+                <a:latin typeface="Open Sans" panose="020B0606030504020204" pitchFamily="34" charset="0"/>
+                <a:ea typeface="Open Sans" panose="020B0606030504020204" pitchFamily="34" charset="0"/>
+                <a:cs typeface="Open Sans" panose="020B0606030504020204" pitchFamily="34" charset="0"/>
+              </a:rPr>
+              <a:t>Valeurs identiques pour tous les arcs incidents vers l’extérieur à </a:t>
+            </a:r>
+          </a:p>
+          <a:p>
+            <a:pPr lvl="1"/>
+            <a:r>
+              <a:rPr lang="fr-FR" sz="3400" dirty="0">
+                <a:latin typeface="Open Sans" panose="020B0606030504020204" pitchFamily="34" charset="0"/>
+                <a:ea typeface="Open Sans" panose="020B0606030504020204" pitchFamily="34" charset="0"/>
+                <a:cs typeface="Open Sans" panose="020B0606030504020204" pitchFamily="34" charset="0"/>
+              </a:rPr>
+              <a:t>un sommet  =&gt; chaque case d’une ligne ne possède que 2 valeurs</a:t>
+            </a:r>
+          </a:p>
+          <a:p>
+            <a:pPr lvl="1"/>
+            <a:r>
+              <a:rPr lang="fr-FR" sz="3400" dirty="0">
+                <a:latin typeface="Open Sans" panose="020B0606030504020204" pitchFamily="34" charset="0"/>
+                <a:ea typeface="Open Sans" panose="020B0606030504020204" pitchFamily="34" charset="0"/>
+                <a:cs typeface="Open Sans" panose="020B0606030504020204" pitchFamily="34" charset="0"/>
+              </a:rPr>
+              <a:t>			- la valeur de l’arc</a:t>
+            </a:r>
+          </a:p>
+          <a:p>
+            <a:pPr lvl="1"/>
+            <a:r>
+              <a:rPr lang="fr-FR" sz="3400" dirty="0">
+                <a:latin typeface="Open Sans" panose="020B0606030504020204" pitchFamily="34" charset="0"/>
+                <a:ea typeface="Open Sans" panose="020B0606030504020204" pitchFamily="34" charset="0"/>
+                <a:cs typeface="Open Sans" panose="020B0606030504020204" pitchFamily="34" charset="0"/>
+              </a:rPr>
+              <a:t>			- *</a:t>
+            </a:r>
+          </a:p>
+          <a:p>
+            <a:pPr marL="1485946" lvl="1" indent="-571500">
+              <a:buFont typeface="Wingdings" panose="05000000000000000000" pitchFamily="2" charset="2"/>
+              <a:buChar char="Ø"/>
+            </a:pPr>
+            <a:endParaRPr lang="fr-FR" sz="3400" dirty="0">
+              <a:latin typeface="Open Sans" panose="020B0606030504020204" pitchFamily="34" charset="0"/>
+              <a:ea typeface="Open Sans" panose="020B0606030504020204" pitchFamily="34" charset="0"/>
+              <a:cs typeface="Open Sans" panose="020B0606030504020204" pitchFamily="34" charset="0"/>
+            </a:endParaRPr>
+          </a:p>
+          <a:p>
+            <a:pPr marL="1485946" lvl="1" indent="-571500">
+              <a:buFont typeface="Wingdings" panose="05000000000000000000" pitchFamily="2" charset="2"/>
+              <a:buChar char="Ø"/>
+            </a:pPr>
+            <a:r>
+              <a:rPr lang="fr-FR" sz="3400" dirty="0">
+                <a:latin typeface="Open Sans" panose="020B0606030504020204" pitchFamily="34" charset="0"/>
+                <a:ea typeface="Open Sans" panose="020B0606030504020204" pitchFamily="34" charset="0"/>
+                <a:cs typeface="Open Sans" panose="020B0606030504020204" pitchFamily="34" charset="0"/>
               </a:rPr>
               <a:t>Arcs incidents vers l’extérieur au point d’entrée de valeur nulle ; </a:t>
             </a:r>
@@ -1372,7 +2113,9 @@
           <a:p>
             <a:pPr lvl="1"/>
             <a:endParaRPr lang="fr-FR" sz="4200" dirty="0">
-              <a:latin typeface="Montserrat" panose="00000500000000000000" pitchFamily="2" charset="0"/>
+              <a:latin typeface="Open Sans" panose="020B0606030504020204" pitchFamily="34" charset="0"/>
+              <a:ea typeface="Open Sans" panose="020B0606030504020204" pitchFamily="34" charset="0"/>
+              <a:cs typeface="Open Sans" panose="020B0606030504020204" pitchFamily="34" charset="0"/>
             </a:endParaRPr>
           </a:p>
           <a:p>
@@ -1381,7 +2124,9 @@
               <a:buChar char="Ø"/>
             </a:pPr>
             <a:endParaRPr lang="fr-FR" sz="4200" dirty="0">
-              <a:latin typeface="Montserrat" panose="00000500000000000000" pitchFamily="2" charset="0"/>
+              <a:latin typeface="Open Sans" panose="020B0606030504020204" pitchFamily="34" charset="0"/>
+              <a:ea typeface="Open Sans" panose="020B0606030504020204" pitchFamily="34" charset="0"/>
+              <a:cs typeface="Open Sans" panose="020B0606030504020204" pitchFamily="34" charset="0"/>
             </a:endParaRPr>
           </a:p>
         </p:txBody>
@@ -1484,7 +2229,9 @@
             <a:pPr algn="just"/>
             <a:r>
               <a:rPr lang="fr-FR" sz="3800" dirty="0">
-                <a:latin typeface="Montserrat" panose="00000500000000000000" pitchFamily="2" charset="0"/>
+                <a:latin typeface="Open Sans" panose="020B0606030504020204" pitchFamily="34" charset="0"/>
+                <a:ea typeface="Open Sans" panose="020B0606030504020204" pitchFamily="34" charset="0"/>
+                <a:cs typeface="Open Sans" panose="020B0606030504020204" pitchFamily="34" charset="0"/>
               </a:rPr>
               <a:t>Une fois les conditions vérifiées on peut passer a l’ordonnancement.</a:t>
             </a:r>
@@ -1492,14 +2239,18 @@
           <a:p>
             <a:pPr algn="just"/>
             <a:endParaRPr lang="fr-FR" sz="3800" dirty="0">
-              <a:latin typeface="Montserrat" panose="00000500000000000000" pitchFamily="2" charset="0"/>
+              <a:latin typeface="Open Sans" panose="020B0606030504020204" pitchFamily="34" charset="0"/>
+              <a:ea typeface="Open Sans" panose="020B0606030504020204" pitchFamily="34" charset="0"/>
+              <a:cs typeface="Open Sans" panose="020B0606030504020204" pitchFamily="34" charset="0"/>
             </a:endParaRPr>
           </a:p>
           <a:p>
             <a:pPr algn="just"/>
             <a:r>
               <a:rPr lang="fr-FR" sz="3800" dirty="0">
-                <a:latin typeface="Montserrat" panose="00000500000000000000" pitchFamily="2" charset="0"/>
+                <a:latin typeface="Open Sans" panose="020B0606030504020204" pitchFamily="34" charset="0"/>
+                <a:ea typeface="Open Sans" panose="020B0606030504020204" pitchFamily="34" charset="0"/>
+                <a:cs typeface="Open Sans" panose="020B0606030504020204" pitchFamily="34" charset="0"/>
               </a:rPr>
               <a:t>Pour chaque sommet, on calcul la date au plus tôt :</a:t>
             </a:r>
@@ -1507,14 +2258,18 @@
           <a:p>
             <a:pPr algn="just"/>
             <a:endParaRPr lang="fr-FR" sz="3800" dirty="0">
-              <a:latin typeface="Montserrat" panose="00000500000000000000" pitchFamily="2" charset="0"/>
+              <a:latin typeface="Open Sans" panose="020B0606030504020204" pitchFamily="34" charset="0"/>
+              <a:ea typeface="Open Sans" panose="020B0606030504020204" pitchFamily="34" charset="0"/>
+              <a:cs typeface="Open Sans" panose="020B0606030504020204" pitchFamily="34" charset="0"/>
             </a:endParaRPr>
           </a:p>
           <a:p>
             <a:pPr algn="just"/>
             <a:r>
               <a:rPr lang="fr-FR" sz="3800" dirty="0">
-                <a:latin typeface="Montserrat" panose="00000500000000000000" pitchFamily="2" charset="0"/>
+                <a:latin typeface="Open Sans" panose="020B0606030504020204" pitchFamily="34" charset="0"/>
+                <a:ea typeface="Open Sans" panose="020B0606030504020204" pitchFamily="34" charset="0"/>
+                <a:cs typeface="Open Sans" panose="020B0606030504020204" pitchFamily="34" charset="0"/>
               </a:rPr>
               <a:t>	- Date au plus tôt = </a:t>
             </a:r>
@@ -1523,7 +2278,9 @@
             <a:pPr algn="just"/>
             <a:r>
               <a:rPr lang="fr-FR" sz="3800" dirty="0">
-                <a:latin typeface="Montserrat" panose="00000500000000000000" pitchFamily="2" charset="0"/>
+                <a:latin typeface="Open Sans" panose="020B0606030504020204" pitchFamily="34" charset="0"/>
+                <a:ea typeface="Open Sans" panose="020B0606030504020204" pitchFamily="34" charset="0"/>
+                <a:cs typeface="Open Sans" panose="020B0606030504020204" pitchFamily="34" charset="0"/>
               </a:rPr>
               <a:t>		Date au plus tôt du prédécesseur</a:t>
             </a:r>
@@ -1532,7 +2289,9 @@
             <a:pPr algn="just"/>
             <a:r>
               <a:rPr lang="fr-FR" sz="3800" dirty="0">
-                <a:latin typeface="Montserrat" panose="00000500000000000000" pitchFamily="2" charset="0"/>
+                <a:latin typeface="Open Sans" panose="020B0606030504020204" pitchFamily="34" charset="0"/>
+                <a:ea typeface="Open Sans" panose="020B0606030504020204" pitchFamily="34" charset="0"/>
+                <a:cs typeface="Open Sans" panose="020B0606030504020204" pitchFamily="34" charset="0"/>
               </a:rPr>
               <a:t>		+ valeur de la tache du prédécesseur</a:t>
             </a:r>
@@ -1541,7 +2300,9 @@
             <a:pPr algn="just"/>
             <a:r>
               <a:rPr lang="fr-FR" sz="3800" dirty="0">
-                <a:latin typeface="Montserrat" panose="00000500000000000000" pitchFamily="2" charset="0"/>
+                <a:latin typeface="Open Sans" panose="020B0606030504020204" pitchFamily="34" charset="0"/>
+                <a:ea typeface="Open Sans" panose="020B0606030504020204" pitchFamily="34" charset="0"/>
+                <a:cs typeface="Open Sans" panose="020B0606030504020204" pitchFamily="34" charset="0"/>
               </a:rPr>
               <a:t>	- Date au plus tôt retenue =</a:t>
             </a:r>
@@ -1550,7 +2311,9 @@
             <a:pPr algn="just"/>
             <a:r>
               <a:rPr lang="fr-FR" sz="3800" dirty="0">
-                <a:latin typeface="Montserrat" panose="00000500000000000000" pitchFamily="2" charset="0"/>
+                <a:latin typeface="Open Sans" panose="020B0606030504020204" pitchFamily="34" charset="0"/>
+                <a:ea typeface="Open Sans" panose="020B0606030504020204" pitchFamily="34" charset="0"/>
+                <a:cs typeface="Open Sans" panose="020B0606030504020204" pitchFamily="34" charset="0"/>
               </a:rPr>
               <a:t>		Date au plus tôt la plus grande parmi toutes </a:t>
             </a:r>
@@ -1559,7 +2322,9 @@
             <a:pPr algn="just"/>
             <a:r>
               <a:rPr lang="fr-FR" sz="3800" dirty="0">
-                <a:latin typeface="Montserrat" panose="00000500000000000000" pitchFamily="2" charset="0"/>
+                <a:latin typeface="Open Sans" panose="020B0606030504020204" pitchFamily="34" charset="0"/>
+                <a:ea typeface="Open Sans" panose="020B0606030504020204" pitchFamily="34" charset="0"/>
+                <a:cs typeface="Open Sans" panose="020B0606030504020204" pitchFamily="34" charset="0"/>
               </a:rPr>
               <a:t>		les dates au plus tôt calculées</a:t>
             </a:r>
@@ -1567,19 +2332,25 @@
           <a:p>
             <a:pPr algn="just"/>
             <a:endParaRPr lang="fr-FR" sz="3800" dirty="0">
-              <a:latin typeface="Montserrat" panose="00000500000000000000" pitchFamily="2" charset="0"/>
+              <a:latin typeface="Open Sans" panose="020B0606030504020204" pitchFamily="34" charset="0"/>
+              <a:ea typeface="Open Sans" panose="020B0606030504020204" pitchFamily="34" charset="0"/>
+              <a:cs typeface="Open Sans" panose="020B0606030504020204" pitchFamily="34" charset="0"/>
             </a:endParaRPr>
           </a:p>
           <a:p>
             <a:pPr algn="just"/>
             <a:r>
               <a:rPr lang="fr-FR" dirty="0">
-                <a:latin typeface="Montserrat" panose="00000500000000000000" pitchFamily="2" charset="0"/>
+                <a:latin typeface="Open Sans" panose="020B0606030504020204" pitchFamily="34" charset="0"/>
+                <a:ea typeface="Open Sans" panose="020B0606030504020204" pitchFamily="34" charset="0"/>
+                <a:cs typeface="Open Sans" panose="020B0606030504020204" pitchFamily="34" charset="0"/>
               </a:rPr>
               <a:t>Le calcul se fait en partant du point d’entrée (dont la date au plus tôt est 0) et par ordre croissant du rang.			</a:t>
             </a:r>
             <a:endParaRPr lang="fr-FR" sz="4200" dirty="0">
-              <a:latin typeface="Montserrat" panose="00000500000000000000" pitchFamily="2" charset="0"/>
+              <a:latin typeface="Open Sans" panose="020B0606030504020204" pitchFamily="34" charset="0"/>
+              <a:ea typeface="Open Sans" panose="020B0606030504020204" pitchFamily="34" charset="0"/>
+              <a:cs typeface="Open Sans" panose="020B0606030504020204" pitchFamily="34" charset="0"/>
             </a:endParaRPr>
           </a:p>
           <a:p>
@@ -1588,7 +2359,9 @@
               <a:buChar char="Ø"/>
             </a:pPr>
             <a:endParaRPr lang="fr-FR" sz="4200" dirty="0">
-              <a:latin typeface="Montserrat" panose="00000500000000000000" pitchFamily="2" charset="0"/>
+              <a:latin typeface="Open Sans" panose="020B0606030504020204" pitchFamily="34" charset="0"/>
+              <a:ea typeface="Open Sans" panose="020B0606030504020204" pitchFamily="34" charset="0"/>
+              <a:cs typeface="Open Sans" panose="020B0606030504020204" pitchFamily="34" charset="0"/>
             </a:endParaRPr>
           </a:p>
         </p:txBody>
@@ -2311,8 +3084,8 @@
         </p:nvSpPr>
         <p:spPr>
           <a:xfrm>
-            <a:off x="2375271" y="2523612"/>
-            <a:ext cx="14636379" cy="9694962"/>
+            <a:off x="2375271" y="3419724"/>
+            <a:ext cx="14636379" cy="8402300"/>
           </a:xfrm>
           <a:prstGeom prst="rect">
             <a:avLst/>
@@ -2328,7 +3101,9 @@
             <a:pPr algn="just"/>
             <a:r>
               <a:rPr lang="fr-FR" dirty="0">
-                <a:latin typeface="Montserrat" panose="00000500000000000000" pitchFamily="2" charset="0"/>
+                <a:latin typeface="Open Sans" panose="020B0606030504020204" pitchFamily="34" charset="0"/>
+                <a:ea typeface="Open Sans" panose="020B0606030504020204" pitchFamily="34" charset="0"/>
+                <a:cs typeface="Open Sans" panose="020B0606030504020204" pitchFamily="34" charset="0"/>
               </a:rPr>
               <a:t>Pour chaque sommet, on calcul la date au plus tard :</a:t>
             </a:r>
@@ -2336,14 +3111,18 @@
           <a:p>
             <a:pPr algn="just"/>
             <a:endParaRPr lang="fr-FR" dirty="0">
-              <a:latin typeface="Montserrat" panose="00000500000000000000" pitchFamily="2" charset="0"/>
+              <a:latin typeface="Open Sans" panose="020B0606030504020204" pitchFamily="34" charset="0"/>
+              <a:ea typeface="Open Sans" panose="020B0606030504020204" pitchFamily="34" charset="0"/>
+              <a:cs typeface="Open Sans" panose="020B0606030504020204" pitchFamily="34" charset="0"/>
             </a:endParaRPr>
           </a:p>
           <a:p>
             <a:pPr algn="just"/>
             <a:r>
               <a:rPr lang="fr-FR" dirty="0">
-                <a:latin typeface="Montserrat" panose="00000500000000000000" pitchFamily="2" charset="0"/>
+                <a:latin typeface="Open Sans" panose="020B0606030504020204" pitchFamily="34" charset="0"/>
+                <a:ea typeface="Open Sans" panose="020B0606030504020204" pitchFamily="34" charset="0"/>
+                <a:cs typeface="Open Sans" panose="020B0606030504020204" pitchFamily="34" charset="0"/>
               </a:rPr>
               <a:t>	- Date au plus tard = </a:t>
             </a:r>
@@ -2352,7 +3131,9 @@
             <a:pPr algn="just"/>
             <a:r>
               <a:rPr lang="fr-FR" dirty="0">
-                <a:latin typeface="Montserrat" panose="00000500000000000000" pitchFamily="2" charset="0"/>
+                <a:latin typeface="Open Sans" panose="020B0606030504020204" pitchFamily="34" charset="0"/>
+                <a:ea typeface="Open Sans" panose="020B0606030504020204" pitchFamily="34" charset="0"/>
+                <a:cs typeface="Open Sans" panose="020B0606030504020204" pitchFamily="34" charset="0"/>
               </a:rPr>
               <a:t>		Date au plus tard du successeur</a:t>
             </a:r>
@@ -2361,7 +3142,9 @@
             <a:pPr algn="just"/>
             <a:r>
               <a:rPr lang="fr-FR" dirty="0">
-                <a:latin typeface="Montserrat" panose="00000500000000000000" pitchFamily="2" charset="0"/>
+                <a:latin typeface="Open Sans" panose="020B0606030504020204" pitchFamily="34" charset="0"/>
+                <a:ea typeface="Open Sans" panose="020B0606030504020204" pitchFamily="34" charset="0"/>
+                <a:cs typeface="Open Sans" panose="020B0606030504020204" pitchFamily="34" charset="0"/>
               </a:rPr>
               <a:t>		- valeur de la tache du sommet</a:t>
             </a:r>
@@ -2370,7 +3153,9 @@
             <a:pPr algn="just"/>
             <a:r>
               <a:rPr lang="fr-FR" dirty="0">
-                <a:latin typeface="Montserrat" panose="00000500000000000000" pitchFamily="2" charset="0"/>
+                <a:latin typeface="Open Sans" panose="020B0606030504020204" pitchFamily="34" charset="0"/>
+                <a:ea typeface="Open Sans" panose="020B0606030504020204" pitchFamily="34" charset="0"/>
+                <a:cs typeface="Open Sans" panose="020B0606030504020204" pitchFamily="34" charset="0"/>
               </a:rPr>
               <a:t>	- Date au plus tard retenue =</a:t>
             </a:r>
@@ -2379,7 +3164,9 @@
             <a:pPr algn="just"/>
             <a:r>
               <a:rPr lang="fr-FR" dirty="0">
-                <a:latin typeface="Montserrat" panose="00000500000000000000" pitchFamily="2" charset="0"/>
+                <a:latin typeface="Open Sans" panose="020B0606030504020204" pitchFamily="34" charset="0"/>
+                <a:ea typeface="Open Sans" panose="020B0606030504020204" pitchFamily="34" charset="0"/>
+                <a:cs typeface="Open Sans" panose="020B0606030504020204" pitchFamily="34" charset="0"/>
               </a:rPr>
               <a:t>		Date au plus tard la plus petite parmi toutes </a:t>
             </a:r>
@@ -2388,7 +3175,9 @@
             <a:pPr algn="just"/>
             <a:r>
               <a:rPr lang="fr-FR" dirty="0">
-                <a:latin typeface="Montserrat" panose="00000500000000000000" pitchFamily="2" charset="0"/>
+                <a:latin typeface="Open Sans" panose="020B0606030504020204" pitchFamily="34" charset="0"/>
+                <a:ea typeface="Open Sans" panose="020B0606030504020204" pitchFamily="34" charset="0"/>
+                <a:cs typeface="Open Sans" panose="020B0606030504020204" pitchFamily="34" charset="0"/>
               </a:rPr>
               <a:t>		les dates au plus tard calculées</a:t>
             </a:r>
@@ -2397,7 +3186,9 @@
             <a:pPr algn="just"/>
             <a:r>
               <a:rPr lang="fr-FR" dirty="0">
-                <a:latin typeface="Montserrat" panose="00000500000000000000" pitchFamily="2" charset="0"/>
+                <a:latin typeface="Open Sans" panose="020B0606030504020204" pitchFamily="34" charset="0"/>
+                <a:ea typeface="Open Sans" panose="020B0606030504020204" pitchFamily="34" charset="0"/>
+                <a:cs typeface="Open Sans" panose="020B0606030504020204" pitchFamily="34" charset="0"/>
               </a:rPr>
               <a:t>	</a:t>
             </a:r>
@@ -2406,7 +3197,9 @@
             <a:pPr algn="just"/>
             <a:r>
               <a:rPr lang="fr-FR" dirty="0">
-                <a:latin typeface="Montserrat" panose="00000500000000000000" pitchFamily="2" charset="0"/>
+                <a:latin typeface="Open Sans" panose="020B0606030504020204" pitchFamily="34" charset="0"/>
+                <a:ea typeface="Open Sans" panose="020B0606030504020204" pitchFamily="34" charset="0"/>
+                <a:cs typeface="Open Sans" panose="020B0606030504020204" pitchFamily="34" charset="0"/>
               </a:rPr>
               <a:t>Le calcul se fait en partant de la sortie puis par ordre décroissant du rang. </a:t>
             </a:r>
@@ -2414,45 +3207,44 @@
           <a:p>
             <a:pPr algn="just"/>
             <a:endParaRPr lang="fr-FR" dirty="0">
-              <a:latin typeface="Montserrat" panose="00000500000000000000" pitchFamily="2" charset="0"/>
+              <a:latin typeface="Open Sans" panose="020B0606030504020204" pitchFamily="34" charset="0"/>
+              <a:ea typeface="Open Sans" panose="020B0606030504020204" pitchFamily="34" charset="0"/>
+              <a:cs typeface="Open Sans" panose="020B0606030504020204" pitchFamily="34" charset="0"/>
             </a:endParaRPr>
           </a:p>
           <a:p>
             <a:pPr algn="just"/>
             <a:r>
               <a:rPr lang="fr-FR" dirty="0">
-                <a:latin typeface="Montserrat" panose="00000500000000000000" pitchFamily="2" charset="0"/>
+                <a:latin typeface="Open Sans" panose="020B0606030504020204" pitchFamily="34" charset="0"/>
+                <a:ea typeface="Open Sans" panose="020B0606030504020204" pitchFamily="34" charset="0"/>
+                <a:cs typeface="Open Sans" panose="020B0606030504020204" pitchFamily="34" charset="0"/>
               </a:rPr>
               <a:t>Date au plus tard sortie = date au plus tôt sortie</a:t>
             </a:r>
           </a:p>
           <a:p>
             <a:pPr algn="just"/>
-            <a:endParaRPr lang="fr-FR" dirty="0"/>
+            <a:endParaRPr lang="fr-FR" dirty="0">
+              <a:latin typeface="Open Sans" panose="020B0606030504020204" pitchFamily="34" charset="0"/>
+              <a:ea typeface="Open Sans" panose="020B0606030504020204" pitchFamily="34" charset="0"/>
+              <a:cs typeface="Open Sans" panose="020B0606030504020204" pitchFamily="34" charset="0"/>
+            </a:endParaRPr>
           </a:p>
           <a:p>
             <a:pPr algn="just"/>
             <a:r>
               <a:rPr lang="fr-FR" dirty="0">
-                <a:latin typeface="Montserrat" panose="00000500000000000000" pitchFamily="2" charset="0"/>
-              </a:rPr>
-              <a:t>Marge sommet i = Date au plus tard – date au plus tôt </a:t>
-            </a:r>
-            <a:endParaRPr lang="fr-FR" dirty="0"/>
-          </a:p>
-          <a:p>
-            <a:pPr lvl="1"/>
+                <a:latin typeface="Open Sans" panose="020B0606030504020204" pitchFamily="34" charset="0"/>
+                <a:ea typeface="Open Sans" panose="020B0606030504020204" pitchFamily="34" charset="0"/>
+                <a:cs typeface="Open Sans" panose="020B0606030504020204" pitchFamily="34" charset="0"/>
+              </a:rPr>
+              <a:t>Marge sommet i = Date au plus tard – date au plus tôt</a:t>
+            </a:r>
             <a:endParaRPr lang="fr-FR" sz="4200" dirty="0">
-              <a:latin typeface="Montserrat" panose="00000500000000000000" pitchFamily="2" charset="0"/>
-            </a:endParaRPr>
-          </a:p>
-          <a:p>
-            <a:pPr marL="1485946" lvl="1" indent="-571500">
-              <a:buFont typeface="Wingdings" panose="05000000000000000000" pitchFamily="2" charset="2"/>
-              <a:buChar char="Ø"/>
-            </a:pPr>
-            <a:endParaRPr lang="fr-FR" sz="4200" dirty="0">
-              <a:latin typeface="Montserrat" panose="00000500000000000000" pitchFamily="2" charset="0"/>
+              <a:latin typeface="Open Sans" panose="020B0606030504020204" pitchFamily="34" charset="0"/>
+              <a:ea typeface="Open Sans" panose="020B0606030504020204" pitchFamily="34" charset="0"/>
+              <a:cs typeface="Open Sans" panose="020B0606030504020204" pitchFamily="34" charset="0"/>
             </a:endParaRPr>
           </a:p>
         </p:txBody>
@@ -5714,14 +6506,14 @@
           <p:nvPr>
             <p:extLst>
               <p:ext uri="{D42A27DB-BD31-4B8C-83A1-F6EECF244321}">
-                <p14:modId xmlns:p14="http://schemas.microsoft.com/office/powerpoint/2010/main" val="2475347313"/>
+                <p14:modId xmlns:p14="http://schemas.microsoft.com/office/powerpoint/2010/main" val="2257897875"/>
               </p:ext>
             </p:extLst>
           </p:nvPr>
         </p:nvGraphicFramePr>
         <p:xfrm>
           <a:off x="1172368" y="3675988"/>
-          <a:ext cx="22042438" cy="7863840"/>
+          <a:ext cx="22042438" cy="8412480"/>
         </p:xfrm>
         <a:graphic>
           <a:graphicData uri="http://schemas.openxmlformats.org/drawingml/2006/table">
@@ -6084,7 +6876,7 @@
                         <a:rPr lang="fr-FR" dirty="0">
                           <a:latin typeface="Montserrat" panose="00000500000000000000" pitchFamily="2" charset="0"/>
                         </a:rPr>
-                        <a:t>Attribution du rang n au sommet S</a:t>
+                        <a:t>Attribution du rang courant au(x) sommet(s)</a:t>
                       </a:r>
                     </a:p>
                     <a:p>
@@ -6134,7 +6926,7 @@
                         <a:rPr lang="fr-FR" dirty="0">
                           <a:latin typeface="Montserrat" panose="00000500000000000000" pitchFamily="2" charset="0"/>
                         </a:rPr>
-                        <a:t>Liste des sommets restants est vide</a:t>
+                        <a:t>Liste des sommets à traiter est vide</a:t>
                       </a:r>
                     </a:p>
                     <a:p>
@@ -6280,36 +7072,6 @@
           </a:graphicData>
         </a:graphic>
       </p:graphicFrame>
-      <p:pic>
-        <p:nvPicPr>
-          <p:cNvPr id="6" name="Image 5">
-            <a:extLst>
-              <a:ext uri="{FF2B5EF4-FFF2-40B4-BE49-F238E27FC236}">
-                <a16:creationId xmlns:a16="http://schemas.microsoft.com/office/drawing/2014/main" id="{181AB5FD-6F4F-452B-AC10-C9AD962A0CEA}"/>
-              </a:ext>
-            </a:extLst>
-          </p:cNvPr>
-          <p:cNvPicPr>
-            <a:picLocks noChangeAspect="1"/>
-          </p:cNvPicPr>
-          <p:nvPr/>
-        </p:nvPicPr>
-        <p:blipFill>
-          <a:blip r:embed="rId2"/>
-          <a:stretch>
-            <a:fillRect/>
-          </a:stretch>
-        </p:blipFill>
-        <p:spPr>
-          <a:xfrm>
-            <a:off x="14797786" y="11805097"/>
-            <a:ext cx="6687261" cy="1595438"/>
-          </a:xfrm>
-          <a:prstGeom prst="rect">
-            <a:avLst/>
-          </a:prstGeom>
-        </p:spPr>
-      </p:pic>
     </p:spTree>
     <p:extLst>
       <p:ext uri="{BB962C8B-B14F-4D97-AF65-F5344CB8AC3E}">
@@ -6435,7 +7197,7 @@
         <p:spPr>
           <a:xfrm>
             <a:off x="1272209" y="3677479"/>
-            <a:ext cx="8905461" cy="9571851"/>
+            <a:ext cx="9133663" cy="9233297"/>
           </a:xfrm>
           <a:prstGeom prst="rect">
             <a:avLst/>
@@ -6448,253 +7210,479 @@
           <a:lstStyle/>
           <a:p>
             <a:r>
-              <a:rPr lang="fr-FR" sz="2800" dirty="0" err="1"/>
+              <a:rPr lang="fr-FR" sz="2700" dirty="0" err="1">
+                <a:latin typeface="Open Sans" panose="020B0606030504020204" pitchFamily="34" charset="0"/>
+                <a:ea typeface="Open Sans" panose="020B0606030504020204" pitchFamily="34" charset="0"/>
+                <a:cs typeface="Open Sans" panose="020B0606030504020204" pitchFamily="34" charset="0"/>
+              </a:rPr>
               <a:t>matTempo</a:t>
             </a:r>
             <a:r>
-              <a:rPr lang="fr-FR" sz="2800" dirty="0"/>
+              <a:rPr lang="fr-FR" sz="2700" dirty="0">
+                <a:latin typeface="Open Sans" panose="020B0606030504020204" pitchFamily="34" charset="0"/>
+                <a:ea typeface="Open Sans" panose="020B0606030504020204" pitchFamily="34" charset="0"/>
+                <a:cs typeface="Open Sans" panose="020B0606030504020204" pitchFamily="34" charset="0"/>
+              </a:rPr>
               <a:t> = </a:t>
             </a:r>
             <a:r>
-              <a:rPr lang="fr-FR" sz="2800" dirty="0" err="1"/>
+              <a:rPr lang="fr-FR" sz="2700" dirty="0" err="1">
+                <a:latin typeface="Open Sans" panose="020B0606030504020204" pitchFamily="34" charset="0"/>
+                <a:ea typeface="Open Sans" panose="020B0606030504020204" pitchFamily="34" charset="0"/>
+                <a:cs typeface="Open Sans" panose="020B0606030504020204" pitchFamily="34" charset="0"/>
+              </a:rPr>
               <a:t>matriceAdjacence</a:t>
             </a:r>
-            <a:endParaRPr lang="fr-FR" sz="2800" dirty="0"/>
-          </a:p>
-          <a:p>
-            <a:r>
-              <a:rPr lang="fr-FR" sz="2800" dirty="0"/>
+            <a:endParaRPr lang="fr-FR" sz="2700" dirty="0">
+              <a:latin typeface="Open Sans" panose="020B0606030504020204" pitchFamily="34" charset="0"/>
+              <a:ea typeface="Open Sans" panose="020B0606030504020204" pitchFamily="34" charset="0"/>
+              <a:cs typeface="Open Sans" panose="020B0606030504020204" pitchFamily="34" charset="0"/>
+            </a:endParaRPr>
+          </a:p>
+          <a:p>
+            <a:r>
+              <a:rPr lang="fr-FR" sz="2700" dirty="0">
+                <a:latin typeface="Open Sans" panose="020B0606030504020204" pitchFamily="34" charset="0"/>
+                <a:ea typeface="Open Sans" panose="020B0606030504020204" pitchFamily="34" charset="0"/>
+                <a:cs typeface="Open Sans" panose="020B0606030504020204" pitchFamily="34" charset="0"/>
+              </a:rPr>
               <a:t>pour chaque sommet i</a:t>
             </a:r>
           </a:p>
           <a:p>
             <a:r>
-              <a:rPr lang="fr-FR" sz="2800" dirty="0"/>
+              <a:rPr lang="fr-FR" sz="2700" dirty="0">
+                <a:latin typeface="Open Sans" panose="020B0606030504020204" pitchFamily="34" charset="0"/>
+                <a:ea typeface="Open Sans" panose="020B0606030504020204" pitchFamily="34" charset="0"/>
+                <a:cs typeface="Open Sans" panose="020B0606030504020204" pitchFamily="34" charset="0"/>
+              </a:rPr>
               <a:t>	</a:t>
             </a:r>
             <a:r>
-              <a:rPr lang="fr-FR" sz="2800" dirty="0" err="1"/>
+              <a:rPr lang="fr-FR" sz="2700" dirty="0" err="1">
+                <a:latin typeface="Open Sans" panose="020B0606030504020204" pitchFamily="34" charset="0"/>
+                <a:ea typeface="Open Sans" panose="020B0606030504020204" pitchFamily="34" charset="0"/>
+                <a:cs typeface="Open Sans" panose="020B0606030504020204" pitchFamily="34" charset="0"/>
+              </a:rPr>
               <a:t>listeTodo</a:t>
             </a:r>
             <a:r>
-              <a:rPr lang="fr-FR" sz="2800" dirty="0"/>
+              <a:rPr lang="fr-FR" sz="2700" dirty="0">
+                <a:latin typeface="Open Sans" panose="020B0606030504020204" pitchFamily="34" charset="0"/>
+                <a:ea typeface="Open Sans" panose="020B0606030504020204" pitchFamily="34" charset="0"/>
+                <a:cs typeface="Open Sans" panose="020B0606030504020204" pitchFamily="34" charset="0"/>
+              </a:rPr>
               <a:t> &lt;- i</a:t>
             </a:r>
           </a:p>
           <a:p>
             <a:r>
-              <a:rPr lang="fr-FR" sz="2800" dirty="0"/>
+              <a:rPr lang="fr-FR" sz="2700" dirty="0">
+                <a:latin typeface="Open Sans" panose="020B0606030504020204" pitchFamily="34" charset="0"/>
+                <a:ea typeface="Open Sans" panose="020B0606030504020204" pitchFamily="34" charset="0"/>
+                <a:cs typeface="Open Sans" panose="020B0606030504020204" pitchFamily="34" charset="0"/>
+              </a:rPr>
               <a:t>fin</a:t>
             </a:r>
           </a:p>
           <a:p>
             <a:r>
-              <a:rPr lang="fr-FR" sz="2800" dirty="0"/>
+              <a:rPr lang="fr-FR" sz="2700" dirty="0">
+                <a:latin typeface="Open Sans" panose="020B0606030504020204" pitchFamily="34" charset="0"/>
+                <a:ea typeface="Open Sans" panose="020B0606030504020204" pitchFamily="34" charset="0"/>
+                <a:cs typeface="Open Sans" panose="020B0606030504020204" pitchFamily="34" charset="0"/>
+              </a:rPr>
               <a:t>Faire</a:t>
             </a:r>
           </a:p>
           <a:p>
             <a:r>
-              <a:rPr lang="fr-FR" sz="2800" dirty="0"/>
+              <a:rPr lang="fr-FR" sz="2700" dirty="0">
+                <a:latin typeface="Open Sans" panose="020B0606030504020204" pitchFamily="34" charset="0"/>
+                <a:ea typeface="Open Sans" panose="020B0606030504020204" pitchFamily="34" charset="0"/>
+                <a:cs typeface="Open Sans" panose="020B0606030504020204" pitchFamily="34" charset="0"/>
+              </a:rPr>
               <a:t>	</a:t>
             </a:r>
             <a:r>
-              <a:rPr lang="fr-FR" sz="2800" dirty="0" err="1"/>
+              <a:rPr lang="fr-FR" sz="2700" dirty="0" err="1">
+                <a:latin typeface="Open Sans" panose="020B0606030504020204" pitchFamily="34" charset="0"/>
+                <a:ea typeface="Open Sans" panose="020B0606030504020204" pitchFamily="34" charset="0"/>
+                <a:cs typeface="Open Sans" panose="020B0606030504020204" pitchFamily="34" charset="0"/>
+              </a:rPr>
               <a:t>listeTodoPrec.clear</a:t>
             </a:r>
-            <a:endParaRPr lang="fr-FR" sz="2800" dirty="0"/>
-          </a:p>
-          <a:p>
-            <a:r>
-              <a:rPr lang="fr-FR" sz="2800" dirty="0"/>
+            <a:endParaRPr lang="fr-FR" sz="2700" dirty="0">
+              <a:latin typeface="Open Sans" panose="020B0606030504020204" pitchFamily="34" charset="0"/>
+              <a:ea typeface="Open Sans" panose="020B0606030504020204" pitchFamily="34" charset="0"/>
+              <a:cs typeface="Open Sans" panose="020B0606030504020204" pitchFamily="34" charset="0"/>
+            </a:endParaRPr>
+          </a:p>
+          <a:p>
+            <a:r>
+              <a:rPr lang="fr-FR" sz="2700" dirty="0">
+                <a:latin typeface="Open Sans" panose="020B0606030504020204" pitchFamily="34" charset="0"/>
+                <a:ea typeface="Open Sans" panose="020B0606030504020204" pitchFamily="34" charset="0"/>
+                <a:cs typeface="Open Sans" panose="020B0606030504020204" pitchFamily="34" charset="0"/>
+              </a:rPr>
               <a:t>	</a:t>
             </a:r>
             <a:r>
-              <a:rPr lang="fr-FR" sz="2800" dirty="0" err="1"/>
+              <a:rPr lang="fr-FR" sz="2700" dirty="0" err="1">
+                <a:latin typeface="Open Sans" panose="020B0606030504020204" pitchFamily="34" charset="0"/>
+                <a:ea typeface="Open Sans" panose="020B0606030504020204" pitchFamily="34" charset="0"/>
+                <a:cs typeface="Open Sans" panose="020B0606030504020204" pitchFamily="34" charset="0"/>
+              </a:rPr>
               <a:t>listeTodoPrec</a:t>
             </a:r>
             <a:r>
-              <a:rPr lang="fr-FR" sz="2800" dirty="0"/>
+              <a:rPr lang="fr-FR" sz="2700" dirty="0">
+                <a:latin typeface="Open Sans" panose="020B0606030504020204" pitchFamily="34" charset="0"/>
+                <a:ea typeface="Open Sans" panose="020B0606030504020204" pitchFamily="34" charset="0"/>
+                <a:cs typeface="Open Sans" panose="020B0606030504020204" pitchFamily="34" charset="0"/>
+              </a:rPr>
               <a:t> = </a:t>
             </a:r>
             <a:r>
-              <a:rPr lang="fr-FR" sz="2800" dirty="0" err="1"/>
+              <a:rPr lang="fr-FR" sz="2700" dirty="0" err="1">
+                <a:latin typeface="Open Sans" panose="020B0606030504020204" pitchFamily="34" charset="0"/>
+                <a:ea typeface="Open Sans" panose="020B0606030504020204" pitchFamily="34" charset="0"/>
+                <a:cs typeface="Open Sans" panose="020B0606030504020204" pitchFamily="34" charset="0"/>
+              </a:rPr>
               <a:t>listTodo</a:t>
             </a:r>
-            <a:endParaRPr lang="fr-FR" sz="2800" dirty="0"/>
-          </a:p>
-          <a:p>
-            <a:r>
-              <a:rPr lang="fr-FR" sz="2800" dirty="0"/>
+            <a:endParaRPr lang="fr-FR" sz="2700" dirty="0">
+              <a:latin typeface="Open Sans" panose="020B0606030504020204" pitchFamily="34" charset="0"/>
+              <a:ea typeface="Open Sans" panose="020B0606030504020204" pitchFamily="34" charset="0"/>
+              <a:cs typeface="Open Sans" panose="020B0606030504020204" pitchFamily="34" charset="0"/>
+            </a:endParaRPr>
+          </a:p>
+          <a:p>
+            <a:r>
+              <a:rPr lang="fr-FR" sz="2700" dirty="0">
+                <a:latin typeface="Open Sans" panose="020B0606030504020204" pitchFamily="34" charset="0"/>
+                <a:ea typeface="Open Sans" panose="020B0606030504020204" pitchFamily="34" charset="0"/>
+                <a:cs typeface="Open Sans" panose="020B0606030504020204" pitchFamily="34" charset="0"/>
+              </a:rPr>
               <a:t>	pour chaque sommet i </a:t>
             </a:r>
             <a:r>
-              <a:rPr lang="fr-FR" sz="2800" dirty="0">
+              <a:rPr lang="fr-FR" sz="2700" dirty="0">
+                <a:latin typeface="Open Sans" panose="020B0606030504020204" pitchFamily="34" charset="0"/>
+                <a:ea typeface="Open Sans" panose="020B0606030504020204" pitchFamily="34" charset="0"/>
+                <a:cs typeface="Open Sans" panose="020B0606030504020204" pitchFamily="34" charset="0"/>
                 <a:sym typeface="Symbol" panose="05050102010706020507" pitchFamily="18" charset="2"/>
               </a:rPr>
               <a:t></a:t>
             </a:r>
             <a:r>
-              <a:rPr lang="fr-FR" sz="2800" dirty="0"/>
+              <a:rPr lang="fr-FR" sz="2700" dirty="0">
+                <a:latin typeface="Open Sans" panose="020B0606030504020204" pitchFamily="34" charset="0"/>
+                <a:ea typeface="Open Sans" panose="020B0606030504020204" pitchFamily="34" charset="0"/>
+                <a:cs typeface="Open Sans" panose="020B0606030504020204" pitchFamily="34" charset="0"/>
+              </a:rPr>
               <a:t> </a:t>
             </a:r>
             <a:r>
-              <a:rPr lang="fr-FR" sz="2800" dirty="0" err="1"/>
+              <a:rPr lang="fr-FR" sz="2700" dirty="0" err="1">
+                <a:latin typeface="Open Sans" panose="020B0606030504020204" pitchFamily="34" charset="0"/>
+                <a:ea typeface="Open Sans" panose="020B0606030504020204" pitchFamily="34" charset="0"/>
+                <a:cs typeface="Open Sans" panose="020B0606030504020204" pitchFamily="34" charset="0"/>
+              </a:rPr>
               <a:t>listeTodo</a:t>
             </a:r>
-            <a:endParaRPr lang="fr-FR" sz="2800" dirty="0"/>
-          </a:p>
-          <a:p>
-            <a:r>
-              <a:rPr lang="fr-FR" sz="2800" dirty="0"/>
+            <a:endParaRPr lang="fr-FR" sz="2700" dirty="0">
+              <a:latin typeface="Open Sans" panose="020B0606030504020204" pitchFamily="34" charset="0"/>
+              <a:ea typeface="Open Sans" panose="020B0606030504020204" pitchFamily="34" charset="0"/>
+              <a:cs typeface="Open Sans" panose="020B0606030504020204" pitchFamily="34" charset="0"/>
+            </a:endParaRPr>
+          </a:p>
+          <a:p>
+            <a:r>
+              <a:rPr lang="fr-FR" sz="2700" dirty="0">
+                <a:latin typeface="Open Sans" panose="020B0606030504020204" pitchFamily="34" charset="0"/>
+                <a:ea typeface="Open Sans" panose="020B0606030504020204" pitchFamily="34" charset="0"/>
+                <a:cs typeface="Open Sans" panose="020B0606030504020204" pitchFamily="34" charset="0"/>
+              </a:rPr>
               <a:t>		si pas de </a:t>
             </a:r>
             <a:r>
-              <a:rPr lang="fr-FR" sz="2800" dirty="0" err="1"/>
+              <a:rPr lang="fr-FR" sz="2700" dirty="0" err="1">
+                <a:latin typeface="Open Sans" panose="020B0606030504020204" pitchFamily="34" charset="0"/>
+                <a:ea typeface="Open Sans" panose="020B0606030504020204" pitchFamily="34" charset="0"/>
+                <a:cs typeface="Open Sans" panose="020B0606030504020204" pitchFamily="34" charset="0"/>
+              </a:rPr>
               <a:t>predecesseur</a:t>
             </a:r>
-            <a:endParaRPr lang="fr-FR" sz="2800" dirty="0"/>
-          </a:p>
-          <a:p>
-            <a:r>
-              <a:rPr lang="fr-FR" sz="2800" dirty="0"/>
+            <a:endParaRPr lang="fr-FR" sz="2700" dirty="0">
+              <a:latin typeface="Open Sans" panose="020B0606030504020204" pitchFamily="34" charset="0"/>
+              <a:ea typeface="Open Sans" panose="020B0606030504020204" pitchFamily="34" charset="0"/>
+              <a:cs typeface="Open Sans" panose="020B0606030504020204" pitchFamily="34" charset="0"/>
+            </a:endParaRPr>
+          </a:p>
+          <a:p>
+            <a:r>
+              <a:rPr lang="fr-FR" sz="2700" dirty="0">
+                <a:latin typeface="Open Sans" panose="020B0606030504020204" pitchFamily="34" charset="0"/>
+                <a:ea typeface="Open Sans" panose="020B0606030504020204" pitchFamily="34" charset="0"/>
+                <a:cs typeface="Open Sans" panose="020B0606030504020204" pitchFamily="34" charset="0"/>
+              </a:rPr>
               <a:t>			</a:t>
             </a:r>
             <a:r>
-              <a:rPr lang="fr-FR" sz="2800" dirty="0" err="1"/>
+              <a:rPr lang="fr-FR" sz="2700" dirty="0" err="1">
+                <a:latin typeface="Open Sans" panose="020B0606030504020204" pitchFamily="34" charset="0"/>
+                <a:ea typeface="Open Sans" panose="020B0606030504020204" pitchFamily="34" charset="0"/>
+                <a:cs typeface="Open Sans" panose="020B0606030504020204" pitchFamily="34" charset="0"/>
+              </a:rPr>
               <a:t>listeDone</a:t>
             </a:r>
             <a:r>
-              <a:rPr lang="fr-FR" sz="2800" dirty="0"/>
+              <a:rPr lang="fr-FR" sz="2700" dirty="0">
+                <a:latin typeface="Open Sans" panose="020B0606030504020204" pitchFamily="34" charset="0"/>
+                <a:ea typeface="Open Sans" panose="020B0606030504020204" pitchFamily="34" charset="0"/>
+                <a:cs typeface="Open Sans" panose="020B0606030504020204" pitchFamily="34" charset="0"/>
+              </a:rPr>
               <a:t> &lt;- i</a:t>
             </a:r>
           </a:p>
           <a:p>
             <a:r>
-              <a:rPr lang="fr-FR" sz="2800" dirty="0"/>
+              <a:rPr lang="fr-FR" sz="2700" dirty="0">
+                <a:latin typeface="Open Sans" panose="020B0606030504020204" pitchFamily="34" charset="0"/>
+                <a:ea typeface="Open Sans" panose="020B0606030504020204" pitchFamily="34" charset="0"/>
+                <a:cs typeface="Open Sans" panose="020B0606030504020204" pitchFamily="34" charset="0"/>
+              </a:rPr>
               <a:t>		fin</a:t>
             </a:r>
           </a:p>
           <a:p>
             <a:r>
-              <a:rPr lang="fr-FR" sz="2800" dirty="0"/>
+              <a:rPr lang="fr-FR" sz="2700" dirty="0">
+                <a:latin typeface="Open Sans" panose="020B0606030504020204" pitchFamily="34" charset="0"/>
+                <a:ea typeface="Open Sans" panose="020B0606030504020204" pitchFamily="34" charset="0"/>
+                <a:cs typeface="Open Sans" panose="020B0606030504020204" pitchFamily="34" charset="0"/>
+              </a:rPr>
               <a:t>        	fin</a:t>
             </a:r>
           </a:p>
           <a:p>
             <a:r>
-              <a:rPr lang="fr-FR" sz="2800" dirty="0"/>
+              <a:rPr lang="fr-FR" sz="2700" dirty="0">
+                <a:latin typeface="Open Sans" panose="020B0606030504020204" pitchFamily="34" charset="0"/>
+                <a:ea typeface="Open Sans" panose="020B0606030504020204" pitchFamily="34" charset="0"/>
+                <a:cs typeface="Open Sans" panose="020B0606030504020204" pitchFamily="34" charset="0"/>
+              </a:rPr>
               <a:t>	pour chaque sommet i </a:t>
             </a:r>
             <a:r>
-              <a:rPr lang="fr-FR" sz="2800" dirty="0">
+              <a:rPr lang="fr-FR" sz="2700" dirty="0">
+                <a:latin typeface="Open Sans" panose="020B0606030504020204" pitchFamily="34" charset="0"/>
+                <a:ea typeface="Open Sans" panose="020B0606030504020204" pitchFamily="34" charset="0"/>
+                <a:cs typeface="Open Sans" panose="020B0606030504020204" pitchFamily="34" charset="0"/>
                 <a:sym typeface="Symbol" panose="05050102010706020507" pitchFamily="18" charset="2"/>
               </a:rPr>
               <a:t></a:t>
             </a:r>
             <a:r>
-              <a:rPr lang="fr-FR" sz="2800" dirty="0"/>
+              <a:rPr lang="fr-FR" sz="2700" dirty="0">
+                <a:latin typeface="Open Sans" panose="020B0606030504020204" pitchFamily="34" charset="0"/>
+                <a:ea typeface="Open Sans" panose="020B0606030504020204" pitchFamily="34" charset="0"/>
+                <a:cs typeface="Open Sans" panose="020B0606030504020204" pitchFamily="34" charset="0"/>
+              </a:rPr>
               <a:t> </a:t>
             </a:r>
             <a:r>
-              <a:rPr lang="fr-FR" sz="2800" dirty="0" err="1"/>
+              <a:rPr lang="fr-FR" sz="2700" dirty="0" err="1">
+                <a:latin typeface="Open Sans" panose="020B0606030504020204" pitchFamily="34" charset="0"/>
+                <a:ea typeface="Open Sans" panose="020B0606030504020204" pitchFamily="34" charset="0"/>
+                <a:cs typeface="Open Sans" panose="020B0606030504020204" pitchFamily="34" charset="0"/>
+              </a:rPr>
               <a:t>listeDone</a:t>
             </a:r>
-            <a:endParaRPr lang="fr-FR" sz="2800" dirty="0"/>
-          </a:p>
-          <a:p>
-            <a:r>
-              <a:rPr lang="fr-FR" sz="2800" dirty="0"/>
+            <a:endParaRPr lang="fr-FR" sz="2700" dirty="0">
+              <a:latin typeface="Open Sans" panose="020B0606030504020204" pitchFamily="34" charset="0"/>
+              <a:ea typeface="Open Sans" panose="020B0606030504020204" pitchFamily="34" charset="0"/>
+              <a:cs typeface="Open Sans" panose="020B0606030504020204" pitchFamily="34" charset="0"/>
+            </a:endParaRPr>
+          </a:p>
+          <a:p>
+            <a:r>
+              <a:rPr lang="fr-FR" sz="2700" dirty="0">
+                <a:latin typeface="Open Sans" panose="020B0606030504020204" pitchFamily="34" charset="0"/>
+                <a:ea typeface="Open Sans" panose="020B0606030504020204" pitchFamily="34" charset="0"/>
+                <a:cs typeface="Open Sans" panose="020B0606030504020204" pitchFamily="34" charset="0"/>
+              </a:rPr>
               <a:t>		pour j allant de 0 à nbSommet-1</a:t>
             </a:r>
           </a:p>
           <a:p>
             <a:r>
-              <a:rPr lang="fr-FR" sz="2800" dirty="0"/>
+              <a:rPr lang="fr-FR" sz="2700" dirty="0">
+                <a:latin typeface="Open Sans" panose="020B0606030504020204" pitchFamily="34" charset="0"/>
+                <a:ea typeface="Open Sans" panose="020B0606030504020204" pitchFamily="34" charset="0"/>
+                <a:cs typeface="Open Sans" panose="020B0606030504020204" pitchFamily="34" charset="0"/>
+              </a:rPr>
               <a:t>			</a:t>
             </a:r>
             <a:r>
-              <a:rPr lang="fr-FR" sz="2800" dirty="0" err="1"/>
+              <a:rPr lang="fr-FR" sz="2700" dirty="0" err="1">
+                <a:latin typeface="Open Sans" panose="020B0606030504020204" pitchFamily="34" charset="0"/>
+                <a:ea typeface="Open Sans" panose="020B0606030504020204" pitchFamily="34" charset="0"/>
+                <a:cs typeface="Open Sans" panose="020B0606030504020204" pitchFamily="34" charset="0"/>
+              </a:rPr>
               <a:t>matTempo</a:t>
             </a:r>
             <a:r>
-              <a:rPr lang="fr-FR" sz="2800" dirty="0"/>
+              <a:rPr lang="fr-FR" sz="2700" dirty="0">
+                <a:latin typeface="Open Sans" panose="020B0606030504020204" pitchFamily="34" charset="0"/>
+                <a:ea typeface="Open Sans" panose="020B0606030504020204" pitchFamily="34" charset="0"/>
+                <a:cs typeface="Open Sans" panose="020B0606030504020204" pitchFamily="34" charset="0"/>
+              </a:rPr>
               <a:t>[i][j] = -1</a:t>
             </a:r>
           </a:p>
           <a:p>
             <a:r>
-              <a:rPr lang="fr-FR" sz="2800" dirty="0"/>
+              <a:rPr lang="fr-FR" sz="2700" dirty="0">
+                <a:latin typeface="Open Sans" panose="020B0606030504020204" pitchFamily="34" charset="0"/>
+                <a:ea typeface="Open Sans" panose="020B0606030504020204" pitchFamily="34" charset="0"/>
+                <a:cs typeface="Open Sans" panose="020B0606030504020204" pitchFamily="34" charset="0"/>
+              </a:rPr>
               <a:t>			</a:t>
             </a:r>
             <a:r>
-              <a:rPr lang="fr-FR" sz="2800" dirty="0" err="1"/>
+              <a:rPr lang="fr-FR" sz="2700" dirty="0" err="1">
+                <a:latin typeface="Open Sans" panose="020B0606030504020204" pitchFamily="34" charset="0"/>
+                <a:ea typeface="Open Sans" panose="020B0606030504020204" pitchFamily="34" charset="0"/>
+                <a:cs typeface="Open Sans" panose="020B0606030504020204" pitchFamily="34" charset="0"/>
+              </a:rPr>
               <a:t>matTempo</a:t>
             </a:r>
             <a:r>
-              <a:rPr lang="fr-FR" sz="2800" dirty="0"/>
+              <a:rPr lang="fr-FR" sz="2700" dirty="0">
+                <a:latin typeface="Open Sans" panose="020B0606030504020204" pitchFamily="34" charset="0"/>
+                <a:ea typeface="Open Sans" panose="020B0606030504020204" pitchFamily="34" charset="0"/>
+                <a:cs typeface="Open Sans" panose="020B0606030504020204" pitchFamily="34" charset="0"/>
+              </a:rPr>
               <a:t>[j][i] = -1</a:t>
             </a:r>
           </a:p>
           <a:p>
             <a:r>
-              <a:rPr lang="fr-FR" sz="2800" dirty="0"/>
+              <a:rPr lang="fr-FR" sz="2700" dirty="0">
+                <a:latin typeface="Open Sans" panose="020B0606030504020204" pitchFamily="34" charset="0"/>
+                <a:ea typeface="Open Sans" panose="020B0606030504020204" pitchFamily="34" charset="0"/>
+                <a:cs typeface="Open Sans" panose="020B0606030504020204" pitchFamily="34" charset="0"/>
+              </a:rPr>
               <a:t>            		fin</a:t>
             </a:r>
           </a:p>
           <a:p>
             <a:r>
-              <a:rPr lang="fr-FR" sz="2800" dirty="0"/>
+              <a:rPr lang="fr-FR" sz="2700" dirty="0">
+                <a:latin typeface="Open Sans" panose="020B0606030504020204" pitchFamily="34" charset="0"/>
+                <a:ea typeface="Open Sans" panose="020B0606030504020204" pitchFamily="34" charset="0"/>
+                <a:cs typeface="Open Sans" panose="020B0606030504020204" pitchFamily="34" charset="0"/>
+              </a:rPr>
               <a:t>        	fin</a:t>
             </a:r>
           </a:p>
           <a:p>
             <a:r>
-              <a:rPr lang="fr-FR" sz="2800" dirty="0"/>
+              <a:rPr lang="fr-FR" sz="2700" dirty="0">
+                <a:latin typeface="Open Sans" panose="020B0606030504020204" pitchFamily="34" charset="0"/>
+                <a:ea typeface="Open Sans" panose="020B0606030504020204" pitchFamily="34" charset="0"/>
+                <a:cs typeface="Open Sans" panose="020B0606030504020204" pitchFamily="34" charset="0"/>
+              </a:rPr>
               <a:t>	pour chaque sommet i de </a:t>
             </a:r>
             <a:r>
-              <a:rPr lang="fr-FR" sz="2800" dirty="0" err="1"/>
+              <a:rPr lang="fr-FR" sz="2700" dirty="0" err="1">
+                <a:latin typeface="Open Sans" panose="020B0606030504020204" pitchFamily="34" charset="0"/>
+                <a:ea typeface="Open Sans" panose="020B0606030504020204" pitchFamily="34" charset="0"/>
+                <a:cs typeface="Open Sans" panose="020B0606030504020204" pitchFamily="34" charset="0"/>
+              </a:rPr>
               <a:t>listeDone</a:t>
             </a:r>
-            <a:endParaRPr lang="fr-FR" sz="2800" dirty="0"/>
-          </a:p>
-          <a:p>
-            <a:r>
-              <a:rPr lang="fr-FR" sz="2800" dirty="0"/>
+            <a:endParaRPr lang="fr-FR" sz="2700" dirty="0">
+              <a:latin typeface="Open Sans" panose="020B0606030504020204" pitchFamily="34" charset="0"/>
+              <a:ea typeface="Open Sans" panose="020B0606030504020204" pitchFamily="34" charset="0"/>
+              <a:cs typeface="Open Sans" panose="020B0606030504020204" pitchFamily="34" charset="0"/>
+            </a:endParaRPr>
+          </a:p>
+          <a:p>
+            <a:r>
+              <a:rPr lang="fr-FR" sz="2700" dirty="0">
+                <a:latin typeface="Open Sans" panose="020B0606030504020204" pitchFamily="34" charset="0"/>
+                <a:ea typeface="Open Sans" panose="020B0606030504020204" pitchFamily="34" charset="0"/>
+                <a:cs typeface="Open Sans" panose="020B0606030504020204" pitchFamily="34" charset="0"/>
+              </a:rPr>
               <a:t>		suppression de i dans </a:t>
             </a:r>
             <a:r>
-              <a:rPr lang="fr-FR" sz="2800" dirty="0" err="1"/>
+              <a:rPr lang="fr-FR" sz="2700" dirty="0" err="1">
+                <a:latin typeface="Open Sans" panose="020B0606030504020204" pitchFamily="34" charset="0"/>
+                <a:ea typeface="Open Sans" panose="020B0606030504020204" pitchFamily="34" charset="0"/>
+                <a:cs typeface="Open Sans" panose="020B0606030504020204" pitchFamily="34" charset="0"/>
+              </a:rPr>
               <a:t>listeTodo</a:t>
             </a:r>
-            <a:endParaRPr lang="fr-FR" sz="2800" dirty="0"/>
-          </a:p>
-          <a:p>
-            <a:r>
-              <a:rPr lang="fr-FR" sz="2800" dirty="0"/>
+            <a:endParaRPr lang="fr-FR" sz="2700" dirty="0">
+              <a:latin typeface="Open Sans" panose="020B0606030504020204" pitchFamily="34" charset="0"/>
+              <a:ea typeface="Open Sans" panose="020B0606030504020204" pitchFamily="34" charset="0"/>
+              <a:cs typeface="Open Sans" panose="020B0606030504020204" pitchFamily="34" charset="0"/>
+            </a:endParaRPr>
+          </a:p>
+          <a:p>
+            <a:r>
+              <a:rPr lang="fr-FR" sz="2700" dirty="0">
+                <a:latin typeface="Open Sans" panose="020B0606030504020204" pitchFamily="34" charset="0"/>
+                <a:ea typeface="Open Sans" panose="020B0606030504020204" pitchFamily="34" charset="0"/>
+                <a:cs typeface="Open Sans" panose="020B0606030504020204" pitchFamily="34" charset="0"/>
+              </a:rPr>
               <a:t>	fin</a:t>
             </a:r>
           </a:p>
           <a:p>
             <a:r>
-              <a:rPr lang="fr-FR" sz="2800" dirty="0"/>
+              <a:rPr lang="fr-FR" sz="2700" dirty="0">
+                <a:latin typeface="Open Sans" panose="020B0606030504020204" pitchFamily="34" charset="0"/>
+                <a:ea typeface="Open Sans" panose="020B0606030504020204" pitchFamily="34" charset="0"/>
+                <a:cs typeface="Open Sans" panose="020B0606030504020204" pitchFamily="34" charset="0"/>
+              </a:rPr>
               <a:t>tant que(</a:t>
             </a:r>
             <a:r>
-              <a:rPr lang="fr-FR" sz="2800" dirty="0" err="1"/>
+              <a:rPr lang="fr-FR" sz="2700" dirty="0" err="1">
+                <a:latin typeface="Open Sans" panose="020B0606030504020204" pitchFamily="34" charset="0"/>
+                <a:ea typeface="Open Sans" panose="020B0606030504020204" pitchFamily="34" charset="0"/>
+                <a:cs typeface="Open Sans" panose="020B0606030504020204" pitchFamily="34" charset="0"/>
+              </a:rPr>
               <a:t>listeTodoPrec</a:t>
             </a:r>
             <a:r>
-              <a:rPr lang="fr-FR" sz="2800" dirty="0"/>
+              <a:rPr lang="fr-FR" sz="2700" dirty="0">
+                <a:latin typeface="Open Sans" panose="020B0606030504020204" pitchFamily="34" charset="0"/>
+                <a:ea typeface="Open Sans" panose="020B0606030504020204" pitchFamily="34" charset="0"/>
+                <a:cs typeface="Open Sans" panose="020B0606030504020204" pitchFamily="34" charset="0"/>
+              </a:rPr>
               <a:t> = </a:t>
             </a:r>
             <a:r>
-              <a:rPr lang="fr-FR" sz="2800" dirty="0" err="1"/>
+              <a:rPr lang="fr-FR" sz="2700" dirty="0" err="1">
+                <a:latin typeface="Open Sans" panose="020B0606030504020204" pitchFamily="34" charset="0"/>
+                <a:ea typeface="Open Sans" panose="020B0606030504020204" pitchFamily="34" charset="0"/>
+                <a:cs typeface="Open Sans" panose="020B0606030504020204" pitchFamily="34" charset="0"/>
+              </a:rPr>
               <a:t>listeTodo</a:t>
             </a:r>
             <a:r>
-              <a:rPr lang="fr-FR" sz="2800" dirty="0"/>
+              <a:rPr lang="fr-FR" sz="2700" dirty="0">
+                <a:latin typeface="Open Sans" panose="020B0606030504020204" pitchFamily="34" charset="0"/>
+                <a:ea typeface="Open Sans" panose="020B0606030504020204" pitchFamily="34" charset="0"/>
+                <a:cs typeface="Open Sans" panose="020B0606030504020204" pitchFamily="34" charset="0"/>
+              </a:rPr>
               <a:t>)</a:t>
             </a:r>
           </a:p>
@@ -6728,45 +7716,85 @@
           <a:lstStyle/>
           <a:p>
             <a:r>
-              <a:rPr lang="fr-FR" sz="2800" dirty="0"/>
+              <a:rPr lang="fr-FR" sz="2800" dirty="0">
+                <a:latin typeface="Open Sans" panose="020B0606030504020204" pitchFamily="34" charset="0"/>
+                <a:ea typeface="Open Sans" panose="020B0606030504020204" pitchFamily="34" charset="0"/>
+                <a:cs typeface="Open Sans" panose="020B0606030504020204" pitchFamily="34" charset="0"/>
+              </a:rPr>
               <a:t>si </a:t>
             </a:r>
             <a:r>
-              <a:rPr lang="fr-FR" sz="2800" dirty="0" err="1"/>
+              <a:rPr lang="fr-FR" sz="2800" dirty="0" err="1">
+                <a:latin typeface="Open Sans" panose="020B0606030504020204" pitchFamily="34" charset="0"/>
+                <a:ea typeface="Open Sans" panose="020B0606030504020204" pitchFamily="34" charset="0"/>
+                <a:cs typeface="Open Sans" panose="020B0606030504020204" pitchFamily="34" charset="0"/>
+              </a:rPr>
               <a:t>listeTodo</a:t>
             </a:r>
             <a:r>
-              <a:rPr lang="fr-FR" sz="2800" dirty="0"/>
+              <a:rPr lang="fr-FR" sz="2800" dirty="0">
+                <a:latin typeface="Open Sans" panose="020B0606030504020204" pitchFamily="34" charset="0"/>
+                <a:ea typeface="Open Sans" panose="020B0606030504020204" pitchFamily="34" charset="0"/>
+                <a:cs typeface="Open Sans" panose="020B0606030504020204" pitchFamily="34" charset="0"/>
+              </a:rPr>
               <a:t> est vide</a:t>
             </a:r>
           </a:p>
           <a:p>
             <a:r>
-              <a:rPr lang="fr-FR" sz="2800" dirty="0"/>
+              <a:rPr lang="fr-FR" sz="2800" dirty="0">
+                <a:latin typeface="Open Sans" panose="020B0606030504020204" pitchFamily="34" charset="0"/>
+                <a:ea typeface="Open Sans" panose="020B0606030504020204" pitchFamily="34" charset="0"/>
+                <a:cs typeface="Open Sans" panose="020B0606030504020204" pitchFamily="34" charset="0"/>
+              </a:rPr>
               <a:t>	return false</a:t>
             </a:r>
           </a:p>
           <a:p>
             <a:r>
-              <a:rPr lang="fr-FR" sz="2800" dirty="0" err="1"/>
+              <a:rPr lang="fr-FR" sz="2800" dirty="0" err="1">
+                <a:latin typeface="Open Sans" panose="020B0606030504020204" pitchFamily="34" charset="0"/>
+                <a:ea typeface="Open Sans" panose="020B0606030504020204" pitchFamily="34" charset="0"/>
+                <a:cs typeface="Open Sans" panose="020B0606030504020204" pitchFamily="34" charset="0"/>
+              </a:rPr>
               <a:t>else</a:t>
             </a:r>
-            <a:endParaRPr lang="fr-FR" sz="2800" dirty="0"/>
-          </a:p>
-          <a:p>
-            <a:r>
-              <a:rPr lang="fr-FR" sz="2800" dirty="0"/>
+            <a:endParaRPr lang="fr-FR" sz="2800" dirty="0">
+              <a:latin typeface="Open Sans" panose="020B0606030504020204" pitchFamily="34" charset="0"/>
+              <a:ea typeface="Open Sans" panose="020B0606030504020204" pitchFamily="34" charset="0"/>
+              <a:cs typeface="Open Sans" panose="020B0606030504020204" pitchFamily="34" charset="0"/>
+            </a:endParaRPr>
+          </a:p>
+          <a:p>
+            <a:r>
+              <a:rPr lang="fr-FR" sz="2800" dirty="0">
+                <a:latin typeface="Open Sans" panose="020B0606030504020204" pitchFamily="34" charset="0"/>
+                <a:ea typeface="Open Sans" panose="020B0606030504020204" pitchFamily="34" charset="0"/>
+                <a:cs typeface="Open Sans" panose="020B0606030504020204" pitchFamily="34" charset="0"/>
+              </a:rPr>
               <a:t>	return </a:t>
             </a:r>
             <a:r>
-              <a:rPr lang="fr-FR" sz="2800" dirty="0" err="1"/>
+              <a:rPr lang="fr-FR" sz="2800" dirty="0" err="1">
+                <a:latin typeface="Open Sans" panose="020B0606030504020204" pitchFamily="34" charset="0"/>
+                <a:ea typeface="Open Sans" panose="020B0606030504020204" pitchFamily="34" charset="0"/>
+                <a:cs typeface="Open Sans" panose="020B0606030504020204" pitchFamily="34" charset="0"/>
+              </a:rPr>
               <a:t>true</a:t>
             </a:r>
-            <a:endParaRPr lang="fr-FR" sz="2800" dirty="0"/>
-          </a:p>
-          <a:p>
-            <a:r>
-              <a:rPr lang="fr-FR" sz="2800" dirty="0"/>
+            <a:endParaRPr lang="fr-FR" sz="2800" dirty="0">
+              <a:latin typeface="Open Sans" panose="020B0606030504020204" pitchFamily="34" charset="0"/>
+              <a:ea typeface="Open Sans" panose="020B0606030504020204" pitchFamily="34" charset="0"/>
+              <a:cs typeface="Open Sans" panose="020B0606030504020204" pitchFamily="34" charset="0"/>
+            </a:endParaRPr>
+          </a:p>
+          <a:p>
+            <a:r>
+              <a:rPr lang="fr-FR" sz="2800" dirty="0">
+                <a:latin typeface="Open Sans" panose="020B0606030504020204" pitchFamily="34" charset="0"/>
+                <a:ea typeface="Open Sans" panose="020B0606030504020204" pitchFamily="34" charset="0"/>
+                <a:cs typeface="Open Sans" panose="020B0606030504020204" pitchFamily="34" charset="0"/>
+              </a:rPr>
               <a:t>fin</a:t>
             </a:r>
           </a:p>

--- a/A4_Presentation.pptx
+++ b/A4_Presentation.pptx
@@ -5,7 +5,7 @@
     <p:sldMasterId id="2147483660" r:id="rId1"/>
   </p:sldMasterIdLst>
   <p:handoutMasterIdLst>
-    <p:handoutMasterId r:id="rId17"/>
+    <p:handoutMasterId r:id="rId19"/>
   </p:handoutMasterIdLst>
   <p:sldIdLst>
     <p:sldId id="280" r:id="rId2"/>
@@ -21,8 +21,10 @@
     <p:sldId id="285" r:id="rId12"/>
     <p:sldId id="286" r:id="rId13"/>
     <p:sldId id="289" r:id="rId14"/>
-    <p:sldId id="287" r:id="rId15"/>
-    <p:sldId id="290" r:id="rId16"/>
+    <p:sldId id="296" r:id="rId15"/>
+    <p:sldId id="297" r:id="rId16"/>
+    <p:sldId id="287" r:id="rId17"/>
+    <p:sldId id="290" r:id="rId18"/>
   </p:sldIdLst>
   <p:sldSz cx="24387175" cy="13716000"/>
   <p:notesSz cx="6858000" cy="9144000"/>
@@ -788,12 +790,12 @@
           </a:ln>
           <a:extLst>
             <a:ext uri="{909E8E84-426E-40dd-AFC4-6F175D3DCCD1}">
-              <a14:hiddenFill xmlns:a14="http://schemas.microsoft.com/office/drawing/2010/main" xmlns="">
+              <a14:hiddenFill xmlns="" xmlns:a14="http://schemas.microsoft.com/office/drawing/2010/main">
                 <a:noFill/>
               </a14:hiddenFill>
             </a:ext>
             <a:ext uri="{91240B29-F687-4f45-9708-019B960494DF}">
-              <a14:hiddenLine xmlns:a14="http://schemas.microsoft.com/office/drawing/2010/main" xmlns="" w="9525">
+              <a14:hiddenLine xmlns="" xmlns:a14="http://schemas.microsoft.com/office/drawing/2010/main" w="9525">
                 <a:solidFill>
                   <a:srgbClr val="000000"/>
                 </a:solidFill>
@@ -838,12 +840,12 @@
           </a:ln>
           <a:extLst>
             <a:ext uri="{909E8E84-426E-40dd-AFC4-6F175D3DCCD1}">
-              <a14:hiddenFill xmlns:a14="http://schemas.microsoft.com/office/drawing/2010/main" xmlns="">
+              <a14:hiddenFill xmlns="" xmlns:a14="http://schemas.microsoft.com/office/drawing/2010/main">
                 <a:noFill/>
               </a14:hiddenFill>
             </a:ext>
             <a:ext uri="{91240B29-F687-4f45-9708-019B960494DF}">
-              <a14:hiddenLine xmlns:a14="http://schemas.microsoft.com/office/drawing/2010/main" xmlns="" w="9525">
+              <a14:hiddenLine xmlns="" xmlns:a14="http://schemas.microsoft.com/office/drawing/2010/main" w="9525">
                 <a:solidFill>
                   <a:srgbClr val="000000"/>
                 </a:solidFill>
@@ -1370,11 +1372,14 @@
             </a:r>
           </a:p>
           <a:p>
-            <a:endParaRPr lang="fr-FR" sz="2800" dirty="0">
-              <a:latin typeface="Open Sans" panose="020B0606030504020204" pitchFamily="34" charset="0"/>
-              <a:ea typeface="Open Sans" panose="020B0606030504020204" pitchFamily="34" charset="0"/>
-              <a:cs typeface="Open Sans" panose="020B0606030504020204" pitchFamily="34" charset="0"/>
-            </a:endParaRPr>
+            <a:r>
+              <a:rPr lang="fr-FR" sz="2800" dirty="0">
+                <a:latin typeface="Open Sans" panose="020B0606030504020204" pitchFamily="34" charset="0"/>
+                <a:ea typeface="Open Sans" panose="020B0606030504020204" pitchFamily="34" charset="0"/>
+                <a:cs typeface="Open Sans" panose="020B0606030504020204" pitchFamily="34" charset="0"/>
+              </a:rPr>
+              <a:t>…</a:t>
+            </a:r>
           </a:p>
         </p:txBody>
       </p:sp>
@@ -1393,7 +1398,7 @@
         <p:spPr>
           <a:xfrm>
             <a:off x="13141915" y="2815521"/>
-            <a:ext cx="10279444" cy="9325630"/>
+            <a:ext cx="10279444" cy="9787295"/>
           </a:xfrm>
           <a:prstGeom prst="rect">
             <a:avLst/>
@@ -1404,6 +1409,16 @@
             <a:spAutoFit/>
           </a:bodyPr>
           <a:lstStyle/>
+          <a:p>
+            <a:r>
+              <a:rPr lang="fr-FR" sz="3000" dirty="0">
+                <a:latin typeface="Open Sans" panose="020B0606030504020204" pitchFamily="34" charset="0"/>
+                <a:ea typeface="Open Sans" panose="020B0606030504020204" pitchFamily="34" charset="0"/>
+                <a:cs typeface="Open Sans" panose="020B0606030504020204" pitchFamily="34" charset="0"/>
+              </a:rPr>
+              <a:t>…</a:t>
+            </a:r>
+          </a:p>
           <a:p>
             <a:r>
               <a:rPr lang="fr-FR" sz="3000" dirty="0">
@@ -2463,6 +2478,14 @@
 <file path=ppt/slides/slide13.xml><?xml version="1.0" encoding="utf-8"?>
 <p:sld xmlns:a="http://schemas.openxmlformats.org/drawingml/2006/main" xmlns:r="http://schemas.openxmlformats.org/officeDocument/2006/relationships" xmlns:p="http://schemas.openxmlformats.org/presentationml/2006/main">
   <p:cSld>
+    <p:bg>
+      <p:bgPr>
+        <a:solidFill>
+          <a:srgbClr val="0070C0"/>
+        </a:solidFill>
+        <a:effectLst/>
+      </p:bgPr>
+    </p:bg>
     <p:spTree>
       <p:nvGrpSpPr>
         <p:cNvPr id="1" name=""/>
@@ -3035,6 +3058,1469 @@
       </p:grpSpPr>
       <p:sp>
         <p:nvSpPr>
+          <p:cNvPr id="3" name="ZoneTexte 2">
+            <a:extLst>
+              <a:ext uri="{FF2B5EF4-FFF2-40B4-BE49-F238E27FC236}">
+                <a16:creationId xmlns:a16="http://schemas.microsoft.com/office/drawing/2014/main" id="{168B7E97-4894-436F-9382-6A92F4014357}"/>
+              </a:ext>
+            </a:extLst>
+          </p:cNvPr>
+          <p:cNvSpPr txBox="1"/>
+          <p:nvPr/>
+        </p:nvSpPr>
+        <p:spPr>
+          <a:xfrm>
+            <a:off x="2375271" y="1113184"/>
+            <a:ext cx="17880677" cy="1046440"/>
+          </a:xfrm>
+          <a:prstGeom prst="rect">
+            <a:avLst/>
+          </a:prstGeom>
+          <a:noFill/>
+        </p:spPr>
+        <p:txBody>
+          <a:bodyPr wrap="square" rtlCol="0">
+            <a:spAutoFit/>
+          </a:bodyPr>
+          <a:lstStyle/>
+          <a:p>
+            <a:r>
+              <a:rPr lang="fr-FR" sz="6200" b="1" dirty="0">
+                <a:latin typeface="Montserrat" panose="00000500000000000000" pitchFamily="2" charset="0"/>
+              </a:rPr>
+              <a:t>V : Méthode de l’ordonnancement</a:t>
+            </a:r>
+          </a:p>
+        </p:txBody>
+      </p:sp>
+      <p:sp>
+        <p:nvSpPr>
+          <p:cNvPr id="4" name="Oval 58">
+            <a:extLst>
+              <a:ext uri="{FF2B5EF4-FFF2-40B4-BE49-F238E27FC236}">
+                <a16:creationId xmlns:a16="http://schemas.microsoft.com/office/drawing/2014/main" id="{B07BAEF7-F2F1-4129-850F-39566CB7AE7B}"/>
+              </a:ext>
+            </a:extLst>
+          </p:cNvPr>
+          <p:cNvSpPr/>
+          <p:nvPr/>
+        </p:nvSpPr>
+        <p:spPr>
+          <a:xfrm>
+            <a:off x="1673229" y="3765604"/>
+            <a:ext cx="1074332" cy="1074611"/>
+          </a:xfrm>
+          <a:prstGeom prst="ellipse">
+            <a:avLst/>
+          </a:prstGeom>
+          <a:noFill/>
+          <a:ln w="28575">
+            <a:solidFill>
+              <a:schemeClr val="tx1"/>
+            </a:solidFill>
+          </a:ln>
+        </p:spPr>
+        <p:style>
+          <a:lnRef idx="2">
+            <a:schemeClr val="accent1">
+              <a:shade val="50000"/>
+            </a:schemeClr>
+          </a:lnRef>
+          <a:fillRef idx="1">
+            <a:schemeClr val="accent1"/>
+          </a:fillRef>
+          <a:effectRef idx="0">
+            <a:schemeClr val="accent1"/>
+          </a:effectRef>
+          <a:fontRef idx="minor">
+            <a:schemeClr val="lt1"/>
+          </a:fontRef>
+        </p:style>
+        <p:txBody>
+          <a:bodyPr rtlCol="0" anchor="ctr"/>
+          <a:lstStyle/>
+          <a:p>
+            <a:pPr algn="ctr"/>
+            <a:endParaRPr lang="en-US" sz="2900" dirty="0">
+              <a:latin typeface="Montserrat Light" charset="0"/>
+              <a:ea typeface="Montserrat Light" charset="0"/>
+              <a:cs typeface="Montserrat Light" charset="0"/>
+            </a:endParaRPr>
+          </a:p>
+        </p:txBody>
+      </p:sp>
+      <p:sp>
+        <p:nvSpPr>
+          <p:cNvPr id="5" name="ZoneTexte 4">
+            <a:extLst>
+              <a:ext uri="{FF2B5EF4-FFF2-40B4-BE49-F238E27FC236}">
+                <a16:creationId xmlns:a16="http://schemas.microsoft.com/office/drawing/2014/main" id="{F680C0E6-F5ED-46B1-BB6D-14E0E90DF401}"/>
+              </a:ext>
+            </a:extLst>
+          </p:cNvPr>
+          <p:cNvSpPr txBox="1"/>
+          <p:nvPr/>
+        </p:nvSpPr>
+        <p:spPr>
+          <a:xfrm>
+            <a:off x="1827648" y="3856634"/>
+            <a:ext cx="765494" cy="892552"/>
+          </a:xfrm>
+          <a:prstGeom prst="rect">
+            <a:avLst/>
+          </a:prstGeom>
+          <a:noFill/>
+        </p:spPr>
+        <p:txBody>
+          <a:bodyPr wrap="square" rtlCol="0">
+            <a:spAutoFit/>
+          </a:bodyPr>
+          <a:lstStyle/>
+          <a:p>
+            <a:pPr algn="ctr"/>
+            <a:r>
+              <a:rPr lang="fr-FR" sz="5200" b="1" dirty="0">
+                <a:latin typeface="Montserrat" panose="00000500000000000000" pitchFamily="2" charset="0"/>
+              </a:rPr>
+              <a:t>1</a:t>
+            </a:r>
+          </a:p>
+        </p:txBody>
+      </p:sp>
+      <p:sp>
+        <p:nvSpPr>
+          <p:cNvPr id="6" name="ZoneTexte 5">
+            <a:extLst>
+              <a:ext uri="{FF2B5EF4-FFF2-40B4-BE49-F238E27FC236}">
+                <a16:creationId xmlns:a16="http://schemas.microsoft.com/office/drawing/2014/main" id="{110C598B-31D9-45EA-92EE-E3CCB76B189C}"/>
+              </a:ext>
+            </a:extLst>
+          </p:cNvPr>
+          <p:cNvSpPr txBox="1"/>
+          <p:nvPr/>
+        </p:nvSpPr>
+        <p:spPr>
+          <a:xfrm>
+            <a:off x="3813175" y="3702744"/>
+            <a:ext cx="7456472" cy="1200329"/>
+          </a:xfrm>
+          <a:prstGeom prst="rect">
+            <a:avLst/>
+          </a:prstGeom>
+          <a:noFill/>
+        </p:spPr>
+        <p:txBody>
+          <a:bodyPr wrap="square" rtlCol="0">
+            <a:spAutoFit/>
+          </a:bodyPr>
+          <a:lstStyle/>
+          <a:p>
+            <a:r>
+              <a:rPr lang="fr-FR" dirty="0">
+                <a:latin typeface="Open Sans" panose="020B0606030504020204" pitchFamily="34" charset="0"/>
+                <a:ea typeface="Open Sans" panose="020B0606030504020204" pitchFamily="34" charset="0"/>
+                <a:cs typeface="Open Sans" panose="020B0606030504020204" pitchFamily="34" charset="0"/>
+              </a:rPr>
+              <a:t>Récupération de la liste des prédécesseurs</a:t>
+            </a:r>
+          </a:p>
+        </p:txBody>
+      </p:sp>
+      <p:sp>
+        <p:nvSpPr>
+          <p:cNvPr id="8" name="Oval 58">
+            <a:extLst>
+              <a:ext uri="{FF2B5EF4-FFF2-40B4-BE49-F238E27FC236}">
+                <a16:creationId xmlns:a16="http://schemas.microsoft.com/office/drawing/2014/main" id="{C7DDF454-155F-4E61-AFEC-FEA3F830D8B6}"/>
+              </a:ext>
+            </a:extLst>
+          </p:cNvPr>
+          <p:cNvSpPr/>
+          <p:nvPr/>
+        </p:nvSpPr>
+        <p:spPr>
+          <a:xfrm>
+            <a:off x="1653792" y="10439313"/>
+            <a:ext cx="1074332" cy="1074611"/>
+          </a:xfrm>
+          <a:prstGeom prst="ellipse">
+            <a:avLst/>
+          </a:prstGeom>
+          <a:noFill/>
+          <a:ln w="28575">
+            <a:solidFill>
+              <a:schemeClr val="tx1"/>
+            </a:solidFill>
+          </a:ln>
+        </p:spPr>
+        <p:style>
+          <a:lnRef idx="2">
+            <a:schemeClr val="accent1">
+              <a:shade val="50000"/>
+            </a:schemeClr>
+          </a:lnRef>
+          <a:fillRef idx="1">
+            <a:schemeClr val="accent1"/>
+          </a:fillRef>
+          <a:effectRef idx="0">
+            <a:schemeClr val="accent1"/>
+          </a:effectRef>
+          <a:fontRef idx="minor">
+            <a:schemeClr val="lt1"/>
+          </a:fontRef>
+        </p:style>
+        <p:txBody>
+          <a:bodyPr rtlCol="0" anchor="ctr"/>
+          <a:lstStyle/>
+          <a:p>
+            <a:pPr algn="ctr"/>
+            <a:endParaRPr lang="en-US" sz="2900" dirty="0">
+              <a:latin typeface="Montserrat Light" charset="0"/>
+              <a:ea typeface="Montserrat Light" charset="0"/>
+              <a:cs typeface="Montserrat Light" charset="0"/>
+            </a:endParaRPr>
+          </a:p>
+        </p:txBody>
+      </p:sp>
+      <p:sp>
+        <p:nvSpPr>
+          <p:cNvPr id="9" name="ZoneTexte 8">
+            <a:extLst>
+              <a:ext uri="{FF2B5EF4-FFF2-40B4-BE49-F238E27FC236}">
+                <a16:creationId xmlns:a16="http://schemas.microsoft.com/office/drawing/2014/main" id="{F4424929-5651-49E7-8B2F-63484DFC02E3}"/>
+              </a:ext>
+            </a:extLst>
+          </p:cNvPr>
+          <p:cNvSpPr txBox="1"/>
+          <p:nvPr/>
+        </p:nvSpPr>
+        <p:spPr>
+          <a:xfrm>
+            <a:off x="3813175" y="10439492"/>
+            <a:ext cx="7456472" cy="1200329"/>
+          </a:xfrm>
+          <a:prstGeom prst="rect">
+            <a:avLst/>
+          </a:prstGeom>
+          <a:noFill/>
+        </p:spPr>
+        <p:txBody>
+          <a:bodyPr wrap="square" rtlCol="0">
+            <a:spAutoFit/>
+          </a:bodyPr>
+          <a:lstStyle/>
+          <a:p>
+            <a:r>
+              <a:rPr lang="fr-FR" dirty="0">
+                <a:latin typeface="Open Sans" panose="020B0606030504020204" pitchFamily="34" charset="0"/>
+                <a:ea typeface="Open Sans" panose="020B0606030504020204" pitchFamily="34" charset="0"/>
+                <a:cs typeface="Open Sans" panose="020B0606030504020204" pitchFamily="34" charset="0"/>
+              </a:rPr>
+              <a:t>Récupération de la tâche de chaque prédécesseurs</a:t>
+            </a:r>
+          </a:p>
+        </p:txBody>
+      </p:sp>
+      <p:sp>
+        <p:nvSpPr>
+          <p:cNvPr id="10" name="ZoneTexte 9">
+            <a:extLst>
+              <a:ext uri="{FF2B5EF4-FFF2-40B4-BE49-F238E27FC236}">
+                <a16:creationId xmlns:a16="http://schemas.microsoft.com/office/drawing/2014/main" id="{D7B59304-604B-48E2-BDA1-4BACBADAC7DD}"/>
+              </a:ext>
+            </a:extLst>
+          </p:cNvPr>
+          <p:cNvSpPr txBox="1"/>
+          <p:nvPr/>
+        </p:nvSpPr>
+        <p:spPr>
+          <a:xfrm>
+            <a:off x="1808211" y="10530341"/>
+            <a:ext cx="765494" cy="892552"/>
+          </a:xfrm>
+          <a:prstGeom prst="rect">
+            <a:avLst/>
+          </a:prstGeom>
+          <a:noFill/>
+        </p:spPr>
+        <p:txBody>
+          <a:bodyPr wrap="square" rtlCol="0">
+            <a:spAutoFit/>
+          </a:bodyPr>
+          <a:lstStyle/>
+          <a:p>
+            <a:pPr algn="ctr"/>
+            <a:r>
+              <a:rPr lang="fr-FR" sz="5200" b="1" dirty="0">
+                <a:latin typeface="Montserrat" panose="00000500000000000000" pitchFamily="2" charset="0"/>
+              </a:rPr>
+              <a:t>2</a:t>
+            </a:r>
+          </a:p>
+        </p:txBody>
+      </p:sp>
+      <p:sp>
+        <p:nvSpPr>
+          <p:cNvPr id="12" name="Rectangle 11">
+            <a:extLst>
+              <a:ext uri="{FF2B5EF4-FFF2-40B4-BE49-F238E27FC236}">
+                <a16:creationId xmlns:a16="http://schemas.microsoft.com/office/drawing/2014/main" id="{193DAD89-4DD8-47EB-9C8D-35040D650EF0}"/>
+              </a:ext>
+            </a:extLst>
+          </p:cNvPr>
+          <p:cNvSpPr/>
+          <p:nvPr/>
+        </p:nvSpPr>
+        <p:spPr>
+          <a:xfrm>
+            <a:off x="13247048" y="2729880"/>
+            <a:ext cx="9466898" cy="4708981"/>
+          </a:xfrm>
+          <a:prstGeom prst="rect">
+            <a:avLst/>
+          </a:prstGeom>
+        </p:spPr>
+        <p:txBody>
+          <a:bodyPr wrap="square">
+            <a:spAutoFit/>
+          </a:bodyPr>
+          <a:lstStyle/>
+          <a:p>
+            <a:r>
+              <a:rPr lang="fr-FR" sz="3000" dirty="0" err="1">
+                <a:latin typeface="Open Sans" panose="020B0606030504020204" pitchFamily="34" charset="0"/>
+                <a:ea typeface="Open Sans" panose="020B0606030504020204" pitchFamily="34" charset="0"/>
+                <a:cs typeface="Open Sans" panose="020B0606030504020204" pitchFamily="34" charset="0"/>
+              </a:rPr>
+              <a:t>array</a:t>
+            </a:r>
+            <a:r>
+              <a:rPr lang="fr-FR" sz="3000" dirty="0">
+                <a:latin typeface="Open Sans" panose="020B0606030504020204" pitchFamily="34" charset="0"/>
+                <a:ea typeface="Open Sans" panose="020B0606030504020204" pitchFamily="34" charset="0"/>
+                <a:cs typeface="Open Sans" panose="020B0606030504020204" pitchFamily="34" charset="0"/>
+              </a:rPr>
+              <a:t>[2][</a:t>
+            </a:r>
+            <a:r>
+              <a:rPr lang="fr-FR" sz="3000" dirty="0" err="1">
+                <a:latin typeface="Open Sans" panose="020B0606030504020204" pitchFamily="34" charset="0"/>
+                <a:ea typeface="Open Sans" panose="020B0606030504020204" pitchFamily="34" charset="0"/>
+                <a:cs typeface="Open Sans" panose="020B0606030504020204" pitchFamily="34" charset="0"/>
+              </a:rPr>
+              <a:t>nbSommet</a:t>
+            </a:r>
+            <a:r>
+              <a:rPr lang="fr-FR" sz="3000" dirty="0">
+                <a:latin typeface="Open Sans" panose="020B0606030504020204" pitchFamily="34" charset="0"/>
+                <a:ea typeface="Open Sans" panose="020B0606030504020204" pitchFamily="34" charset="0"/>
+                <a:cs typeface="Open Sans" panose="020B0606030504020204" pitchFamily="34" charset="0"/>
+              </a:rPr>
+              <a:t>]</a:t>
+            </a:r>
+          </a:p>
+          <a:p>
+            <a:r>
+              <a:rPr lang="fr-FR" sz="3000" dirty="0" err="1">
+                <a:latin typeface="Open Sans" panose="020B0606030504020204" pitchFamily="34" charset="0"/>
+                <a:ea typeface="Open Sans" panose="020B0606030504020204" pitchFamily="34" charset="0"/>
+                <a:cs typeface="Open Sans" panose="020B0606030504020204" pitchFamily="34" charset="0"/>
+              </a:rPr>
+              <a:t>array</a:t>
+            </a:r>
+            <a:r>
+              <a:rPr lang="fr-FR" sz="3000" dirty="0">
+                <a:latin typeface="Open Sans" panose="020B0606030504020204" pitchFamily="34" charset="0"/>
+                <a:ea typeface="Open Sans" panose="020B0606030504020204" pitchFamily="34" charset="0"/>
+                <a:cs typeface="Open Sans" panose="020B0606030504020204" pitchFamily="34" charset="0"/>
+              </a:rPr>
+              <a:t>[0][0] = -1;</a:t>
+            </a:r>
+          </a:p>
+          <a:p>
+            <a:r>
+              <a:rPr lang="fr-FR" sz="3000" dirty="0" err="1">
+                <a:latin typeface="Open Sans" panose="020B0606030504020204" pitchFamily="34" charset="0"/>
+                <a:ea typeface="Open Sans" panose="020B0606030504020204" pitchFamily="34" charset="0"/>
+                <a:cs typeface="Open Sans" panose="020B0606030504020204" pitchFamily="34" charset="0"/>
+              </a:rPr>
+              <a:t>array</a:t>
+            </a:r>
+            <a:r>
+              <a:rPr lang="fr-FR" sz="3000" dirty="0">
+                <a:latin typeface="Open Sans" panose="020B0606030504020204" pitchFamily="34" charset="0"/>
+                <a:ea typeface="Open Sans" panose="020B0606030504020204" pitchFamily="34" charset="0"/>
+                <a:cs typeface="Open Sans" panose="020B0606030504020204" pitchFamily="34" charset="0"/>
+              </a:rPr>
+              <a:t>[1][0] = 0;</a:t>
+            </a:r>
+          </a:p>
+          <a:p>
+            <a:r>
+              <a:rPr lang="fr-FR" sz="3000" dirty="0">
+                <a:latin typeface="Open Sans" panose="020B0606030504020204" pitchFamily="34" charset="0"/>
+                <a:ea typeface="Open Sans" panose="020B0606030504020204" pitchFamily="34" charset="0"/>
+                <a:cs typeface="Open Sans" panose="020B0606030504020204" pitchFamily="34" charset="0"/>
+              </a:rPr>
+              <a:t>pour i allant 1 à nbSommet-1</a:t>
+            </a:r>
+          </a:p>
+          <a:p>
+            <a:r>
+              <a:rPr lang="fr-FR" sz="3000" dirty="0">
+                <a:latin typeface="Open Sans" panose="020B0606030504020204" pitchFamily="34" charset="0"/>
+                <a:ea typeface="Open Sans" panose="020B0606030504020204" pitchFamily="34" charset="0"/>
+                <a:cs typeface="Open Sans" panose="020B0606030504020204" pitchFamily="34" charset="0"/>
+              </a:rPr>
+              <a:t>    pour j allant 0 à nbSommet-1</a:t>
+            </a:r>
+          </a:p>
+          <a:p>
+            <a:r>
+              <a:rPr lang="fr-FR" sz="3000" dirty="0">
+                <a:latin typeface="Open Sans" panose="020B0606030504020204" pitchFamily="34" charset="0"/>
+                <a:ea typeface="Open Sans" panose="020B0606030504020204" pitchFamily="34" charset="0"/>
+                <a:cs typeface="Open Sans" panose="020B0606030504020204" pitchFamily="34" charset="0"/>
+              </a:rPr>
+              <a:t>        si </a:t>
+            </a:r>
+            <a:r>
+              <a:rPr lang="fr-FR" sz="3000" dirty="0" err="1">
+                <a:latin typeface="Open Sans" panose="020B0606030504020204" pitchFamily="34" charset="0"/>
+                <a:ea typeface="Open Sans" panose="020B0606030504020204" pitchFamily="34" charset="0"/>
+                <a:cs typeface="Open Sans" panose="020B0606030504020204" pitchFamily="34" charset="0"/>
+              </a:rPr>
+              <a:t>matriceAdjacence</a:t>
+            </a:r>
+            <a:r>
+              <a:rPr lang="fr-FR" sz="3000" dirty="0">
+                <a:latin typeface="Open Sans" panose="020B0606030504020204" pitchFamily="34" charset="0"/>
+                <a:ea typeface="Open Sans" panose="020B0606030504020204" pitchFamily="34" charset="0"/>
+                <a:cs typeface="Open Sans" panose="020B0606030504020204" pitchFamily="34" charset="0"/>
+              </a:rPr>
+              <a:t>[j][</a:t>
+            </a:r>
+            <a:r>
+              <a:rPr lang="fr-FR" sz="3000" dirty="0" err="1">
+                <a:latin typeface="Open Sans" panose="020B0606030504020204" pitchFamily="34" charset="0"/>
+                <a:ea typeface="Open Sans" panose="020B0606030504020204" pitchFamily="34" charset="0"/>
+                <a:cs typeface="Open Sans" panose="020B0606030504020204" pitchFamily="34" charset="0"/>
+              </a:rPr>
+              <a:t>sommetOrdonne</a:t>
+            </a:r>
+            <a:r>
+              <a:rPr lang="fr-FR" sz="3000" dirty="0">
+                <a:latin typeface="Open Sans" panose="020B0606030504020204" pitchFamily="34" charset="0"/>
+                <a:ea typeface="Open Sans" panose="020B0606030504020204" pitchFamily="34" charset="0"/>
+                <a:cs typeface="Open Sans" panose="020B0606030504020204" pitchFamily="34" charset="0"/>
+              </a:rPr>
+              <a:t>[i]] == 1</a:t>
+            </a:r>
+          </a:p>
+          <a:p>
+            <a:r>
+              <a:rPr lang="fr-FR" sz="3000" dirty="0">
+                <a:latin typeface="Open Sans" panose="020B0606030504020204" pitchFamily="34" charset="0"/>
+                <a:ea typeface="Open Sans" panose="020B0606030504020204" pitchFamily="34" charset="0"/>
+                <a:cs typeface="Open Sans" panose="020B0606030504020204" pitchFamily="34" charset="0"/>
+              </a:rPr>
+              <a:t>            ajout j à </a:t>
+            </a:r>
+            <a:r>
+              <a:rPr lang="fr-FR" sz="3000" dirty="0" err="1">
+                <a:latin typeface="Open Sans" panose="020B0606030504020204" pitchFamily="34" charset="0"/>
+                <a:ea typeface="Open Sans" panose="020B0606030504020204" pitchFamily="34" charset="0"/>
+                <a:cs typeface="Open Sans" panose="020B0606030504020204" pitchFamily="34" charset="0"/>
+              </a:rPr>
+              <a:t>listePred</a:t>
+            </a:r>
+            <a:endParaRPr lang="fr-FR" sz="3000" dirty="0">
+              <a:latin typeface="Open Sans" panose="020B0606030504020204" pitchFamily="34" charset="0"/>
+              <a:ea typeface="Open Sans" panose="020B0606030504020204" pitchFamily="34" charset="0"/>
+              <a:cs typeface="Open Sans" panose="020B0606030504020204" pitchFamily="34" charset="0"/>
+            </a:endParaRPr>
+          </a:p>
+          <a:p>
+            <a:r>
+              <a:rPr lang="fr-FR" sz="3000" dirty="0">
+                <a:latin typeface="Open Sans" panose="020B0606030504020204" pitchFamily="34" charset="0"/>
+                <a:ea typeface="Open Sans" panose="020B0606030504020204" pitchFamily="34" charset="0"/>
+                <a:cs typeface="Open Sans" panose="020B0606030504020204" pitchFamily="34" charset="0"/>
+              </a:rPr>
+              <a:t>        fin</a:t>
+            </a:r>
+          </a:p>
+          <a:p>
+            <a:r>
+              <a:rPr lang="fr-FR" sz="3000" dirty="0">
+                <a:latin typeface="Open Sans" panose="020B0606030504020204" pitchFamily="34" charset="0"/>
+                <a:ea typeface="Open Sans" panose="020B0606030504020204" pitchFamily="34" charset="0"/>
+                <a:cs typeface="Open Sans" panose="020B0606030504020204" pitchFamily="34" charset="0"/>
+              </a:rPr>
+              <a:t>    fin</a:t>
+            </a:r>
+          </a:p>
+          <a:p>
+            <a:r>
+              <a:rPr lang="fr-FR" sz="3000" dirty="0">
+                <a:latin typeface="Open Sans" panose="020B0606030504020204" pitchFamily="34" charset="0"/>
+                <a:ea typeface="Open Sans" panose="020B0606030504020204" pitchFamily="34" charset="0"/>
+                <a:cs typeface="Open Sans" panose="020B0606030504020204" pitchFamily="34" charset="0"/>
+              </a:rPr>
+              <a:t>    …</a:t>
+            </a:r>
+          </a:p>
+        </p:txBody>
+      </p:sp>
+      <p:sp>
+        <p:nvSpPr>
+          <p:cNvPr id="18" name="Rectangle 17">
+            <a:extLst>
+              <a:ext uri="{FF2B5EF4-FFF2-40B4-BE49-F238E27FC236}">
+                <a16:creationId xmlns:a16="http://schemas.microsoft.com/office/drawing/2014/main" id="{3151004C-E138-4A08-82E2-A31630CBDDFB}"/>
+              </a:ext>
+            </a:extLst>
+          </p:cNvPr>
+          <p:cNvSpPr/>
+          <p:nvPr/>
+        </p:nvSpPr>
+        <p:spPr>
+          <a:xfrm>
+            <a:off x="13247048" y="9653178"/>
+            <a:ext cx="8857578" cy="2400657"/>
+          </a:xfrm>
+          <a:prstGeom prst="rect">
+            <a:avLst/>
+          </a:prstGeom>
+        </p:spPr>
+        <p:txBody>
+          <a:bodyPr wrap="square">
+            <a:spAutoFit/>
+          </a:bodyPr>
+          <a:lstStyle/>
+          <a:p>
+            <a:r>
+              <a:rPr lang="fr-FR" sz="3000" dirty="0"/>
+              <a:t>    …</a:t>
+            </a:r>
+          </a:p>
+          <a:p>
+            <a:r>
+              <a:rPr lang="fr-FR" sz="3000" dirty="0"/>
+              <a:t>    pour chaque sommet j de </a:t>
+            </a:r>
+            <a:r>
+              <a:rPr lang="fr-FR" sz="3000" dirty="0" err="1"/>
+              <a:t>listePred</a:t>
+            </a:r>
+            <a:endParaRPr lang="fr-FR" sz="3000" dirty="0"/>
+          </a:p>
+          <a:p>
+            <a:r>
+              <a:rPr lang="fr-FR" sz="3000" dirty="0"/>
+              <a:t>           ajoute valeur de la tache de j à </a:t>
+            </a:r>
+            <a:r>
+              <a:rPr lang="fr-FR" sz="3000" dirty="0" err="1"/>
+              <a:t>listeTache</a:t>
+            </a:r>
+            <a:endParaRPr lang="fr-FR" sz="3000" dirty="0"/>
+          </a:p>
+          <a:p>
+            <a:r>
+              <a:rPr lang="fr-FR" sz="3000" dirty="0"/>
+              <a:t>    fin</a:t>
+            </a:r>
+          </a:p>
+          <a:p>
+            <a:r>
+              <a:rPr lang="fr-FR" sz="3000" dirty="0"/>
+              <a:t>    …</a:t>
+            </a:r>
+          </a:p>
+        </p:txBody>
+      </p:sp>
+    </p:spTree>
+    <p:extLst>
+      <p:ext uri="{BB962C8B-B14F-4D97-AF65-F5344CB8AC3E}">
+        <p14:creationId xmlns:p14="http://schemas.microsoft.com/office/powerpoint/2010/main" val="596645117"/>
+      </p:ext>
+    </p:extLst>
+  </p:cSld>
+  <p:clrMapOvr>
+    <a:masterClrMapping/>
+  </p:clrMapOvr>
+</p:sld>
+</file>
+
+<file path=ppt/slides/slide15.xml><?xml version="1.0" encoding="utf-8"?>
+<p:sld xmlns:a="http://schemas.openxmlformats.org/drawingml/2006/main" xmlns:r="http://schemas.openxmlformats.org/officeDocument/2006/relationships" xmlns:p="http://schemas.openxmlformats.org/presentationml/2006/main">
+  <p:cSld>
+    <p:spTree>
+      <p:nvGrpSpPr>
+        <p:cNvPr id="1" name=""/>
+        <p:cNvGrpSpPr/>
+        <p:nvPr/>
+      </p:nvGrpSpPr>
+      <p:grpSpPr>
+        <a:xfrm>
+          <a:off x="0" y="0"/>
+          <a:ext cx="0" cy="0"/>
+          <a:chOff x="0" y="0"/>
+          <a:chExt cx="0" cy="0"/>
+        </a:xfrm>
+      </p:grpSpPr>
+      <p:sp>
+        <p:nvSpPr>
+          <p:cNvPr id="2" name="Oval 58">
+            <a:extLst>
+              <a:ext uri="{FF2B5EF4-FFF2-40B4-BE49-F238E27FC236}">
+                <a16:creationId xmlns:a16="http://schemas.microsoft.com/office/drawing/2014/main" id="{AD70A230-82AA-4409-B505-7464F553F4FB}"/>
+              </a:ext>
+            </a:extLst>
+          </p:cNvPr>
+          <p:cNvSpPr/>
+          <p:nvPr/>
+        </p:nvSpPr>
+        <p:spPr>
+          <a:xfrm>
+            <a:off x="1653792" y="3382571"/>
+            <a:ext cx="1074332" cy="1074611"/>
+          </a:xfrm>
+          <a:prstGeom prst="ellipse">
+            <a:avLst/>
+          </a:prstGeom>
+          <a:noFill/>
+          <a:ln w="28575">
+            <a:solidFill>
+              <a:schemeClr val="tx1"/>
+            </a:solidFill>
+          </a:ln>
+        </p:spPr>
+        <p:style>
+          <a:lnRef idx="2">
+            <a:schemeClr val="accent1">
+              <a:shade val="50000"/>
+            </a:schemeClr>
+          </a:lnRef>
+          <a:fillRef idx="1">
+            <a:schemeClr val="accent1"/>
+          </a:fillRef>
+          <a:effectRef idx="0">
+            <a:schemeClr val="accent1"/>
+          </a:effectRef>
+          <a:fontRef idx="minor">
+            <a:schemeClr val="lt1"/>
+          </a:fontRef>
+        </p:style>
+        <p:txBody>
+          <a:bodyPr rtlCol="0" anchor="ctr"/>
+          <a:lstStyle/>
+          <a:p>
+            <a:pPr algn="ctr"/>
+            <a:endParaRPr lang="en-US" sz="2900" dirty="0">
+              <a:latin typeface="Montserrat Light" charset="0"/>
+              <a:ea typeface="Montserrat Light" charset="0"/>
+              <a:cs typeface="Montserrat Light" charset="0"/>
+            </a:endParaRPr>
+          </a:p>
+        </p:txBody>
+      </p:sp>
+      <p:sp>
+        <p:nvSpPr>
+          <p:cNvPr id="3" name="ZoneTexte 2">
+            <a:extLst>
+              <a:ext uri="{FF2B5EF4-FFF2-40B4-BE49-F238E27FC236}">
+                <a16:creationId xmlns:a16="http://schemas.microsoft.com/office/drawing/2014/main" id="{62CE75D2-956A-4E80-9E11-FFB45D9A9023}"/>
+              </a:ext>
+            </a:extLst>
+          </p:cNvPr>
+          <p:cNvSpPr txBox="1"/>
+          <p:nvPr/>
+        </p:nvSpPr>
+        <p:spPr>
+          <a:xfrm>
+            <a:off x="3813175" y="3498039"/>
+            <a:ext cx="7456472" cy="646331"/>
+          </a:xfrm>
+          <a:prstGeom prst="rect">
+            <a:avLst/>
+          </a:prstGeom>
+          <a:noFill/>
+        </p:spPr>
+        <p:txBody>
+          <a:bodyPr wrap="square" rtlCol="0">
+            <a:spAutoFit/>
+          </a:bodyPr>
+          <a:lstStyle/>
+          <a:p>
+            <a:r>
+              <a:rPr lang="fr-FR" dirty="0">
+                <a:latin typeface="Open Sans" panose="020B0606030504020204" pitchFamily="34" charset="0"/>
+                <a:ea typeface="Open Sans" panose="020B0606030504020204" pitchFamily="34" charset="0"/>
+                <a:cs typeface="Open Sans" panose="020B0606030504020204" pitchFamily="34" charset="0"/>
+              </a:rPr>
+              <a:t>Calcul des dates au plus tôt</a:t>
+            </a:r>
+          </a:p>
+        </p:txBody>
+      </p:sp>
+      <p:sp>
+        <p:nvSpPr>
+          <p:cNvPr id="8" name="ZoneTexte 7">
+            <a:extLst>
+              <a:ext uri="{FF2B5EF4-FFF2-40B4-BE49-F238E27FC236}">
+                <a16:creationId xmlns:a16="http://schemas.microsoft.com/office/drawing/2014/main" id="{F7CEAE41-B470-4249-9F67-341B9FDE0E2E}"/>
+              </a:ext>
+            </a:extLst>
+          </p:cNvPr>
+          <p:cNvSpPr txBox="1"/>
+          <p:nvPr/>
+        </p:nvSpPr>
+        <p:spPr>
+          <a:xfrm>
+            <a:off x="1808211" y="3473599"/>
+            <a:ext cx="765494" cy="892552"/>
+          </a:xfrm>
+          <a:prstGeom prst="rect">
+            <a:avLst/>
+          </a:prstGeom>
+          <a:noFill/>
+        </p:spPr>
+        <p:txBody>
+          <a:bodyPr wrap="square" rtlCol="0">
+            <a:spAutoFit/>
+          </a:bodyPr>
+          <a:lstStyle/>
+          <a:p>
+            <a:pPr algn="ctr"/>
+            <a:r>
+              <a:rPr lang="fr-FR" sz="5200" b="1" dirty="0">
+                <a:latin typeface="Montserrat" panose="00000500000000000000" pitchFamily="2" charset="0"/>
+              </a:rPr>
+              <a:t>3</a:t>
+            </a:r>
+          </a:p>
+        </p:txBody>
+      </p:sp>
+      <p:sp>
+        <p:nvSpPr>
+          <p:cNvPr id="9" name="Oval 58">
+            <a:extLst>
+              <a:ext uri="{FF2B5EF4-FFF2-40B4-BE49-F238E27FC236}">
+                <a16:creationId xmlns:a16="http://schemas.microsoft.com/office/drawing/2014/main" id="{314E2FB6-B01F-4137-9F9C-AF384FC63B9A}"/>
+              </a:ext>
+            </a:extLst>
+          </p:cNvPr>
+          <p:cNvSpPr/>
+          <p:nvPr/>
+        </p:nvSpPr>
+        <p:spPr>
+          <a:xfrm>
+            <a:off x="1653792" y="9456163"/>
+            <a:ext cx="1074332" cy="1074611"/>
+          </a:xfrm>
+          <a:prstGeom prst="ellipse">
+            <a:avLst/>
+          </a:prstGeom>
+          <a:noFill/>
+          <a:ln w="28575">
+            <a:solidFill>
+              <a:schemeClr val="tx1"/>
+            </a:solidFill>
+          </a:ln>
+        </p:spPr>
+        <p:style>
+          <a:lnRef idx="2">
+            <a:schemeClr val="accent1">
+              <a:shade val="50000"/>
+            </a:schemeClr>
+          </a:lnRef>
+          <a:fillRef idx="1">
+            <a:schemeClr val="accent1"/>
+          </a:fillRef>
+          <a:effectRef idx="0">
+            <a:schemeClr val="accent1"/>
+          </a:effectRef>
+          <a:fontRef idx="minor">
+            <a:schemeClr val="lt1"/>
+          </a:fontRef>
+        </p:style>
+        <p:txBody>
+          <a:bodyPr rtlCol="0" anchor="ctr"/>
+          <a:lstStyle/>
+          <a:p>
+            <a:pPr algn="ctr"/>
+            <a:endParaRPr lang="en-US" sz="2900" dirty="0">
+              <a:latin typeface="Montserrat Light" charset="0"/>
+              <a:ea typeface="Montserrat Light" charset="0"/>
+              <a:cs typeface="Montserrat Light" charset="0"/>
+            </a:endParaRPr>
+          </a:p>
+        </p:txBody>
+      </p:sp>
+      <p:sp>
+        <p:nvSpPr>
+          <p:cNvPr id="10" name="ZoneTexte 9">
+            <a:extLst>
+              <a:ext uri="{FF2B5EF4-FFF2-40B4-BE49-F238E27FC236}">
+                <a16:creationId xmlns:a16="http://schemas.microsoft.com/office/drawing/2014/main" id="{EA7305AA-C91D-4327-93CA-B854F5AF5A82}"/>
+              </a:ext>
+            </a:extLst>
+          </p:cNvPr>
+          <p:cNvSpPr txBox="1"/>
+          <p:nvPr/>
+        </p:nvSpPr>
+        <p:spPr>
+          <a:xfrm>
+            <a:off x="3813175" y="9571631"/>
+            <a:ext cx="7456472" cy="1200329"/>
+          </a:xfrm>
+          <a:prstGeom prst="rect">
+            <a:avLst/>
+          </a:prstGeom>
+          <a:noFill/>
+        </p:spPr>
+        <p:txBody>
+          <a:bodyPr wrap="square" rtlCol="0">
+            <a:spAutoFit/>
+          </a:bodyPr>
+          <a:lstStyle/>
+          <a:p>
+            <a:r>
+              <a:rPr lang="fr-FR" dirty="0">
+                <a:latin typeface="Open Sans" panose="020B0606030504020204" pitchFamily="34" charset="0"/>
+                <a:ea typeface="Open Sans" panose="020B0606030504020204" pitchFamily="34" charset="0"/>
+                <a:cs typeface="Open Sans" panose="020B0606030504020204" pitchFamily="34" charset="0"/>
+              </a:rPr>
+              <a:t>Conservation de la date au plus tôt maximale</a:t>
+            </a:r>
+          </a:p>
+        </p:txBody>
+      </p:sp>
+      <p:sp>
+        <p:nvSpPr>
+          <p:cNvPr id="11" name="ZoneTexte 10">
+            <a:extLst>
+              <a:ext uri="{FF2B5EF4-FFF2-40B4-BE49-F238E27FC236}">
+                <a16:creationId xmlns:a16="http://schemas.microsoft.com/office/drawing/2014/main" id="{D1E9F0AC-D027-4719-AF38-04C4EBDAC40B}"/>
+              </a:ext>
+            </a:extLst>
+          </p:cNvPr>
+          <p:cNvSpPr txBox="1"/>
+          <p:nvPr/>
+        </p:nvSpPr>
+        <p:spPr>
+          <a:xfrm>
+            <a:off x="1808211" y="9547191"/>
+            <a:ext cx="765494" cy="892552"/>
+          </a:xfrm>
+          <a:prstGeom prst="rect">
+            <a:avLst/>
+          </a:prstGeom>
+          <a:noFill/>
+        </p:spPr>
+        <p:txBody>
+          <a:bodyPr wrap="square" rtlCol="0">
+            <a:spAutoFit/>
+          </a:bodyPr>
+          <a:lstStyle/>
+          <a:p>
+            <a:pPr algn="ctr"/>
+            <a:r>
+              <a:rPr lang="fr-FR" sz="5200" b="1" dirty="0">
+                <a:latin typeface="Montserrat" panose="00000500000000000000" pitchFamily="2" charset="0"/>
+              </a:rPr>
+              <a:t>4</a:t>
+            </a:r>
+          </a:p>
+        </p:txBody>
+      </p:sp>
+      <p:sp>
+        <p:nvSpPr>
+          <p:cNvPr id="12" name="Rectangle 11">
+            <a:extLst>
+              <a:ext uri="{FF2B5EF4-FFF2-40B4-BE49-F238E27FC236}">
+                <a16:creationId xmlns:a16="http://schemas.microsoft.com/office/drawing/2014/main" id="{9EC294B9-4D95-43E2-9035-3C4E7B2F0ED4}"/>
+              </a:ext>
+            </a:extLst>
+          </p:cNvPr>
+          <p:cNvSpPr/>
+          <p:nvPr/>
+        </p:nvSpPr>
+        <p:spPr>
+          <a:xfrm>
+            <a:off x="11556827" y="1565384"/>
+            <a:ext cx="13160736" cy="5170646"/>
+          </a:xfrm>
+          <a:prstGeom prst="rect">
+            <a:avLst/>
+          </a:prstGeom>
+        </p:spPr>
+        <p:txBody>
+          <a:bodyPr wrap="square">
+            <a:spAutoFit/>
+          </a:bodyPr>
+          <a:lstStyle/>
+          <a:p>
+            <a:r>
+              <a:rPr lang="fr-FR" sz="3000" dirty="0">
+                <a:latin typeface="Open Sans" panose="020B0606030504020204" pitchFamily="34" charset="0"/>
+                <a:ea typeface="Open Sans" panose="020B0606030504020204" pitchFamily="34" charset="0"/>
+                <a:cs typeface="Open Sans" panose="020B0606030504020204" pitchFamily="34" charset="0"/>
+              </a:rPr>
+              <a:t>    pour j allant de 0 à taille </a:t>
+            </a:r>
+            <a:r>
+              <a:rPr lang="fr-FR" sz="3000" dirty="0" err="1">
+                <a:latin typeface="Open Sans" panose="020B0606030504020204" pitchFamily="34" charset="0"/>
+                <a:ea typeface="Open Sans" panose="020B0606030504020204" pitchFamily="34" charset="0"/>
+                <a:cs typeface="Open Sans" panose="020B0606030504020204" pitchFamily="34" charset="0"/>
+              </a:rPr>
+              <a:t>listeTache</a:t>
+            </a:r>
+            <a:r>
+              <a:rPr lang="fr-FR" sz="3000" dirty="0">
+                <a:latin typeface="Open Sans" panose="020B0606030504020204" pitchFamily="34" charset="0"/>
+                <a:ea typeface="Open Sans" panose="020B0606030504020204" pitchFamily="34" charset="0"/>
+                <a:cs typeface="Open Sans" panose="020B0606030504020204" pitchFamily="34" charset="0"/>
+              </a:rPr>
+              <a:t> - 1</a:t>
+            </a:r>
+          </a:p>
+          <a:p>
+            <a:r>
+              <a:rPr lang="fr-FR" sz="3000" dirty="0">
+                <a:latin typeface="Open Sans" panose="020B0606030504020204" pitchFamily="34" charset="0"/>
+                <a:ea typeface="Open Sans" panose="020B0606030504020204" pitchFamily="34" charset="0"/>
+                <a:cs typeface="Open Sans" panose="020B0606030504020204" pitchFamily="34" charset="0"/>
+              </a:rPr>
+              <a:t>         </a:t>
+            </a:r>
+            <a:r>
+              <a:rPr lang="fr-FR" sz="3000" dirty="0" err="1">
+                <a:latin typeface="Open Sans" panose="020B0606030504020204" pitchFamily="34" charset="0"/>
+                <a:ea typeface="Open Sans" panose="020B0606030504020204" pitchFamily="34" charset="0"/>
+                <a:cs typeface="Open Sans" panose="020B0606030504020204" pitchFamily="34" charset="0"/>
+              </a:rPr>
+              <a:t>sommetTache</a:t>
+            </a:r>
+            <a:r>
+              <a:rPr lang="fr-FR" sz="3000" dirty="0">
+                <a:latin typeface="Open Sans" panose="020B0606030504020204" pitchFamily="34" charset="0"/>
+                <a:ea typeface="Open Sans" panose="020B0606030504020204" pitchFamily="34" charset="0"/>
+                <a:cs typeface="Open Sans" panose="020B0606030504020204" pitchFamily="34" charset="0"/>
+              </a:rPr>
+              <a:t> = </a:t>
+            </a:r>
+            <a:r>
+              <a:rPr lang="fr-FR" sz="3000" dirty="0" err="1">
+                <a:latin typeface="Open Sans" panose="020B0606030504020204" pitchFamily="34" charset="0"/>
+                <a:ea typeface="Open Sans" panose="020B0606030504020204" pitchFamily="34" charset="0"/>
+                <a:cs typeface="Open Sans" panose="020B0606030504020204" pitchFamily="34" charset="0"/>
+              </a:rPr>
+              <a:t>listePred.get</a:t>
+            </a:r>
+            <a:r>
+              <a:rPr lang="fr-FR" sz="3000" dirty="0">
+                <a:latin typeface="Open Sans" panose="020B0606030504020204" pitchFamily="34" charset="0"/>
+                <a:ea typeface="Open Sans" panose="020B0606030504020204" pitchFamily="34" charset="0"/>
+                <a:cs typeface="Open Sans" panose="020B0606030504020204" pitchFamily="34" charset="0"/>
+              </a:rPr>
+              <a:t>(j)</a:t>
+            </a:r>
+          </a:p>
+          <a:p>
+            <a:r>
+              <a:rPr lang="fr-FR" sz="3000" dirty="0">
+                <a:latin typeface="Open Sans" panose="020B0606030504020204" pitchFamily="34" charset="0"/>
+                <a:ea typeface="Open Sans" panose="020B0606030504020204" pitchFamily="34" charset="0"/>
+                <a:cs typeface="Open Sans" panose="020B0606030504020204" pitchFamily="34" charset="0"/>
+              </a:rPr>
+              <a:t>         index = 0</a:t>
+            </a:r>
+          </a:p>
+          <a:p>
+            <a:r>
+              <a:rPr lang="fr-FR" sz="3000" dirty="0">
+                <a:latin typeface="Open Sans" panose="020B0606030504020204" pitchFamily="34" charset="0"/>
+                <a:ea typeface="Open Sans" panose="020B0606030504020204" pitchFamily="34" charset="0"/>
+                <a:cs typeface="Open Sans" panose="020B0606030504020204" pitchFamily="34" charset="0"/>
+              </a:rPr>
+              <a:t>         pour k allant de 0 à taille de </a:t>
+            </a:r>
+            <a:r>
+              <a:rPr lang="fr-FR" sz="3000" dirty="0" err="1">
+                <a:latin typeface="Open Sans" panose="020B0606030504020204" pitchFamily="34" charset="0"/>
+                <a:ea typeface="Open Sans" panose="020B0606030504020204" pitchFamily="34" charset="0"/>
+                <a:cs typeface="Open Sans" panose="020B0606030504020204" pitchFamily="34" charset="0"/>
+              </a:rPr>
+              <a:t>sommetOrdonne</a:t>
+            </a:r>
+            <a:r>
+              <a:rPr lang="fr-FR" sz="3000" dirty="0">
+                <a:latin typeface="Open Sans" panose="020B0606030504020204" pitchFamily="34" charset="0"/>
+                <a:ea typeface="Open Sans" panose="020B0606030504020204" pitchFamily="34" charset="0"/>
+                <a:cs typeface="Open Sans" panose="020B0606030504020204" pitchFamily="34" charset="0"/>
+              </a:rPr>
+              <a:t> - 1</a:t>
+            </a:r>
+          </a:p>
+          <a:p>
+            <a:r>
+              <a:rPr lang="fr-FR" sz="3000" dirty="0">
+                <a:latin typeface="Open Sans" panose="020B0606030504020204" pitchFamily="34" charset="0"/>
+                <a:ea typeface="Open Sans" panose="020B0606030504020204" pitchFamily="34" charset="0"/>
+                <a:cs typeface="Open Sans" panose="020B0606030504020204" pitchFamily="34" charset="0"/>
+              </a:rPr>
+              <a:t>             si (</a:t>
+            </a:r>
+            <a:r>
+              <a:rPr lang="fr-FR" sz="3000" dirty="0" err="1">
+                <a:latin typeface="Open Sans" panose="020B0606030504020204" pitchFamily="34" charset="0"/>
+                <a:ea typeface="Open Sans" panose="020B0606030504020204" pitchFamily="34" charset="0"/>
+                <a:cs typeface="Open Sans" panose="020B0606030504020204" pitchFamily="34" charset="0"/>
+              </a:rPr>
+              <a:t>sommetOrdonne</a:t>
+            </a:r>
+            <a:r>
+              <a:rPr lang="fr-FR" sz="3000" dirty="0">
+                <a:latin typeface="Open Sans" panose="020B0606030504020204" pitchFamily="34" charset="0"/>
+                <a:ea typeface="Open Sans" panose="020B0606030504020204" pitchFamily="34" charset="0"/>
+                <a:cs typeface="Open Sans" panose="020B0606030504020204" pitchFamily="34" charset="0"/>
+              </a:rPr>
+              <a:t>[k] == </a:t>
+            </a:r>
+            <a:r>
+              <a:rPr lang="fr-FR" sz="3000" dirty="0" err="1">
+                <a:latin typeface="Open Sans" panose="020B0606030504020204" pitchFamily="34" charset="0"/>
+                <a:ea typeface="Open Sans" panose="020B0606030504020204" pitchFamily="34" charset="0"/>
+                <a:cs typeface="Open Sans" panose="020B0606030504020204" pitchFamily="34" charset="0"/>
+              </a:rPr>
+              <a:t>sommetTache</a:t>
+            </a:r>
+            <a:endParaRPr lang="fr-FR" sz="3000" dirty="0">
+              <a:latin typeface="Open Sans" panose="020B0606030504020204" pitchFamily="34" charset="0"/>
+              <a:ea typeface="Open Sans" panose="020B0606030504020204" pitchFamily="34" charset="0"/>
+              <a:cs typeface="Open Sans" panose="020B0606030504020204" pitchFamily="34" charset="0"/>
+            </a:endParaRPr>
+          </a:p>
+          <a:p>
+            <a:r>
+              <a:rPr lang="fr-FR" sz="3000" dirty="0">
+                <a:latin typeface="Open Sans" panose="020B0606030504020204" pitchFamily="34" charset="0"/>
+                <a:ea typeface="Open Sans" panose="020B0606030504020204" pitchFamily="34" charset="0"/>
+                <a:cs typeface="Open Sans" panose="020B0606030504020204" pitchFamily="34" charset="0"/>
+              </a:rPr>
+              <a:t>                 index = k</a:t>
+            </a:r>
+          </a:p>
+          <a:p>
+            <a:r>
+              <a:rPr lang="fr-FR" sz="3000" dirty="0">
+                <a:latin typeface="Open Sans" panose="020B0606030504020204" pitchFamily="34" charset="0"/>
+                <a:ea typeface="Open Sans" panose="020B0606030504020204" pitchFamily="34" charset="0"/>
+                <a:cs typeface="Open Sans" panose="020B0606030504020204" pitchFamily="34" charset="0"/>
+              </a:rPr>
+              <a:t>             fin</a:t>
+            </a:r>
+          </a:p>
+          <a:p>
+            <a:r>
+              <a:rPr lang="fr-FR" sz="3000" dirty="0">
+                <a:latin typeface="Open Sans" panose="020B0606030504020204" pitchFamily="34" charset="0"/>
+                <a:ea typeface="Open Sans" panose="020B0606030504020204" pitchFamily="34" charset="0"/>
+                <a:cs typeface="Open Sans" panose="020B0606030504020204" pitchFamily="34" charset="0"/>
+              </a:rPr>
+              <a:t>         fin</a:t>
+            </a:r>
+          </a:p>
+          <a:p>
+            <a:r>
+              <a:rPr lang="fr-FR" sz="3000" dirty="0">
+                <a:latin typeface="Open Sans" panose="020B0606030504020204" pitchFamily="34" charset="0"/>
+                <a:ea typeface="Open Sans" panose="020B0606030504020204" pitchFamily="34" charset="0"/>
+                <a:cs typeface="Open Sans" panose="020B0606030504020204" pitchFamily="34" charset="0"/>
+              </a:rPr>
+              <a:t>         ajoute (</a:t>
+            </a:r>
+            <a:r>
+              <a:rPr lang="fr-FR" sz="3000" dirty="0" err="1">
+                <a:latin typeface="Open Sans" panose="020B0606030504020204" pitchFamily="34" charset="0"/>
+                <a:ea typeface="Open Sans" panose="020B0606030504020204" pitchFamily="34" charset="0"/>
+                <a:cs typeface="Open Sans" panose="020B0606030504020204" pitchFamily="34" charset="0"/>
+              </a:rPr>
+              <a:t>array</a:t>
+            </a:r>
+            <a:r>
+              <a:rPr lang="fr-FR" sz="3000" dirty="0">
+                <a:latin typeface="Open Sans" panose="020B0606030504020204" pitchFamily="34" charset="0"/>
+                <a:ea typeface="Open Sans" panose="020B0606030504020204" pitchFamily="34" charset="0"/>
+                <a:cs typeface="Open Sans" panose="020B0606030504020204" pitchFamily="34" charset="0"/>
+              </a:rPr>
+              <a:t>[1][index] + </a:t>
+            </a:r>
+            <a:r>
+              <a:rPr lang="fr-FR" sz="3000" dirty="0" err="1">
+                <a:latin typeface="Open Sans" panose="020B0606030504020204" pitchFamily="34" charset="0"/>
+                <a:ea typeface="Open Sans" panose="020B0606030504020204" pitchFamily="34" charset="0"/>
+                <a:cs typeface="Open Sans" panose="020B0606030504020204" pitchFamily="34" charset="0"/>
+              </a:rPr>
+              <a:t>listeTache.get</a:t>
+            </a:r>
+            <a:r>
+              <a:rPr lang="fr-FR" sz="3000" dirty="0">
+                <a:latin typeface="Open Sans" panose="020B0606030504020204" pitchFamily="34" charset="0"/>
+                <a:ea typeface="Open Sans" panose="020B0606030504020204" pitchFamily="34" charset="0"/>
+                <a:cs typeface="Open Sans" panose="020B0606030504020204" pitchFamily="34" charset="0"/>
+              </a:rPr>
+              <a:t>(j) à </a:t>
+            </a:r>
+            <a:r>
+              <a:rPr lang="fr-FR" sz="3000" dirty="0" err="1">
+                <a:latin typeface="Open Sans" panose="020B0606030504020204" pitchFamily="34" charset="0"/>
+                <a:ea typeface="Open Sans" panose="020B0606030504020204" pitchFamily="34" charset="0"/>
+                <a:cs typeface="Open Sans" panose="020B0606030504020204" pitchFamily="34" charset="0"/>
+              </a:rPr>
+              <a:t>listeDatePlusTot</a:t>
+            </a:r>
+            <a:r>
+              <a:rPr lang="fr-FR" sz="3000" dirty="0">
+                <a:latin typeface="Open Sans" panose="020B0606030504020204" pitchFamily="34" charset="0"/>
+                <a:ea typeface="Open Sans" panose="020B0606030504020204" pitchFamily="34" charset="0"/>
+                <a:cs typeface="Open Sans" panose="020B0606030504020204" pitchFamily="34" charset="0"/>
+              </a:rPr>
+              <a:t>      </a:t>
+            </a:r>
+          </a:p>
+          <a:p>
+            <a:r>
+              <a:rPr lang="fr-FR" sz="3000" dirty="0">
+                <a:latin typeface="Open Sans" panose="020B0606030504020204" pitchFamily="34" charset="0"/>
+                <a:ea typeface="Open Sans" panose="020B0606030504020204" pitchFamily="34" charset="0"/>
+                <a:cs typeface="Open Sans" panose="020B0606030504020204" pitchFamily="34" charset="0"/>
+              </a:rPr>
+              <a:t>    fin</a:t>
+            </a:r>
+          </a:p>
+          <a:p>
+            <a:r>
+              <a:rPr lang="fr-FR" sz="3000" dirty="0">
+                <a:latin typeface="Open Sans" panose="020B0606030504020204" pitchFamily="34" charset="0"/>
+                <a:ea typeface="Open Sans" panose="020B0606030504020204" pitchFamily="34" charset="0"/>
+                <a:cs typeface="Open Sans" panose="020B0606030504020204" pitchFamily="34" charset="0"/>
+              </a:rPr>
+              <a:t>    …</a:t>
+            </a:r>
+          </a:p>
+        </p:txBody>
+      </p:sp>
+      <p:sp>
+        <p:nvSpPr>
+          <p:cNvPr id="14" name="Rectangle 13">
+            <a:extLst>
+              <a:ext uri="{FF2B5EF4-FFF2-40B4-BE49-F238E27FC236}">
+                <a16:creationId xmlns:a16="http://schemas.microsoft.com/office/drawing/2014/main" id="{C238569F-F9A7-49D4-92ED-73A9E7CF192E}"/>
+              </a:ext>
+            </a:extLst>
+          </p:cNvPr>
+          <p:cNvSpPr/>
+          <p:nvPr/>
+        </p:nvSpPr>
+        <p:spPr>
+          <a:xfrm>
+            <a:off x="11556827" y="8362947"/>
+            <a:ext cx="14543330" cy="2862322"/>
+          </a:xfrm>
+          <a:prstGeom prst="rect">
+            <a:avLst/>
+          </a:prstGeom>
+        </p:spPr>
+        <p:txBody>
+          <a:bodyPr wrap="square">
+            <a:spAutoFit/>
+          </a:bodyPr>
+          <a:lstStyle/>
+          <a:p>
+            <a:r>
+              <a:rPr lang="fr-FR" sz="3000" dirty="0">
+                <a:latin typeface="Open Sans" panose="020B0606030504020204" pitchFamily="34" charset="0"/>
+                <a:ea typeface="Open Sans" panose="020B0606030504020204" pitchFamily="34" charset="0"/>
+                <a:cs typeface="Open Sans" panose="020B0606030504020204" pitchFamily="34" charset="0"/>
+              </a:rPr>
+              <a:t>    </a:t>
+            </a:r>
+            <a:r>
+              <a:rPr lang="fr-FR" sz="3000" dirty="0" err="1">
+                <a:latin typeface="Open Sans" panose="020B0606030504020204" pitchFamily="34" charset="0"/>
+                <a:ea typeface="Open Sans" panose="020B0606030504020204" pitchFamily="34" charset="0"/>
+                <a:cs typeface="Open Sans" panose="020B0606030504020204" pitchFamily="34" charset="0"/>
+              </a:rPr>
+              <a:t>array</a:t>
+            </a:r>
+            <a:r>
+              <a:rPr lang="fr-FR" sz="3000" dirty="0">
+                <a:latin typeface="Open Sans" panose="020B0606030504020204" pitchFamily="34" charset="0"/>
+                <a:ea typeface="Open Sans" panose="020B0606030504020204" pitchFamily="34" charset="0"/>
+                <a:cs typeface="Open Sans" panose="020B0606030504020204" pitchFamily="34" charset="0"/>
+              </a:rPr>
+              <a:t>[1][i] = Valeur max de </a:t>
+            </a:r>
+            <a:r>
+              <a:rPr lang="fr-FR" sz="3000" dirty="0" err="1">
+                <a:latin typeface="Open Sans" panose="020B0606030504020204" pitchFamily="34" charset="0"/>
+                <a:ea typeface="Open Sans" panose="020B0606030504020204" pitchFamily="34" charset="0"/>
+                <a:cs typeface="Open Sans" panose="020B0606030504020204" pitchFamily="34" charset="0"/>
+              </a:rPr>
+              <a:t>listDatePlusTot</a:t>
+            </a:r>
+            <a:endParaRPr lang="fr-FR" sz="3000" dirty="0">
+              <a:latin typeface="Open Sans" panose="020B0606030504020204" pitchFamily="34" charset="0"/>
+              <a:ea typeface="Open Sans" panose="020B0606030504020204" pitchFamily="34" charset="0"/>
+              <a:cs typeface="Open Sans" panose="020B0606030504020204" pitchFamily="34" charset="0"/>
+            </a:endParaRPr>
+          </a:p>
+          <a:p>
+            <a:r>
+              <a:rPr lang="fr-FR" sz="3000" dirty="0">
+                <a:latin typeface="Open Sans" panose="020B0606030504020204" pitchFamily="34" charset="0"/>
+                <a:ea typeface="Open Sans" panose="020B0606030504020204" pitchFamily="34" charset="0"/>
+                <a:cs typeface="Open Sans" panose="020B0606030504020204" pitchFamily="34" charset="0"/>
+              </a:rPr>
+              <a:t>    </a:t>
+            </a:r>
+            <a:r>
+              <a:rPr lang="fr-FR" sz="3000" dirty="0" err="1">
+                <a:latin typeface="Open Sans" panose="020B0606030504020204" pitchFamily="34" charset="0"/>
+                <a:ea typeface="Open Sans" panose="020B0606030504020204" pitchFamily="34" charset="0"/>
+                <a:cs typeface="Open Sans" panose="020B0606030504020204" pitchFamily="34" charset="0"/>
+              </a:rPr>
+              <a:t>array</a:t>
+            </a:r>
+            <a:r>
+              <a:rPr lang="fr-FR" sz="3000" dirty="0">
+                <a:latin typeface="Open Sans" panose="020B0606030504020204" pitchFamily="34" charset="0"/>
+                <a:ea typeface="Open Sans" panose="020B0606030504020204" pitchFamily="34" charset="0"/>
+                <a:cs typeface="Open Sans" panose="020B0606030504020204" pitchFamily="34" charset="0"/>
+              </a:rPr>
+              <a:t>[1][i] = </a:t>
+            </a:r>
+            <a:r>
+              <a:rPr lang="fr-FR" sz="3000" dirty="0" err="1">
+                <a:latin typeface="Open Sans" panose="020B0606030504020204" pitchFamily="34" charset="0"/>
+                <a:ea typeface="Open Sans" panose="020B0606030504020204" pitchFamily="34" charset="0"/>
+                <a:cs typeface="Open Sans" panose="020B0606030504020204" pitchFamily="34" charset="0"/>
+              </a:rPr>
+              <a:t>listePred.get</a:t>
+            </a:r>
+            <a:r>
+              <a:rPr lang="fr-FR" sz="3000" dirty="0">
+                <a:latin typeface="Open Sans" panose="020B0606030504020204" pitchFamily="34" charset="0"/>
+                <a:ea typeface="Open Sans" panose="020B0606030504020204" pitchFamily="34" charset="0"/>
+                <a:cs typeface="Open Sans" panose="020B0606030504020204" pitchFamily="34" charset="0"/>
+              </a:rPr>
+              <a:t>(index de </a:t>
+            </a:r>
+            <a:r>
+              <a:rPr lang="fr-FR" sz="3000" dirty="0" err="1">
+                <a:latin typeface="Open Sans" panose="020B0606030504020204" pitchFamily="34" charset="0"/>
+                <a:ea typeface="Open Sans" panose="020B0606030504020204" pitchFamily="34" charset="0"/>
+                <a:cs typeface="Open Sans" panose="020B0606030504020204" pitchFamily="34" charset="0"/>
+              </a:rPr>
+              <a:t>array</a:t>
+            </a:r>
+            <a:r>
+              <a:rPr lang="fr-FR" sz="3000" dirty="0">
+                <a:latin typeface="Open Sans" panose="020B0606030504020204" pitchFamily="34" charset="0"/>
+                <a:ea typeface="Open Sans" panose="020B0606030504020204" pitchFamily="34" charset="0"/>
+                <a:cs typeface="Open Sans" panose="020B0606030504020204" pitchFamily="34" charset="0"/>
+              </a:rPr>
+              <a:t>[1][i] dans </a:t>
+            </a:r>
+            <a:r>
+              <a:rPr lang="fr-FR" sz="3000" dirty="0" err="1">
+                <a:latin typeface="Open Sans" panose="020B0606030504020204" pitchFamily="34" charset="0"/>
+                <a:ea typeface="Open Sans" panose="020B0606030504020204" pitchFamily="34" charset="0"/>
+                <a:cs typeface="Open Sans" panose="020B0606030504020204" pitchFamily="34" charset="0"/>
+              </a:rPr>
+              <a:t>listeDatePlusTot</a:t>
+            </a:r>
+            <a:endParaRPr lang="fr-FR" sz="3000" dirty="0">
+              <a:latin typeface="Open Sans" panose="020B0606030504020204" pitchFamily="34" charset="0"/>
+              <a:ea typeface="Open Sans" panose="020B0606030504020204" pitchFamily="34" charset="0"/>
+              <a:cs typeface="Open Sans" panose="020B0606030504020204" pitchFamily="34" charset="0"/>
+            </a:endParaRPr>
+          </a:p>
+          <a:p>
+            <a:r>
+              <a:rPr lang="fr-FR" sz="3000" dirty="0">
+                <a:latin typeface="Open Sans" panose="020B0606030504020204" pitchFamily="34" charset="0"/>
+                <a:ea typeface="Open Sans" panose="020B0606030504020204" pitchFamily="34" charset="0"/>
+                <a:cs typeface="Open Sans" panose="020B0606030504020204" pitchFamily="34" charset="0"/>
+              </a:rPr>
+              <a:t>    supprime </a:t>
+            </a:r>
+            <a:r>
+              <a:rPr lang="fr-FR" sz="3000" dirty="0" err="1">
+                <a:latin typeface="Open Sans" panose="020B0606030504020204" pitchFamily="34" charset="0"/>
+                <a:ea typeface="Open Sans" panose="020B0606030504020204" pitchFamily="34" charset="0"/>
+                <a:cs typeface="Open Sans" panose="020B0606030504020204" pitchFamily="34" charset="0"/>
+              </a:rPr>
+              <a:t>elements</a:t>
+            </a:r>
+            <a:r>
+              <a:rPr lang="fr-FR" sz="3000" dirty="0">
+                <a:latin typeface="Open Sans" panose="020B0606030504020204" pitchFamily="34" charset="0"/>
+                <a:ea typeface="Open Sans" panose="020B0606030504020204" pitchFamily="34" charset="0"/>
+                <a:cs typeface="Open Sans" panose="020B0606030504020204" pitchFamily="34" charset="0"/>
+              </a:rPr>
+              <a:t> de </a:t>
+            </a:r>
+            <a:r>
+              <a:rPr lang="fr-FR" sz="3000" dirty="0" err="1">
+                <a:latin typeface="Open Sans" panose="020B0606030504020204" pitchFamily="34" charset="0"/>
+                <a:ea typeface="Open Sans" panose="020B0606030504020204" pitchFamily="34" charset="0"/>
+                <a:cs typeface="Open Sans" panose="020B0606030504020204" pitchFamily="34" charset="0"/>
+              </a:rPr>
+              <a:t>listeDatePlusTot</a:t>
+            </a:r>
+            <a:r>
+              <a:rPr lang="fr-FR" sz="3000" dirty="0">
+                <a:latin typeface="Open Sans" panose="020B0606030504020204" pitchFamily="34" charset="0"/>
+                <a:ea typeface="Open Sans" panose="020B0606030504020204" pitchFamily="34" charset="0"/>
+                <a:cs typeface="Open Sans" panose="020B0606030504020204" pitchFamily="34" charset="0"/>
+              </a:rPr>
+              <a:t> </a:t>
+            </a:r>
+          </a:p>
+          <a:p>
+            <a:r>
+              <a:rPr lang="fr-FR" sz="3000" dirty="0">
+                <a:latin typeface="Open Sans" panose="020B0606030504020204" pitchFamily="34" charset="0"/>
+                <a:ea typeface="Open Sans" panose="020B0606030504020204" pitchFamily="34" charset="0"/>
+                <a:cs typeface="Open Sans" panose="020B0606030504020204" pitchFamily="34" charset="0"/>
+              </a:rPr>
+              <a:t>    supprime </a:t>
+            </a:r>
+            <a:r>
+              <a:rPr lang="fr-FR" sz="3000" dirty="0" err="1">
+                <a:latin typeface="Open Sans" panose="020B0606030504020204" pitchFamily="34" charset="0"/>
+                <a:ea typeface="Open Sans" panose="020B0606030504020204" pitchFamily="34" charset="0"/>
+                <a:cs typeface="Open Sans" panose="020B0606030504020204" pitchFamily="34" charset="0"/>
+              </a:rPr>
+              <a:t>elements</a:t>
+            </a:r>
+            <a:r>
+              <a:rPr lang="fr-FR" sz="3000" dirty="0">
+                <a:latin typeface="Open Sans" panose="020B0606030504020204" pitchFamily="34" charset="0"/>
+                <a:ea typeface="Open Sans" panose="020B0606030504020204" pitchFamily="34" charset="0"/>
+                <a:cs typeface="Open Sans" panose="020B0606030504020204" pitchFamily="34" charset="0"/>
+              </a:rPr>
+              <a:t> de </a:t>
+            </a:r>
+            <a:r>
+              <a:rPr lang="fr-FR" sz="3000" dirty="0" err="1">
+                <a:latin typeface="Open Sans" panose="020B0606030504020204" pitchFamily="34" charset="0"/>
+                <a:ea typeface="Open Sans" panose="020B0606030504020204" pitchFamily="34" charset="0"/>
+                <a:cs typeface="Open Sans" panose="020B0606030504020204" pitchFamily="34" charset="0"/>
+              </a:rPr>
+              <a:t>listePred</a:t>
+            </a:r>
+            <a:r>
+              <a:rPr lang="fr-FR" sz="3000" dirty="0">
+                <a:latin typeface="Open Sans" panose="020B0606030504020204" pitchFamily="34" charset="0"/>
+                <a:ea typeface="Open Sans" panose="020B0606030504020204" pitchFamily="34" charset="0"/>
+                <a:cs typeface="Open Sans" panose="020B0606030504020204" pitchFamily="34" charset="0"/>
+              </a:rPr>
+              <a:t> </a:t>
+            </a:r>
+          </a:p>
+          <a:p>
+            <a:r>
+              <a:rPr lang="fr-FR" sz="3000" dirty="0">
+                <a:latin typeface="Open Sans" panose="020B0606030504020204" pitchFamily="34" charset="0"/>
+                <a:ea typeface="Open Sans" panose="020B0606030504020204" pitchFamily="34" charset="0"/>
+                <a:cs typeface="Open Sans" panose="020B0606030504020204" pitchFamily="34" charset="0"/>
+              </a:rPr>
+              <a:t>    supprime </a:t>
+            </a:r>
+            <a:r>
+              <a:rPr lang="fr-FR" sz="3000" dirty="0" err="1">
+                <a:latin typeface="Open Sans" panose="020B0606030504020204" pitchFamily="34" charset="0"/>
+                <a:ea typeface="Open Sans" panose="020B0606030504020204" pitchFamily="34" charset="0"/>
+                <a:cs typeface="Open Sans" panose="020B0606030504020204" pitchFamily="34" charset="0"/>
+              </a:rPr>
+              <a:t>elements</a:t>
+            </a:r>
+            <a:r>
+              <a:rPr lang="fr-FR" sz="3000" dirty="0">
+                <a:latin typeface="Open Sans" panose="020B0606030504020204" pitchFamily="34" charset="0"/>
+                <a:ea typeface="Open Sans" panose="020B0606030504020204" pitchFamily="34" charset="0"/>
+                <a:cs typeface="Open Sans" panose="020B0606030504020204" pitchFamily="34" charset="0"/>
+              </a:rPr>
+              <a:t> de </a:t>
+            </a:r>
+            <a:r>
+              <a:rPr lang="fr-FR" sz="3000" dirty="0" err="1">
+                <a:latin typeface="Open Sans" panose="020B0606030504020204" pitchFamily="34" charset="0"/>
+                <a:ea typeface="Open Sans" panose="020B0606030504020204" pitchFamily="34" charset="0"/>
+                <a:cs typeface="Open Sans" panose="020B0606030504020204" pitchFamily="34" charset="0"/>
+              </a:rPr>
+              <a:t>listeTache</a:t>
+            </a:r>
+            <a:r>
+              <a:rPr lang="fr-FR" sz="3000" dirty="0">
+                <a:latin typeface="Open Sans" panose="020B0606030504020204" pitchFamily="34" charset="0"/>
+                <a:ea typeface="Open Sans" panose="020B0606030504020204" pitchFamily="34" charset="0"/>
+                <a:cs typeface="Open Sans" panose="020B0606030504020204" pitchFamily="34" charset="0"/>
+              </a:rPr>
+              <a:t> </a:t>
+            </a:r>
+          </a:p>
+          <a:p>
+            <a:r>
+              <a:rPr lang="fr-FR" sz="3000" dirty="0">
+                <a:latin typeface="Open Sans" panose="020B0606030504020204" pitchFamily="34" charset="0"/>
+                <a:ea typeface="Open Sans" panose="020B0606030504020204" pitchFamily="34" charset="0"/>
+                <a:cs typeface="Open Sans" panose="020B0606030504020204" pitchFamily="34" charset="0"/>
+              </a:rPr>
+              <a:t>fin</a:t>
+            </a:r>
+          </a:p>
+        </p:txBody>
+      </p:sp>
+    </p:spTree>
+    <p:extLst>
+      <p:ext uri="{BB962C8B-B14F-4D97-AF65-F5344CB8AC3E}">
+        <p14:creationId xmlns:p14="http://schemas.microsoft.com/office/powerpoint/2010/main" val="3825805121"/>
+      </p:ext>
+    </p:extLst>
+  </p:cSld>
+  <p:clrMapOvr>
+    <a:masterClrMapping/>
+  </p:clrMapOvr>
+</p:sld>
+</file>
+
+<file path=ppt/slides/slide16.xml><?xml version="1.0" encoding="utf-8"?>
+<p:sld xmlns:a="http://schemas.openxmlformats.org/drawingml/2006/main" xmlns:r="http://schemas.openxmlformats.org/officeDocument/2006/relationships" xmlns:p="http://schemas.openxmlformats.org/presentationml/2006/main">
+  <p:cSld>
+    <p:spTree>
+      <p:nvGrpSpPr>
+        <p:cNvPr id="1" name=""/>
+        <p:cNvGrpSpPr/>
+        <p:nvPr/>
+      </p:nvGrpSpPr>
+      <p:grpSpPr>
+        <a:xfrm>
+          <a:off x="0" y="0"/>
+          <a:ext cx="0" cy="0"/>
+          <a:chOff x="0" y="0"/>
+          <a:chExt cx="0" cy="0"/>
+        </a:xfrm>
+      </p:grpSpPr>
+      <p:sp>
+        <p:nvSpPr>
           <p:cNvPr id="2" name="ZoneTexte 1">
             <a:extLst>
               <a:ext uri="{FF2B5EF4-FFF2-40B4-BE49-F238E27FC236}">
@@ -3343,7 +4829,7 @@
 </p:sld>
 </file>
 
-<file path=ppt/slides/slide15.xml><?xml version="1.0" encoding="utf-8"?>
+<file path=ppt/slides/slide17.xml><?xml version="1.0" encoding="utf-8"?>
 <p:sld xmlns:a="http://schemas.openxmlformats.org/drawingml/2006/main" xmlns:r="http://schemas.openxmlformats.org/officeDocument/2006/relationships" xmlns:p="http://schemas.openxmlformats.org/presentationml/2006/main">
   <p:cSld>
     <p:spTree>
@@ -7197,7 +8683,7 @@
         <p:spPr>
           <a:xfrm>
             <a:off x="1272209" y="3677479"/>
-            <a:ext cx="9133663" cy="9233297"/>
+            <a:ext cx="9133663" cy="9648795"/>
           </a:xfrm>
           <a:prstGeom prst="rect">
             <a:avLst/>
@@ -7686,6 +9172,16 @@
               <a:t>)</a:t>
             </a:r>
           </a:p>
+          <a:p>
+            <a:r>
+              <a:rPr lang="fr-FR" sz="2700" dirty="0">
+                <a:latin typeface="Open Sans" panose="020B0606030504020204" pitchFamily="34" charset="0"/>
+                <a:ea typeface="Open Sans" panose="020B0606030504020204" pitchFamily="34" charset="0"/>
+                <a:cs typeface="Open Sans" panose="020B0606030504020204" pitchFamily="34" charset="0"/>
+              </a:rPr>
+              <a:t>…</a:t>
+            </a:r>
+          </a:p>
         </p:txBody>
       </p:sp>
       <p:sp>
@@ -7703,7 +9199,7 @@
         <p:spPr>
           <a:xfrm>
             <a:off x="12095784" y="3677479"/>
-            <a:ext cx="12192000" cy="2246769"/>
+            <a:ext cx="12192000" cy="2677656"/>
           </a:xfrm>
           <a:prstGeom prst="rect">
             <a:avLst/>
@@ -7714,6 +9210,16 @@
             <a:spAutoFit/>
           </a:bodyPr>
           <a:lstStyle/>
+          <a:p>
+            <a:r>
+              <a:rPr lang="fr-FR" sz="2800" dirty="0">
+                <a:latin typeface="Open Sans" panose="020B0606030504020204" pitchFamily="34" charset="0"/>
+                <a:ea typeface="Open Sans" panose="020B0606030504020204" pitchFamily="34" charset="0"/>
+                <a:cs typeface="Open Sans" panose="020B0606030504020204" pitchFamily="34" charset="0"/>
+              </a:rPr>
+              <a:t>…</a:t>
+            </a:r>
+          </a:p>
           <a:p>
             <a:r>
               <a:rPr lang="fr-FR" sz="2800" dirty="0">

--- a/A4_Presentation.pptx
+++ b/A4_Presentation.pptx
@@ -5,7 +5,7 @@
     <p:sldMasterId id="2147483660" r:id="rId1"/>
   </p:sldMasterIdLst>
   <p:handoutMasterIdLst>
-    <p:handoutMasterId r:id="rId19"/>
+    <p:handoutMasterId r:id="rId23"/>
   </p:handoutMasterIdLst>
   <p:sldIdLst>
     <p:sldId id="280" r:id="rId2"/>
@@ -25,6 +25,10 @@
     <p:sldId id="297" r:id="rId16"/>
     <p:sldId id="287" r:id="rId17"/>
     <p:sldId id="290" r:id="rId18"/>
+    <p:sldId id="298" r:id="rId19"/>
+    <p:sldId id="299" r:id="rId20"/>
+    <p:sldId id="300" r:id="rId21"/>
+    <p:sldId id="301" r:id="rId22"/>
   </p:sldIdLst>
   <p:sldSz cx="24387175" cy="13716000"/>
   <p:notesSz cx="6858000" cy="9144000"/>
@@ -790,12 +794,12 @@
           </a:ln>
           <a:extLst>
             <a:ext uri="{909E8E84-426E-40dd-AFC4-6F175D3DCCD1}">
-              <a14:hiddenFill xmlns="" xmlns:a14="http://schemas.microsoft.com/office/drawing/2010/main">
+              <a14:hiddenFill xmlns:a14="http://schemas.microsoft.com/office/drawing/2010/main" xmlns="">
                 <a:noFill/>
               </a14:hiddenFill>
             </a:ext>
             <a:ext uri="{91240B29-F687-4f45-9708-019B960494DF}">
-              <a14:hiddenLine xmlns="" xmlns:a14="http://schemas.microsoft.com/office/drawing/2010/main" w="9525">
+              <a14:hiddenLine xmlns:a14="http://schemas.microsoft.com/office/drawing/2010/main" xmlns="" w="9525">
                 <a:solidFill>
                   <a:srgbClr val="000000"/>
                 </a:solidFill>
@@ -840,12 +844,12 @@
           </a:ln>
           <a:extLst>
             <a:ext uri="{909E8E84-426E-40dd-AFC4-6F175D3DCCD1}">
-              <a14:hiddenFill xmlns="" xmlns:a14="http://schemas.microsoft.com/office/drawing/2010/main">
+              <a14:hiddenFill xmlns:a14="http://schemas.microsoft.com/office/drawing/2010/main" xmlns="">
                 <a:noFill/>
               </a14:hiddenFill>
             </a:ext>
             <a:ext uri="{91240B29-F687-4f45-9708-019B960494DF}">
-              <a14:hiddenLine xmlns="" xmlns:a14="http://schemas.microsoft.com/office/drawing/2010/main" w="9525">
+              <a14:hiddenLine xmlns:a14="http://schemas.microsoft.com/office/drawing/2010/main" xmlns="" w="9525">
                 <a:solidFill>
                   <a:srgbClr val="000000"/>
                 </a:solidFill>
@@ -3951,7 +3955,7 @@
         <p:spPr>
           <a:xfrm>
             <a:off x="11556827" y="1565384"/>
-            <a:ext cx="13160736" cy="5170646"/>
+            <a:ext cx="13160736" cy="5632311"/>
           </a:xfrm>
           <a:prstGeom prst="rect">
             <a:avLst/>
@@ -3969,6 +3973,16 @@
                 <a:ea typeface="Open Sans" panose="020B0606030504020204" pitchFamily="34" charset="0"/>
                 <a:cs typeface="Open Sans" panose="020B0606030504020204" pitchFamily="34" charset="0"/>
               </a:rPr>
+              <a:t>…</a:t>
+            </a:r>
+          </a:p>
+          <a:p>
+            <a:r>
+              <a:rPr lang="fr-FR" sz="3000" dirty="0">
+                <a:latin typeface="Open Sans" panose="020B0606030504020204" pitchFamily="34" charset="0"/>
+                <a:ea typeface="Open Sans" panose="020B0606030504020204" pitchFamily="34" charset="0"/>
+                <a:cs typeface="Open Sans" panose="020B0606030504020204" pitchFamily="34" charset="0"/>
+              </a:rPr>
               <a:t>    pour j allant de 0 à taille </a:t>
             </a:r>
             <a:r>
@@ -4099,19 +4113,22 @@
               </a:rPr>
               <a:t>sommetTache</a:t>
             </a:r>
-            <a:endParaRPr lang="fr-FR" sz="3000" dirty="0">
-              <a:latin typeface="Open Sans" panose="020B0606030504020204" pitchFamily="34" charset="0"/>
-              <a:ea typeface="Open Sans" panose="020B0606030504020204" pitchFamily="34" charset="0"/>
-              <a:cs typeface="Open Sans" panose="020B0606030504020204" pitchFamily="34" charset="0"/>
-            </a:endParaRPr>
-          </a:p>
-          <a:p>
             <a:r>
               <a:rPr lang="fr-FR" sz="3000" dirty="0">
                 <a:latin typeface="Open Sans" panose="020B0606030504020204" pitchFamily="34" charset="0"/>
                 <a:ea typeface="Open Sans" panose="020B0606030504020204" pitchFamily="34" charset="0"/>
                 <a:cs typeface="Open Sans" panose="020B0606030504020204" pitchFamily="34" charset="0"/>
               </a:rPr>
+              <a:t>)</a:t>
+            </a:r>
+          </a:p>
+          <a:p>
+            <a:r>
+              <a:rPr lang="fr-FR" sz="3000" dirty="0">
+                <a:latin typeface="Open Sans" panose="020B0606030504020204" pitchFamily="34" charset="0"/>
+                <a:ea typeface="Open Sans" panose="020B0606030504020204" pitchFamily="34" charset="0"/>
+                <a:cs typeface="Open Sans" panose="020B0606030504020204" pitchFamily="34" charset="0"/>
+              </a:rPr>
               <a:t>                 index = k</a:t>
             </a:r>
           </a:p>
@@ -4190,7 +4207,7 @@
                 <a:ea typeface="Open Sans" panose="020B0606030504020204" pitchFamily="34" charset="0"/>
                 <a:cs typeface="Open Sans" panose="020B0606030504020204" pitchFamily="34" charset="0"/>
               </a:rPr>
-              <a:t>      </a:t>
+              <a:t>)      </a:t>
             </a:r>
           </a:p>
           <a:p>
@@ -4832,6 +4849,14 @@
 <file path=ppt/slides/slide17.xml><?xml version="1.0" encoding="utf-8"?>
 <p:sld xmlns:a="http://schemas.openxmlformats.org/drawingml/2006/main" xmlns:r="http://schemas.openxmlformats.org/officeDocument/2006/relationships" xmlns:p="http://schemas.openxmlformats.org/presentationml/2006/main">
   <p:cSld>
+    <p:bg>
+      <p:bgPr>
+        <a:solidFill>
+          <a:srgbClr val="0070C0"/>
+        </a:solidFill>
+        <a:effectLst/>
+      </p:bgPr>
+    </p:bg>
     <p:spTree>
       <p:nvGrpSpPr>
         <p:cNvPr id="1" name=""/>
@@ -5386,6 +5411,1447 @@
     <p:extLst>
       <p:ext uri="{BB962C8B-B14F-4D97-AF65-F5344CB8AC3E}">
         <p14:creationId xmlns:p14="http://schemas.microsoft.com/office/powerpoint/2010/main" val="3370405227"/>
+      </p:ext>
+    </p:extLst>
+  </p:cSld>
+  <p:clrMapOvr>
+    <a:masterClrMapping/>
+  </p:clrMapOvr>
+</p:sld>
+</file>
+
+<file path=ppt/slides/slide18.xml><?xml version="1.0" encoding="utf-8"?>
+<p:sld xmlns:a="http://schemas.openxmlformats.org/drawingml/2006/main" xmlns:r="http://schemas.openxmlformats.org/officeDocument/2006/relationships" xmlns:p="http://schemas.openxmlformats.org/presentationml/2006/main">
+  <p:cSld>
+    <p:spTree>
+      <p:nvGrpSpPr>
+        <p:cNvPr id="1" name=""/>
+        <p:cNvGrpSpPr/>
+        <p:nvPr/>
+      </p:nvGrpSpPr>
+      <p:grpSpPr>
+        <a:xfrm>
+          <a:off x="0" y="0"/>
+          <a:ext cx="0" cy="0"/>
+          <a:chOff x="0" y="0"/>
+          <a:chExt cx="0" cy="0"/>
+        </a:xfrm>
+      </p:grpSpPr>
+      <p:sp>
+        <p:nvSpPr>
+          <p:cNvPr id="3" name="ZoneTexte 2">
+            <a:extLst>
+              <a:ext uri="{FF2B5EF4-FFF2-40B4-BE49-F238E27FC236}">
+                <a16:creationId xmlns:a16="http://schemas.microsoft.com/office/drawing/2014/main" id="{168B7E97-4894-436F-9382-6A92F4014357}"/>
+              </a:ext>
+            </a:extLst>
+          </p:cNvPr>
+          <p:cNvSpPr txBox="1"/>
+          <p:nvPr/>
+        </p:nvSpPr>
+        <p:spPr>
+          <a:xfrm>
+            <a:off x="2375271" y="1113184"/>
+            <a:ext cx="17880677" cy="1046440"/>
+          </a:xfrm>
+          <a:prstGeom prst="rect">
+            <a:avLst/>
+          </a:prstGeom>
+          <a:noFill/>
+        </p:spPr>
+        <p:txBody>
+          <a:bodyPr wrap="square" rtlCol="0">
+            <a:spAutoFit/>
+          </a:bodyPr>
+          <a:lstStyle/>
+          <a:p>
+            <a:r>
+              <a:rPr lang="fr-FR" sz="6200" b="1" dirty="0">
+                <a:latin typeface="Montserrat" panose="00000500000000000000" pitchFamily="2" charset="0"/>
+              </a:rPr>
+              <a:t>V : Méthode de l’ordonnancement</a:t>
+            </a:r>
+          </a:p>
+        </p:txBody>
+      </p:sp>
+      <p:sp>
+        <p:nvSpPr>
+          <p:cNvPr id="16" name="Oval 58">
+            <a:extLst>
+              <a:ext uri="{FF2B5EF4-FFF2-40B4-BE49-F238E27FC236}">
+                <a16:creationId xmlns:a16="http://schemas.microsoft.com/office/drawing/2014/main" id="{0E244E65-4A71-4FF1-BD18-75E1912E061C}"/>
+              </a:ext>
+            </a:extLst>
+          </p:cNvPr>
+          <p:cNvSpPr/>
+          <p:nvPr/>
+        </p:nvSpPr>
+        <p:spPr>
+          <a:xfrm>
+            <a:off x="1673229" y="3765604"/>
+            <a:ext cx="1074332" cy="1074611"/>
+          </a:xfrm>
+          <a:prstGeom prst="ellipse">
+            <a:avLst/>
+          </a:prstGeom>
+          <a:noFill/>
+          <a:ln w="28575">
+            <a:solidFill>
+              <a:schemeClr val="tx1"/>
+            </a:solidFill>
+          </a:ln>
+        </p:spPr>
+        <p:style>
+          <a:lnRef idx="2">
+            <a:schemeClr val="accent1">
+              <a:shade val="50000"/>
+            </a:schemeClr>
+          </a:lnRef>
+          <a:fillRef idx="1">
+            <a:schemeClr val="accent1"/>
+          </a:fillRef>
+          <a:effectRef idx="0">
+            <a:schemeClr val="accent1"/>
+          </a:effectRef>
+          <a:fontRef idx="minor">
+            <a:schemeClr val="lt1"/>
+          </a:fontRef>
+        </p:style>
+        <p:txBody>
+          <a:bodyPr rtlCol="0" anchor="ctr"/>
+          <a:lstStyle/>
+          <a:p>
+            <a:pPr algn="ctr"/>
+            <a:endParaRPr lang="en-US" sz="2900" dirty="0">
+              <a:latin typeface="Montserrat Light" charset="0"/>
+              <a:ea typeface="Montserrat Light" charset="0"/>
+              <a:cs typeface="Montserrat Light" charset="0"/>
+            </a:endParaRPr>
+          </a:p>
+        </p:txBody>
+      </p:sp>
+      <p:sp>
+        <p:nvSpPr>
+          <p:cNvPr id="17" name="ZoneTexte 16">
+            <a:extLst>
+              <a:ext uri="{FF2B5EF4-FFF2-40B4-BE49-F238E27FC236}">
+                <a16:creationId xmlns:a16="http://schemas.microsoft.com/office/drawing/2014/main" id="{8490786A-64ED-47C8-87F3-F2BD7C07C2D2}"/>
+              </a:ext>
+            </a:extLst>
+          </p:cNvPr>
+          <p:cNvSpPr txBox="1"/>
+          <p:nvPr/>
+        </p:nvSpPr>
+        <p:spPr>
+          <a:xfrm>
+            <a:off x="1827648" y="3856634"/>
+            <a:ext cx="765494" cy="892552"/>
+          </a:xfrm>
+          <a:prstGeom prst="rect">
+            <a:avLst/>
+          </a:prstGeom>
+          <a:noFill/>
+        </p:spPr>
+        <p:txBody>
+          <a:bodyPr wrap="square" rtlCol="0">
+            <a:spAutoFit/>
+          </a:bodyPr>
+          <a:lstStyle/>
+          <a:p>
+            <a:pPr algn="ctr"/>
+            <a:r>
+              <a:rPr lang="fr-FR" sz="5200" b="1" dirty="0">
+                <a:latin typeface="Montserrat" panose="00000500000000000000" pitchFamily="2" charset="0"/>
+              </a:rPr>
+              <a:t>1</a:t>
+            </a:r>
+          </a:p>
+        </p:txBody>
+      </p:sp>
+      <p:sp>
+        <p:nvSpPr>
+          <p:cNvPr id="19" name="ZoneTexte 18">
+            <a:extLst>
+              <a:ext uri="{FF2B5EF4-FFF2-40B4-BE49-F238E27FC236}">
+                <a16:creationId xmlns:a16="http://schemas.microsoft.com/office/drawing/2014/main" id="{E8411C99-30CC-490C-87A6-28858FED21D7}"/>
+              </a:ext>
+            </a:extLst>
+          </p:cNvPr>
+          <p:cNvSpPr txBox="1"/>
+          <p:nvPr/>
+        </p:nvSpPr>
+        <p:spPr>
+          <a:xfrm>
+            <a:off x="3813175" y="3702744"/>
+            <a:ext cx="7456472" cy="1200329"/>
+          </a:xfrm>
+          <a:prstGeom prst="rect">
+            <a:avLst/>
+          </a:prstGeom>
+          <a:noFill/>
+        </p:spPr>
+        <p:txBody>
+          <a:bodyPr wrap="square" rtlCol="0">
+            <a:spAutoFit/>
+          </a:bodyPr>
+          <a:lstStyle/>
+          <a:p>
+            <a:r>
+              <a:rPr lang="fr-FR" dirty="0">
+                <a:latin typeface="Open Sans" panose="020B0606030504020204" pitchFamily="34" charset="0"/>
+                <a:ea typeface="Open Sans" panose="020B0606030504020204" pitchFamily="34" charset="0"/>
+                <a:cs typeface="Open Sans" panose="020B0606030504020204" pitchFamily="34" charset="0"/>
+              </a:rPr>
+              <a:t>Récupération de la liste des successeurs</a:t>
+            </a:r>
+          </a:p>
+        </p:txBody>
+      </p:sp>
+      <p:sp>
+        <p:nvSpPr>
+          <p:cNvPr id="20" name="Oval 58">
+            <a:extLst>
+              <a:ext uri="{FF2B5EF4-FFF2-40B4-BE49-F238E27FC236}">
+                <a16:creationId xmlns:a16="http://schemas.microsoft.com/office/drawing/2014/main" id="{C6AC175D-B562-45F5-9CE3-3C36DF961328}"/>
+              </a:ext>
+            </a:extLst>
+          </p:cNvPr>
+          <p:cNvSpPr/>
+          <p:nvPr/>
+        </p:nvSpPr>
+        <p:spPr>
+          <a:xfrm>
+            <a:off x="1653792" y="10439313"/>
+            <a:ext cx="1074332" cy="1074611"/>
+          </a:xfrm>
+          <a:prstGeom prst="ellipse">
+            <a:avLst/>
+          </a:prstGeom>
+          <a:noFill/>
+          <a:ln w="28575">
+            <a:solidFill>
+              <a:schemeClr val="tx1"/>
+            </a:solidFill>
+          </a:ln>
+        </p:spPr>
+        <p:style>
+          <a:lnRef idx="2">
+            <a:schemeClr val="accent1">
+              <a:shade val="50000"/>
+            </a:schemeClr>
+          </a:lnRef>
+          <a:fillRef idx="1">
+            <a:schemeClr val="accent1"/>
+          </a:fillRef>
+          <a:effectRef idx="0">
+            <a:schemeClr val="accent1"/>
+          </a:effectRef>
+          <a:fontRef idx="minor">
+            <a:schemeClr val="lt1"/>
+          </a:fontRef>
+        </p:style>
+        <p:txBody>
+          <a:bodyPr rtlCol="0" anchor="ctr"/>
+          <a:lstStyle/>
+          <a:p>
+            <a:pPr algn="ctr"/>
+            <a:endParaRPr lang="en-US" sz="2900" dirty="0">
+              <a:latin typeface="Montserrat Light" charset="0"/>
+              <a:ea typeface="Montserrat Light" charset="0"/>
+              <a:cs typeface="Montserrat Light" charset="0"/>
+            </a:endParaRPr>
+          </a:p>
+        </p:txBody>
+      </p:sp>
+      <p:sp>
+        <p:nvSpPr>
+          <p:cNvPr id="21" name="ZoneTexte 20">
+            <a:extLst>
+              <a:ext uri="{FF2B5EF4-FFF2-40B4-BE49-F238E27FC236}">
+                <a16:creationId xmlns:a16="http://schemas.microsoft.com/office/drawing/2014/main" id="{7D39F379-19DA-462F-82DF-CC0429FDD16A}"/>
+              </a:ext>
+            </a:extLst>
+          </p:cNvPr>
+          <p:cNvSpPr txBox="1"/>
+          <p:nvPr/>
+        </p:nvSpPr>
+        <p:spPr>
+          <a:xfrm>
+            <a:off x="3813175" y="10439492"/>
+            <a:ext cx="7456472" cy="1200329"/>
+          </a:xfrm>
+          <a:prstGeom prst="rect">
+            <a:avLst/>
+          </a:prstGeom>
+          <a:noFill/>
+        </p:spPr>
+        <p:txBody>
+          <a:bodyPr wrap="square" rtlCol="0">
+            <a:spAutoFit/>
+          </a:bodyPr>
+          <a:lstStyle/>
+          <a:p>
+            <a:r>
+              <a:rPr lang="fr-FR" dirty="0">
+                <a:latin typeface="Open Sans" panose="020B0606030504020204" pitchFamily="34" charset="0"/>
+                <a:ea typeface="Open Sans" panose="020B0606030504020204" pitchFamily="34" charset="0"/>
+                <a:cs typeface="Open Sans" panose="020B0606030504020204" pitchFamily="34" charset="0"/>
+              </a:rPr>
+              <a:t>Récupération de la tâche du sommet</a:t>
+            </a:r>
+          </a:p>
+        </p:txBody>
+      </p:sp>
+      <p:sp>
+        <p:nvSpPr>
+          <p:cNvPr id="22" name="ZoneTexte 21">
+            <a:extLst>
+              <a:ext uri="{FF2B5EF4-FFF2-40B4-BE49-F238E27FC236}">
+                <a16:creationId xmlns:a16="http://schemas.microsoft.com/office/drawing/2014/main" id="{73A8A3C1-5182-403C-84AD-7A9C7DD420F7}"/>
+              </a:ext>
+            </a:extLst>
+          </p:cNvPr>
+          <p:cNvSpPr txBox="1"/>
+          <p:nvPr/>
+        </p:nvSpPr>
+        <p:spPr>
+          <a:xfrm>
+            <a:off x="1808211" y="10530341"/>
+            <a:ext cx="765494" cy="892552"/>
+          </a:xfrm>
+          <a:prstGeom prst="rect">
+            <a:avLst/>
+          </a:prstGeom>
+          <a:noFill/>
+        </p:spPr>
+        <p:txBody>
+          <a:bodyPr wrap="square" rtlCol="0">
+            <a:spAutoFit/>
+          </a:bodyPr>
+          <a:lstStyle/>
+          <a:p>
+            <a:pPr algn="ctr"/>
+            <a:r>
+              <a:rPr lang="fr-FR" sz="5200" b="1" dirty="0">
+                <a:latin typeface="Montserrat" panose="00000500000000000000" pitchFamily="2" charset="0"/>
+              </a:rPr>
+              <a:t>2</a:t>
+            </a:r>
+          </a:p>
+        </p:txBody>
+      </p:sp>
+      <p:sp>
+        <p:nvSpPr>
+          <p:cNvPr id="23" name="Rectangle 22">
+            <a:extLst>
+              <a:ext uri="{FF2B5EF4-FFF2-40B4-BE49-F238E27FC236}">
+                <a16:creationId xmlns:a16="http://schemas.microsoft.com/office/drawing/2014/main" id="{E603F1CA-3011-4FF3-9588-EAF41B469703}"/>
+              </a:ext>
+            </a:extLst>
+          </p:cNvPr>
+          <p:cNvSpPr/>
+          <p:nvPr/>
+        </p:nvSpPr>
+        <p:spPr>
+          <a:xfrm>
+            <a:off x="13247048" y="2729880"/>
+            <a:ext cx="9466898" cy="4708981"/>
+          </a:xfrm>
+          <a:prstGeom prst="rect">
+            <a:avLst/>
+          </a:prstGeom>
+        </p:spPr>
+        <p:txBody>
+          <a:bodyPr wrap="square">
+            <a:spAutoFit/>
+          </a:bodyPr>
+          <a:lstStyle/>
+          <a:p>
+            <a:r>
+              <a:rPr lang="fr-FR" sz="3000" dirty="0" err="1">
+                <a:latin typeface="Open Sans" panose="020B0606030504020204" pitchFamily="34" charset="0"/>
+                <a:ea typeface="Open Sans" panose="020B0606030504020204" pitchFamily="34" charset="0"/>
+                <a:cs typeface="Open Sans" panose="020B0606030504020204" pitchFamily="34" charset="0"/>
+              </a:rPr>
+              <a:t>array</a:t>
+            </a:r>
+            <a:r>
+              <a:rPr lang="fr-FR" sz="3000" dirty="0">
+                <a:latin typeface="Open Sans" panose="020B0606030504020204" pitchFamily="34" charset="0"/>
+                <a:ea typeface="Open Sans" panose="020B0606030504020204" pitchFamily="34" charset="0"/>
+                <a:cs typeface="Open Sans" panose="020B0606030504020204" pitchFamily="34" charset="0"/>
+              </a:rPr>
+              <a:t>[2][</a:t>
+            </a:r>
+            <a:r>
+              <a:rPr lang="fr-FR" sz="3000" dirty="0" err="1">
+                <a:latin typeface="Open Sans" panose="020B0606030504020204" pitchFamily="34" charset="0"/>
+                <a:ea typeface="Open Sans" panose="020B0606030504020204" pitchFamily="34" charset="0"/>
+                <a:cs typeface="Open Sans" panose="020B0606030504020204" pitchFamily="34" charset="0"/>
+              </a:rPr>
+              <a:t>nbSommet</a:t>
+            </a:r>
+            <a:r>
+              <a:rPr lang="fr-FR" sz="3000" dirty="0">
+                <a:latin typeface="Open Sans" panose="020B0606030504020204" pitchFamily="34" charset="0"/>
+                <a:ea typeface="Open Sans" panose="020B0606030504020204" pitchFamily="34" charset="0"/>
+                <a:cs typeface="Open Sans" panose="020B0606030504020204" pitchFamily="34" charset="0"/>
+              </a:rPr>
+              <a:t>]</a:t>
+            </a:r>
+          </a:p>
+          <a:p>
+            <a:r>
+              <a:rPr lang="fr-FR" sz="3000" dirty="0" err="1">
+                <a:latin typeface="Open Sans" panose="020B0606030504020204" pitchFamily="34" charset="0"/>
+                <a:ea typeface="Open Sans" panose="020B0606030504020204" pitchFamily="34" charset="0"/>
+                <a:cs typeface="Open Sans" panose="020B0606030504020204" pitchFamily="34" charset="0"/>
+              </a:rPr>
+              <a:t>array</a:t>
+            </a:r>
+            <a:r>
+              <a:rPr lang="fr-FR" sz="3000" dirty="0">
+                <a:latin typeface="Open Sans" panose="020B0606030504020204" pitchFamily="34" charset="0"/>
+                <a:ea typeface="Open Sans" panose="020B0606030504020204" pitchFamily="34" charset="0"/>
+                <a:cs typeface="Open Sans" panose="020B0606030504020204" pitchFamily="34" charset="0"/>
+              </a:rPr>
+              <a:t>[0][nb_sommet-1] = -1;</a:t>
+            </a:r>
+          </a:p>
+          <a:p>
+            <a:r>
+              <a:rPr lang="fr-FR" sz="3000" dirty="0" err="1">
+                <a:latin typeface="Open Sans" panose="020B0606030504020204" pitchFamily="34" charset="0"/>
+                <a:ea typeface="Open Sans" panose="020B0606030504020204" pitchFamily="34" charset="0"/>
+                <a:cs typeface="Open Sans" panose="020B0606030504020204" pitchFamily="34" charset="0"/>
+              </a:rPr>
+              <a:t>array</a:t>
+            </a:r>
+            <a:r>
+              <a:rPr lang="fr-FR" sz="3000" dirty="0">
+                <a:latin typeface="Open Sans" panose="020B0606030504020204" pitchFamily="34" charset="0"/>
+                <a:ea typeface="Open Sans" panose="020B0606030504020204" pitchFamily="34" charset="0"/>
+                <a:cs typeface="Open Sans" panose="020B0606030504020204" pitchFamily="34" charset="0"/>
+              </a:rPr>
+              <a:t>[1][nb_sommet-1] = </a:t>
+            </a:r>
+            <a:r>
+              <a:rPr lang="fr-FR" sz="3000" dirty="0" err="1">
+                <a:latin typeface="Open Sans" panose="020B0606030504020204" pitchFamily="34" charset="0"/>
+                <a:ea typeface="Open Sans" panose="020B0606030504020204" pitchFamily="34" charset="0"/>
+                <a:cs typeface="Open Sans" panose="020B0606030504020204" pitchFamily="34" charset="0"/>
+              </a:rPr>
+              <a:t>datePlusTot</a:t>
+            </a:r>
+            <a:r>
+              <a:rPr lang="fr-FR" sz="3000" dirty="0">
+                <a:latin typeface="Open Sans" panose="020B0606030504020204" pitchFamily="34" charset="0"/>
+                <a:ea typeface="Open Sans" panose="020B0606030504020204" pitchFamily="34" charset="0"/>
+                <a:cs typeface="Open Sans" panose="020B0606030504020204" pitchFamily="34" charset="0"/>
+              </a:rPr>
+              <a:t>;</a:t>
+            </a:r>
+          </a:p>
+          <a:p>
+            <a:r>
+              <a:rPr lang="fr-FR" sz="3000" dirty="0">
+                <a:latin typeface="Open Sans" panose="020B0606030504020204" pitchFamily="34" charset="0"/>
+                <a:ea typeface="Open Sans" panose="020B0606030504020204" pitchFamily="34" charset="0"/>
+                <a:cs typeface="Open Sans" panose="020B0606030504020204" pitchFamily="34" charset="0"/>
+              </a:rPr>
+              <a:t>pour i allant de nb-sommet - 2 à 0</a:t>
+            </a:r>
+          </a:p>
+          <a:p>
+            <a:r>
+              <a:rPr lang="fr-FR" sz="3000" dirty="0">
+                <a:latin typeface="Open Sans" panose="020B0606030504020204" pitchFamily="34" charset="0"/>
+                <a:ea typeface="Open Sans" panose="020B0606030504020204" pitchFamily="34" charset="0"/>
+                <a:cs typeface="Open Sans" panose="020B0606030504020204" pitchFamily="34" charset="0"/>
+              </a:rPr>
+              <a:t>    pour j allant 0 à nbSommet-1</a:t>
+            </a:r>
+          </a:p>
+          <a:p>
+            <a:r>
+              <a:rPr lang="fr-FR" sz="3000" dirty="0">
+                <a:latin typeface="Open Sans" panose="020B0606030504020204" pitchFamily="34" charset="0"/>
+                <a:ea typeface="Open Sans" panose="020B0606030504020204" pitchFamily="34" charset="0"/>
+                <a:cs typeface="Open Sans" panose="020B0606030504020204" pitchFamily="34" charset="0"/>
+              </a:rPr>
+              <a:t>        si </a:t>
+            </a:r>
+            <a:r>
+              <a:rPr lang="fr-FR" sz="3000" dirty="0" err="1">
+                <a:latin typeface="Open Sans" panose="020B0606030504020204" pitchFamily="34" charset="0"/>
+                <a:ea typeface="Open Sans" panose="020B0606030504020204" pitchFamily="34" charset="0"/>
+                <a:cs typeface="Open Sans" panose="020B0606030504020204" pitchFamily="34" charset="0"/>
+              </a:rPr>
+              <a:t>matriceAdjacence</a:t>
+            </a:r>
+            <a:r>
+              <a:rPr lang="fr-FR" sz="3000" dirty="0">
+                <a:latin typeface="Open Sans" panose="020B0606030504020204" pitchFamily="34" charset="0"/>
+                <a:ea typeface="Open Sans" panose="020B0606030504020204" pitchFamily="34" charset="0"/>
+                <a:cs typeface="Open Sans" panose="020B0606030504020204" pitchFamily="34" charset="0"/>
+              </a:rPr>
+              <a:t>[</a:t>
+            </a:r>
+            <a:r>
+              <a:rPr lang="fr-FR" sz="3000" dirty="0" err="1">
+                <a:latin typeface="Open Sans" panose="020B0606030504020204" pitchFamily="34" charset="0"/>
+                <a:ea typeface="Open Sans" panose="020B0606030504020204" pitchFamily="34" charset="0"/>
+                <a:cs typeface="Open Sans" panose="020B0606030504020204" pitchFamily="34" charset="0"/>
+              </a:rPr>
+              <a:t>sommetOrdonne</a:t>
+            </a:r>
+            <a:r>
+              <a:rPr lang="fr-FR" sz="3000" dirty="0">
+                <a:latin typeface="Open Sans" panose="020B0606030504020204" pitchFamily="34" charset="0"/>
+                <a:ea typeface="Open Sans" panose="020B0606030504020204" pitchFamily="34" charset="0"/>
+                <a:cs typeface="Open Sans" panose="020B0606030504020204" pitchFamily="34" charset="0"/>
+              </a:rPr>
+              <a:t>[i][j] == 1</a:t>
+            </a:r>
+          </a:p>
+          <a:p>
+            <a:r>
+              <a:rPr lang="fr-FR" sz="3000" dirty="0">
+                <a:latin typeface="Open Sans" panose="020B0606030504020204" pitchFamily="34" charset="0"/>
+                <a:ea typeface="Open Sans" panose="020B0606030504020204" pitchFamily="34" charset="0"/>
+                <a:cs typeface="Open Sans" panose="020B0606030504020204" pitchFamily="34" charset="0"/>
+              </a:rPr>
+              <a:t>            ajout j à </a:t>
+            </a:r>
+            <a:r>
+              <a:rPr lang="fr-FR" sz="3000" dirty="0" err="1">
+                <a:latin typeface="Open Sans" panose="020B0606030504020204" pitchFamily="34" charset="0"/>
+                <a:ea typeface="Open Sans" panose="020B0606030504020204" pitchFamily="34" charset="0"/>
+                <a:cs typeface="Open Sans" panose="020B0606030504020204" pitchFamily="34" charset="0"/>
+              </a:rPr>
+              <a:t>listeSucc</a:t>
+            </a:r>
+            <a:endParaRPr lang="fr-FR" sz="3000" dirty="0">
+              <a:latin typeface="Open Sans" panose="020B0606030504020204" pitchFamily="34" charset="0"/>
+              <a:ea typeface="Open Sans" panose="020B0606030504020204" pitchFamily="34" charset="0"/>
+              <a:cs typeface="Open Sans" panose="020B0606030504020204" pitchFamily="34" charset="0"/>
+            </a:endParaRPr>
+          </a:p>
+          <a:p>
+            <a:r>
+              <a:rPr lang="fr-FR" sz="3000" dirty="0">
+                <a:latin typeface="Open Sans" panose="020B0606030504020204" pitchFamily="34" charset="0"/>
+                <a:ea typeface="Open Sans" panose="020B0606030504020204" pitchFamily="34" charset="0"/>
+                <a:cs typeface="Open Sans" panose="020B0606030504020204" pitchFamily="34" charset="0"/>
+              </a:rPr>
+              <a:t>        fin</a:t>
+            </a:r>
+          </a:p>
+          <a:p>
+            <a:r>
+              <a:rPr lang="fr-FR" sz="3000" dirty="0">
+                <a:latin typeface="Open Sans" panose="020B0606030504020204" pitchFamily="34" charset="0"/>
+                <a:ea typeface="Open Sans" panose="020B0606030504020204" pitchFamily="34" charset="0"/>
+                <a:cs typeface="Open Sans" panose="020B0606030504020204" pitchFamily="34" charset="0"/>
+              </a:rPr>
+              <a:t>    fin</a:t>
+            </a:r>
+          </a:p>
+          <a:p>
+            <a:r>
+              <a:rPr lang="fr-FR" sz="3000" dirty="0">
+                <a:latin typeface="Open Sans" panose="020B0606030504020204" pitchFamily="34" charset="0"/>
+                <a:ea typeface="Open Sans" panose="020B0606030504020204" pitchFamily="34" charset="0"/>
+                <a:cs typeface="Open Sans" panose="020B0606030504020204" pitchFamily="34" charset="0"/>
+              </a:rPr>
+              <a:t>    …</a:t>
+            </a:r>
+          </a:p>
+        </p:txBody>
+      </p:sp>
+      <p:sp>
+        <p:nvSpPr>
+          <p:cNvPr id="24" name="Rectangle 23">
+            <a:extLst>
+              <a:ext uri="{FF2B5EF4-FFF2-40B4-BE49-F238E27FC236}">
+                <a16:creationId xmlns:a16="http://schemas.microsoft.com/office/drawing/2014/main" id="{E84CBF3F-8B3D-4AE6-A7E7-60951E474342}"/>
+              </a:ext>
+            </a:extLst>
+          </p:cNvPr>
+          <p:cNvSpPr/>
+          <p:nvPr/>
+        </p:nvSpPr>
+        <p:spPr>
+          <a:xfrm>
+            <a:off x="13247048" y="9791677"/>
+            <a:ext cx="8857578" cy="1477328"/>
+          </a:xfrm>
+          <a:prstGeom prst="rect">
+            <a:avLst/>
+          </a:prstGeom>
+        </p:spPr>
+        <p:txBody>
+          <a:bodyPr wrap="square">
+            <a:spAutoFit/>
+          </a:bodyPr>
+          <a:lstStyle/>
+          <a:p>
+            <a:r>
+              <a:rPr lang="fr-FR" sz="3000" dirty="0"/>
+              <a:t>    …</a:t>
+            </a:r>
+          </a:p>
+          <a:p>
+            <a:r>
+              <a:rPr lang="fr-FR" sz="3000" dirty="0"/>
+              <a:t>    tache = valeur de la tache de </a:t>
+            </a:r>
+            <a:r>
+              <a:rPr lang="fr-FR" sz="3000" dirty="0" err="1"/>
+              <a:t>sommetOrdonne</a:t>
+            </a:r>
+            <a:r>
+              <a:rPr lang="fr-FR" sz="3000" dirty="0"/>
+              <a:t>[i]   </a:t>
+            </a:r>
+          </a:p>
+          <a:p>
+            <a:r>
+              <a:rPr lang="fr-FR" sz="3000" dirty="0"/>
+              <a:t>    …</a:t>
+            </a:r>
+          </a:p>
+        </p:txBody>
+      </p:sp>
+    </p:spTree>
+    <p:extLst>
+      <p:ext uri="{BB962C8B-B14F-4D97-AF65-F5344CB8AC3E}">
+        <p14:creationId xmlns:p14="http://schemas.microsoft.com/office/powerpoint/2010/main" val="3295703450"/>
+      </p:ext>
+    </p:extLst>
+  </p:cSld>
+  <p:clrMapOvr>
+    <a:masterClrMapping/>
+  </p:clrMapOvr>
+</p:sld>
+</file>
+
+<file path=ppt/slides/slide19.xml><?xml version="1.0" encoding="utf-8"?>
+<p:sld xmlns:a="http://schemas.openxmlformats.org/drawingml/2006/main" xmlns:r="http://schemas.openxmlformats.org/officeDocument/2006/relationships" xmlns:p="http://schemas.openxmlformats.org/presentationml/2006/main">
+  <p:cSld>
+    <p:spTree>
+      <p:nvGrpSpPr>
+        <p:cNvPr id="1" name=""/>
+        <p:cNvGrpSpPr/>
+        <p:nvPr/>
+      </p:nvGrpSpPr>
+      <p:grpSpPr>
+        <a:xfrm>
+          <a:off x="0" y="0"/>
+          <a:ext cx="0" cy="0"/>
+          <a:chOff x="0" y="0"/>
+          <a:chExt cx="0" cy="0"/>
+        </a:xfrm>
+      </p:grpSpPr>
+      <p:sp>
+        <p:nvSpPr>
+          <p:cNvPr id="2" name="Oval 58">
+            <a:extLst>
+              <a:ext uri="{FF2B5EF4-FFF2-40B4-BE49-F238E27FC236}">
+                <a16:creationId xmlns:a16="http://schemas.microsoft.com/office/drawing/2014/main" id="{AD70A230-82AA-4409-B505-7464F553F4FB}"/>
+              </a:ext>
+            </a:extLst>
+          </p:cNvPr>
+          <p:cNvSpPr/>
+          <p:nvPr/>
+        </p:nvSpPr>
+        <p:spPr>
+          <a:xfrm>
+            <a:off x="1653792" y="4851259"/>
+            <a:ext cx="1074332" cy="1074611"/>
+          </a:xfrm>
+          <a:prstGeom prst="ellipse">
+            <a:avLst/>
+          </a:prstGeom>
+          <a:noFill/>
+          <a:ln w="28575">
+            <a:solidFill>
+              <a:schemeClr val="tx1"/>
+            </a:solidFill>
+          </a:ln>
+        </p:spPr>
+        <p:style>
+          <a:lnRef idx="2">
+            <a:schemeClr val="accent1">
+              <a:shade val="50000"/>
+            </a:schemeClr>
+          </a:lnRef>
+          <a:fillRef idx="1">
+            <a:schemeClr val="accent1"/>
+          </a:fillRef>
+          <a:effectRef idx="0">
+            <a:schemeClr val="accent1"/>
+          </a:effectRef>
+          <a:fontRef idx="minor">
+            <a:schemeClr val="lt1"/>
+          </a:fontRef>
+        </p:style>
+        <p:txBody>
+          <a:bodyPr rtlCol="0" anchor="ctr"/>
+          <a:lstStyle/>
+          <a:p>
+            <a:pPr algn="ctr"/>
+            <a:endParaRPr lang="en-US" sz="2900" dirty="0">
+              <a:latin typeface="Montserrat Light" charset="0"/>
+              <a:ea typeface="Montserrat Light" charset="0"/>
+              <a:cs typeface="Montserrat Light" charset="0"/>
+            </a:endParaRPr>
+          </a:p>
+        </p:txBody>
+      </p:sp>
+      <p:sp>
+        <p:nvSpPr>
+          <p:cNvPr id="3" name="ZoneTexte 2">
+            <a:extLst>
+              <a:ext uri="{FF2B5EF4-FFF2-40B4-BE49-F238E27FC236}">
+                <a16:creationId xmlns:a16="http://schemas.microsoft.com/office/drawing/2014/main" id="{62CE75D2-956A-4E80-9E11-FFB45D9A9023}"/>
+              </a:ext>
+            </a:extLst>
+          </p:cNvPr>
+          <p:cNvSpPr txBox="1"/>
+          <p:nvPr/>
+        </p:nvSpPr>
+        <p:spPr>
+          <a:xfrm>
+            <a:off x="3813175" y="4966727"/>
+            <a:ext cx="7456472" cy="646331"/>
+          </a:xfrm>
+          <a:prstGeom prst="rect">
+            <a:avLst/>
+          </a:prstGeom>
+          <a:noFill/>
+        </p:spPr>
+        <p:txBody>
+          <a:bodyPr wrap="square" rtlCol="0">
+            <a:spAutoFit/>
+          </a:bodyPr>
+          <a:lstStyle/>
+          <a:p>
+            <a:r>
+              <a:rPr lang="fr-FR" dirty="0">
+                <a:latin typeface="Open Sans" panose="020B0606030504020204" pitchFamily="34" charset="0"/>
+                <a:ea typeface="Open Sans" panose="020B0606030504020204" pitchFamily="34" charset="0"/>
+                <a:cs typeface="Open Sans" panose="020B0606030504020204" pitchFamily="34" charset="0"/>
+              </a:rPr>
+              <a:t>Calcul des dates au plus tard</a:t>
+            </a:r>
+          </a:p>
+        </p:txBody>
+      </p:sp>
+      <p:sp>
+        <p:nvSpPr>
+          <p:cNvPr id="8" name="ZoneTexte 7">
+            <a:extLst>
+              <a:ext uri="{FF2B5EF4-FFF2-40B4-BE49-F238E27FC236}">
+                <a16:creationId xmlns:a16="http://schemas.microsoft.com/office/drawing/2014/main" id="{F7CEAE41-B470-4249-9F67-341B9FDE0E2E}"/>
+              </a:ext>
+            </a:extLst>
+          </p:cNvPr>
+          <p:cNvSpPr txBox="1"/>
+          <p:nvPr/>
+        </p:nvSpPr>
+        <p:spPr>
+          <a:xfrm>
+            <a:off x="1808211" y="4942287"/>
+            <a:ext cx="765494" cy="892552"/>
+          </a:xfrm>
+          <a:prstGeom prst="rect">
+            <a:avLst/>
+          </a:prstGeom>
+          <a:noFill/>
+        </p:spPr>
+        <p:txBody>
+          <a:bodyPr wrap="square" rtlCol="0">
+            <a:spAutoFit/>
+          </a:bodyPr>
+          <a:lstStyle/>
+          <a:p>
+            <a:pPr algn="ctr"/>
+            <a:r>
+              <a:rPr lang="fr-FR" sz="5200" b="1" dirty="0">
+                <a:latin typeface="Montserrat" panose="00000500000000000000" pitchFamily="2" charset="0"/>
+              </a:rPr>
+              <a:t>3</a:t>
+            </a:r>
+          </a:p>
+        </p:txBody>
+      </p:sp>
+      <p:sp>
+        <p:nvSpPr>
+          <p:cNvPr id="9" name="Oval 58">
+            <a:extLst>
+              <a:ext uri="{FF2B5EF4-FFF2-40B4-BE49-F238E27FC236}">
+                <a16:creationId xmlns:a16="http://schemas.microsoft.com/office/drawing/2014/main" id="{314E2FB6-B01F-4137-9F9C-AF384FC63B9A}"/>
+              </a:ext>
+            </a:extLst>
+          </p:cNvPr>
+          <p:cNvSpPr/>
+          <p:nvPr/>
+        </p:nvSpPr>
+        <p:spPr>
+          <a:xfrm>
+            <a:off x="1653792" y="10001109"/>
+            <a:ext cx="1074332" cy="1074611"/>
+          </a:xfrm>
+          <a:prstGeom prst="ellipse">
+            <a:avLst/>
+          </a:prstGeom>
+          <a:noFill/>
+          <a:ln w="28575">
+            <a:solidFill>
+              <a:schemeClr val="tx1"/>
+            </a:solidFill>
+          </a:ln>
+        </p:spPr>
+        <p:style>
+          <a:lnRef idx="2">
+            <a:schemeClr val="accent1">
+              <a:shade val="50000"/>
+            </a:schemeClr>
+          </a:lnRef>
+          <a:fillRef idx="1">
+            <a:schemeClr val="accent1"/>
+          </a:fillRef>
+          <a:effectRef idx="0">
+            <a:schemeClr val="accent1"/>
+          </a:effectRef>
+          <a:fontRef idx="minor">
+            <a:schemeClr val="lt1"/>
+          </a:fontRef>
+        </p:style>
+        <p:txBody>
+          <a:bodyPr rtlCol="0" anchor="ctr"/>
+          <a:lstStyle/>
+          <a:p>
+            <a:pPr algn="ctr"/>
+            <a:endParaRPr lang="en-US" sz="2900" dirty="0">
+              <a:latin typeface="Montserrat Light" charset="0"/>
+              <a:ea typeface="Montserrat Light" charset="0"/>
+              <a:cs typeface="Montserrat Light" charset="0"/>
+            </a:endParaRPr>
+          </a:p>
+        </p:txBody>
+      </p:sp>
+      <p:sp>
+        <p:nvSpPr>
+          <p:cNvPr id="10" name="ZoneTexte 9">
+            <a:extLst>
+              <a:ext uri="{FF2B5EF4-FFF2-40B4-BE49-F238E27FC236}">
+                <a16:creationId xmlns:a16="http://schemas.microsoft.com/office/drawing/2014/main" id="{EA7305AA-C91D-4327-93CA-B854F5AF5A82}"/>
+              </a:ext>
+            </a:extLst>
+          </p:cNvPr>
+          <p:cNvSpPr txBox="1"/>
+          <p:nvPr/>
+        </p:nvSpPr>
+        <p:spPr>
+          <a:xfrm>
+            <a:off x="3813175" y="10116577"/>
+            <a:ext cx="7456472" cy="1200329"/>
+          </a:xfrm>
+          <a:prstGeom prst="rect">
+            <a:avLst/>
+          </a:prstGeom>
+          <a:noFill/>
+        </p:spPr>
+        <p:txBody>
+          <a:bodyPr wrap="square" rtlCol="0">
+            <a:spAutoFit/>
+          </a:bodyPr>
+          <a:lstStyle/>
+          <a:p>
+            <a:r>
+              <a:rPr lang="fr-FR" dirty="0">
+                <a:latin typeface="Open Sans" panose="020B0606030504020204" pitchFamily="34" charset="0"/>
+                <a:ea typeface="Open Sans" panose="020B0606030504020204" pitchFamily="34" charset="0"/>
+                <a:cs typeface="Open Sans" panose="020B0606030504020204" pitchFamily="34" charset="0"/>
+              </a:rPr>
+              <a:t>Conservation de la date au plus tard minimale</a:t>
+            </a:r>
+          </a:p>
+        </p:txBody>
+      </p:sp>
+      <p:sp>
+        <p:nvSpPr>
+          <p:cNvPr id="11" name="ZoneTexte 10">
+            <a:extLst>
+              <a:ext uri="{FF2B5EF4-FFF2-40B4-BE49-F238E27FC236}">
+                <a16:creationId xmlns:a16="http://schemas.microsoft.com/office/drawing/2014/main" id="{D1E9F0AC-D027-4719-AF38-04C4EBDAC40B}"/>
+              </a:ext>
+            </a:extLst>
+          </p:cNvPr>
+          <p:cNvSpPr txBox="1"/>
+          <p:nvPr/>
+        </p:nvSpPr>
+        <p:spPr>
+          <a:xfrm>
+            <a:off x="1808211" y="10092137"/>
+            <a:ext cx="765494" cy="892552"/>
+          </a:xfrm>
+          <a:prstGeom prst="rect">
+            <a:avLst/>
+          </a:prstGeom>
+          <a:noFill/>
+        </p:spPr>
+        <p:txBody>
+          <a:bodyPr wrap="square" rtlCol="0">
+            <a:spAutoFit/>
+          </a:bodyPr>
+          <a:lstStyle/>
+          <a:p>
+            <a:pPr algn="ctr"/>
+            <a:r>
+              <a:rPr lang="fr-FR" sz="5200" b="1" dirty="0">
+                <a:latin typeface="Montserrat" panose="00000500000000000000" pitchFamily="2" charset="0"/>
+              </a:rPr>
+              <a:t>4</a:t>
+            </a:r>
+          </a:p>
+        </p:txBody>
+      </p:sp>
+      <p:sp>
+        <p:nvSpPr>
+          <p:cNvPr id="12" name="Rectangle 11">
+            <a:extLst>
+              <a:ext uri="{FF2B5EF4-FFF2-40B4-BE49-F238E27FC236}">
+                <a16:creationId xmlns:a16="http://schemas.microsoft.com/office/drawing/2014/main" id="{9EC294B9-4D95-43E2-9035-3C4E7B2F0ED4}"/>
+              </a:ext>
+            </a:extLst>
+          </p:cNvPr>
+          <p:cNvSpPr/>
+          <p:nvPr/>
+        </p:nvSpPr>
+        <p:spPr>
+          <a:xfrm>
+            <a:off x="11556827" y="2704570"/>
+            <a:ext cx="13160736" cy="5170646"/>
+          </a:xfrm>
+          <a:prstGeom prst="rect">
+            <a:avLst/>
+          </a:prstGeom>
+        </p:spPr>
+        <p:txBody>
+          <a:bodyPr wrap="square">
+            <a:spAutoFit/>
+          </a:bodyPr>
+          <a:lstStyle/>
+          <a:p>
+            <a:r>
+              <a:rPr lang="fr-FR" sz="3000" dirty="0">
+                <a:latin typeface="Open Sans" panose="020B0606030504020204" pitchFamily="34" charset="0"/>
+                <a:ea typeface="Open Sans" panose="020B0606030504020204" pitchFamily="34" charset="0"/>
+                <a:cs typeface="Open Sans" panose="020B0606030504020204" pitchFamily="34" charset="0"/>
+              </a:rPr>
+              <a:t>…</a:t>
+            </a:r>
+          </a:p>
+          <a:p>
+            <a:r>
+              <a:rPr lang="fr-FR" sz="3000" dirty="0">
+                <a:latin typeface="Open Sans" panose="020B0606030504020204" pitchFamily="34" charset="0"/>
+                <a:ea typeface="Open Sans" panose="020B0606030504020204" pitchFamily="34" charset="0"/>
+                <a:cs typeface="Open Sans" panose="020B0606030504020204" pitchFamily="34" charset="0"/>
+              </a:rPr>
+              <a:t>    pour j allant de 0 à taille </a:t>
+            </a:r>
+            <a:r>
+              <a:rPr lang="fr-FR" sz="3000" dirty="0" err="1">
+                <a:latin typeface="Open Sans" panose="020B0606030504020204" pitchFamily="34" charset="0"/>
+                <a:ea typeface="Open Sans" panose="020B0606030504020204" pitchFamily="34" charset="0"/>
+                <a:cs typeface="Open Sans" panose="020B0606030504020204" pitchFamily="34" charset="0"/>
+              </a:rPr>
+              <a:t>listeSucc</a:t>
+            </a:r>
+            <a:r>
+              <a:rPr lang="fr-FR" sz="3000" dirty="0">
+                <a:latin typeface="Open Sans" panose="020B0606030504020204" pitchFamily="34" charset="0"/>
+                <a:ea typeface="Open Sans" panose="020B0606030504020204" pitchFamily="34" charset="0"/>
+                <a:cs typeface="Open Sans" panose="020B0606030504020204" pitchFamily="34" charset="0"/>
+              </a:rPr>
+              <a:t> - 1</a:t>
+            </a:r>
+          </a:p>
+          <a:p>
+            <a:r>
+              <a:rPr lang="fr-FR" sz="3000" dirty="0">
+                <a:latin typeface="Open Sans" panose="020B0606030504020204" pitchFamily="34" charset="0"/>
+                <a:ea typeface="Open Sans" panose="020B0606030504020204" pitchFamily="34" charset="0"/>
+                <a:cs typeface="Open Sans" panose="020B0606030504020204" pitchFamily="34" charset="0"/>
+              </a:rPr>
+              <a:t>	</a:t>
+            </a:r>
+            <a:r>
+              <a:rPr lang="fr-FR" sz="3000" dirty="0" err="1">
+                <a:latin typeface="Open Sans" panose="020B0606030504020204" pitchFamily="34" charset="0"/>
+                <a:ea typeface="Open Sans" panose="020B0606030504020204" pitchFamily="34" charset="0"/>
+                <a:cs typeface="Open Sans" panose="020B0606030504020204" pitchFamily="34" charset="0"/>
+              </a:rPr>
+              <a:t>sommetTache</a:t>
+            </a:r>
+            <a:r>
+              <a:rPr lang="fr-FR" sz="3000" dirty="0">
+                <a:latin typeface="Open Sans" panose="020B0606030504020204" pitchFamily="34" charset="0"/>
+                <a:ea typeface="Open Sans" panose="020B0606030504020204" pitchFamily="34" charset="0"/>
+                <a:cs typeface="Open Sans" panose="020B0606030504020204" pitchFamily="34" charset="0"/>
+              </a:rPr>
+              <a:t> = </a:t>
+            </a:r>
+            <a:r>
+              <a:rPr lang="fr-FR" sz="3000" dirty="0" err="1">
+                <a:latin typeface="Open Sans" panose="020B0606030504020204" pitchFamily="34" charset="0"/>
+                <a:ea typeface="Open Sans" panose="020B0606030504020204" pitchFamily="34" charset="0"/>
+                <a:cs typeface="Open Sans" panose="020B0606030504020204" pitchFamily="34" charset="0"/>
+              </a:rPr>
+              <a:t>listeSucc.get</a:t>
+            </a:r>
+            <a:r>
+              <a:rPr lang="fr-FR" sz="3000" dirty="0">
+                <a:latin typeface="Open Sans" panose="020B0606030504020204" pitchFamily="34" charset="0"/>
+                <a:ea typeface="Open Sans" panose="020B0606030504020204" pitchFamily="34" charset="0"/>
+                <a:cs typeface="Open Sans" panose="020B0606030504020204" pitchFamily="34" charset="0"/>
+              </a:rPr>
+              <a:t>(j)</a:t>
+            </a:r>
+          </a:p>
+          <a:p>
+            <a:r>
+              <a:rPr lang="fr-FR" sz="3000" dirty="0">
+                <a:latin typeface="Open Sans" panose="020B0606030504020204" pitchFamily="34" charset="0"/>
+                <a:ea typeface="Open Sans" panose="020B0606030504020204" pitchFamily="34" charset="0"/>
+                <a:cs typeface="Open Sans" panose="020B0606030504020204" pitchFamily="34" charset="0"/>
+              </a:rPr>
+              <a:t>        	index = 0</a:t>
+            </a:r>
+          </a:p>
+          <a:p>
+            <a:r>
+              <a:rPr lang="fr-FR" sz="3000" dirty="0">
+                <a:latin typeface="Open Sans" panose="020B0606030504020204" pitchFamily="34" charset="0"/>
+                <a:ea typeface="Open Sans" panose="020B0606030504020204" pitchFamily="34" charset="0"/>
+                <a:cs typeface="Open Sans" panose="020B0606030504020204" pitchFamily="34" charset="0"/>
+              </a:rPr>
+              <a:t>        	pour k allant de 0 à taille de </a:t>
+            </a:r>
+            <a:r>
+              <a:rPr lang="fr-FR" sz="3000" dirty="0" err="1">
+                <a:latin typeface="Open Sans" panose="020B0606030504020204" pitchFamily="34" charset="0"/>
+                <a:ea typeface="Open Sans" panose="020B0606030504020204" pitchFamily="34" charset="0"/>
+                <a:cs typeface="Open Sans" panose="020B0606030504020204" pitchFamily="34" charset="0"/>
+              </a:rPr>
+              <a:t>sommetOrdonne</a:t>
+            </a:r>
+            <a:r>
+              <a:rPr lang="fr-FR" sz="3000" dirty="0">
+                <a:latin typeface="Open Sans" panose="020B0606030504020204" pitchFamily="34" charset="0"/>
+                <a:ea typeface="Open Sans" panose="020B0606030504020204" pitchFamily="34" charset="0"/>
+                <a:cs typeface="Open Sans" panose="020B0606030504020204" pitchFamily="34" charset="0"/>
+              </a:rPr>
+              <a:t> - 1</a:t>
+            </a:r>
+          </a:p>
+          <a:p>
+            <a:r>
+              <a:rPr lang="fr-FR" sz="3000" dirty="0">
+                <a:latin typeface="Open Sans" panose="020B0606030504020204" pitchFamily="34" charset="0"/>
+                <a:ea typeface="Open Sans" panose="020B0606030504020204" pitchFamily="34" charset="0"/>
+                <a:cs typeface="Open Sans" panose="020B0606030504020204" pitchFamily="34" charset="0"/>
+              </a:rPr>
+              <a:t>            		si (</a:t>
+            </a:r>
+            <a:r>
+              <a:rPr lang="fr-FR" sz="3000" dirty="0" err="1">
+                <a:latin typeface="Open Sans" panose="020B0606030504020204" pitchFamily="34" charset="0"/>
+                <a:ea typeface="Open Sans" panose="020B0606030504020204" pitchFamily="34" charset="0"/>
+                <a:cs typeface="Open Sans" panose="020B0606030504020204" pitchFamily="34" charset="0"/>
+              </a:rPr>
+              <a:t>sommetOrdonne</a:t>
+            </a:r>
+            <a:r>
+              <a:rPr lang="fr-FR" sz="3000" dirty="0">
+                <a:latin typeface="Open Sans" panose="020B0606030504020204" pitchFamily="34" charset="0"/>
+                <a:ea typeface="Open Sans" panose="020B0606030504020204" pitchFamily="34" charset="0"/>
+                <a:cs typeface="Open Sans" panose="020B0606030504020204" pitchFamily="34" charset="0"/>
+              </a:rPr>
+              <a:t>[k] == </a:t>
+            </a:r>
+            <a:r>
+              <a:rPr lang="fr-FR" sz="3000" dirty="0" err="1">
+                <a:latin typeface="Open Sans" panose="020B0606030504020204" pitchFamily="34" charset="0"/>
+                <a:ea typeface="Open Sans" panose="020B0606030504020204" pitchFamily="34" charset="0"/>
+                <a:cs typeface="Open Sans" panose="020B0606030504020204" pitchFamily="34" charset="0"/>
+              </a:rPr>
+              <a:t>sommetTache</a:t>
+            </a:r>
+            <a:r>
+              <a:rPr lang="fr-FR" sz="3000" dirty="0">
+                <a:latin typeface="Open Sans" panose="020B0606030504020204" pitchFamily="34" charset="0"/>
+                <a:ea typeface="Open Sans" panose="020B0606030504020204" pitchFamily="34" charset="0"/>
+                <a:cs typeface="Open Sans" panose="020B0606030504020204" pitchFamily="34" charset="0"/>
+              </a:rPr>
+              <a:t>)</a:t>
+            </a:r>
+          </a:p>
+          <a:p>
+            <a:r>
+              <a:rPr lang="fr-FR" sz="3000" dirty="0">
+                <a:latin typeface="Open Sans" panose="020B0606030504020204" pitchFamily="34" charset="0"/>
+                <a:ea typeface="Open Sans" panose="020B0606030504020204" pitchFamily="34" charset="0"/>
+                <a:cs typeface="Open Sans" panose="020B0606030504020204" pitchFamily="34" charset="0"/>
+              </a:rPr>
+              <a:t>                			index = k</a:t>
+            </a:r>
+          </a:p>
+          <a:p>
+            <a:r>
+              <a:rPr lang="fr-FR" sz="3000" dirty="0">
+                <a:latin typeface="Open Sans" panose="020B0606030504020204" pitchFamily="34" charset="0"/>
+                <a:ea typeface="Open Sans" panose="020B0606030504020204" pitchFamily="34" charset="0"/>
+                <a:cs typeface="Open Sans" panose="020B0606030504020204" pitchFamily="34" charset="0"/>
+              </a:rPr>
+              <a:t>            		fin</a:t>
+            </a:r>
+          </a:p>
+          <a:p>
+            <a:r>
+              <a:rPr lang="fr-FR" sz="3000" dirty="0">
+                <a:latin typeface="Open Sans" panose="020B0606030504020204" pitchFamily="34" charset="0"/>
+                <a:ea typeface="Open Sans" panose="020B0606030504020204" pitchFamily="34" charset="0"/>
+                <a:cs typeface="Open Sans" panose="020B0606030504020204" pitchFamily="34" charset="0"/>
+              </a:rPr>
+              <a:t>        	fin</a:t>
+            </a:r>
+          </a:p>
+          <a:p>
+            <a:r>
+              <a:rPr lang="fr-FR" sz="3000" dirty="0">
+                <a:latin typeface="Open Sans" panose="020B0606030504020204" pitchFamily="34" charset="0"/>
+                <a:ea typeface="Open Sans" panose="020B0606030504020204" pitchFamily="34" charset="0"/>
+                <a:cs typeface="Open Sans" panose="020B0606030504020204" pitchFamily="34" charset="0"/>
+              </a:rPr>
+              <a:t>        	ajoute (</a:t>
+            </a:r>
+            <a:r>
+              <a:rPr lang="fr-FR" sz="3000" dirty="0" err="1">
+                <a:latin typeface="Open Sans" panose="020B0606030504020204" pitchFamily="34" charset="0"/>
+                <a:ea typeface="Open Sans" panose="020B0606030504020204" pitchFamily="34" charset="0"/>
+                <a:cs typeface="Open Sans" panose="020B0606030504020204" pitchFamily="34" charset="0"/>
+              </a:rPr>
+              <a:t>array</a:t>
+            </a:r>
+            <a:r>
+              <a:rPr lang="fr-FR" sz="3000" dirty="0">
+                <a:latin typeface="Open Sans" panose="020B0606030504020204" pitchFamily="34" charset="0"/>
+                <a:ea typeface="Open Sans" panose="020B0606030504020204" pitchFamily="34" charset="0"/>
+                <a:cs typeface="Open Sans" panose="020B0606030504020204" pitchFamily="34" charset="0"/>
+              </a:rPr>
+              <a:t>[1][index] - tache) à </a:t>
+            </a:r>
+            <a:r>
+              <a:rPr lang="fr-FR" sz="3000" dirty="0" err="1">
+                <a:latin typeface="Open Sans" panose="020B0606030504020204" pitchFamily="34" charset="0"/>
+                <a:ea typeface="Open Sans" panose="020B0606030504020204" pitchFamily="34" charset="0"/>
+                <a:cs typeface="Open Sans" panose="020B0606030504020204" pitchFamily="34" charset="0"/>
+              </a:rPr>
+              <a:t>listeDatePlusTard</a:t>
+            </a:r>
+            <a:endParaRPr lang="fr-FR" sz="3000" dirty="0">
+              <a:latin typeface="Open Sans" panose="020B0606030504020204" pitchFamily="34" charset="0"/>
+              <a:ea typeface="Open Sans" panose="020B0606030504020204" pitchFamily="34" charset="0"/>
+              <a:cs typeface="Open Sans" panose="020B0606030504020204" pitchFamily="34" charset="0"/>
+            </a:endParaRPr>
+          </a:p>
+          <a:p>
+            <a:r>
+              <a:rPr lang="fr-FR" sz="3000" dirty="0">
+                <a:latin typeface="Open Sans" panose="020B0606030504020204" pitchFamily="34" charset="0"/>
+                <a:ea typeface="Open Sans" panose="020B0606030504020204" pitchFamily="34" charset="0"/>
+                <a:cs typeface="Open Sans" panose="020B0606030504020204" pitchFamily="34" charset="0"/>
+              </a:rPr>
+              <a:t>    fin</a:t>
+            </a:r>
+          </a:p>
+        </p:txBody>
+      </p:sp>
+      <p:sp>
+        <p:nvSpPr>
+          <p:cNvPr id="14" name="Rectangle 13">
+            <a:extLst>
+              <a:ext uri="{FF2B5EF4-FFF2-40B4-BE49-F238E27FC236}">
+                <a16:creationId xmlns:a16="http://schemas.microsoft.com/office/drawing/2014/main" id="{C238569F-F9A7-49D4-92ED-73A9E7CF192E}"/>
+              </a:ext>
+            </a:extLst>
+          </p:cNvPr>
+          <p:cNvSpPr/>
+          <p:nvPr/>
+        </p:nvSpPr>
+        <p:spPr>
+          <a:xfrm>
+            <a:off x="11556827" y="9338084"/>
+            <a:ext cx="14543330" cy="2400657"/>
+          </a:xfrm>
+          <a:prstGeom prst="rect">
+            <a:avLst/>
+          </a:prstGeom>
+        </p:spPr>
+        <p:txBody>
+          <a:bodyPr wrap="square">
+            <a:spAutoFit/>
+          </a:bodyPr>
+          <a:lstStyle/>
+          <a:p>
+            <a:r>
+              <a:rPr lang="fr-FR" sz="3000" dirty="0">
+                <a:latin typeface="Open Sans" panose="020B0606030504020204" pitchFamily="34" charset="0"/>
+                <a:ea typeface="Open Sans" panose="020B0606030504020204" pitchFamily="34" charset="0"/>
+                <a:cs typeface="Open Sans" panose="020B0606030504020204" pitchFamily="34" charset="0"/>
+              </a:rPr>
+              <a:t>    </a:t>
+            </a:r>
+            <a:r>
+              <a:rPr lang="fr-FR" sz="3000" dirty="0" err="1">
+                <a:latin typeface="Open Sans" panose="020B0606030504020204" pitchFamily="34" charset="0"/>
+                <a:ea typeface="Open Sans" panose="020B0606030504020204" pitchFamily="34" charset="0"/>
+                <a:cs typeface="Open Sans" panose="020B0606030504020204" pitchFamily="34" charset="0"/>
+              </a:rPr>
+              <a:t>array</a:t>
+            </a:r>
+            <a:r>
+              <a:rPr lang="fr-FR" sz="3000" dirty="0">
+                <a:latin typeface="Open Sans" panose="020B0606030504020204" pitchFamily="34" charset="0"/>
+                <a:ea typeface="Open Sans" panose="020B0606030504020204" pitchFamily="34" charset="0"/>
+                <a:cs typeface="Open Sans" panose="020B0606030504020204" pitchFamily="34" charset="0"/>
+              </a:rPr>
+              <a:t>[1][i] = Valeur min de </a:t>
+            </a:r>
+            <a:r>
+              <a:rPr lang="fr-FR" sz="3000" dirty="0" err="1">
+                <a:latin typeface="Open Sans" panose="020B0606030504020204" pitchFamily="34" charset="0"/>
+                <a:ea typeface="Open Sans" panose="020B0606030504020204" pitchFamily="34" charset="0"/>
+                <a:cs typeface="Open Sans" panose="020B0606030504020204" pitchFamily="34" charset="0"/>
+              </a:rPr>
+              <a:t>listeDatePlusTard</a:t>
+            </a:r>
+            <a:endParaRPr lang="fr-FR" sz="3000" dirty="0">
+              <a:latin typeface="Open Sans" panose="020B0606030504020204" pitchFamily="34" charset="0"/>
+              <a:ea typeface="Open Sans" panose="020B0606030504020204" pitchFamily="34" charset="0"/>
+              <a:cs typeface="Open Sans" panose="020B0606030504020204" pitchFamily="34" charset="0"/>
+            </a:endParaRPr>
+          </a:p>
+          <a:p>
+            <a:r>
+              <a:rPr lang="fr-FR" sz="3000" dirty="0">
+                <a:latin typeface="Open Sans" panose="020B0606030504020204" pitchFamily="34" charset="0"/>
+                <a:ea typeface="Open Sans" panose="020B0606030504020204" pitchFamily="34" charset="0"/>
+                <a:cs typeface="Open Sans" panose="020B0606030504020204" pitchFamily="34" charset="0"/>
+              </a:rPr>
+              <a:t>    </a:t>
+            </a:r>
+            <a:r>
+              <a:rPr lang="fr-FR" sz="3000" dirty="0" err="1">
+                <a:latin typeface="Open Sans" panose="020B0606030504020204" pitchFamily="34" charset="0"/>
+                <a:ea typeface="Open Sans" panose="020B0606030504020204" pitchFamily="34" charset="0"/>
+                <a:cs typeface="Open Sans" panose="020B0606030504020204" pitchFamily="34" charset="0"/>
+              </a:rPr>
+              <a:t>array</a:t>
+            </a:r>
+            <a:r>
+              <a:rPr lang="fr-FR" sz="3000" dirty="0">
+                <a:latin typeface="Open Sans" panose="020B0606030504020204" pitchFamily="34" charset="0"/>
+                <a:ea typeface="Open Sans" panose="020B0606030504020204" pitchFamily="34" charset="0"/>
+                <a:cs typeface="Open Sans" panose="020B0606030504020204" pitchFamily="34" charset="0"/>
+              </a:rPr>
+              <a:t>[0][i] = </a:t>
+            </a:r>
+            <a:r>
+              <a:rPr lang="fr-FR" sz="3000" dirty="0" err="1">
+                <a:latin typeface="Open Sans" panose="020B0606030504020204" pitchFamily="34" charset="0"/>
+                <a:ea typeface="Open Sans" panose="020B0606030504020204" pitchFamily="34" charset="0"/>
+                <a:cs typeface="Open Sans" panose="020B0606030504020204" pitchFamily="34" charset="0"/>
+              </a:rPr>
+              <a:t>listeSucc.get</a:t>
+            </a:r>
+            <a:r>
+              <a:rPr lang="fr-FR" sz="3000" dirty="0">
+                <a:latin typeface="Open Sans" panose="020B0606030504020204" pitchFamily="34" charset="0"/>
+                <a:ea typeface="Open Sans" panose="020B0606030504020204" pitchFamily="34" charset="0"/>
+                <a:cs typeface="Open Sans" panose="020B0606030504020204" pitchFamily="34" charset="0"/>
+              </a:rPr>
+              <a:t>(index de </a:t>
+            </a:r>
+            <a:r>
+              <a:rPr lang="fr-FR" sz="3000" dirty="0" err="1">
+                <a:latin typeface="Open Sans" panose="020B0606030504020204" pitchFamily="34" charset="0"/>
+                <a:ea typeface="Open Sans" panose="020B0606030504020204" pitchFamily="34" charset="0"/>
+                <a:cs typeface="Open Sans" panose="020B0606030504020204" pitchFamily="34" charset="0"/>
+              </a:rPr>
+              <a:t>array</a:t>
+            </a:r>
+            <a:r>
+              <a:rPr lang="fr-FR" sz="3000" dirty="0">
+                <a:latin typeface="Open Sans" panose="020B0606030504020204" pitchFamily="34" charset="0"/>
+                <a:ea typeface="Open Sans" panose="020B0606030504020204" pitchFamily="34" charset="0"/>
+                <a:cs typeface="Open Sans" panose="020B0606030504020204" pitchFamily="34" charset="0"/>
+              </a:rPr>
+              <a:t>[1][i] dans </a:t>
+            </a:r>
+            <a:r>
+              <a:rPr lang="fr-FR" sz="3000" dirty="0" err="1">
+                <a:latin typeface="Open Sans" panose="020B0606030504020204" pitchFamily="34" charset="0"/>
+                <a:ea typeface="Open Sans" panose="020B0606030504020204" pitchFamily="34" charset="0"/>
+                <a:cs typeface="Open Sans" panose="020B0606030504020204" pitchFamily="34" charset="0"/>
+              </a:rPr>
+              <a:t>listeDatePlusTard</a:t>
+            </a:r>
+            <a:r>
+              <a:rPr lang="fr-FR" sz="3000" dirty="0">
+                <a:latin typeface="Open Sans" panose="020B0606030504020204" pitchFamily="34" charset="0"/>
+                <a:ea typeface="Open Sans" panose="020B0606030504020204" pitchFamily="34" charset="0"/>
+                <a:cs typeface="Open Sans" panose="020B0606030504020204" pitchFamily="34" charset="0"/>
+              </a:rPr>
+              <a:t>)</a:t>
+            </a:r>
+          </a:p>
+          <a:p>
+            <a:r>
+              <a:rPr lang="fr-FR" sz="3000" dirty="0">
+                <a:latin typeface="Open Sans" panose="020B0606030504020204" pitchFamily="34" charset="0"/>
+                <a:ea typeface="Open Sans" panose="020B0606030504020204" pitchFamily="34" charset="0"/>
+                <a:cs typeface="Open Sans" panose="020B0606030504020204" pitchFamily="34" charset="0"/>
+              </a:rPr>
+              <a:t>    supprimer </a:t>
+            </a:r>
+            <a:r>
+              <a:rPr lang="fr-FR" sz="3000" dirty="0" err="1">
+                <a:latin typeface="Open Sans" panose="020B0606030504020204" pitchFamily="34" charset="0"/>
+                <a:ea typeface="Open Sans" panose="020B0606030504020204" pitchFamily="34" charset="0"/>
+                <a:cs typeface="Open Sans" panose="020B0606030504020204" pitchFamily="34" charset="0"/>
+              </a:rPr>
+              <a:t>elements</a:t>
+            </a:r>
+            <a:r>
+              <a:rPr lang="fr-FR" sz="3000" dirty="0">
+                <a:latin typeface="Open Sans" panose="020B0606030504020204" pitchFamily="34" charset="0"/>
+                <a:ea typeface="Open Sans" panose="020B0606030504020204" pitchFamily="34" charset="0"/>
+                <a:cs typeface="Open Sans" panose="020B0606030504020204" pitchFamily="34" charset="0"/>
+              </a:rPr>
+              <a:t> de </a:t>
+            </a:r>
+            <a:r>
+              <a:rPr lang="fr-FR" sz="3000" dirty="0" err="1">
+                <a:latin typeface="Open Sans" panose="020B0606030504020204" pitchFamily="34" charset="0"/>
+                <a:ea typeface="Open Sans" panose="020B0606030504020204" pitchFamily="34" charset="0"/>
+                <a:cs typeface="Open Sans" panose="020B0606030504020204" pitchFamily="34" charset="0"/>
+              </a:rPr>
+              <a:t>listeDatePlusTard</a:t>
+            </a:r>
+            <a:endParaRPr lang="fr-FR" sz="3000" dirty="0">
+              <a:latin typeface="Open Sans" panose="020B0606030504020204" pitchFamily="34" charset="0"/>
+              <a:ea typeface="Open Sans" panose="020B0606030504020204" pitchFamily="34" charset="0"/>
+              <a:cs typeface="Open Sans" panose="020B0606030504020204" pitchFamily="34" charset="0"/>
+            </a:endParaRPr>
+          </a:p>
+          <a:p>
+            <a:r>
+              <a:rPr lang="fr-FR" sz="3000" dirty="0">
+                <a:latin typeface="Open Sans" panose="020B0606030504020204" pitchFamily="34" charset="0"/>
+                <a:ea typeface="Open Sans" panose="020B0606030504020204" pitchFamily="34" charset="0"/>
+                <a:cs typeface="Open Sans" panose="020B0606030504020204" pitchFamily="34" charset="0"/>
+              </a:rPr>
+              <a:t>    supprimer </a:t>
+            </a:r>
+            <a:r>
+              <a:rPr lang="fr-FR" sz="3000" dirty="0" err="1">
+                <a:latin typeface="Open Sans" panose="020B0606030504020204" pitchFamily="34" charset="0"/>
+                <a:ea typeface="Open Sans" panose="020B0606030504020204" pitchFamily="34" charset="0"/>
+                <a:cs typeface="Open Sans" panose="020B0606030504020204" pitchFamily="34" charset="0"/>
+              </a:rPr>
+              <a:t>elements</a:t>
+            </a:r>
+            <a:r>
+              <a:rPr lang="fr-FR" sz="3000" dirty="0">
+                <a:latin typeface="Open Sans" panose="020B0606030504020204" pitchFamily="34" charset="0"/>
+                <a:ea typeface="Open Sans" panose="020B0606030504020204" pitchFamily="34" charset="0"/>
+                <a:cs typeface="Open Sans" panose="020B0606030504020204" pitchFamily="34" charset="0"/>
+              </a:rPr>
+              <a:t> de </a:t>
+            </a:r>
+            <a:r>
+              <a:rPr lang="fr-FR" sz="3000" dirty="0" err="1">
+                <a:latin typeface="Open Sans" panose="020B0606030504020204" pitchFamily="34" charset="0"/>
+                <a:ea typeface="Open Sans" panose="020B0606030504020204" pitchFamily="34" charset="0"/>
+                <a:cs typeface="Open Sans" panose="020B0606030504020204" pitchFamily="34" charset="0"/>
+              </a:rPr>
+              <a:t>listeSucc</a:t>
+            </a:r>
+            <a:endParaRPr lang="fr-FR" sz="3000" dirty="0">
+              <a:latin typeface="Open Sans" panose="020B0606030504020204" pitchFamily="34" charset="0"/>
+              <a:ea typeface="Open Sans" panose="020B0606030504020204" pitchFamily="34" charset="0"/>
+              <a:cs typeface="Open Sans" panose="020B0606030504020204" pitchFamily="34" charset="0"/>
+            </a:endParaRPr>
+          </a:p>
+          <a:p>
+            <a:r>
+              <a:rPr lang="fr-FR" sz="3000" dirty="0">
+                <a:latin typeface="Open Sans" panose="020B0606030504020204" pitchFamily="34" charset="0"/>
+                <a:ea typeface="Open Sans" panose="020B0606030504020204" pitchFamily="34" charset="0"/>
+                <a:cs typeface="Open Sans" panose="020B0606030504020204" pitchFamily="34" charset="0"/>
+              </a:rPr>
+              <a:t>fin</a:t>
+            </a:r>
+          </a:p>
+        </p:txBody>
+      </p:sp>
+      <p:sp>
+        <p:nvSpPr>
+          <p:cNvPr id="13" name="ZoneTexte 12">
+            <a:extLst>
+              <a:ext uri="{FF2B5EF4-FFF2-40B4-BE49-F238E27FC236}">
+                <a16:creationId xmlns:a16="http://schemas.microsoft.com/office/drawing/2014/main" id="{8E4FBDAF-2EF7-4071-B76E-A7D89DA6484D}"/>
+              </a:ext>
+            </a:extLst>
+          </p:cNvPr>
+          <p:cNvSpPr txBox="1"/>
+          <p:nvPr/>
+        </p:nvSpPr>
+        <p:spPr>
+          <a:xfrm>
+            <a:off x="2375271" y="1113184"/>
+            <a:ext cx="17880677" cy="1046440"/>
+          </a:xfrm>
+          <a:prstGeom prst="rect">
+            <a:avLst/>
+          </a:prstGeom>
+          <a:noFill/>
+        </p:spPr>
+        <p:txBody>
+          <a:bodyPr wrap="square" rtlCol="0">
+            <a:spAutoFit/>
+          </a:bodyPr>
+          <a:lstStyle/>
+          <a:p>
+            <a:r>
+              <a:rPr lang="fr-FR" sz="6200" b="1" dirty="0">
+                <a:latin typeface="Montserrat" panose="00000500000000000000" pitchFamily="2" charset="0"/>
+              </a:rPr>
+              <a:t>V : Méthode de l’ordonnancement</a:t>
+            </a:r>
+          </a:p>
+        </p:txBody>
+      </p:sp>
+    </p:spTree>
+    <p:extLst>
+      <p:ext uri="{BB962C8B-B14F-4D97-AF65-F5344CB8AC3E}">
+        <p14:creationId xmlns:p14="http://schemas.microsoft.com/office/powerpoint/2010/main" val="3157817152"/>
       </p:ext>
     </p:extLst>
   </p:cSld>
@@ -5659,6 +7125,1860 @@
     <p:extLst>
       <p:ext uri="{BB962C8B-B14F-4D97-AF65-F5344CB8AC3E}">
         <p14:creationId xmlns:p14="http://schemas.microsoft.com/office/powerpoint/2010/main" val="3219929643"/>
+      </p:ext>
+    </p:extLst>
+  </p:cSld>
+  <p:clrMapOvr>
+    <a:masterClrMapping/>
+  </p:clrMapOvr>
+</p:sld>
+</file>
+
+<file path=ppt/slides/slide20.xml><?xml version="1.0" encoding="utf-8"?>
+<p:sld xmlns:a="http://schemas.openxmlformats.org/drawingml/2006/main" xmlns:r="http://schemas.openxmlformats.org/officeDocument/2006/relationships" xmlns:p="http://schemas.openxmlformats.org/presentationml/2006/main">
+  <p:cSld>
+    <p:spTree>
+      <p:nvGrpSpPr>
+        <p:cNvPr id="1" name=""/>
+        <p:cNvGrpSpPr/>
+        <p:nvPr/>
+      </p:nvGrpSpPr>
+      <p:grpSpPr>
+        <a:xfrm>
+          <a:off x="0" y="0"/>
+          <a:ext cx="0" cy="0"/>
+          <a:chOff x="0" y="0"/>
+          <a:chExt cx="0" cy="0"/>
+        </a:xfrm>
+      </p:grpSpPr>
+      <p:sp>
+        <p:nvSpPr>
+          <p:cNvPr id="2" name="ZoneTexte 1">
+            <a:extLst>
+              <a:ext uri="{FF2B5EF4-FFF2-40B4-BE49-F238E27FC236}">
+                <a16:creationId xmlns:a16="http://schemas.microsoft.com/office/drawing/2014/main" id="{ADF6F31D-D7A2-4393-933B-EA8608FE10F6}"/>
+              </a:ext>
+            </a:extLst>
+          </p:cNvPr>
+          <p:cNvSpPr txBox="1"/>
+          <p:nvPr/>
+        </p:nvSpPr>
+        <p:spPr>
+          <a:xfrm>
+            <a:off x="2375271" y="1113184"/>
+            <a:ext cx="17880677" cy="1046440"/>
+          </a:xfrm>
+          <a:prstGeom prst="rect">
+            <a:avLst/>
+          </a:prstGeom>
+          <a:noFill/>
+        </p:spPr>
+        <p:txBody>
+          <a:bodyPr wrap="square" rtlCol="0">
+            <a:spAutoFit/>
+          </a:bodyPr>
+          <a:lstStyle/>
+          <a:p>
+            <a:r>
+              <a:rPr lang="fr-FR" sz="6200" b="1" dirty="0">
+                <a:latin typeface="Montserrat" panose="00000500000000000000" pitchFamily="2" charset="0"/>
+              </a:rPr>
+              <a:t>V : Méthode de l’ordonnancement</a:t>
+            </a:r>
+          </a:p>
+        </p:txBody>
+      </p:sp>
+      <mc:AlternateContent xmlns:mc="http://schemas.openxmlformats.org/markup-compatibility/2006">
+        <mc:Choice xmlns:a14="http://schemas.microsoft.com/office/drawing/2010/main" Requires="a14">
+          <p:graphicFrame>
+            <p:nvGraphicFramePr>
+              <p:cNvPr id="4" name="Tableau 4">
+                <a:extLst>
+                  <a:ext uri="{FF2B5EF4-FFF2-40B4-BE49-F238E27FC236}">
+                    <a16:creationId xmlns:a16="http://schemas.microsoft.com/office/drawing/2014/main" id="{055DFC33-19BB-45F5-AE28-406FFBF8D91B}"/>
+                  </a:ext>
+                </a:extLst>
+              </p:cNvPr>
+              <p:cNvGraphicFramePr>
+                <a:graphicFrameLocks noGrp="1"/>
+              </p:cNvGraphicFramePr>
+              <p:nvPr>
+                <p:extLst>
+                  <p:ext uri="{D42A27DB-BD31-4B8C-83A1-F6EECF244321}">
+                    <p14:modId xmlns:p14="http://schemas.microsoft.com/office/powerpoint/2010/main" val="3899981507"/>
+                  </p:ext>
+                </p:extLst>
+              </p:nvPr>
+            </p:nvGraphicFramePr>
+            <p:xfrm>
+              <a:off x="1172368" y="3675988"/>
+              <a:ext cx="22042438" cy="7058406"/>
+            </p:xfrm>
+            <a:graphic>
+              <a:graphicData uri="http://schemas.openxmlformats.org/drawingml/2006/table">
+                <a:tbl>
+                  <a:tblPr>
+                    <a:tableStyleId>{5C22544A-7EE6-4342-B048-85BDC9FD1C3A}</a:tableStyleId>
+                  </a:tblPr>
+                  <a:tblGrid>
+                    <a:gridCol w="11021219">
+                      <a:extLst>
+                        <a:ext uri="{9D8B030D-6E8A-4147-A177-3AD203B41FA5}">
+                          <a16:colId xmlns:a16="http://schemas.microsoft.com/office/drawing/2014/main" val="1323346958"/>
+                        </a:ext>
+                      </a:extLst>
+                    </a:gridCol>
+                    <a:gridCol w="11021219">
+                      <a:extLst>
+                        <a:ext uri="{9D8B030D-6E8A-4147-A177-3AD203B41FA5}">
+                          <a16:colId xmlns:a16="http://schemas.microsoft.com/office/drawing/2014/main" val="334484170"/>
+                        </a:ext>
+                      </a:extLst>
+                    </a:gridCol>
+                  </a:tblGrid>
+                  <a:tr h="370840">
+                    <a:tc>
+                      <a:txBody>
+                        <a:bodyPr/>
+                        <a:lstStyle/>
+                        <a:p>
+                          <a:pPr algn="ctr"/>
+                          <a:r>
+                            <a:rPr lang="fr-FR" dirty="0">
+                              <a:latin typeface="Open Sans" panose="020B0606030504020204" pitchFamily="34" charset="0"/>
+                              <a:ea typeface="Open Sans" panose="020B0606030504020204" pitchFamily="34" charset="0"/>
+                              <a:cs typeface="Open Sans" panose="020B0606030504020204" pitchFamily="34" charset="0"/>
+                            </a:rPr>
+                            <a:t>Marge totale</a:t>
+                          </a:r>
+                        </a:p>
+                      </a:txBody>
+                      <a:tcPr>
+                        <a:lnL w="12700" cap="flat" cmpd="sng" algn="ctr">
+                          <a:noFill/>
+                          <a:prstDash val="solid"/>
+                          <a:round/>
+                          <a:headEnd type="none" w="med" len="med"/>
+                          <a:tailEnd type="none" w="med" len="med"/>
+                        </a:lnL>
+                        <a:lnR w="12700" cap="flat" cmpd="sng" algn="ctr">
+                          <a:solidFill>
+                            <a:schemeClr val="tx1"/>
+                          </a:solidFill>
+                          <a:prstDash val="solid"/>
+                          <a:round/>
+                          <a:headEnd type="none" w="med" len="med"/>
+                          <a:tailEnd type="none" w="med" len="med"/>
+                        </a:lnR>
+                        <a:lnT w="12700" cap="flat" cmpd="sng" algn="ctr">
+                          <a:noFill/>
+                          <a:prstDash val="solid"/>
+                          <a:round/>
+                          <a:headEnd type="none" w="med" len="med"/>
+                          <a:tailEnd type="none" w="med" len="med"/>
+                        </a:lnT>
+                        <a:lnB w="12700" cap="flat" cmpd="sng" algn="ctr">
+                          <a:noFill/>
+                          <a:prstDash val="solid"/>
+                          <a:round/>
+                          <a:headEnd type="none" w="med" len="med"/>
+                          <a:tailEnd type="none" w="med" len="med"/>
+                        </a:lnB>
+                        <a:lnTlToBr w="12700" cmpd="sng">
+                          <a:noFill/>
+                          <a:prstDash val="solid"/>
+                        </a:lnTlToBr>
+                        <a:lnBlToTr w="12700" cmpd="sng">
+                          <a:noFill/>
+                          <a:prstDash val="solid"/>
+                        </a:lnBlToTr>
+                        <a:solidFill>
+                          <a:schemeClr val="bg1"/>
+                        </a:solidFill>
+                      </a:tcPr>
+                    </a:tc>
+                    <a:tc>
+                      <a:txBody>
+                        <a:bodyPr/>
+                        <a:lstStyle/>
+                        <a:p>
+                          <a:pPr algn="ctr"/>
+                          <a:r>
+                            <a:rPr lang="fr-FR" dirty="0">
+                              <a:latin typeface="Open Sans" panose="020B0606030504020204" pitchFamily="34" charset="0"/>
+                              <a:ea typeface="Open Sans" panose="020B0606030504020204" pitchFamily="34" charset="0"/>
+                              <a:cs typeface="Open Sans" panose="020B0606030504020204" pitchFamily="34" charset="0"/>
+                            </a:rPr>
+                            <a:t>Marge libre</a:t>
+                          </a:r>
+                        </a:p>
+                      </a:txBody>
+                      <a:tcPr>
+                        <a:lnL w="12700" cap="flat" cmpd="sng" algn="ctr">
+                          <a:solidFill>
+                            <a:schemeClr val="tx1"/>
+                          </a:solidFill>
+                          <a:prstDash val="solid"/>
+                          <a:round/>
+                          <a:headEnd type="none" w="med" len="med"/>
+                          <a:tailEnd type="none" w="med" len="med"/>
+                        </a:lnL>
+                        <a:lnR w="12700" cap="flat" cmpd="sng" algn="ctr">
+                          <a:noFill/>
+                          <a:prstDash val="solid"/>
+                          <a:round/>
+                          <a:headEnd type="none" w="med" len="med"/>
+                          <a:tailEnd type="none" w="med" len="med"/>
+                        </a:lnR>
+                        <a:lnT w="12700" cap="flat" cmpd="sng" algn="ctr">
+                          <a:noFill/>
+                          <a:prstDash val="solid"/>
+                          <a:round/>
+                          <a:headEnd type="none" w="med" len="med"/>
+                          <a:tailEnd type="none" w="med" len="med"/>
+                        </a:lnT>
+                        <a:lnB w="12700" cap="flat" cmpd="sng" algn="ctr">
+                          <a:noFill/>
+                          <a:prstDash val="solid"/>
+                          <a:round/>
+                          <a:headEnd type="none" w="med" len="med"/>
+                          <a:tailEnd type="none" w="med" len="med"/>
+                        </a:lnB>
+                        <a:lnTlToBr w="12700" cmpd="sng">
+                          <a:noFill/>
+                          <a:prstDash val="solid"/>
+                        </a:lnTlToBr>
+                        <a:lnBlToTr w="12700" cmpd="sng">
+                          <a:noFill/>
+                          <a:prstDash val="solid"/>
+                        </a:lnBlToTr>
+                        <a:solidFill>
+                          <a:schemeClr val="bg1"/>
+                        </a:solidFill>
+                      </a:tcPr>
+                    </a:tc>
+                    <a:extLst>
+                      <a:ext uri="{0D108BD9-81ED-4DB2-BD59-A6C34878D82A}">
+                        <a16:rowId xmlns:a16="http://schemas.microsoft.com/office/drawing/2014/main" val="265165884"/>
+                      </a:ext>
+                    </a:extLst>
+                  </a:tr>
+                  <a:tr h="370840">
+                    <a:tc>
+                      <a:txBody>
+                        <a:bodyPr/>
+                        <a:lstStyle/>
+                        <a:p>
+                          <a:endParaRPr lang="fr-FR" dirty="0">
+                            <a:latin typeface="Open Sans" panose="020B0606030504020204" pitchFamily="34" charset="0"/>
+                            <a:ea typeface="Open Sans" panose="020B0606030504020204" pitchFamily="34" charset="0"/>
+                            <a:cs typeface="Open Sans" panose="020B0606030504020204" pitchFamily="34" charset="0"/>
+                          </a:endParaRPr>
+                        </a:p>
+                        <a:p>
+                          <a:pPr marL="0" marR="0" lvl="0" indent="0" algn="l" defTabSz="1828800" rtl="0" eaLnBrk="1" fontAlgn="auto" latinLnBrk="0" hangingPunct="1">
+                            <a:lnSpc>
+                              <a:spcPct val="100000"/>
+                            </a:lnSpc>
+                            <a:spcBef>
+                              <a:spcPts val="0"/>
+                            </a:spcBef>
+                            <a:spcAft>
+                              <a:spcPts val="0"/>
+                            </a:spcAft>
+                            <a:buClrTx/>
+                            <a:buSzTx/>
+                            <a:buFontTx/>
+                            <a:buNone/>
+                            <a:tabLst/>
+                            <a:defRPr/>
+                          </a:pPr>
+                          <a:r>
+                            <a:rPr lang="fr-FR" sz="3600" dirty="0">
+                              <a:latin typeface="Open Sans" panose="020B0606030504020204" pitchFamily="34" charset="0"/>
+                              <a:ea typeface="Open Sans" panose="020B0606030504020204" pitchFamily="34" charset="0"/>
+                              <a:cs typeface="Open Sans" panose="020B0606030504020204" pitchFamily="34" charset="0"/>
+                              <a:sym typeface="Symbol" pitchFamily="18" charset="2"/>
+                            </a:rPr>
+                            <a:t>Pour chaque sommet i :</a:t>
+                          </a:r>
+                        </a:p>
+                        <a:p>
+                          <a:pPr marL="0" marR="0" lvl="0" indent="0" algn="l" defTabSz="1828800" rtl="0" eaLnBrk="1" fontAlgn="auto" latinLnBrk="0" hangingPunct="1">
+                            <a:lnSpc>
+                              <a:spcPct val="100000"/>
+                            </a:lnSpc>
+                            <a:spcBef>
+                              <a:spcPts val="0"/>
+                            </a:spcBef>
+                            <a:spcAft>
+                              <a:spcPts val="0"/>
+                            </a:spcAft>
+                            <a:buClrTx/>
+                            <a:buSzTx/>
+                            <a:buFontTx/>
+                            <a:buNone/>
+                            <a:tabLst/>
+                            <a:defRPr/>
+                          </a:pPr>
+                          <a:endParaRPr lang="fr-FR" sz="3600" dirty="0">
+                            <a:latin typeface="Open Sans" panose="020B0606030504020204" pitchFamily="34" charset="0"/>
+                            <a:ea typeface="Open Sans" panose="020B0606030504020204" pitchFamily="34" charset="0"/>
+                            <a:cs typeface="Open Sans" panose="020B0606030504020204" pitchFamily="34" charset="0"/>
+                            <a:sym typeface="Symbol" pitchFamily="18" charset="2"/>
+                          </a:endParaRPr>
+                        </a:p>
+                        <a:p>
+                          <a:pPr marL="914400" marR="0" lvl="1" indent="0" algn="l" defTabSz="1828800" rtl="0" eaLnBrk="1" fontAlgn="auto" latinLnBrk="0" hangingPunct="1">
+                            <a:lnSpc>
+                              <a:spcPct val="100000"/>
+                            </a:lnSpc>
+                            <a:spcBef>
+                              <a:spcPts val="0"/>
+                            </a:spcBef>
+                            <a:spcAft>
+                              <a:spcPts val="0"/>
+                            </a:spcAft>
+                            <a:buClrTx/>
+                            <a:buSzTx/>
+                            <a:buFontTx/>
+                            <a:buNone/>
+                            <a:tabLst/>
+                            <a:defRPr/>
+                          </a:pPr>
+                          <a:r>
+                            <a:rPr lang="fr-FR" sz="3600" dirty="0" err="1">
+                              <a:latin typeface="Open Sans" panose="020B0606030504020204" pitchFamily="34" charset="0"/>
+                              <a:ea typeface="Open Sans" panose="020B0606030504020204" pitchFamily="34" charset="0"/>
+                              <a:cs typeface="Open Sans" panose="020B0606030504020204" pitchFamily="34" charset="0"/>
+                              <a:sym typeface="Symbol" pitchFamily="18" charset="2"/>
+                            </a:rPr>
+                            <a:t>m</a:t>
+                          </a:r>
+                          <a:r>
+                            <a:rPr lang="fr-FR" sz="3600" baseline="-25000" dirty="0" err="1">
+                              <a:latin typeface="Open Sans" panose="020B0606030504020204" pitchFamily="34" charset="0"/>
+                              <a:ea typeface="Open Sans" panose="020B0606030504020204" pitchFamily="34" charset="0"/>
+                              <a:cs typeface="Open Sans" panose="020B0606030504020204" pitchFamily="34" charset="0"/>
+                              <a:sym typeface="Symbol" pitchFamily="18" charset="2"/>
+                            </a:rPr>
+                            <a:t>T</a:t>
+                          </a:r>
+                          <a:r>
+                            <a:rPr lang="fr-FR" sz="3600" baseline="-25000" dirty="0">
+                              <a:latin typeface="Open Sans" panose="020B0606030504020204" pitchFamily="34" charset="0"/>
+                              <a:ea typeface="Open Sans" panose="020B0606030504020204" pitchFamily="34" charset="0"/>
+                              <a:cs typeface="Open Sans" panose="020B0606030504020204" pitchFamily="34" charset="0"/>
+                              <a:sym typeface="Symbol" pitchFamily="18" charset="2"/>
+                            </a:rPr>
+                            <a:t> i </a:t>
+                          </a:r>
+                          <a:r>
+                            <a:rPr lang="fr-FR" sz="3600" dirty="0">
+                              <a:latin typeface="Open Sans" panose="020B0606030504020204" pitchFamily="34" charset="0"/>
+                              <a:ea typeface="Open Sans" panose="020B0606030504020204" pitchFamily="34" charset="0"/>
+                              <a:cs typeface="Open Sans" panose="020B0606030504020204" pitchFamily="34" charset="0"/>
+                              <a:sym typeface="Symbol" pitchFamily="18" charset="2"/>
+                            </a:rPr>
+                            <a:t>= T</a:t>
+                          </a:r>
+                          <a:r>
+                            <a:rPr lang="fr-FR" sz="3600" baseline="-25000" dirty="0">
+                              <a:latin typeface="Open Sans" panose="020B0606030504020204" pitchFamily="34" charset="0"/>
+                              <a:ea typeface="Open Sans" panose="020B0606030504020204" pitchFamily="34" charset="0"/>
+                              <a:cs typeface="Open Sans" panose="020B0606030504020204" pitchFamily="34" charset="0"/>
+                              <a:sym typeface="Symbol" pitchFamily="18" charset="2"/>
+                            </a:rPr>
+                            <a:t>i </a:t>
+                          </a:r>
+                          <a:r>
+                            <a:rPr lang="fr-FR" sz="3600" dirty="0">
+                              <a:latin typeface="Open Sans" panose="020B0606030504020204" pitchFamily="34" charset="0"/>
+                              <a:ea typeface="Open Sans" panose="020B0606030504020204" pitchFamily="34" charset="0"/>
+                              <a:cs typeface="Open Sans" panose="020B0606030504020204" pitchFamily="34" charset="0"/>
+                              <a:sym typeface="Symbol" pitchFamily="18" charset="2"/>
+                            </a:rPr>
+                            <a:t>- </a:t>
+                          </a:r>
+                          <a:r>
+                            <a:rPr lang="fr-FR" sz="3600" baseline="-25000" dirty="0">
+                              <a:latin typeface="Open Sans" panose="020B0606030504020204" pitchFamily="34" charset="0"/>
+                              <a:ea typeface="Open Sans" panose="020B0606030504020204" pitchFamily="34" charset="0"/>
+                              <a:cs typeface="Open Sans" panose="020B0606030504020204" pitchFamily="34" charset="0"/>
+                            </a:rPr>
+                            <a:t>i</a:t>
+                          </a:r>
+                        </a:p>
+                        <a:p>
+                          <a:pPr marL="914400" marR="0" lvl="1" indent="0" algn="l" defTabSz="1828800" rtl="0" eaLnBrk="1" fontAlgn="auto" latinLnBrk="0" hangingPunct="1">
+                            <a:lnSpc>
+                              <a:spcPct val="100000"/>
+                            </a:lnSpc>
+                            <a:spcBef>
+                              <a:spcPts val="0"/>
+                            </a:spcBef>
+                            <a:spcAft>
+                              <a:spcPts val="0"/>
+                            </a:spcAft>
+                            <a:buClrTx/>
+                            <a:buSzTx/>
+                            <a:buFontTx/>
+                            <a:buNone/>
+                            <a:tabLst/>
+                            <a:defRPr/>
+                          </a:pPr>
+                          <a:endParaRPr lang="fr-FR" sz="3600" baseline="-25000" dirty="0">
+                            <a:latin typeface="Open Sans" panose="020B0606030504020204" pitchFamily="34" charset="0"/>
+                            <a:ea typeface="Open Sans" panose="020B0606030504020204" pitchFamily="34" charset="0"/>
+                            <a:cs typeface="Open Sans" panose="020B0606030504020204" pitchFamily="34" charset="0"/>
+                          </a:endParaRPr>
+                        </a:p>
+                        <a:p>
+                          <a:pPr marL="914400" marR="0" lvl="1" indent="0" algn="l" defTabSz="1828800" rtl="0" eaLnBrk="1" fontAlgn="auto" latinLnBrk="0" hangingPunct="1">
+                            <a:lnSpc>
+                              <a:spcPct val="100000"/>
+                            </a:lnSpc>
+                            <a:spcBef>
+                              <a:spcPts val="0"/>
+                            </a:spcBef>
+                            <a:spcAft>
+                              <a:spcPts val="0"/>
+                            </a:spcAft>
+                            <a:buClrTx/>
+                            <a:buSzTx/>
+                            <a:buFontTx/>
+                            <a:buNone/>
+                            <a:tabLst/>
+                            <a:defRPr/>
+                          </a:pPr>
+                          <a:r>
+                            <a:rPr lang="fr-FR" sz="3600" dirty="0">
+                              <a:latin typeface="Open Sans" panose="020B0606030504020204" pitchFamily="34" charset="0"/>
+                              <a:ea typeface="Open Sans" panose="020B0606030504020204" pitchFamily="34" charset="0"/>
+                              <a:cs typeface="Open Sans" panose="020B0606030504020204" pitchFamily="34" charset="0"/>
+                              <a:sym typeface="Symbol" pitchFamily="18" charset="2"/>
+                            </a:rPr>
+                            <a:t>avec</a:t>
+                          </a:r>
+                        </a:p>
+                        <a:p>
+                          <a:pPr marL="1828800" marR="0" lvl="2" indent="0" algn="l" defTabSz="1828800" rtl="0" eaLnBrk="1" fontAlgn="auto" latinLnBrk="0" hangingPunct="1">
+                            <a:lnSpc>
+                              <a:spcPct val="100000"/>
+                            </a:lnSpc>
+                            <a:spcBef>
+                              <a:spcPts val="0"/>
+                            </a:spcBef>
+                            <a:spcAft>
+                              <a:spcPts val="0"/>
+                            </a:spcAft>
+                            <a:buClrTx/>
+                            <a:buSzTx/>
+                            <a:buFontTx/>
+                            <a:buNone/>
+                            <a:tabLst/>
+                            <a:defRPr/>
+                          </a:pPr>
+                          <a:r>
+                            <a:rPr lang="fr-FR" sz="3600" dirty="0">
+                              <a:latin typeface="Open Sans" panose="020B0606030504020204" pitchFamily="34" charset="0"/>
+                              <a:ea typeface="Open Sans" panose="020B0606030504020204" pitchFamily="34" charset="0"/>
+                              <a:cs typeface="Open Sans" panose="020B0606030504020204" pitchFamily="34" charset="0"/>
+                              <a:sym typeface="Symbol" pitchFamily="18" charset="2"/>
+                            </a:rPr>
+                            <a:t>T</a:t>
+                          </a:r>
+                          <a:r>
+                            <a:rPr lang="fr-FR" sz="3600" baseline="-25000" dirty="0">
+                              <a:latin typeface="Open Sans" panose="020B0606030504020204" pitchFamily="34" charset="0"/>
+                              <a:ea typeface="Open Sans" panose="020B0606030504020204" pitchFamily="34" charset="0"/>
+                              <a:cs typeface="Open Sans" panose="020B0606030504020204" pitchFamily="34" charset="0"/>
+                              <a:sym typeface="Symbol" pitchFamily="18" charset="2"/>
+                            </a:rPr>
+                            <a:t>i</a:t>
+                          </a:r>
+                          <a:r>
+                            <a:rPr lang="fr-FR" sz="3600" baseline="0" dirty="0">
+                              <a:latin typeface="Open Sans" panose="020B0606030504020204" pitchFamily="34" charset="0"/>
+                              <a:ea typeface="Open Sans" panose="020B0606030504020204" pitchFamily="34" charset="0"/>
+                              <a:cs typeface="Open Sans" panose="020B0606030504020204" pitchFamily="34" charset="0"/>
+                              <a:sym typeface="Symbol" pitchFamily="18" charset="2"/>
+                            </a:rPr>
+                            <a:t> = date au plus tard</a:t>
+                          </a:r>
+                        </a:p>
+                        <a:p>
+                          <a:pPr marL="1828800" marR="0" lvl="2" indent="0" algn="l" defTabSz="1828800" rtl="0" eaLnBrk="1" fontAlgn="auto" latinLnBrk="0" hangingPunct="1">
+                            <a:lnSpc>
+                              <a:spcPct val="100000"/>
+                            </a:lnSpc>
+                            <a:spcBef>
+                              <a:spcPts val="0"/>
+                            </a:spcBef>
+                            <a:spcAft>
+                              <a:spcPts val="0"/>
+                            </a:spcAft>
+                            <a:buClrTx/>
+                            <a:buSzTx/>
+                            <a:buFontTx/>
+                            <a:buNone/>
+                            <a:tabLst/>
+                            <a:defRPr/>
+                          </a:pPr>
+                          <a:r>
+                            <a:rPr lang="fr-FR" sz="3600" dirty="0">
+                              <a:latin typeface="Open Sans" panose="020B0606030504020204" pitchFamily="34" charset="0"/>
+                              <a:ea typeface="Open Sans" panose="020B0606030504020204" pitchFamily="34" charset="0"/>
+                              <a:cs typeface="Open Sans" panose="020B0606030504020204" pitchFamily="34" charset="0"/>
+                              <a:sym typeface="Symbol" pitchFamily="18" charset="2"/>
+                            </a:rPr>
+                            <a:t></a:t>
+                          </a:r>
+                          <a:r>
+                            <a:rPr lang="fr-FR" sz="3600" baseline="-25000" dirty="0">
+                              <a:latin typeface="Open Sans" panose="020B0606030504020204" pitchFamily="34" charset="0"/>
+                              <a:ea typeface="Open Sans" panose="020B0606030504020204" pitchFamily="34" charset="0"/>
+                              <a:cs typeface="Open Sans" panose="020B0606030504020204" pitchFamily="34" charset="0"/>
+                            </a:rPr>
+                            <a:t>i</a:t>
+                          </a:r>
+                          <a:r>
+                            <a:rPr lang="fr-FR" sz="3600" baseline="0" dirty="0">
+                              <a:latin typeface="Open Sans" panose="020B0606030504020204" pitchFamily="34" charset="0"/>
+                              <a:ea typeface="Open Sans" panose="020B0606030504020204" pitchFamily="34" charset="0"/>
+                              <a:cs typeface="Open Sans" panose="020B0606030504020204" pitchFamily="34" charset="0"/>
+                            </a:rPr>
+                            <a:t> = date au plus tôt</a:t>
+                          </a:r>
+                          <a:endParaRPr lang="fr-FR" sz="3600" baseline="-25000" dirty="0">
+                            <a:latin typeface="Open Sans" panose="020B0606030504020204" pitchFamily="34" charset="0"/>
+                            <a:ea typeface="Open Sans" panose="020B0606030504020204" pitchFamily="34" charset="0"/>
+                            <a:cs typeface="Open Sans" panose="020B0606030504020204" pitchFamily="34" charset="0"/>
+                          </a:endParaRPr>
+                        </a:p>
+                        <a:p>
+                          <a:pPr marL="914400" marR="0" lvl="1" indent="0" algn="l" defTabSz="1828800" rtl="0" eaLnBrk="1" fontAlgn="auto" latinLnBrk="0" hangingPunct="1">
+                            <a:lnSpc>
+                              <a:spcPct val="100000"/>
+                            </a:lnSpc>
+                            <a:spcBef>
+                              <a:spcPts val="0"/>
+                            </a:spcBef>
+                            <a:spcAft>
+                              <a:spcPts val="0"/>
+                            </a:spcAft>
+                            <a:buClrTx/>
+                            <a:buSzTx/>
+                            <a:buFontTx/>
+                            <a:buNone/>
+                            <a:tabLst/>
+                            <a:defRPr/>
+                          </a:pPr>
+                          <a:endParaRPr lang="fr-FR" sz="3600" baseline="0" dirty="0">
+                            <a:latin typeface="Open Sans" panose="020B0606030504020204" pitchFamily="34" charset="0"/>
+                            <a:ea typeface="Open Sans" panose="020B0606030504020204" pitchFamily="34" charset="0"/>
+                            <a:cs typeface="Open Sans" panose="020B0606030504020204" pitchFamily="34" charset="0"/>
+                            <a:sym typeface="Symbol" pitchFamily="18" charset="2"/>
+                          </a:endParaRPr>
+                        </a:p>
+                        <a:p>
+                          <a:pPr marL="914400" marR="0" lvl="1" indent="0" algn="l" defTabSz="1828800" rtl="0" eaLnBrk="1" fontAlgn="auto" latinLnBrk="0" hangingPunct="1">
+                            <a:lnSpc>
+                              <a:spcPct val="100000"/>
+                            </a:lnSpc>
+                            <a:spcBef>
+                              <a:spcPts val="0"/>
+                            </a:spcBef>
+                            <a:spcAft>
+                              <a:spcPts val="0"/>
+                            </a:spcAft>
+                            <a:buClrTx/>
+                            <a:buSzTx/>
+                            <a:buFontTx/>
+                            <a:buNone/>
+                            <a:tabLst/>
+                            <a:defRPr/>
+                          </a:pPr>
+                          <a:endParaRPr lang="fr-FR" sz="3600" dirty="0">
+                            <a:latin typeface="Open Sans" panose="020B0606030504020204" pitchFamily="34" charset="0"/>
+                            <a:ea typeface="Open Sans" panose="020B0606030504020204" pitchFamily="34" charset="0"/>
+                            <a:cs typeface="Open Sans" panose="020B0606030504020204" pitchFamily="34" charset="0"/>
+                          </a:endParaRPr>
+                        </a:p>
+                        <a:p>
+                          <a:endParaRPr lang="fr-FR" dirty="0">
+                            <a:latin typeface="Open Sans" panose="020B0606030504020204" pitchFamily="34" charset="0"/>
+                            <a:ea typeface="Open Sans" panose="020B0606030504020204" pitchFamily="34" charset="0"/>
+                            <a:cs typeface="Open Sans" panose="020B0606030504020204" pitchFamily="34" charset="0"/>
+                          </a:endParaRPr>
+                        </a:p>
+                      </a:txBody>
+                      <a:tcPr>
+                        <a:lnL w="12700" cap="flat" cmpd="sng" algn="ctr">
+                          <a:noFill/>
+                          <a:prstDash val="solid"/>
+                          <a:round/>
+                          <a:headEnd type="none" w="med" len="med"/>
+                          <a:tailEnd type="none" w="med" len="med"/>
+                        </a:lnL>
+                        <a:lnR w="12700" cap="flat" cmpd="sng" algn="ctr">
+                          <a:solidFill>
+                            <a:schemeClr val="tx1"/>
+                          </a:solidFill>
+                          <a:prstDash val="solid"/>
+                          <a:round/>
+                          <a:headEnd type="none" w="med" len="med"/>
+                          <a:tailEnd type="none" w="med" len="med"/>
+                        </a:lnR>
+                        <a:lnT w="12700" cap="flat" cmpd="sng" algn="ctr">
+                          <a:noFill/>
+                          <a:prstDash val="solid"/>
+                          <a:round/>
+                          <a:headEnd type="none" w="med" len="med"/>
+                          <a:tailEnd type="none" w="med" len="med"/>
+                        </a:lnT>
+                        <a:lnB w="12700" cap="flat" cmpd="sng" algn="ctr">
+                          <a:noFill/>
+                          <a:prstDash val="solid"/>
+                          <a:round/>
+                          <a:headEnd type="none" w="med" len="med"/>
+                          <a:tailEnd type="none" w="med" len="med"/>
+                        </a:lnB>
+                        <a:lnTlToBr w="12700" cmpd="sng">
+                          <a:noFill/>
+                          <a:prstDash val="solid"/>
+                        </a:lnTlToBr>
+                        <a:lnBlToTr w="12700" cmpd="sng">
+                          <a:noFill/>
+                          <a:prstDash val="solid"/>
+                        </a:lnBlToTr>
+                        <a:solidFill>
+                          <a:schemeClr val="bg1"/>
+                        </a:solidFill>
+                      </a:tcPr>
+                    </a:tc>
+                    <a:tc>
+                      <a:txBody>
+                        <a:bodyPr/>
+                        <a:lstStyle/>
+                        <a:p>
+                          <a:endParaRPr lang="fr-FR" dirty="0">
+                            <a:latin typeface="Open Sans" panose="020B0606030504020204" pitchFamily="34" charset="0"/>
+                            <a:ea typeface="Open Sans" panose="020B0606030504020204" pitchFamily="34" charset="0"/>
+                            <a:cs typeface="Open Sans" panose="020B0606030504020204" pitchFamily="34" charset="0"/>
+                          </a:endParaRPr>
+                        </a:p>
+                        <a:p>
+                          <a:r>
+                            <a:rPr lang="fr-FR" dirty="0">
+                              <a:latin typeface="Open Sans" panose="020B0606030504020204" pitchFamily="34" charset="0"/>
+                              <a:ea typeface="Open Sans" panose="020B0606030504020204" pitchFamily="34" charset="0"/>
+                              <a:cs typeface="Open Sans" panose="020B0606030504020204" pitchFamily="34" charset="0"/>
+                            </a:rPr>
+                            <a:t>Pour chaque sommet i :</a:t>
+                          </a:r>
+                        </a:p>
+                        <a:p>
+                          <a:pPr marL="0" marR="0" lvl="0" indent="0" algn="l" defTabSz="1828800" rtl="0" eaLnBrk="1" fontAlgn="auto" latinLnBrk="0" hangingPunct="1">
+                            <a:lnSpc>
+                              <a:spcPct val="100000"/>
+                            </a:lnSpc>
+                            <a:spcBef>
+                              <a:spcPts val="0"/>
+                            </a:spcBef>
+                            <a:spcAft>
+                              <a:spcPts val="0"/>
+                            </a:spcAft>
+                            <a:buClrTx/>
+                            <a:buSzTx/>
+                            <a:buFontTx/>
+                            <a:buNone/>
+                            <a:tabLst/>
+                            <a:defRPr/>
+                          </a:pPr>
+                          <a:endParaRPr lang="fr-FR" sz="3600" dirty="0">
+                            <a:latin typeface="Open Sans" panose="020B0606030504020204" pitchFamily="34" charset="0"/>
+                            <a:ea typeface="Open Sans" panose="020B0606030504020204" pitchFamily="34" charset="0"/>
+                            <a:cs typeface="Open Sans" panose="020B0606030504020204" pitchFamily="34" charset="0"/>
+                            <a:sym typeface="Symbol" pitchFamily="18" charset="2"/>
+                          </a:endParaRPr>
+                        </a:p>
+                        <a:p>
+                          <a:pPr marL="914400" marR="0" lvl="1" indent="0" algn="l" defTabSz="1828800" rtl="0" eaLnBrk="1" fontAlgn="auto" latinLnBrk="0" hangingPunct="1">
+                            <a:lnSpc>
+                              <a:spcPct val="100000"/>
+                            </a:lnSpc>
+                            <a:spcBef>
+                              <a:spcPts val="0"/>
+                            </a:spcBef>
+                            <a:spcAft>
+                              <a:spcPts val="0"/>
+                            </a:spcAft>
+                            <a:buClrTx/>
+                            <a:buSzTx/>
+                            <a:buFontTx/>
+                            <a:buNone/>
+                            <a:tabLst/>
+                            <a:defRPr/>
+                          </a:pPr>
+                          <a:r>
+                            <a:rPr lang="fr-FR" sz="3600" dirty="0" err="1">
+                              <a:latin typeface="Open Sans" panose="020B0606030504020204" pitchFamily="34" charset="0"/>
+                              <a:ea typeface="Open Sans" panose="020B0606030504020204" pitchFamily="34" charset="0"/>
+                              <a:cs typeface="Open Sans" panose="020B0606030504020204" pitchFamily="34" charset="0"/>
+                              <a:sym typeface="Symbol" pitchFamily="18" charset="2"/>
+                            </a:rPr>
+                            <a:t>m</a:t>
+                          </a:r>
+                          <a:r>
+                            <a:rPr lang="fr-FR" sz="3600" baseline="-25000" dirty="0" err="1">
+                              <a:latin typeface="Open Sans" panose="020B0606030504020204" pitchFamily="34" charset="0"/>
+                              <a:ea typeface="Open Sans" panose="020B0606030504020204" pitchFamily="34" charset="0"/>
+                              <a:cs typeface="Open Sans" panose="020B0606030504020204" pitchFamily="34" charset="0"/>
+                              <a:sym typeface="Symbol" pitchFamily="18" charset="2"/>
+                            </a:rPr>
+                            <a:t>L</a:t>
+                          </a:r>
+                          <a:r>
+                            <a:rPr lang="fr-FR" sz="3600" baseline="-25000" dirty="0">
+                              <a:latin typeface="Open Sans" panose="020B0606030504020204" pitchFamily="34" charset="0"/>
+                              <a:ea typeface="Open Sans" panose="020B0606030504020204" pitchFamily="34" charset="0"/>
+                              <a:cs typeface="Open Sans" panose="020B0606030504020204" pitchFamily="34" charset="0"/>
+                              <a:sym typeface="Symbol" pitchFamily="18" charset="2"/>
+                            </a:rPr>
+                            <a:t> i </a:t>
+                          </a:r>
+                          <a:r>
+                            <a:rPr lang="fr-FR" sz="3600" dirty="0">
+                              <a:latin typeface="Open Sans" panose="020B0606030504020204" pitchFamily="34" charset="0"/>
+                              <a:ea typeface="Open Sans" panose="020B0606030504020204" pitchFamily="34" charset="0"/>
+                              <a:cs typeface="Open Sans" panose="020B0606030504020204" pitchFamily="34" charset="0"/>
+                              <a:sym typeface="Symbol" pitchFamily="18" charset="2"/>
+                            </a:rPr>
+                            <a:t>= </a:t>
+                          </a:r>
+                          <a14:m>
+                            <m:oMath xmlns:m="http://schemas.openxmlformats.org/officeDocument/2006/math">
+                              <m:func>
+                                <m:funcPr>
+                                  <m:ctrlPr>
+                                    <a:rPr lang="fr-FR" sz="3600" i="1" smtClean="0">
+                                      <a:latin typeface="Cambria Math" panose="02040503050406030204" pitchFamily="18" charset="0"/>
+                                      <a:ea typeface="Times New Roman" pitchFamily="18" charset="0"/>
+                                      <a:cs typeface="Arial" charset="0"/>
+                                      <a:sym typeface="Symbol" pitchFamily="18" charset="2"/>
+                                    </a:rPr>
+                                  </m:ctrlPr>
+                                </m:funcPr>
+                                <m:fName>
+                                  <m:limLow>
+                                    <m:limLowPr>
+                                      <m:ctrlPr>
+                                        <a:rPr lang="fr-FR" sz="3600" i="1" smtClean="0">
+                                          <a:latin typeface="Cambria Math" panose="02040503050406030204" pitchFamily="18" charset="0"/>
+                                          <a:ea typeface="Times New Roman" pitchFamily="18" charset="0"/>
+                                          <a:cs typeface="Arial" charset="0"/>
+                                          <a:sym typeface="Symbol" pitchFamily="18" charset="2"/>
+                                        </a:rPr>
+                                      </m:ctrlPr>
+                                    </m:limLowPr>
+                                    <m:e>
+                                      <m:r>
+                                        <m:rPr>
+                                          <m:sty m:val="p"/>
+                                        </m:rPr>
+                                        <a:rPr lang="fr-FR" sz="3600" i="0" smtClean="0">
+                                          <a:latin typeface="Cambria Math"/>
+                                          <a:ea typeface="Times New Roman" pitchFamily="18" charset="0"/>
+                                          <a:cs typeface="Arial" charset="0"/>
+                                          <a:sym typeface="Symbol" pitchFamily="18" charset="2"/>
+                                        </a:rPr>
+                                        <m:t>min</m:t>
+                                      </m:r>
+                                    </m:e>
+                                    <m:lim>
+                                      <m:r>
+                                        <a:rPr lang="fr-FR" sz="3600" b="0" i="1" smtClean="0">
+                                          <a:latin typeface="Cambria Math"/>
+                                          <a:ea typeface="Times New Roman" pitchFamily="18" charset="0"/>
+                                          <a:cs typeface="Arial" charset="0"/>
+                                          <a:sym typeface="Symbol" pitchFamily="18" charset="2"/>
+                                        </a:rPr>
+                                        <m:t>𝑗</m:t>
+                                      </m:r>
+                                      <m:r>
+                                        <a:rPr lang="fr-FR" sz="3600" b="0" i="1" smtClean="0">
+                                          <a:latin typeface="Cambria Math"/>
+                                          <a:ea typeface="Cambria Math"/>
+                                          <a:cs typeface="Arial" charset="0"/>
+                                          <a:sym typeface="Symbol" pitchFamily="18" charset="2"/>
+                                        </a:rPr>
+                                        <m:t>∈</m:t>
+                                      </m:r>
+                                      <m:r>
+                                        <m:rPr>
+                                          <m:nor/>
+                                        </m:rPr>
+                                        <a:rPr lang="fr-FR" sz="3600" dirty="0">
+                                          <a:latin typeface="Open Sans" panose="020B0606030504020204" pitchFamily="34" charset="0"/>
+                                          <a:ea typeface="Open Sans" panose="020B0606030504020204" pitchFamily="34" charset="0"/>
+                                          <a:cs typeface="Open Sans" panose="020B0606030504020204" pitchFamily="34" charset="0"/>
+                                          <a:sym typeface="Symbol" pitchFamily="18" charset="2"/>
+                                        </a:rPr>
+                                        <m:t></m:t>
+                                      </m:r>
+                                      <m:r>
+                                        <a:rPr lang="fr-FR" sz="3600" b="0" i="1" dirty="0" smtClean="0">
+                                          <a:latin typeface="Cambria Math"/>
+                                          <a:ea typeface="Times New Roman" pitchFamily="18" charset="0"/>
+                                          <a:cs typeface="Arial" charset="0"/>
+                                          <a:sym typeface="Symbol" pitchFamily="18" charset="2"/>
+                                        </a:rPr>
+                                        <m:t>(</m:t>
+                                      </m:r>
+                                      <m:r>
+                                        <a:rPr lang="fr-FR" sz="3600" b="0" i="1" dirty="0" smtClean="0">
+                                          <a:latin typeface="Cambria Math"/>
+                                          <a:ea typeface="Times New Roman" pitchFamily="18" charset="0"/>
+                                          <a:cs typeface="Arial" charset="0"/>
+                                          <a:sym typeface="Symbol" pitchFamily="18" charset="2"/>
+                                        </a:rPr>
+                                        <m:t>𝑖</m:t>
+                                      </m:r>
+                                      <m:r>
+                                        <a:rPr lang="fr-FR" sz="3600" b="0" i="1" dirty="0" smtClean="0">
+                                          <a:latin typeface="Cambria Math"/>
+                                          <a:ea typeface="Times New Roman" pitchFamily="18" charset="0"/>
+                                          <a:cs typeface="Arial" charset="0"/>
+                                          <a:sym typeface="Symbol" pitchFamily="18" charset="2"/>
+                                        </a:rPr>
+                                        <m:t>)</m:t>
+                                      </m:r>
+                                    </m:lim>
+                                  </m:limLow>
+                                </m:fName>
+                                <m:e>
+                                  <m:r>
+                                    <a:rPr lang="fr-FR" sz="3600" b="0" i="1" smtClean="0">
+                                      <a:latin typeface="Cambria Math"/>
+                                      <a:ea typeface="Times New Roman" pitchFamily="18" charset="0"/>
+                                      <a:cs typeface="Arial" charset="0"/>
+                                      <a:sym typeface="Symbol" pitchFamily="18" charset="2"/>
+                                    </a:rPr>
+                                    <m:t>(</m:t>
+                                  </m:r>
+                                  <m:sSub>
+                                    <m:sSubPr>
+                                      <m:ctrlPr>
+                                        <a:rPr lang="fr-FR" sz="3600" b="0" i="1" smtClean="0">
+                                          <a:latin typeface="Cambria Math" panose="02040503050406030204" pitchFamily="18" charset="0"/>
+                                          <a:cs typeface="Arial" charset="0"/>
+                                          <a:sym typeface="Symbol" pitchFamily="18" charset="2"/>
+                                        </a:rPr>
+                                      </m:ctrlPr>
+                                    </m:sSubPr>
+                                    <m:e>
+                                      <m:r>
+                                        <a:rPr lang="fr-FR" sz="3600" b="0" i="1" smtClean="0">
+                                          <a:latin typeface="Cambria Math" panose="02040503050406030204" pitchFamily="18" charset="0"/>
+                                          <a:ea typeface="Cambria Math" panose="02040503050406030204" pitchFamily="18" charset="0"/>
+                                          <a:cs typeface="Arial" charset="0"/>
+                                          <a:sym typeface="Symbol" pitchFamily="18" charset="2"/>
+                                        </a:rPr>
+                                        <m:t>𝜏</m:t>
+                                      </m:r>
+                                    </m:e>
+                                    <m:sub>
+                                      <m:r>
+                                        <a:rPr lang="fr-FR" sz="3600" b="0" i="1" smtClean="0">
+                                          <a:latin typeface="Cambria Math"/>
+                                          <a:cs typeface="Arial" charset="0"/>
+                                          <a:sym typeface="Symbol" pitchFamily="18" charset="2"/>
+                                        </a:rPr>
+                                        <m:t>𝑗</m:t>
+                                      </m:r>
+                                    </m:sub>
+                                  </m:sSub>
+                                  <m:r>
+                                    <a:rPr lang="fr-FR" sz="3600" b="0" i="1" smtClean="0">
+                                      <a:latin typeface="Cambria Math" panose="02040503050406030204" pitchFamily="18" charset="0"/>
+                                      <a:cs typeface="Arial" charset="0"/>
+                                      <a:sym typeface="Symbol" pitchFamily="18" charset="2"/>
+                                    </a:rPr>
+                                    <m:t>)</m:t>
+                                  </m:r>
+                                  <m:r>
+                                    <a:rPr lang="fr-FR" sz="3600" b="0" i="1" smtClean="0">
+                                      <a:latin typeface="Cambria Math"/>
+                                      <a:cs typeface="Arial" charset="0"/>
+                                      <a:sym typeface="Symbol" pitchFamily="18" charset="2"/>
+                                    </a:rPr>
+                                    <m:t>−</m:t>
+                                  </m:r>
+                                  <m:r>
+                                    <a:rPr lang="fr-FR" sz="3600" b="0" i="1" smtClean="0">
+                                      <a:latin typeface="Cambria Math" panose="02040503050406030204" pitchFamily="18" charset="0"/>
+                                      <a:cs typeface="Arial" charset="0"/>
+                                      <a:sym typeface="Symbol" pitchFamily="18" charset="2"/>
+                                    </a:rPr>
+                                    <m:t>(</m:t>
+                                  </m:r>
+                                  <m:sSub>
+                                    <m:sSubPr>
+                                      <m:ctrlPr>
+                                        <a:rPr lang="fr-FR" sz="3600" i="1">
+                                          <a:latin typeface="Cambria Math" panose="02040503050406030204" pitchFamily="18" charset="0"/>
+                                          <a:cs typeface="Arial" charset="0"/>
+                                          <a:sym typeface="Symbol" pitchFamily="18" charset="2"/>
+                                        </a:rPr>
+                                      </m:ctrlPr>
+                                    </m:sSubPr>
+                                    <m:e>
+                                      <m:r>
+                                        <a:rPr lang="fr-FR" sz="3600" i="1">
+                                          <a:latin typeface="Cambria Math" panose="02040503050406030204" pitchFamily="18" charset="0"/>
+                                          <a:ea typeface="Cambria Math" panose="02040503050406030204" pitchFamily="18" charset="0"/>
+                                          <a:cs typeface="Arial" charset="0"/>
+                                          <a:sym typeface="Symbol" pitchFamily="18" charset="2"/>
+                                        </a:rPr>
+                                        <m:t>𝜏</m:t>
+                                      </m:r>
+                                    </m:e>
+                                    <m:sub>
+                                      <m:r>
+                                        <a:rPr lang="fr-FR" sz="3600" b="0" i="1" smtClean="0">
+                                          <a:latin typeface="Cambria Math"/>
+                                          <a:cs typeface="Arial" charset="0"/>
+                                          <a:sym typeface="Symbol" pitchFamily="18" charset="2"/>
+                                        </a:rPr>
+                                        <m:t>𝑖</m:t>
+                                      </m:r>
+                                    </m:sub>
+                                  </m:sSub>
+                                  <m:r>
+                                    <a:rPr lang="fr-FR" sz="3600" b="0" i="1" smtClean="0">
+                                      <a:latin typeface="Cambria Math" panose="02040503050406030204" pitchFamily="18" charset="0"/>
+                                      <a:cs typeface="Arial" charset="0"/>
+                                      <a:sym typeface="Symbol" pitchFamily="18" charset="2"/>
+                                    </a:rPr>
+                                    <m:t>+</m:t>
+                                  </m:r>
+                                  <m:sSub>
+                                    <m:sSubPr>
+                                      <m:ctrlPr>
+                                        <a:rPr lang="fr-FR" sz="3600" i="1">
+                                          <a:latin typeface="Cambria Math" panose="02040503050406030204" pitchFamily="18" charset="0"/>
+                                          <a:cs typeface="Arial" charset="0"/>
+                                          <a:sym typeface="Symbol" pitchFamily="18" charset="2"/>
+                                        </a:rPr>
+                                      </m:ctrlPr>
+                                    </m:sSubPr>
+                                    <m:e>
+                                      <m:r>
+                                        <a:rPr lang="fr-FR" sz="3600" b="0" i="1" smtClean="0">
+                                          <a:latin typeface="Cambria Math"/>
+                                          <a:cs typeface="Arial" charset="0"/>
+                                          <a:sym typeface="Symbol" pitchFamily="18" charset="2"/>
+                                        </a:rPr>
+                                        <m:t>𝑑</m:t>
+                                      </m:r>
+                                    </m:e>
+                                    <m:sub>
+                                      <m:r>
+                                        <a:rPr lang="fr-FR" sz="3600" i="1">
+                                          <a:latin typeface="Cambria Math"/>
+                                          <a:cs typeface="Arial" charset="0"/>
+                                          <a:sym typeface="Symbol" pitchFamily="18" charset="2"/>
+                                        </a:rPr>
+                                        <m:t>𝑖</m:t>
+                                      </m:r>
+                                    </m:sub>
+                                  </m:sSub>
+                                </m:e>
+                              </m:func>
+                              <m:r>
+                                <a:rPr lang="fr-FR" sz="3600" b="0" i="1" smtClean="0">
+                                  <a:latin typeface="Cambria Math" panose="02040503050406030204" pitchFamily="18" charset="0"/>
+                                  <a:cs typeface="Arial" charset="0"/>
+                                  <a:sym typeface="Symbol" pitchFamily="18" charset="2"/>
+                                </a:rPr>
+                                <m:t>)</m:t>
+                              </m:r>
+                            </m:oMath>
+                          </a14:m>
+                          <a:endParaRPr lang="fr-FR" sz="3600" dirty="0">
+                            <a:latin typeface="Open Sans" panose="020B0606030504020204" pitchFamily="34" charset="0"/>
+                            <a:ea typeface="Open Sans" panose="020B0606030504020204" pitchFamily="34" charset="0"/>
+                            <a:cs typeface="Open Sans" panose="020B0606030504020204" pitchFamily="34" charset="0"/>
+                          </a:endParaRPr>
+                        </a:p>
+                        <a:p>
+                          <a:pPr marL="1828800" lvl="2" indent="0">
+                            <a:buFont typeface="+mj-lt"/>
+                            <a:buNone/>
+                          </a:pPr>
+                          <a:endParaRPr lang="fr-FR" dirty="0">
+                            <a:latin typeface="Open Sans" panose="020B0606030504020204" pitchFamily="34" charset="0"/>
+                            <a:ea typeface="Open Sans" panose="020B0606030504020204" pitchFamily="34" charset="0"/>
+                            <a:cs typeface="Open Sans" panose="020B0606030504020204" pitchFamily="34" charset="0"/>
+                          </a:endParaRPr>
+                        </a:p>
+                        <a:p>
+                          <a:pPr marL="914400" lvl="1" indent="0">
+                            <a:buFont typeface="+mj-lt"/>
+                            <a:buNone/>
+                          </a:pPr>
+                          <a:r>
+                            <a:rPr lang="fr-FR" dirty="0">
+                              <a:latin typeface="Open Sans" panose="020B0606030504020204" pitchFamily="34" charset="0"/>
+                              <a:ea typeface="Open Sans" panose="020B0606030504020204" pitchFamily="34" charset="0"/>
+                              <a:cs typeface="Open Sans" panose="020B0606030504020204" pitchFamily="34" charset="0"/>
+                            </a:rPr>
+                            <a:t>avec </a:t>
+                          </a:r>
+                        </a:p>
+                        <a:p>
+                          <a:pPr marL="1828800" lvl="2" indent="0">
+                            <a:buFont typeface="+mj-lt"/>
+                            <a:buNone/>
+                          </a:pPr>
+                          <a:r>
+                            <a:rPr lang="fr-FR" dirty="0">
+                              <a:latin typeface="Open Sans" panose="020B0606030504020204" pitchFamily="34" charset="0"/>
+                              <a:ea typeface="Open Sans" panose="020B0606030504020204" pitchFamily="34" charset="0"/>
+                              <a:cs typeface="Open Sans" panose="020B0606030504020204" pitchFamily="34" charset="0"/>
+                            </a:rPr>
+                            <a:t>j les successeurs de i</a:t>
+                          </a:r>
+                        </a:p>
+                        <a:p>
+                          <a:pPr marL="1828800" lvl="2" indent="0">
+                            <a:buFont typeface="+mj-lt"/>
+                            <a:buNone/>
+                          </a:pPr>
+                          <a:r>
+                            <a:rPr lang="fr-FR" dirty="0">
+                              <a:latin typeface="Open Sans" panose="020B0606030504020204" pitchFamily="34" charset="0"/>
+                              <a:ea typeface="Open Sans" panose="020B0606030504020204" pitchFamily="34" charset="0"/>
+                              <a:cs typeface="Open Sans" panose="020B0606030504020204" pitchFamily="34" charset="0"/>
+                            </a:rPr>
+                            <a:t>𝑑𝑖 la tâche de i</a:t>
+                          </a:r>
+                        </a:p>
+                        <a:p>
+                          <a:pPr lvl="0"/>
+                          <a:endParaRPr lang="fr-FR" dirty="0">
+                            <a:latin typeface="Open Sans" panose="020B0606030504020204" pitchFamily="34" charset="0"/>
+                            <a:ea typeface="Open Sans" panose="020B0606030504020204" pitchFamily="34" charset="0"/>
+                            <a:cs typeface="Open Sans" panose="020B0606030504020204" pitchFamily="34" charset="0"/>
+                          </a:endParaRPr>
+                        </a:p>
+                        <a:p>
+                          <a:endParaRPr lang="fr-FR" dirty="0">
+                            <a:latin typeface="Open Sans" panose="020B0606030504020204" pitchFamily="34" charset="0"/>
+                            <a:ea typeface="Open Sans" panose="020B0606030504020204" pitchFamily="34" charset="0"/>
+                            <a:cs typeface="Open Sans" panose="020B0606030504020204" pitchFamily="34" charset="0"/>
+                          </a:endParaRPr>
+                        </a:p>
+                        <a:p>
+                          <a:endParaRPr lang="fr-FR" dirty="0">
+                            <a:latin typeface="Open Sans" panose="020B0606030504020204" pitchFamily="34" charset="0"/>
+                            <a:ea typeface="Open Sans" panose="020B0606030504020204" pitchFamily="34" charset="0"/>
+                            <a:cs typeface="Open Sans" panose="020B0606030504020204" pitchFamily="34" charset="0"/>
+                          </a:endParaRPr>
+                        </a:p>
+                      </a:txBody>
+                      <a:tcPr>
+                        <a:lnL w="12700" cap="flat" cmpd="sng" algn="ctr">
+                          <a:solidFill>
+                            <a:schemeClr val="tx1"/>
+                          </a:solidFill>
+                          <a:prstDash val="solid"/>
+                          <a:round/>
+                          <a:headEnd type="none" w="med" len="med"/>
+                          <a:tailEnd type="none" w="med" len="med"/>
+                        </a:lnL>
+                        <a:lnR w="12700" cap="flat" cmpd="sng" algn="ctr">
+                          <a:noFill/>
+                          <a:prstDash val="solid"/>
+                          <a:round/>
+                          <a:headEnd type="none" w="med" len="med"/>
+                          <a:tailEnd type="none" w="med" len="med"/>
+                        </a:lnR>
+                        <a:lnT w="12700" cap="flat" cmpd="sng" algn="ctr">
+                          <a:noFill/>
+                          <a:prstDash val="solid"/>
+                          <a:round/>
+                          <a:headEnd type="none" w="med" len="med"/>
+                          <a:tailEnd type="none" w="med" len="med"/>
+                        </a:lnT>
+                        <a:lnB w="12700" cap="flat" cmpd="sng" algn="ctr">
+                          <a:noFill/>
+                          <a:prstDash val="solid"/>
+                          <a:round/>
+                          <a:headEnd type="none" w="med" len="med"/>
+                          <a:tailEnd type="none" w="med" len="med"/>
+                        </a:lnB>
+                        <a:lnTlToBr w="12700" cmpd="sng">
+                          <a:noFill/>
+                          <a:prstDash val="solid"/>
+                        </a:lnTlToBr>
+                        <a:lnBlToTr w="12700" cmpd="sng">
+                          <a:noFill/>
+                          <a:prstDash val="solid"/>
+                        </a:lnBlToTr>
+                        <a:solidFill>
+                          <a:schemeClr val="bg1"/>
+                        </a:solidFill>
+                      </a:tcPr>
+                    </a:tc>
+                    <a:extLst>
+                      <a:ext uri="{0D108BD9-81ED-4DB2-BD59-A6C34878D82A}">
+                        <a16:rowId xmlns:a16="http://schemas.microsoft.com/office/drawing/2014/main" val="1625328047"/>
+                      </a:ext>
+                    </a:extLst>
+                  </a:tr>
+                </a:tbl>
+              </a:graphicData>
+            </a:graphic>
+          </p:graphicFrame>
+        </mc:Choice>
+        <mc:Fallback>
+          <p:graphicFrame>
+            <p:nvGraphicFramePr>
+              <p:cNvPr id="4" name="Tableau 4">
+                <a:extLst>
+                  <a:ext uri="{FF2B5EF4-FFF2-40B4-BE49-F238E27FC236}">
+                    <a16:creationId xmlns:a16="http://schemas.microsoft.com/office/drawing/2014/main" id="{055DFC33-19BB-45F5-AE28-406FFBF8D91B}"/>
+                  </a:ext>
+                </a:extLst>
+              </p:cNvPr>
+              <p:cNvGraphicFramePr>
+                <a:graphicFrameLocks noGrp="1"/>
+              </p:cNvGraphicFramePr>
+              <p:nvPr>
+                <p:extLst>
+                  <p:ext uri="{D42A27DB-BD31-4B8C-83A1-F6EECF244321}">
+                    <p14:modId xmlns:p14="http://schemas.microsoft.com/office/powerpoint/2010/main" val="3899981507"/>
+                  </p:ext>
+                </p:extLst>
+              </p:nvPr>
+            </p:nvGraphicFramePr>
+            <p:xfrm>
+              <a:off x="1172368" y="3675988"/>
+              <a:ext cx="22042438" cy="7058406"/>
+            </p:xfrm>
+            <a:graphic>
+              <a:graphicData uri="http://schemas.openxmlformats.org/drawingml/2006/table">
+                <a:tbl>
+                  <a:tblPr>
+                    <a:tableStyleId>{5C22544A-7EE6-4342-B048-85BDC9FD1C3A}</a:tableStyleId>
+                  </a:tblPr>
+                  <a:tblGrid>
+                    <a:gridCol w="11021219">
+                      <a:extLst>
+                        <a:ext uri="{9D8B030D-6E8A-4147-A177-3AD203B41FA5}">
+                          <a16:colId xmlns:a16="http://schemas.microsoft.com/office/drawing/2014/main" val="1323346958"/>
+                        </a:ext>
+                      </a:extLst>
+                    </a:gridCol>
+                    <a:gridCol w="11021219">
+                      <a:extLst>
+                        <a:ext uri="{9D8B030D-6E8A-4147-A177-3AD203B41FA5}">
+                          <a16:colId xmlns:a16="http://schemas.microsoft.com/office/drawing/2014/main" val="334484170"/>
+                        </a:ext>
+                      </a:extLst>
+                    </a:gridCol>
+                  </a:tblGrid>
+                  <a:tr h="640080">
+                    <a:tc>
+                      <a:txBody>
+                        <a:bodyPr/>
+                        <a:lstStyle/>
+                        <a:p>
+                          <a:pPr algn="ctr"/>
+                          <a:r>
+                            <a:rPr lang="fr-FR" dirty="0">
+                              <a:latin typeface="Open Sans" panose="020B0606030504020204" pitchFamily="34" charset="0"/>
+                              <a:ea typeface="Open Sans" panose="020B0606030504020204" pitchFamily="34" charset="0"/>
+                              <a:cs typeface="Open Sans" panose="020B0606030504020204" pitchFamily="34" charset="0"/>
+                            </a:rPr>
+                            <a:t>Marge totale</a:t>
+                          </a:r>
+                        </a:p>
+                      </a:txBody>
+                      <a:tcPr>
+                        <a:lnL w="12700" cap="flat" cmpd="sng" algn="ctr">
+                          <a:noFill/>
+                          <a:prstDash val="solid"/>
+                          <a:round/>
+                          <a:headEnd type="none" w="med" len="med"/>
+                          <a:tailEnd type="none" w="med" len="med"/>
+                        </a:lnL>
+                        <a:lnR w="12700" cap="flat" cmpd="sng" algn="ctr">
+                          <a:solidFill>
+                            <a:schemeClr val="tx1"/>
+                          </a:solidFill>
+                          <a:prstDash val="solid"/>
+                          <a:round/>
+                          <a:headEnd type="none" w="med" len="med"/>
+                          <a:tailEnd type="none" w="med" len="med"/>
+                        </a:lnR>
+                        <a:lnT w="12700" cap="flat" cmpd="sng" algn="ctr">
+                          <a:noFill/>
+                          <a:prstDash val="solid"/>
+                          <a:round/>
+                          <a:headEnd type="none" w="med" len="med"/>
+                          <a:tailEnd type="none" w="med" len="med"/>
+                        </a:lnT>
+                        <a:lnB w="12700" cap="flat" cmpd="sng" algn="ctr">
+                          <a:noFill/>
+                          <a:prstDash val="solid"/>
+                          <a:round/>
+                          <a:headEnd type="none" w="med" len="med"/>
+                          <a:tailEnd type="none" w="med" len="med"/>
+                        </a:lnB>
+                        <a:lnTlToBr w="12700" cmpd="sng">
+                          <a:noFill/>
+                          <a:prstDash val="solid"/>
+                        </a:lnTlToBr>
+                        <a:lnBlToTr w="12700" cmpd="sng">
+                          <a:noFill/>
+                          <a:prstDash val="solid"/>
+                        </a:lnBlToTr>
+                        <a:solidFill>
+                          <a:schemeClr val="bg1"/>
+                        </a:solidFill>
+                      </a:tcPr>
+                    </a:tc>
+                    <a:tc>
+                      <a:txBody>
+                        <a:bodyPr/>
+                        <a:lstStyle/>
+                        <a:p>
+                          <a:pPr algn="ctr"/>
+                          <a:r>
+                            <a:rPr lang="fr-FR" dirty="0">
+                              <a:latin typeface="Open Sans" panose="020B0606030504020204" pitchFamily="34" charset="0"/>
+                              <a:ea typeface="Open Sans" panose="020B0606030504020204" pitchFamily="34" charset="0"/>
+                              <a:cs typeface="Open Sans" panose="020B0606030504020204" pitchFamily="34" charset="0"/>
+                            </a:rPr>
+                            <a:t>Marge libre</a:t>
+                          </a:r>
+                        </a:p>
+                      </a:txBody>
+                      <a:tcPr>
+                        <a:lnL w="12700" cap="flat" cmpd="sng" algn="ctr">
+                          <a:solidFill>
+                            <a:schemeClr val="tx1"/>
+                          </a:solidFill>
+                          <a:prstDash val="solid"/>
+                          <a:round/>
+                          <a:headEnd type="none" w="med" len="med"/>
+                          <a:tailEnd type="none" w="med" len="med"/>
+                        </a:lnL>
+                        <a:lnR w="12700" cap="flat" cmpd="sng" algn="ctr">
+                          <a:noFill/>
+                          <a:prstDash val="solid"/>
+                          <a:round/>
+                          <a:headEnd type="none" w="med" len="med"/>
+                          <a:tailEnd type="none" w="med" len="med"/>
+                        </a:lnR>
+                        <a:lnT w="12700" cap="flat" cmpd="sng" algn="ctr">
+                          <a:noFill/>
+                          <a:prstDash val="solid"/>
+                          <a:round/>
+                          <a:headEnd type="none" w="med" len="med"/>
+                          <a:tailEnd type="none" w="med" len="med"/>
+                        </a:lnT>
+                        <a:lnB w="12700" cap="flat" cmpd="sng" algn="ctr">
+                          <a:noFill/>
+                          <a:prstDash val="solid"/>
+                          <a:round/>
+                          <a:headEnd type="none" w="med" len="med"/>
+                          <a:tailEnd type="none" w="med" len="med"/>
+                        </a:lnB>
+                        <a:lnTlToBr w="12700" cmpd="sng">
+                          <a:noFill/>
+                          <a:prstDash val="solid"/>
+                        </a:lnTlToBr>
+                        <a:lnBlToTr w="12700" cmpd="sng">
+                          <a:noFill/>
+                          <a:prstDash val="solid"/>
+                        </a:lnBlToTr>
+                        <a:solidFill>
+                          <a:schemeClr val="bg1"/>
+                        </a:solidFill>
+                      </a:tcPr>
+                    </a:tc>
+                    <a:extLst>
+                      <a:ext uri="{0D108BD9-81ED-4DB2-BD59-A6C34878D82A}">
+                        <a16:rowId xmlns:a16="http://schemas.microsoft.com/office/drawing/2014/main" val="265165884"/>
+                      </a:ext>
+                    </a:extLst>
+                  </a:tr>
+                  <a:tr h="6418326">
+                    <a:tc>
+                      <a:txBody>
+                        <a:bodyPr/>
+                        <a:lstStyle/>
+                        <a:p>
+                          <a:endParaRPr lang="fr-FR" dirty="0">
+                            <a:latin typeface="Open Sans" panose="020B0606030504020204" pitchFamily="34" charset="0"/>
+                            <a:ea typeface="Open Sans" panose="020B0606030504020204" pitchFamily="34" charset="0"/>
+                            <a:cs typeface="Open Sans" panose="020B0606030504020204" pitchFamily="34" charset="0"/>
+                          </a:endParaRPr>
+                        </a:p>
+                        <a:p>
+                          <a:pPr marL="0" marR="0" lvl="0" indent="0" algn="l" defTabSz="1828800" rtl="0" eaLnBrk="1" fontAlgn="auto" latinLnBrk="0" hangingPunct="1">
+                            <a:lnSpc>
+                              <a:spcPct val="100000"/>
+                            </a:lnSpc>
+                            <a:spcBef>
+                              <a:spcPts val="0"/>
+                            </a:spcBef>
+                            <a:spcAft>
+                              <a:spcPts val="0"/>
+                            </a:spcAft>
+                            <a:buClrTx/>
+                            <a:buSzTx/>
+                            <a:buFontTx/>
+                            <a:buNone/>
+                            <a:tabLst/>
+                            <a:defRPr/>
+                          </a:pPr>
+                          <a:r>
+                            <a:rPr lang="fr-FR" sz="3600" dirty="0">
+                              <a:latin typeface="Open Sans" panose="020B0606030504020204" pitchFamily="34" charset="0"/>
+                              <a:ea typeface="Open Sans" panose="020B0606030504020204" pitchFamily="34" charset="0"/>
+                              <a:cs typeface="Open Sans" panose="020B0606030504020204" pitchFamily="34" charset="0"/>
+                              <a:sym typeface="Symbol" pitchFamily="18" charset="2"/>
+                            </a:rPr>
+                            <a:t>Pour chaque sommet i :</a:t>
+                          </a:r>
+                        </a:p>
+                        <a:p>
+                          <a:pPr marL="0" marR="0" lvl="0" indent="0" algn="l" defTabSz="1828800" rtl="0" eaLnBrk="1" fontAlgn="auto" latinLnBrk="0" hangingPunct="1">
+                            <a:lnSpc>
+                              <a:spcPct val="100000"/>
+                            </a:lnSpc>
+                            <a:spcBef>
+                              <a:spcPts val="0"/>
+                            </a:spcBef>
+                            <a:spcAft>
+                              <a:spcPts val="0"/>
+                            </a:spcAft>
+                            <a:buClrTx/>
+                            <a:buSzTx/>
+                            <a:buFontTx/>
+                            <a:buNone/>
+                            <a:tabLst/>
+                            <a:defRPr/>
+                          </a:pPr>
+                          <a:endParaRPr lang="fr-FR" sz="3600" dirty="0">
+                            <a:latin typeface="Open Sans" panose="020B0606030504020204" pitchFamily="34" charset="0"/>
+                            <a:ea typeface="Open Sans" panose="020B0606030504020204" pitchFamily="34" charset="0"/>
+                            <a:cs typeface="Open Sans" panose="020B0606030504020204" pitchFamily="34" charset="0"/>
+                            <a:sym typeface="Symbol" pitchFamily="18" charset="2"/>
+                          </a:endParaRPr>
+                        </a:p>
+                        <a:p>
+                          <a:pPr marL="914400" marR="0" lvl="1" indent="0" algn="l" defTabSz="1828800" rtl="0" eaLnBrk="1" fontAlgn="auto" latinLnBrk="0" hangingPunct="1">
+                            <a:lnSpc>
+                              <a:spcPct val="100000"/>
+                            </a:lnSpc>
+                            <a:spcBef>
+                              <a:spcPts val="0"/>
+                            </a:spcBef>
+                            <a:spcAft>
+                              <a:spcPts val="0"/>
+                            </a:spcAft>
+                            <a:buClrTx/>
+                            <a:buSzTx/>
+                            <a:buFontTx/>
+                            <a:buNone/>
+                            <a:tabLst/>
+                            <a:defRPr/>
+                          </a:pPr>
+                          <a:r>
+                            <a:rPr lang="fr-FR" sz="3600" dirty="0" err="1">
+                              <a:latin typeface="Open Sans" panose="020B0606030504020204" pitchFamily="34" charset="0"/>
+                              <a:ea typeface="Open Sans" panose="020B0606030504020204" pitchFamily="34" charset="0"/>
+                              <a:cs typeface="Open Sans" panose="020B0606030504020204" pitchFamily="34" charset="0"/>
+                              <a:sym typeface="Symbol" pitchFamily="18" charset="2"/>
+                            </a:rPr>
+                            <a:t>m</a:t>
+                          </a:r>
+                          <a:r>
+                            <a:rPr lang="fr-FR" sz="3600" baseline="-25000" dirty="0" err="1">
+                              <a:latin typeface="Open Sans" panose="020B0606030504020204" pitchFamily="34" charset="0"/>
+                              <a:ea typeface="Open Sans" panose="020B0606030504020204" pitchFamily="34" charset="0"/>
+                              <a:cs typeface="Open Sans" panose="020B0606030504020204" pitchFamily="34" charset="0"/>
+                              <a:sym typeface="Symbol" pitchFamily="18" charset="2"/>
+                            </a:rPr>
+                            <a:t>T</a:t>
+                          </a:r>
+                          <a:r>
+                            <a:rPr lang="fr-FR" sz="3600" baseline="-25000" dirty="0">
+                              <a:latin typeface="Open Sans" panose="020B0606030504020204" pitchFamily="34" charset="0"/>
+                              <a:ea typeface="Open Sans" panose="020B0606030504020204" pitchFamily="34" charset="0"/>
+                              <a:cs typeface="Open Sans" panose="020B0606030504020204" pitchFamily="34" charset="0"/>
+                              <a:sym typeface="Symbol" pitchFamily="18" charset="2"/>
+                            </a:rPr>
+                            <a:t> i </a:t>
+                          </a:r>
+                          <a:r>
+                            <a:rPr lang="fr-FR" sz="3600" dirty="0">
+                              <a:latin typeface="Open Sans" panose="020B0606030504020204" pitchFamily="34" charset="0"/>
+                              <a:ea typeface="Open Sans" panose="020B0606030504020204" pitchFamily="34" charset="0"/>
+                              <a:cs typeface="Open Sans" panose="020B0606030504020204" pitchFamily="34" charset="0"/>
+                              <a:sym typeface="Symbol" pitchFamily="18" charset="2"/>
+                            </a:rPr>
+                            <a:t>= T</a:t>
+                          </a:r>
+                          <a:r>
+                            <a:rPr lang="fr-FR" sz="3600" baseline="-25000" dirty="0">
+                              <a:latin typeface="Open Sans" panose="020B0606030504020204" pitchFamily="34" charset="0"/>
+                              <a:ea typeface="Open Sans" panose="020B0606030504020204" pitchFamily="34" charset="0"/>
+                              <a:cs typeface="Open Sans" panose="020B0606030504020204" pitchFamily="34" charset="0"/>
+                              <a:sym typeface="Symbol" pitchFamily="18" charset="2"/>
+                            </a:rPr>
+                            <a:t>i </a:t>
+                          </a:r>
+                          <a:r>
+                            <a:rPr lang="fr-FR" sz="3600" dirty="0">
+                              <a:latin typeface="Open Sans" panose="020B0606030504020204" pitchFamily="34" charset="0"/>
+                              <a:ea typeface="Open Sans" panose="020B0606030504020204" pitchFamily="34" charset="0"/>
+                              <a:cs typeface="Open Sans" panose="020B0606030504020204" pitchFamily="34" charset="0"/>
+                              <a:sym typeface="Symbol" pitchFamily="18" charset="2"/>
+                            </a:rPr>
+                            <a:t>- </a:t>
+                          </a:r>
+                          <a:r>
+                            <a:rPr lang="fr-FR" sz="3600" baseline="-25000" dirty="0">
+                              <a:latin typeface="Open Sans" panose="020B0606030504020204" pitchFamily="34" charset="0"/>
+                              <a:ea typeface="Open Sans" panose="020B0606030504020204" pitchFamily="34" charset="0"/>
+                              <a:cs typeface="Open Sans" panose="020B0606030504020204" pitchFamily="34" charset="0"/>
+                            </a:rPr>
+                            <a:t>i</a:t>
+                          </a:r>
+                        </a:p>
+                        <a:p>
+                          <a:pPr marL="914400" marR="0" lvl="1" indent="0" algn="l" defTabSz="1828800" rtl="0" eaLnBrk="1" fontAlgn="auto" latinLnBrk="0" hangingPunct="1">
+                            <a:lnSpc>
+                              <a:spcPct val="100000"/>
+                            </a:lnSpc>
+                            <a:spcBef>
+                              <a:spcPts val="0"/>
+                            </a:spcBef>
+                            <a:spcAft>
+                              <a:spcPts val="0"/>
+                            </a:spcAft>
+                            <a:buClrTx/>
+                            <a:buSzTx/>
+                            <a:buFontTx/>
+                            <a:buNone/>
+                            <a:tabLst/>
+                            <a:defRPr/>
+                          </a:pPr>
+                          <a:endParaRPr lang="fr-FR" sz="3600" baseline="-25000" dirty="0">
+                            <a:latin typeface="Open Sans" panose="020B0606030504020204" pitchFamily="34" charset="0"/>
+                            <a:ea typeface="Open Sans" panose="020B0606030504020204" pitchFamily="34" charset="0"/>
+                            <a:cs typeface="Open Sans" panose="020B0606030504020204" pitchFamily="34" charset="0"/>
+                          </a:endParaRPr>
+                        </a:p>
+                        <a:p>
+                          <a:pPr marL="914400" marR="0" lvl="1" indent="0" algn="l" defTabSz="1828800" rtl="0" eaLnBrk="1" fontAlgn="auto" latinLnBrk="0" hangingPunct="1">
+                            <a:lnSpc>
+                              <a:spcPct val="100000"/>
+                            </a:lnSpc>
+                            <a:spcBef>
+                              <a:spcPts val="0"/>
+                            </a:spcBef>
+                            <a:spcAft>
+                              <a:spcPts val="0"/>
+                            </a:spcAft>
+                            <a:buClrTx/>
+                            <a:buSzTx/>
+                            <a:buFontTx/>
+                            <a:buNone/>
+                            <a:tabLst/>
+                            <a:defRPr/>
+                          </a:pPr>
+                          <a:r>
+                            <a:rPr lang="fr-FR" sz="3600" dirty="0">
+                              <a:latin typeface="Open Sans" panose="020B0606030504020204" pitchFamily="34" charset="0"/>
+                              <a:ea typeface="Open Sans" panose="020B0606030504020204" pitchFamily="34" charset="0"/>
+                              <a:cs typeface="Open Sans" panose="020B0606030504020204" pitchFamily="34" charset="0"/>
+                              <a:sym typeface="Symbol" pitchFamily="18" charset="2"/>
+                            </a:rPr>
+                            <a:t>avec</a:t>
+                          </a:r>
+                        </a:p>
+                        <a:p>
+                          <a:pPr marL="1828800" marR="0" lvl="2" indent="0" algn="l" defTabSz="1828800" rtl="0" eaLnBrk="1" fontAlgn="auto" latinLnBrk="0" hangingPunct="1">
+                            <a:lnSpc>
+                              <a:spcPct val="100000"/>
+                            </a:lnSpc>
+                            <a:spcBef>
+                              <a:spcPts val="0"/>
+                            </a:spcBef>
+                            <a:spcAft>
+                              <a:spcPts val="0"/>
+                            </a:spcAft>
+                            <a:buClrTx/>
+                            <a:buSzTx/>
+                            <a:buFontTx/>
+                            <a:buNone/>
+                            <a:tabLst/>
+                            <a:defRPr/>
+                          </a:pPr>
+                          <a:r>
+                            <a:rPr lang="fr-FR" sz="3600" dirty="0">
+                              <a:latin typeface="Open Sans" panose="020B0606030504020204" pitchFamily="34" charset="0"/>
+                              <a:ea typeface="Open Sans" panose="020B0606030504020204" pitchFamily="34" charset="0"/>
+                              <a:cs typeface="Open Sans" panose="020B0606030504020204" pitchFamily="34" charset="0"/>
+                              <a:sym typeface="Symbol" pitchFamily="18" charset="2"/>
+                            </a:rPr>
+                            <a:t>T</a:t>
+                          </a:r>
+                          <a:r>
+                            <a:rPr lang="fr-FR" sz="3600" baseline="-25000" dirty="0">
+                              <a:latin typeface="Open Sans" panose="020B0606030504020204" pitchFamily="34" charset="0"/>
+                              <a:ea typeface="Open Sans" panose="020B0606030504020204" pitchFamily="34" charset="0"/>
+                              <a:cs typeface="Open Sans" panose="020B0606030504020204" pitchFamily="34" charset="0"/>
+                              <a:sym typeface="Symbol" pitchFamily="18" charset="2"/>
+                            </a:rPr>
+                            <a:t>i</a:t>
+                          </a:r>
+                          <a:r>
+                            <a:rPr lang="fr-FR" sz="3600" baseline="0" dirty="0">
+                              <a:latin typeface="Open Sans" panose="020B0606030504020204" pitchFamily="34" charset="0"/>
+                              <a:ea typeface="Open Sans" panose="020B0606030504020204" pitchFamily="34" charset="0"/>
+                              <a:cs typeface="Open Sans" panose="020B0606030504020204" pitchFamily="34" charset="0"/>
+                              <a:sym typeface="Symbol" pitchFamily="18" charset="2"/>
+                            </a:rPr>
+                            <a:t> = date au plus tard</a:t>
+                          </a:r>
+                        </a:p>
+                        <a:p>
+                          <a:pPr marL="1828800" marR="0" lvl="2" indent="0" algn="l" defTabSz="1828800" rtl="0" eaLnBrk="1" fontAlgn="auto" latinLnBrk="0" hangingPunct="1">
+                            <a:lnSpc>
+                              <a:spcPct val="100000"/>
+                            </a:lnSpc>
+                            <a:spcBef>
+                              <a:spcPts val="0"/>
+                            </a:spcBef>
+                            <a:spcAft>
+                              <a:spcPts val="0"/>
+                            </a:spcAft>
+                            <a:buClrTx/>
+                            <a:buSzTx/>
+                            <a:buFontTx/>
+                            <a:buNone/>
+                            <a:tabLst/>
+                            <a:defRPr/>
+                          </a:pPr>
+                          <a:r>
+                            <a:rPr lang="fr-FR" sz="3600" dirty="0">
+                              <a:latin typeface="Open Sans" panose="020B0606030504020204" pitchFamily="34" charset="0"/>
+                              <a:ea typeface="Open Sans" panose="020B0606030504020204" pitchFamily="34" charset="0"/>
+                              <a:cs typeface="Open Sans" panose="020B0606030504020204" pitchFamily="34" charset="0"/>
+                              <a:sym typeface="Symbol" pitchFamily="18" charset="2"/>
+                            </a:rPr>
+                            <a:t></a:t>
+                          </a:r>
+                          <a:r>
+                            <a:rPr lang="fr-FR" sz="3600" baseline="-25000" dirty="0">
+                              <a:latin typeface="Open Sans" panose="020B0606030504020204" pitchFamily="34" charset="0"/>
+                              <a:ea typeface="Open Sans" panose="020B0606030504020204" pitchFamily="34" charset="0"/>
+                              <a:cs typeface="Open Sans" panose="020B0606030504020204" pitchFamily="34" charset="0"/>
+                            </a:rPr>
+                            <a:t>i</a:t>
+                          </a:r>
+                          <a:r>
+                            <a:rPr lang="fr-FR" sz="3600" baseline="0" dirty="0">
+                              <a:latin typeface="Open Sans" panose="020B0606030504020204" pitchFamily="34" charset="0"/>
+                              <a:ea typeface="Open Sans" panose="020B0606030504020204" pitchFamily="34" charset="0"/>
+                              <a:cs typeface="Open Sans" panose="020B0606030504020204" pitchFamily="34" charset="0"/>
+                            </a:rPr>
+                            <a:t> = date au plus tôt</a:t>
+                          </a:r>
+                          <a:endParaRPr lang="fr-FR" sz="3600" baseline="-25000" dirty="0">
+                            <a:latin typeface="Open Sans" panose="020B0606030504020204" pitchFamily="34" charset="0"/>
+                            <a:ea typeface="Open Sans" panose="020B0606030504020204" pitchFamily="34" charset="0"/>
+                            <a:cs typeface="Open Sans" panose="020B0606030504020204" pitchFamily="34" charset="0"/>
+                          </a:endParaRPr>
+                        </a:p>
+                        <a:p>
+                          <a:pPr marL="914400" marR="0" lvl="1" indent="0" algn="l" defTabSz="1828800" rtl="0" eaLnBrk="1" fontAlgn="auto" latinLnBrk="0" hangingPunct="1">
+                            <a:lnSpc>
+                              <a:spcPct val="100000"/>
+                            </a:lnSpc>
+                            <a:spcBef>
+                              <a:spcPts val="0"/>
+                            </a:spcBef>
+                            <a:spcAft>
+                              <a:spcPts val="0"/>
+                            </a:spcAft>
+                            <a:buClrTx/>
+                            <a:buSzTx/>
+                            <a:buFontTx/>
+                            <a:buNone/>
+                            <a:tabLst/>
+                            <a:defRPr/>
+                          </a:pPr>
+                          <a:endParaRPr lang="fr-FR" sz="3600" baseline="0" dirty="0">
+                            <a:latin typeface="Open Sans" panose="020B0606030504020204" pitchFamily="34" charset="0"/>
+                            <a:ea typeface="Open Sans" panose="020B0606030504020204" pitchFamily="34" charset="0"/>
+                            <a:cs typeface="Open Sans" panose="020B0606030504020204" pitchFamily="34" charset="0"/>
+                            <a:sym typeface="Symbol" pitchFamily="18" charset="2"/>
+                          </a:endParaRPr>
+                        </a:p>
+                        <a:p>
+                          <a:pPr marL="914400" marR="0" lvl="1" indent="0" algn="l" defTabSz="1828800" rtl="0" eaLnBrk="1" fontAlgn="auto" latinLnBrk="0" hangingPunct="1">
+                            <a:lnSpc>
+                              <a:spcPct val="100000"/>
+                            </a:lnSpc>
+                            <a:spcBef>
+                              <a:spcPts val="0"/>
+                            </a:spcBef>
+                            <a:spcAft>
+                              <a:spcPts val="0"/>
+                            </a:spcAft>
+                            <a:buClrTx/>
+                            <a:buSzTx/>
+                            <a:buFontTx/>
+                            <a:buNone/>
+                            <a:tabLst/>
+                            <a:defRPr/>
+                          </a:pPr>
+                          <a:endParaRPr lang="fr-FR" sz="3600" dirty="0">
+                            <a:latin typeface="Open Sans" panose="020B0606030504020204" pitchFamily="34" charset="0"/>
+                            <a:ea typeface="Open Sans" panose="020B0606030504020204" pitchFamily="34" charset="0"/>
+                            <a:cs typeface="Open Sans" panose="020B0606030504020204" pitchFamily="34" charset="0"/>
+                          </a:endParaRPr>
+                        </a:p>
+                        <a:p>
+                          <a:endParaRPr lang="fr-FR" dirty="0">
+                            <a:latin typeface="Open Sans" panose="020B0606030504020204" pitchFamily="34" charset="0"/>
+                            <a:ea typeface="Open Sans" panose="020B0606030504020204" pitchFamily="34" charset="0"/>
+                            <a:cs typeface="Open Sans" panose="020B0606030504020204" pitchFamily="34" charset="0"/>
+                          </a:endParaRPr>
+                        </a:p>
+                      </a:txBody>
+                      <a:tcPr>
+                        <a:lnL w="12700" cap="flat" cmpd="sng" algn="ctr">
+                          <a:noFill/>
+                          <a:prstDash val="solid"/>
+                          <a:round/>
+                          <a:headEnd type="none" w="med" len="med"/>
+                          <a:tailEnd type="none" w="med" len="med"/>
+                        </a:lnL>
+                        <a:lnR w="12700" cap="flat" cmpd="sng" algn="ctr">
+                          <a:solidFill>
+                            <a:schemeClr val="tx1"/>
+                          </a:solidFill>
+                          <a:prstDash val="solid"/>
+                          <a:round/>
+                          <a:headEnd type="none" w="med" len="med"/>
+                          <a:tailEnd type="none" w="med" len="med"/>
+                        </a:lnR>
+                        <a:lnT w="12700" cap="flat" cmpd="sng" algn="ctr">
+                          <a:noFill/>
+                          <a:prstDash val="solid"/>
+                          <a:round/>
+                          <a:headEnd type="none" w="med" len="med"/>
+                          <a:tailEnd type="none" w="med" len="med"/>
+                        </a:lnT>
+                        <a:lnB w="12700" cap="flat" cmpd="sng" algn="ctr">
+                          <a:noFill/>
+                          <a:prstDash val="solid"/>
+                          <a:round/>
+                          <a:headEnd type="none" w="med" len="med"/>
+                          <a:tailEnd type="none" w="med" len="med"/>
+                        </a:lnB>
+                        <a:lnTlToBr w="12700" cmpd="sng">
+                          <a:noFill/>
+                          <a:prstDash val="solid"/>
+                        </a:lnTlToBr>
+                        <a:lnBlToTr w="12700" cmpd="sng">
+                          <a:noFill/>
+                          <a:prstDash val="solid"/>
+                        </a:lnBlToTr>
+                        <a:solidFill>
+                          <a:schemeClr val="bg1"/>
+                        </a:solidFill>
+                      </a:tcPr>
+                    </a:tc>
+                    <a:tc>
+                      <a:txBody>
+                        <a:bodyPr/>
+                        <a:lstStyle/>
+                        <a:p>
+                          <a:endParaRPr lang="fr-FR"/>
+                        </a:p>
+                      </a:txBody>
+                      <a:tcPr>
+                        <a:lnL w="12700" cap="flat" cmpd="sng" algn="ctr">
+                          <a:solidFill>
+                            <a:schemeClr val="tx1"/>
+                          </a:solidFill>
+                          <a:prstDash val="solid"/>
+                          <a:round/>
+                          <a:headEnd type="none" w="med" len="med"/>
+                          <a:tailEnd type="none" w="med" len="med"/>
+                        </a:lnL>
+                        <a:lnR w="12700" cap="flat" cmpd="sng" algn="ctr">
+                          <a:noFill/>
+                          <a:prstDash val="solid"/>
+                          <a:round/>
+                          <a:headEnd type="none" w="med" len="med"/>
+                          <a:tailEnd type="none" w="med" len="med"/>
+                        </a:lnR>
+                        <a:lnT w="12700" cap="flat" cmpd="sng" algn="ctr">
+                          <a:noFill/>
+                          <a:prstDash val="solid"/>
+                          <a:round/>
+                          <a:headEnd type="none" w="med" len="med"/>
+                          <a:tailEnd type="none" w="med" len="med"/>
+                        </a:lnT>
+                        <a:lnB w="12700" cap="flat" cmpd="sng" algn="ctr">
+                          <a:noFill/>
+                          <a:prstDash val="solid"/>
+                          <a:round/>
+                          <a:headEnd type="none" w="med" len="med"/>
+                          <a:tailEnd type="none" w="med" len="med"/>
+                        </a:lnB>
+                        <a:lnTlToBr w="12700" cmpd="sng">
+                          <a:noFill/>
+                          <a:prstDash val="solid"/>
+                        </a:lnTlToBr>
+                        <a:lnBlToTr w="12700" cmpd="sng">
+                          <a:noFill/>
+                          <a:prstDash val="solid"/>
+                        </a:lnBlToTr>
+                        <a:blipFill>
+                          <a:blip r:embed="rId2"/>
+                          <a:stretch>
+                            <a:fillRect l="-100055" t="-11396" b="-95"/>
+                          </a:stretch>
+                        </a:blipFill>
+                      </a:tcPr>
+                    </a:tc>
+                    <a:extLst>
+                      <a:ext uri="{0D108BD9-81ED-4DB2-BD59-A6C34878D82A}">
+                        <a16:rowId xmlns:a16="http://schemas.microsoft.com/office/drawing/2014/main" val="1625328047"/>
+                      </a:ext>
+                    </a:extLst>
+                  </a:tr>
+                </a:tbl>
+              </a:graphicData>
+            </a:graphic>
+          </p:graphicFrame>
+        </mc:Fallback>
+      </mc:AlternateContent>
+    </p:spTree>
+    <p:extLst>
+      <p:ext uri="{BB962C8B-B14F-4D97-AF65-F5344CB8AC3E}">
+        <p14:creationId xmlns:p14="http://schemas.microsoft.com/office/powerpoint/2010/main" val="384183547"/>
+      </p:ext>
+    </p:extLst>
+  </p:cSld>
+  <p:clrMapOvr>
+    <a:masterClrMapping/>
+  </p:clrMapOvr>
+</p:sld>
+</file>
+
+<file path=ppt/slides/slide21.xml><?xml version="1.0" encoding="utf-8"?>
+<p:sld xmlns:a="http://schemas.openxmlformats.org/drawingml/2006/main" xmlns:r="http://schemas.openxmlformats.org/officeDocument/2006/relationships" xmlns:p="http://schemas.openxmlformats.org/presentationml/2006/main">
+  <p:cSld>
+    <p:spTree>
+      <p:nvGrpSpPr>
+        <p:cNvPr id="1" name=""/>
+        <p:cNvGrpSpPr/>
+        <p:nvPr/>
+      </p:nvGrpSpPr>
+      <p:grpSpPr>
+        <a:xfrm>
+          <a:off x="0" y="0"/>
+          <a:ext cx="0" cy="0"/>
+          <a:chOff x="0" y="0"/>
+          <a:chExt cx="0" cy="0"/>
+        </a:xfrm>
+      </p:grpSpPr>
+      <p:sp>
+        <p:nvSpPr>
+          <p:cNvPr id="2" name="ZoneTexte 1">
+            <a:extLst>
+              <a:ext uri="{FF2B5EF4-FFF2-40B4-BE49-F238E27FC236}">
+                <a16:creationId xmlns:a16="http://schemas.microsoft.com/office/drawing/2014/main" id="{633365F7-C813-433A-A0BE-B1CECF57D748}"/>
+              </a:ext>
+            </a:extLst>
+          </p:cNvPr>
+          <p:cNvSpPr txBox="1"/>
+          <p:nvPr/>
+        </p:nvSpPr>
+        <p:spPr>
+          <a:xfrm>
+            <a:off x="2375271" y="1113184"/>
+            <a:ext cx="17880677" cy="1046440"/>
+          </a:xfrm>
+          <a:prstGeom prst="rect">
+            <a:avLst/>
+          </a:prstGeom>
+          <a:noFill/>
+        </p:spPr>
+        <p:txBody>
+          <a:bodyPr wrap="square" rtlCol="0">
+            <a:spAutoFit/>
+          </a:bodyPr>
+          <a:lstStyle/>
+          <a:p>
+            <a:r>
+              <a:rPr lang="fr-FR" sz="6200" b="1" dirty="0">
+                <a:latin typeface="Montserrat" panose="00000500000000000000" pitchFamily="2" charset="0"/>
+              </a:rPr>
+              <a:t>V : Méthode de l’ordonnancement</a:t>
+            </a:r>
+          </a:p>
+        </p:txBody>
+      </p:sp>
+      <p:pic>
+        <p:nvPicPr>
+          <p:cNvPr id="3" name="Image 2">
+            <a:extLst>
+              <a:ext uri="{FF2B5EF4-FFF2-40B4-BE49-F238E27FC236}">
+                <a16:creationId xmlns:a16="http://schemas.microsoft.com/office/drawing/2014/main" id="{5B1C28B7-52AA-421F-BF5B-5E12CD7C4A37}"/>
+              </a:ext>
+            </a:extLst>
+          </p:cNvPr>
+          <p:cNvPicPr>
+            <a:picLocks noChangeAspect="1"/>
+          </p:cNvPicPr>
+          <p:nvPr/>
+        </p:nvPicPr>
+        <p:blipFill>
+          <a:blip r:embed="rId2"/>
+          <a:stretch>
+            <a:fillRect/>
+          </a:stretch>
+        </p:blipFill>
+        <p:spPr>
+          <a:xfrm>
+            <a:off x="5768974" y="4188538"/>
+            <a:ext cx="13493061" cy="5536328"/>
+          </a:xfrm>
+          <a:prstGeom prst="rect">
+            <a:avLst/>
+          </a:prstGeom>
+        </p:spPr>
+      </p:pic>
+    </p:spTree>
+    <p:extLst>
+      <p:ext uri="{BB962C8B-B14F-4D97-AF65-F5344CB8AC3E}">
+        <p14:creationId xmlns:p14="http://schemas.microsoft.com/office/powerpoint/2010/main" val="1479981017"/>
       </p:ext>
     </p:extLst>
   </p:cSld>

--- a/A4_Presentation.pptx
+++ b/A4_Presentation.pptx
@@ -5,30 +5,28 @@
     <p:sldMasterId id="2147483660" r:id="rId1"/>
   </p:sldMasterIdLst>
   <p:handoutMasterIdLst>
-    <p:handoutMasterId r:id="rId23"/>
+    <p:handoutMasterId r:id="rId21"/>
   </p:handoutMasterIdLst>
   <p:sldIdLst>
     <p:sldId id="280" r:id="rId2"/>
     <p:sldId id="281" r:id="rId3"/>
     <p:sldId id="291" r:id="rId4"/>
     <p:sldId id="283" r:id="rId5"/>
-    <p:sldId id="282" r:id="rId6"/>
-    <p:sldId id="292" r:id="rId7"/>
-    <p:sldId id="293" r:id="rId8"/>
-    <p:sldId id="284" r:id="rId9"/>
-    <p:sldId id="294" r:id="rId10"/>
-    <p:sldId id="295" r:id="rId11"/>
-    <p:sldId id="285" r:id="rId12"/>
-    <p:sldId id="286" r:id="rId13"/>
-    <p:sldId id="289" r:id="rId14"/>
-    <p:sldId id="296" r:id="rId15"/>
-    <p:sldId id="297" r:id="rId16"/>
-    <p:sldId id="287" r:id="rId17"/>
-    <p:sldId id="290" r:id="rId18"/>
-    <p:sldId id="298" r:id="rId19"/>
-    <p:sldId id="299" r:id="rId20"/>
-    <p:sldId id="300" r:id="rId21"/>
-    <p:sldId id="301" r:id="rId22"/>
+    <p:sldId id="292" r:id="rId6"/>
+    <p:sldId id="293" r:id="rId7"/>
+    <p:sldId id="284" r:id="rId8"/>
+    <p:sldId id="294" r:id="rId9"/>
+    <p:sldId id="295" r:id="rId10"/>
+    <p:sldId id="285" r:id="rId11"/>
+    <p:sldId id="286" r:id="rId12"/>
+    <p:sldId id="296" r:id="rId13"/>
+    <p:sldId id="297" r:id="rId14"/>
+    <p:sldId id="287" r:id="rId15"/>
+    <p:sldId id="298" r:id="rId16"/>
+    <p:sldId id="299" r:id="rId17"/>
+    <p:sldId id="300" r:id="rId18"/>
+    <p:sldId id="302" r:id="rId19"/>
+    <p:sldId id="301" r:id="rId20"/>
   </p:sldIdLst>
   <p:sldSz cx="24387175" cy="13716000"/>
   <p:notesSz cx="6858000" cy="9144000"/>
@@ -794,12 +792,12 @@
           </a:ln>
           <a:extLst>
             <a:ext uri="{909E8E84-426E-40dd-AFC4-6F175D3DCCD1}">
-              <a14:hiddenFill xmlns:a14="http://schemas.microsoft.com/office/drawing/2010/main" xmlns="">
+              <a14:hiddenFill xmlns="" xmlns:a14="http://schemas.microsoft.com/office/drawing/2010/main">
                 <a:noFill/>
               </a14:hiddenFill>
             </a:ext>
             <a:ext uri="{91240B29-F687-4f45-9708-019B960494DF}">
-              <a14:hiddenLine xmlns:a14="http://schemas.microsoft.com/office/drawing/2010/main" xmlns="" w="9525">
+              <a14:hiddenLine xmlns="" xmlns:a14="http://schemas.microsoft.com/office/drawing/2010/main" w="9525">
                 <a:solidFill>
                   <a:srgbClr val="000000"/>
                 </a:solidFill>
@@ -844,12 +842,12 @@
           </a:ln>
           <a:extLst>
             <a:ext uri="{909E8E84-426E-40dd-AFC4-6F175D3DCCD1}">
-              <a14:hiddenFill xmlns:a14="http://schemas.microsoft.com/office/drawing/2010/main" xmlns="">
+              <a14:hiddenFill xmlns="" xmlns:a14="http://schemas.microsoft.com/office/drawing/2010/main">
                 <a:noFill/>
               </a14:hiddenFill>
             </a:ext>
             <a:ext uri="{91240B29-F687-4f45-9708-019B960494DF}">
-              <a14:hiddenLine xmlns:a14="http://schemas.microsoft.com/office/drawing/2010/main" xmlns="" w="9525">
+              <a14:hiddenLine xmlns="" xmlns:a14="http://schemas.microsoft.com/office/drawing/2010/main" w="9525">
                 <a:solidFill>
                   <a:srgbClr val="000000"/>
                 </a:solidFill>
@@ -1047,836 +1045,6 @@
           <p:cNvPr id="2" name="ZoneTexte 1">
             <a:extLst>
               <a:ext uri="{FF2B5EF4-FFF2-40B4-BE49-F238E27FC236}">
-                <a16:creationId xmlns:a16="http://schemas.microsoft.com/office/drawing/2014/main" id="{D542047B-0147-45C6-AADC-B75D32DE578D}"/>
-              </a:ext>
-            </a:extLst>
-          </p:cNvPr>
-          <p:cNvSpPr txBox="1"/>
-          <p:nvPr/>
-        </p:nvSpPr>
-        <p:spPr>
-          <a:xfrm>
-            <a:off x="2375270" y="1113184"/>
-            <a:ext cx="17880677" cy="1046440"/>
-          </a:xfrm>
-          <a:prstGeom prst="rect">
-            <a:avLst/>
-          </a:prstGeom>
-          <a:noFill/>
-        </p:spPr>
-        <p:txBody>
-          <a:bodyPr wrap="square" rtlCol="0">
-            <a:spAutoFit/>
-          </a:bodyPr>
-          <a:lstStyle/>
-          <a:p>
-            <a:r>
-              <a:rPr lang="fr-FR" sz="6200" b="1" dirty="0">
-                <a:latin typeface="Montserrat" panose="00000500000000000000" pitchFamily="2" charset="0"/>
-              </a:rPr>
-              <a:t>IV : Détection des circuits/Calcul du rang</a:t>
-            </a:r>
-          </a:p>
-        </p:txBody>
-      </p:sp>
-      <p:sp>
-        <p:nvSpPr>
-          <p:cNvPr id="3" name="ZoneTexte 2">
-            <a:extLst>
-              <a:ext uri="{FF2B5EF4-FFF2-40B4-BE49-F238E27FC236}">
-                <a16:creationId xmlns:a16="http://schemas.microsoft.com/office/drawing/2014/main" id="{E70CFCEE-CA49-4117-A144-52FC88055AE1}"/>
-              </a:ext>
-            </a:extLst>
-          </p:cNvPr>
-          <p:cNvSpPr txBox="1"/>
-          <p:nvPr/>
-        </p:nvSpPr>
-        <p:spPr>
-          <a:xfrm>
-            <a:off x="2375270" y="2159624"/>
-            <a:ext cx="17880677" cy="1046440"/>
-          </a:xfrm>
-          <a:prstGeom prst="rect">
-            <a:avLst/>
-          </a:prstGeom>
-          <a:noFill/>
-        </p:spPr>
-        <p:txBody>
-          <a:bodyPr wrap="square" rtlCol="0">
-            <a:spAutoFit/>
-          </a:bodyPr>
-          <a:lstStyle/>
-          <a:p>
-            <a:r>
-              <a:rPr lang="fr-FR" sz="6200" b="1" dirty="0">
-                <a:latin typeface="Montserrat" panose="00000500000000000000" pitchFamily="2" charset="0"/>
-              </a:rPr>
-              <a:t>	</a:t>
-            </a:r>
-            <a:r>
-              <a:rPr lang="fr-FR" sz="4200" b="1" dirty="0">
-                <a:latin typeface="Montserrat" panose="00000500000000000000" pitchFamily="2" charset="0"/>
-              </a:rPr>
-              <a:t>B : Calcul du rang</a:t>
-            </a:r>
-          </a:p>
-        </p:txBody>
-      </p:sp>
-      <p:sp>
-        <p:nvSpPr>
-          <p:cNvPr id="4" name="Rectangle 3">
-            <a:extLst>
-              <a:ext uri="{FF2B5EF4-FFF2-40B4-BE49-F238E27FC236}">
-                <a16:creationId xmlns:a16="http://schemas.microsoft.com/office/drawing/2014/main" id="{8BADA5C4-2775-45F1-B22A-32DB36A27472}"/>
-              </a:ext>
-            </a:extLst>
-          </p:cNvPr>
-          <p:cNvSpPr/>
-          <p:nvPr/>
-        </p:nvSpPr>
-        <p:spPr>
-          <a:xfrm>
-            <a:off x="2367629" y="5219322"/>
-            <a:ext cx="8877631" cy="5262979"/>
-          </a:xfrm>
-          <a:prstGeom prst="rect">
-            <a:avLst/>
-          </a:prstGeom>
-        </p:spPr>
-        <p:txBody>
-          <a:bodyPr wrap="square">
-            <a:spAutoFit/>
-          </a:bodyPr>
-          <a:lstStyle/>
-          <a:p>
-            <a:r>
-              <a:rPr lang="fr-FR" sz="2800" dirty="0" err="1">
-                <a:latin typeface="Open Sans" panose="020B0606030504020204" pitchFamily="34" charset="0"/>
-                <a:ea typeface="Open Sans" panose="020B0606030504020204" pitchFamily="34" charset="0"/>
-                <a:cs typeface="Open Sans" panose="020B0606030504020204" pitchFamily="34" charset="0"/>
-              </a:rPr>
-              <a:t>rgCourant</a:t>
-            </a:r>
-            <a:r>
-              <a:rPr lang="fr-FR" sz="2800" dirty="0">
-                <a:latin typeface="Open Sans" panose="020B0606030504020204" pitchFamily="34" charset="0"/>
-                <a:ea typeface="Open Sans" panose="020B0606030504020204" pitchFamily="34" charset="0"/>
-                <a:cs typeface="Open Sans" panose="020B0606030504020204" pitchFamily="34" charset="0"/>
-              </a:rPr>
-              <a:t> = 0</a:t>
-            </a:r>
-          </a:p>
-          <a:p>
-            <a:r>
-              <a:rPr lang="fr-FR" sz="2800" dirty="0" err="1">
-                <a:latin typeface="Open Sans" panose="020B0606030504020204" pitchFamily="34" charset="0"/>
-                <a:ea typeface="Open Sans" panose="020B0606030504020204" pitchFamily="34" charset="0"/>
-                <a:cs typeface="Open Sans" panose="020B0606030504020204" pitchFamily="34" charset="0"/>
-              </a:rPr>
-              <a:t>degMoins</a:t>
-            </a:r>
-            <a:r>
-              <a:rPr lang="fr-FR" sz="2800" dirty="0">
-                <a:latin typeface="Open Sans" panose="020B0606030504020204" pitchFamily="34" charset="0"/>
-                <a:ea typeface="Open Sans" panose="020B0606030504020204" pitchFamily="34" charset="0"/>
-                <a:cs typeface="Open Sans" panose="020B0606030504020204" pitchFamily="34" charset="0"/>
-              </a:rPr>
-              <a:t>[</a:t>
-            </a:r>
-            <a:r>
-              <a:rPr lang="fr-FR" sz="2800" dirty="0" err="1">
-                <a:latin typeface="Open Sans" panose="020B0606030504020204" pitchFamily="34" charset="0"/>
-                <a:ea typeface="Open Sans" panose="020B0606030504020204" pitchFamily="34" charset="0"/>
-                <a:cs typeface="Open Sans" panose="020B0606030504020204" pitchFamily="34" charset="0"/>
-              </a:rPr>
-              <a:t>nbSommet</a:t>
-            </a:r>
-            <a:r>
-              <a:rPr lang="fr-FR" sz="2800" dirty="0">
-                <a:latin typeface="Open Sans" panose="020B0606030504020204" pitchFamily="34" charset="0"/>
-                <a:ea typeface="Open Sans" panose="020B0606030504020204" pitchFamily="34" charset="0"/>
-                <a:cs typeface="Open Sans" panose="020B0606030504020204" pitchFamily="34" charset="0"/>
-              </a:rPr>
-              <a:t>]</a:t>
-            </a:r>
-          </a:p>
-          <a:p>
-            <a:r>
-              <a:rPr lang="fr-FR" sz="2800" dirty="0" err="1">
-                <a:latin typeface="Open Sans" panose="020B0606030504020204" pitchFamily="34" charset="0"/>
-                <a:ea typeface="Open Sans" panose="020B0606030504020204" pitchFamily="34" charset="0"/>
-                <a:cs typeface="Open Sans" panose="020B0606030504020204" pitchFamily="34" charset="0"/>
-              </a:rPr>
-              <a:t>matTempo</a:t>
-            </a:r>
-            <a:r>
-              <a:rPr lang="fr-FR" sz="2800" dirty="0">
-                <a:latin typeface="Open Sans" panose="020B0606030504020204" pitchFamily="34" charset="0"/>
-                <a:ea typeface="Open Sans" panose="020B0606030504020204" pitchFamily="34" charset="0"/>
-                <a:cs typeface="Open Sans" panose="020B0606030504020204" pitchFamily="34" charset="0"/>
-              </a:rPr>
-              <a:t> = </a:t>
-            </a:r>
-            <a:r>
-              <a:rPr lang="fr-FR" sz="2800" dirty="0" err="1">
-                <a:latin typeface="Open Sans" panose="020B0606030504020204" pitchFamily="34" charset="0"/>
-                <a:ea typeface="Open Sans" panose="020B0606030504020204" pitchFamily="34" charset="0"/>
-                <a:cs typeface="Open Sans" panose="020B0606030504020204" pitchFamily="34" charset="0"/>
-              </a:rPr>
-              <a:t>matriceAdjacence</a:t>
-            </a:r>
-            <a:endParaRPr lang="fr-FR" sz="2800" dirty="0">
-              <a:latin typeface="Open Sans" panose="020B0606030504020204" pitchFamily="34" charset="0"/>
-              <a:ea typeface="Open Sans" panose="020B0606030504020204" pitchFamily="34" charset="0"/>
-              <a:cs typeface="Open Sans" panose="020B0606030504020204" pitchFamily="34" charset="0"/>
-            </a:endParaRPr>
-          </a:p>
-          <a:p>
-            <a:r>
-              <a:rPr lang="fr-FR" sz="2800" dirty="0">
-                <a:latin typeface="Open Sans" panose="020B0606030504020204" pitchFamily="34" charset="0"/>
-                <a:ea typeface="Open Sans" panose="020B0606030504020204" pitchFamily="34" charset="0"/>
-                <a:cs typeface="Open Sans" panose="020B0606030504020204" pitchFamily="34" charset="0"/>
-              </a:rPr>
-              <a:t>pour chaque sommet i</a:t>
-            </a:r>
-          </a:p>
-          <a:p>
-            <a:r>
-              <a:rPr lang="fr-FR" sz="2800" dirty="0">
-                <a:latin typeface="Open Sans" panose="020B0606030504020204" pitchFamily="34" charset="0"/>
-                <a:ea typeface="Open Sans" panose="020B0606030504020204" pitchFamily="34" charset="0"/>
-                <a:cs typeface="Open Sans" panose="020B0606030504020204" pitchFamily="34" charset="0"/>
-              </a:rPr>
-              <a:t>	ajout i à </a:t>
-            </a:r>
-            <a:r>
-              <a:rPr lang="fr-FR" sz="2800" dirty="0" err="1">
-                <a:latin typeface="Open Sans" panose="020B0606030504020204" pitchFamily="34" charset="0"/>
-                <a:ea typeface="Open Sans" panose="020B0606030504020204" pitchFamily="34" charset="0"/>
-                <a:cs typeface="Open Sans" panose="020B0606030504020204" pitchFamily="34" charset="0"/>
-              </a:rPr>
-              <a:t>listeTodo</a:t>
-            </a:r>
-            <a:endParaRPr lang="fr-FR" sz="2800" dirty="0">
-              <a:latin typeface="Open Sans" panose="020B0606030504020204" pitchFamily="34" charset="0"/>
-              <a:ea typeface="Open Sans" panose="020B0606030504020204" pitchFamily="34" charset="0"/>
-              <a:cs typeface="Open Sans" panose="020B0606030504020204" pitchFamily="34" charset="0"/>
-            </a:endParaRPr>
-          </a:p>
-          <a:p>
-            <a:r>
-              <a:rPr lang="fr-FR" sz="2800" dirty="0">
-                <a:latin typeface="Open Sans" panose="020B0606030504020204" pitchFamily="34" charset="0"/>
-                <a:ea typeface="Open Sans" panose="020B0606030504020204" pitchFamily="34" charset="0"/>
-                <a:cs typeface="Open Sans" panose="020B0606030504020204" pitchFamily="34" charset="0"/>
-              </a:rPr>
-              <a:t>	</a:t>
-            </a:r>
-            <a:r>
-              <a:rPr lang="fr-FR" sz="2800" dirty="0" err="1">
-                <a:latin typeface="Open Sans" panose="020B0606030504020204" pitchFamily="34" charset="0"/>
-                <a:ea typeface="Open Sans" panose="020B0606030504020204" pitchFamily="34" charset="0"/>
-                <a:cs typeface="Open Sans" panose="020B0606030504020204" pitchFamily="34" charset="0"/>
-              </a:rPr>
-              <a:t>degMoins</a:t>
-            </a:r>
-            <a:r>
-              <a:rPr lang="fr-FR" sz="2800" dirty="0">
-                <a:latin typeface="Open Sans" panose="020B0606030504020204" pitchFamily="34" charset="0"/>
-                <a:ea typeface="Open Sans" panose="020B0606030504020204" pitchFamily="34" charset="0"/>
-                <a:cs typeface="Open Sans" panose="020B0606030504020204" pitchFamily="34" charset="0"/>
-              </a:rPr>
-              <a:t>[i] = nombre de </a:t>
-            </a:r>
-            <a:r>
-              <a:rPr lang="fr-FR" sz="2800" dirty="0" err="1">
-                <a:latin typeface="Open Sans" panose="020B0606030504020204" pitchFamily="34" charset="0"/>
-                <a:ea typeface="Open Sans" panose="020B0606030504020204" pitchFamily="34" charset="0"/>
-                <a:cs typeface="Open Sans" panose="020B0606030504020204" pitchFamily="34" charset="0"/>
-              </a:rPr>
-              <a:t>predecesseur</a:t>
-            </a:r>
-            <a:r>
-              <a:rPr lang="fr-FR" sz="2800" dirty="0">
-                <a:latin typeface="Open Sans" panose="020B0606030504020204" pitchFamily="34" charset="0"/>
-                <a:ea typeface="Open Sans" panose="020B0606030504020204" pitchFamily="34" charset="0"/>
-                <a:cs typeface="Open Sans" panose="020B0606030504020204" pitchFamily="34" charset="0"/>
-              </a:rPr>
-              <a:t> de i</a:t>
-            </a:r>
-          </a:p>
-          <a:p>
-            <a:r>
-              <a:rPr lang="fr-FR" sz="2800" dirty="0">
-                <a:latin typeface="Open Sans" panose="020B0606030504020204" pitchFamily="34" charset="0"/>
-                <a:ea typeface="Open Sans" panose="020B0606030504020204" pitchFamily="34" charset="0"/>
-                <a:cs typeface="Open Sans" panose="020B0606030504020204" pitchFamily="34" charset="0"/>
-              </a:rPr>
-              <a:t>    	si (</a:t>
-            </a:r>
-            <a:r>
-              <a:rPr lang="fr-FR" sz="2800" dirty="0" err="1">
-                <a:latin typeface="Open Sans" panose="020B0606030504020204" pitchFamily="34" charset="0"/>
-                <a:ea typeface="Open Sans" panose="020B0606030504020204" pitchFamily="34" charset="0"/>
-                <a:cs typeface="Open Sans" panose="020B0606030504020204" pitchFamily="34" charset="0"/>
-              </a:rPr>
-              <a:t>degMoins</a:t>
-            </a:r>
-            <a:r>
-              <a:rPr lang="fr-FR" sz="2800" dirty="0">
-                <a:latin typeface="Open Sans" panose="020B0606030504020204" pitchFamily="34" charset="0"/>
-                <a:ea typeface="Open Sans" panose="020B0606030504020204" pitchFamily="34" charset="0"/>
-                <a:cs typeface="Open Sans" panose="020B0606030504020204" pitchFamily="34" charset="0"/>
-              </a:rPr>
-              <a:t>[i] == 0)</a:t>
-            </a:r>
-          </a:p>
-          <a:p>
-            <a:r>
-              <a:rPr lang="fr-FR" sz="2800" dirty="0">
-                <a:latin typeface="Open Sans" panose="020B0606030504020204" pitchFamily="34" charset="0"/>
-                <a:ea typeface="Open Sans" panose="020B0606030504020204" pitchFamily="34" charset="0"/>
-                <a:cs typeface="Open Sans" panose="020B0606030504020204" pitchFamily="34" charset="0"/>
-              </a:rPr>
-              <a:t>      		ajout i à </a:t>
-            </a:r>
-            <a:r>
-              <a:rPr lang="fr-FR" sz="2800" dirty="0" err="1">
-                <a:latin typeface="Open Sans" panose="020B0606030504020204" pitchFamily="34" charset="0"/>
-                <a:ea typeface="Open Sans" panose="020B0606030504020204" pitchFamily="34" charset="0"/>
-                <a:cs typeface="Open Sans" panose="020B0606030504020204" pitchFamily="34" charset="0"/>
-              </a:rPr>
-              <a:t>listeRacines</a:t>
-            </a:r>
-            <a:endParaRPr lang="fr-FR" sz="2800" dirty="0">
-              <a:latin typeface="Open Sans" panose="020B0606030504020204" pitchFamily="34" charset="0"/>
-              <a:ea typeface="Open Sans" panose="020B0606030504020204" pitchFamily="34" charset="0"/>
-              <a:cs typeface="Open Sans" panose="020B0606030504020204" pitchFamily="34" charset="0"/>
-            </a:endParaRPr>
-          </a:p>
-          <a:p>
-            <a:r>
-              <a:rPr lang="fr-FR" sz="2800" dirty="0">
-                <a:latin typeface="Open Sans" panose="020B0606030504020204" pitchFamily="34" charset="0"/>
-                <a:ea typeface="Open Sans" panose="020B0606030504020204" pitchFamily="34" charset="0"/>
-                <a:cs typeface="Open Sans" panose="020B0606030504020204" pitchFamily="34" charset="0"/>
-              </a:rPr>
-              <a:t>    	fin</a:t>
-            </a:r>
-          </a:p>
-          <a:p>
-            <a:r>
-              <a:rPr lang="fr-FR" sz="2800" dirty="0">
-                <a:latin typeface="Open Sans" panose="020B0606030504020204" pitchFamily="34" charset="0"/>
-                <a:ea typeface="Open Sans" panose="020B0606030504020204" pitchFamily="34" charset="0"/>
-                <a:cs typeface="Open Sans" panose="020B0606030504020204" pitchFamily="34" charset="0"/>
-              </a:rPr>
-              <a:t>fin</a:t>
-            </a:r>
-          </a:p>
-          <a:p>
-            <a:r>
-              <a:rPr lang="fr-FR" sz="2800" dirty="0">
-                <a:latin typeface="Open Sans" panose="020B0606030504020204" pitchFamily="34" charset="0"/>
-                <a:ea typeface="Open Sans" panose="020B0606030504020204" pitchFamily="34" charset="0"/>
-                <a:cs typeface="Open Sans" panose="020B0606030504020204" pitchFamily="34" charset="0"/>
-              </a:rPr>
-              <a:t>…</a:t>
-            </a:r>
-          </a:p>
-        </p:txBody>
-      </p:sp>
-      <p:sp>
-        <p:nvSpPr>
-          <p:cNvPr id="5" name="Rectangle 4">
-            <a:extLst>
-              <a:ext uri="{FF2B5EF4-FFF2-40B4-BE49-F238E27FC236}">
-                <a16:creationId xmlns:a16="http://schemas.microsoft.com/office/drawing/2014/main" id="{4670B0AF-1041-420E-91B2-650D497DD854}"/>
-              </a:ext>
-            </a:extLst>
-          </p:cNvPr>
-          <p:cNvSpPr/>
-          <p:nvPr/>
-        </p:nvSpPr>
-        <p:spPr>
-          <a:xfrm>
-            <a:off x="13141915" y="2815521"/>
-            <a:ext cx="10279444" cy="9787295"/>
-          </a:xfrm>
-          <a:prstGeom prst="rect">
-            <a:avLst/>
-          </a:prstGeom>
-        </p:spPr>
-        <p:txBody>
-          <a:bodyPr wrap="square">
-            <a:spAutoFit/>
-          </a:bodyPr>
-          <a:lstStyle/>
-          <a:p>
-            <a:r>
-              <a:rPr lang="fr-FR" sz="3000" dirty="0">
-                <a:latin typeface="Open Sans" panose="020B0606030504020204" pitchFamily="34" charset="0"/>
-                <a:ea typeface="Open Sans" panose="020B0606030504020204" pitchFamily="34" charset="0"/>
-                <a:cs typeface="Open Sans" panose="020B0606030504020204" pitchFamily="34" charset="0"/>
-              </a:rPr>
-              <a:t>…</a:t>
-            </a:r>
-          </a:p>
-          <a:p>
-            <a:r>
-              <a:rPr lang="fr-FR" sz="3000" dirty="0">
-                <a:latin typeface="Open Sans" panose="020B0606030504020204" pitchFamily="34" charset="0"/>
-                <a:ea typeface="Open Sans" panose="020B0606030504020204" pitchFamily="34" charset="0"/>
-                <a:cs typeface="Open Sans" panose="020B0606030504020204" pitchFamily="34" charset="0"/>
-              </a:rPr>
-              <a:t>faire</a:t>
-            </a:r>
-          </a:p>
-          <a:p>
-            <a:r>
-              <a:rPr lang="fr-FR" sz="3000" dirty="0">
-                <a:latin typeface="Open Sans" panose="020B0606030504020204" pitchFamily="34" charset="0"/>
-                <a:ea typeface="Open Sans" panose="020B0606030504020204" pitchFamily="34" charset="0"/>
-                <a:cs typeface="Open Sans" panose="020B0606030504020204" pitchFamily="34" charset="0"/>
-              </a:rPr>
-              <a:t>    pour chaque sommet i de </a:t>
-            </a:r>
-            <a:r>
-              <a:rPr lang="fr-FR" sz="3000" dirty="0" err="1">
-                <a:latin typeface="Open Sans" panose="020B0606030504020204" pitchFamily="34" charset="0"/>
-                <a:ea typeface="Open Sans" panose="020B0606030504020204" pitchFamily="34" charset="0"/>
-                <a:cs typeface="Open Sans" panose="020B0606030504020204" pitchFamily="34" charset="0"/>
-              </a:rPr>
-              <a:t>listeRacine</a:t>
-            </a:r>
-            <a:endParaRPr lang="fr-FR" sz="3000" dirty="0">
-              <a:latin typeface="Open Sans" panose="020B0606030504020204" pitchFamily="34" charset="0"/>
-              <a:ea typeface="Open Sans" panose="020B0606030504020204" pitchFamily="34" charset="0"/>
-              <a:cs typeface="Open Sans" panose="020B0606030504020204" pitchFamily="34" charset="0"/>
-            </a:endParaRPr>
-          </a:p>
-          <a:p>
-            <a:r>
-              <a:rPr lang="fr-FR" sz="3000" dirty="0">
-                <a:latin typeface="Open Sans" panose="020B0606030504020204" pitchFamily="34" charset="0"/>
-                <a:ea typeface="Open Sans" panose="020B0606030504020204" pitchFamily="34" charset="0"/>
-                <a:cs typeface="Open Sans" panose="020B0606030504020204" pitchFamily="34" charset="0"/>
-              </a:rPr>
-              <a:t>        rang[i] = </a:t>
-            </a:r>
-            <a:r>
-              <a:rPr lang="fr-FR" sz="3000" dirty="0" err="1">
-                <a:latin typeface="Open Sans" panose="020B0606030504020204" pitchFamily="34" charset="0"/>
-                <a:ea typeface="Open Sans" panose="020B0606030504020204" pitchFamily="34" charset="0"/>
-                <a:cs typeface="Open Sans" panose="020B0606030504020204" pitchFamily="34" charset="0"/>
-              </a:rPr>
-              <a:t>rgCourant</a:t>
-            </a:r>
-            <a:endParaRPr lang="fr-FR" sz="3000" dirty="0">
-              <a:latin typeface="Open Sans" panose="020B0606030504020204" pitchFamily="34" charset="0"/>
-              <a:ea typeface="Open Sans" panose="020B0606030504020204" pitchFamily="34" charset="0"/>
-              <a:cs typeface="Open Sans" panose="020B0606030504020204" pitchFamily="34" charset="0"/>
-            </a:endParaRPr>
-          </a:p>
-          <a:p>
-            <a:r>
-              <a:rPr lang="fr-FR" sz="3000" dirty="0">
-                <a:latin typeface="Open Sans" panose="020B0606030504020204" pitchFamily="34" charset="0"/>
-                <a:ea typeface="Open Sans" panose="020B0606030504020204" pitchFamily="34" charset="0"/>
-                <a:cs typeface="Open Sans" panose="020B0606030504020204" pitchFamily="34" charset="0"/>
-              </a:rPr>
-              <a:t>        pour i allant de 0 à </a:t>
-            </a:r>
-            <a:r>
-              <a:rPr lang="fr-FR" sz="3000" dirty="0" err="1">
-                <a:latin typeface="Open Sans" panose="020B0606030504020204" pitchFamily="34" charset="0"/>
-                <a:ea typeface="Open Sans" panose="020B0606030504020204" pitchFamily="34" charset="0"/>
-                <a:cs typeface="Open Sans" panose="020B0606030504020204" pitchFamily="34" charset="0"/>
-              </a:rPr>
-              <a:t>nbSommet</a:t>
-            </a:r>
-            <a:r>
-              <a:rPr lang="fr-FR" sz="3000" dirty="0">
-                <a:latin typeface="Open Sans" panose="020B0606030504020204" pitchFamily="34" charset="0"/>
-                <a:ea typeface="Open Sans" panose="020B0606030504020204" pitchFamily="34" charset="0"/>
-                <a:cs typeface="Open Sans" panose="020B0606030504020204" pitchFamily="34" charset="0"/>
-              </a:rPr>
-              <a:t> - 1</a:t>
-            </a:r>
-          </a:p>
-          <a:p>
-            <a:r>
-              <a:rPr lang="fr-FR" sz="3000" dirty="0">
-                <a:latin typeface="Open Sans" panose="020B0606030504020204" pitchFamily="34" charset="0"/>
-                <a:ea typeface="Open Sans" panose="020B0606030504020204" pitchFamily="34" charset="0"/>
-                <a:cs typeface="Open Sans" panose="020B0606030504020204" pitchFamily="34" charset="0"/>
-              </a:rPr>
-              <a:t>	</a:t>
-            </a:r>
-            <a:r>
-              <a:rPr lang="fr-FR" sz="3000" dirty="0" err="1">
-                <a:latin typeface="Open Sans" panose="020B0606030504020204" pitchFamily="34" charset="0"/>
-                <a:ea typeface="Open Sans" panose="020B0606030504020204" pitchFamily="34" charset="0"/>
-                <a:cs typeface="Open Sans" panose="020B0606030504020204" pitchFamily="34" charset="0"/>
-              </a:rPr>
-              <a:t>matTempo</a:t>
-            </a:r>
-            <a:r>
-              <a:rPr lang="fr-FR" sz="3000" dirty="0">
-                <a:latin typeface="Open Sans" panose="020B0606030504020204" pitchFamily="34" charset="0"/>
-                <a:ea typeface="Open Sans" panose="020B0606030504020204" pitchFamily="34" charset="0"/>
-                <a:cs typeface="Open Sans" panose="020B0606030504020204" pitchFamily="34" charset="0"/>
-              </a:rPr>
-              <a:t>[i][j] = -1</a:t>
-            </a:r>
-          </a:p>
-          <a:p>
-            <a:r>
-              <a:rPr lang="fr-FR" sz="3000" dirty="0">
-                <a:latin typeface="Open Sans" panose="020B0606030504020204" pitchFamily="34" charset="0"/>
-                <a:ea typeface="Open Sans" panose="020B0606030504020204" pitchFamily="34" charset="0"/>
-                <a:cs typeface="Open Sans" panose="020B0606030504020204" pitchFamily="34" charset="0"/>
-              </a:rPr>
-              <a:t>	</a:t>
-            </a:r>
-            <a:r>
-              <a:rPr lang="fr-FR" sz="3000" dirty="0" err="1">
-                <a:latin typeface="Open Sans" panose="020B0606030504020204" pitchFamily="34" charset="0"/>
-                <a:ea typeface="Open Sans" panose="020B0606030504020204" pitchFamily="34" charset="0"/>
-                <a:cs typeface="Open Sans" panose="020B0606030504020204" pitchFamily="34" charset="0"/>
-              </a:rPr>
-              <a:t>matTempo</a:t>
-            </a:r>
-            <a:r>
-              <a:rPr lang="fr-FR" sz="3000" dirty="0">
-                <a:latin typeface="Open Sans" panose="020B0606030504020204" pitchFamily="34" charset="0"/>
-                <a:ea typeface="Open Sans" panose="020B0606030504020204" pitchFamily="34" charset="0"/>
-                <a:cs typeface="Open Sans" panose="020B0606030504020204" pitchFamily="34" charset="0"/>
-              </a:rPr>
-              <a:t>[j][i] = -1</a:t>
-            </a:r>
-          </a:p>
-          <a:p>
-            <a:r>
-              <a:rPr lang="fr-FR" sz="3000" dirty="0">
-                <a:latin typeface="Open Sans" panose="020B0606030504020204" pitchFamily="34" charset="0"/>
-                <a:ea typeface="Open Sans" panose="020B0606030504020204" pitchFamily="34" charset="0"/>
-                <a:cs typeface="Open Sans" panose="020B0606030504020204" pitchFamily="34" charset="0"/>
-              </a:rPr>
-              <a:t>         fin</a:t>
-            </a:r>
-          </a:p>
-          <a:p>
-            <a:r>
-              <a:rPr lang="fr-FR" sz="3000" dirty="0">
-                <a:latin typeface="Open Sans" panose="020B0606030504020204" pitchFamily="34" charset="0"/>
-                <a:ea typeface="Open Sans" panose="020B0606030504020204" pitchFamily="34" charset="0"/>
-                <a:cs typeface="Open Sans" panose="020B0606030504020204" pitchFamily="34" charset="0"/>
-              </a:rPr>
-              <a:t>    fin</a:t>
-            </a:r>
-          </a:p>
-          <a:p>
-            <a:r>
-              <a:rPr lang="fr-FR" sz="3000" dirty="0">
-                <a:latin typeface="Open Sans" panose="020B0606030504020204" pitchFamily="34" charset="0"/>
-                <a:ea typeface="Open Sans" panose="020B0606030504020204" pitchFamily="34" charset="0"/>
-                <a:cs typeface="Open Sans" panose="020B0606030504020204" pitchFamily="34" charset="0"/>
-              </a:rPr>
-              <a:t>    pour chaque sommet i de </a:t>
-            </a:r>
-            <a:r>
-              <a:rPr lang="fr-FR" sz="3000" dirty="0" err="1">
-                <a:latin typeface="Open Sans" panose="020B0606030504020204" pitchFamily="34" charset="0"/>
-                <a:ea typeface="Open Sans" panose="020B0606030504020204" pitchFamily="34" charset="0"/>
-                <a:cs typeface="Open Sans" panose="020B0606030504020204" pitchFamily="34" charset="0"/>
-              </a:rPr>
-              <a:t>listeRacine</a:t>
-            </a:r>
-            <a:endParaRPr lang="fr-FR" sz="3000" dirty="0">
-              <a:latin typeface="Open Sans" panose="020B0606030504020204" pitchFamily="34" charset="0"/>
-              <a:ea typeface="Open Sans" panose="020B0606030504020204" pitchFamily="34" charset="0"/>
-              <a:cs typeface="Open Sans" panose="020B0606030504020204" pitchFamily="34" charset="0"/>
-            </a:endParaRPr>
-          </a:p>
-          <a:p>
-            <a:r>
-              <a:rPr lang="fr-FR" sz="3000" dirty="0">
-                <a:latin typeface="Open Sans" panose="020B0606030504020204" pitchFamily="34" charset="0"/>
-                <a:ea typeface="Open Sans" panose="020B0606030504020204" pitchFamily="34" charset="0"/>
-                <a:cs typeface="Open Sans" panose="020B0606030504020204" pitchFamily="34" charset="0"/>
-              </a:rPr>
-              <a:t>        retirer i de </a:t>
-            </a:r>
-            <a:r>
-              <a:rPr lang="fr-FR" sz="3000" dirty="0" err="1">
-                <a:latin typeface="Open Sans" panose="020B0606030504020204" pitchFamily="34" charset="0"/>
-                <a:ea typeface="Open Sans" panose="020B0606030504020204" pitchFamily="34" charset="0"/>
-                <a:cs typeface="Open Sans" panose="020B0606030504020204" pitchFamily="34" charset="0"/>
-              </a:rPr>
-              <a:t>listeTodo</a:t>
-            </a:r>
-            <a:endParaRPr lang="fr-FR" sz="3000" dirty="0">
-              <a:latin typeface="Open Sans" panose="020B0606030504020204" pitchFamily="34" charset="0"/>
-              <a:ea typeface="Open Sans" panose="020B0606030504020204" pitchFamily="34" charset="0"/>
-              <a:cs typeface="Open Sans" panose="020B0606030504020204" pitchFamily="34" charset="0"/>
-            </a:endParaRPr>
-          </a:p>
-          <a:p>
-            <a:r>
-              <a:rPr lang="fr-FR" sz="3000" dirty="0">
-                <a:latin typeface="Open Sans" panose="020B0606030504020204" pitchFamily="34" charset="0"/>
-                <a:ea typeface="Open Sans" panose="020B0606030504020204" pitchFamily="34" charset="0"/>
-                <a:cs typeface="Open Sans" panose="020B0606030504020204" pitchFamily="34" charset="0"/>
-              </a:rPr>
-              <a:t>    fin</a:t>
-            </a:r>
-          </a:p>
-          <a:p>
-            <a:r>
-              <a:rPr lang="fr-FR" sz="3000" dirty="0">
-                <a:latin typeface="Open Sans" panose="020B0606030504020204" pitchFamily="34" charset="0"/>
-                <a:ea typeface="Open Sans" panose="020B0606030504020204" pitchFamily="34" charset="0"/>
-                <a:cs typeface="Open Sans" panose="020B0606030504020204" pitchFamily="34" charset="0"/>
-              </a:rPr>
-              <a:t>    supprimer éléments de </a:t>
-            </a:r>
-            <a:r>
-              <a:rPr lang="fr-FR" sz="3000" dirty="0" err="1">
-                <a:latin typeface="Open Sans" panose="020B0606030504020204" pitchFamily="34" charset="0"/>
-                <a:ea typeface="Open Sans" panose="020B0606030504020204" pitchFamily="34" charset="0"/>
-                <a:cs typeface="Open Sans" panose="020B0606030504020204" pitchFamily="34" charset="0"/>
-              </a:rPr>
-              <a:t>listeRacines</a:t>
-            </a:r>
-            <a:endParaRPr lang="fr-FR" sz="3000" dirty="0">
-              <a:latin typeface="Open Sans" panose="020B0606030504020204" pitchFamily="34" charset="0"/>
-              <a:ea typeface="Open Sans" panose="020B0606030504020204" pitchFamily="34" charset="0"/>
-              <a:cs typeface="Open Sans" panose="020B0606030504020204" pitchFamily="34" charset="0"/>
-            </a:endParaRPr>
-          </a:p>
-          <a:p>
-            <a:r>
-              <a:rPr lang="fr-FR" sz="3000" dirty="0">
-                <a:latin typeface="Open Sans" panose="020B0606030504020204" pitchFamily="34" charset="0"/>
-                <a:ea typeface="Open Sans" panose="020B0606030504020204" pitchFamily="34" charset="0"/>
-                <a:cs typeface="Open Sans" panose="020B0606030504020204" pitchFamily="34" charset="0"/>
-              </a:rPr>
-              <a:t>    pour chaque sommet i de </a:t>
-            </a:r>
-            <a:r>
-              <a:rPr lang="fr-FR" sz="3000" dirty="0" err="1">
-                <a:latin typeface="Open Sans" panose="020B0606030504020204" pitchFamily="34" charset="0"/>
-                <a:ea typeface="Open Sans" panose="020B0606030504020204" pitchFamily="34" charset="0"/>
-                <a:cs typeface="Open Sans" panose="020B0606030504020204" pitchFamily="34" charset="0"/>
-              </a:rPr>
-              <a:t>listeTodo</a:t>
-            </a:r>
-            <a:endParaRPr lang="fr-FR" sz="3000" dirty="0">
-              <a:latin typeface="Open Sans" panose="020B0606030504020204" pitchFamily="34" charset="0"/>
-              <a:ea typeface="Open Sans" panose="020B0606030504020204" pitchFamily="34" charset="0"/>
-              <a:cs typeface="Open Sans" panose="020B0606030504020204" pitchFamily="34" charset="0"/>
-            </a:endParaRPr>
-          </a:p>
-          <a:p>
-            <a:r>
-              <a:rPr lang="fr-FR" sz="3000" dirty="0">
-                <a:latin typeface="Open Sans" panose="020B0606030504020204" pitchFamily="34" charset="0"/>
-                <a:ea typeface="Open Sans" panose="020B0606030504020204" pitchFamily="34" charset="0"/>
-                <a:cs typeface="Open Sans" panose="020B0606030504020204" pitchFamily="34" charset="0"/>
-              </a:rPr>
-              <a:t>        </a:t>
-            </a:r>
-            <a:r>
-              <a:rPr lang="fr-FR" sz="3000" dirty="0" err="1">
-                <a:latin typeface="Open Sans" panose="020B0606030504020204" pitchFamily="34" charset="0"/>
-                <a:ea typeface="Open Sans" panose="020B0606030504020204" pitchFamily="34" charset="0"/>
-                <a:cs typeface="Open Sans" panose="020B0606030504020204" pitchFamily="34" charset="0"/>
-              </a:rPr>
-              <a:t>degMoins</a:t>
-            </a:r>
-            <a:r>
-              <a:rPr lang="fr-FR" sz="3000" dirty="0">
-                <a:latin typeface="Open Sans" panose="020B0606030504020204" pitchFamily="34" charset="0"/>
-                <a:ea typeface="Open Sans" panose="020B0606030504020204" pitchFamily="34" charset="0"/>
-                <a:cs typeface="Open Sans" panose="020B0606030504020204" pitchFamily="34" charset="0"/>
-              </a:rPr>
-              <a:t>[i] = nombre de prédécesseurs de i</a:t>
-            </a:r>
-          </a:p>
-          <a:p>
-            <a:r>
-              <a:rPr lang="fr-FR" sz="3000" dirty="0">
-                <a:latin typeface="Open Sans" panose="020B0606030504020204" pitchFamily="34" charset="0"/>
-                <a:ea typeface="Open Sans" panose="020B0606030504020204" pitchFamily="34" charset="0"/>
-                <a:cs typeface="Open Sans" panose="020B0606030504020204" pitchFamily="34" charset="0"/>
-              </a:rPr>
-              <a:t>         si (</a:t>
-            </a:r>
-            <a:r>
-              <a:rPr lang="fr-FR" sz="3000" dirty="0" err="1">
-                <a:latin typeface="Open Sans" panose="020B0606030504020204" pitchFamily="34" charset="0"/>
-                <a:ea typeface="Open Sans" panose="020B0606030504020204" pitchFamily="34" charset="0"/>
-                <a:cs typeface="Open Sans" panose="020B0606030504020204" pitchFamily="34" charset="0"/>
-              </a:rPr>
-              <a:t>degMoins</a:t>
-            </a:r>
-            <a:r>
-              <a:rPr lang="fr-FR" sz="3000" dirty="0">
-                <a:latin typeface="Open Sans" panose="020B0606030504020204" pitchFamily="34" charset="0"/>
-                <a:ea typeface="Open Sans" panose="020B0606030504020204" pitchFamily="34" charset="0"/>
-                <a:cs typeface="Open Sans" panose="020B0606030504020204" pitchFamily="34" charset="0"/>
-              </a:rPr>
-              <a:t>[i] == 0)</a:t>
-            </a:r>
-          </a:p>
-          <a:p>
-            <a:r>
-              <a:rPr lang="fr-FR" sz="3000" dirty="0">
-                <a:latin typeface="Open Sans" panose="020B0606030504020204" pitchFamily="34" charset="0"/>
-                <a:ea typeface="Open Sans" panose="020B0606030504020204" pitchFamily="34" charset="0"/>
-                <a:cs typeface="Open Sans" panose="020B0606030504020204" pitchFamily="34" charset="0"/>
-              </a:rPr>
-              <a:t>                ajout i à </a:t>
-            </a:r>
-            <a:r>
-              <a:rPr lang="fr-FR" sz="3000" dirty="0" err="1">
-                <a:latin typeface="Open Sans" panose="020B0606030504020204" pitchFamily="34" charset="0"/>
-                <a:ea typeface="Open Sans" panose="020B0606030504020204" pitchFamily="34" charset="0"/>
-                <a:cs typeface="Open Sans" panose="020B0606030504020204" pitchFamily="34" charset="0"/>
-              </a:rPr>
-              <a:t>listeRacines</a:t>
-            </a:r>
-            <a:endParaRPr lang="fr-FR" sz="3000" dirty="0">
-              <a:latin typeface="Open Sans" panose="020B0606030504020204" pitchFamily="34" charset="0"/>
-              <a:ea typeface="Open Sans" panose="020B0606030504020204" pitchFamily="34" charset="0"/>
-              <a:cs typeface="Open Sans" panose="020B0606030504020204" pitchFamily="34" charset="0"/>
-            </a:endParaRPr>
-          </a:p>
-          <a:p>
-            <a:r>
-              <a:rPr lang="fr-FR" sz="3000" dirty="0">
-                <a:latin typeface="Open Sans" panose="020B0606030504020204" pitchFamily="34" charset="0"/>
-                <a:ea typeface="Open Sans" panose="020B0606030504020204" pitchFamily="34" charset="0"/>
-                <a:cs typeface="Open Sans" panose="020B0606030504020204" pitchFamily="34" charset="0"/>
-              </a:rPr>
-              <a:t>         fin</a:t>
-            </a:r>
-          </a:p>
-          <a:p>
-            <a:r>
-              <a:rPr lang="fr-FR" sz="3000" dirty="0">
-                <a:latin typeface="Open Sans" panose="020B0606030504020204" pitchFamily="34" charset="0"/>
-                <a:ea typeface="Open Sans" panose="020B0606030504020204" pitchFamily="34" charset="0"/>
-                <a:cs typeface="Open Sans" panose="020B0606030504020204" pitchFamily="34" charset="0"/>
-              </a:rPr>
-              <a:t>    fin</a:t>
-            </a:r>
-          </a:p>
-          <a:p>
-            <a:r>
-              <a:rPr lang="fr-FR" sz="3000" dirty="0">
-                <a:latin typeface="Open Sans" panose="020B0606030504020204" pitchFamily="34" charset="0"/>
-                <a:ea typeface="Open Sans" panose="020B0606030504020204" pitchFamily="34" charset="0"/>
-                <a:cs typeface="Open Sans" panose="020B0606030504020204" pitchFamily="34" charset="0"/>
-              </a:rPr>
-              <a:t>    rang courant ++</a:t>
-            </a:r>
-          </a:p>
-          <a:p>
-            <a:r>
-              <a:rPr lang="fr-FR" sz="3000" dirty="0">
-                <a:latin typeface="Open Sans" panose="020B0606030504020204" pitchFamily="34" charset="0"/>
-                <a:ea typeface="Open Sans" panose="020B0606030504020204" pitchFamily="34" charset="0"/>
-                <a:cs typeface="Open Sans" panose="020B0606030504020204" pitchFamily="34" charset="0"/>
-              </a:rPr>
-              <a:t>tant que (</a:t>
-            </a:r>
-            <a:r>
-              <a:rPr lang="fr-FR" sz="3000" dirty="0" err="1">
-                <a:latin typeface="Open Sans" panose="020B0606030504020204" pitchFamily="34" charset="0"/>
-                <a:ea typeface="Open Sans" panose="020B0606030504020204" pitchFamily="34" charset="0"/>
-                <a:cs typeface="Open Sans" panose="020B0606030504020204" pitchFamily="34" charset="0"/>
-              </a:rPr>
-              <a:t>listTodo</a:t>
-            </a:r>
-            <a:r>
-              <a:rPr lang="fr-FR" sz="3000" dirty="0">
-                <a:latin typeface="Open Sans" panose="020B0606030504020204" pitchFamily="34" charset="0"/>
-                <a:ea typeface="Open Sans" panose="020B0606030504020204" pitchFamily="34" charset="0"/>
-                <a:cs typeface="Open Sans" panose="020B0606030504020204" pitchFamily="34" charset="0"/>
-              </a:rPr>
-              <a:t> n'est pas vide)</a:t>
-            </a:r>
-          </a:p>
-        </p:txBody>
-      </p:sp>
-      <p:pic>
-        <p:nvPicPr>
-          <p:cNvPr id="6" name="Image 5">
-            <a:extLst>
-              <a:ext uri="{FF2B5EF4-FFF2-40B4-BE49-F238E27FC236}">
-                <a16:creationId xmlns:a16="http://schemas.microsoft.com/office/drawing/2014/main" id="{1E773EE8-80A8-4144-B1A3-D0D1AFD24002}"/>
-              </a:ext>
-            </a:extLst>
-          </p:cNvPr>
-          <p:cNvPicPr>
-            <a:picLocks noChangeAspect="1"/>
-          </p:cNvPicPr>
-          <p:nvPr/>
-        </p:nvPicPr>
-        <p:blipFill>
-          <a:blip r:embed="rId2"/>
-          <a:stretch>
-            <a:fillRect/>
-          </a:stretch>
-        </p:blipFill>
-        <p:spPr>
-          <a:xfrm>
-            <a:off x="1598382" y="11094711"/>
-            <a:ext cx="10595205" cy="1046440"/>
-          </a:xfrm>
-          <a:prstGeom prst="rect">
-            <a:avLst/>
-          </a:prstGeom>
-        </p:spPr>
-      </p:pic>
-    </p:spTree>
-    <p:extLst>
-      <p:ext uri="{BB962C8B-B14F-4D97-AF65-F5344CB8AC3E}">
-        <p14:creationId xmlns:p14="http://schemas.microsoft.com/office/powerpoint/2010/main" val="1856378732"/>
-      </p:ext>
-    </p:extLst>
-  </p:cSld>
-  <p:clrMapOvr>
-    <a:masterClrMapping/>
-  </p:clrMapOvr>
-</p:sld>
-</file>
-
-<file path=ppt/slides/slide11.xml><?xml version="1.0" encoding="utf-8"?>
-<p:sld xmlns:a="http://schemas.openxmlformats.org/drawingml/2006/main" xmlns:r="http://schemas.openxmlformats.org/officeDocument/2006/relationships" xmlns:p="http://schemas.openxmlformats.org/presentationml/2006/main">
-  <p:cSld>
-    <p:spTree>
-      <p:nvGrpSpPr>
-        <p:cNvPr id="1" name=""/>
-        <p:cNvGrpSpPr/>
-        <p:nvPr/>
-      </p:nvGrpSpPr>
-      <p:grpSpPr>
-        <a:xfrm>
-          <a:off x="0" y="0"/>
-          <a:ext cx="0" cy="0"/>
-          <a:chOff x="0" y="0"/>
-          <a:chExt cx="0" cy="0"/>
-        </a:xfrm>
-      </p:grpSpPr>
-      <p:sp>
-        <p:nvSpPr>
-          <p:cNvPr id="2" name="ZoneTexte 1">
-            <a:extLst>
-              <a:ext uri="{FF2B5EF4-FFF2-40B4-BE49-F238E27FC236}">
                 <a16:creationId xmlns:a16="http://schemas.microsoft.com/office/drawing/2014/main" id="{536CE0D5-47AC-484A-A05B-416C49C244C2}"/>
               </a:ext>
             </a:extLst>
@@ -2163,7 +1331,7 @@
 </p:sld>
 </file>
 
-<file path=ppt/slides/slide12.xml><?xml version="1.0" encoding="utf-8"?>
+<file path=ppt/slides/slide11.xml><?xml version="1.0" encoding="utf-8"?>
 <p:sld xmlns:a="http://schemas.openxmlformats.org/drawingml/2006/main" xmlns:r="http://schemas.openxmlformats.org/officeDocument/2006/relationships" xmlns:p="http://schemas.openxmlformats.org/presentationml/2006/main">
   <p:cSld>
     <p:spTree>
@@ -2479,17 +1647,9 @@
 </p:sld>
 </file>
 
-<file path=ppt/slides/slide13.xml><?xml version="1.0" encoding="utf-8"?>
+<file path=ppt/slides/slide12.xml><?xml version="1.0" encoding="utf-8"?>
 <p:sld xmlns:a="http://schemas.openxmlformats.org/drawingml/2006/main" xmlns:r="http://schemas.openxmlformats.org/officeDocument/2006/relationships" xmlns:p="http://schemas.openxmlformats.org/presentationml/2006/main">
   <p:cSld>
-    <p:bg>
-      <p:bgPr>
-        <a:solidFill>
-          <a:srgbClr val="0070C0"/>
-        </a:solidFill>
-        <a:effectLst/>
-      </p:bgPr>
-    </p:bg>
     <p:spTree>
       <p:nvGrpSpPr>
         <p:cNvPr id="1" name=""/>
@@ -2674,562 +1834,6 @@
           </a:p>
         </p:txBody>
       </p:sp>
-      <p:pic>
-        <p:nvPicPr>
-          <p:cNvPr id="7" name="Image 6">
-            <a:extLst>
-              <a:ext uri="{FF2B5EF4-FFF2-40B4-BE49-F238E27FC236}">
-                <a16:creationId xmlns:a16="http://schemas.microsoft.com/office/drawing/2014/main" id="{0B2C8889-337D-492E-A6D3-4A889B2B4B28}"/>
-              </a:ext>
-            </a:extLst>
-          </p:cNvPr>
-          <p:cNvPicPr>
-            <a:picLocks noChangeAspect="1"/>
-          </p:cNvPicPr>
-          <p:nvPr/>
-        </p:nvPicPr>
-        <p:blipFill>
-          <a:blip r:embed="rId2"/>
-          <a:stretch>
-            <a:fillRect/>
-          </a:stretch>
-        </p:blipFill>
-        <p:spPr>
-          <a:xfrm>
-            <a:off x="14122399" y="3226583"/>
-            <a:ext cx="7698714" cy="2152650"/>
-          </a:xfrm>
-          <a:prstGeom prst="rect">
-            <a:avLst/>
-          </a:prstGeom>
-        </p:spPr>
-      </p:pic>
-      <p:sp>
-        <p:nvSpPr>
-          <p:cNvPr id="8" name="Oval 58">
-            <a:extLst>
-              <a:ext uri="{FF2B5EF4-FFF2-40B4-BE49-F238E27FC236}">
-                <a16:creationId xmlns:a16="http://schemas.microsoft.com/office/drawing/2014/main" id="{C7DDF454-155F-4E61-AFEC-FEA3F830D8B6}"/>
-              </a:ext>
-            </a:extLst>
-          </p:cNvPr>
-          <p:cNvSpPr/>
-          <p:nvPr/>
-        </p:nvSpPr>
-        <p:spPr>
-          <a:xfrm>
-            <a:off x="1653792" y="6920860"/>
-            <a:ext cx="1074332" cy="1074611"/>
-          </a:xfrm>
-          <a:prstGeom prst="ellipse">
-            <a:avLst/>
-          </a:prstGeom>
-          <a:noFill/>
-          <a:ln w="28575">
-            <a:solidFill>
-              <a:schemeClr val="tx1"/>
-            </a:solidFill>
-          </a:ln>
-        </p:spPr>
-        <p:style>
-          <a:lnRef idx="2">
-            <a:schemeClr val="accent1">
-              <a:shade val="50000"/>
-            </a:schemeClr>
-          </a:lnRef>
-          <a:fillRef idx="1">
-            <a:schemeClr val="accent1"/>
-          </a:fillRef>
-          <a:effectRef idx="0">
-            <a:schemeClr val="accent1"/>
-          </a:effectRef>
-          <a:fontRef idx="minor">
-            <a:schemeClr val="lt1"/>
-          </a:fontRef>
-        </p:style>
-        <p:txBody>
-          <a:bodyPr rtlCol="0" anchor="ctr"/>
-          <a:lstStyle/>
-          <a:p>
-            <a:pPr algn="ctr"/>
-            <a:endParaRPr lang="en-US" sz="2900" dirty="0">
-              <a:latin typeface="Montserrat Light" charset="0"/>
-              <a:ea typeface="Montserrat Light" charset="0"/>
-              <a:cs typeface="Montserrat Light" charset="0"/>
-            </a:endParaRPr>
-          </a:p>
-        </p:txBody>
-      </p:sp>
-      <p:sp>
-        <p:nvSpPr>
-          <p:cNvPr id="9" name="ZoneTexte 8">
-            <a:extLst>
-              <a:ext uri="{FF2B5EF4-FFF2-40B4-BE49-F238E27FC236}">
-                <a16:creationId xmlns:a16="http://schemas.microsoft.com/office/drawing/2014/main" id="{F4424929-5651-49E7-8B2F-63484DFC02E3}"/>
-              </a:ext>
-            </a:extLst>
-          </p:cNvPr>
-          <p:cNvSpPr txBox="1"/>
-          <p:nvPr/>
-        </p:nvSpPr>
-        <p:spPr>
-          <a:xfrm>
-            <a:off x="3813175" y="6921039"/>
-            <a:ext cx="7456472" cy="1200329"/>
-          </a:xfrm>
-          <a:prstGeom prst="rect">
-            <a:avLst/>
-          </a:prstGeom>
-          <a:noFill/>
-        </p:spPr>
-        <p:txBody>
-          <a:bodyPr wrap="square" rtlCol="0">
-            <a:spAutoFit/>
-          </a:bodyPr>
-          <a:lstStyle/>
-          <a:p>
-            <a:r>
-              <a:rPr lang="fr-FR" dirty="0">
-                <a:latin typeface="Open Sans" panose="020B0606030504020204" pitchFamily="34" charset="0"/>
-                <a:ea typeface="Open Sans" panose="020B0606030504020204" pitchFamily="34" charset="0"/>
-                <a:cs typeface="Open Sans" panose="020B0606030504020204" pitchFamily="34" charset="0"/>
-              </a:rPr>
-              <a:t>Récupération de la tâche de chaque prédécesseurs</a:t>
-            </a:r>
-          </a:p>
-        </p:txBody>
-      </p:sp>
-      <p:sp>
-        <p:nvSpPr>
-          <p:cNvPr id="10" name="ZoneTexte 9">
-            <a:extLst>
-              <a:ext uri="{FF2B5EF4-FFF2-40B4-BE49-F238E27FC236}">
-                <a16:creationId xmlns:a16="http://schemas.microsoft.com/office/drawing/2014/main" id="{D7B59304-604B-48E2-BDA1-4BACBADAC7DD}"/>
-              </a:ext>
-            </a:extLst>
-          </p:cNvPr>
-          <p:cNvSpPr txBox="1"/>
-          <p:nvPr/>
-        </p:nvSpPr>
-        <p:spPr>
-          <a:xfrm>
-            <a:off x="1808211" y="7011888"/>
-            <a:ext cx="765494" cy="892552"/>
-          </a:xfrm>
-          <a:prstGeom prst="rect">
-            <a:avLst/>
-          </a:prstGeom>
-          <a:noFill/>
-        </p:spPr>
-        <p:txBody>
-          <a:bodyPr wrap="square" rtlCol="0">
-            <a:spAutoFit/>
-          </a:bodyPr>
-          <a:lstStyle/>
-          <a:p>
-            <a:pPr algn="ctr"/>
-            <a:r>
-              <a:rPr lang="fr-FR" sz="5200" b="1" dirty="0">
-                <a:latin typeface="Montserrat" panose="00000500000000000000" pitchFamily="2" charset="0"/>
-              </a:rPr>
-              <a:t>2</a:t>
-            </a:r>
-          </a:p>
-        </p:txBody>
-      </p:sp>
-      <p:pic>
-        <p:nvPicPr>
-          <p:cNvPr id="11" name="Image 10">
-            <a:extLst>
-              <a:ext uri="{FF2B5EF4-FFF2-40B4-BE49-F238E27FC236}">
-                <a16:creationId xmlns:a16="http://schemas.microsoft.com/office/drawing/2014/main" id="{DE7832F5-F3E9-4ADA-B25B-561F8660DB19}"/>
-              </a:ext>
-            </a:extLst>
-          </p:cNvPr>
-          <p:cNvPicPr>
-            <a:picLocks noChangeAspect="1"/>
-          </p:cNvPicPr>
-          <p:nvPr/>
-        </p:nvPicPr>
-        <p:blipFill>
-          <a:blip r:embed="rId3"/>
-          <a:stretch>
-            <a:fillRect/>
-          </a:stretch>
-        </p:blipFill>
-        <p:spPr>
-          <a:xfrm>
-            <a:off x="12860910" y="6730156"/>
-            <a:ext cx="9718054" cy="1456015"/>
-          </a:xfrm>
-          <a:prstGeom prst="rect">
-            <a:avLst/>
-          </a:prstGeom>
-        </p:spPr>
-      </p:pic>
-      <p:sp>
-        <p:nvSpPr>
-          <p:cNvPr id="13" name="Oval 58">
-            <a:extLst>
-              <a:ext uri="{FF2B5EF4-FFF2-40B4-BE49-F238E27FC236}">
-                <a16:creationId xmlns:a16="http://schemas.microsoft.com/office/drawing/2014/main" id="{E4E2DA26-AC9E-4058-9D87-0D410C6E667B}"/>
-              </a:ext>
-            </a:extLst>
-          </p:cNvPr>
-          <p:cNvSpPr/>
-          <p:nvPr/>
-        </p:nvSpPr>
-        <p:spPr>
-          <a:xfrm>
-            <a:off x="1653792" y="10141180"/>
-            <a:ext cx="1074332" cy="1074611"/>
-          </a:xfrm>
-          <a:prstGeom prst="ellipse">
-            <a:avLst/>
-          </a:prstGeom>
-          <a:noFill/>
-          <a:ln w="28575">
-            <a:solidFill>
-              <a:schemeClr val="tx1"/>
-            </a:solidFill>
-          </a:ln>
-        </p:spPr>
-        <p:style>
-          <a:lnRef idx="2">
-            <a:schemeClr val="accent1">
-              <a:shade val="50000"/>
-            </a:schemeClr>
-          </a:lnRef>
-          <a:fillRef idx="1">
-            <a:schemeClr val="accent1"/>
-          </a:fillRef>
-          <a:effectRef idx="0">
-            <a:schemeClr val="accent1"/>
-          </a:effectRef>
-          <a:fontRef idx="minor">
-            <a:schemeClr val="lt1"/>
-          </a:fontRef>
-        </p:style>
-        <p:txBody>
-          <a:bodyPr rtlCol="0" anchor="ctr"/>
-          <a:lstStyle/>
-          <a:p>
-            <a:pPr algn="ctr"/>
-            <a:endParaRPr lang="en-US" sz="2900" dirty="0">
-              <a:latin typeface="Montserrat Light" charset="0"/>
-              <a:ea typeface="Montserrat Light" charset="0"/>
-              <a:cs typeface="Montserrat Light" charset="0"/>
-            </a:endParaRPr>
-          </a:p>
-        </p:txBody>
-      </p:sp>
-      <p:sp>
-        <p:nvSpPr>
-          <p:cNvPr id="14" name="ZoneTexte 13">
-            <a:extLst>
-              <a:ext uri="{FF2B5EF4-FFF2-40B4-BE49-F238E27FC236}">
-                <a16:creationId xmlns:a16="http://schemas.microsoft.com/office/drawing/2014/main" id="{AA25CED6-68EE-4376-90A9-33B9E7C3139A}"/>
-              </a:ext>
-            </a:extLst>
-          </p:cNvPr>
-          <p:cNvSpPr txBox="1"/>
-          <p:nvPr/>
-        </p:nvSpPr>
-        <p:spPr>
-          <a:xfrm>
-            <a:off x="3813175" y="10256648"/>
-            <a:ext cx="7456472" cy="646331"/>
-          </a:xfrm>
-          <a:prstGeom prst="rect">
-            <a:avLst/>
-          </a:prstGeom>
-          <a:noFill/>
-        </p:spPr>
-        <p:txBody>
-          <a:bodyPr wrap="square" rtlCol="0">
-            <a:spAutoFit/>
-          </a:bodyPr>
-          <a:lstStyle/>
-          <a:p>
-            <a:r>
-              <a:rPr lang="fr-FR" dirty="0">
-                <a:latin typeface="Open Sans" panose="020B0606030504020204" pitchFamily="34" charset="0"/>
-                <a:ea typeface="Open Sans" panose="020B0606030504020204" pitchFamily="34" charset="0"/>
-                <a:cs typeface="Open Sans" panose="020B0606030504020204" pitchFamily="34" charset="0"/>
-              </a:rPr>
-              <a:t>Calcul de la date au plus tôt</a:t>
-            </a:r>
-          </a:p>
-        </p:txBody>
-      </p:sp>
-      <p:sp>
-        <p:nvSpPr>
-          <p:cNvPr id="15" name="ZoneTexte 14">
-            <a:extLst>
-              <a:ext uri="{FF2B5EF4-FFF2-40B4-BE49-F238E27FC236}">
-                <a16:creationId xmlns:a16="http://schemas.microsoft.com/office/drawing/2014/main" id="{562304AB-0373-4B45-9908-C982A42E31E3}"/>
-              </a:ext>
-            </a:extLst>
-          </p:cNvPr>
-          <p:cNvSpPr txBox="1"/>
-          <p:nvPr/>
-        </p:nvSpPr>
-        <p:spPr>
-          <a:xfrm>
-            <a:off x="1808211" y="10232208"/>
-            <a:ext cx="765494" cy="892552"/>
-          </a:xfrm>
-          <a:prstGeom prst="rect">
-            <a:avLst/>
-          </a:prstGeom>
-          <a:noFill/>
-        </p:spPr>
-        <p:txBody>
-          <a:bodyPr wrap="square" rtlCol="0">
-            <a:spAutoFit/>
-          </a:bodyPr>
-          <a:lstStyle/>
-          <a:p>
-            <a:pPr algn="ctr"/>
-            <a:r>
-              <a:rPr lang="fr-FR" sz="5200" b="1" dirty="0">
-                <a:latin typeface="Montserrat" panose="00000500000000000000" pitchFamily="2" charset="0"/>
-              </a:rPr>
-              <a:t>3</a:t>
-            </a:r>
-          </a:p>
-        </p:txBody>
-      </p:sp>
-      <p:pic>
-        <p:nvPicPr>
-          <p:cNvPr id="16" name="Image 15">
-            <a:extLst>
-              <a:ext uri="{FF2B5EF4-FFF2-40B4-BE49-F238E27FC236}">
-                <a16:creationId xmlns:a16="http://schemas.microsoft.com/office/drawing/2014/main" id="{EF0B0F2F-B255-4B97-A43D-B822435F2791}"/>
-              </a:ext>
-            </a:extLst>
-          </p:cNvPr>
-          <p:cNvPicPr>
-            <a:picLocks noChangeAspect="1"/>
-          </p:cNvPicPr>
-          <p:nvPr/>
-        </p:nvPicPr>
-        <p:blipFill>
-          <a:blip r:embed="rId4"/>
-          <a:stretch>
-            <a:fillRect/>
-          </a:stretch>
-        </p:blipFill>
-        <p:spPr>
-          <a:xfrm>
-            <a:off x="12139642" y="8928265"/>
-            <a:ext cx="11160589" cy="3500438"/>
-          </a:xfrm>
-          <a:prstGeom prst="rect">
-            <a:avLst/>
-          </a:prstGeom>
-        </p:spPr>
-      </p:pic>
-    </p:spTree>
-    <p:extLst>
-      <p:ext uri="{BB962C8B-B14F-4D97-AF65-F5344CB8AC3E}">
-        <p14:creationId xmlns:p14="http://schemas.microsoft.com/office/powerpoint/2010/main" val="3789154728"/>
-      </p:ext>
-    </p:extLst>
-  </p:cSld>
-  <p:clrMapOvr>
-    <a:masterClrMapping/>
-  </p:clrMapOvr>
-</p:sld>
-</file>
-
-<file path=ppt/slides/slide14.xml><?xml version="1.0" encoding="utf-8"?>
-<p:sld xmlns:a="http://schemas.openxmlformats.org/drawingml/2006/main" xmlns:r="http://schemas.openxmlformats.org/officeDocument/2006/relationships" xmlns:p="http://schemas.openxmlformats.org/presentationml/2006/main">
-  <p:cSld>
-    <p:spTree>
-      <p:nvGrpSpPr>
-        <p:cNvPr id="1" name=""/>
-        <p:cNvGrpSpPr/>
-        <p:nvPr/>
-      </p:nvGrpSpPr>
-      <p:grpSpPr>
-        <a:xfrm>
-          <a:off x="0" y="0"/>
-          <a:ext cx="0" cy="0"/>
-          <a:chOff x="0" y="0"/>
-          <a:chExt cx="0" cy="0"/>
-        </a:xfrm>
-      </p:grpSpPr>
-      <p:sp>
-        <p:nvSpPr>
-          <p:cNvPr id="3" name="ZoneTexte 2">
-            <a:extLst>
-              <a:ext uri="{FF2B5EF4-FFF2-40B4-BE49-F238E27FC236}">
-                <a16:creationId xmlns:a16="http://schemas.microsoft.com/office/drawing/2014/main" id="{168B7E97-4894-436F-9382-6A92F4014357}"/>
-              </a:ext>
-            </a:extLst>
-          </p:cNvPr>
-          <p:cNvSpPr txBox="1"/>
-          <p:nvPr/>
-        </p:nvSpPr>
-        <p:spPr>
-          <a:xfrm>
-            <a:off x="2375271" y="1113184"/>
-            <a:ext cx="17880677" cy="1046440"/>
-          </a:xfrm>
-          <a:prstGeom prst="rect">
-            <a:avLst/>
-          </a:prstGeom>
-          <a:noFill/>
-        </p:spPr>
-        <p:txBody>
-          <a:bodyPr wrap="square" rtlCol="0">
-            <a:spAutoFit/>
-          </a:bodyPr>
-          <a:lstStyle/>
-          <a:p>
-            <a:r>
-              <a:rPr lang="fr-FR" sz="6200" b="1" dirty="0">
-                <a:latin typeface="Montserrat" panose="00000500000000000000" pitchFamily="2" charset="0"/>
-              </a:rPr>
-              <a:t>V : Méthode de l’ordonnancement</a:t>
-            </a:r>
-          </a:p>
-        </p:txBody>
-      </p:sp>
-      <p:sp>
-        <p:nvSpPr>
-          <p:cNvPr id="4" name="Oval 58">
-            <a:extLst>
-              <a:ext uri="{FF2B5EF4-FFF2-40B4-BE49-F238E27FC236}">
-                <a16:creationId xmlns:a16="http://schemas.microsoft.com/office/drawing/2014/main" id="{B07BAEF7-F2F1-4129-850F-39566CB7AE7B}"/>
-              </a:ext>
-            </a:extLst>
-          </p:cNvPr>
-          <p:cNvSpPr/>
-          <p:nvPr/>
-        </p:nvSpPr>
-        <p:spPr>
-          <a:xfrm>
-            <a:off x="1673229" y="3765604"/>
-            <a:ext cx="1074332" cy="1074611"/>
-          </a:xfrm>
-          <a:prstGeom prst="ellipse">
-            <a:avLst/>
-          </a:prstGeom>
-          <a:noFill/>
-          <a:ln w="28575">
-            <a:solidFill>
-              <a:schemeClr val="tx1"/>
-            </a:solidFill>
-          </a:ln>
-        </p:spPr>
-        <p:style>
-          <a:lnRef idx="2">
-            <a:schemeClr val="accent1">
-              <a:shade val="50000"/>
-            </a:schemeClr>
-          </a:lnRef>
-          <a:fillRef idx="1">
-            <a:schemeClr val="accent1"/>
-          </a:fillRef>
-          <a:effectRef idx="0">
-            <a:schemeClr val="accent1"/>
-          </a:effectRef>
-          <a:fontRef idx="minor">
-            <a:schemeClr val="lt1"/>
-          </a:fontRef>
-        </p:style>
-        <p:txBody>
-          <a:bodyPr rtlCol="0" anchor="ctr"/>
-          <a:lstStyle/>
-          <a:p>
-            <a:pPr algn="ctr"/>
-            <a:endParaRPr lang="en-US" sz="2900" dirty="0">
-              <a:latin typeface="Montserrat Light" charset="0"/>
-              <a:ea typeface="Montserrat Light" charset="0"/>
-              <a:cs typeface="Montserrat Light" charset="0"/>
-            </a:endParaRPr>
-          </a:p>
-        </p:txBody>
-      </p:sp>
-      <p:sp>
-        <p:nvSpPr>
-          <p:cNvPr id="5" name="ZoneTexte 4">
-            <a:extLst>
-              <a:ext uri="{FF2B5EF4-FFF2-40B4-BE49-F238E27FC236}">
-                <a16:creationId xmlns:a16="http://schemas.microsoft.com/office/drawing/2014/main" id="{F680C0E6-F5ED-46B1-BB6D-14E0E90DF401}"/>
-              </a:ext>
-            </a:extLst>
-          </p:cNvPr>
-          <p:cNvSpPr txBox="1"/>
-          <p:nvPr/>
-        </p:nvSpPr>
-        <p:spPr>
-          <a:xfrm>
-            <a:off x="1827648" y="3856634"/>
-            <a:ext cx="765494" cy="892552"/>
-          </a:xfrm>
-          <a:prstGeom prst="rect">
-            <a:avLst/>
-          </a:prstGeom>
-          <a:noFill/>
-        </p:spPr>
-        <p:txBody>
-          <a:bodyPr wrap="square" rtlCol="0">
-            <a:spAutoFit/>
-          </a:bodyPr>
-          <a:lstStyle/>
-          <a:p>
-            <a:pPr algn="ctr"/>
-            <a:r>
-              <a:rPr lang="fr-FR" sz="5200" b="1" dirty="0">
-                <a:latin typeface="Montserrat" panose="00000500000000000000" pitchFamily="2" charset="0"/>
-              </a:rPr>
-              <a:t>1</a:t>
-            </a:r>
-          </a:p>
-        </p:txBody>
-      </p:sp>
-      <p:sp>
-        <p:nvSpPr>
-          <p:cNvPr id="6" name="ZoneTexte 5">
-            <a:extLst>
-              <a:ext uri="{FF2B5EF4-FFF2-40B4-BE49-F238E27FC236}">
-                <a16:creationId xmlns:a16="http://schemas.microsoft.com/office/drawing/2014/main" id="{110C598B-31D9-45EA-92EE-E3CCB76B189C}"/>
-              </a:ext>
-            </a:extLst>
-          </p:cNvPr>
-          <p:cNvSpPr txBox="1"/>
-          <p:nvPr/>
-        </p:nvSpPr>
-        <p:spPr>
-          <a:xfrm>
-            <a:off x="3813175" y="3702744"/>
-            <a:ext cx="7456472" cy="1200329"/>
-          </a:xfrm>
-          <a:prstGeom prst="rect">
-            <a:avLst/>
-          </a:prstGeom>
-          <a:noFill/>
-        </p:spPr>
-        <p:txBody>
-          <a:bodyPr wrap="square" rtlCol="0">
-            <a:spAutoFit/>
-          </a:bodyPr>
-          <a:lstStyle/>
-          <a:p>
-            <a:r>
-              <a:rPr lang="fr-FR" dirty="0">
-                <a:latin typeface="Open Sans" panose="020B0606030504020204" pitchFamily="34" charset="0"/>
-                <a:ea typeface="Open Sans" panose="020B0606030504020204" pitchFamily="34" charset="0"/>
-                <a:cs typeface="Open Sans" panose="020B0606030504020204" pitchFamily="34" charset="0"/>
-              </a:rPr>
-              <a:t>Récupération de la liste des prédécesseurs</a:t>
-            </a:r>
-          </a:p>
-        </p:txBody>
-      </p:sp>
       <p:sp>
         <p:nvSpPr>
           <p:cNvPr id="8" name="Oval 58">
@@ -3657,7 +2261,7 @@
 </p:sld>
 </file>
 
-<file path=ppt/slides/slide15.xml><?xml version="1.0" encoding="utf-8"?>
+<file path=ppt/slides/slide13.xml><?xml version="1.0" encoding="utf-8"?>
 <p:sld xmlns:a="http://schemas.openxmlformats.org/drawingml/2006/main" xmlns:r="http://schemas.openxmlformats.org/officeDocument/2006/relationships" xmlns:p="http://schemas.openxmlformats.org/presentationml/2006/main">
   <p:cSld>
     <p:spTree>
@@ -4519,7 +3123,7 @@
 </p:sld>
 </file>
 
-<file path=ppt/slides/slide16.xml><?xml version="1.0" encoding="utf-8"?>
+<file path=ppt/slides/slide14.xml><?xml version="1.0" encoding="utf-8"?>
 <p:sld xmlns:a="http://schemas.openxmlformats.org/drawingml/2006/main" xmlns:r="http://schemas.openxmlformats.org/officeDocument/2006/relationships" xmlns:p="http://schemas.openxmlformats.org/presentationml/2006/main">
   <p:cSld>
     <p:spTree>
@@ -4846,581 +3450,7 @@
 </p:sld>
 </file>
 
-<file path=ppt/slides/slide17.xml><?xml version="1.0" encoding="utf-8"?>
-<p:sld xmlns:a="http://schemas.openxmlformats.org/drawingml/2006/main" xmlns:r="http://schemas.openxmlformats.org/officeDocument/2006/relationships" xmlns:p="http://schemas.openxmlformats.org/presentationml/2006/main">
-  <p:cSld>
-    <p:bg>
-      <p:bgPr>
-        <a:solidFill>
-          <a:srgbClr val="0070C0"/>
-        </a:solidFill>
-        <a:effectLst/>
-      </p:bgPr>
-    </p:bg>
-    <p:spTree>
-      <p:nvGrpSpPr>
-        <p:cNvPr id="1" name=""/>
-        <p:cNvGrpSpPr/>
-        <p:nvPr/>
-      </p:nvGrpSpPr>
-      <p:grpSpPr>
-        <a:xfrm>
-          <a:off x="0" y="0"/>
-          <a:ext cx="0" cy="0"/>
-          <a:chOff x="0" y="0"/>
-          <a:chExt cx="0" cy="0"/>
-        </a:xfrm>
-      </p:grpSpPr>
-      <p:sp>
-        <p:nvSpPr>
-          <p:cNvPr id="3" name="ZoneTexte 2">
-            <a:extLst>
-              <a:ext uri="{FF2B5EF4-FFF2-40B4-BE49-F238E27FC236}">
-                <a16:creationId xmlns:a16="http://schemas.microsoft.com/office/drawing/2014/main" id="{168B7E97-4894-436F-9382-6A92F4014357}"/>
-              </a:ext>
-            </a:extLst>
-          </p:cNvPr>
-          <p:cNvSpPr txBox="1"/>
-          <p:nvPr/>
-        </p:nvSpPr>
-        <p:spPr>
-          <a:xfrm>
-            <a:off x="2375271" y="1113184"/>
-            <a:ext cx="17880677" cy="1046440"/>
-          </a:xfrm>
-          <a:prstGeom prst="rect">
-            <a:avLst/>
-          </a:prstGeom>
-          <a:noFill/>
-        </p:spPr>
-        <p:txBody>
-          <a:bodyPr wrap="square" rtlCol="0">
-            <a:spAutoFit/>
-          </a:bodyPr>
-          <a:lstStyle/>
-          <a:p>
-            <a:r>
-              <a:rPr lang="fr-FR" sz="6200" b="1" dirty="0">
-                <a:latin typeface="Montserrat" panose="00000500000000000000" pitchFamily="2" charset="0"/>
-              </a:rPr>
-              <a:t>V : Méthode de l’ordonnancement</a:t>
-            </a:r>
-          </a:p>
-        </p:txBody>
-      </p:sp>
-      <p:sp>
-        <p:nvSpPr>
-          <p:cNvPr id="4" name="Oval 58">
-            <a:extLst>
-              <a:ext uri="{FF2B5EF4-FFF2-40B4-BE49-F238E27FC236}">
-                <a16:creationId xmlns:a16="http://schemas.microsoft.com/office/drawing/2014/main" id="{B07BAEF7-F2F1-4129-850F-39566CB7AE7B}"/>
-              </a:ext>
-            </a:extLst>
-          </p:cNvPr>
-          <p:cNvSpPr/>
-          <p:nvPr/>
-        </p:nvSpPr>
-        <p:spPr>
-          <a:xfrm>
-            <a:off x="1673229" y="3765604"/>
-            <a:ext cx="1074332" cy="1074611"/>
-          </a:xfrm>
-          <a:prstGeom prst="ellipse">
-            <a:avLst/>
-          </a:prstGeom>
-          <a:noFill/>
-          <a:ln w="28575">
-            <a:solidFill>
-              <a:schemeClr val="tx1"/>
-            </a:solidFill>
-          </a:ln>
-        </p:spPr>
-        <p:style>
-          <a:lnRef idx="2">
-            <a:schemeClr val="accent1">
-              <a:shade val="50000"/>
-            </a:schemeClr>
-          </a:lnRef>
-          <a:fillRef idx="1">
-            <a:schemeClr val="accent1"/>
-          </a:fillRef>
-          <a:effectRef idx="0">
-            <a:schemeClr val="accent1"/>
-          </a:effectRef>
-          <a:fontRef idx="minor">
-            <a:schemeClr val="lt1"/>
-          </a:fontRef>
-        </p:style>
-        <p:txBody>
-          <a:bodyPr rtlCol="0" anchor="ctr"/>
-          <a:lstStyle/>
-          <a:p>
-            <a:pPr algn="ctr"/>
-            <a:endParaRPr lang="en-US" sz="2900" dirty="0">
-              <a:latin typeface="Montserrat Light" charset="0"/>
-              <a:ea typeface="Montserrat Light" charset="0"/>
-              <a:cs typeface="Montserrat Light" charset="0"/>
-            </a:endParaRPr>
-          </a:p>
-        </p:txBody>
-      </p:sp>
-      <p:sp>
-        <p:nvSpPr>
-          <p:cNvPr id="5" name="ZoneTexte 4">
-            <a:extLst>
-              <a:ext uri="{FF2B5EF4-FFF2-40B4-BE49-F238E27FC236}">
-                <a16:creationId xmlns:a16="http://schemas.microsoft.com/office/drawing/2014/main" id="{F680C0E6-F5ED-46B1-BB6D-14E0E90DF401}"/>
-              </a:ext>
-            </a:extLst>
-          </p:cNvPr>
-          <p:cNvSpPr txBox="1"/>
-          <p:nvPr/>
-        </p:nvSpPr>
-        <p:spPr>
-          <a:xfrm>
-            <a:off x="1827648" y="3856634"/>
-            <a:ext cx="765494" cy="892552"/>
-          </a:xfrm>
-          <a:prstGeom prst="rect">
-            <a:avLst/>
-          </a:prstGeom>
-          <a:noFill/>
-        </p:spPr>
-        <p:txBody>
-          <a:bodyPr wrap="square" rtlCol="0">
-            <a:spAutoFit/>
-          </a:bodyPr>
-          <a:lstStyle/>
-          <a:p>
-            <a:pPr algn="ctr"/>
-            <a:r>
-              <a:rPr lang="fr-FR" sz="5200" b="1" dirty="0">
-                <a:latin typeface="Montserrat" panose="00000500000000000000" pitchFamily="2" charset="0"/>
-              </a:rPr>
-              <a:t>1</a:t>
-            </a:r>
-          </a:p>
-        </p:txBody>
-      </p:sp>
-      <p:sp>
-        <p:nvSpPr>
-          <p:cNvPr id="6" name="ZoneTexte 5">
-            <a:extLst>
-              <a:ext uri="{FF2B5EF4-FFF2-40B4-BE49-F238E27FC236}">
-                <a16:creationId xmlns:a16="http://schemas.microsoft.com/office/drawing/2014/main" id="{110C598B-31D9-45EA-92EE-E3CCB76B189C}"/>
-              </a:ext>
-            </a:extLst>
-          </p:cNvPr>
-          <p:cNvSpPr txBox="1"/>
-          <p:nvPr/>
-        </p:nvSpPr>
-        <p:spPr>
-          <a:xfrm>
-            <a:off x="3813175" y="3702744"/>
-            <a:ext cx="7456472" cy="1200329"/>
-          </a:xfrm>
-          <a:prstGeom prst="rect">
-            <a:avLst/>
-          </a:prstGeom>
-          <a:noFill/>
-        </p:spPr>
-        <p:txBody>
-          <a:bodyPr wrap="square" rtlCol="0">
-            <a:spAutoFit/>
-          </a:bodyPr>
-          <a:lstStyle/>
-          <a:p>
-            <a:r>
-              <a:rPr lang="fr-FR" dirty="0">
-                <a:latin typeface="Open Sans" panose="020B0606030504020204" pitchFamily="34" charset="0"/>
-                <a:ea typeface="Open Sans" panose="020B0606030504020204" pitchFamily="34" charset="0"/>
-                <a:cs typeface="Open Sans" panose="020B0606030504020204" pitchFamily="34" charset="0"/>
-              </a:rPr>
-              <a:t>Récupération de la liste des successeurs</a:t>
-            </a:r>
-          </a:p>
-        </p:txBody>
-      </p:sp>
-      <p:sp>
-        <p:nvSpPr>
-          <p:cNvPr id="8" name="Oval 58">
-            <a:extLst>
-              <a:ext uri="{FF2B5EF4-FFF2-40B4-BE49-F238E27FC236}">
-                <a16:creationId xmlns:a16="http://schemas.microsoft.com/office/drawing/2014/main" id="{C7DDF454-155F-4E61-AFEC-FEA3F830D8B6}"/>
-              </a:ext>
-            </a:extLst>
-          </p:cNvPr>
-          <p:cNvSpPr/>
-          <p:nvPr/>
-        </p:nvSpPr>
-        <p:spPr>
-          <a:xfrm>
-            <a:off x="1653792" y="6920860"/>
-            <a:ext cx="1074332" cy="1074611"/>
-          </a:xfrm>
-          <a:prstGeom prst="ellipse">
-            <a:avLst/>
-          </a:prstGeom>
-          <a:noFill/>
-          <a:ln w="28575">
-            <a:solidFill>
-              <a:schemeClr val="tx1"/>
-            </a:solidFill>
-          </a:ln>
-        </p:spPr>
-        <p:style>
-          <a:lnRef idx="2">
-            <a:schemeClr val="accent1">
-              <a:shade val="50000"/>
-            </a:schemeClr>
-          </a:lnRef>
-          <a:fillRef idx="1">
-            <a:schemeClr val="accent1"/>
-          </a:fillRef>
-          <a:effectRef idx="0">
-            <a:schemeClr val="accent1"/>
-          </a:effectRef>
-          <a:fontRef idx="minor">
-            <a:schemeClr val="lt1"/>
-          </a:fontRef>
-        </p:style>
-        <p:txBody>
-          <a:bodyPr rtlCol="0" anchor="ctr"/>
-          <a:lstStyle/>
-          <a:p>
-            <a:pPr algn="ctr"/>
-            <a:endParaRPr lang="en-US" sz="2900" dirty="0">
-              <a:latin typeface="Montserrat Light" charset="0"/>
-              <a:ea typeface="Montserrat Light" charset="0"/>
-              <a:cs typeface="Montserrat Light" charset="0"/>
-            </a:endParaRPr>
-          </a:p>
-        </p:txBody>
-      </p:sp>
-      <p:sp>
-        <p:nvSpPr>
-          <p:cNvPr id="9" name="ZoneTexte 8">
-            <a:extLst>
-              <a:ext uri="{FF2B5EF4-FFF2-40B4-BE49-F238E27FC236}">
-                <a16:creationId xmlns:a16="http://schemas.microsoft.com/office/drawing/2014/main" id="{F4424929-5651-49E7-8B2F-63484DFC02E3}"/>
-              </a:ext>
-            </a:extLst>
-          </p:cNvPr>
-          <p:cNvSpPr txBox="1"/>
-          <p:nvPr/>
-        </p:nvSpPr>
-        <p:spPr>
-          <a:xfrm>
-            <a:off x="3813175" y="6921039"/>
-            <a:ext cx="5578475" cy="1200329"/>
-          </a:xfrm>
-          <a:prstGeom prst="rect">
-            <a:avLst/>
-          </a:prstGeom>
-          <a:noFill/>
-        </p:spPr>
-        <p:txBody>
-          <a:bodyPr wrap="square" rtlCol="0">
-            <a:spAutoFit/>
-          </a:bodyPr>
-          <a:lstStyle/>
-          <a:p>
-            <a:r>
-              <a:rPr lang="fr-FR" dirty="0">
-                <a:latin typeface="Open Sans" panose="020B0606030504020204" pitchFamily="34" charset="0"/>
-                <a:ea typeface="Open Sans" panose="020B0606030504020204" pitchFamily="34" charset="0"/>
-                <a:cs typeface="Open Sans" panose="020B0606030504020204" pitchFamily="34" charset="0"/>
-              </a:rPr>
-              <a:t>Récupération de la tâche </a:t>
-            </a:r>
-          </a:p>
-          <a:p>
-            <a:r>
-              <a:rPr lang="fr-FR" dirty="0">
-                <a:latin typeface="Open Sans" panose="020B0606030504020204" pitchFamily="34" charset="0"/>
-                <a:ea typeface="Open Sans" panose="020B0606030504020204" pitchFamily="34" charset="0"/>
-                <a:cs typeface="Open Sans" panose="020B0606030504020204" pitchFamily="34" charset="0"/>
-              </a:rPr>
-              <a:t>du sommet</a:t>
-            </a:r>
-          </a:p>
-        </p:txBody>
-      </p:sp>
-      <p:sp>
-        <p:nvSpPr>
-          <p:cNvPr id="10" name="ZoneTexte 9">
-            <a:extLst>
-              <a:ext uri="{FF2B5EF4-FFF2-40B4-BE49-F238E27FC236}">
-                <a16:creationId xmlns:a16="http://schemas.microsoft.com/office/drawing/2014/main" id="{D7B59304-604B-48E2-BDA1-4BACBADAC7DD}"/>
-              </a:ext>
-            </a:extLst>
-          </p:cNvPr>
-          <p:cNvSpPr txBox="1"/>
-          <p:nvPr/>
-        </p:nvSpPr>
-        <p:spPr>
-          <a:xfrm>
-            <a:off x="1808211" y="7011888"/>
-            <a:ext cx="765494" cy="892552"/>
-          </a:xfrm>
-          <a:prstGeom prst="rect">
-            <a:avLst/>
-          </a:prstGeom>
-          <a:noFill/>
-        </p:spPr>
-        <p:txBody>
-          <a:bodyPr wrap="square" rtlCol="0">
-            <a:spAutoFit/>
-          </a:bodyPr>
-          <a:lstStyle/>
-          <a:p>
-            <a:pPr algn="ctr"/>
-            <a:r>
-              <a:rPr lang="fr-FR" sz="5200" b="1" dirty="0">
-                <a:latin typeface="Montserrat" panose="00000500000000000000" pitchFamily="2" charset="0"/>
-              </a:rPr>
-              <a:t>2</a:t>
-            </a:r>
-          </a:p>
-        </p:txBody>
-      </p:sp>
-      <p:sp>
-        <p:nvSpPr>
-          <p:cNvPr id="13" name="Oval 58">
-            <a:extLst>
-              <a:ext uri="{FF2B5EF4-FFF2-40B4-BE49-F238E27FC236}">
-                <a16:creationId xmlns:a16="http://schemas.microsoft.com/office/drawing/2014/main" id="{E4E2DA26-AC9E-4058-9D87-0D410C6E667B}"/>
-              </a:ext>
-            </a:extLst>
-          </p:cNvPr>
-          <p:cNvSpPr/>
-          <p:nvPr/>
-        </p:nvSpPr>
-        <p:spPr>
-          <a:xfrm>
-            <a:off x="1653792" y="10141180"/>
-            <a:ext cx="1074332" cy="1074611"/>
-          </a:xfrm>
-          <a:prstGeom prst="ellipse">
-            <a:avLst/>
-          </a:prstGeom>
-          <a:noFill/>
-          <a:ln w="28575">
-            <a:solidFill>
-              <a:schemeClr val="tx1"/>
-            </a:solidFill>
-          </a:ln>
-        </p:spPr>
-        <p:style>
-          <a:lnRef idx="2">
-            <a:schemeClr val="accent1">
-              <a:shade val="50000"/>
-            </a:schemeClr>
-          </a:lnRef>
-          <a:fillRef idx="1">
-            <a:schemeClr val="accent1"/>
-          </a:fillRef>
-          <a:effectRef idx="0">
-            <a:schemeClr val="accent1"/>
-          </a:effectRef>
-          <a:fontRef idx="minor">
-            <a:schemeClr val="lt1"/>
-          </a:fontRef>
-        </p:style>
-        <p:txBody>
-          <a:bodyPr rtlCol="0" anchor="ctr"/>
-          <a:lstStyle/>
-          <a:p>
-            <a:pPr algn="ctr"/>
-            <a:endParaRPr lang="en-US" sz="2900" dirty="0">
-              <a:latin typeface="Montserrat Light" charset="0"/>
-              <a:ea typeface="Montserrat Light" charset="0"/>
-              <a:cs typeface="Montserrat Light" charset="0"/>
-            </a:endParaRPr>
-          </a:p>
-        </p:txBody>
-      </p:sp>
-      <p:sp>
-        <p:nvSpPr>
-          <p:cNvPr id="14" name="ZoneTexte 13">
-            <a:extLst>
-              <a:ext uri="{FF2B5EF4-FFF2-40B4-BE49-F238E27FC236}">
-                <a16:creationId xmlns:a16="http://schemas.microsoft.com/office/drawing/2014/main" id="{AA25CED6-68EE-4376-90A9-33B9E7C3139A}"/>
-              </a:ext>
-            </a:extLst>
-          </p:cNvPr>
-          <p:cNvSpPr txBox="1"/>
-          <p:nvPr/>
-        </p:nvSpPr>
-        <p:spPr>
-          <a:xfrm>
-            <a:off x="3813175" y="10256648"/>
-            <a:ext cx="7456472" cy="646331"/>
-          </a:xfrm>
-          <a:prstGeom prst="rect">
-            <a:avLst/>
-          </a:prstGeom>
-          <a:noFill/>
-        </p:spPr>
-        <p:txBody>
-          <a:bodyPr wrap="square" rtlCol="0">
-            <a:spAutoFit/>
-          </a:bodyPr>
-          <a:lstStyle/>
-          <a:p>
-            <a:r>
-              <a:rPr lang="fr-FR" dirty="0">
-                <a:latin typeface="Open Sans" panose="020B0606030504020204" pitchFamily="34" charset="0"/>
-                <a:ea typeface="Open Sans" panose="020B0606030504020204" pitchFamily="34" charset="0"/>
-                <a:cs typeface="Open Sans" panose="020B0606030504020204" pitchFamily="34" charset="0"/>
-              </a:rPr>
-              <a:t>Calcul de la date au plus tard</a:t>
-            </a:r>
-          </a:p>
-        </p:txBody>
-      </p:sp>
-      <p:sp>
-        <p:nvSpPr>
-          <p:cNvPr id="15" name="ZoneTexte 14">
-            <a:extLst>
-              <a:ext uri="{FF2B5EF4-FFF2-40B4-BE49-F238E27FC236}">
-                <a16:creationId xmlns:a16="http://schemas.microsoft.com/office/drawing/2014/main" id="{562304AB-0373-4B45-9908-C982A42E31E3}"/>
-              </a:ext>
-            </a:extLst>
-          </p:cNvPr>
-          <p:cNvSpPr txBox="1"/>
-          <p:nvPr/>
-        </p:nvSpPr>
-        <p:spPr>
-          <a:xfrm>
-            <a:off x="1808211" y="10232208"/>
-            <a:ext cx="765494" cy="892552"/>
-          </a:xfrm>
-          <a:prstGeom prst="rect">
-            <a:avLst/>
-          </a:prstGeom>
-          <a:noFill/>
-        </p:spPr>
-        <p:txBody>
-          <a:bodyPr wrap="square" rtlCol="0">
-            <a:spAutoFit/>
-          </a:bodyPr>
-          <a:lstStyle/>
-          <a:p>
-            <a:pPr algn="ctr"/>
-            <a:r>
-              <a:rPr lang="fr-FR" sz="5200" b="1" dirty="0">
-                <a:latin typeface="Montserrat" panose="00000500000000000000" pitchFamily="2" charset="0"/>
-              </a:rPr>
-              <a:t>3</a:t>
-            </a:r>
-          </a:p>
-        </p:txBody>
-      </p:sp>
-      <p:pic>
-        <p:nvPicPr>
-          <p:cNvPr id="2" name="Image 1">
-            <a:extLst>
-              <a:ext uri="{FF2B5EF4-FFF2-40B4-BE49-F238E27FC236}">
-                <a16:creationId xmlns:a16="http://schemas.microsoft.com/office/drawing/2014/main" id="{A911A09D-8A91-44B6-9AFC-0E2DE5A5ECFC}"/>
-              </a:ext>
-            </a:extLst>
-          </p:cNvPr>
-          <p:cNvPicPr>
-            <a:picLocks noChangeAspect="1"/>
-          </p:cNvPicPr>
-          <p:nvPr/>
-        </p:nvPicPr>
-        <p:blipFill>
-          <a:blip r:embed="rId2"/>
-          <a:stretch>
-            <a:fillRect/>
-          </a:stretch>
-        </p:blipFill>
-        <p:spPr>
-          <a:xfrm>
-            <a:off x="12518485" y="3205151"/>
-            <a:ext cx="10402901" cy="2195513"/>
-          </a:xfrm>
-          <a:prstGeom prst="rect">
-            <a:avLst/>
-          </a:prstGeom>
-        </p:spPr>
-      </p:pic>
-      <p:pic>
-        <p:nvPicPr>
-          <p:cNvPr id="12" name="Image 11">
-            <a:extLst>
-              <a:ext uri="{FF2B5EF4-FFF2-40B4-BE49-F238E27FC236}">
-                <a16:creationId xmlns:a16="http://schemas.microsoft.com/office/drawing/2014/main" id="{3411432C-1009-4E2F-B867-943AC47D6C0D}"/>
-              </a:ext>
-            </a:extLst>
-          </p:cNvPr>
-          <p:cNvPicPr>
-            <a:picLocks noChangeAspect="1"/>
-          </p:cNvPicPr>
-          <p:nvPr/>
-        </p:nvPicPr>
-        <p:blipFill>
-          <a:blip r:embed="rId3"/>
-          <a:stretch>
-            <a:fillRect/>
-          </a:stretch>
-        </p:blipFill>
-        <p:spPr>
-          <a:xfrm>
-            <a:off x="11381840" y="7164546"/>
-            <a:ext cx="12676189" cy="587236"/>
-          </a:xfrm>
-          <a:prstGeom prst="rect">
-            <a:avLst/>
-          </a:prstGeom>
-        </p:spPr>
-      </p:pic>
-      <p:pic>
-        <p:nvPicPr>
-          <p:cNvPr id="18" name="Image 17">
-            <a:extLst>
-              <a:ext uri="{FF2B5EF4-FFF2-40B4-BE49-F238E27FC236}">
-                <a16:creationId xmlns:a16="http://schemas.microsoft.com/office/drawing/2014/main" id="{CA9F0116-3EAF-4CCD-B771-9CBA119DA43E}"/>
-              </a:ext>
-            </a:extLst>
-          </p:cNvPr>
-          <p:cNvPicPr>
-            <a:picLocks noChangeAspect="1"/>
-          </p:cNvPicPr>
-          <p:nvPr/>
-        </p:nvPicPr>
-        <p:blipFill>
-          <a:blip r:embed="rId4"/>
-          <a:stretch>
-            <a:fillRect/>
-          </a:stretch>
-        </p:blipFill>
-        <p:spPr>
-          <a:xfrm>
-            <a:off x="13085872" y="8995222"/>
-            <a:ext cx="9268123" cy="3031253"/>
-          </a:xfrm>
-          <a:prstGeom prst="rect">
-            <a:avLst/>
-          </a:prstGeom>
-        </p:spPr>
-      </p:pic>
-    </p:spTree>
-    <p:extLst>
-      <p:ext uri="{BB962C8B-B14F-4D97-AF65-F5344CB8AC3E}">
-        <p14:creationId xmlns:p14="http://schemas.microsoft.com/office/powerpoint/2010/main" val="3370405227"/>
-      </p:ext>
-    </p:extLst>
-  </p:cSld>
-  <p:clrMapOvr>
-    <a:masterClrMapping/>
-  </p:clrMapOvr>
-</p:sld>
-</file>
-
-<file path=ppt/slides/slide18.xml><?xml version="1.0" encoding="utf-8"?>
+<file path=ppt/slides/slide15.xml><?xml version="1.0" encoding="utf-8"?>
 <p:sld xmlns:a="http://schemas.openxmlformats.org/drawingml/2006/main" xmlns:r="http://schemas.openxmlformats.org/officeDocument/2006/relationships" xmlns:p="http://schemas.openxmlformats.org/presentationml/2006/main">
   <p:cSld>
     <p:spTree>
@@ -6036,7 +4066,7 @@
 </p:sld>
 </file>
 
-<file path=ppt/slides/slide19.xml><?xml version="1.0" encoding="utf-8"?>
+<file path=ppt/slides/slide16.xml><?xml version="1.0" encoding="utf-8"?>
 <p:sld xmlns:a="http://schemas.openxmlformats.org/drawingml/2006/main" xmlns:r="http://schemas.openxmlformats.org/officeDocument/2006/relationships" xmlns:p="http://schemas.openxmlformats.org/presentationml/2006/main">
   <p:cSld>
     <p:spTree>
@@ -6861,280 +4891,7 @@
 </p:sld>
 </file>
 
-<file path=ppt/slides/slide2.xml><?xml version="1.0" encoding="utf-8"?>
-<p:sld xmlns:a="http://schemas.openxmlformats.org/drawingml/2006/main" xmlns:r="http://schemas.openxmlformats.org/officeDocument/2006/relationships" xmlns:p="http://schemas.openxmlformats.org/presentationml/2006/main">
-  <p:cSld>
-    <p:spTree>
-      <p:nvGrpSpPr>
-        <p:cNvPr id="1" name=""/>
-        <p:cNvGrpSpPr/>
-        <p:nvPr/>
-      </p:nvGrpSpPr>
-      <p:grpSpPr>
-        <a:xfrm>
-          <a:off x="0" y="0"/>
-          <a:ext cx="0" cy="0"/>
-          <a:chOff x="0" y="0"/>
-          <a:chExt cx="0" cy="0"/>
-        </a:xfrm>
-      </p:grpSpPr>
-      <p:sp>
-        <p:nvSpPr>
-          <p:cNvPr id="2" name="ZoneTexte 1">
-            <a:extLst>
-              <a:ext uri="{FF2B5EF4-FFF2-40B4-BE49-F238E27FC236}">
-                <a16:creationId xmlns:a16="http://schemas.microsoft.com/office/drawing/2014/main" id="{E186978E-3956-43E0-94F7-E1A00211F814}"/>
-              </a:ext>
-            </a:extLst>
-          </p:cNvPr>
-          <p:cNvSpPr txBox="1"/>
-          <p:nvPr/>
-        </p:nvSpPr>
-        <p:spPr>
-          <a:xfrm>
-            <a:off x="2375271" y="1113184"/>
-            <a:ext cx="16936278" cy="1046440"/>
-          </a:xfrm>
-          <a:prstGeom prst="rect">
-            <a:avLst/>
-          </a:prstGeom>
-          <a:noFill/>
-        </p:spPr>
-        <p:txBody>
-          <a:bodyPr wrap="square" rtlCol="0">
-            <a:spAutoFit/>
-          </a:bodyPr>
-          <a:lstStyle/>
-          <a:p>
-            <a:r>
-              <a:rPr lang="fr-FR" sz="6200" b="1" dirty="0">
-                <a:latin typeface="Montserrat" panose="00000500000000000000" pitchFamily="2" charset="0"/>
-              </a:rPr>
-              <a:t>I : Classes/Structure des données</a:t>
-            </a:r>
-          </a:p>
-        </p:txBody>
-      </p:sp>
-      <p:sp>
-        <p:nvSpPr>
-          <p:cNvPr id="3" name="ZoneTexte 2">
-            <a:extLst>
-              <a:ext uri="{FF2B5EF4-FFF2-40B4-BE49-F238E27FC236}">
-                <a16:creationId xmlns:a16="http://schemas.microsoft.com/office/drawing/2014/main" id="{8C24534F-EF27-4014-A9E2-7BF27A850473}"/>
-              </a:ext>
-            </a:extLst>
-          </p:cNvPr>
-          <p:cNvSpPr txBox="1"/>
-          <p:nvPr/>
-        </p:nvSpPr>
-        <p:spPr>
-          <a:xfrm>
-            <a:off x="526591" y="4681728"/>
-            <a:ext cx="13209287" cy="6186309"/>
-          </a:xfrm>
-          <a:prstGeom prst="rect">
-            <a:avLst/>
-          </a:prstGeom>
-          <a:noFill/>
-        </p:spPr>
-        <p:txBody>
-          <a:bodyPr wrap="square" rtlCol="0">
-            <a:spAutoFit/>
-          </a:bodyPr>
-          <a:lstStyle/>
-          <a:p>
-            <a:r>
-              <a:rPr lang="fr-FR" dirty="0">
-                <a:latin typeface="Open Sans" panose="020B0606030504020204" pitchFamily="34" charset="0"/>
-                <a:ea typeface="Open Sans" panose="020B0606030504020204" pitchFamily="34" charset="0"/>
-                <a:cs typeface="Open Sans" panose="020B0606030504020204" pitchFamily="34" charset="0"/>
-              </a:rPr>
-              <a:t>Programmation orientée objet =&gt; JAVA</a:t>
-            </a:r>
-          </a:p>
-          <a:p>
-            <a:endParaRPr lang="fr-FR" dirty="0">
-              <a:latin typeface="Open Sans" panose="020B0606030504020204" pitchFamily="34" charset="0"/>
-              <a:ea typeface="Open Sans" panose="020B0606030504020204" pitchFamily="34" charset="0"/>
-              <a:cs typeface="Open Sans" panose="020B0606030504020204" pitchFamily="34" charset="0"/>
-            </a:endParaRPr>
-          </a:p>
-          <a:p>
-            <a:r>
-              <a:rPr lang="fr-FR" dirty="0">
-                <a:latin typeface="Open Sans" panose="020B0606030504020204" pitchFamily="34" charset="0"/>
-                <a:ea typeface="Open Sans" panose="020B0606030504020204" pitchFamily="34" charset="0"/>
-                <a:cs typeface="Open Sans" panose="020B0606030504020204" pitchFamily="34" charset="0"/>
-              </a:rPr>
-              <a:t>3 objets distincts :</a:t>
-            </a:r>
-          </a:p>
-          <a:p>
-            <a:r>
-              <a:rPr lang="fr-FR" dirty="0">
-                <a:latin typeface="Open Sans" panose="020B0606030504020204" pitchFamily="34" charset="0"/>
-                <a:ea typeface="Open Sans" panose="020B0606030504020204" pitchFamily="34" charset="0"/>
-                <a:cs typeface="Open Sans" panose="020B0606030504020204" pitchFamily="34" charset="0"/>
-              </a:rPr>
-              <a:t>	- Graphe  = représentation d’un graphe en mémoire</a:t>
-            </a:r>
-          </a:p>
-          <a:p>
-            <a:r>
-              <a:rPr lang="fr-FR" dirty="0">
-                <a:latin typeface="Open Sans" panose="020B0606030504020204" pitchFamily="34" charset="0"/>
-                <a:ea typeface="Open Sans" panose="020B0606030504020204" pitchFamily="34" charset="0"/>
-                <a:cs typeface="Open Sans" panose="020B0606030504020204" pitchFamily="34" charset="0"/>
-              </a:rPr>
-              <a:t>	- Arc = représentation d’un arc</a:t>
-            </a:r>
-          </a:p>
-          <a:p>
-            <a:r>
-              <a:rPr lang="fr-FR" dirty="0">
-                <a:latin typeface="Open Sans" panose="020B0606030504020204" pitchFamily="34" charset="0"/>
-                <a:ea typeface="Open Sans" panose="020B0606030504020204" pitchFamily="34" charset="0"/>
-                <a:cs typeface="Open Sans" panose="020B0606030504020204" pitchFamily="34" charset="0"/>
-              </a:rPr>
-              <a:t>		- Source</a:t>
-            </a:r>
-          </a:p>
-          <a:p>
-            <a:r>
-              <a:rPr lang="fr-FR" dirty="0">
-                <a:latin typeface="Open Sans" panose="020B0606030504020204" pitchFamily="34" charset="0"/>
-                <a:ea typeface="Open Sans" panose="020B0606030504020204" pitchFamily="34" charset="0"/>
-                <a:cs typeface="Open Sans" panose="020B0606030504020204" pitchFamily="34" charset="0"/>
-              </a:rPr>
-              <a:t>		- Cible</a:t>
-            </a:r>
-          </a:p>
-          <a:p>
-            <a:r>
-              <a:rPr lang="fr-FR" dirty="0">
-                <a:latin typeface="Open Sans" panose="020B0606030504020204" pitchFamily="34" charset="0"/>
-                <a:ea typeface="Open Sans" panose="020B0606030504020204" pitchFamily="34" charset="0"/>
-                <a:cs typeface="Open Sans" panose="020B0606030504020204" pitchFamily="34" charset="0"/>
-              </a:rPr>
-              <a:t>		- Valeur </a:t>
-            </a:r>
-          </a:p>
-          <a:p>
-            <a:r>
-              <a:rPr lang="fr-FR" dirty="0">
-                <a:latin typeface="Open Sans" panose="020B0606030504020204" pitchFamily="34" charset="0"/>
-                <a:ea typeface="Open Sans" panose="020B0606030504020204" pitchFamily="34" charset="0"/>
-                <a:cs typeface="Open Sans" panose="020B0606030504020204" pitchFamily="34" charset="0"/>
-              </a:rPr>
-              <a:t>	- Trace = permet l’écriture dans </a:t>
-            </a:r>
-          </a:p>
-          <a:p>
-            <a:r>
-              <a:rPr lang="fr-FR" dirty="0">
-                <a:latin typeface="Open Sans" panose="020B0606030504020204" pitchFamily="34" charset="0"/>
-                <a:ea typeface="Open Sans" panose="020B0606030504020204" pitchFamily="34" charset="0"/>
-                <a:cs typeface="Open Sans" panose="020B0606030504020204" pitchFamily="34" charset="0"/>
-              </a:rPr>
-              <a:t>			- le fichier de trace du graphe testé</a:t>
-            </a:r>
-          </a:p>
-          <a:p>
-            <a:r>
-              <a:rPr lang="fr-FR" dirty="0">
-                <a:latin typeface="Open Sans" panose="020B0606030504020204" pitchFamily="34" charset="0"/>
-                <a:ea typeface="Open Sans" panose="020B0606030504020204" pitchFamily="34" charset="0"/>
-                <a:cs typeface="Open Sans" panose="020B0606030504020204" pitchFamily="34" charset="0"/>
-              </a:rPr>
-              <a:t>			- la console</a:t>
-            </a:r>
-          </a:p>
-        </p:txBody>
-      </p:sp>
-      <p:pic>
-        <p:nvPicPr>
-          <p:cNvPr id="4" name="Image 3">
-            <a:extLst>
-              <a:ext uri="{FF2B5EF4-FFF2-40B4-BE49-F238E27FC236}">
-                <a16:creationId xmlns:a16="http://schemas.microsoft.com/office/drawing/2014/main" id="{4EB9858A-D6CC-4615-B1AF-23F3758B3102}"/>
-              </a:ext>
-            </a:extLst>
-          </p:cNvPr>
-          <p:cNvPicPr>
-            <a:picLocks noChangeAspect="1"/>
-          </p:cNvPicPr>
-          <p:nvPr/>
-        </p:nvPicPr>
-        <p:blipFill>
-          <a:blip r:embed="rId2"/>
-          <a:stretch>
-            <a:fillRect/>
-          </a:stretch>
-        </p:blipFill>
-        <p:spPr>
-          <a:xfrm>
-            <a:off x="14736465" y="4681728"/>
-            <a:ext cx="9150168" cy="4777920"/>
-          </a:xfrm>
-          <a:prstGeom prst="rect">
-            <a:avLst/>
-          </a:prstGeom>
-        </p:spPr>
-      </p:pic>
-      <p:sp>
-        <p:nvSpPr>
-          <p:cNvPr id="5" name="ZoneTexte 4">
-            <a:extLst>
-              <a:ext uri="{FF2B5EF4-FFF2-40B4-BE49-F238E27FC236}">
-                <a16:creationId xmlns:a16="http://schemas.microsoft.com/office/drawing/2014/main" id="{CCF5A944-3953-4C70-A77E-8756FE34B6E1}"/>
-              </a:ext>
-            </a:extLst>
-          </p:cNvPr>
-          <p:cNvSpPr txBox="1"/>
-          <p:nvPr/>
-        </p:nvSpPr>
-        <p:spPr>
-          <a:xfrm>
-            <a:off x="16087073" y="9488320"/>
-            <a:ext cx="6448952" cy="523220"/>
-          </a:xfrm>
-          <a:prstGeom prst="rect">
-            <a:avLst/>
-          </a:prstGeom>
-          <a:noFill/>
-        </p:spPr>
-        <p:txBody>
-          <a:bodyPr wrap="square" rtlCol="0">
-            <a:spAutoFit/>
-          </a:bodyPr>
-          <a:lstStyle/>
-          <a:p>
-            <a:pPr algn="ctr"/>
-            <a:r>
-              <a:rPr lang="fr-FR" sz="2800" i="1" dirty="0">
-                <a:latin typeface="Open Sans" panose="020B0606030504020204" pitchFamily="34" charset="0"/>
-                <a:ea typeface="Open Sans" panose="020B0606030504020204" pitchFamily="34" charset="0"/>
-                <a:cs typeface="Open Sans" panose="020B0606030504020204" pitchFamily="34" charset="0"/>
-              </a:rPr>
-              <a:t>Figure 1 : Attribut de la classe Graphe</a:t>
-            </a:r>
-          </a:p>
-        </p:txBody>
-      </p:sp>
-    </p:spTree>
-    <p:extLst>
-      <p:ext uri="{BB962C8B-B14F-4D97-AF65-F5344CB8AC3E}">
-        <p14:creationId xmlns:p14="http://schemas.microsoft.com/office/powerpoint/2010/main" val="3219929643"/>
-      </p:ext>
-    </p:extLst>
-  </p:cSld>
-  <p:clrMapOvr>
-    <a:masterClrMapping/>
-  </p:clrMapOvr>
-</p:sld>
-</file>
-
-<file path=ppt/slides/slide20.xml><?xml version="1.0" encoding="utf-8"?>
+<file path=ppt/slides/slide17.xml><?xml version="1.0" encoding="utf-8"?>
 <p:sld xmlns:a="http://schemas.openxmlformats.org/drawingml/2006/main" xmlns:r="http://schemas.openxmlformats.org/officeDocument/2006/relationships" xmlns:p="http://schemas.openxmlformats.org/presentationml/2006/main">
   <p:cSld>
     <p:spTree>
@@ -7188,8 +4945,8 @@
           </a:p>
         </p:txBody>
       </p:sp>
-      <mc:AlternateContent xmlns:mc="http://schemas.openxmlformats.org/markup-compatibility/2006">
-        <mc:Choice xmlns:a14="http://schemas.microsoft.com/office/drawing/2010/main" Requires="a14">
+      <mc:AlternateContent xmlns:mc="http://schemas.openxmlformats.org/markup-compatibility/2006" xmlns:a14="http://schemas.microsoft.com/office/drawing/2010/main">
+        <mc:Choice Requires="a14">
           <p:graphicFrame>
             <p:nvGraphicFramePr>
               <p:cNvPr id="4" name="Tableau 4">
@@ -8243,7 +6000,7 @@
             </a:graphic>
           </p:graphicFrame>
         </mc:Choice>
-        <mc:Fallback>
+        <mc:Fallback xmlns="">
           <p:graphicFrame>
             <p:nvGraphicFramePr>
               <p:cNvPr id="4" name="Tableau 4">
@@ -8891,7 +6648,1506 @@
 </p:sld>
 </file>
 
-<file path=ppt/slides/slide21.xml><?xml version="1.0" encoding="utf-8"?>
+<file path=ppt/slides/slide18.xml><?xml version="1.0" encoding="utf-8"?>
+<p:sld xmlns:a="http://schemas.openxmlformats.org/drawingml/2006/main" xmlns:r="http://schemas.openxmlformats.org/officeDocument/2006/relationships" xmlns:p="http://schemas.openxmlformats.org/presentationml/2006/main">
+  <p:cSld>
+    <p:spTree>
+      <p:nvGrpSpPr>
+        <p:cNvPr id="1" name=""/>
+        <p:cNvGrpSpPr/>
+        <p:nvPr/>
+      </p:nvGrpSpPr>
+      <p:grpSpPr>
+        <a:xfrm>
+          <a:off x="0" y="0"/>
+          <a:ext cx="0" cy="0"/>
+          <a:chOff x="0" y="0"/>
+          <a:chExt cx="0" cy="0"/>
+        </a:xfrm>
+      </p:grpSpPr>
+      <p:sp>
+        <p:nvSpPr>
+          <p:cNvPr id="2" name="ZoneTexte 1">
+            <a:extLst>
+              <a:ext uri="{FF2B5EF4-FFF2-40B4-BE49-F238E27FC236}">
+                <a16:creationId xmlns:a16="http://schemas.microsoft.com/office/drawing/2014/main" id="{C4C6F207-BDCC-4879-89E7-9835E6E9CF4A}"/>
+              </a:ext>
+            </a:extLst>
+          </p:cNvPr>
+          <p:cNvSpPr txBox="1"/>
+          <p:nvPr/>
+        </p:nvSpPr>
+        <p:spPr>
+          <a:xfrm>
+            <a:off x="2375271" y="1113184"/>
+            <a:ext cx="17880677" cy="1046440"/>
+          </a:xfrm>
+          <a:prstGeom prst="rect">
+            <a:avLst/>
+          </a:prstGeom>
+          <a:noFill/>
+        </p:spPr>
+        <p:txBody>
+          <a:bodyPr wrap="square" rtlCol="0">
+            <a:spAutoFit/>
+          </a:bodyPr>
+          <a:lstStyle/>
+          <a:p>
+            <a:r>
+              <a:rPr lang="fr-FR" sz="6200" b="1" dirty="0">
+                <a:latin typeface="Montserrat" panose="00000500000000000000" pitchFamily="2" charset="0"/>
+              </a:rPr>
+              <a:t>V : Méthode de l’ordonnancement</a:t>
+            </a:r>
+          </a:p>
+        </p:txBody>
+      </p:sp>
+      <p:sp>
+        <p:nvSpPr>
+          <p:cNvPr id="3" name="Rectangle 2">
+            <a:extLst>
+              <a:ext uri="{FF2B5EF4-FFF2-40B4-BE49-F238E27FC236}">
+                <a16:creationId xmlns:a16="http://schemas.microsoft.com/office/drawing/2014/main" id="{14F76849-AF7C-4ADC-9E8C-1C05F8CD6966}"/>
+              </a:ext>
+            </a:extLst>
+          </p:cNvPr>
+          <p:cNvSpPr/>
+          <p:nvPr/>
+        </p:nvSpPr>
+        <p:spPr>
+          <a:xfrm>
+            <a:off x="11108500" y="2353856"/>
+            <a:ext cx="12192000" cy="10248960"/>
+          </a:xfrm>
+          <a:prstGeom prst="rect">
+            <a:avLst/>
+          </a:prstGeom>
+        </p:spPr>
+        <p:txBody>
+          <a:bodyPr>
+            <a:spAutoFit/>
+          </a:bodyPr>
+          <a:lstStyle/>
+          <a:p>
+            <a:r>
+              <a:rPr lang="fr-FR" sz="3000" dirty="0">
+                <a:latin typeface="Open Sans" panose="020B0606030504020204" pitchFamily="34" charset="0"/>
+                <a:ea typeface="Open Sans" panose="020B0606030504020204" pitchFamily="34" charset="0"/>
+                <a:cs typeface="Open Sans" panose="020B0606030504020204" pitchFamily="34" charset="0"/>
+              </a:rPr>
+              <a:t>    </a:t>
+            </a:r>
+            <a:r>
+              <a:rPr lang="fr-FR" sz="3000" dirty="0" err="1">
+                <a:latin typeface="Open Sans" panose="020B0606030504020204" pitchFamily="34" charset="0"/>
+                <a:ea typeface="Open Sans" panose="020B0606030504020204" pitchFamily="34" charset="0"/>
+                <a:cs typeface="Open Sans" panose="020B0606030504020204" pitchFamily="34" charset="0"/>
+              </a:rPr>
+              <a:t>margeLibre</a:t>
+            </a:r>
+            <a:r>
+              <a:rPr lang="fr-FR" sz="3000" dirty="0">
+                <a:latin typeface="Open Sans" panose="020B0606030504020204" pitchFamily="34" charset="0"/>
+                <a:ea typeface="Open Sans" panose="020B0606030504020204" pitchFamily="34" charset="0"/>
+                <a:cs typeface="Open Sans" panose="020B0606030504020204" pitchFamily="34" charset="0"/>
+              </a:rPr>
+              <a:t>[</a:t>
+            </a:r>
+            <a:r>
+              <a:rPr lang="fr-FR" sz="3000" dirty="0" err="1">
+                <a:latin typeface="Open Sans" panose="020B0606030504020204" pitchFamily="34" charset="0"/>
+                <a:ea typeface="Open Sans" panose="020B0606030504020204" pitchFamily="34" charset="0"/>
+                <a:cs typeface="Open Sans" panose="020B0606030504020204" pitchFamily="34" charset="0"/>
+              </a:rPr>
+              <a:t>nbSommet</a:t>
+            </a:r>
+            <a:r>
+              <a:rPr lang="fr-FR" sz="3000" dirty="0">
+                <a:latin typeface="Open Sans" panose="020B0606030504020204" pitchFamily="34" charset="0"/>
+                <a:ea typeface="Open Sans" panose="020B0606030504020204" pitchFamily="34" charset="0"/>
+                <a:cs typeface="Open Sans" panose="020B0606030504020204" pitchFamily="34" charset="0"/>
+              </a:rPr>
+              <a:t>]</a:t>
+            </a:r>
+          </a:p>
+          <a:p>
+            <a:r>
+              <a:rPr lang="fr-FR" sz="3000" dirty="0">
+                <a:latin typeface="Open Sans" panose="020B0606030504020204" pitchFamily="34" charset="0"/>
+                <a:ea typeface="Open Sans" panose="020B0606030504020204" pitchFamily="34" charset="0"/>
+                <a:cs typeface="Open Sans" panose="020B0606030504020204" pitchFamily="34" charset="0"/>
+              </a:rPr>
+              <a:t>    pour i allant de de 0 à nbSommet-2</a:t>
+            </a:r>
+          </a:p>
+          <a:p>
+            <a:r>
+              <a:rPr lang="fr-FR" sz="3000" dirty="0">
+                <a:latin typeface="Open Sans" panose="020B0606030504020204" pitchFamily="34" charset="0"/>
+                <a:ea typeface="Open Sans" panose="020B0606030504020204" pitchFamily="34" charset="0"/>
+                <a:cs typeface="Open Sans" panose="020B0606030504020204" pitchFamily="34" charset="0"/>
+              </a:rPr>
+              <a:t>        supprimer éléments de </a:t>
+            </a:r>
+            <a:r>
+              <a:rPr lang="fr-FR" sz="3000" dirty="0" err="1">
+                <a:latin typeface="Open Sans" panose="020B0606030504020204" pitchFamily="34" charset="0"/>
+                <a:ea typeface="Open Sans" panose="020B0606030504020204" pitchFamily="34" charset="0"/>
+                <a:cs typeface="Open Sans" panose="020B0606030504020204" pitchFamily="34" charset="0"/>
+              </a:rPr>
+              <a:t>listeMarge</a:t>
+            </a:r>
+            <a:endParaRPr lang="fr-FR" sz="3000" dirty="0">
+              <a:latin typeface="Open Sans" panose="020B0606030504020204" pitchFamily="34" charset="0"/>
+              <a:ea typeface="Open Sans" panose="020B0606030504020204" pitchFamily="34" charset="0"/>
+              <a:cs typeface="Open Sans" panose="020B0606030504020204" pitchFamily="34" charset="0"/>
+            </a:endParaRPr>
+          </a:p>
+          <a:p>
+            <a:r>
+              <a:rPr lang="fr-FR" sz="3000" dirty="0">
+                <a:latin typeface="Open Sans" panose="020B0606030504020204" pitchFamily="34" charset="0"/>
+                <a:ea typeface="Open Sans" panose="020B0606030504020204" pitchFamily="34" charset="0"/>
+                <a:cs typeface="Open Sans" panose="020B0606030504020204" pitchFamily="34" charset="0"/>
+              </a:rPr>
+              <a:t>        supprimer éléments de </a:t>
+            </a:r>
+            <a:r>
+              <a:rPr lang="fr-FR" sz="3000" dirty="0" err="1">
+                <a:latin typeface="Open Sans" panose="020B0606030504020204" pitchFamily="34" charset="0"/>
+                <a:ea typeface="Open Sans" panose="020B0606030504020204" pitchFamily="34" charset="0"/>
+                <a:cs typeface="Open Sans" panose="020B0606030504020204" pitchFamily="34" charset="0"/>
+              </a:rPr>
+              <a:t>listeSucc</a:t>
+            </a:r>
+            <a:endParaRPr lang="fr-FR" sz="3000" dirty="0">
+              <a:latin typeface="Open Sans" panose="020B0606030504020204" pitchFamily="34" charset="0"/>
+              <a:ea typeface="Open Sans" panose="020B0606030504020204" pitchFamily="34" charset="0"/>
+              <a:cs typeface="Open Sans" panose="020B0606030504020204" pitchFamily="34" charset="0"/>
+            </a:endParaRPr>
+          </a:p>
+          <a:p>
+            <a:r>
+              <a:rPr lang="fr-FR" sz="3000" dirty="0">
+                <a:latin typeface="Open Sans" panose="020B0606030504020204" pitchFamily="34" charset="0"/>
+                <a:ea typeface="Open Sans" panose="020B0606030504020204" pitchFamily="34" charset="0"/>
+                <a:cs typeface="Open Sans" panose="020B0606030504020204" pitchFamily="34" charset="0"/>
+              </a:rPr>
+              <a:t>        supprimer éléments de </a:t>
+            </a:r>
+            <a:r>
+              <a:rPr lang="fr-FR" sz="3000" dirty="0" err="1">
+                <a:latin typeface="Open Sans" panose="020B0606030504020204" pitchFamily="34" charset="0"/>
+                <a:ea typeface="Open Sans" panose="020B0606030504020204" pitchFamily="34" charset="0"/>
+                <a:cs typeface="Open Sans" panose="020B0606030504020204" pitchFamily="34" charset="0"/>
+              </a:rPr>
+              <a:t>listeSuccIndex</a:t>
+            </a:r>
+            <a:endParaRPr lang="fr-FR" sz="3000" dirty="0">
+              <a:latin typeface="Open Sans" panose="020B0606030504020204" pitchFamily="34" charset="0"/>
+              <a:ea typeface="Open Sans" panose="020B0606030504020204" pitchFamily="34" charset="0"/>
+              <a:cs typeface="Open Sans" panose="020B0606030504020204" pitchFamily="34" charset="0"/>
+            </a:endParaRPr>
+          </a:p>
+          <a:p>
+            <a:r>
+              <a:rPr lang="fr-FR" sz="3000" dirty="0">
+                <a:latin typeface="Open Sans" panose="020B0606030504020204" pitchFamily="34" charset="0"/>
+                <a:ea typeface="Open Sans" panose="020B0606030504020204" pitchFamily="34" charset="0"/>
+                <a:cs typeface="Open Sans" panose="020B0606030504020204" pitchFamily="34" charset="0"/>
+              </a:rPr>
+              <a:t>        pour j allant de 0 à </a:t>
+            </a:r>
+            <a:r>
+              <a:rPr lang="fr-FR" sz="3000" dirty="0" err="1">
+                <a:latin typeface="Open Sans" panose="020B0606030504020204" pitchFamily="34" charset="0"/>
+                <a:ea typeface="Open Sans" panose="020B0606030504020204" pitchFamily="34" charset="0"/>
+                <a:cs typeface="Open Sans" panose="020B0606030504020204" pitchFamily="34" charset="0"/>
+              </a:rPr>
+              <a:t>nbSommet</a:t>
+            </a:r>
+            <a:r>
+              <a:rPr lang="fr-FR" sz="3000" dirty="0">
+                <a:latin typeface="Open Sans" panose="020B0606030504020204" pitchFamily="34" charset="0"/>
+                <a:ea typeface="Open Sans" panose="020B0606030504020204" pitchFamily="34" charset="0"/>
+                <a:cs typeface="Open Sans" panose="020B0606030504020204" pitchFamily="34" charset="0"/>
+              </a:rPr>
+              <a:t> -1</a:t>
+            </a:r>
+          </a:p>
+          <a:p>
+            <a:r>
+              <a:rPr lang="fr-FR" sz="3000" dirty="0">
+                <a:latin typeface="Open Sans" panose="020B0606030504020204" pitchFamily="34" charset="0"/>
+                <a:ea typeface="Open Sans" panose="020B0606030504020204" pitchFamily="34" charset="0"/>
+                <a:cs typeface="Open Sans" panose="020B0606030504020204" pitchFamily="34" charset="0"/>
+              </a:rPr>
+              <a:t>            si (</a:t>
+            </a:r>
+            <a:r>
+              <a:rPr lang="fr-FR" sz="3000" dirty="0" err="1">
+                <a:latin typeface="Open Sans" panose="020B0606030504020204" pitchFamily="34" charset="0"/>
+                <a:ea typeface="Open Sans" panose="020B0606030504020204" pitchFamily="34" charset="0"/>
+                <a:cs typeface="Open Sans" panose="020B0606030504020204" pitchFamily="34" charset="0"/>
+              </a:rPr>
+              <a:t>matriceAdjacence</a:t>
+            </a:r>
+            <a:r>
+              <a:rPr lang="fr-FR" sz="3000" dirty="0">
+                <a:latin typeface="Open Sans" panose="020B0606030504020204" pitchFamily="34" charset="0"/>
+                <a:ea typeface="Open Sans" panose="020B0606030504020204" pitchFamily="34" charset="0"/>
+                <a:cs typeface="Open Sans" panose="020B0606030504020204" pitchFamily="34" charset="0"/>
+              </a:rPr>
+              <a:t>[</a:t>
+            </a:r>
+            <a:r>
+              <a:rPr lang="fr-FR" sz="3000" dirty="0" err="1">
+                <a:latin typeface="Open Sans" panose="020B0606030504020204" pitchFamily="34" charset="0"/>
+                <a:ea typeface="Open Sans" panose="020B0606030504020204" pitchFamily="34" charset="0"/>
+                <a:cs typeface="Open Sans" panose="020B0606030504020204" pitchFamily="34" charset="0"/>
+              </a:rPr>
+              <a:t>sommetOrdonne</a:t>
+            </a:r>
+            <a:r>
+              <a:rPr lang="fr-FR" sz="3000" dirty="0">
+                <a:latin typeface="Open Sans" panose="020B0606030504020204" pitchFamily="34" charset="0"/>
+                <a:ea typeface="Open Sans" panose="020B0606030504020204" pitchFamily="34" charset="0"/>
+                <a:cs typeface="Open Sans" panose="020B0606030504020204" pitchFamily="34" charset="0"/>
+              </a:rPr>
+              <a:t>[i][j] == 1)</a:t>
+            </a:r>
+          </a:p>
+          <a:p>
+            <a:r>
+              <a:rPr lang="fr-FR" sz="3000" dirty="0">
+                <a:latin typeface="Open Sans" panose="020B0606030504020204" pitchFamily="34" charset="0"/>
+                <a:ea typeface="Open Sans" panose="020B0606030504020204" pitchFamily="34" charset="0"/>
+                <a:cs typeface="Open Sans" panose="020B0606030504020204" pitchFamily="34" charset="0"/>
+              </a:rPr>
+              <a:t>                ajout j à </a:t>
+            </a:r>
+            <a:r>
+              <a:rPr lang="fr-FR" sz="3000" dirty="0" err="1">
+                <a:latin typeface="Open Sans" panose="020B0606030504020204" pitchFamily="34" charset="0"/>
+                <a:ea typeface="Open Sans" panose="020B0606030504020204" pitchFamily="34" charset="0"/>
+                <a:cs typeface="Open Sans" panose="020B0606030504020204" pitchFamily="34" charset="0"/>
+              </a:rPr>
+              <a:t>listeSucc</a:t>
+            </a:r>
+            <a:endParaRPr lang="fr-FR" sz="3000" dirty="0">
+              <a:latin typeface="Open Sans" panose="020B0606030504020204" pitchFamily="34" charset="0"/>
+              <a:ea typeface="Open Sans" panose="020B0606030504020204" pitchFamily="34" charset="0"/>
+              <a:cs typeface="Open Sans" panose="020B0606030504020204" pitchFamily="34" charset="0"/>
+            </a:endParaRPr>
+          </a:p>
+          <a:p>
+            <a:r>
+              <a:rPr lang="fr-FR" sz="3000" dirty="0">
+                <a:latin typeface="Open Sans" panose="020B0606030504020204" pitchFamily="34" charset="0"/>
+                <a:ea typeface="Open Sans" panose="020B0606030504020204" pitchFamily="34" charset="0"/>
+                <a:cs typeface="Open Sans" panose="020B0606030504020204" pitchFamily="34" charset="0"/>
+              </a:rPr>
+              <a:t>            fin</a:t>
+            </a:r>
+          </a:p>
+          <a:p>
+            <a:r>
+              <a:rPr lang="fr-FR" sz="3000" dirty="0">
+                <a:latin typeface="Open Sans" panose="020B0606030504020204" pitchFamily="34" charset="0"/>
+                <a:ea typeface="Open Sans" panose="020B0606030504020204" pitchFamily="34" charset="0"/>
+                <a:cs typeface="Open Sans" panose="020B0606030504020204" pitchFamily="34" charset="0"/>
+              </a:rPr>
+              <a:t>        fin</a:t>
+            </a:r>
+          </a:p>
+          <a:p>
+            <a:r>
+              <a:rPr lang="fr-FR" sz="3000" dirty="0">
+                <a:latin typeface="Open Sans" panose="020B0606030504020204" pitchFamily="34" charset="0"/>
+                <a:ea typeface="Open Sans" panose="020B0606030504020204" pitchFamily="34" charset="0"/>
+                <a:cs typeface="Open Sans" panose="020B0606030504020204" pitchFamily="34" charset="0"/>
+              </a:rPr>
+              <a:t>        pour j allant de 0 à taille de </a:t>
+            </a:r>
+            <a:r>
+              <a:rPr lang="fr-FR" sz="3000" dirty="0" err="1">
+                <a:latin typeface="Open Sans" panose="020B0606030504020204" pitchFamily="34" charset="0"/>
+                <a:ea typeface="Open Sans" panose="020B0606030504020204" pitchFamily="34" charset="0"/>
+                <a:cs typeface="Open Sans" panose="020B0606030504020204" pitchFamily="34" charset="0"/>
+              </a:rPr>
+              <a:t>listeSucc</a:t>
+            </a:r>
+            <a:r>
+              <a:rPr lang="fr-FR" sz="3000" dirty="0">
+                <a:latin typeface="Open Sans" panose="020B0606030504020204" pitchFamily="34" charset="0"/>
+                <a:ea typeface="Open Sans" panose="020B0606030504020204" pitchFamily="34" charset="0"/>
+                <a:cs typeface="Open Sans" panose="020B0606030504020204" pitchFamily="34" charset="0"/>
+              </a:rPr>
+              <a:t> - 1</a:t>
+            </a:r>
+          </a:p>
+          <a:p>
+            <a:r>
+              <a:rPr lang="fr-FR" sz="3000" dirty="0">
+                <a:latin typeface="Open Sans" panose="020B0606030504020204" pitchFamily="34" charset="0"/>
+                <a:ea typeface="Open Sans" panose="020B0606030504020204" pitchFamily="34" charset="0"/>
+                <a:cs typeface="Open Sans" panose="020B0606030504020204" pitchFamily="34" charset="0"/>
+              </a:rPr>
+              <a:t>            pour k allant de 0 à taille de </a:t>
+            </a:r>
+            <a:r>
+              <a:rPr lang="fr-FR" sz="3000" dirty="0" err="1">
+                <a:latin typeface="Open Sans" panose="020B0606030504020204" pitchFamily="34" charset="0"/>
+                <a:ea typeface="Open Sans" panose="020B0606030504020204" pitchFamily="34" charset="0"/>
+                <a:cs typeface="Open Sans" panose="020B0606030504020204" pitchFamily="34" charset="0"/>
+              </a:rPr>
+              <a:t>sommetOrdonne</a:t>
+            </a:r>
+            <a:r>
+              <a:rPr lang="fr-FR" sz="3000" dirty="0">
+                <a:latin typeface="Open Sans" panose="020B0606030504020204" pitchFamily="34" charset="0"/>
+                <a:ea typeface="Open Sans" panose="020B0606030504020204" pitchFamily="34" charset="0"/>
+                <a:cs typeface="Open Sans" panose="020B0606030504020204" pitchFamily="34" charset="0"/>
+              </a:rPr>
+              <a:t> - 1</a:t>
+            </a:r>
+          </a:p>
+          <a:p>
+            <a:r>
+              <a:rPr lang="fr-FR" sz="3000" dirty="0">
+                <a:latin typeface="Open Sans" panose="020B0606030504020204" pitchFamily="34" charset="0"/>
+                <a:ea typeface="Open Sans" panose="020B0606030504020204" pitchFamily="34" charset="0"/>
+                <a:cs typeface="Open Sans" panose="020B0606030504020204" pitchFamily="34" charset="0"/>
+              </a:rPr>
+              <a:t>                si </a:t>
+            </a:r>
+            <a:r>
+              <a:rPr lang="fr-FR" sz="3000" dirty="0" err="1">
+                <a:latin typeface="Open Sans" panose="020B0606030504020204" pitchFamily="34" charset="0"/>
+                <a:ea typeface="Open Sans" panose="020B0606030504020204" pitchFamily="34" charset="0"/>
+                <a:cs typeface="Open Sans" panose="020B0606030504020204" pitchFamily="34" charset="0"/>
+              </a:rPr>
+              <a:t>sommetOrdonne</a:t>
+            </a:r>
+            <a:r>
+              <a:rPr lang="fr-FR" sz="3000" dirty="0">
+                <a:latin typeface="Open Sans" panose="020B0606030504020204" pitchFamily="34" charset="0"/>
+                <a:ea typeface="Open Sans" panose="020B0606030504020204" pitchFamily="34" charset="0"/>
+                <a:cs typeface="Open Sans" panose="020B0606030504020204" pitchFamily="34" charset="0"/>
+              </a:rPr>
+              <a:t>[k] == </a:t>
+            </a:r>
+            <a:r>
+              <a:rPr lang="fr-FR" sz="3000" dirty="0" err="1">
+                <a:latin typeface="Open Sans" panose="020B0606030504020204" pitchFamily="34" charset="0"/>
+                <a:ea typeface="Open Sans" panose="020B0606030504020204" pitchFamily="34" charset="0"/>
+                <a:cs typeface="Open Sans" panose="020B0606030504020204" pitchFamily="34" charset="0"/>
+              </a:rPr>
+              <a:t>listSucc.get</a:t>
+            </a:r>
+            <a:r>
+              <a:rPr lang="fr-FR" sz="3000" dirty="0">
+                <a:latin typeface="Open Sans" panose="020B0606030504020204" pitchFamily="34" charset="0"/>
+                <a:ea typeface="Open Sans" panose="020B0606030504020204" pitchFamily="34" charset="0"/>
+                <a:cs typeface="Open Sans" panose="020B0606030504020204" pitchFamily="34" charset="0"/>
+              </a:rPr>
+              <a:t>(j)</a:t>
+            </a:r>
+          </a:p>
+          <a:p>
+            <a:r>
+              <a:rPr lang="fr-FR" sz="3000" dirty="0">
+                <a:latin typeface="Open Sans" panose="020B0606030504020204" pitchFamily="34" charset="0"/>
+                <a:ea typeface="Open Sans" panose="020B0606030504020204" pitchFamily="34" charset="0"/>
+                <a:cs typeface="Open Sans" panose="020B0606030504020204" pitchFamily="34" charset="0"/>
+              </a:rPr>
+              <a:t>                    ajout k à </a:t>
+            </a:r>
+            <a:r>
+              <a:rPr lang="fr-FR" sz="3000" dirty="0" err="1">
+                <a:latin typeface="Open Sans" panose="020B0606030504020204" pitchFamily="34" charset="0"/>
+                <a:ea typeface="Open Sans" panose="020B0606030504020204" pitchFamily="34" charset="0"/>
+                <a:cs typeface="Open Sans" panose="020B0606030504020204" pitchFamily="34" charset="0"/>
+              </a:rPr>
+              <a:t>listeSuccIndex</a:t>
+            </a:r>
+            <a:endParaRPr lang="fr-FR" sz="3000" dirty="0">
+              <a:latin typeface="Open Sans" panose="020B0606030504020204" pitchFamily="34" charset="0"/>
+              <a:ea typeface="Open Sans" panose="020B0606030504020204" pitchFamily="34" charset="0"/>
+              <a:cs typeface="Open Sans" panose="020B0606030504020204" pitchFamily="34" charset="0"/>
+            </a:endParaRPr>
+          </a:p>
+          <a:p>
+            <a:r>
+              <a:rPr lang="fr-FR" sz="3000" dirty="0">
+                <a:latin typeface="Open Sans" panose="020B0606030504020204" pitchFamily="34" charset="0"/>
+                <a:ea typeface="Open Sans" panose="020B0606030504020204" pitchFamily="34" charset="0"/>
+                <a:cs typeface="Open Sans" panose="020B0606030504020204" pitchFamily="34" charset="0"/>
+              </a:rPr>
+              <a:t>                fin</a:t>
+            </a:r>
+          </a:p>
+          <a:p>
+            <a:r>
+              <a:rPr lang="fr-FR" sz="3000" dirty="0">
+                <a:latin typeface="Open Sans" panose="020B0606030504020204" pitchFamily="34" charset="0"/>
+                <a:ea typeface="Open Sans" panose="020B0606030504020204" pitchFamily="34" charset="0"/>
+                <a:cs typeface="Open Sans" panose="020B0606030504020204" pitchFamily="34" charset="0"/>
+              </a:rPr>
+              <a:t>            fin</a:t>
+            </a:r>
+          </a:p>
+          <a:p>
+            <a:r>
+              <a:rPr lang="fr-FR" sz="3000" dirty="0">
+                <a:latin typeface="Open Sans" panose="020B0606030504020204" pitchFamily="34" charset="0"/>
+                <a:ea typeface="Open Sans" panose="020B0606030504020204" pitchFamily="34" charset="0"/>
+                <a:cs typeface="Open Sans" panose="020B0606030504020204" pitchFamily="34" charset="0"/>
+              </a:rPr>
+              <a:t>        fin</a:t>
+            </a:r>
+          </a:p>
+          <a:p>
+            <a:r>
+              <a:rPr lang="fr-FR" sz="3000" dirty="0">
+                <a:latin typeface="Open Sans" panose="020B0606030504020204" pitchFamily="34" charset="0"/>
+                <a:ea typeface="Open Sans" panose="020B0606030504020204" pitchFamily="34" charset="0"/>
+                <a:cs typeface="Open Sans" panose="020B0606030504020204" pitchFamily="34" charset="0"/>
+              </a:rPr>
+              <a:t>        pour j allant de 0 à taille </a:t>
+            </a:r>
+            <a:r>
+              <a:rPr lang="fr-FR" sz="3000" dirty="0" err="1">
+                <a:latin typeface="Open Sans" panose="020B0606030504020204" pitchFamily="34" charset="0"/>
+                <a:ea typeface="Open Sans" panose="020B0606030504020204" pitchFamily="34" charset="0"/>
+                <a:cs typeface="Open Sans" panose="020B0606030504020204" pitchFamily="34" charset="0"/>
+              </a:rPr>
+              <a:t>listeSuccIndex</a:t>
+            </a:r>
+            <a:r>
+              <a:rPr lang="fr-FR" sz="3000" dirty="0">
+                <a:latin typeface="Open Sans" panose="020B0606030504020204" pitchFamily="34" charset="0"/>
+                <a:ea typeface="Open Sans" panose="020B0606030504020204" pitchFamily="34" charset="0"/>
+                <a:cs typeface="Open Sans" panose="020B0606030504020204" pitchFamily="34" charset="0"/>
+              </a:rPr>
+              <a:t> - 1</a:t>
+            </a:r>
+          </a:p>
+          <a:p>
+            <a:r>
+              <a:rPr lang="fr-FR" sz="3000" dirty="0">
+                <a:latin typeface="Open Sans" panose="020B0606030504020204" pitchFamily="34" charset="0"/>
+                <a:ea typeface="Open Sans" panose="020B0606030504020204" pitchFamily="34" charset="0"/>
+                <a:cs typeface="Open Sans" panose="020B0606030504020204" pitchFamily="34" charset="0"/>
+              </a:rPr>
+              <a:t>            ajout </a:t>
+            </a:r>
+            <a:r>
+              <a:rPr lang="fr-FR" sz="3000" dirty="0" err="1">
+                <a:latin typeface="Open Sans" panose="020B0606030504020204" pitchFamily="34" charset="0"/>
+                <a:ea typeface="Open Sans" panose="020B0606030504020204" pitchFamily="34" charset="0"/>
+                <a:cs typeface="Open Sans" panose="020B0606030504020204" pitchFamily="34" charset="0"/>
+              </a:rPr>
+              <a:t>datePlusTot</a:t>
+            </a:r>
+            <a:r>
+              <a:rPr lang="fr-FR" sz="3000" dirty="0">
+                <a:latin typeface="Open Sans" panose="020B0606030504020204" pitchFamily="34" charset="0"/>
+                <a:ea typeface="Open Sans" panose="020B0606030504020204" pitchFamily="34" charset="0"/>
+                <a:cs typeface="Open Sans" panose="020B0606030504020204" pitchFamily="34" charset="0"/>
+              </a:rPr>
+              <a:t>[</a:t>
+            </a:r>
+            <a:r>
+              <a:rPr lang="fr-FR" sz="3000" dirty="0" err="1">
+                <a:latin typeface="Open Sans" panose="020B0606030504020204" pitchFamily="34" charset="0"/>
+                <a:ea typeface="Open Sans" panose="020B0606030504020204" pitchFamily="34" charset="0"/>
+                <a:cs typeface="Open Sans" panose="020B0606030504020204" pitchFamily="34" charset="0"/>
+              </a:rPr>
+              <a:t>listeSuccIndex.get</a:t>
+            </a:r>
+            <a:r>
+              <a:rPr lang="fr-FR" sz="3000" dirty="0">
+                <a:latin typeface="Open Sans" panose="020B0606030504020204" pitchFamily="34" charset="0"/>
+                <a:ea typeface="Open Sans" panose="020B0606030504020204" pitchFamily="34" charset="0"/>
+                <a:cs typeface="Open Sans" panose="020B0606030504020204" pitchFamily="34" charset="0"/>
+              </a:rPr>
+              <a:t>(j)] à </a:t>
+            </a:r>
+            <a:r>
+              <a:rPr lang="fr-FR" sz="3000" dirty="0" err="1">
+                <a:latin typeface="Open Sans" panose="020B0606030504020204" pitchFamily="34" charset="0"/>
+                <a:ea typeface="Open Sans" panose="020B0606030504020204" pitchFamily="34" charset="0"/>
+                <a:cs typeface="Open Sans" panose="020B0606030504020204" pitchFamily="34" charset="0"/>
+              </a:rPr>
+              <a:t>listeMarge</a:t>
+            </a:r>
+            <a:endParaRPr lang="fr-FR" sz="3000" dirty="0">
+              <a:latin typeface="Open Sans" panose="020B0606030504020204" pitchFamily="34" charset="0"/>
+              <a:ea typeface="Open Sans" panose="020B0606030504020204" pitchFamily="34" charset="0"/>
+              <a:cs typeface="Open Sans" panose="020B0606030504020204" pitchFamily="34" charset="0"/>
+            </a:endParaRPr>
+          </a:p>
+          <a:p>
+            <a:r>
+              <a:rPr lang="fr-FR" sz="3000" dirty="0">
+                <a:latin typeface="Open Sans" panose="020B0606030504020204" pitchFamily="34" charset="0"/>
+                <a:ea typeface="Open Sans" panose="020B0606030504020204" pitchFamily="34" charset="0"/>
+                <a:cs typeface="Open Sans" panose="020B0606030504020204" pitchFamily="34" charset="0"/>
+              </a:rPr>
+              <a:t>        fin</a:t>
+            </a:r>
+          </a:p>
+          <a:p>
+            <a:r>
+              <a:rPr lang="fr-FR" sz="3000" dirty="0">
+                <a:latin typeface="Open Sans" panose="020B0606030504020204" pitchFamily="34" charset="0"/>
+                <a:ea typeface="Open Sans" panose="020B0606030504020204" pitchFamily="34" charset="0"/>
+                <a:cs typeface="Open Sans" panose="020B0606030504020204" pitchFamily="34" charset="0"/>
+              </a:rPr>
+              <a:t>        marge[i] = minimum de </a:t>
+            </a:r>
+            <a:r>
+              <a:rPr lang="fr-FR" sz="3000" dirty="0" err="1">
+                <a:latin typeface="Open Sans" panose="020B0606030504020204" pitchFamily="34" charset="0"/>
+                <a:ea typeface="Open Sans" panose="020B0606030504020204" pitchFamily="34" charset="0"/>
+                <a:cs typeface="Open Sans" panose="020B0606030504020204" pitchFamily="34" charset="0"/>
+              </a:rPr>
+              <a:t>listeMarge</a:t>
+            </a:r>
+            <a:r>
+              <a:rPr lang="fr-FR" sz="3000" dirty="0">
+                <a:latin typeface="Open Sans" panose="020B0606030504020204" pitchFamily="34" charset="0"/>
+                <a:ea typeface="Open Sans" panose="020B0606030504020204" pitchFamily="34" charset="0"/>
+                <a:cs typeface="Open Sans" panose="020B0606030504020204" pitchFamily="34" charset="0"/>
+              </a:rPr>
+              <a:t> - </a:t>
+            </a:r>
+            <a:r>
+              <a:rPr lang="fr-FR" sz="3000" dirty="0" err="1">
+                <a:latin typeface="Open Sans" panose="020B0606030504020204" pitchFamily="34" charset="0"/>
+                <a:ea typeface="Open Sans" panose="020B0606030504020204" pitchFamily="34" charset="0"/>
+                <a:cs typeface="Open Sans" panose="020B0606030504020204" pitchFamily="34" charset="0"/>
+              </a:rPr>
+              <a:t>datePlusTot</a:t>
+            </a:r>
+            <a:r>
+              <a:rPr lang="fr-FR" sz="3000" dirty="0">
+                <a:latin typeface="Open Sans" panose="020B0606030504020204" pitchFamily="34" charset="0"/>
+                <a:ea typeface="Open Sans" panose="020B0606030504020204" pitchFamily="34" charset="0"/>
+                <a:cs typeface="Open Sans" panose="020B0606030504020204" pitchFamily="34" charset="0"/>
+              </a:rPr>
+              <a:t>[i] - tache[i]</a:t>
+            </a:r>
+          </a:p>
+          <a:p>
+            <a:r>
+              <a:rPr lang="fr-FR" sz="3000" dirty="0">
+                <a:latin typeface="Open Sans" panose="020B0606030504020204" pitchFamily="34" charset="0"/>
+                <a:ea typeface="Open Sans" panose="020B0606030504020204" pitchFamily="34" charset="0"/>
+                <a:cs typeface="Open Sans" panose="020B0606030504020204" pitchFamily="34" charset="0"/>
+              </a:rPr>
+              <a:t>    fin</a:t>
+            </a:r>
+          </a:p>
+        </p:txBody>
+      </p:sp>
+      <p:sp>
+        <p:nvSpPr>
+          <p:cNvPr id="4" name="Oval 58">
+            <a:extLst>
+              <a:ext uri="{FF2B5EF4-FFF2-40B4-BE49-F238E27FC236}">
+                <a16:creationId xmlns:a16="http://schemas.microsoft.com/office/drawing/2014/main" id="{1A1FD105-5F44-4858-A9BD-A988BEB47B4D}"/>
+              </a:ext>
+            </a:extLst>
+          </p:cNvPr>
+          <p:cNvSpPr/>
+          <p:nvPr/>
+        </p:nvSpPr>
+        <p:spPr>
+          <a:xfrm>
+            <a:off x="1673229" y="3532385"/>
+            <a:ext cx="1074332" cy="1074611"/>
+          </a:xfrm>
+          <a:prstGeom prst="ellipse">
+            <a:avLst/>
+          </a:prstGeom>
+          <a:noFill/>
+          <a:ln w="28575">
+            <a:solidFill>
+              <a:schemeClr val="tx1"/>
+            </a:solidFill>
+          </a:ln>
+        </p:spPr>
+        <p:style>
+          <a:lnRef idx="2">
+            <a:schemeClr val="accent1">
+              <a:shade val="50000"/>
+            </a:schemeClr>
+          </a:lnRef>
+          <a:fillRef idx="1">
+            <a:schemeClr val="accent1"/>
+          </a:fillRef>
+          <a:effectRef idx="0">
+            <a:schemeClr val="accent1"/>
+          </a:effectRef>
+          <a:fontRef idx="minor">
+            <a:schemeClr val="lt1"/>
+          </a:fontRef>
+        </p:style>
+        <p:txBody>
+          <a:bodyPr rtlCol="0" anchor="ctr"/>
+          <a:lstStyle/>
+          <a:p>
+            <a:pPr algn="ctr"/>
+            <a:endParaRPr lang="en-US" sz="2900" dirty="0">
+              <a:latin typeface="Montserrat Light" charset="0"/>
+              <a:ea typeface="Montserrat Light" charset="0"/>
+              <a:cs typeface="Montserrat Light" charset="0"/>
+            </a:endParaRPr>
+          </a:p>
+        </p:txBody>
+      </p:sp>
+      <p:sp>
+        <p:nvSpPr>
+          <p:cNvPr id="5" name="ZoneTexte 4">
+            <a:extLst>
+              <a:ext uri="{FF2B5EF4-FFF2-40B4-BE49-F238E27FC236}">
+                <a16:creationId xmlns:a16="http://schemas.microsoft.com/office/drawing/2014/main" id="{BE4769FF-57BD-4B9F-BA25-2C7BD367DB6C}"/>
+              </a:ext>
+            </a:extLst>
+          </p:cNvPr>
+          <p:cNvSpPr txBox="1"/>
+          <p:nvPr/>
+        </p:nvSpPr>
+        <p:spPr>
+          <a:xfrm>
+            <a:off x="1827648" y="3623415"/>
+            <a:ext cx="765494" cy="892552"/>
+          </a:xfrm>
+          <a:prstGeom prst="rect">
+            <a:avLst/>
+          </a:prstGeom>
+          <a:noFill/>
+        </p:spPr>
+        <p:txBody>
+          <a:bodyPr wrap="square" rtlCol="0">
+            <a:spAutoFit/>
+          </a:bodyPr>
+          <a:lstStyle/>
+          <a:p>
+            <a:pPr algn="ctr"/>
+            <a:r>
+              <a:rPr lang="fr-FR" sz="5200" b="1" dirty="0">
+                <a:latin typeface="Montserrat" panose="00000500000000000000" pitchFamily="2" charset="0"/>
+              </a:rPr>
+              <a:t>1</a:t>
+            </a:r>
+          </a:p>
+        </p:txBody>
+      </p:sp>
+      <p:sp>
+        <p:nvSpPr>
+          <p:cNvPr id="6" name="ZoneTexte 5">
+            <a:extLst>
+              <a:ext uri="{FF2B5EF4-FFF2-40B4-BE49-F238E27FC236}">
+                <a16:creationId xmlns:a16="http://schemas.microsoft.com/office/drawing/2014/main" id="{78D6C3E4-5BB1-45D8-860E-97E046BE5583}"/>
+              </a:ext>
+            </a:extLst>
+          </p:cNvPr>
+          <p:cNvSpPr txBox="1"/>
+          <p:nvPr/>
+        </p:nvSpPr>
+        <p:spPr>
+          <a:xfrm>
+            <a:off x="3813175" y="3746524"/>
+            <a:ext cx="7456472" cy="646331"/>
+          </a:xfrm>
+          <a:prstGeom prst="rect">
+            <a:avLst/>
+          </a:prstGeom>
+          <a:noFill/>
+        </p:spPr>
+        <p:txBody>
+          <a:bodyPr wrap="square" rtlCol="0">
+            <a:spAutoFit/>
+          </a:bodyPr>
+          <a:lstStyle/>
+          <a:p>
+            <a:r>
+              <a:rPr lang="fr-FR" dirty="0">
+                <a:latin typeface="Open Sans" panose="020B0606030504020204" pitchFamily="34" charset="0"/>
+                <a:ea typeface="Open Sans" panose="020B0606030504020204" pitchFamily="34" charset="0"/>
+                <a:cs typeface="Open Sans" panose="020B0606030504020204" pitchFamily="34" charset="0"/>
+              </a:rPr>
+              <a:t>Initialisation des listes</a:t>
+            </a:r>
+          </a:p>
+        </p:txBody>
+      </p:sp>
+      <p:sp>
+        <p:nvSpPr>
+          <p:cNvPr id="7" name="Oval 58">
+            <a:extLst>
+              <a:ext uri="{FF2B5EF4-FFF2-40B4-BE49-F238E27FC236}">
+                <a16:creationId xmlns:a16="http://schemas.microsoft.com/office/drawing/2014/main" id="{ECF5212C-CF94-4989-B9B4-2EFF80B7EBF3}"/>
+              </a:ext>
+            </a:extLst>
+          </p:cNvPr>
+          <p:cNvSpPr/>
+          <p:nvPr/>
+        </p:nvSpPr>
+        <p:spPr>
+          <a:xfrm>
+            <a:off x="1673229" y="5323740"/>
+            <a:ext cx="1074332" cy="1074611"/>
+          </a:xfrm>
+          <a:prstGeom prst="ellipse">
+            <a:avLst/>
+          </a:prstGeom>
+          <a:noFill/>
+          <a:ln w="28575">
+            <a:solidFill>
+              <a:schemeClr val="tx1"/>
+            </a:solidFill>
+          </a:ln>
+        </p:spPr>
+        <p:style>
+          <a:lnRef idx="2">
+            <a:schemeClr val="accent1">
+              <a:shade val="50000"/>
+            </a:schemeClr>
+          </a:lnRef>
+          <a:fillRef idx="1">
+            <a:schemeClr val="accent1"/>
+          </a:fillRef>
+          <a:effectRef idx="0">
+            <a:schemeClr val="accent1"/>
+          </a:effectRef>
+          <a:fontRef idx="minor">
+            <a:schemeClr val="lt1"/>
+          </a:fontRef>
+        </p:style>
+        <p:txBody>
+          <a:bodyPr rtlCol="0" anchor="ctr"/>
+          <a:lstStyle/>
+          <a:p>
+            <a:pPr algn="ctr"/>
+            <a:endParaRPr lang="en-US" sz="2900" dirty="0">
+              <a:latin typeface="Montserrat Light" charset="0"/>
+              <a:ea typeface="Montserrat Light" charset="0"/>
+              <a:cs typeface="Montserrat Light" charset="0"/>
+            </a:endParaRPr>
+          </a:p>
+        </p:txBody>
+      </p:sp>
+      <p:sp>
+        <p:nvSpPr>
+          <p:cNvPr id="8" name="ZoneTexte 7">
+            <a:extLst>
+              <a:ext uri="{FF2B5EF4-FFF2-40B4-BE49-F238E27FC236}">
+                <a16:creationId xmlns:a16="http://schemas.microsoft.com/office/drawing/2014/main" id="{F9E66ABA-9E57-4CB6-A05C-288F80DE586B}"/>
+              </a:ext>
+            </a:extLst>
+          </p:cNvPr>
+          <p:cNvSpPr txBox="1"/>
+          <p:nvPr/>
+        </p:nvSpPr>
+        <p:spPr>
+          <a:xfrm>
+            <a:off x="1827648" y="5414770"/>
+            <a:ext cx="765494" cy="892552"/>
+          </a:xfrm>
+          <a:prstGeom prst="rect">
+            <a:avLst/>
+          </a:prstGeom>
+          <a:noFill/>
+        </p:spPr>
+        <p:txBody>
+          <a:bodyPr wrap="square" rtlCol="0">
+            <a:spAutoFit/>
+          </a:bodyPr>
+          <a:lstStyle/>
+          <a:p>
+            <a:pPr algn="ctr"/>
+            <a:r>
+              <a:rPr lang="fr-FR" sz="5200" b="1" dirty="0">
+                <a:latin typeface="Montserrat" panose="00000500000000000000" pitchFamily="2" charset="0"/>
+              </a:rPr>
+              <a:t>2</a:t>
+            </a:r>
+          </a:p>
+        </p:txBody>
+      </p:sp>
+      <p:sp>
+        <p:nvSpPr>
+          <p:cNvPr id="9" name="ZoneTexte 8">
+            <a:extLst>
+              <a:ext uri="{FF2B5EF4-FFF2-40B4-BE49-F238E27FC236}">
+                <a16:creationId xmlns:a16="http://schemas.microsoft.com/office/drawing/2014/main" id="{7E78C437-841B-452E-9E70-6E2A271BC83E}"/>
+              </a:ext>
+            </a:extLst>
+          </p:cNvPr>
+          <p:cNvSpPr txBox="1"/>
+          <p:nvPr/>
+        </p:nvSpPr>
+        <p:spPr>
+          <a:xfrm>
+            <a:off x="3813175" y="5519423"/>
+            <a:ext cx="6793865" cy="646331"/>
+          </a:xfrm>
+          <a:prstGeom prst="rect">
+            <a:avLst/>
+          </a:prstGeom>
+          <a:noFill/>
+        </p:spPr>
+        <p:txBody>
+          <a:bodyPr wrap="square" rtlCol="0">
+            <a:spAutoFit/>
+          </a:bodyPr>
+          <a:lstStyle/>
+          <a:p>
+            <a:r>
+              <a:rPr lang="fr-FR" dirty="0">
+                <a:latin typeface="Open Sans" panose="020B0606030504020204" pitchFamily="34" charset="0"/>
+                <a:ea typeface="Open Sans" panose="020B0606030504020204" pitchFamily="34" charset="0"/>
+                <a:cs typeface="Open Sans" panose="020B0606030504020204" pitchFamily="34" charset="0"/>
+              </a:rPr>
+              <a:t>Récupération des successeurs</a:t>
+            </a:r>
+          </a:p>
+        </p:txBody>
+      </p:sp>
+      <p:sp>
+        <p:nvSpPr>
+          <p:cNvPr id="10" name="Oval 58">
+            <a:extLst>
+              <a:ext uri="{FF2B5EF4-FFF2-40B4-BE49-F238E27FC236}">
+                <a16:creationId xmlns:a16="http://schemas.microsoft.com/office/drawing/2014/main" id="{13E5D5F8-02A4-46F5-90D0-B9FAF16FB21D}"/>
+              </a:ext>
+            </a:extLst>
+          </p:cNvPr>
+          <p:cNvSpPr/>
+          <p:nvPr/>
+        </p:nvSpPr>
+        <p:spPr>
+          <a:xfrm>
+            <a:off x="1673229" y="7854954"/>
+            <a:ext cx="1074332" cy="1074611"/>
+          </a:xfrm>
+          <a:prstGeom prst="ellipse">
+            <a:avLst/>
+          </a:prstGeom>
+          <a:noFill/>
+          <a:ln w="28575">
+            <a:solidFill>
+              <a:schemeClr val="tx1"/>
+            </a:solidFill>
+          </a:ln>
+        </p:spPr>
+        <p:style>
+          <a:lnRef idx="2">
+            <a:schemeClr val="accent1">
+              <a:shade val="50000"/>
+            </a:schemeClr>
+          </a:lnRef>
+          <a:fillRef idx="1">
+            <a:schemeClr val="accent1"/>
+          </a:fillRef>
+          <a:effectRef idx="0">
+            <a:schemeClr val="accent1"/>
+          </a:effectRef>
+          <a:fontRef idx="minor">
+            <a:schemeClr val="lt1"/>
+          </a:fontRef>
+        </p:style>
+        <p:txBody>
+          <a:bodyPr rtlCol="0" anchor="ctr"/>
+          <a:lstStyle/>
+          <a:p>
+            <a:pPr algn="ctr"/>
+            <a:endParaRPr lang="en-US" sz="2900" dirty="0">
+              <a:latin typeface="Montserrat Light" charset="0"/>
+              <a:ea typeface="Montserrat Light" charset="0"/>
+              <a:cs typeface="Montserrat Light" charset="0"/>
+            </a:endParaRPr>
+          </a:p>
+        </p:txBody>
+      </p:sp>
+      <p:sp>
+        <p:nvSpPr>
+          <p:cNvPr id="11" name="ZoneTexte 10">
+            <a:extLst>
+              <a:ext uri="{FF2B5EF4-FFF2-40B4-BE49-F238E27FC236}">
+                <a16:creationId xmlns:a16="http://schemas.microsoft.com/office/drawing/2014/main" id="{9822E751-992A-49DE-B71D-77CA7826CAB1}"/>
+              </a:ext>
+            </a:extLst>
+          </p:cNvPr>
+          <p:cNvSpPr txBox="1"/>
+          <p:nvPr/>
+        </p:nvSpPr>
+        <p:spPr>
+          <a:xfrm>
+            <a:off x="1827648" y="7945984"/>
+            <a:ext cx="765494" cy="892552"/>
+          </a:xfrm>
+          <a:prstGeom prst="rect">
+            <a:avLst/>
+          </a:prstGeom>
+          <a:noFill/>
+        </p:spPr>
+        <p:txBody>
+          <a:bodyPr wrap="square" rtlCol="0">
+            <a:spAutoFit/>
+          </a:bodyPr>
+          <a:lstStyle/>
+          <a:p>
+            <a:pPr algn="ctr"/>
+            <a:r>
+              <a:rPr lang="fr-FR" sz="5200" b="1" dirty="0">
+                <a:latin typeface="Montserrat" panose="00000500000000000000" pitchFamily="2" charset="0"/>
+              </a:rPr>
+              <a:t>3</a:t>
+            </a:r>
+          </a:p>
+        </p:txBody>
+      </p:sp>
+      <p:sp>
+        <p:nvSpPr>
+          <p:cNvPr id="12" name="ZoneTexte 11">
+            <a:extLst>
+              <a:ext uri="{FF2B5EF4-FFF2-40B4-BE49-F238E27FC236}">
+                <a16:creationId xmlns:a16="http://schemas.microsoft.com/office/drawing/2014/main" id="{03332025-04DE-4DC1-970E-B2561C10F67A}"/>
+              </a:ext>
+            </a:extLst>
+          </p:cNvPr>
+          <p:cNvSpPr txBox="1"/>
+          <p:nvPr/>
+        </p:nvSpPr>
+        <p:spPr>
+          <a:xfrm>
+            <a:off x="3813175" y="7792094"/>
+            <a:ext cx="6229711" cy="1200329"/>
+          </a:xfrm>
+          <a:prstGeom prst="rect">
+            <a:avLst/>
+          </a:prstGeom>
+          <a:noFill/>
+        </p:spPr>
+        <p:txBody>
+          <a:bodyPr wrap="square" rtlCol="0">
+            <a:spAutoFit/>
+          </a:bodyPr>
+          <a:lstStyle/>
+          <a:p>
+            <a:r>
+              <a:rPr lang="fr-FR" dirty="0">
+                <a:latin typeface="Open Sans" panose="020B0606030504020204" pitchFamily="34" charset="0"/>
+                <a:ea typeface="Open Sans" panose="020B0606030504020204" pitchFamily="34" charset="0"/>
+                <a:cs typeface="Open Sans" panose="020B0606030504020204" pitchFamily="34" charset="0"/>
+              </a:rPr>
+              <a:t>Récupération de l’index du sommet</a:t>
+            </a:r>
+          </a:p>
+        </p:txBody>
+      </p:sp>
+      <p:sp>
+        <p:nvSpPr>
+          <p:cNvPr id="13" name="Oval 58">
+            <a:extLst>
+              <a:ext uri="{FF2B5EF4-FFF2-40B4-BE49-F238E27FC236}">
+                <a16:creationId xmlns:a16="http://schemas.microsoft.com/office/drawing/2014/main" id="{5A4CE3DE-8B34-4279-B213-0FB667B94E8F}"/>
+              </a:ext>
+            </a:extLst>
+          </p:cNvPr>
+          <p:cNvSpPr/>
+          <p:nvPr/>
+        </p:nvSpPr>
+        <p:spPr>
+          <a:xfrm>
+            <a:off x="1673229" y="10045467"/>
+            <a:ext cx="1074332" cy="1074611"/>
+          </a:xfrm>
+          <a:prstGeom prst="ellipse">
+            <a:avLst/>
+          </a:prstGeom>
+          <a:noFill/>
+          <a:ln w="28575">
+            <a:solidFill>
+              <a:schemeClr val="tx1"/>
+            </a:solidFill>
+          </a:ln>
+        </p:spPr>
+        <p:style>
+          <a:lnRef idx="2">
+            <a:schemeClr val="accent1">
+              <a:shade val="50000"/>
+            </a:schemeClr>
+          </a:lnRef>
+          <a:fillRef idx="1">
+            <a:schemeClr val="accent1"/>
+          </a:fillRef>
+          <a:effectRef idx="0">
+            <a:schemeClr val="accent1"/>
+          </a:effectRef>
+          <a:fontRef idx="minor">
+            <a:schemeClr val="lt1"/>
+          </a:fontRef>
+        </p:style>
+        <p:txBody>
+          <a:bodyPr rtlCol="0" anchor="ctr"/>
+          <a:lstStyle/>
+          <a:p>
+            <a:pPr algn="ctr"/>
+            <a:endParaRPr lang="en-US" sz="2900" dirty="0">
+              <a:latin typeface="Montserrat Light" charset="0"/>
+              <a:ea typeface="Montserrat Light" charset="0"/>
+              <a:cs typeface="Montserrat Light" charset="0"/>
+            </a:endParaRPr>
+          </a:p>
+        </p:txBody>
+      </p:sp>
+      <p:sp>
+        <p:nvSpPr>
+          <p:cNvPr id="14" name="ZoneTexte 13">
+            <a:extLst>
+              <a:ext uri="{FF2B5EF4-FFF2-40B4-BE49-F238E27FC236}">
+                <a16:creationId xmlns:a16="http://schemas.microsoft.com/office/drawing/2014/main" id="{EE0BE173-A932-4641-94CB-60080DFA79D4}"/>
+              </a:ext>
+            </a:extLst>
+          </p:cNvPr>
+          <p:cNvSpPr txBox="1"/>
+          <p:nvPr/>
+        </p:nvSpPr>
+        <p:spPr>
+          <a:xfrm>
+            <a:off x="1827648" y="10136497"/>
+            <a:ext cx="765494" cy="892552"/>
+          </a:xfrm>
+          <a:prstGeom prst="rect">
+            <a:avLst/>
+          </a:prstGeom>
+          <a:noFill/>
+        </p:spPr>
+        <p:txBody>
+          <a:bodyPr wrap="square" rtlCol="0">
+            <a:spAutoFit/>
+          </a:bodyPr>
+          <a:lstStyle/>
+          <a:p>
+            <a:pPr algn="ctr"/>
+            <a:r>
+              <a:rPr lang="fr-FR" sz="5200" b="1" dirty="0">
+                <a:latin typeface="Montserrat" panose="00000500000000000000" pitchFamily="2" charset="0"/>
+              </a:rPr>
+              <a:t>4</a:t>
+            </a:r>
+          </a:p>
+        </p:txBody>
+      </p:sp>
+      <p:sp>
+        <p:nvSpPr>
+          <p:cNvPr id="15" name="ZoneTexte 14">
+            <a:extLst>
+              <a:ext uri="{FF2B5EF4-FFF2-40B4-BE49-F238E27FC236}">
+                <a16:creationId xmlns:a16="http://schemas.microsoft.com/office/drawing/2014/main" id="{D73AB837-4498-4978-B6C5-3D0F15CBB335}"/>
+              </a:ext>
+            </a:extLst>
+          </p:cNvPr>
+          <p:cNvSpPr txBox="1"/>
+          <p:nvPr/>
+        </p:nvSpPr>
+        <p:spPr>
+          <a:xfrm>
+            <a:off x="3813175" y="9982607"/>
+            <a:ext cx="6793865" cy="1200329"/>
+          </a:xfrm>
+          <a:prstGeom prst="rect">
+            <a:avLst/>
+          </a:prstGeom>
+          <a:noFill/>
+        </p:spPr>
+        <p:txBody>
+          <a:bodyPr wrap="square" rtlCol="0">
+            <a:spAutoFit/>
+          </a:bodyPr>
+          <a:lstStyle/>
+          <a:p>
+            <a:r>
+              <a:rPr lang="fr-FR" dirty="0">
+                <a:latin typeface="Open Sans" panose="020B0606030504020204" pitchFamily="34" charset="0"/>
+                <a:ea typeface="Open Sans" panose="020B0606030504020204" pitchFamily="34" charset="0"/>
+                <a:cs typeface="Open Sans" panose="020B0606030504020204" pitchFamily="34" charset="0"/>
+              </a:rPr>
+              <a:t>Récupération des dates au plus tôt des successeurs</a:t>
+            </a:r>
+          </a:p>
+        </p:txBody>
+      </p:sp>
+      <p:sp>
+        <p:nvSpPr>
+          <p:cNvPr id="16" name="Oval 58">
+            <a:extLst>
+              <a:ext uri="{FF2B5EF4-FFF2-40B4-BE49-F238E27FC236}">
+                <a16:creationId xmlns:a16="http://schemas.microsoft.com/office/drawing/2014/main" id="{271E74A4-77E1-4CAC-8A94-2A414A97190A}"/>
+              </a:ext>
+            </a:extLst>
+          </p:cNvPr>
+          <p:cNvSpPr/>
+          <p:nvPr/>
+        </p:nvSpPr>
+        <p:spPr>
+          <a:xfrm>
+            <a:off x="1673229" y="11635815"/>
+            <a:ext cx="1074332" cy="1074611"/>
+          </a:xfrm>
+          <a:prstGeom prst="ellipse">
+            <a:avLst/>
+          </a:prstGeom>
+          <a:noFill/>
+          <a:ln w="28575">
+            <a:solidFill>
+              <a:schemeClr val="tx1"/>
+            </a:solidFill>
+          </a:ln>
+        </p:spPr>
+        <p:style>
+          <a:lnRef idx="2">
+            <a:schemeClr val="accent1">
+              <a:shade val="50000"/>
+            </a:schemeClr>
+          </a:lnRef>
+          <a:fillRef idx="1">
+            <a:schemeClr val="accent1"/>
+          </a:fillRef>
+          <a:effectRef idx="0">
+            <a:schemeClr val="accent1"/>
+          </a:effectRef>
+          <a:fontRef idx="minor">
+            <a:schemeClr val="lt1"/>
+          </a:fontRef>
+        </p:style>
+        <p:txBody>
+          <a:bodyPr rtlCol="0" anchor="ctr"/>
+          <a:lstStyle/>
+          <a:p>
+            <a:pPr algn="ctr"/>
+            <a:endParaRPr lang="en-US" sz="2900" dirty="0">
+              <a:latin typeface="Montserrat Light" charset="0"/>
+              <a:ea typeface="Montserrat Light" charset="0"/>
+              <a:cs typeface="Montserrat Light" charset="0"/>
+            </a:endParaRPr>
+          </a:p>
+        </p:txBody>
+      </p:sp>
+      <p:sp>
+        <p:nvSpPr>
+          <p:cNvPr id="17" name="ZoneTexte 16">
+            <a:extLst>
+              <a:ext uri="{FF2B5EF4-FFF2-40B4-BE49-F238E27FC236}">
+                <a16:creationId xmlns:a16="http://schemas.microsoft.com/office/drawing/2014/main" id="{2FF169FB-C07A-410B-BA71-28CB109C56C4}"/>
+              </a:ext>
+            </a:extLst>
+          </p:cNvPr>
+          <p:cNvSpPr txBox="1"/>
+          <p:nvPr/>
+        </p:nvSpPr>
+        <p:spPr>
+          <a:xfrm>
+            <a:off x="1827648" y="11726845"/>
+            <a:ext cx="765494" cy="892552"/>
+          </a:xfrm>
+          <a:prstGeom prst="rect">
+            <a:avLst/>
+          </a:prstGeom>
+          <a:noFill/>
+        </p:spPr>
+        <p:txBody>
+          <a:bodyPr wrap="square" rtlCol="0">
+            <a:spAutoFit/>
+          </a:bodyPr>
+          <a:lstStyle/>
+          <a:p>
+            <a:pPr algn="ctr"/>
+            <a:r>
+              <a:rPr lang="fr-FR" sz="5200" b="1" dirty="0">
+                <a:latin typeface="Montserrat" panose="00000500000000000000" pitchFamily="2" charset="0"/>
+              </a:rPr>
+              <a:t>5</a:t>
+            </a:r>
+          </a:p>
+        </p:txBody>
+      </p:sp>
+      <p:sp>
+        <p:nvSpPr>
+          <p:cNvPr id="18" name="ZoneTexte 17">
+            <a:extLst>
+              <a:ext uri="{FF2B5EF4-FFF2-40B4-BE49-F238E27FC236}">
+                <a16:creationId xmlns:a16="http://schemas.microsoft.com/office/drawing/2014/main" id="{27200767-4CC3-4485-91A6-6A356E414416}"/>
+              </a:ext>
+            </a:extLst>
+          </p:cNvPr>
+          <p:cNvSpPr txBox="1"/>
+          <p:nvPr/>
+        </p:nvSpPr>
+        <p:spPr>
+          <a:xfrm>
+            <a:off x="3813175" y="11849954"/>
+            <a:ext cx="7456472" cy="646331"/>
+          </a:xfrm>
+          <a:prstGeom prst="rect">
+            <a:avLst/>
+          </a:prstGeom>
+          <a:noFill/>
+        </p:spPr>
+        <p:txBody>
+          <a:bodyPr wrap="square" rtlCol="0">
+            <a:spAutoFit/>
+          </a:bodyPr>
+          <a:lstStyle/>
+          <a:p>
+            <a:r>
+              <a:rPr lang="fr-FR" dirty="0">
+                <a:latin typeface="Open Sans" panose="020B0606030504020204" pitchFamily="34" charset="0"/>
+                <a:ea typeface="Open Sans" panose="020B0606030504020204" pitchFamily="34" charset="0"/>
+                <a:cs typeface="Open Sans" panose="020B0606030504020204" pitchFamily="34" charset="0"/>
+              </a:rPr>
+              <a:t>Calcul de la marge</a:t>
+            </a:r>
+          </a:p>
+        </p:txBody>
+      </p:sp>
+      <p:sp>
+        <p:nvSpPr>
+          <p:cNvPr id="19" name="Accolade ouvrante 18">
+            <a:extLst>
+              <a:ext uri="{FF2B5EF4-FFF2-40B4-BE49-F238E27FC236}">
+                <a16:creationId xmlns:a16="http://schemas.microsoft.com/office/drawing/2014/main" id="{74564613-2193-46DF-97CB-9E77F84DB140}"/>
+              </a:ext>
+            </a:extLst>
+          </p:cNvPr>
+          <p:cNvSpPr/>
+          <p:nvPr/>
+        </p:nvSpPr>
+        <p:spPr>
+          <a:xfrm>
+            <a:off x="10537327" y="3291840"/>
+            <a:ext cx="732320" cy="1481328"/>
+          </a:xfrm>
+          <a:prstGeom prst="leftBrace">
+            <a:avLst/>
+          </a:prstGeom>
+        </p:spPr>
+        <p:style>
+          <a:lnRef idx="1">
+            <a:schemeClr val="accent1"/>
+          </a:lnRef>
+          <a:fillRef idx="0">
+            <a:schemeClr val="accent1"/>
+          </a:fillRef>
+          <a:effectRef idx="0">
+            <a:schemeClr val="accent1"/>
+          </a:effectRef>
+          <a:fontRef idx="minor">
+            <a:schemeClr val="tx1"/>
+          </a:fontRef>
+        </p:style>
+        <p:txBody>
+          <a:bodyPr rtlCol="0" anchor="ctr"/>
+          <a:lstStyle/>
+          <a:p>
+            <a:pPr algn="ctr"/>
+            <a:endParaRPr lang="fr-FR"/>
+          </a:p>
+        </p:txBody>
+      </p:sp>
+      <p:sp>
+        <p:nvSpPr>
+          <p:cNvPr id="20" name="Accolade ouvrante 19">
+            <a:extLst>
+              <a:ext uri="{FF2B5EF4-FFF2-40B4-BE49-F238E27FC236}">
+                <a16:creationId xmlns:a16="http://schemas.microsoft.com/office/drawing/2014/main" id="{DD787B06-C461-4507-800C-0A23DF217215}"/>
+              </a:ext>
+            </a:extLst>
+          </p:cNvPr>
+          <p:cNvSpPr/>
+          <p:nvPr/>
+        </p:nvSpPr>
+        <p:spPr>
+          <a:xfrm>
+            <a:off x="10517821" y="4847538"/>
+            <a:ext cx="732320" cy="2010461"/>
+          </a:xfrm>
+          <a:prstGeom prst="leftBrace">
+            <a:avLst/>
+          </a:prstGeom>
+        </p:spPr>
+        <p:style>
+          <a:lnRef idx="1">
+            <a:schemeClr val="accent1"/>
+          </a:lnRef>
+          <a:fillRef idx="0">
+            <a:schemeClr val="accent1"/>
+          </a:fillRef>
+          <a:effectRef idx="0">
+            <a:schemeClr val="accent1"/>
+          </a:effectRef>
+          <a:fontRef idx="minor">
+            <a:schemeClr val="tx1"/>
+          </a:fontRef>
+        </p:style>
+        <p:txBody>
+          <a:bodyPr rtlCol="0" anchor="ctr"/>
+          <a:lstStyle/>
+          <a:p>
+            <a:pPr algn="ctr"/>
+            <a:endParaRPr lang="fr-FR"/>
+          </a:p>
+        </p:txBody>
+      </p:sp>
+      <p:sp>
+        <p:nvSpPr>
+          <p:cNvPr id="21" name="Accolade ouvrante 20">
+            <a:extLst>
+              <a:ext uri="{FF2B5EF4-FFF2-40B4-BE49-F238E27FC236}">
+                <a16:creationId xmlns:a16="http://schemas.microsoft.com/office/drawing/2014/main" id="{DA1FD295-E280-4085-BC6F-A6B8A6EACE84}"/>
+              </a:ext>
+            </a:extLst>
+          </p:cNvPr>
+          <p:cNvSpPr/>
+          <p:nvPr/>
+        </p:nvSpPr>
+        <p:spPr>
+          <a:xfrm>
+            <a:off x="10517821" y="6919104"/>
+            <a:ext cx="732320" cy="3126363"/>
+          </a:xfrm>
+          <a:prstGeom prst="leftBrace">
+            <a:avLst/>
+          </a:prstGeom>
+        </p:spPr>
+        <p:style>
+          <a:lnRef idx="1">
+            <a:schemeClr val="accent1"/>
+          </a:lnRef>
+          <a:fillRef idx="0">
+            <a:schemeClr val="accent1"/>
+          </a:fillRef>
+          <a:effectRef idx="0">
+            <a:schemeClr val="accent1"/>
+          </a:effectRef>
+          <a:fontRef idx="minor">
+            <a:schemeClr val="tx1"/>
+          </a:fontRef>
+        </p:style>
+        <p:txBody>
+          <a:bodyPr rtlCol="0" anchor="ctr"/>
+          <a:lstStyle/>
+          <a:p>
+            <a:pPr algn="ctr"/>
+            <a:endParaRPr lang="fr-FR"/>
+          </a:p>
+        </p:txBody>
+      </p:sp>
+      <p:sp>
+        <p:nvSpPr>
+          <p:cNvPr id="22" name="Accolade ouvrante 21">
+            <a:extLst>
+              <a:ext uri="{FF2B5EF4-FFF2-40B4-BE49-F238E27FC236}">
+                <a16:creationId xmlns:a16="http://schemas.microsoft.com/office/drawing/2014/main" id="{190E8D7D-05EF-4F6E-B768-DCFA679D2761}"/>
+              </a:ext>
+            </a:extLst>
+          </p:cNvPr>
+          <p:cNvSpPr/>
+          <p:nvPr/>
+        </p:nvSpPr>
+        <p:spPr>
+          <a:xfrm>
+            <a:off x="10491610" y="10117924"/>
+            <a:ext cx="732320" cy="1351718"/>
+          </a:xfrm>
+          <a:prstGeom prst="leftBrace">
+            <a:avLst/>
+          </a:prstGeom>
+        </p:spPr>
+        <p:style>
+          <a:lnRef idx="1">
+            <a:schemeClr val="accent1"/>
+          </a:lnRef>
+          <a:fillRef idx="0">
+            <a:schemeClr val="accent1"/>
+          </a:fillRef>
+          <a:effectRef idx="0">
+            <a:schemeClr val="accent1"/>
+          </a:effectRef>
+          <a:fontRef idx="minor">
+            <a:schemeClr val="tx1"/>
+          </a:fontRef>
+        </p:style>
+        <p:txBody>
+          <a:bodyPr rtlCol="0" anchor="ctr"/>
+          <a:lstStyle/>
+          <a:p>
+            <a:pPr algn="ctr"/>
+            <a:endParaRPr lang="fr-FR"/>
+          </a:p>
+        </p:txBody>
+      </p:sp>
+      <p:cxnSp>
+        <p:nvCxnSpPr>
+          <p:cNvPr id="26" name="Connecteur droit avec flèche 25">
+            <a:extLst>
+              <a:ext uri="{FF2B5EF4-FFF2-40B4-BE49-F238E27FC236}">
+                <a16:creationId xmlns:a16="http://schemas.microsoft.com/office/drawing/2014/main" id="{D1A3E015-686C-4A28-9820-4BC797CE1BCB}"/>
+              </a:ext>
+            </a:extLst>
+          </p:cNvPr>
+          <p:cNvCxnSpPr>
+            <a:cxnSpLocks/>
+          </p:cNvCxnSpPr>
+          <p:nvPr/>
+        </p:nvCxnSpPr>
+        <p:spPr>
+          <a:xfrm flipV="1">
+            <a:off x="8128000" y="11849955"/>
+            <a:ext cx="3448304" cy="323165"/>
+          </a:xfrm>
+          <a:prstGeom prst="straightConnector1">
+            <a:avLst/>
+          </a:prstGeom>
+          <a:ln w="76200">
+            <a:tailEnd type="triangle"/>
+          </a:ln>
+        </p:spPr>
+        <p:style>
+          <a:lnRef idx="1">
+            <a:schemeClr val="accent1"/>
+          </a:lnRef>
+          <a:fillRef idx="0">
+            <a:schemeClr val="accent1"/>
+          </a:fillRef>
+          <a:effectRef idx="0">
+            <a:schemeClr val="accent1"/>
+          </a:effectRef>
+          <a:fontRef idx="minor">
+            <a:schemeClr val="tx1"/>
+          </a:fontRef>
+        </p:style>
+      </p:cxnSp>
+    </p:spTree>
+    <p:extLst>
+      <p:ext uri="{BB962C8B-B14F-4D97-AF65-F5344CB8AC3E}">
+        <p14:creationId xmlns:p14="http://schemas.microsoft.com/office/powerpoint/2010/main" val="3240048190"/>
+      </p:ext>
+    </p:extLst>
+  </p:cSld>
+  <p:clrMapOvr>
+    <a:masterClrMapping/>
+  </p:clrMapOvr>
+</p:sld>
+</file>
+
+<file path=ppt/slides/slide19.xml><?xml version="1.0" encoding="utf-8"?>
 <p:sld xmlns:a="http://schemas.openxmlformats.org/drawingml/2006/main" xmlns:r="http://schemas.openxmlformats.org/officeDocument/2006/relationships" xmlns:p="http://schemas.openxmlformats.org/presentationml/2006/main">
   <p:cSld>
     <p:spTree>
@@ -8979,6 +8235,279 @@
     <p:extLst>
       <p:ext uri="{BB962C8B-B14F-4D97-AF65-F5344CB8AC3E}">
         <p14:creationId xmlns:p14="http://schemas.microsoft.com/office/powerpoint/2010/main" val="1479981017"/>
+      </p:ext>
+    </p:extLst>
+  </p:cSld>
+  <p:clrMapOvr>
+    <a:masterClrMapping/>
+  </p:clrMapOvr>
+</p:sld>
+</file>
+
+<file path=ppt/slides/slide2.xml><?xml version="1.0" encoding="utf-8"?>
+<p:sld xmlns:a="http://schemas.openxmlformats.org/drawingml/2006/main" xmlns:r="http://schemas.openxmlformats.org/officeDocument/2006/relationships" xmlns:p="http://schemas.openxmlformats.org/presentationml/2006/main">
+  <p:cSld>
+    <p:spTree>
+      <p:nvGrpSpPr>
+        <p:cNvPr id="1" name=""/>
+        <p:cNvGrpSpPr/>
+        <p:nvPr/>
+      </p:nvGrpSpPr>
+      <p:grpSpPr>
+        <a:xfrm>
+          <a:off x="0" y="0"/>
+          <a:ext cx="0" cy="0"/>
+          <a:chOff x="0" y="0"/>
+          <a:chExt cx="0" cy="0"/>
+        </a:xfrm>
+      </p:grpSpPr>
+      <p:sp>
+        <p:nvSpPr>
+          <p:cNvPr id="2" name="ZoneTexte 1">
+            <a:extLst>
+              <a:ext uri="{FF2B5EF4-FFF2-40B4-BE49-F238E27FC236}">
+                <a16:creationId xmlns:a16="http://schemas.microsoft.com/office/drawing/2014/main" id="{E186978E-3956-43E0-94F7-E1A00211F814}"/>
+              </a:ext>
+            </a:extLst>
+          </p:cNvPr>
+          <p:cNvSpPr txBox="1"/>
+          <p:nvPr/>
+        </p:nvSpPr>
+        <p:spPr>
+          <a:xfrm>
+            <a:off x="2375271" y="1113184"/>
+            <a:ext cx="16936278" cy="1046440"/>
+          </a:xfrm>
+          <a:prstGeom prst="rect">
+            <a:avLst/>
+          </a:prstGeom>
+          <a:noFill/>
+        </p:spPr>
+        <p:txBody>
+          <a:bodyPr wrap="square" rtlCol="0">
+            <a:spAutoFit/>
+          </a:bodyPr>
+          <a:lstStyle/>
+          <a:p>
+            <a:r>
+              <a:rPr lang="fr-FR" sz="6200" b="1" dirty="0">
+                <a:latin typeface="Montserrat" panose="00000500000000000000" pitchFamily="2" charset="0"/>
+              </a:rPr>
+              <a:t>I : Classes/Structure des données</a:t>
+            </a:r>
+          </a:p>
+        </p:txBody>
+      </p:sp>
+      <p:sp>
+        <p:nvSpPr>
+          <p:cNvPr id="3" name="ZoneTexte 2">
+            <a:extLst>
+              <a:ext uri="{FF2B5EF4-FFF2-40B4-BE49-F238E27FC236}">
+                <a16:creationId xmlns:a16="http://schemas.microsoft.com/office/drawing/2014/main" id="{8C24534F-EF27-4014-A9E2-7BF27A850473}"/>
+              </a:ext>
+            </a:extLst>
+          </p:cNvPr>
+          <p:cNvSpPr txBox="1"/>
+          <p:nvPr/>
+        </p:nvSpPr>
+        <p:spPr>
+          <a:xfrm>
+            <a:off x="526591" y="4681728"/>
+            <a:ext cx="13209287" cy="6186309"/>
+          </a:xfrm>
+          <a:prstGeom prst="rect">
+            <a:avLst/>
+          </a:prstGeom>
+          <a:noFill/>
+        </p:spPr>
+        <p:txBody>
+          <a:bodyPr wrap="square" rtlCol="0">
+            <a:spAutoFit/>
+          </a:bodyPr>
+          <a:lstStyle/>
+          <a:p>
+            <a:r>
+              <a:rPr lang="fr-FR" dirty="0">
+                <a:latin typeface="Open Sans" panose="020B0606030504020204" pitchFamily="34" charset="0"/>
+                <a:ea typeface="Open Sans" panose="020B0606030504020204" pitchFamily="34" charset="0"/>
+                <a:cs typeface="Open Sans" panose="020B0606030504020204" pitchFamily="34" charset="0"/>
+              </a:rPr>
+              <a:t>JAVA =&gt; Programmation orientée objet</a:t>
+            </a:r>
+          </a:p>
+          <a:p>
+            <a:endParaRPr lang="fr-FR" dirty="0">
+              <a:latin typeface="Open Sans" panose="020B0606030504020204" pitchFamily="34" charset="0"/>
+              <a:ea typeface="Open Sans" panose="020B0606030504020204" pitchFamily="34" charset="0"/>
+              <a:cs typeface="Open Sans" panose="020B0606030504020204" pitchFamily="34" charset="0"/>
+            </a:endParaRPr>
+          </a:p>
+          <a:p>
+            <a:r>
+              <a:rPr lang="fr-FR" dirty="0">
+                <a:latin typeface="Open Sans" panose="020B0606030504020204" pitchFamily="34" charset="0"/>
+                <a:ea typeface="Open Sans" panose="020B0606030504020204" pitchFamily="34" charset="0"/>
+                <a:cs typeface="Open Sans" panose="020B0606030504020204" pitchFamily="34" charset="0"/>
+              </a:rPr>
+              <a:t>3 objets distincts :</a:t>
+            </a:r>
+          </a:p>
+          <a:p>
+            <a:r>
+              <a:rPr lang="fr-FR" dirty="0">
+                <a:latin typeface="Open Sans" panose="020B0606030504020204" pitchFamily="34" charset="0"/>
+                <a:ea typeface="Open Sans" panose="020B0606030504020204" pitchFamily="34" charset="0"/>
+                <a:cs typeface="Open Sans" panose="020B0606030504020204" pitchFamily="34" charset="0"/>
+              </a:rPr>
+              <a:t>	- Graphe  = représentation d’un graphe en mémoire</a:t>
+            </a:r>
+          </a:p>
+          <a:p>
+            <a:r>
+              <a:rPr lang="fr-FR" dirty="0">
+                <a:latin typeface="Open Sans" panose="020B0606030504020204" pitchFamily="34" charset="0"/>
+                <a:ea typeface="Open Sans" panose="020B0606030504020204" pitchFamily="34" charset="0"/>
+                <a:cs typeface="Open Sans" panose="020B0606030504020204" pitchFamily="34" charset="0"/>
+              </a:rPr>
+              <a:t>	- Arc = représentation d’un arc</a:t>
+            </a:r>
+          </a:p>
+          <a:p>
+            <a:r>
+              <a:rPr lang="fr-FR" dirty="0">
+                <a:latin typeface="Open Sans" panose="020B0606030504020204" pitchFamily="34" charset="0"/>
+                <a:ea typeface="Open Sans" panose="020B0606030504020204" pitchFamily="34" charset="0"/>
+                <a:cs typeface="Open Sans" panose="020B0606030504020204" pitchFamily="34" charset="0"/>
+              </a:rPr>
+              <a:t>		- Source</a:t>
+            </a:r>
+          </a:p>
+          <a:p>
+            <a:r>
+              <a:rPr lang="fr-FR" dirty="0">
+                <a:latin typeface="Open Sans" panose="020B0606030504020204" pitchFamily="34" charset="0"/>
+                <a:ea typeface="Open Sans" panose="020B0606030504020204" pitchFamily="34" charset="0"/>
+                <a:cs typeface="Open Sans" panose="020B0606030504020204" pitchFamily="34" charset="0"/>
+              </a:rPr>
+              <a:t>		- Cible</a:t>
+            </a:r>
+          </a:p>
+          <a:p>
+            <a:r>
+              <a:rPr lang="fr-FR" dirty="0">
+                <a:latin typeface="Open Sans" panose="020B0606030504020204" pitchFamily="34" charset="0"/>
+                <a:ea typeface="Open Sans" panose="020B0606030504020204" pitchFamily="34" charset="0"/>
+                <a:cs typeface="Open Sans" panose="020B0606030504020204" pitchFamily="34" charset="0"/>
+              </a:rPr>
+              <a:t>		- Valeur </a:t>
+            </a:r>
+          </a:p>
+          <a:p>
+            <a:r>
+              <a:rPr lang="fr-FR" dirty="0">
+                <a:latin typeface="Open Sans" panose="020B0606030504020204" pitchFamily="34" charset="0"/>
+                <a:ea typeface="Open Sans" panose="020B0606030504020204" pitchFamily="34" charset="0"/>
+                <a:cs typeface="Open Sans" panose="020B0606030504020204" pitchFamily="34" charset="0"/>
+              </a:rPr>
+              <a:t>	- Trace = Ecriture dans </a:t>
+            </a:r>
+          </a:p>
+          <a:p>
+            <a:r>
+              <a:rPr lang="fr-FR" dirty="0">
+                <a:latin typeface="Open Sans" panose="020B0606030504020204" pitchFamily="34" charset="0"/>
+                <a:ea typeface="Open Sans" panose="020B0606030504020204" pitchFamily="34" charset="0"/>
+                <a:cs typeface="Open Sans" panose="020B0606030504020204" pitchFamily="34" charset="0"/>
+              </a:rPr>
+              <a:t>			- le fichier de trace du graphe testé</a:t>
+            </a:r>
+          </a:p>
+          <a:p>
+            <a:r>
+              <a:rPr lang="fr-FR" dirty="0">
+                <a:latin typeface="Open Sans" panose="020B0606030504020204" pitchFamily="34" charset="0"/>
+                <a:ea typeface="Open Sans" panose="020B0606030504020204" pitchFamily="34" charset="0"/>
+                <a:cs typeface="Open Sans" panose="020B0606030504020204" pitchFamily="34" charset="0"/>
+              </a:rPr>
+              <a:t>			- la console</a:t>
+            </a:r>
+          </a:p>
+        </p:txBody>
+      </p:sp>
+      <p:pic>
+        <p:nvPicPr>
+          <p:cNvPr id="4" name="Image 3">
+            <a:extLst>
+              <a:ext uri="{FF2B5EF4-FFF2-40B4-BE49-F238E27FC236}">
+                <a16:creationId xmlns:a16="http://schemas.microsoft.com/office/drawing/2014/main" id="{4EB9858A-D6CC-4615-B1AF-23F3758B3102}"/>
+              </a:ext>
+            </a:extLst>
+          </p:cNvPr>
+          <p:cNvPicPr>
+            <a:picLocks noChangeAspect="1"/>
+          </p:cNvPicPr>
+          <p:nvPr/>
+        </p:nvPicPr>
+        <p:blipFill>
+          <a:blip r:embed="rId2"/>
+          <a:stretch>
+            <a:fillRect/>
+          </a:stretch>
+        </p:blipFill>
+        <p:spPr>
+          <a:xfrm>
+            <a:off x="14736465" y="4681728"/>
+            <a:ext cx="9150168" cy="4777920"/>
+          </a:xfrm>
+          <a:prstGeom prst="rect">
+            <a:avLst/>
+          </a:prstGeom>
+        </p:spPr>
+      </p:pic>
+      <p:sp>
+        <p:nvSpPr>
+          <p:cNvPr id="5" name="ZoneTexte 4">
+            <a:extLst>
+              <a:ext uri="{FF2B5EF4-FFF2-40B4-BE49-F238E27FC236}">
+                <a16:creationId xmlns:a16="http://schemas.microsoft.com/office/drawing/2014/main" id="{CCF5A944-3953-4C70-A77E-8756FE34B6E1}"/>
+              </a:ext>
+            </a:extLst>
+          </p:cNvPr>
+          <p:cNvSpPr txBox="1"/>
+          <p:nvPr/>
+        </p:nvSpPr>
+        <p:spPr>
+          <a:xfrm>
+            <a:off x="16087073" y="9488320"/>
+            <a:ext cx="6448952" cy="523220"/>
+          </a:xfrm>
+          <a:prstGeom prst="rect">
+            <a:avLst/>
+          </a:prstGeom>
+          <a:noFill/>
+        </p:spPr>
+        <p:txBody>
+          <a:bodyPr wrap="square" rtlCol="0">
+            <a:spAutoFit/>
+          </a:bodyPr>
+          <a:lstStyle/>
+          <a:p>
+            <a:pPr algn="ctr"/>
+            <a:r>
+              <a:rPr lang="fr-FR" sz="2800" i="1" dirty="0">
+                <a:latin typeface="Open Sans" panose="020B0606030504020204" pitchFamily="34" charset="0"/>
+                <a:ea typeface="Open Sans" panose="020B0606030504020204" pitchFamily="34" charset="0"/>
+                <a:cs typeface="Open Sans" panose="020B0606030504020204" pitchFamily="34" charset="0"/>
+              </a:rPr>
+              <a:t>Figure 1 : Attribut de la classe Graphe</a:t>
+            </a:r>
+          </a:p>
+        </p:txBody>
+      </p:sp>
+    </p:spTree>
+    <p:extLst>
+      <p:ext uri="{BB962C8B-B14F-4D97-AF65-F5344CB8AC3E}">
+        <p14:creationId xmlns:p14="http://schemas.microsoft.com/office/powerpoint/2010/main" val="3219929643"/>
       </p:ext>
     </p:extLst>
   </p:cSld>
@@ -9199,8 +8728,8 @@
         </p:blipFill>
         <p:spPr>
           <a:xfrm>
-            <a:off x="1467294" y="10265812"/>
-            <a:ext cx="9864450" cy="1109324"/>
+            <a:off x="1046669" y="9819244"/>
+            <a:ext cx="11978543" cy="1347068"/>
           </a:xfrm>
           <a:prstGeom prst="rect">
             <a:avLst/>
@@ -9658,590 +9187,6 @@
 <file path=ppt/slides/slide5.xml><?xml version="1.0" encoding="utf-8"?>
 <p:sld xmlns:a="http://schemas.openxmlformats.org/drawingml/2006/main" xmlns:r="http://schemas.openxmlformats.org/officeDocument/2006/relationships" xmlns:p="http://schemas.openxmlformats.org/presentationml/2006/main">
   <p:cSld>
-    <p:bg>
-      <p:bgPr>
-        <a:solidFill>
-          <a:srgbClr val="0070C0"/>
-        </a:solidFill>
-        <a:effectLst/>
-      </p:bgPr>
-    </p:bg>
-    <p:spTree>
-      <p:nvGrpSpPr>
-        <p:cNvPr id="1" name=""/>
-        <p:cNvGrpSpPr/>
-        <p:nvPr/>
-      </p:nvGrpSpPr>
-      <p:grpSpPr>
-        <a:xfrm>
-          <a:off x="0" y="0"/>
-          <a:ext cx="0" cy="0"/>
-          <a:chOff x="0" y="0"/>
-          <a:chExt cx="0" cy="0"/>
-        </a:xfrm>
-      </p:grpSpPr>
-      <p:pic>
-        <p:nvPicPr>
-          <p:cNvPr id="3" name="Image 2">
-            <a:extLst>
-              <a:ext uri="{FF2B5EF4-FFF2-40B4-BE49-F238E27FC236}">
-                <a16:creationId xmlns:a16="http://schemas.microsoft.com/office/drawing/2014/main" id="{214D4AC3-B596-4BBC-90EC-252E07BE7DE4}"/>
-              </a:ext>
-            </a:extLst>
-          </p:cNvPr>
-          <p:cNvPicPr>
-            <a:picLocks noChangeAspect="1"/>
-          </p:cNvPicPr>
-          <p:nvPr/>
-        </p:nvPicPr>
-        <p:blipFill>
-          <a:blip r:embed="rId2"/>
-          <a:stretch>
-            <a:fillRect/>
-          </a:stretch>
-        </p:blipFill>
-        <p:spPr>
-          <a:xfrm>
-            <a:off x="14980848" y="2675012"/>
-            <a:ext cx="5593152" cy="3387088"/>
-          </a:xfrm>
-          <a:prstGeom prst="rect">
-            <a:avLst/>
-          </a:prstGeom>
-        </p:spPr>
-      </p:pic>
-      <p:sp>
-        <p:nvSpPr>
-          <p:cNvPr id="4" name="ZoneTexte 3">
-            <a:extLst>
-              <a:ext uri="{FF2B5EF4-FFF2-40B4-BE49-F238E27FC236}">
-                <a16:creationId xmlns:a16="http://schemas.microsoft.com/office/drawing/2014/main" id="{EA0FE7AC-BB07-4DEC-9ADD-4F60B9B7B0FF}"/>
-              </a:ext>
-            </a:extLst>
-          </p:cNvPr>
-          <p:cNvSpPr txBox="1"/>
-          <p:nvPr/>
-        </p:nvSpPr>
-        <p:spPr>
-          <a:xfrm>
-            <a:off x="3813175" y="3425746"/>
-            <a:ext cx="7456472" cy="1754326"/>
-          </a:xfrm>
-          <a:prstGeom prst="rect">
-            <a:avLst/>
-          </a:prstGeom>
-          <a:noFill/>
-        </p:spPr>
-        <p:txBody>
-          <a:bodyPr wrap="square" rtlCol="0">
-            <a:spAutoFit/>
-          </a:bodyPr>
-          <a:lstStyle/>
-          <a:p>
-            <a:r>
-              <a:rPr lang="fr-FR" dirty="0">
-                <a:latin typeface="Open Sans" panose="020B0606030504020204" pitchFamily="34" charset="0"/>
-                <a:ea typeface="Open Sans" panose="020B0606030504020204" pitchFamily="34" charset="0"/>
-                <a:cs typeface="Open Sans" panose="020B0606030504020204" pitchFamily="34" charset="0"/>
-              </a:rPr>
-              <a:t>Lecture du fichier</a:t>
-            </a:r>
-          </a:p>
-          <a:p>
-            <a:r>
-              <a:rPr lang="fr-FR" dirty="0">
-                <a:latin typeface="Open Sans" panose="020B0606030504020204" pitchFamily="34" charset="0"/>
-                <a:ea typeface="Open Sans" panose="020B0606030504020204" pitchFamily="34" charset="0"/>
-                <a:cs typeface="Open Sans" panose="020B0606030504020204" pitchFamily="34" charset="0"/>
-              </a:rPr>
-              <a:t>+ gestion des erreurs du fichier</a:t>
-            </a:r>
-          </a:p>
-          <a:p>
-            <a:r>
-              <a:rPr lang="fr-FR" dirty="0">
-                <a:latin typeface="Open Sans" panose="020B0606030504020204" pitchFamily="34" charset="0"/>
-                <a:ea typeface="Open Sans" panose="020B0606030504020204" pitchFamily="34" charset="0"/>
-                <a:cs typeface="Open Sans" panose="020B0606030504020204" pitchFamily="34" charset="0"/>
-              </a:rPr>
-              <a:t>+ construction de la liste des arcs </a:t>
-            </a:r>
-          </a:p>
-        </p:txBody>
-      </p:sp>
-      <p:sp>
-        <p:nvSpPr>
-          <p:cNvPr id="5" name="ZoneTexte 4">
-            <a:extLst>
-              <a:ext uri="{FF2B5EF4-FFF2-40B4-BE49-F238E27FC236}">
-                <a16:creationId xmlns:a16="http://schemas.microsoft.com/office/drawing/2014/main" id="{3B50A57D-B928-4625-AF7E-5D78DD675CB3}"/>
-              </a:ext>
-            </a:extLst>
-          </p:cNvPr>
-          <p:cNvSpPr txBox="1"/>
-          <p:nvPr/>
-        </p:nvSpPr>
-        <p:spPr>
-          <a:xfrm>
-            <a:off x="2375271" y="1113184"/>
-            <a:ext cx="16936278" cy="1046440"/>
-          </a:xfrm>
-          <a:prstGeom prst="rect">
-            <a:avLst/>
-          </a:prstGeom>
-          <a:noFill/>
-        </p:spPr>
-        <p:txBody>
-          <a:bodyPr wrap="square" rtlCol="0">
-            <a:spAutoFit/>
-          </a:bodyPr>
-          <a:lstStyle/>
-          <a:p>
-            <a:r>
-              <a:rPr lang="fr-FR" sz="6200" b="1" dirty="0">
-                <a:latin typeface="Montserrat" panose="00000500000000000000" pitchFamily="2" charset="0"/>
-              </a:rPr>
-              <a:t>III : Travail sur le graphe</a:t>
-            </a:r>
-          </a:p>
-        </p:txBody>
-      </p:sp>
-      <p:sp>
-        <p:nvSpPr>
-          <p:cNvPr id="6" name="Oval 58">
-            <a:extLst>
-              <a:ext uri="{FF2B5EF4-FFF2-40B4-BE49-F238E27FC236}">
-                <a16:creationId xmlns:a16="http://schemas.microsoft.com/office/drawing/2014/main" id="{4DDE5A9A-995F-4F65-B36C-24B23FE81FA6}"/>
-              </a:ext>
-            </a:extLst>
-          </p:cNvPr>
-          <p:cNvSpPr/>
-          <p:nvPr/>
-        </p:nvSpPr>
-        <p:spPr>
-          <a:xfrm>
-            <a:off x="1673229" y="3765604"/>
-            <a:ext cx="1074332" cy="1074611"/>
-          </a:xfrm>
-          <a:prstGeom prst="ellipse">
-            <a:avLst/>
-          </a:prstGeom>
-          <a:noFill/>
-          <a:ln w="28575">
-            <a:solidFill>
-              <a:schemeClr val="tx1"/>
-            </a:solidFill>
-          </a:ln>
-        </p:spPr>
-        <p:style>
-          <a:lnRef idx="2">
-            <a:schemeClr val="accent1">
-              <a:shade val="50000"/>
-            </a:schemeClr>
-          </a:lnRef>
-          <a:fillRef idx="1">
-            <a:schemeClr val="accent1"/>
-          </a:fillRef>
-          <a:effectRef idx="0">
-            <a:schemeClr val="accent1"/>
-          </a:effectRef>
-          <a:fontRef idx="minor">
-            <a:schemeClr val="lt1"/>
-          </a:fontRef>
-        </p:style>
-        <p:txBody>
-          <a:bodyPr rtlCol="0" anchor="ctr"/>
-          <a:lstStyle/>
-          <a:p>
-            <a:pPr algn="ctr"/>
-            <a:endParaRPr lang="en-US" sz="2900" dirty="0">
-              <a:latin typeface="Montserrat Light" charset="0"/>
-              <a:ea typeface="Montserrat Light" charset="0"/>
-              <a:cs typeface="Montserrat Light" charset="0"/>
-            </a:endParaRPr>
-          </a:p>
-        </p:txBody>
-      </p:sp>
-      <p:sp>
-        <p:nvSpPr>
-          <p:cNvPr id="7" name="ZoneTexte 6">
-            <a:extLst>
-              <a:ext uri="{FF2B5EF4-FFF2-40B4-BE49-F238E27FC236}">
-                <a16:creationId xmlns:a16="http://schemas.microsoft.com/office/drawing/2014/main" id="{827714E3-FA22-434B-A4E3-039D72D5E060}"/>
-              </a:ext>
-            </a:extLst>
-          </p:cNvPr>
-          <p:cNvSpPr txBox="1"/>
-          <p:nvPr/>
-        </p:nvSpPr>
-        <p:spPr>
-          <a:xfrm>
-            <a:off x="1827648" y="3856634"/>
-            <a:ext cx="765494" cy="892552"/>
-          </a:xfrm>
-          <a:prstGeom prst="rect">
-            <a:avLst/>
-          </a:prstGeom>
-          <a:noFill/>
-        </p:spPr>
-        <p:txBody>
-          <a:bodyPr wrap="square" rtlCol="0">
-            <a:spAutoFit/>
-          </a:bodyPr>
-          <a:lstStyle/>
-          <a:p>
-            <a:pPr algn="ctr"/>
-            <a:r>
-              <a:rPr lang="fr-FR" sz="5200" b="1" dirty="0">
-                <a:latin typeface="Montserrat" panose="00000500000000000000" pitchFamily="2" charset="0"/>
-              </a:rPr>
-              <a:t>1</a:t>
-            </a:r>
-          </a:p>
-        </p:txBody>
-      </p:sp>
-      <p:sp>
-        <p:nvSpPr>
-          <p:cNvPr id="8" name="Oval 58">
-            <a:extLst>
-              <a:ext uri="{FF2B5EF4-FFF2-40B4-BE49-F238E27FC236}">
-                <a16:creationId xmlns:a16="http://schemas.microsoft.com/office/drawing/2014/main" id="{D4B047C2-0925-4AC7-987B-7DB95EEFBCFD}"/>
-              </a:ext>
-            </a:extLst>
-          </p:cNvPr>
-          <p:cNvSpPr/>
-          <p:nvPr/>
-        </p:nvSpPr>
-        <p:spPr>
-          <a:xfrm>
-            <a:off x="1671210" y="6937960"/>
-            <a:ext cx="1074332" cy="1074611"/>
-          </a:xfrm>
-          <a:prstGeom prst="ellipse">
-            <a:avLst/>
-          </a:prstGeom>
-          <a:noFill/>
-          <a:ln w="28575">
-            <a:solidFill>
-              <a:schemeClr val="tx1"/>
-            </a:solidFill>
-          </a:ln>
-        </p:spPr>
-        <p:style>
-          <a:lnRef idx="2">
-            <a:schemeClr val="accent1">
-              <a:shade val="50000"/>
-            </a:schemeClr>
-          </a:lnRef>
-          <a:fillRef idx="1">
-            <a:schemeClr val="accent1"/>
-          </a:fillRef>
-          <a:effectRef idx="0">
-            <a:schemeClr val="accent1"/>
-          </a:effectRef>
-          <a:fontRef idx="minor">
-            <a:schemeClr val="lt1"/>
-          </a:fontRef>
-        </p:style>
-        <p:txBody>
-          <a:bodyPr rtlCol="0" anchor="ctr"/>
-          <a:lstStyle/>
-          <a:p>
-            <a:pPr algn="ctr"/>
-            <a:endParaRPr lang="en-US" sz="2900" dirty="0">
-              <a:latin typeface="Montserrat Light" charset="0"/>
-              <a:ea typeface="Montserrat Light" charset="0"/>
-              <a:cs typeface="Montserrat Light" charset="0"/>
-            </a:endParaRPr>
-          </a:p>
-        </p:txBody>
-      </p:sp>
-      <p:sp>
-        <p:nvSpPr>
-          <p:cNvPr id="9" name="ZoneTexte 8">
-            <a:extLst>
-              <a:ext uri="{FF2B5EF4-FFF2-40B4-BE49-F238E27FC236}">
-                <a16:creationId xmlns:a16="http://schemas.microsoft.com/office/drawing/2014/main" id="{92E06871-EB20-4B6F-9D2F-4255CE8C8488}"/>
-              </a:ext>
-            </a:extLst>
-          </p:cNvPr>
-          <p:cNvSpPr txBox="1"/>
-          <p:nvPr/>
-        </p:nvSpPr>
-        <p:spPr>
-          <a:xfrm>
-            <a:off x="1825629" y="7028990"/>
-            <a:ext cx="765494" cy="892552"/>
-          </a:xfrm>
-          <a:prstGeom prst="rect">
-            <a:avLst/>
-          </a:prstGeom>
-          <a:noFill/>
-        </p:spPr>
-        <p:txBody>
-          <a:bodyPr wrap="square" rtlCol="0">
-            <a:spAutoFit/>
-          </a:bodyPr>
-          <a:lstStyle/>
-          <a:p>
-            <a:pPr algn="ctr"/>
-            <a:r>
-              <a:rPr lang="fr-FR" sz="5200" b="1" dirty="0">
-                <a:latin typeface="Montserrat" panose="00000500000000000000" pitchFamily="2" charset="0"/>
-              </a:rPr>
-              <a:t>2</a:t>
-            </a:r>
-          </a:p>
-        </p:txBody>
-      </p:sp>
-      <p:sp>
-        <p:nvSpPr>
-          <p:cNvPr id="10" name="ZoneTexte 9">
-            <a:extLst>
-              <a:ext uri="{FF2B5EF4-FFF2-40B4-BE49-F238E27FC236}">
-                <a16:creationId xmlns:a16="http://schemas.microsoft.com/office/drawing/2014/main" id="{48CF25AB-A965-420B-B5A8-C5E2588225B7}"/>
-              </a:ext>
-            </a:extLst>
-          </p:cNvPr>
-          <p:cNvSpPr txBox="1"/>
-          <p:nvPr/>
-        </p:nvSpPr>
-        <p:spPr>
-          <a:xfrm>
-            <a:off x="3813175" y="7152099"/>
-            <a:ext cx="7195931" cy="646331"/>
-          </a:xfrm>
-          <a:prstGeom prst="rect">
-            <a:avLst/>
-          </a:prstGeom>
-          <a:noFill/>
-        </p:spPr>
-        <p:txBody>
-          <a:bodyPr wrap="square" rtlCol="0">
-            <a:spAutoFit/>
-          </a:bodyPr>
-          <a:lstStyle/>
-          <a:p>
-            <a:r>
-              <a:rPr lang="fr-FR" dirty="0">
-                <a:latin typeface="Open Sans" panose="020B0606030504020204" pitchFamily="34" charset="0"/>
-                <a:ea typeface="Open Sans" panose="020B0606030504020204" pitchFamily="34" charset="0"/>
-                <a:cs typeface="Open Sans" panose="020B0606030504020204" pitchFamily="34" charset="0"/>
-              </a:rPr>
-              <a:t>Remplissage des matrices</a:t>
-            </a:r>
-          </a:p>
-        </p:txBody>
-      </p:sp>
-      <p:pic>
-        <p:nvPicPr>
-          <p:cNvPr id="11" name="Image 10">
-            <a:extLst>
-              <a:ext uri="{FF2B5EF4-FFF2-40B4-BE49-F238E27FC236}">
-                <a16:creationId xmlns:a16="http://schemas.microsoft.com/office/drawing/2014/main" id="{C8A2B6EC-1C85-4312-8F74-59A23A8551A5}"/>
-              </a:ext>
-            </a:extLst>
-          </p:cNvPr>
-          <p:cNvPicPr>
-            <a:picLocks noChangeAspect="1"/>
-          </p:cNvPicPr>
-          <p:nvPr/>
-        </p:nvPicPr>
-        <p:blipFill>
-          <a:blip r:embed="rId3"/>
-          <a:stretch>
-            <a:fillRect/>
-          </a:stretch>
-        </p:blipFill>
-        <p:spPr>
-          <a:xfrm>
-            <a:off x="11463608" y="6596212"/>
-            <a:ext cx="11252357" cy="1754326"/>
-          </a:xfrm>
-          <a:prstGeom prst="rect">
-            <a:avLst/>
-          </a:prstGeom>
-        </p:spPr>
-      </p:pic>
-      <p:sp>
-        <p:nvSpPr>
-          <p:cNvPr id="13" name="Oval 58">
-            <a:extLst>
-              <a:ext uri="{FF2B5EF4-FFF2-40B4-BE49-F238E27FC236}">
-                <a16:creationId xmlns:a16="http://schemas.microsoft.com/office/drawing/2014/main" id="{5095F334-6EB8-422C-9A59-2DD5E026612B}"/>
-              </a:ext>
-            </a:extLst>
-          </p:cNvPr>
-          <p:cNvSpPr/>
-          <p:nvPr/>
-        </p:nvSpPr>
-        <p:spPr>
-          <a:xfrm>
-            <a:off x="1669191" y="10110316"/>
-            <a:ext cx="1074332" cy="1074611"/>
-          </a:xfrm>
-          <a:prstGeom prst="ellipse">
-            <a:avLst/>
-          </a:prstGeom>
-          <a:noFill/>
-          <a:ln w="28575">
-            <a:solidFill>
-              <a:schemeClr val="tx1"/>
-            </a:solidFill>
-          </a:ln>
-        </p:spPr>
-        <p:style>
-          <a:lnRef idx="2">
-            <a:schemeClr val="accent1">
-              <a:shade val="50000"/>
-            </a:schemeClr>
-          </a:lnRef>
-          <a:fillRef idx="1">
-            <a:schemeClr val="accent1"/>
-          </a:fillRef>
-          <a:effectRef idx="0">
-            <a:schemeClr val="accent1"/>
-          </a:effectRef>
-          <a:fontRef idx="minor">
-            <a:schemeClr val="lt1"/>
-          </a:fontRef>
-        </p:style>
-        <p:txBody>
-          <a:bodyPr rtlCol="0" anchor="ctr"/>
-          <a:lstStyle/>
-          <a:p>
-            <a:pPr algn="ctr"/>
-            <a:endParaRPr lang="en-US" sz="2900" dirty="0">
-              <a:latin typeface="Montserrat Light" charset="0"/>
-              <a:ea typeface="Montserrat Light" charset="0"/>
-              <a:cs typeface="Montserrat Light" charset="0"/>
-            </a:endParaRPr>
-          </a:p>
-        </p:txBody>
-      </p:sp>
-      <p:sp>
-        <p:nvSpPr>
-          <p:cNvPr id="14" name="ZoneTexte 13">
-            <a:extLst>
-              <a:ext uri="{FF2B5EF4-FFF2-40B4-BE49-F238E27FC236}">
-                <a16:creationId xmlns:a16="http://schemas.microsoft.com/office/drawing/2014/main" id="{20C105F7-AAAA-435D-B22B-6F707F413DD2}"/>
-              </a:ext>
-            </a:extLst>
-          </p:cNvPr>
-          <p:cNvSpPr txBox="1"/>
-          <p:nvPr/>
-        </p:nvSpPr>
-        <p:spPr>
-          <a:xfrm>
-            <a:off x="1823610" y="10201346"/>
-            <a:ext cx="765494" cy="892552"/>
-          </a:xfrm>
-          <a:prstGeom prst="rect">
-            <a:avLst/>
-          </a:prstGeom>
-          <a:noFill/>
-        </p:spPr>
-        <p:txBody>
-          <a:bodyPr wrap="square" rtlCol="0">
-            <a:spAutoFit/>
-          </a:bodyPr>
-          <a:lstStyle/>
-          <a:p>
-            <a:pPr algn="ctr"/>
-            <a:r>
-              <a:rPr lang="fr-FR" sz="5200" b="1" dirty="0">
-                <a:latin typeface="Montserrat" panose="00000500000000000000" pitchFamily="2" charset="0"/>
-              </a:rPr>
-              <a:t>3</a:t>
-            </a:r>
-          </a:p>
-        </p:txBody>
-      </p:sp>
-      <p:pic>
-        <p:nvPicPr>
-          <p:cNvPr id="15" name="Image 14">
-            <a:extLst>
-              <a:ext uri="{FF2B5EF4-FFF2-40B4-BE49-F238E27FC236}">
-                <a16:creationId xmlns:a16="http://schemas.microsoft.com/office/drawing/2014/main" id="{83CD8B9F-A380-4DDE-B00E-18273BB2ABDA}"/>
-              </a:ext>
-            </a:extLst>
-          </p:cNvPr>
-          <p:cNvPicPr>
-            <a:picLocks noChangeAspect="1"/>
-          </p:cNvPicPr>
-          <p:nvPr/>
-        </p:nvPicPr>
-        <p:blipFill>
-          <a:blip r:embed="rId4"/>
-          <a:stretch>
-            <a:fillRect/>
-          </a:stretch>
-        </p:blipFill>
-        <p:spPr>
-          <a:xfrm>
-            <a:off x="14390195" y="9205868"/>
-            <a:ext cx="6774457" cy="2867597"/>
-          </a:xfrm>
-          <a:prstGeom prst="rect">
-            <a:avLst/>
-          </a:prstGeom>
-        </p:spPr>
-      </p:pic>
-      <p:sp>
-        <p:nvSpPr>
-          <p:cNvPr id="16" name="ZoneTexte 15">
-            <a:extLst>
-              <a:ext uri="{FF2B5EF4-FFF2-40B4-BE49-F238E27FC236}">
-                <a16:creationId xmlns:a16="http://schemas.microsoft.com/office/drawing/2014/main" id="{8EC3DE81-F90F-4EBB-8670-144DD5633B41}"/>
-              </a:ext>
-            </a:extLst>
-          </p:cNvPr>
-          <p:cNvSpPr txBox="1"/>
-          <p:nvPr/>
-        </p:nvSpPr>
-        <p:spPr>
-          <a:xfrm>
-            <a:off x="3813174" y="10324455"/>
-            <a:ext cx="7195931" cy="646331"/>
-          </a:xfrm>
-          <a:prstGeom prst="rect">
-            <a:avLst/>
-          </a:prstGeom>
-          <a:noFill/>
-        </p:spPr>
-        <p:txBody>
-          <a:bodyPr wrap="square" rtlCol="0">
-            <a:spAutoFit/>
-          </a:bodyPr>
-          <a:lstStyle/>
-          <a:p>
-            <a:r>
-              <a:rPr lang="fr-FR" dirty="0">
-                <a:latin typeface="Open Sans" panose="020B0606030504020204" pitchFamily="34" charset="0"/>
-                <a:ea typeface="Open Sans" panose="020B0606030504020204" pitchFamily="34" charset="0"/>
-                <a:cs typeface="Open Sans" panose="020B0606030504020204" pitchFamily="34" charset="0"/>
-              </a:rPr>
-              <a:t>Affichage des matrices</a:t>
-            </a:r>
-          </a:p>
-        </p:txBody>
-      </p:sp>
-    </p:spTree>
-    <p:extLst>
-      <p:ext uri="{BB962C8B-B14F-4D97-AF65-F5344CB8AC3E}">
-        <p14:creationId xmlns:p14="http://schemas.microsoft.com/office/powerpoint/2010/main" val="2300208685"/>
-      </p:ext>
-    </p:extLst>
-  </p:cSld>
-  <p:clrMapOvr>
-    <a:masterClrMapping/>
-  </p:clrMapOvr>
-</p:sld>
-</file>
-
-<file path=ppt/slides/slide6.xml><?xml version="1.0" encoding="utf-8"?>
-<p:sld xmlns:a="http://schemas.openxmlformats.org/drawingml/2006/main" xmlns:r="http://schemas.openxmlformats.org/officeDocument/2006/relationships" xmlns:p="http://schemas.openxmlformats.org/presentationml/2006/main">
-  <p:cSld>
     <p:spTree>
       <p:nvGrpSpPr>
         <p:cNvPr id="1" name=""/>
@@ -10914,7 +9859,7 @@
 </p:sld>
 </file>
 
-<file path=ppt/slides/slide7.xml><?xml version="1.0" encoding="utf-8"?>
+<file path=ppt/slides/slide6.xml><?xml version="1.0" encoding="utf-8"?>
 <p:sld xmlns:a="http://schemas.openxmlformats.org/drawingml/2006/main" xmlns:r="http://schemas.openxmlformats.org/officeDocument/2006/relationships" xmlns:p="http://schemas.openxmlformats.org/presentationml/2006/main">
   <p:cSld>
     <p:spTree>
@@ -11243,7 +10188,7 @@
 </p:sld>
 </file>
 
-<file path=ppt/slides/slide8.xml><?xml version="1.0" encoding="utf-8"?>
+<file path=ppt/slides/slide7.xml><?xml version="1.0" encoding="utf-8"?>
 <p:sld xmlns:a="http://schemas.openxmlformats.org/drawingml/2006/main" xmlns:r="http://schemas.openxmlformats.org/officeDocument/2006/relationships" xmlns:p="http://schemas.openxmlformats.org/presentationml/2006/main">
   <p:cSld>
     <p:spTree>
@@ -11891,7 +10836,7 @@
 </p:sld>
 </file>
 
-<file path=ppt/slides/slide9.xml><?xml version="1.0" encoding="utf-8"?>
+<file path=ppt/slides/slide8.xml><?xml version="1.0" encoding="utf-8"?>
 <p:sld xmlns:a="http://schemas.openxmlformats.org/drawingml/2006/main" xmlns:r="http://schemas.openxmlformats.org/officeDocument/2006/relationships" xmlns:p="http://schemas.openxmlformats.org/presentationml/2006/main">
   <p:cSld>
     <p:spTree>
@@ -12660,6 +11605,836 @@
     <p:extLst>
       <p:ext uri="{BB962C8B-B14F-4D97-AF65-F5344CB8AC3E}">
         <p14:creationId xmlns:p14="http://schemas.microsoft.com/office/powerpoint/2010/main" val="2810062672"/>
+      </p:ext>
+    </p:extLst>
+  </p:cSld>
+  <p:clrMapOvr>
+    <a:masterClrMapping/>
+  </p:clrMapOvr>
+</p:sld>
+</file>
+
+<file path=ppt/slides/slide9.xml><?xml version="1.0" encoding="utf-8"?>
+<p:sld xmlns:a="http://schemas.openxmlformats.org/drawingml/2006/main" xmlns:r="http://schemas.openxmlformats.org/officeDocument/2006/relationships" xmlns:p="http://schemas.openxmlformats.org/presentationml/2006/main">
+  <p:cSld>
+    <p:spTree>
+      <p:nvGrpSpPr>
+        <p:cNvPr id="1" name=""/>
+        <p:cNvGrpSpPr/>
+        <p:nvPr/>
+      </p:nvGrpSpPr>
+      <p:grpSpPr>
+        <a:xfrm>
+          <a:off x="0" y="0"/>
+          <a:ext cx="0" cy="0"/>
+          <a:chOff x="0" y="0"/>
+          <a:chExt cx="0" cy="0"/>
+        </a:xfrm>
+      </p:grpSpPr>
+      <p:sp>
+        <p:nvSpPr>
+          <p:cNvPr id="2" name="ZoneTexte 1">
+            <a:extLst>
+              <a:ext uri="{FF2B5EF4-FFF2-40B4-BE49-F238E27FC236}">
+                <a16:creationId xmlns:a16="http://schemas.microsoft.com/office/drawing/2014/main" id="{D542047B-0147-45C6-AADC-B75D32DE578D}"/>
+              </a:ext>
+            </a:extLst>
+          </p:cNvPr>
+          <p:cNvSpPr txBox="1"/>
+          <p:nvPr/>
+        </p:nvSpPr>
+        <p:spPr>
+          <a:xfrm>
+            <a:off x="2375270" y="1113184"/>
+            <a:ext cx="17880677" cy="1046440"/>
+          </a:xfrm>
+          <a:prstGeom prst="rect">
+            <a:avLst/>
+          </a:prstGeom>
+          <a:noFill/>
+        </p:spPr>
+        <p:txBody>
+          <a:bodyPr wrap="square" rtlCol="0">
+            <a:spAutoFit/>
+          </a:bodyPr>
+          <a:lstStyle/>
+          <a:p>
+            <a:r>
+              <a:rPr lang="fr-FR" sz="6200" b="1" dirty="0">
+                <a:latin typeface="Montserrat" panose="00000500000000000000" pitchFamily="2" charset="0"/>
+              </a:rPr>
+              <a:t>IV : Détection des circuits/Calcul du rang</a:t>
+            </a:r>
+          </a:p>
+        </p:txBody>
+      </p:sp>
+      <p:sp>
+        <p:nvSpPr>
+          <p:cNvPr id="3" name="ZoneTexte 2">
+            <a:extLst>
+              <a:ext uri="{FF2B5EF4-FFF2-40B4-BE49-F238E27FC236}">
+                <a16:creationId xmlns:a16="http://schemas.microsoft.com/office/drawing/2014/main" id="{E70CFCEE-CA49-4117-A144-52FC88055AE1}"/>
+              </a:ext>
+            </a:extLst>
+          </p:cNvPr>
+          <p:cNvSpPr txBox="1"/>
+          <p:nvPr/>
+        </p:nvSpPr>
+        <p:spPr>
+          <a:xfrm>
+            <a:off x="2375270" y="2159624"/>
+            <a:ext cx="17880677" cy="1046440"/>
+          </a:xfrm>
+          <a:prstGeom prst="rect">
+            <a:avLst/>
+          </a:prstGeom>
+          <a:noFill/>
+        </p:spPr>
+        <p:txBody>
+          <a:bodyPr wrap="square" rtlCol="0">
+            <a:spAutoFit/>
+          </a:bodyPr>
+          <a:lstStyle/>
+          <a:p>
+            <a:r>
+              <a:rPr lang="fr-FR" sz="6200" b="1" dirty="0">
+                <a:latin typeface="Montserrat" panose="00000500000000000000" pitchFamily="2" charset="0"/>
+              </a:rPr>
+              <a:t>	</a:t>
+            </a:r>
+            <a:r>
+              <a:rPr lang="fr-FR" sz="4200" b="1" dirty="0">
+                <a:latin typeface="Montserrat" panose="00000500000000000000" pitchFamily="2" charset="0"/>
+              </a:rPr>
+              <a:t>B : Calcul du rang</a:t>
+            </a:r>
+          </a:p>
+        </p:txBody>
+      </p:sp>
+      <p:sp>
+        <p:nvSpPr>
+          <p:cNvPr id="4" name="Rectangle 3">
+            <a:extLst>
+              <a:ext uri="{FF2B5EF4-FFF2-40B4-BE49-F238E27FC236}">
+                <a16:creationId xmlns:a16="http://schemas.microsoft.com/office/drawing/2014/main" id="{8BADA5C4-2775-45F1-B22A-32DB36A27472}"/>
+              </a:ext>
+            </a:extLst>
+          </p:cNvPr>
+          <p:cNvSpPr/>
+          <p:nvPr/>
+        </p:nvSpPr>
+        <p:spPr>
+          <a:xfrm>
+            <a:off x="2367629" y="5219322"/>
+            <a:ext cx="8877631" cy="5262979"/>
+          </a:xfrm>
+          <a:prstGeom prst="rect">
+            <a:avLst/>
+          </a:prstGeom>
+        </p:spPr>
+        <p:txBody>
+          <a:bodyPr wrap="square">
+            <a:spAutoFit/>
+          </a:bodyPr>
+          <a:lstStyle/>
+          <a:p>
+            <a:r>
+              <a:rPr lang="fr-FR" sz="2800" dirty="0" err="1">
+                <a:latin typeface="Open Sans" panose="020B0606030504020204" pitchFamily="34" charset="0"/>
+                <a:ea typeface="Open Sans" panose="020B0606030504020204" pitchFamily="34" charset="0"/>
+                <a:cs typeface="Open Sans" panose="020B0606030504020204" pitchFamily="34" charset="0"/>
+              </a:rPr>
+              <a:t>rgCourant</a:t>
+            </a:r>
+            <a:r>
+              <a:rPr lang="fr-FR" sz="2800" dirty="0">
+                <a:latin typeface="Open Sans" panose="020B0606030504020204" pitchFamily="34" charset="0"/>
+                <a:ea typeface="Open Sans" panose="020B0606030504020204" pitchFamily="34" charset="0"/>
+                <a:cs typeface="Open Sans" panose="020B0606030504020204" pitchFamily="34" charset="0"/>
+              </a:rPr>
+              <a:t> = 0</a:t>
+            </a:r>
+          </a:p>
+          <a:p>
+            <a:r>
+              <a:rPr lang="fr-FR" sz="2800" dirty="0" err="1">
+                <a:latin typeface="Open Sans" panose="020B0606030504020204" pitchFamily="34" charset="0"/>
+                <a:ea typeface="Open Sans" panose="020B0606030504020204" pitchFamily="34" charset="0"/>
+                <a:cs typeface="Open Sans" panose="020B0606030504020204" pitchFamily="34" charset="0"/>
+              </a:rPr>
+              <a:t>degMoins</a:t>
+            </a:r>
+            <a:r>
+              <a:rPr lang="fr-FR" sz="2800" dirty="0">
+                <a:latin typeface="Open Sans" panose="020B0606030504020204" pitchFamily="34" charset="0"/>
+                <a:ea typeface="Open Sans" panose="020B0606030504020204" pitchFamily="34" charset="0"/>
+                <a:cs typeface="Open Sans" panose="020B0606030504020204" pitchFamily="34" charset="0"/>
+              </a:rPr>
+              <a:t>[</a:t>
+            </a:r>
+            <a:r>
+              <a:rPr lang="fr-FR" sz="2800" dirty="0" err="1">
+                <a:latin typeface="Open Sans" panose="020B0606030504020204" pitchFamily="34" charset="0"/>
+                <a:ea typeface="Open Sans" panose="020B0606030504020204" pitchFamily="34" charset="0"/>
+                <a:cs typeface="Open Sans" panose="020B0606030504020204" pitchFamily="34" charset="0"/>
+              </a:rPr>
+              <a:t>nbSommet</a:t>
+            </a:r>
+            <a:r>
+              <a:rPr lang="fr-FR" sz="2800" dirty="0">
+                <a:latin typeface="Open Sans" panose="020B0606030504020204" pitchFamily="34" charset="0"/>
+                <a:ea typeface="Open Sans" panose="020B0606030504020204" pitchFamily="34" charset="0"/>
+                <a:cs typeface="Open Sans" panose="020B0606030504020204" pitchFamily="34" charset="0"/>
+              </a:rPr>
+              <a:t>]</a:t>
+            </a:r>
+          </a:p>
+          <a:p>
+            <a:r>
+              <a:rPr lang="fr-FR" sz="2800" dirty="0" err="1">
+                <a:latin typeface="Open Sans" panose="020B0606030504020204" pitchFamily="34" charset="0"/>
+                <a:ea typeface="Open Sans" panose="020B0606030504020204" pitchFamily="34" charset="0"/>
+                <a:cs typeface="Open Sans" panose="020B0606030504020204" pitchFamily="34" charset="0"/>
+              </a:rPr>
+              <a:t>matTempo</a:t>
+            </a:r>
+            <a:r>
+              <a:rPr lang="fr-FR" sz="2800" dirty="0">
+                <a:latin typeface="Open Sans" panose="020B0606030504020204" pitchFamily="34" charset="0"/>
+                <a:ea typeface="Open Sans" panose="020B0606030504020204" pitchFamily="34" charset="0"/>
+                <a:cs typeface="Open Sans" panose="020B0606030504020204" pitchFamily="34" charset="0"/>
+              </a:rPr>
+              <a:t> = </a:t>
+            </a:r>
+            <a:r>
+              <a:rPr lang="fr-FR" sz="2800" dirty="0" err="1">
+                <a:latin typeface="Open Sans" panose="020B0606030504020204" pitchFamily="34" charset="0"/>
+                <a:ea typeface="Open Sans" panose="020B0606030504020204" pitchFamily="34" charset="0"/>
+                <a:cs typeface="Open Sans" panose="020B0606030504020204" pitchFamily="34" charset="0"/>
+              </a:rPr>
+              <a:t>matriceAdjacence</a:t>
+            </a:r>
+            <a:endParaRPr lang="fr-FR" sz="2800" dirty="0">
+              <a:latin typeface="Open Sans" panose="020B0606030504020204" pitchFamily="34" charset="0"/>
+              <a:ea typeface="Open Sans" panose="020B0606030504020204" pitchFamily="34" charset="0"/>
+              <a:cs typeface="Open Sans" panose="020B0606030504020204" pitchFamily="34" charset="0"/>
+            </a:endParaRPr>
+          </a:p>
+          <a:p>
+            <a:r>
+              <a:rPr lang="fr-FR" sz="2800" dirty="0">
+                <a:latin typeface="Open Sans" panose="020B0606030504020204" pitchFamily="34" charset="0"/>
+                <a:ea typeface="Open Sans" panose="020B0606030504020204" pitchFamily="34" charset="0"/>
+                <a:cs typeface="Open Sans" panose="020B0606030504020204" pitchFamily="34" charset="0"/>
+              </a:rPr>
+              <a:t>pour chaque sommet i</a:t>
+            </a:r>
+          </a:p>
+          <a:p>
+            <a:r>
+              <a:rPr lang="fr-FR" sz="2800" dirty="0">
+                <a:latin typeface="Open Sans" panose="020B0606030504020204" pitchFamily="34" charset="0"/>
+                <a:ea typeface="Open Sans" panose="020B0606030504020204" pitchFamily="34" charset="0"/>
+                <a:cs typeface="Open Sans" panose="020B0606030504020204" pitchFamily="34" charset="0"/>
+              </a:rPr>
+              <a:t>	ajout i à </a:t>
+            </a:r>
+            <a:r>
+              <a:rPr lang="fr-FR" sz="2800" dirty="0" err="1">
+                <a:latin typeface="Open Sans" panose="020B0606030504020204" pitchFamily="34" charset="0"/>
+                <a:ea typeface="Open Sans" panose="020B0606030504020204" pitchFamily="34" charset="0"/>
+                <a:cs typeface="Open Sans" panose="020B0606030504020204" pitchFamily="34" charset="0"/>
+              </a:rPr>
+              <a:t>listeTodo</a:t>
+            </a:r>
+            <a:endParaRPr lang="fr-FR" sz="2800" dirty="0">
+              <a:latin typeface="Open Sans" panose="020B0606030504020204" pitchFamily="34" charset="0"/>
+              <a:ea typeface="Open Sans" panose="020B0606030504020204" pitchFamily="34" charset="0"/>
+              <a:cs typeface="Open Sans" panose="020B0606030504020204" pitchFamily="34" charset="0"/>
+            </a:endParaRPr>
+          </a:p>
+          <a:p>
+            <a:r>
+              <a:rPr lang="fr-FR" sz="2800" dirty="0">
+                <a:latin typeface="Open Sans" panose="020B0606030504020204" pitchFamily="34" charset="0"/>
+                <a:ea typeface="Open Sans" panose="020B0606030504020204" pitchFamily="34" charset="0"/>
+                <a:cs typeface="Open Sans" panose="020B0606030504020204" pitchFamily="34" charset="0"/>
+              </a:rPr>
+              <a:t>	</a:t>
+            </a:r>
+            <a:r>
+              <a:rPr lang="fr-FR" sz="2800" dirty="0" err="1">
+                <a:latin typeface="Open Sans" panose="020B0606030504020204" pitchFamily="34" charset="0"/>
+                <a:ea typeface="Open Sans" panose="020B0606030504020204" pitchFamily="34" charset="0"/>
+                <a:cs typeface="Open Sans" panose="020B0606030504020204" pitchFamily="34" charset="0"/>
+              </a:rPr>
+              <a:t>degMoins</a:t>
+            </a:r>
+            <a:r>
+              <a:rPr lang="fr-FR" sz="2800" dirty="0">
+                <a:latin typeface="Open Sans" panose="020B0606030504020204" pitchFamily="34" charset="0"/>
+                <a:ea typeface="Open Sans" panose="020B0606030504020204" pitchFamily="34" charset="0"/>
+                <a:cs typeface="Open Sans" panose="020B0606030504020204" pitchFamily="34" charset="0"/>
+              </a:rPr>
+              <a:t>[i] = nombre de </a:t>
+            </a:r>
+            <a:r>
+              <a:rPr lang="fr-FR" sz="2800" dirty="0" err="1">
+                <a:latin typeface="Open Sans" panose="020B0606030504020204" pitchFamily="34" charset="0"/>
+                <a:ea typeface="Open Sans" panose="020B0606030504020204" pitchFamily="34" charset="0"/>
+                <a:cs typeface="Open Sans" panose="020B0606030504020204" pitchFamily="34" charset="0"/>
+              </a:rPr>
+              <a:t>predecesseur</a:t>
+            </a:r>
+            <a:r>
+              <a:rPr lang="fr-FR" sz="2800" dirty="0">
+                <a:latin typeface="Open Sans" panose="020B0606030504020204" pitchFamily="34" charset="0"/>
+                <a:ea typeface="Open Sans" panose="020B0606030504020204" pitchFamily="34" charset="0"/>
+                <a:cs typeface="Open Sans" panose="020B0606030504020204" pitchFamily="34" charset="0"/>
+              </a:rPr>
+              <a:t> de i</a:t>
+            </a:r>
+          </a:p>
+          <a:p>
+            <a:r>
+              <a:rPr lang="fr-FR" sz="2800" dirty="0">
+                <a:latin typeface="Open Sans" panose="020B0606030504020204" pitchFamily="34" charset="0"/>
+                <a:ea typeface="Open Sans" panose="020B0606030504020204" pitchFamily="34" charset="0"/>
+                <a:cs typeface="Open Sans" panose="020B0606030504020204" pitchFamily="34" charset="0"/>
+              </a:rPr>
+              <a:t>    	si (</a:t>
+            </a:r>
+            <a:r>
+              <a:rPr lang="fr-FR" sz="2800" dirty="0" err="1">
+                <a:latin typeface="Open Sans" panose="020B0606030504020204" pitchFamily="34" charset="0"/>
+                <a:ea typeface="Open Sans" panose="020B0606030504020204" pitchFamily="34" charset="0"/>
+                <a:cs typeface="Open Sans" panose="020B0606030504020204" pitchFamily="34" charset="0"/>
+              </a:rPr>
+              <a:t>degMoins</a:t>
+            </a:r>
+            <a:r>
+              <a:rPr lang="fr-FR" sz="2800" dirty="0">
+                <a:latin typeface="Open Sans" panose="020B0606030504020204" pitchFamily="34" charset="0"/>
+                <a:ea typeface="Open Sans" panose="020B0606030504020204" pitchFamily="34" charset="0"/>
+                <a:cs typeface="Open Sans" panose="020B0606030504020204" pitchFamily="34" charset="0"/>
+              </a:rPr>
+              <a:t>[i] == 0)</a:t>
+            </a:r>
+          </a:p>
+          <a:p>
+            <a:r>
+              <a:rPr lang="fr-FR" sz="2800" dirty="0">
+                <a:latin typeface="Open Sans" panose="020B0606030504020204" pitchFamily="34" charset="0"/>
+                <a:ea typeface="Open Sans" panose="020B0606030504020204" pitchFamily="34" charset="0"/>
+                <a:cs typeface="Open Sans" panose="020B0606030504020204" pitchFamily="34" charset="0"/>
+              </a:rPr>
+              <a:t>      		ajout i à </a:t>
+            </a:r>
+            <a:r>
+              <a:rPr lang="fr-FR" sz="2800" dirty="0" err="1">
+                <a:latin typeface="Open Sans" panose="020B0606030504020204" pitchFamily="34" charset="0"/>
+                <a:ea typeface="Open Sans" panose="020B0606030504020204" pitchFamily="34" charset="0"/>
+                <a:cs typeface="Open Sans" panose="020B0606030504020204" pitchFamily="34" charset="0"/>
+              </a:rPr>
+              <a:t>listeRacines</a:t>
+            </a:r>
+            <a:endParaRPr lang="fr-FR" sz="2800" dirty="0">
+              <a:latin typeface="Open Sans" panose="020B0606030504020204" pitchFamily="34" charset="0"/>
+              <a:ea typeface="Open Sans" panose="020B0606030504020204" pitchFamily="34" charset="0"/>
+              <a:cs typeface="Open Sans" panose="020B0606030504020204" pitchFamily="34" charset="0"/>
+            </a:endParaRPr>
+          </a:p>
+          <a:p>
+            <a:r>
+              <a:rPr lang="fr-FR" sz="2800" dirty="0">
+                <a:latin typeface="Open Sans" panose="020B0606030504020204" pitchFamily="34" charset="0"/>
+                <a:ea typeface="Open Sans" panose="020B0606030504020204" pitchFamily="34" charset="0"/>
+                <a:cs typeface="Open Sans" panose="020B0606030504020204" pitchFamily="34" charset="0"/>
+              </a:rPr>
+              <a:t>    	fin</a:t>
+            </a:r>
+          </a:p>
+          <a:p>
+            <a:r>
+              <a:rPr lang="fr-FR" sz="2800" dirty="0">
+                <a:latin typeface="Open Sans" panose="020B0606030504020204" pitchFamily="34" charset="0"/>
+                <a:ea typeface="Open Sans" panose="020B0606030504020204" pitchFamily="34" charset="0"/>
+                <a:cs typeface="Open Sans" panose="020B0606030504020204" pitchFamily="34" charset="0"/>
+              </a:rPr>
+              <a:t>fin</a:t>
+            </a:r>
+          </a:p>
+          <a:p>
+            <a:r>
+              <a:rPr lang="fr-FR" sz="2800" dirty="0">
+                <a:latin typeface="Open Sans" panose="020B0606030504020204" pitchFamily="34" charset="0"/>
+                <a:ea typeface="Open Sans" panose="020B0606030504020204" pitchFamily="34" charset="0"/>
+                <a:cs typeface="Open Sans" panose="020B0606030504020204" pitchFamily="34" charset="0"/>
+              </a:rPr>
+              <a:t>…</a:t>
+            </a:r>
+          </a:p>
+        </p:txBody>
+      </p:sp>
+      <p:sp>
+        <p:nvSpPr>
+          <p:cNvPr id="5" name="Rectangle 4">
+            <a:extLst>
+              <a:ext uri="{FF2B5EF4-FFF2-40B4-BE49-F238E27FC236}">
+                <a16:creationId xmlns:a16="http://schemas.microsoft.com/office/drawing/2014/main" id="{4670B0AF-1041-420E-91B2-650D497DD854}"/>
+              </a:ext>
+            </a:extLst>
+          </p:cNvPr>
+          <p:cNvSpPr/>
+          <p:nvPr/>
+        </p:nvSpPr>
+        <p:spPr>
+          <a:xfrm>
+            <a:off x="13141915" y="2815521"/>
+            <a:ext cx="10279444" cy="9787295"/>
+          </a:xfrm>
+          <a:prstGeom prst="rect">
+            <a:avLst/>
+          </a:prstGeom>
+        </p:spPr>
+        <p:txBody>
+          <a:bodyPr wrap="square">
+            <a:spAutoFit/>
+          </a:bodyPr>
+          <a:lstStyle/>
+          <a:p>
+            <a:r>
+              <a:rPr lang="fr-FR" sz="3000" dirty="0">
+                <a:latin typeface="Open Sans" panose="020B0606030504020204" pitchFamily="34" charset="0"/>
+                <a:ea typeface="Open Sans" panose="020B0606030504020204" pitchFamily="34" charset="0"/>
+                <a:cs typeface="Open Sans" panose="020B0606030504020204" pitchFamily="34" charset="0"/>
+              </a:rPr>
+              <a:t>…</a:t>
+            </a:r>
+          </a:p>
+          <a:p>
+            <a:r>
+              <a:rPr lang="fr-FR" sz="3000" dirty="0">
+                <a:latin typeface="Open Sans" panose="020B0606030504020204" pitchFamily="34" charset="0"/>
+                <a:ea typeface="Open Sans" panose="020B0606030504020204" pitchFamily="34" charset="0"/>
+                <a:cs typeface="Open Sans" panose="020B0606030504020204" pitchFamily="34" charset="0"/>
+              </a:rPr>
+              <a:t>faire</a:t>
+            </a:r>
+          </a:p>
+          <a:p>
+            <a:r>
+              <a:rPr lang="fr-FR" sz="3000" dirty="0">
+                <a:latin typeface="Open Sans" panose="020B0606030504020204" pitchFamily="34" charset="0"/>
+                <a:ea typeface="Open Sans" panose="020B0606030504020204" pitchFamily="34" charset="0"/>
+                <a:cs typeface="Open Sans" panose="020B0606030504020204" pitchFamily="34" charset="0"/>
+              </a:rPr>
+              <a:t>    pour chaque sommet i de </a:t>
+            </a:r>
+            <a:r>
+              <a:rPr lang="fr-FR" sz="3000" dirty="0" err="1">
+                <a:latin typeface="Open Sans" panose="020B0606030504020204" pitchFamily="34" charset="0"/>
+                <a:ea typeface="Open Sans" panose="020B0606030504020204" pitchFamily="34" charset="0"/>
+                <a:cs typeface="Open Sans" panose="020B0606030504020204" pitchFamily="34" charset="0"/>
+              </a:rPr>
+              <a:t>listeRacine</a:t>
+            </a:r>
+            <a:endParaRPr lang="fr-FR" sz="3000" dirty="0">
+              <a:latin typeface="Open Sans" panose="020B0606030504020204" pitchFamily="34" charset="0"/>
+              <a:ea typeface="Open Sans" panose="020B0606030504020204" pitchFamily="34" charset="0"/>
+              <a:cs typeface="Open Sans" panose="020B0606030504020204" pitchFamily="34" charset="0"/>
+            </a:endParaRPr>
+          </a:p>
+          <a:p>
+            <a:r>
+              <a:rPr lang="fr-FR" sz="3000" dirty="0">
+                <a:latin typeface="Open Sans" panose="020B0606030504020204" pitchFamily="34" charset="0"/>
+                <a:ea typeface="Open Sans" panose="020B0606030504020204" pitchFamily="34" charset="0"/>
+                <a:cs typeface="Open Sans" panose="020B0606030504020204" pitchFamily="34" charset="0"/>
+              </a:rPr>
+              <a:t>        rang[i] = </a:t>
+            </a:r>
+            <a:r>
+              <a:rPr lang="fr-FR" sz="3000" dirty="0" err="1">
+                <a:latin typeface="Open Sans" panose="020B0606030504020204" pitchFamily="34" charset="0"/>
+                <a:ea typeface="Open Sans" panose="020B0606030504020204" pitchFamily="34" charset="0"/>
+                <a:cs typeface="Open Sans" panose="020B0606030504020204" pitchFamily="34" charset="0"/>
+              </a:rPr>
+              <a:t>rgCourant</a:t>
+            </a:r>
+            <a:endParaRPr lang="fr-FR" sz="3000" dirty="0">
+              <a:latin typeface="Open Sans" panose="020B0606030504020204" pitchFamily="34" charset="0"/>
+              <a:ea typeface="Open Sans" panose="020B0606030504020204" pitchFamily="34" charset="0"/>
+              <a:cs typeface="Open Sans" panose="020B0606030504020204" pitchFamily="34" charset="0"/>
+            </a:endParaRPr>
+          </a:p>
+          <a:p>
+            <a:r>
+              <a:rPr lang="fr-FR" sz="3000" dirty="0">
+                <a:latin typeface="Open Sans" panose="020B0606030504020204" pitchFamily="34" charset="0"/>
+                <a:ea typeface="Open Sans" panose="020B0606030504020204" pitchFamily="34" charset="0"/>
+                <a:cs typeface="Open Sans" panose="020B0606030504020204" pitchFamily="34" charset="0"/>
+              </a:rPr>
+              <a:t>        pour i allant de 0 à </a:t>
+            </a:r>
+            <a:r>
+              <a:rPr lang="fr-FR" sz="3000" dirty="0" err="1">
+                <a:latin typeface="Open Sans" panose="020B0606030504020204" pitchFamily="34" charset="0"/>
+                <a:ea typeface="Open Sans" panose="020B0606030504020204" pitchFamily="34" charset="0"/>
+                <a:cs typeface="Open Sans" panose="020B0606030504020204" pitchFamily="34" charset="0"/>
+              </a:rPr>
+              <a:t>nbSommet</a:t>
+            </a:r>
+            <a:r>
+              <a:rPr lang="fr-FR" sz="3000" dirty="0">
+                <a:latin typeface="Open Sans" panose="020B0606030504020204" pitchFamily="34" charset="0"/>
+                <a:ea typeface="Open Sans" panose="020B0606030504020204" pitchFamily="34" charset="0"/>
+                <a:cs typeface="Open Sans" panose="020B0606030504020204" pitchFamily="34" charset="0"/>
+              </a:rPr>
+              <a:t> - 1</a:t>
+            </a:r>
+          </a:p>
+          <a:p>
+            <a:r>
+              <a:rPr lang="fr-FR" sz="3000" dirty="0">
+                <a:latin typeface="Open Sans" panose="020B0606030504020204" pitchFamily="34" charset="0"/>
+                <a:ea typeface="Open Sans" panose="020B0606030504020204" pitchFamily="34" charset="0"/>
+                <a:cs typeface="Open Sans" panose="020B0606030504020204" pitchFamily="34" charset="0"/>
+              </a:rPr>
+              <a:t>	</a:t>
+            </a:r>
+            <a:r>
+              <a:rPr lang="fr-FR" sz="3000" dirty="0" err="1">
+                <a:latin typeface="Open Sans" panose="020B0606030504020204" pitchFamily="34" charset="0"/>
+                <a:ea typeface="Open Sans" panose="020B0606030504020204" pitchFamily="34" charset="0"/>
+                <a:cs typeface="Open Sans" panose="020B0606030504020204" pitchFamily="34" charset="0"/>
+              </a:rPr>
+              <a:t>matTempo</a:t>
+            </a:r>
+            <a:r>
+              <a:rPr lang="fr-FR" sz="3000" dirty="0">
+                <a:latin typeface="Open Sans" panose="020B0606030504020204" pitchFamily="34" charset="0"/>
+                <a:ea typeface="Open Sans" panose="020B0606030504020204" pitchFamily="34" charset="0"/>
+                <a:cs typeface="Open Sans" panose="020B0606030504020204" pitchFamily="34" charset="0"/>
+              </a:rPr>
+              <a:t>[i][j] = -1</a:t>
+            </a:r>
+          </a:p>
+          <a:p>
+            <a:r>
+              <a:rPr lang="fr-FR" sz="3000" dirty="0">
+                <a:latin typeface="Open Sans" panose="020B0606030504020204" pitchFamily="34" charset="0"/>
+                <a:ea typeface="Open Sans" panose="020B0606030504020204" pitchFamily="34" charset="0"/>
+                <a:cs typeface="Open Sans" panose="020B0606030504020204" pitchFamily="34" charset="0"/>
+              </a:rPr>
+              <a:t>	</a:t>
+            </a:r>
+            <a:r>
+              <a:rPr lang="fr-FR" sz="3000" dirty="0" err="1">
+                <a:latin typeface="Open Sans" panose="020B0606030504020204" pitchFamily="34" charset="0"/>
+                <a:ea typeface="Open Sans" panose="020B0606030504020204" pitchFamily="34" charset="0"/>
+                <a:cs typeface="Open Sans" panose="020B0606030504020204" pitchFamily="34" charset="0"/>
+              </a:rPr>
+              <a:t>matTempo</a:t>
+            </a:r>
+            <a:r>
+              <a:rPr lang="fr-FR" sz="3000" dirty="0">
+                <a:latin typeface="Open Sans" panose="020B0606030504020204" pitchFamily="34" charset="0"/>
+                <a:ea typeface="Open Sans" panose="020B0606030504020204" pitchFamily="34" charset="0"/>
+                <a:cs typeface="Open Sans" panose="020B0606030504020204" pitchFamily="34" charset="0"/>
+              </a:rPr>
+              <a:t>[j][i] = -1</a:t>
+            </a:r>
+          </a:p>
+          <a:p>
+            <a:r>
+              <a:rPr lang="fr-FR" sz="3000" dirty="0">
+                <a:latin typeface="Open Sans" panose="020B0606030504020204" pitchFamily="34" charset="0"/>
+                <a:ea typeface="Open Sans" panose="020B0606030504020204" pitchFamily="34" charset="0"/>
+                <a:cs typeface="Open Sans" panose="020B0606030504020204" pitchFamily="34" charset="0"/>
+              </a:rPr>
+              <a:t>         fin</a:t>
+            </a:r>
+          </a:p>
+          <a:p>
+            <a:r>
+              <a:rPr lang="fr-FR" sz="3000" dirty="0">
+                <a:latin typeface="Open Sans" panose="020B0606030504020204" pitchFamily="34" charset="0"/>
+                <a:ea typeface="Open Sans" panose="020B0606030504020204" pitchFamily="34" charset="0"/>
+                <a:cs typeface="Open Sans" panose="020B0606030504020204" pitchFamily="34" charset="0"/>
+              </a:rPr>
+              <a:t>    fin</a:t>
+            </a:r>
+          </a:p>
+          <a:p>
+            <a:r>
+              <a:rPr lang="fr-FR" sz="3000" dirty="0">
+                <a:latin typeface="Open Sans" panose="020B0606030504020204" pitchFamily="34" charset="0"/>
+                <a:ea typeface="Open Sans" panose="020B0606030504020204" pitchFamily="34" charset="0"/>
+                <a:cs typeface="Open Sans" panose="020B0606030504020204" pitchFamily="34" charset="0"/>
+              </a:rPr>
+              <a:t>    pour chaque sommet i de </a:t>
+            </a:r>
+            <a:r>
+              <a:rPr lang="fr-FR" sz="3000" dirty="0" err="1">
+                <a:latin typeface="Open Sans" panose="020B0606030504020204" pitchFamily="34" charset="0"/>
+                <a:ea typeface="Open Sans" panose="020B0606030504020204" pitchFamily="34" charset="0"/>
+                <a:cs typeface="Open Sans" panose="020B0606030504020204" pitchFamily="34" charset="0"/>
+              </a:rPr>
+              <a:t>listeRacine</a:t>
+            </a:r>
+            <a:endParaRPr lang="fr-FR" sz="3000" dirty="0">
+              <a:latin typeface="Open Sans" panose="020B0606030504020204" pitchFamily="34" charset="0"/>
+              <a:ea typeface="Open Sans" panose="020B0606030504020204" pitchFamily="34" charset="0"/>
+              <a:cs typeface="Open Sans" panose="020B0606030504020204" pitchFamily="34" charset="0"/>
+            </a:endParaRPr>
+          </a:p>
+          <a:p>
+            <a:r>
+              <a:rPr lang="fr-FR" sz="3000" dirty="0">
+                <a:latin typeface="Open Sans" panose="020B0606030504020204" pitchFamily="34" charset="0"/>
+                <a:ea typeface="Open Sans" panose="020B0606030504020204" pitchFamily="34" charset="0"/>
+                <a:cs typeface="Open Sans" panose="020B0606030504020204" pitchFamily="34" charset="0"/>
+              </a:rPr>
+              <a:t>        retirer i de </a:t>
+            </a:r>
+            <a:r>
+              <a:rPr lang="fr-FR" sz="3000" dirty="0" err="1">
+                <a:latin typeface="Open Sans" panose="020B0606030504020204" pitchFamily="34" charset="0"/>
+                <a:ea typeface="Open Sans" panose="020B0606030504020204" pitchFamily="34" charset="0"/>
+                <a:cs typeface="Open Sans" panose="020B0606030504020204" pitchFamily="34" charset="0"/>
+              </a:rPr>
+              <a:t>listeTodo</a:t>
+            </a:r>
+            <a:endParaRPr lang="fr-FR" sz="3000" dirty="0">
+              <a:latin typeface="Open Sans" panose="020B0606030504020204" pitchFamily="34" charset="0"/>
+              <a:ea typeface="Open Sans" panose="020B0606030504020204" pitchFamily="34" charset="0"/>
+              <a:cs typeface="Open Sans" panose="020B0606030504020204" pitchFamily="34" charset="0"/>
+            </a:endParaRPr>
+          </a:p>
+          <a:p>
+            <a:r>
+              <a:rPr lang="fr-FR" sz="3000" dirty="0">
+                <a:latin typeface="Open Sans" panose="020B0606030504020204" pitchFamily="34" charset="0"/>
+                <a:ea typeface="Open Sans" panose="020B0606030504020204" pitchFamily="34" charset="0"/>
+                <a:cs typeface="Open Sans" panose="020B0606030504020204" pitchFamily="34" charset="0"/>
+              </a:rPr>
+              <a:t>    fin</a:t>
+            </a:r>
+          </a:p>
+          <a:p>
+            <a:r>
+              <a:rPr lang="fr-FR" sz="3000" dirty="0">
+                <a:latin typeface="Open Sans" panose="020B0606030504020204" pitchFamily="34" charset="0"/>
+                <a:ea typeface="Open Sans" panose="020B0606030504020204" pitchFamily="34" charset="0"/>
+                <a:cs typeface="Open Sans" panose="020B0606030504020204" pitchFamily="34" charset="0"/>
+              </a:rPr>
+              <a:t>    supprimer éléments de </a:t>
+            </a:r>
+            <a:r>
+              <a:rPr lang="fr-FR" sz="3000" dirty="0" err="1">
+                <a:latin typeface="Open Sans" panose="020B0606030504020204" pitchFamily="34" charset="0"/>
+                <a:ea typeface="Open Sans" panose="020B0606030504020204" pitchFamily="34" charset="0"/>
+                <a:cs typeface="Open Sans" panose="020B0606030504020204" pitchFamily="34" charset="0"/>
+              </a:rPr>
+              <a:t>listeRacines</a:t>
+            </a:r>
+            <a:endParaRPr lang="fr-FR" sz="3000" dirty="0">
+              <a:latin typeface="Open Sans" panose="020B0606030504020204" pitchFamily="34" charset="0"/>
+              <a:ea typeface="Open Sans" panose="020B0606030504020204" pitchFamily="34" charset="0"/>
+              <a:cs typeface="Open Sans" panose="020B0606030504020204" pitchFamily="34" charset="0"/>
+            </a:endParaRPr>
+          </a:p>
+          <a:p>
+            <a:r>
+              <a:rPr lang="fr-FR" sz="3000" dirty="0">
+                <a:latin typeface="Open Sans" panose="020B0606030504020204" pitchFamily="34" charset="0"/>
+                <a:ea typeface="Open Sans" panose="020B0606030504020204" pitchFamily="34" charset="0"/>
+                <a:cs typeface="Open Sans" panose="020B0606030504020204" pitchFamily="34" charset="0"/>
+              </a:rPr>
+              <a:t>    pour chaque sommet i de </a:t>
+            </a:r>
+            <a:r>
+              <a:rPr lang="fr-FR" sz="3000" dirty="0" err="1">
+                <a:latin typeface="Open Sans" panose="020B0606030504020204" pitchFamily="34" charset="0"/>
+                <a:ea typeface="Open Sans" panose="020B0606030504020204" pitchFamily="34" charset="0"/>
+                <a:cs typeface="Open Sans" panose="020B0606030504020204" pitchFamily="34" charset="0"/>
+              </a:rPr>
+              <a:t>listeTodo</a:t>
+            </a:r>
+            <a:endParaRPr lang="fr-FR" sz="3000" dirty="0">
+              <a:latin typeface="Open Sans" panose="020B0606030504020204" pitchFamily="34" charset="0"/>
+              <a:ea typeface="Open Sans" panose="020B0606030504020204" pitchFamily="34" charset="0"/>
+              <a:cs typeface="Open Sans" panose="020B0606030504020204" pitchFamily="34" charset="0"/>
+            </a:endParaRPr>
+          </a:p>
+          <a:p>
+            <a:r>
+              <a:rPr lang="fr-FR" sz="3000" dirty="0">
+                <a:latin typeface="Open Sans" panose="020B0606030504020204" pitchFamily="34" charset="0"/>
+                <a:ea typeface="Open Sans" panose="020B0606030504020204" pitchFamily="34" charset="0"/>
+                <a:cs typeface="Open Sans" panose="020B0606030504020204" pitchFamily="34" charset="0"/>
+              </a:rPr>
+              <a:t>        </a:t>
+            </a:r>
+            <a:r>
+              <a:rPr lang="fr-FR" sz="3000" dirty="0" err="1">
+                <a:latin typeface="Open Sans" panose="020B0606030504020204" pitchFamily="34" charset="0"/>
+                <a:ea typeface="Open Sans" panose="020B0606030504020204" pitchFamily="34" charset="0"/>
+                <a:cs typeface="Open Sans" panose="020B0606030504020204" pitchFamily="34" charset="0"/>
+              </a:rPr>
+              <a:t>degMoins</a:t>
+            </a:r>
+            <a:r>
+              <a:rPr lang="fr-FR" sz="3000" dirty="0">
+                <a:latin typeface="Open Sans" panose="020B0606030504020204" pitchFamily="34" charset="0"/>
+                <a:ea typeface="Open Sans" panose="020B0606030504020204" pitchFamily="34" charset="0"/>
+                <a:cs typeface="Open Sans" panose="020B0606030504020204" pitchFamily="34" charset="0"/>
+              </a:rPr>
+              <a:t>[i] = nombre de prédécesseurs de i</a:t>
+            </a:r>
+          </a:p>
+          <a:p>
+            <a:r>
+              <a:rPr lang="fr-FR" sz="3000" dirty="0">
+                <a:latin typeface="Open Sans" panose="020B0606030504020204" pitchFamily="34" charset="0"/>
+                <a:ea typeface="Open Sans" panose="020B0606030504020204" pitchFamily="34" charset="0"/>
+                <a:cs typeface="Open Sans" panose="020B0606030504020204" pitchFamily="34" charset="0"/>
+              </a:rPr>
+              <a:t>         si (</a:t>
+            </a:r>
+            <a:r>
+              <a:rPr lang="fr-FR" sz="3000" dirty="0" err="1">
+                <a:latin typeface="Open Sans" panose="020B0606030504020204" pitchFamily="34" charset="0"/>
+                <a:ea typeface="Open Sans" panose="020B0606030504020204" pitchFamily="34" charset="0"/>
+                <a:cs typeface="Open Sans" panose="020B0606030504020204" pitchFamily="34" charset="0"/>
+              </a:rPr>
+              <a:t>degMoins</a:t>
+            </a:r>
+            <a:r>
+              <a:rPr lang="fr-FR" sz="3000" dirty="0">
+                <a:latin typeface="Open Sans" panose="020B0606030504020204" pitchFamily="34" charset="0"/>
+                <a:ea typeface="Open Sans" panose="020B0606030504020204" pitchFamily="34" charset="0"/>
+                <a:cs typeface="Open Sans" panose="020B0606030504020204" pitchFamily="34" charset="0"/>
+              </a:rPr>
+              <a:t>[i] == 0)</a:t>
+            </a:r>
+          </a:p>
+          <a:p>
+            <a:r>
+              <a:rPr lang="fr-FR" sz="3000" dirty="0">
+                <a:latin typeface="Open Sans" panose="020B0606030504020204" pitchFamily="34" charset="0"/>
+                <a:ea typeface="Open Sans" panose="020B0606030504020204" pitchFamily="34" charset="0"/>
+                <a:cs typeface="Open Sans" panose="020B0606030504020204" pitchFamily="34" charset="0"/>
+              </a:rPr>
+              <a:t>                ajout i à </a:t>
+            </a:r>
+            <a:r>
+              <a:rPr lang="fr-FR" sz="3000" dirty="0" err="1">
+                <a:latin typeface="Open Sans" panose="020B0606030504020204" pitchFamily="34" charset="0"/>
+                <a:ea typeface="Open Sans" panose="020B0606030504020204" pitchFamily="34" charset="0"/>
+                <a:cs typeface="Open Sans" panose="020B0606030504020204" pitchFamily="34" charset="0"/>
+              </a:rPr>
+              <a:t>listeRacines</a:t>
+            </a:r>
+            <a:endParaRPr lang="fr-FR" sz="3000" dirty="0">
+              <a:latin typeface="Open Sans" panose="020B0606030504020204" pitchFamily="34" charset="0"/>
+              <a:ea typeface="Open Sans" panose="020B0606030504020204" pitchFamily="34" charset="0"/>
+              <a:cs typeface="Open Sans" panose="020B0606030504020204" pitchFamily="34" charset="0"/>
+            </a:endParaRPr>
+          </a:p>
+          <a:p>
+            <a:r>
+              <a:rPr lang="fr-FR" sz="3000" dirty="0">
+                <a:latin typeface="Open Sans" panose="020B0606030504020204" pitchFamily="34" charset="0"/>
+                <a:ea typeface="Open Sans" panose="020B0606030504020204" pitchFamily="34" charset="0"/>
+                <a:cs typeface="Open Sans" panose="020B0606030504020204" pitchFamily="34" charset="0"/>
+              </a:rPr>
+              <a:t>         fin</a:t>
+            </a:r>
+          </a:p>
+          <a:p>
+            <a:r>
+              <a:rPr lang="fr-FR" sz="3000" dirty="0">
+                <a:latin typeface="Open Sans" panose="020B0606030504020204" pitchFamily="34" charset="0"/>
+                <a:ea typeface="Open Sans" panose="020B0606030504020204" pitchFamily="34" charset="0"/>
+                <a:cs typeface="Open Sans" panose="020B0606030504020204" pitchFamily="34" charset="0"/>
+              </a:rPr>
+              <a:t>    fin</a:t>
+            </a:r>
+          </a:p>
+          <a:p>
+            <a:r>
+              <a:rPr lang="fr-FR" sz="3000" dirty="0">
+                <a:latin typeface="Open Sans" panose="020B0606030504020204" pitchFamily="34" charset="0"/>
+                <a:ea typeface="Open Sans" panose="020B0606030504020204" pitchFamily="34" charset="0"/>
+                <a:cs typeface="Open Sans" panose="020B0606030504020204" pitchFamily="34" charset="0"/>
+              </a:rPr>
+              <a:t>    rang courant ++</a:t>
+            </a:r>
+          </a:p>
+          <a:p>
+            <a:r>
+              <a:rPr lang="fr-FR" sz="3000" dirty="0">
+                <a:latin typeface="Open Sans" panose="020B0606030504020204" pitchFamily="34" charset="0"/>
+                <a:ea typeface="Open Sans" panose="020B0606030504020204" pitchFamily="34" charset="0"/>
+                <a:cs typeface="Open Sans" panose="020B0606030504020204" pitchFamily="34" charset="0"/>
+              </a:rPr>
+              <a:t>tant que (</a:t>
+            </a:r>
+            <a:r>
+              <a:rPr lang="fr-FR" sz="3000" dirty="0" err="1">
+                <a:latin typeface="Open Sans" panose="020B0606030504020204" pitchFamily="34" charset="0"/>
+                <a:ea typeface="Open Sans" panose="020B0606030504020204" pitchFamily="34" charset="0"/>
+                <a:cs typeface="Open Sans" panose="020B0606030504020204" pitchFamily="34" charset="0"/>
+              </a:rPr>
+              <a:t>listTodo</a:t>
+            </a:r>
+            <a:r>
+              <a:rPr lang="fr-FR" sz="3000" dirty="0">
+                <a:latin typeface="Open Sans" panose="020B0606030504020204" pitchFamily="34" charset="0"/>
+                <a:ea typeface="Open Sans" panose="020B0606030504020204" pitchFamily="34" charset="0"/>
+                <a:cs typeface="Open Sans" panose="020B0606030504020204" pitchFamily="34" charset="0"/>
+              </a:rPr>
+              <a:t> n'est pas vide)</a:t>
+            </a:r>
+          </a:p>
+        </p:txBody>
+      </p:sp>
+      <p:pic>
+        <p:nvPicPr>
+          <p:cNvPr id="6" name="Image 5">
+            <a:extLst>
+              <a:ext uri="{FF2B5EF4-FFF2-40B4-BE49-F238E27FC236}">
+                <a16:creationId xmlns:a16="http://schemas.microsoft.com/office/drawing/2014/main" id="{1E773EE8-80A8-4144-B1A3-D0D1AFD24002}"/>
+              </a:ext>
+            </a:extLst>
+          </p:cNvPr>
+          <p:cNvPicPr>
+            <a:picLocks noChangeAspect="1"/>
+          </p:cNvPicPr>
+          <p:nvPr/>
+        </p:nvPicPr>
+        <p:blipFill>
+          <a:blip r:embed="rId2"/>
+          <a:stretch>
+            <a:fillRect/>
+          </a:stretch>
+        </p:blipFill>
+        <p:spPr>
+          <a:xfrm>
+            <a:off x="1598382" y="11094711"/>
+            <a:ext cx="10595205" cy="1046440"/>
+          </a:xfrm>
+          <a:prstGeom prst="rect">
+            <a:avLst/>
+          </a:prstGeom>
+        </p:spPr>
+      </p:pic>
+    </p:spTree>
+    <p:extLst>
+      <p:ext uri="{BB962C8B-B14F-4D97-AF65-F5344CB8AC3E}">
+        <p14:creationId xmlns:p14="http://schemas.microsoft.com/office/powerpoint/2010/main" val="1856378732"/>
       </p:ext>
     </p:extLst>
   </p:cSld>

--- a/A4_Presentation.pptx
+++ b/A4_Presentation.pptx
@@ -5,7 +5,7 @@
     <p:sldMasterId id="2147483660" r:id="rId1"/>
   </p:sldMasterIdLst>
   <p:handoutMasterIdLst>
-    <p:handoutMasterId r:id="rId21"/>
+    <p:handoutMasterId r:id="rId19"/>
   </p:handoutMasterIdLst>
   <p:sldIdLst>
     <p:sldId id="280" r:id="rId2"/>
@@ -22,11 +22,9 @@
     <p:sldId id="296" r:id="rId13"/>
     <p:sldId id="297" r:id="rId14"/>
     <p:sldId id="287" r:id="rId15"/>
-    <p:sldId id="298" r:id="rId16"/>
-    <p:sldId id="299" r:id="rId17"/>
-    <p:sldId id="300" r:id="rId18"/>
-    <p:sldId id="302" r:id="rId19"/>
-    <p:sldId id="301" r:id="rId20"/>
+    <p:sldId id="300" r:id="rId16"/>
+    <p:sldId id="302" r:id="rId17"/>
+    <p:sldId id="301" r:id="rId18"/>
   </p:sldIdLst>
   <p:sldSz cx="24387175" cy="13716000"/>
   <p:notesSz cx="6858000" cy="9144000"/>
@@ -229,7 +227,7 @@
           <a:p>
             <a:fld id="{52CFFC7C-0376-E44D-ACA0-D60DC10B59F7}" type="datetimeFigureOut">
               <a:rPr lang="en-US" smtClean="0"/>
-              <a:t>4/25/2020</a:t>
+              <a:t>4/26/2020</a:t>
             </a:fld>
             <a:endParaRPr lang="en-US"/>
           </a:p>
@@ -1618,7 +1616,7 @@
                 <a:ea typeface="Open Sans" panose="020B0606030504020204" pitchFamily="34" charset="0"/>
                 <a:cs typeface="Open Sans" panose="020B0606030504020204" pitchFamily="34" charset="0"/>
               </a:rPr>
-              <a:t>Figure 1 : Exemple pour le sommet  9</a:t>
+              <a:t>Figure 7 : Exemple pour le sommet  9</a:t>
             </a:r>
           </a:p>
           <a:p>
@@ -3421,7 +3419,7 @@
                 <a:ea typeface="Open Sans" panose="020B0606030504020204" pitchFamily="34" charset="0"/>
                 <a:cs typeface="Open Sans" panose="020B0606030504020204" pitchFamily="34" charset="0"/>
               </a:rPr>
-              <a:t>Figure 1 : Exemple pour le sommet  7</a:t>
+              <a:t>Figure 8 : Exemple pour le sommet  7</a:t>
             </a:r>
           </a:p>
           <a:p>
@@ -3451,1447 +3449,6 @@
 </file>
 
 <file path=ppt/slides/slide15.xml><?xml version="1.0" encoding="utf-8"?>
-<p:sld xmlns:a="http://schemas.openxmlformats.org/drawingml/2006/main" xmlns:r="http://schemas.openxmlformats.org/officeDocument/2006/relationships" xmlns:p="http://schemas.openxmlformats.org/presentationml/2006/main">
-  <p:cSld>
-    <p:spTree>
-      <p:nvGrpSpPr>
-        <p:cNvPr id="1" name=""/>
-        <p:cNvGrpSpPr/>
-        <p:nvPr/>
-      </p:nvGrpSpPr>
-      <p:grpSpPr>
-        <a:xfrm>
-          <a:off x="0" y="0"/>
-          <a:ext cx="0" cy="0"/>
-          <a:chOff x="0" y="0"/>
-          <a:chExt cx="0" cy="0"/>
-        </a:xfrm>
-      </p:grpSpPr>
-      <p:sp>
-        <p:nvSpPr>
-          <p:cNvPr id="3" name="ZoneTexte 2">
-            <a:extLst>
-              <a:ext uri="{FF2B5EF4-FFF2-40B4-BE49-F238E27FC236}">
-                <a16:creationId xmlns:a16="http://schemas.microsoft.com/office/drawing/2014/main" id="{168B7E97-4894-436F-9382-6A92F4014357}"/>
-              </a:ext>
-            </a:extLst>
-          </p:cNvPr>
-          <p:cNvSpPr txBox="1"/>
-          <p:nvPr/>
-        </p:nvSpPr>
-        <p:spPr>
-          <a:xfrm>
-            <a:off x="2375271" y="1113184"/>
-            <a:ext cx="17880677" cy="1046440"/>
-          </a:xfrm>
-          <a:prstGeom prst="rect">
-            <a:avLst/>
-          </a:prstGeom>
-          <a:noFill/>
-        </p:spPr>
-        <p:txBody>
-          <a:bodyPr wrap="square" rtlCol="0">
-            <a:spAutoFit/>
-          </a:bodyPr>
-          <a:lstStyle/>
-          <a:p>
-            <a:r>
-              <a:rPr lang="fr-FR" sz="6200" b="1" dirty="0">
-                <a:latin typeface="Montserrat" panose="00000500000000000000" pitchFamily="2" charset="0"/>
-              </a:rPr>
-              <a:t>V : Méthode de l’ordonnancement</a:t>
-            </a:r>
-          </a:p>
-        </p:txBody>
-      </p:sp>
-      <p:sp>
-        <p:nvSpPr>
-          <p:cNvPr id="16" name="Oval 58">
-            <a:extLst>
-              <a:ext uri="{FF2B5EF4-FFF2-40B4-BE49-F238E27FC236}">
-                <a16:creationId xmlns:a16="http://schemas.microsoft.com/office/drawing/2014/main" id="{0E244E65-4A71-4FF1-BD18-75E1912E061C}"/>
-              </a:ext>
-            </a:extLst>
-          </p:cNvPr>
-          <p:cNvSpPr/>
-          <p:nvPr/>
-        </p:nvSpPr>
-        <p:spPr>
-          <a:xfrm>
-            <a:off x="1673229" y="3765604"/>
-            <a:ext cx="1074332" cy="1074611"/>
-          </a:xfrm>
-          <a:prstGeom prst="ellipse">
-            <a:avLst/>
-          </a:prstGeom>
-          <a:noFill/>
-          <a:ln w="28575">
-            <a:solidFill>
-              <a:schemeClr val="tx1"/>
-            </a:solidFill>
-          </a:ln>
-        </p:spPr>
-        <p:style>
-          <a:lnRef idx="2">
-            <a:schemeClr val="accent1">
-              <a:shade val="50000"/>
-            </a:schemeClr>
-          </a:lnRef>
-          <a:fillRef idx="1">
-            <a:schemeClr val="accent1"/>
-          </a:fillRef>
-          <a:effectRef idx="0">
-            <a:schemeClr val="accent1"/>
-          </a:effectRef>
-          <a:fontRef idx="minor">
-            <a:schemeClr val="lt1"/>
-          </a:fontRef>
-        </p:style>
-        <p:txBody>
-          <a:bodyPr rtlCol="0" anchor="ctr"/>
-          <a:lstStyle/>
-          <a:p>
-            <a:pPr algn="ctr"/>
-            <a:endParaRPr lang="en-US" sz="2900" dirty="0">
-              <a:latin typeface="Montserrat Light" charset="0"/>
-              <a:ea typeface="Montserrat Light" charset="0"/>
-              <a:cs typeface="Montserrat Light" charset="0"/>
-            </a:endParaRPr>
-          </a:p>
-        </p:txBody>
-      </p:sp>
-      <p:sp>
-        <p:nvSpPr>
-          <p:cNvPr id="17" name="ZoneTexte 16">
-            <a:extLst>
-              <a:ext uri="{FF2B5EF4-FFF2-40B4-BE49-F238E27FC236}">
-                <a16:creationId xmlns:a16="http://schemas.microsoft.com/office/drawing/2014/main" id="{8490786A-64ED-47C8-87F3-F2BD7C07C2D2}"/>
-              </a:ext>
-            </a:extLst>
-          </p:cNvPr>
-          <p:cNvSpPr txBox="1"/>
-          <p:nvPr/>
-        </p:nvSpPr>
-        <p:spPr>
-          <a:xfrm>
-            <a:off x="1827648" y="3856634"/>
-            <a:ext cx="765494" cy="892552"/>
-          </a:xfrm>
-          <a:prstGeom prst="rect">
-            <a:avLst/>
-          </a:prstGeom>
-          <a:noFill/>
-        </p:spPr>
-        <p:txBody>
-          <a:bodyPr wrap="square" rtlCol="0">
-            <a:spAutoFit/>
-          </a:bodyPr>
-          <a:lstStyle/>
-          <a:p>
-            <a:pPr algn="ctr"/>
-            <a:r>
-              <a:rPr lang="fr-FR" sz="5200" b="1" dirty="0">
-                <a:latin typeface="Montserrat" panose="00000500000000000000" pitchFamily="2" charset="0"/>
-              </a:rPr>
-              <a:t>1</a:t>
-            </a:r>
-          </a:p>
-        </p:txBody>
-      </p:sp>
-      <p:sp>
-        <p:nvSpPr>
-          <p:cNvPr id="19" name="ZoneTexte 18">
-            <a:extLst>
-              <a:ext uri="{FF2B5EF4-FFF2-40B4-BE49-F238E27FC236}">
-                <a16:creationId xmlns:a16="http://schemas.microsoft.com/office/drawing/2014/main" id="{E8411C99-30CC-490C-87A6-28858FED21D7}"/>
-              </a:ext>
-            </a:extLst>
-          </p:cNvPr>
-          <p:cNvSpPr txBox="1"/>
-          <p:nvPr/>
-        </p:nvSpPr>
-        <p:spPr>
-          <a:xfrm>
-            <a:off x="3813175" y="3702744"/>
-            <a:ext cx="7456472" cy="1200329"/>
-          </a:xfrm>
-          <a:prstGeom prst="rect">
-            <a:avLst/>
-          </a:prstGeom>
-          <a:noFill/>
-        </p:spPr>
-        <p:txBody>
-          <a:bodyPr wrap="square" rtlCol="0">
-            <a:spAutoFit/>
-          </a:bodyPr>
-          <a:lstStyle/>
-          <a:p>
-            <a:r>
-              <a:rPr lang="fr-FR" dirty="0">
-                <a:latin typeface="Open Sans" panose="020B0606030504020204" pitchFamily="34" charset="0"/>
-                <a:ea typeface="Open Sans" panose="020B0606030504020204" pitchFamily="34" charset="0"/>
-                <a:cs typeface="Open Sans" panose="020B0606030504020204" pitchFamily="34" charset="0"/>
-              </a:rPr>
-              <a:t>Récupération de la liste des successeurs</a:t>
-            </a:r>
-          </a:p>
-        </p:txBody>
-      </p:sp>
-      <p:sp>
-        <p:nvSpPr>
-          <p:cNvPr id="20" name="Oval 58">
-            <a:extLst>
-              <a:ext uri="{FF2B5EF4-FFF2-40B4-BE49-F238E27FC236}">
-                <a16:creationId xmlns:a16="http://schemas.microsoft.com/office/drawing/2014/main" id="{C6AC175D-B562-45F5-9CE3-3C36DF961328}"/>
-              </a:ext>
-            </a:extLst>
-          </p:cNvPr>
-          <p:cNvSpPr/>
-          <p:nvPr/>
-        </p:nvSpPr>
-        <p:spPr>
-          <a:xfrm>
-            <a:off x="1653792" y="10439313"/>
-            <a:ext cx="1074332" cy="1074611"/>
-          </a:xfrm>
-          <a:prstGeom prst="ellipse">
-            <a:avLst/>
-          </a:prstGeom>
-          <a:noFill/>
-          <a:ln w="28575">
-            <a:solidFill>
-              <a:schemeClr val="tx1"/>
-            </a:solidFill>
-          </a:ln>
-        </p:spPr>
-        <p:style>
-          <a:lnRef idx="2">
-            <a:schemeClr val="accent1">
-              <a:shade val="50000"/>
-            </a:schemeClr>
-          </a:lnRef>
-          <a:fillRef idx="1">
-            <a:schemeClr val="accent1"/>
-          </a:fillRef>
-          <a:effectRef idx="0">
-            <a:schemeClr val="accent1"/>
-          </a:effectRef>
-          <a:fontRef idx="minor">
-            <a:schemeClr val="lt1"/>
-          </a:fontRef>
-        </p:style>
-        <p:txBody>
-          <a:bodyPr rtlCol="0" anchor="ctr"/>
-          <a:lstStyle/>
-          <a:p>
-            <a:pPr algn="ctr"/>
-            <a:endParaRPr lang="en-US" sz="2900" dirty="0">
-              <a:latin typeface="Montserrat Light" charset="0"/>
-              <a:ea typeface="Montserrat Light" charset="0"/>
-              <a:cs typeface="Montserrat Light" charset="0"/>
-            </a:endParaRPr>
-          </a:p>
-        </p:txBody>
-      </p:sp>
-      <p:sp>
-        <p:nvSpPr>
-          <p:cNvPr id="21" name="ZoneTexte 20">
-            <a:extLst>
-              <a:ext uri="{FF2B5EF4-FFF2-40B4-BE49-F238E27FC236}">
-                <a16:creationId xmlns:a16="http://schemas.microsoft.com/office/drawing/2014/main" id="{7D39F379-19DA-462F-82DF-CC0429FDD16A}"/>
-              </a:ext>
-            </a:extLst>
-          </p:cNvPr>
-          <p:cNvSpPr txBox="1"/>
-          <p:nvPr/>
-        </p:nvSpPr>
-        <p:spPr>
-          <a:xfrm>
-            <a:off x="3813175" y="10439492"/>
-            <a:ext cx="7456472" cy="1200329"/>
-          </a:xfrm>
-          <a:prstGeom prst="rect">
-            <a:avLst/>
-          </a:prstGeom>
-          <a:noFill/>
-        </p:spPr>
-        <p:txBody>
-          <a:bodyPr wrap="square" rtlCol="0">
-            <a:spAutoFit/>
-          </a:bodyPr>
-          <a:lstStyle/>
-          <a:p>
-            <a:r>
-              <a:rPr lang="fr-FR" dirty="0">
-                <a:latin typeface="Open Sans" panose="020B0606030504020204" pitchFamily="34" charset="0"/>
-                <a:ea typeface="Open Sans" panose="020B0606030504020204" pitchFamily="34" charset="0"/>
-                <a:cs typeface="Open Sans" panose="020B0606030504020204" pitchFamily="34" charset="0"/>
-              </a:rPr>
-              <a:t>Récupération de la tâche du sommet</a:t>
-            </a:r>
-          </a:p>
-        </p:txBody>
-      </p:sp>
-      <p:sp>
-        <p:nvSpPr>
-          <p:cNvPr id="22" name="ZoneTexte 21">
-            <a:extLst>
-              <a:ext uri="{FF2B5EF4-FFF2-40B4-BE49-F238E27FC236}">
-                <a16:creationId xmlns:a16="http://schemas.microsoft.com/office/drawing/2014/main" id="{73A8A3C1-5182-403C-84AD-7A9C7DD420F7}"/>
-              </a:ext>
-            </a:extLst>
-          </p:cNvPr>
-          <p:cNvSpPr txBox="1"/>
-          <p:nvPr/>
-        </p:nvSpPr>
-        <p:spPr>
-          <a:xfrm>
-            <a:off x="1808211" y="10530341"/>
-            <a:ext cx="765494" cy="892552"/>
-          </a:xfrm>
-          <a:prstGeom prst="rect">
-            <a:avLst/>
-          </a:prstGeom>
-          <a:noFill/>
-        </p:spPr>
-        <p:txBody>
-          <a:bodyPr wrap="square" rtlCol="0">
-            <a:spAutoFit/>
-          </a:bodyPr>
-          <a:lstStyle/>
-          <a:p>
-            <a:pPr algn="ctr"/>
-            <a:r>
-              <a:rPr lang="fr-FR" sz="5200" b="1" dirty="0">
-                <a:latin typeface="Montserrat" panose="00000500000000000000" pitchFamily="2" charset="0"/>
-              </a:rPr>
-              <a:t>2</a:t>
-            </a:r>
-          </a:p>
-        </p:txBody>
-      </p:sp>
-      <p:sp>
-        <p:nvSpPr>
-          <p:cNvPr id="23" name="Rectangle 22">
-            <a:extLst>
-              <a:ext uri="{FF2B5EF4-FFF2-40B4-BE49-F238E27FC236}">
-                <a16:creationId xmlns:a16="http://schemas.microsoft.com/office/drawing/2014/main" id="{E603F1CA-3011-4FF3-9588-EAF41B469703}"/>
-              </a:ext>
-            </a:extLst>
-          </p:cNvPr>
-          <p:cNvSpPr/>
-          <p:nvPr/>
-        </p:nvSpPr>
-        <p:spPr>
-          <a:xfrm>
-            <a:off x="13247048" y="2729880"/>
-            <a:ext cx="9466898" cy="4708981"/>
-          </a:xfrm>
-          <a:prstGeom prst="rect">
-            <a:avLst/>
-          </a:prstGeom>
-        </p:spPr>
-        <p:txBody>
-          <a:bodyPr wrap="square">
-            <a:spAutoFit/>
-          </a:bodyPr>
-          <a:lstStyle/>
-          <a:p>
-            <a:r>
-              <a:rPr lang="fr-FR" sz="3000" dirty="0" err="1">
-                <a:latin typeface="Open Sans" panose="020B0606030504020204" pitchFamily="34" charset="0"/>
-                <a:ea typeface="Open Sans" panose="020B0606030504020204" pitchFamily="34" charset="0"/>
-                <a:cs typeface="Open Sans" panose="020B0606030504020204" pitchFamily="34" charset="0"/>
-              </a:rPr>
-              <a:t>array</a:t>
-            </a:r>
-            <a:r>
-              <a:rPr lang="fr-FR" sz="3000" dirty="0">
-                <a:latin typeface="Open Sans" panose="020B0606030504020204" pitchFamily="34" charset="0"/>
-                <a:ea typeface="Open Sans" panose="020B0606030504020204" pitchFamily="34" charset="0"/>
-                <a:cs typeface="Open Sans" panose="020B0606030504020204" pitchFamily="34" charset="0"/>
-              </a:rPr>
-              <a:t>[2][</a:t>
-            </a:r>
-            <a:r>
-              <a:rPr lang="fr-FR" sz="3000" dirty="0" err="1">
-                <a:latin typeface="Open Sans" panose="020B0606030504020204" pitchFamily="34" charset="0"/>
-                <a:ea typeface="Open Sans" panose="020B0606030504020204" pitchFamily="34" charset="0"/>
-                <a:cs typeface="Open Sans" panose="020B0606030504020204" pitchFamily="34" charset="0"/>
-              </a:rPr>
-              <a:t>nbSommet</a:t>
-            </a:r>
-            <a:r>
-              <a:rPr lang="fr-FR" sz="3000" dirty="0">
-                <a:latin typeface="Open Sans" panose="020B0606030504020204" pitchFamily="34" charset="0"/>
-                <a:ea typeface="Open Sans" panose="020B0606030504020204" pitchFamily="34" charset="0"/>
-                <a:cs typeface="Open Sans" panose="020B0606030504020204" pitchFamily="34" charset="0"/>
-              </a:rPr>
-              <a:t>]</a:t>
-            </a:r>
-          </a:p>
-          <a:p>
-            <a:r>
-              <a:rPr lang="fr-FR" sz="3000" dirty="0" err="1">
-                <a:latin typeface="Open Sans" panose="020B0606030504020204" pitchFamily="34" charset="0"/>
-                <a:ea typeface="Open Sans" panose="020B0606030504020204" pitchFamily="34" charset="0"/>
-                <a:cs typeface="Open Sans" panose="020B0606030504020204" pitchFamily="34" charset="0"/>
-              </a:rPr>
-              <a:t>array</a:t>
-            </a:r>
-            <a:r>
-              <a:rPr lang="fr-FR" sz="3000" dirty="0">
-                <a:latin typeface="Open Sans" panose="020B0606030504020204" pitchFamily="34" charset="0"/>
-                <a:ea typeface="Open Sans" panose="020B0606030504020204" pitchFamily="34" charset="0"/>
-                <a:cs typeface="Open Sans" panose="020B0606030504020204" pitchFamily="34" charset="0"/>
-              </a:rPr>
-              <a:t>[0][nb_sommet-1] = -1;</a:t>
-            </a:r>
-          </a:p>
-          <a:p>
-            <a:r>
-              <a:rPr lang="fr-FR" sz="3000" dirty="0" err="1">
-                <a:latin typeface="Open Sans" panose="020B0606030504020204" pitchFamily="34" charset="0"/>
-                <a:ea typeface="Open Sans" panose="020B0606030504020204" pitchFamily="34" charset="0"/>
-                <a:cs typeface="Open Sans" panose="020B0606030504020204" pitchFamily="34" charset="0"/>
-              </a:rPr>
-              <a:t>array</a:t>
-            </a:r>
-            <a:r>
-              <a:rPr lang="fr-FR" sz="3000" dirty="0">
-                <a:latin typeface="Open Sans" panose="020B0606030504020204" pitchFamily="34" charset="0"/>
-                <a:ea typeface="Open Sans" panose="020B0606030504020204" pitchFamily="34" charset="0"/>
-                <a:cs typeface="Open Sans" panose="020B0606030504020204" pitchFamily="34" charset="0"/>
-              </a:rPr>
-              <a:t>[1][nb_sommet-1] = </a:t>
-            </a:r>
-            <a:r>
-              <a:rPr lang="fr-FR" sz="3000" dirty="0" err="1">
-                <a:latin typeface="Open Sans" panose="020B0606030504020204" pitchFamily="34" charset="0"/>
-                <a:ea typeface="Open Sans" panose="020B0606030504020204" pitchFamily="34" charset="0"/>
-                <a:cs typeface="Open Sans" panose="020B0606030504020204" pitchFamily="34" charset="0"/>
-              </a:rPr>
-              <a:t>datePlusTot</a:t>
-            </a:r>
-            <a:r>
-              <a:rPr lang="fr-FR" sz="3000" dirty="0">
-                <a:latin typeface="Open Sans" panose="020B0606030504020204" pitchFamily="34" charset="0"/>
-                <a:ea typeface="Open Sans" panose="020B0606030504020204" pitchFamily="34" charset="0"/>
-                <a:cs typeface="Open Sans" panose="020B0606030504020204" pitchFamily="34" charset="0"/>
-              </a:rPr>
-              <a:t>;</a:t>
-            </a:r>
-          </a:p>
-          <a:p>
-            <a:r>
-              <a:rPr lang="fr-FR" sz="3000" dirty="0">
-                <a:latin typeface="Open Sans" panose="020B0606030504020204" pitchFamily="34" charset="0"/>
-                <a:ea typeface="Open Sans" panose="020B0606030504020204" pitchFamily="34" charset="0"/>
-                <a:cs typeface="Open Sans" panose="020B0606030504020204" pitchFamily="34" charset="0"/>
-              </a:rPr>
-              <a:t>pour i allant de nb-sommet - 2 à 0</a:t>
-            </a:r>
-          </a:p>
-          <a:p>
-            <a:r>
-              <a:rPr lang="fr-FR" sz="3000" dirty="0">
-                <a:latin typeface="Open Sans" panose="020B0606030504020204" pitchFamily="34" charset="0"/>
-                <a:ea typeface="Open Sans" panose="020B0606030504020204" pitchFamily="34" charset="0"/>
-                <a:cs typeface="Open Sans" panose="020B0606030504020204" pitchFamily="34" charset="0"/>
-              </a:rPr>
-              <a:t>    pour j allant 0 à nbSommet-1</a:t>
-            </a:r>
-          </a:p>
-          <a:p>
-            <a:r>
-              <a:rPr lang="fr-FR" sz="3000" dirty="0">
-                <a:latin typeface="Open Sans" panose="020B0606030504020204" pitchFamily="34" charset="0"/>
-                <a:ea typeface="Open Sans" panose="020B0606030504020204" pitchFamily="34" charset="0"/>
-                <a:cs typeface="Open Sans" panose="020B0606030504020204" pitchFamily="34" charset="0"/>
-              </a:rPr>
-              <a:t>        si </a:t>
-            </a:r>
-            <a:r>
-              <a:rPr lang="fr-FR" sz="3000" dirty="0" err="1">
-                <a:latin typeface="Open Sans" panose="020B0606030504020204" pitchFamily="34" charset="0"/>
-                <a:ea typeface="Open Sans" panose="020B0606030504020204" pitchFamily="34" charset="0"/>
-                <a:cs typeface="Open Sans" panose="020B0606030504020204" pitchFamily="34" charset="0"/>
-              </a:rPr>
-              <a:t>matriceAdjacence</a:t>
-            </a:r>
-            <a:r>
-              <a:rPr lang="fr-FR" sz="3000" dirty="0">
-                <a:latin typeface="Open Sans" panose="020B0606030504020204" pitchFamily="34" charset="0"/>
-                <a:ea typeface="Open Sans" panose="020B0606030504020204" pitchFamily="34" charset="0"/>
-                <a:cs typeface="Open Sans" panose="020B0606030504020204" pitchFamily="34" charset="0"/>
-              </a:rPr>
-              <a:t>[</a:t>
-            </a:r>
-            <a:r>
-              <a:rPr lang="fr-FR" sz="3000" dirty="0" err="1">
-                <a:latin typeface="Open Sans" panose="020B0606030504020204" pitchFamily="34" charset="0"/>
-                <a:ea typeface="Open Sans" panose="020B0606030504020204" pitchFamily="34" charset="0"/>
-                <a:cs typeface="Open Sans" panose="020B0606030504020204" pitchFamily="34" charset="0"/>
-              </a:rPr>
-              <a:t>sommetOrdonne</a:t>
-            </a:r>
-            <a:r>
-              <a:rPr lang="fr-FR" sz="3000" dirty="0">
-                <a:latin typeface="Open Sans" panose="020B0606030504020204" pitchFamily="34" charset="0"/>
-                <a:ea typeface="Open Sans" panose="020B0606030504020204" pitchFamily="34" charset="0"/>
-                <a:cs typeface="Open Sans" panose="020B0606030504020204" pitchFamily="34" charset="0"/>
-              </a:rPr>
-              <a:t>[i][j] == 1</a:t>
-            </a:r>
-          </a:p>
-          <a:p>
-            <a:r>
-              <a:rPr lang="fr-FR" sz="3000" dirty="0">
-                <a:latin typeface="Open Sans" panose="020B0606030504020204" pitchFamily="34" charset="0"/>
-                <a:ea typeface="Open Sans" panose="020B0606030504020204" pitchFamily="34" charset="0"/>
-                <a:cs typeface="Open Sans" panose="020B0606030504020204" pitchFamily="34" charset="0"/>
-              </a:rPr>
-              <a:t>            ajout j à </a:t>
-            </a:r>
-            <a:r>
-              <a:rPr lang="fr-FR" sz="3000" dirty="0" err="1">
-                <a:latin typeface="Open Sans" panose="020B0606030504020204" pitchFamily="34" charset="0"/>
-                <a:ea typeface="Open Sans" panose="020B0606030504020204" pitchFamily="34" charset="0"/>
-                <a:cs typeface="Open Sans" panose="020B0606030504020204" pitchFamily="34" charset="0"/>
-              </a:rPr>
-              <a:t>listeSucc</a:t>
-            </a:r>
-            <a:endParaRPr lang="fr-FR" sz="3000" dirty="0">
-              <a:latin typeface="Open Sans" panose="020B0606030504020204" pitchFamily="34" charset="0"/>
-              <a:ea typeface="Open Sans" panose="020B0606030504020204" pitchFamily="34" charset="0"/>
-              <a:cs typeface="Open Sans" panose="020B0606030504020204" pitchFamily="34" charset="0"/>
-            </a:endParaRPr>
-          </a:p>
-          <a:p>
-            <a:r>
-              <a:rPr lang="fr-FR" sz="3000" dirty="0">
-                <a:latin typeface="Open Sans" panose="020B0606030504020204" pitchFamily="34" charset="0"/>
-                <a:ea typeface="Open Sans" panose="020B0606030504020204" pitchFamily="34" charset="0"/>
-                <a:cs typeface="Open Sans" panose="020B0606030504020204" pitchFamily="34" charset="0"/>
-              </a:rPr>
-              <a:t>        fin</a:t>
-            </a:r>
-          </a:p>
-          <a:p>
-            <a:r>
-              <a:rPr lang="fr-FR" sz="3000" dirty="0">
-                <a:latin typeface="Open Sans" panose="020B0606030504020204" pitchFamily="34" charset="0"/>
-                <a:ea typeface="Open Sans" panose="020B0606030504020204" pitchFamily="34" charset="0"/>
-                <a:cs typeface="Open Sans" panose="020B0606030504020204" pitchFamily="34" charset="0"/>
-              </a:rPr>
-              <a:t>    fin</a:t>
-            </a:r>
-          </a:p>
-          <a:p>
-            <a:r>
-              <a:rPr lang="fr-FR" sz="3000" dirty="0">
-                <a:latin typeface="Open Sans" panose="020B0606030504020204" pitchFamily="34" charset="0"/>
-                <a:ea typeface="Open Sans" panose="020B0606030504020204" pitchFamily="34" charset="0"/>
-                <a:cs typeface="Open Sans" panose="020B0606030504020204" pitchFamily="34" charset="0"/>
-              </a:rPr>
-              <a:t>    …</a:t>
-            </a:r>
-          </a:p>
-        </p:txBody>
-      </p:sp>
-      <p:sp>
-        <p:nvSpPr>
-          <p:cNvPr id="24" name="Rectangle 23">
-            <a:extLst>
-              <a:ext uri="{FF2B5EF4-FFF2-40B4-BE49-F238E27FC236}">
-                <a16:creationId xmlns:a16="http://schemas.microsoft.com/office/drawing/2014/main" id="{E84CBF3F-8B3D-4AE6-A7E7-60951E474342}"/>
-              </a:ext>
-            </a:extLst>
-          </p:cNvPr>
-          <p:cNvSpPr/>
-          <p:nvPr/>
-        </p:nvSpPr>
-        <p:spPr>
-          <a:xfrm>
-            <a:off x="13247048" y="9791677"/>
-            <a:ext cx="8857578" cy="1477328"/>
-          </a:xfrm>
-          <a:prstGeom prst="rect">
-            <a:avLst/>
-          </a:prstGeom>
-        </p:spPr>
-        <p:txBody>
-          <a:bodyPr wrap="square">
-            <a:spAutoFit/>
-          </a:bodyPr>
-          <a:lstStyle/>
-          <a:p>
-            <a:r>
-              <a:rPr lang="fr-FR" sz="3000" dirty="0"/>
-              <a:t>    …</a:t>
-            </a:r>
-          </a:p>
-          <a:p>
-            <a:r>
-              <a:rPr lang="fr-FR" sz="3000" dirty="0"/>
-              <a:t>    tache = valeur de la tache de </a:t>
-            </a:r>
-            <a:r>
-              <a:rPr lang="fr-FR" sz="3000" dirty="0" err="1"/>
-              <a:t>sommetOrdonne</a:t>
-            </a:r>
-            <a:r>
-              <a:rPr lang="fr-FR" sz="3000" dirty="0"/>
-              <a:t>[i]   </a:t>
-            </a:r>
-          </a:p>
-          <a:p>
-            <a:r>
-              <a:rPr lang="fr-FR" sz="3000" dirty="0"/>
-              <a:t>    …</a:t>
-            </a:r>
-          </a:p>
-        </p:txBody>
-      </p:sp>
-    </p:spTree>
-    <p:extLst>
-      <p:ext uri="{BB962C8B-B14F-4D97-AF65-F5344CB8AC3E}">
-        <p14:creationId xmlns:p14="http://schemas.microsoft.com/office/powerpoint/2010/main" val="3295703450"/>
-      </p:ext>
-    </p:extLst>
-  </p:cSld>
-  <p:clrMapOvr>
-    <a:masterClrMapping/>
-  </p:clrMapOvr>
-</p:sld>
-</file>
-
-<file path=ppt/slides/slide16.xml><?xml version="1.0" encoding="utf-8"?>
-<p:sld xmlns:a="http://schemas.openxmlformats.org/drawingml/2006/main" xmlns:r="http://schemas.openxmlformats.org/officeDocument/2006/relationships" xmlns:p="http://schemas.openxmlformats.org/presentationml/2006/main">
-  <p:cSld>
-    <p:spTree>
-      <p:nvGrpSpPr>
-        <p:cNvPr id="1" name=""/>
-        <p:cNvGrpSpPr/>
-        <p:nvPr/>
-      </p:nvGrpSpPr>
-      <p:grpSpPr>
-        <a:xfrm>
-          <a:off x="0" y="0"/>
-          <a:ext cx="0" cy="0"/>
-          <a:chOff x="0" y="0"/>
-          <a:chExt cx="0" cy="0"/>
-        </a:xfrm>
-      </p:grpSpPr>
-      <p:sp>
-        <p:nvSpPr>
-          <p:cNvPr id="2" name="Oval 58">
-            <a:extLst>
-              <a:ext uri="{FF2B5EF4-FFF2-40B4-BE49-F238E27FC236}">
-                <a16:creationId xmlns:a16="http://schemas.microsoft.com/office/drawing/2014/main" id="{AD70A230-82AA-4409-B505-7464F553F4FB}"/>
-              </a:ext>
-            </a:extLst>
-          </p:cNvPr>
-          <p:cNvSpPr/>
-          <p:nvPr/>
-        </p:nvSpPr>
-        <p:spPr>
-          <a:xfrm>
-            <a:off x="1653792" y="4851259"/>
-            <a:ext cx="1074332" cy="1074611"/>
-          </a:xfrm>
-          <a:prstGeom prst="ellipse">
-            <a:avLst/>
-          </a:prstGeom>
-          <a:noFill/>
-          <a:ln w="28575">
-            <a:solidFill>
-              <a:schemeClr val="tx1"/>
-            </a:solidFill>
-          </a:ln>
-        </p:spPr>
-        <p:style>
-          <a:lnRef idx="2">
-            <a:schemeClr val="accent1">
-              <a:shade val="50000"/>
-            </a:schemeClr>
-          </a:lnRef>
-          <a:fillRef idx="1">
-            <a:schemeClr val="accent1"/>
-          </a:fillRef>
-          <a:effectRef idx="0">
-            <a:schemeClr val="accent1"/>
-          </a:effectRef>
-          <a:fontRef idx="minor">
-            <a:schemeClr val="lt1"/>
-          </a:fontRef>
-        </p:style>
-        <p:txBody>
-          <a:bodyPr rtlCol="0" anchor="ctr"/>
-          <a:lstStyle/>
-          <a:p>
-            <a:pPr algn="ctr"/>
-            <a:endParaRPr lang="en-US" sz="2900" dirty="0">
-              <a:latin typeface="Montserrat Light" charset="0"/>
-              <a:ea typeface="Montserrat Light" charset="0"/>
-              <a:cs typeface="Montserrat Light" charset="0"/>
-            </a:endParaRPr>
-          </a:p>
-        </p:txBody>
-      </p:sp>
-      <p:sp>
-        <p:nvSpPr>
-          <p:cNvPr id="3" name="ZoneTexte 2">
-            <a:extLst>
-              <a:ext uri="{FF2B5EF4-FFF2-40B4-BE49-F238E27FC236}">
-                <a16:creationId xmlns:a16="http://schemas.microsoft.com/office/drawing/2014/main" id="{62CE75D2-956A-4E80-9E11-FFB45D9A9023}"/>
-              </a:ext>
-            </a:extLst>
-          </p:cNvPr>
-          <p:cNvSpPr txBox="1"/>
-          <p:nvPr/>
-        </p:nvSpPr>
-        <p:spPr>
-          <a:xfrm>
-            <a:off x="3813175" y="4966727"/>
-            <a:ext cx="7456472" cy="646331"/>
-          </a:xfrm>
-          <a:prstGeom prst="rect">
-            <a:avLst/>
-          </a:prstGeom>
-          <a:noFill/>
-        </p:spPr>
-        <p:txBody>
-          <a:bodyPr wrap="square" rtlCol="0">
-            <a:spAutoFit/>
-          </a:bodyPr>
-          <a:lstStyle/>
-          <a:p>
-            <a:r>
-              <a:rPr lang="fr-FR" dirty="0">
-                <a:latin typeface="Open Sans" panose="020B0606030504020204" pitchFamily="34" charset="0"/>
-                <a:ea typeface="Open Sans" panose="020B0606030504020204" pitchFamily="34" charset="0"/>
-                <a:cs typeface="Open Sans" panose="020B0606030504020204" pitchFamily="34" charset="0"/>
-              </a:rPr>
-              <a:t>Calcul des dates au plus tard</a:t>
-            </a:r>
-          </a:p>
-        </p:txBody>
-      </p:sp>
-      <p:sp>
-        <p:nvSpPr>
-          <p:cNvPr id="8" name="ZoneTexte 7">
-            <a:extLst>
-              <a:ext uri="{FF2B5EF4-FFF2-40B4-BE49-F238E27FC236}">
-                <a16:creationId xmlns:a16="http://schemas.microsoft.com/office/drawing/2014/main" id="{F7CEAE41-B470-4249-9F67-341B9FDE0E2E}"/>
-              </a:ext>
-            </a:extLst>
-          </p:cNvPr>
-          <p:cNvSpPr txBox="1"/>
-          <p:nvPr/>
-        </p:nvSpPr>
-        <p:spPr>
-          <a:xfrm>
-            <a:off x="1808211" y="4942287"/>
-            <a:ext cx="765494" cy="892552"/>
-          </a:xfrm>
-          <a:prstGeom prst="rect">
-            <a:avLst/>
-          </a:prstGeom>
-          <a:noFill/>
-        </p:spPr>
-        <p:txBody>
-          <a:bodyPr wrap="square" rtlCol="0">
-            <a:spAutoFit/>
-          </a:bodyPr>
-          <a:lstStyle/>
-          <a:p>
-            <a:pPr algn="ctr"/>
-            <a:r>
-              <a:rPr lang="fr-FR" sz="5200" b="1" dirty="0">
-                <a:latin typeface="Montserrat" panose="00000500000000000000" pitchFamily="2" charset="0"/>
-              </a:rPr>
-              <a:t>3</a:t>
-            </a:r>
-          </a:p>
-        </p:txBody>
-      </p:sp>
-      <p:sp>
-        <p:nvSpPr>
-          <p:cNvPr id="9" name="Oval 58">
-            <a:extLst>
-              <a:ext uri="{FF2B5EF4-FFF2-40B4-BE49-F238E27FC236}">
-                <a16:creationId xmlns:a16="http://schemas.microsoft.com/office/drawing/2014/main" id="{314E2FB6-B01F-4137-9F9C-AF384FC63B9A}"/>
-              </a:ext>
-            </a:extLst>
-          </p:cNvPr>
-          <p:cNvSpPr/>
-          <p:nvPr/>
-        </p:nvSpPr>
-        <p:spPr>
-          <a:xfrm>
-            <a:off x="1653792" y="10001109"/>
-            <a:ext cx="1074332" cy="1074611"/>
-          </a:xfrm>
-          <a:prstGeom prst="ellipse">
-            <a:avLst/>
-          </a:prstGeom>
-          <a:noFill/>
-          <a:ln w="28575">
-            <a:solidFill>
-              <a:schemeClr val="tx1"/>
-            </a:solidFill>
-          </a:ln>
-        </p:spPr>
-        <p:style>
-          <a:lnRef idx="2">
-            <a:schemeClr val="accent1">
-              <a:shade val="50000"/>
-            </a:schemeClr>
-          </a:lnRef>
-          <a:fillRef idx="1">
-            <a:schemeClr val="accent1"/>
-          </a:fillRef>
-          <a:effectRef idx="0">
-            <a:schemeClr val="accent1"/>
-          </a:effectRef>
-          <a:fontRef idx="minor">
-            <a:schemeClr val="lt1"/>
-          </a:fontRef>
-        </p:style>
-        <p:txBody>
-          <a:bodyPr rtlCol="0" anchor="ctr"/>
-          <a:lstStyle/>
-          <a:p>
-            <a:pPr algn="ctr"/>
-            <a:endParaRPr lang="en-US" sz="2900" dirty="0">
-              <a:latin typeface="Montserrat Light" charset="0"/>
-              <a:ea typeface="Montserrat Light" charset="0"/>
-              <a:cs typeface="Montserrat Light" charset="0"/>
-            </a:endParaRPr>
-          </a:p>
-        </p:txBody>
-      </p:sp>
-      <p:sp>
-        <p:nvSpPr>
-          <p:cNvPr id="10" name="ZoneTexte 9">
-            <a:extLst>
-              <a:ext uri="{FF2B5EF4-FFF2-40B4-BE49-F238E27FC236}">
-                <a16:creationId xmlns:a16="http://schemas.microsoft.com/office/drawing/2014/main" id="{EA7305AA-C91D-4327-93CA-B854F5AF5A82}"/>
-              </a:ext>
-            </a:extLst>
-          </p:cNvPr>
-          <p:cNvSpPr txBox="1"/>
-          <p:nvPr/>
-        </p:nvSpPr>
-        <p:spPr>
-          <a:xfrm>
-            <a:off x="3813175" y="10116577"/>
-            <a:ext cx="7456472" cy="1200329"/>
-          </a:xfrm>
-          <a:prstGeom prst="rect">
-            <a:avLst/>
-          </a:prstGeom>
-          <a:noFill/>
-        </p:spPr>
-        <p:txBody>
-          <a:bodyPr wrap="square" rtlCol="0">
-            <a:spAutoFit/>
-          </a:bodyPr>
-          <a:lstStyle/>
-          <a:p>
-            <a:r>
-              <a:rPr lang="fr-FR" dirty="0">
-                <a:latin typeface="Open Sans" panose="020B0606030504020204" pitchFamily="34" charset="0"/>
-                <a:ea typeface="Open Sans" panose="020B0606030504020204" pitchFamily="34" charset="0"/>
-                <a:cs typeface="Open Sans" panose="020B0606030504020204" pitchFamily="34" charset="0"/>
-              </a:rPr>
-              <a:t>Conservation de la date au plus tard minimale</a:t>
-            </a:r>
-          </a:p>
-        </p:txBody>
-      </p:sp>
-      <p:sp>
-        <p:nvSpPr>
-          <p:cNvPr id="11" name="ZoneTexte 10">
-            <a:extLst>
-              <a:ext uri="{FF2B5EF4-FFF2-40B4-BE49-F238E27FC236}">
-                <a16:creationId xmlns:a16="http://schemas.microsoft.com/office/drawing/2014/main" id="{D1E9F0AC-D027-4719-AF38-04C4EBDAC40B}"/>
-              </a:ext>
-            </a:extLst>
-          </p:cNvPr>
-          <p:cNvSpPr txBox="1"/>
-          <p:nvPr/>
-        </p:nvSpPr>
-        <p:spPr>
-          <a:xfrm>
-            <a:off x="1808211" y="10092137"/>
-            <a:ext cx="765494" cy="892552"/>
-          </a:xfrm>
-          <a:prstGeom prst="rect">
-            <a:avLst/>
-          </a:prstGeom>
-          <a:noFill/>
-        </p:spPr>
-        <p:txBody>
-          <a:bodyPr wrap="square" rtlCol="0">
-            <a:spAutoFit/>
-          </a:bodyPr>
-          <a:lstStyle/>
-          <a:p>
-            <a:pPr algn="ctr"/>
-            <a:r>
-              <a:rPr lang="fr-FR" sz="5200" b="1" dirty="0">
-                <a:latin typeface="Montserrat" panose="00000500000000000000" pitchFamily="2" charset="0"/>
-              </a:rPr>
-              <a:t>4</a:t>
-            </a:r>
-          </a:p>
-        </p:txBody>
-      </p:sp>
-      <p:sp>
-        <p:nvSpPr>
-          <p:cNvPr id="12" name="Rectangle 11">
-            <a:extLst>
-              <a:ext uri="{FF2B5EF4-FFF2-40B4-BE49-F238E27FC236}">
-                <a16:creationId xmlns:a16="http://schemas.microsoft.com/office/drawing/2014/main" id="{9EC294B9-4D95-43E2-9035-3C4E7B2F0ED4}"/>
-              </a:ext>
-            </a:extLst>
-          </p:cNvPr>
-          <p:cNvSpPr/>
-          <p:nvPr/>
-        </p:nvSpPr>
-        <p:spPr>
-          <a:xfrm>
-            <a:off x="11556827" y="2704570"/>
-            <a:ext cx="13160736" cy="5170646"/>
-          </a:xfrm>
-          <a:prstGeom prst="rect">
-            <a:avLst/>
-          </a:prstGeom>
-        </p:spPr>
-        <p:txBody>
-          <a:bodyPr wrap="square">
-            <a:spAutoFit/>
-          </a:bodyPr>
-          <a:lstStyle/>
-          <a:p>
-            <a:r>
-              <a:rPr lang="fr-FR" sz="3000" dirty="0">
-                <a:latin typeface="Open Sans" panose="020B0606030504020204" pitchFamily="34" charset="0"/>
-                <a:ea typeface="Open Sans" panose="020B0606030504020204" pitchFamily="34" charset="0"/>
-                <a:cs typeface="Open Sans" panose="020B0606030504020204" pitchFamily="34" charset="0"/>
-              </a:rPr>
-              <a:t>…</a:t>
-            </a:r>
-          </a:p>
-          <a:p>
-            <a:r>
-              <a:rPr lang="fr-FR" sz="3000" dirty="0">
-                <a:latin typeface="Open Sans" panose="020B0606030504020204" pitchFamily="34" charset="0"/>
-                <a:ea typeface="Open Sans" panose="020B0606030504020204" pitchFamily="34" charset="0"/>
-                <a:cs typeface="Open Sans" panose="020B0606030504020204" pitchFamily="34" charset="0"/>
-              </a:rPr>
-              <a:t>    pour j allant de 0 à taille </a:t>
-            </a:r>
-            <a:r>
-              <a:rPr lang="fr-FR" sz="3000" dirty="0" err="1">
-                <a:latin typeface="Open Sans" panose="020B0606030504020204" pitchFamily="34" charset="0"/>
-                <a:ea typeface="Open Sans" panose="020B0606030504020204" pitchFamily="34" charset="0"/>
-                <a:cs typeface="Open Sans" panose="020B0606030504020204" pitchFamily="34" charset="0"/>
-              </a:rPr>
-              <a:t>listeSucc</a:t>
-            </a:r>
-            <a:r>
-              <a:rPr lang="fr-FR" sz="3000" dirty="0">
-                <a:latin typeface="Open Sans" panose="020B0606030504020204" pitchFamily="34" charset="0"/>
-                <a:ea typeface="Open Sans" panose="020B0606030504020204" pitchFamily="34" charset="0"/>
-                <a:cs typeface="Open Sans" panose="020B0606030504020204" pitchFamily="34" charset="0"/>
-              </a:rPr>
-              <a:t> - 1</a:t>
-            </a:r>
-          </a:p>
-          <a:p>
-            <a:r>
-              <a:rPr lang="fr-FR" sz="3000" dirty="0">
-                <a:latin typeface="Open Sans" panose="020B0606030504020204" pitchFamily="34" charset="0"/>
-                <a:ea typeface="Open Sans" panose="020B0606030504020204" pitchFamily="34" charset="0"/>
-                <a:cs typeface="Open Sans" panose="020B0606030504020204" pitchFamily="34" charset="0"/>
-              </a:rPr>
-              <a:t>	</a:t>
-            </a:r>
-            <a:r>
-              <a:rPr lang="fr-FR" sz="3000" dirty="0" err="1">
-                <a:latin typeface="Open Sans" panose="020B0606030504020204" pitchFamily="34" charset="0"/>
-                <a:ea typeface="Open Sans" panose="020B0606030504020204" pitchFamily="34" charset="0"/>
-                <a:cs typeface="Open Sans" panose="020B0606030504020204" pitchFamily="34" charset="0"/>
-              </a:rPr>
-              <a:t>sommetTache</a:t>
-            </a:r>
-            <a:r>
-              <a:rPr lang="fr-FR" sz="3000" dirty="0">
-                <a:latin typeface="Open Sans" panose="020B0606030504020204" pitchFamily="34" charset="0"/>
-                <a:ea typeface="Open Sans" panose="020B0606030504020204" pitchFamily="34" charset="0"/>
-                <a:cs typeface="Open Sans" panose="020B0606030504020204" pitchFamily="34" charset="0"/>
-              </a:rPr>
-              <a:t> = </a:t>
-            </a:r>
-            <a:r>
-              <a:rPr lang="fr-FR" sz="3000" dirty="0" err="1">
-                <a:latin typeface="Open Sans" panose="020B0606030504020204" pitchFamily="34" charset="0"/>
-                <a:ea typeface="Open Sans" panose="020B0606030504020204" pitchFamily="34" charset="0"/>
-                <a:cs typeface="Open Sans" panose="020B0606030504020204" pitchFamily="34" charset="0"/>
-              </a:rPr>
-              <a:t>listeSucc.get</a:t>
-            </a:r>
-            <a:r>
-              <a:rPr lang="fr-FR" sz="3000" dirty="0">
-                <a:latin typeface="Open Sans" panose="020B0606030504020204" pitchFamily="34" charset="0"/>
-                <a:ea typeface="Open Sans" panose="020B0606030504020204" pitchFamily="34" charset="0"/>
-                <a:cs typeface="Open Sans" panose="020B0606030504020204" pitchFamily="34" charset="0"/>
-              </a:rPr>
-              <a:t>(j)</a:t>
-            </a:r>
-          </a:p>
-          <a:p>
-            <a:r>
-              <a:rPr lang="fr-FR" sz="3000" dirty="0">
-                <a:latin typeface="Open Sans" panose="020B0606030504020204" pitchFamily="34" charset="0"/>
-                <a:ea typeface="Open Sans" panose="020B0606030504020204" pitchFamily="34" charset="0"/>
-                <a:cs typeface="Open Sans" panose="020B0606030504020204" pitchFamily="34" charset="0"/>
-              </a:rPr>
-              <a:t>        	index = 0</a:t>
-            </a:r>
-          </a:p>
-          <a:p>
-            <a:r>
-              <a:rPr lang="fr-FR" sz="3000" dirty="0">
-                <a:latin typeface="Open Sans" panose="020B0606030504020204" pitchFamily="34" charset="0"/>
-                <a:ea typeface="Open Sans" panose="020B0606030504020204" pitchFamily="34" charset="0"/>
-                <a:cs typeface="Open Sans" panose="020B0606030504020204" pitchFamily="34" charset="0"/>
-              </a:rPr>
-              <a:t>        	pour k allant de 0 à taille de </a:t>
-            </a:r>
-            <a:r>
-              <a:rPr lang="fr-FR" sz="3000" dirty="0" err="1">
-                <a:latin typeface="Open Sans" panose="020B0606030504020204" pitchFamily="34" charset="0"/>
-                <a:ea typeface="Open Sans" panose="020B0606030504020204" pitchFamily="34" charset="0"/>
-                <a:cs typeface="Open Sans" panose="020B0606030504020204" pitchFamily="34" charset="0"/>
-              </a:rPr>
-              <a:t>sommetOrdonne</a:t>
-            </a:r>
-            <a:r>
-              <a:rPr lang="fr-FR" sz="3000" dirty="0">
-                <a:latin typeface="Open Sans" panose="020B0606030504020204" pitchFamily="34" charset="0"/>
-                <a:ea typeface="Open Sans" panose="020B0606030504020204" pitchFamily="34" charset="0"/>
-                <a:cs typeface="Open Sans" panose="020B0606030504020204" pitchFamily="34" charset="0"/>
-              </a:rPr>
-              <a:t> - 1</a:t>
-            </a:r>
-          </a:p>
-          <a:p>
-            <a:r>
-              <a:rPr lang="fr-FR" sz="3000" dirty="0">
-                <a:latin typeface="Open Sans" panose="020B0606030504020204" pitchFamily="34" charset="0"/>
-                <a:ea typeface="Open Sans" panose="020B0606030504020204" pitchFamily="34" charset="0"/>
-                <a:cs typeface="Open Sans" panose="020B0606030504020204" pitchFamily="34" charset="0"/>
-              </a:rPr>
-              <a:t>            		si (</a:t>
-            </a:r>
-            <a:r>
-              <a:rPr lang="fr-FR" sz="3000" dirty="0" err="1">
-                <a:latin typeface="Open Sans" panose="020B0606030504020204" pitchFamily="34" charset="0"/>
-                <a:ea typeface="Open Sans" panose="020B0606030504020204" pitchFamily="34" charset="0"/>
-                <a:cs typeface="Open Sans" panose="020B0606030504020204" pitchFamily="34" charset="0"/>
-              </a:rPr>
-              <a:t>sommetOrdonne</a:t>
-            </a:r>
-            <a:r>
-              <a:rPr lang="fr-FR" sz="3000" dirty="0">
-                <a:latin typeface="Open Sans" panose="020B0606030504020204" pitchFamily="34" charset="0"/>
-                <a:ea typeface="Open Sans" panose="020B0606030504020204" pitchFamily="34" charset="0"/>
-                <a:cs typeface="Open Sans" panose="020B0606030504020204" pitchFamily="34" charset="0"/>
-              </a:rPr>
-              <a:t>[k] == </a:t>
-            </a:r>
-            <a:r>
-              <a:rPr lang="fr-FR" sz="3000" dirty="0" err="1">
-                <a:latin typeface="Open Sans" panose="020B0606030504020204" pitchFamily="34" charset="0"/>
-                <a:ea typeface="Open Sans" panose="020B0606030504020204" pitchFamily="34" charset="0"/>
-                <a:cs typeface="Open Sans" panose="020B0606030504020204" pitchFamily="34" charset="0"/>
-              </a:rPr>
-              <a:t>sommetTache</a:t>
-            </a:r>
-            <a:r>
-              <a:rPr lang="fr-FR" sz="3000" dirty="0">
-                <a:latin typeface="Open Sans" panose="020B0606030504020204" pitchFamily="34" charset="0"/>
-                <a:ea typeface="Open Sans" panose="020B0606030504020204" pitchFamily="34" charset="0"/>
-                <a:cs typeface="Open Sans" panose="020B0606030504020204" pitchFamily="34" charset="0"/>
-              </a:rPr>
-              <a:t>)</a:t>
-            </a:r>
-          </a:p>
-          <a:p>
-            <a:r>
-              <a:rPr lang="fr-FR" sz="3000" dirty="0">
-                <a:latin typeface="Open Sans" panose="020B0606030504020204" pitchFamily="34" charset="0"/>
-                <a:ea typeface="Open Sans" panose="020B0606030504020204" pitchFamily="34" charset="0"/>
-                <a:cs typeface="Open Sans" panose="020B0606030504020204" pitchFamily="34" charset="0"/>
-              </a:rPr>
-              <a:t>                			index = k</a:t>
-            </a:r>
-          </a:p>
-          <a:p>
-            <a:r>
-              <a:rPr lang="fr-FR" sz="3000" dirty="0">
-                <a:latin typeface="Open Sans" panose="020B0606030504020204" pitchFamily="34" charset="0"/>
-                <a:ea typeface="Open Sans" panose="020B0606030504020204" pitchFamily="34" charset="0"/>
-                <a:cs typeface="Open Sans" panose="020B0606030504020204" pitchFamily="34" charset="0"/>
-              </a:rPr>
-              <a:t>            		fin</a:t>
-            </a:r>
-          </a:p>
-          <a:p>
-            <a:r>
-              <a:rPr lang="fr-FR" sz="3000" dirty="0">
-                <a:latin typeface="Open Sans" panose="020B0606030504020204" pitchFamily="34" charset="0"/>
-                <a:ea typeface="Open Sans" panose="020B0606030504020204" pitchFamily="34" charset="0"/>
-                <a:cs typeface="Open Sans" panose="020B0606030504020204" pitchFamily="34" charset="0"/>
-              </a:rPr>
-              <a:t>        	fin</a:t>
-            </a:r>
-          </a:p>
-          <a:p>
-            <a:r>
-              <a:rPr lang="fr-FR" sz="3000" dirty="0">
-                <a:latin typeface="Open Sans" panose="020B0606030504020204" pitchFamily="34" charset="0"/>
-                <a:ea typeface="Open Sans" panose="020B0606030504020204" pitchFamily="34" charset="0"/>
-                <a:cs typeface="Open Sans" panose="020B0606030504020204" pitchFamily="34" charset="0"/>
-              </a:rPr>
-              <a:t>        	ajoute (</a:t>
-            </a:r>
-            <a:r>
-              <a:rPr lang="fr-FR" sz="3000" dirty="0" err="1">
-                <a:latin typeface="Open Sans" panose="020B0606030504020204" pitchFamily="34" charset="0"/>
-                <a:ea typeface="Open Sans" panose="020B0606030504020204" pitchFamily="34" charset="0"/>
-                <a:cs typeface="Open Sans" panose="020B0606030504020204" pitchFamily="34" charset="0"/>
-              </a:rPr>
-              <a:t>array</a:t>
-            </a:r>
-            <a:r>
-              <a:rPr lang="fr-FR" sz="3000" dirty="0">
-                <a:latin typeface="Open Sans" panose="020B0606030504020204" pitchFamily="34" charset="0"/>
-                <a:ea typeface="Open Sans" panose="020B0606030504020204" pitchFamily="34" charset="0"/>
-                <a:cs typeface="Open Sans" panose="020B0606030504020204" pitchFamily="34" charset="0"/>
-              </a:rPr>
-              <a:t>[1][index] - tache) à </a:t>
-            </a:r>
-            <a:r>
-              <a:rPr lang="fr-FR" sz="3000" dirty="0" err="1">
-                <a:latin typeface="Open Sans" panose="020B0606030504020204" pitchFamily="34" charset="0"/>
-                <a:ea typeface="Open Sans" panose="020B0606030504020204" pitchFamily="34" charset="0"/>
-                <a:cs typeface="Open Sans" panose="020B0606030504020204" pitchFamily="34" charset="0"/>
-              </a:rPr>
-              <a:t>listeDatePlusTard</a:t>
-            </a:r>
-            <a:endParaRPr lang="fr-FR" sz="3000" dirty="0">
-              <a:latin typeface="Open Sans" panose="020B0606030504020204" pitchFamily="34" charset="0"/>
-              <a:ea typeface="Open Sans" panose="020B0606030504020204" pitchFamily="34" charset="0"/>
-              <a:cs typeface="Open Sans" panose="020B0606030504020204" pitchFamily="34" charset="0"/>
-            </a:endParaRPr>
-          </a:p>
-          <a:p>
-            <a:r>
-              <a:rPr lang="fr-FR" sz="3000" dirty="0">
-                <a:latin typeface="Open Sans" panose="020B0606030504020204" pitchFamily="34" charset="0"/>
-                <a:ea typeface="Open Sans" panose="020B0606030504020204" pitchFamily="34" charset="0"/>
-                <a:cs typeface="Open Sans" panose="020B0606030504020204" pitchFamily="34" charset="0"/>
-              </a:rPr>
-              <a:t>    fin</a:t>
-            </a:r>
-          </a:p>
-        </p:txBody>
-      </p:sp>
-      <p:sp>
-        <p:nvSpPr>
-          <p:cNvPr id="14" name="Rectangle 13">
-            <a:extLst>
-              <a:ext uri="{FF2B5EF4-FFF2-40B4-BE49-F238E27FC236}">
-                <a16:creationId xmlns:a16="http://schemas.microsoft.com/office/drawing/2014/main" id="{C238569F-F9A7-49D4-92ED-73A9E7CF192E}"/>
-              </a:ext>
-            </a:extLst>
-          </p:cNvPr>
-          <p:cNvSpPr/>
-          <p:nvPr/>
-        </p:nvSpPr>
-        <p:spPr>
-          <a:xfrm>
-            <a:off x="11556827" y="9338084"/>
-            <a:ext cx="14543330" cy="2400657"/>
-          </a:xfrm>
-          <a:prstGeom prst="rect">
-            <a:avLst/>
-          </a:prstGeom>
-        </p:spPr>
-        <p:txBody>
-          <a:bodyPr wrap="square">
-            <a:spAutoFit/>
-          </a:bodyPr>
-          <a:lstStyle/>
-          <a:p>
-            <a:r>
-              <a:rPr lang="fr-FR" sz="3000" dirty="0">
-                <a:latin typeface="Open Sans" panose="020B0606030504020204" pitchFamily="34" charset="0"/>
-                <a:ea typeface="Open Sans" panose="020B0606030504020204" pitchFamily="34" charset="0"/>
-                <a:cs typeface="Open Sans" panose="020B0606030504020204" pitchFamily="34" charset="0"/>
-              </a:rPr>
-              <a:t>    </a:t>
-            </a:r>
-            <a:r>
-              <a:rPr lang="fr-FR" sz="3000" dirty="0" err="1">
-                <a:latin typeface="Open Sans" panose="020B0606030504020204" pitchFamily="34" charset="0"/>
-                <a:ea typeface="Open Sans" panose="020B0606030504020204" pitchFamily="34" charset="0"/>
-                <a:cs typeface="Open Sans" panose="020B0606030504020204" pitchFamily="34" charset="0"/>
-              </a:rPr>
-              <a:t>array</a:t>
-            </a:r>
-            <a:r>
-              <a:rPr lang="fr-FR" sz="3000" dirty="0">
-                <a:latin typeface="Open Sans" panose="020B0606030504020204" pitchFamily="34" charset="0"/>
-                <a:ea typeface="Open Sans" panose="020B0606030504020204" pitchFamily="34" charset="0"/>
-                <a:cs typeface="Open Sans" panose="020B0606030504020204" pitchFamily="34" charset="0"/>
-              </a:rPr>
-              <a:t>[1][i] = Valeur min de </a:t>
-            </a:r>
-            <a:r>
-              <a:rPr lang="fr-FR" sz="3000" dirty="0" err="1">
-                <a:latin typeface="Open Sans" panose="020B0606030504020204" pitchFamily="34" charset="0"/>
-                <a:ea typeface="Open Sans" panose="020B0606030504020204" pitchFamily="34" charset="0"/>
-                <a:cs typeface="Open Sans" panose="020B0606030504020204" pitchFamily="34" charset="0"/>
-              </a:rPr>
-              <a:t>listeDatePlusTard</a:t>
-            </a:r>
-            <a:endParaRPr lang="fr-FR" sz="3000" dirty="0">
-              <a:latin typeface="Open Sans" panose="020B0606030504020204" pitchFamily="34" charset="0"/>
-              <a:ea typeface="Open Sans" panose="020B0606030504020204" pitchFamily="34" charset="0"/>
-              <a:cs typeface="Open Sans" panose="020B0606030504020204" pitchFamily="34" charset="0"/>
-            </a:endParaRPr>
-          </a:p>
-          <a:p>
-            <a:r>
-              <a:rPr lang="fr-FR" sz="3000" dirty="0">
-                <a:latin typeface="Open Sans" panose="020B0606030504020204" pitchFamily="34" charset="0"/>
-                <a:ea typeface="Open Sans" panose="020B0606030504020204" pitchFamily="34" charset="0"/>
-                <a:cs typeface="Open Sans" panose="020B0606030504020204" pitchFamily="34" charset="0"/>
-              </a:rPr>
-              <a:t>    </a:t>
-            </a:r>
-            <a:r>
-              <a:rPr lang="fr-FR" sz="3000" dirty="0" err="1">
-                <a:latin typeface="Open Sans" panose="020B0606030504020204" pitchFamily="34" charset="0"/>
-                <a:ea typeface="Open Sans" panose="020B0606030504020204" pitchFamily="34" charset="0"/>
-                <a:cs typeface="Open Sans" panose="020B0606030504020204" pitchFamily="34" charset="0"/>
-              </a:rPr>
-              <a:t>array</a:t>
-            </a:r>
-            <a:r>
-              <a:rPr lang="fr-FR" sz="3000" dirty="0">
-                <a:latin typeface="Open Sans" panose="020B0606030504020204" pitchFamily="34" charset="0"/>
-                <a:ea typeface="Open Sans" panose="020B0606030504020204" pitchFamily="34" charset="0"/>
-                <a:cs typeface="Open Sans" panose="020B0606030504020204" pitchFamily="34" charset="0"/>
-              </a:rPr>
-              <a:t>[0][i] = </a:t>
-            </a:r>
-            <a:r>
-              <a:rPr lang="fr-FR" sz="3000" dirty="0" err="1">
-                <a:latin typeface="Open Sans" panose="020B0606030504020204" pitchFamily="34" charset="0"/>
-                <a:ea typeface="Open Sans" panose="020B0606030504020204" pitchFamily="34" charset="0"/>
-                <a:cs typeface="Open Sans" panose="020B0606030504020204" pitchFamily="34" charset="0"/>
-              </a:rPr>
-              <a:t>listeSucc.get</a:t>
-            </a:r>
-            <a:r>
-              <a:rPr lang="fr-FR" sz="3000" dirty="0">
-                <a:latin typeface="Open Sans" panose="020B0606030504020204" pitchFamily="34" charset="0"/>
-                <a:ea typeface="Open Sans" panose="020B0606030504020204" pitchFamily="34" charset="0"/>
-                <a:cs typeface="Open Sans" panose="020B0606030504020204" pitchFamily="34" charset="0"/>
-              </a:rPr>
-              <a:t>(index de </a:t>
-            </a:r>
-            <a:r>
-              <a:rPr lang="fr-FR" sz="3000" dirty="0" err="1">
-                <a:latin typeface="Open Sans" panose="020B0606030504020204" pitchFamily="34" charset="0"/>
-                <a:ea typeface="Open Sans" panose="020B0606030504020204" pitchFamily="34" charset="0"/>
-                <a:cs typeface="Open Sans" panose="020B0606030504020204" pitchFamily="34" charset="0"/>
-              </a:rPr>
-              <a:t>array</a:t>
-            </a:r>
-            <a:r>
-              <a:rPr lang="fr-FR" sz="3000" dirty="0">
-                <a:latin typeface="Open Sans" panose="020B0606030504020204" pitchFamily="34" charset="0"/>
-                <a:ea typeface="Open Sans" panose="020B0606030504020204" pitchFamily="34" charset="0"/>
-                <a:cs typeface="Open Sans" panose="020B0606030504020204" pitchFamily="34" charset="0"/>
-              </a:rPr>
-              <a:t>[1][i] dans </a:t>
-            </a:r>
-            <a:r>
-              <a:rPr lang="fr-FR" sz="3000" dirty="0" err="1">
-                <a:latin typeface="Open Sans" panose="020B0606030504020204" pitchFamily="34" charset="0"/>
-                <a:ea typeface="Open Sans" panose="020B0606030504020204" pitchFamily="34" charset="0"/>
-                <a:cs typeface="Open Sans" panose="020B0606030504020204" pitchFamily="34" charset="0"/>
-              </a:rPr>
-              <a:t>listeDatePlusTard</a:t>
-            </a:r>
-            <a:r>
-              <a:rPr lang="fr-FR" sz="3000" dirty="0">
-                <a:latin typeface="Open Sans" panose="020B0606030504020204" pitchFamily="34" charset="0"/>
-                <a:ea typeface="Open Sans" panose="020B0606030504020204" pitchFamily="34" charset="0"/>
-                <a:cs typeface="Open Sans" panose="020B0606030504020204" pitchFamily="34" charset="0"/>
-              </a:rPr>
-              <a:t>)</a:t>
-            </a:r>
-          </a:p>
-          <a:p>
-            <a:r>
-              <a:rPr lang="fr-FR" sz="3000" dirty="0">
-                <a:latin typeface="Open Sans" panose="020B0606030504020204" pitchFamily="34" charset="0"/>
-                <a:ea typeface="Open Sans" panose="020B0606030504020204" pitchFamily="34" charset="0"/>
-                <a:cs typeface="Open Sans" panose="020B0606030504020204" pitchFamily="34" charset="0"/>
-              </a:rPr>
-              <a:t>    supprimer </a:t>
-            </a:r>
-            <a:r>
-              <a:rPr lang="fr-FR" sz="3000" dirty="0" err="1">
-                <a:latin typeface="Open Sans" panose="020B0606030504020204" pitchFamily="34" charset="0"/>
-                <a:ea typeface="Open Sans" panose="020B0606030504020204" pitchFamily="34" charset="0"/>
-                <a:cs typeface="Open Sans" panose="020B0606030504020204" pitchFamily="34" charset="0"/>
-              </a:rPr>
-              <a:t>elements</a:t>
-            </a:r>
-            <a:r>
-              <a:rPr lang="fr-FR" sz="3000" dirty="0">
-                <a:latin typeface="Open Sans" panose="020B0606030504020204" pitchFamily="34" charset="0"/>
-                <a:ea typeface="Open Sans" panose="020B0606030504020204" pitchFamily="34" charset="0"/>
-                <a:cs typeface="Open Sans" panose="020B0606030504020204" pitchFamily="34" charset="0"/>
-              </a:rPr>
-              <a:t> de </a:t>
-            </a:r>
-            <a:r>
-              <a:rPr lang="fr-FR" sz="3000" dirty="0" err="1">
-                <a:latin typeface="Open Sans" panose="020B0606030504020204" pitchFamily="34" charset="0"/>
-                <a:ea typeface="Open Sans" panose="020B0606030504020204" pitchFamily="34" charset="0"/>
-                <a:cs typeface="Open Sans" panose="020B0606030504020204" pitchFamily="34" charset="0"/>
-              </a:rPr>
-              <a:t>listeDatePlusTard</a:t>
-            </a:r>
-            <a:endParaRPr lang="fr-FR" sz="3000" dirty="0">
-              <a:latin typeface="Open Sans" panose="020B0606030504020204" pitchFamily="34" charset="0"/>
-              <a:ea typeface="Open Sans" panose="020B0606030504020204" pitchFamily="34" charset="0"/>
-              <a:cs typeface="Open Sans" panose="020B0606030504020204" pitchFamily="34" charset="0"/>
-            </a:endParaRPr>
-          </a:p>
-          <a:p>
-            <a:r>
-              <a:rPr lang="fr-FR" sz="3000" dirty="0">
-                <a:latin typeface="Open Sans" panose="020B0606030504020204" pitchFamily="34" charset="0"/>
-                <a:ea typeface="Open Sans" panose="020B0606030504020204" pitchFamily="34" charset="0"/>
-                <a:cs typeface="Open Sans" panose="020B0606030504020204" pitchFamily="34" charset="0"/>
-              </a:rPr>
-              <a:t>    supprimer </a:t>
-            </a:r>
-            <a:r>
-              <a:rPr lang="fr-FR" sz="3000" dirty="0" err="1">
-                <a:latin typeface="Open Sans" panose="020B0606030504020204" pitchFamily="34" charset="0"/>
-                <a:ea typeface="Open Sans" panose="020B0606030504020204" pitchFamily="34" charset="0"/>
-                <a:cs typeface="Open Sans" panose="020B0606030504020204" pitchFamily="34" charset="0"/>
-              </a:rPr>
-              <a:t>elements</a:t>
-            </a:r>
-            <a:r>
-              <a:rPr lang="fr-FR" sz="3000" dirty="0">
-                <a:latin typeface="Open Sans" panose="020B0606030504020204" pitchFamily="34" charset="0"/>
-                <a:ea typeface="Open Sans" panose="020B0606030504020204" pitchFamily="34" charset="0"/>
-                <a:cs typeface="Open Sans" panose="020B0606030504020204" pitchFamily="34" charset="0"/>
-              </a:rPr>
-              <a:t> de </a:t>
-            </a:r>
-            <a:r>
-              <a:rPr lang="fr-FR" sz="3000" dirty="0" err="1">
-                <a:latin typeface="Open Sans" panose="020B0606030504020204" pitchFamily="34" charset="0"/>
-                <a:ea typeface="Open Sans" panose="020B0606030504020204" pitchFamily="34" charset="0"/>
-                <a:cs typeface="Open Sans" panose="020B0606030504020204" pitchFamily="34" charset="0"/>
-              </a:rPr>
-              <a:t>listeSucc</a:t>
-            </a:r>
-            <a:endParaRPr lang="fr-FR" sz="3000" dirty="0">
-              <a:latin typeface="Open Sans" panose="020B0606030504020204" pitchFamily="34" charset="0"/>
-              <a:ea typeface="Open Sans" panose="020B0606030504020204" pitchFamily="34" charset="0"/>
-              <a:cs typeface="Open Sans" panose="020B0606030504020204" pitchFamily="34" charset="0"/>
-            </a:endParaRPr>
-          </a:p>
-          <a:p>
-            <a:r>
-              <a:rPr lang="fr-FR" sz="3000" dirty="0">
-                <a:latin typeface="Open Sans" panose="020B0606030504020204" pitchFamily="34" charset="0"/>
-                <a:ea typeface="Open Sans" panose="020B0606030504020204" pitchFamily="34" charset="0"/>
-                <a:cs typeface="Open Sans" panose="020B0606030504020204" pitchFamily="34" charset="0"/>
-              </a:rPr>
-              <a:t>fin</a:t>
-            </a:r>
-          </a:p>
-        </p:txBody>
-      </p:sp>
-      <p:sp>
-        <p:nvSpPr>
-          <p:cNvPr id="13" name="ZoneTexte 12">
-            <a:extLst>
-              <a:ext uri="{FF2B5EF4-FFF2-40B4-BE49-F238E27FC236}">
-                <a16:creationId xmlns:a16="http://schemas.microsoft.com/office/drawing/2014/main" id="{8E4FBDAF-2EF7-4071-B76E-A7D89DA6484D}"/>
-              </a:ext>
-            </a:extLst>
-          </p:cNvPr>
-          <p:cNvSpPr txBox="1"/>
-          <p:nvPr/>
-        </p:nvSpPr>
-        <p:spPr>
-          <a:xfrm>
-            <a:off x="2375271" y="1113184"/>
-            <a:ext cx="17880677" cy="1046440"/>
-          </a:xfrm>
-          <a:prstGeom prst="rect">
-            <a:avLst/>
-          </a:prstGeom>
-          <a:noFill/>
-        </p:spPr>
-        <p:txBody>
-          <a:bodyPr wrap="square" rtlCol="0">
-            <a:spAutoFit/>
-          </a:bodyPr>
-          <a:lstStyle/>
-          <a:p>
-            <a:r>
-              <a:rPr lang="fr-FR" sz="6200" b="1" dirty="0">
-                <a:latin typeface="Montserrat" panose="00000500000000000000" pitchFamily="2" charset="0"/>
-              </a:rPr>
-              <a:t>V : Méthode de l’ordonnancement</a:t>
-            </a:r>
-          </a:p>
-        </p:txBody>
-      </p:sp>
-    </p:spTree>
-    <p:extLst>
-      <p:ext uri="{BB962C8B-B14F-4D97-AF65-F5344CB8AC3E}">
-        <p14:creationId xmlns:p14="http://schemas.microsoft.com/office/powerpoint/2010/main" val="3157817152"/>
-      </p:ext>
-    </p:extLst>
-  </p:cSld>
-  <p:clrMapOvr>
-    <a:masterClrMapping/>
-  </p:clrMapOvr>
-</p:sld>
-</file>
-
-<file path=ppt/slides/slide17.xml><?xml version="1.0" encoding="utf-8"?>
 <p:sld xmlns:a="http://schemas.openxmlformats.org/drawingml/2006/main" xmlns:r="http://schemas.openxmlformats.org/officeDocument/2006/relationships" xmlns:p="http://schemas.openxmlformats.org/presentationml/2006/main">
   <p:cSld>
     <p:spTree>
@@ -6648,7 +5205,7 @@
 </p:sld>
 </file>
 
-<file path=ppt/slides/slide18.xml><?xml version="1.0" encoding="utf-8"?>
+<file path=ppt/slides/slide16.xml><?xml version="1.0" encoding="utf-8"?>
 <p:sld xmlns:a="http://schemas.openxmlformats.org/drawingml/2006/main" xmlns:r="http://schemas.openxmlformats.org/officeDocument/2006/relationships" xmlns:p="http://schemas.openxmlformats.org/presentationml/2006/main">
   <p:cSld>
     <p:spTree>
@@ -8147,7 +6704,7 @@
 </p:sld>
 </file>
 
-<file path=ppt/slides/slide19.xml><?xml version="1.0" encoding="utf-8"?>
+<file path=ppt/slides/slide17.xml><?xml version="1.0" encoding="utf-8"?>
 <p:sld xmlns:a="http://schemas.openxmlformats.org/drawingml/2006/main" xmlns:r="http://schemas.openxmlformats.org/officeDocument/2006/relationships" xmlns:p="http://schemas.openxmlformats.org/presentationml/2006/main">
   <p:cSld>
     <p:spTree>
@@ -8231,6 +6788,46 @@
           </a:prstGeom>
         </p:spPr>
       </p:pic>
+      <p:sp>
+        <p:nvSpPr>
+          <p:cNvPr id="4" name="ZoneTexte 3">
+            <a:extLst>
+              <a:ext uri="{FF2B5EF4-FFF2-40B4-BE49-F238E27FC236}">
+                <a16:creationId xmlns:a16="http://schemas.microsoft.com/office/drawing/2014/main" id="{8FF1F06B-D8A4-4735-8DA8-EE54A1D81F5D}"/>
+              </a:ext>
+            </a:extLst>
+          </p:cNvPr>
+          <p:cNvSpPr txBox="1"/>
+          <p:nvPr/>
+        </p:nvSpPr>
+        <p:spPr>
+          <a:xfrm>
+            <a:off x="9291028" y="10061853"/>
+            <a:ext cx="6448952" cy="954107"/>
+          </a:xfrm>
+          <a:prstGeom prst="rect">
+            <a:avLst/>
+          </a:prstGeom>
+          <a:noFill/>
+        </p:spPr>
+        <p:txBody>
+          <a:bodyPr wrap="square" rtlCol="0">
+            <a:spAutoFit/>
+          </a:bodyPr>
+          <a:lstStyle/>
+          <a:p>
+            <a:pPr algn="ctr"/>
+            <a:r>
+              <a:rPr lang="fr-FR" sz="2800" i="1" dirty="0">
+                <a:latin typeface="Open Sans" panose="020B0606030504020204" pitchFamily="34" charset="0"/>
+                <a:ea typeface="Open Sans" panose="020B0606030504020204" pitchFamily="34" charset="0"/>
+                <a:cs typeface="Open Sans" panose="020B0606030504020204" pitchFamily="34" charset="0"/>
+              </a:rPr>
+              <a:t>Figure 9 : Tableau d’ordonnancement du graphe 6</a:t>
+            </a:r>
+          </a:p>
+        </p:txBody>
+      </p:sp>
     </p:spTree>
     <p:extLst>
       <p:ext uri="{BB962C8B-B14F-4D97-AF65-F5344CB8AC3E}">
@@ -8940,7 +7537,47 @@
                 <a:ea typeface="Open Sans" panose="020B0606030504020204" pitchFamily="34" charset="0"/>
                 <a:cs typeface="Open Sans" panose="020B0606030504020204" pitchFamily="34" charset="0"/>
               </a:rPr>
-              <a:t>Figure  : Matrice d’adjacence du graphe 3</a:t>
+              <a:t>Figure 3  : Matrice d’adjacence du graphe 3</a:t>
+            </a:r>
+          </a:p>
+        </p:txBody>
+      </p:sp>
+      <p:sp>
+        <p:nvSpPr>
+          <p:cNvPr id="10" name="ZoneTexte 9">
+            <a:extLst>
+              <a:ext uri="{FF2B5EF4-FFF2-40B4-BE49-F238E27FC236}">
+                <a16:creationId xmlns:a16="http://schemas.microsoft.com/office/drawing/2014/main" id="{A88AF509-3A1B-46AC-B54E-C6A783E9AF8C}"/>
+              </a:ext>
+            </a:extLst>
+          </p:cNvPr>
+          <p:cNvSpPr txBox="1"/>
+          <p:nvPr/>
+        </p:nvSpPr>
+        <p:spPr>
+          <a:xfrm>
+            <a:off x="3335206" y="11384394"/>
+            <a:ext cx="6448952" cy="523220"/>
+          </a:xfrm>
+          <a:prstGeom prst="rect">
+            <a:avLst/>
+          </a:prstGeom>
+          <a:noFill/>
+        </p:spPr>
+        <p:txBody>
+          <a:bodyPr wrap="square" rtlCol="0">
+            <a:spAutoFit/>
+          </a:bodyPr>
+          <a:lstStyle/>
+          <a:p>
+            <a:pPr algn="ctr"/>
+            <a:r>
+              <a:rPr lang="fr-FR" sz="2800" i="1" dirty="0">
+                <a:latin typeface="Open Sans" panose="020B0606030504020204" pitchFamily="34" charset="0"/>
+                <a:ea typeface="Open Sans" panose="020B0606030504020204" pitchFamily="34" charset="0"/>
+                <a:cs typeface="Open Sans" panose="020B0606030504020204" pitchFamily="34" charset="0"/>
+              </a:rPr>
+              <a:t>Figure 2  : liste création des arcs</a:t>
             </a:r>
           </a:p>
         </p:txBody>
@@ -9167,6 +7804,46 @@
                 <a:cs typeface="Open Sans" panose="020B0606030504020204" pitchFamily="34" charset="0"/>
               </a:rPr>
               <a:t>Tant que l’utilisateur veut choisir un graphe		</a:t>
+            </a:r>
+          </a:p>
+        </p:txBody>
+      </p:sp>
+      <p:sp>
+        <p:nvSpPr>
+          <p:cNvPr id="5" name="ZoneTexte 4">
+            <a:extLst>
+              <a:ext uri="{FF2B5EF4-FFF2-40B4-BE49-F238E27FC236}">
+                <a16:creationId xmlns:a16="http://schemas.microsoft.com/office/drawing/2014/main" id="{96F469CA-8E2B-4FC8-A8B7-9F5CB1492249}"/>
+              </a:ext>
+            </a:extLst>
+          </p:cNvPr>
+          <p:cNvSpPr txBox="1"/>
+          <p:nvPr/>
+        </p:nvSpPr>
+        <p:spPr>
+          <a:xfrm>
+            <a:off x="14906513" y="10642145"/>
+            <a:ext cx="6448952" cy="523220"/>
+          </a:xfrm>
+          <a:prstGeom prst="rect">
+            <a:avLst/>
+          </a:prstGeom>
+          <a:noFill/>
+        </p:spPr>
+        <p:txBody>
+          <a:bodyPr wrap="square" rtlCol="0">
+            <a:spAutoFit/>
+          </a:bodyPr>
+          <a:lstStyle/>
+          <a:p>
+            <a:pPr algn="ctr"/>
+            <a:r>
+              <a:rPr lang="fr-FR" sz="2800" i="1" dirty="0">
+                <a:latin typeface="Open Sans" panose="020B0606030504020204" pitchFamily="34" charset="0"/>
+                <a:ea typeface="Open Sans" panose="020B0606030504020204" pitchFamily="34" charset="0"/>
+                <a:cs typeface="Open Sans" panose="020B0606030504020204" pitchFamily="34" charset="0"/>
+              </a:rPr>
+              <a:t>Figure 4  : Structure du main</a:t>
             </a:r>
           </a:p>
         </p:txBody>
@@ -10264,7 +8941,7 @@
         </p:nvGraphicFramePr>
         <p:xfrm>
           <a:off x="1172368" y="3675988"/>
-          <a:ext cx="22042438" cy="8412480"/>
+          <a:ext cx="22042438" cy="7863840"/>
         </p:xfrm>
         <a:graphic>
           <a:graphicData uri="http://schemas.openxmlformats.org/drawingml/2006/table">
@@ -11601,6 +10278,46 @@
           </a:prstGeom>
         </p:spPr>
       </p:pic>
+      <p:sp>
+        <p:nvSpPr>
+          <p:cNvPr id="7" name="ZoneTexte 6">
+            <a:extLst>
+              <a:ext uri="{FF2B5EF4-FFF2-40B4-BE49-F238E27FC236}">
+                <a16:creationId xmlns:a16="http://schemas.microsoft.com/office/drawing/2014/main" id="{CD1B7F13-C0AB-403B-9B00-630963E4B8A8}"/>
+              </a:ext>
+            </a:extLst>
+          </p:cNvPr>
+          <p:cNvSpPr txBox="1"/>
+          <p:nvPr/>
+        </p:nvSpPr>
+        <p:spPr>
+          <a:xfrm>
+            <a:off x="15051839" y="12473213"/>
+            <a:ext cx="6448952" cy="523220"/>
+          </a:xfrm>
+          <a:prstGeom prst="rect">
+            <a:avLst/>
+          </a:prstGeom>
+          <a:noFill/>
+        </p:spPr>
+        <p:txBody>
+          <a:bodyPr wrap="square" rtlCol="0">
+            <a:spAutoFit/>
+          </a:bodyPr>
+          <a:lstStyle/>
+          <a:p>
+            <a:pPr algn="ctr"/>
+            <a:r>
+              <a:rPr lang="fr-FR" sz="2800" i="1" dirty="0">
+                <a:latin typeface="Open Sans" panose="020B0606030504020204" pitchFamily="34" charset="0"/>
+                <a:ea typeface="Open Sans" panose="020B0606030504020204" pitchFamily="34" charset="0"/>
+                <a:cs typeface="Open Sans" panose="020B0606030504020204" pitchFamily="34" charset="0"/>
+              </a:rPr>
+              <a:t>Figure 5 : Exemple de l’algorithme</a:t>
+            </a:r>
+          </a:p>
+        </p:txBody>
+      </p:sp>
     </p:spTree>
     <p:extLst>
       <p:ext uri="{BB962C8B-B14F-4D97-AF65-F5344CB8AC3E}">
@@ -12431,6 +11148,46 @@
           </a:prstGeom>
         </p:spPr>
       </p:pic>
+      <p:sp>
+        <p:nvSpPr>
+          <p:cNvPr id="7" name="ZoneTexte 6">
+            <a:extLst>
+              <a:ext uri="{FF2B5EF4-FFF2-40B4-BE49-F238E27FC236}">
+                <a16:creationId xmlns:a16="http://schemas.microsoft.com/office/drawing/2014/main" id="{61C016B6-5C8C-44A6-9F77-F6ACB0A6944E}"/>
+              </a:ext>
+            </a:extLst>
+          </p:cNvPr>
+          <p:cNvSpPr txBox="1"/>
+          <p:nvPr/>
+        </p:nvSpPr>
+        <p:spPr>
+          <a:xfrm>
+            <a:off x="3671508" y="12276507"/>
+            <a:ext cx="6448952" cy="523220"/>
+          </a:xfrm>
+          <a:prstGeom prst="rect">
+            <a:avLst/>
+          </a:prstGeom>
+          <a:noFill/>
+        </p:spPr>
+        <p:txBody>
+          <a:bodyPr wrap="square" rtlCol="0">
+            <a:spAutoFit/>
+          </a:bodyPr>
+          <a:lstStyle/>
+          <a:p>
+            <a:pPr algn="ctr"/>
+            <a:r>
+              <a:rPr lang="fr-FR" sz="2800" i="1" dirty="0">
+                <a:latin typeface="Open Sans" panose="020B0606030504020204" pitchFamily="34" charset="0"/>
+                <a:ea typeface="Open Sans" panose="020B0606030504020204" pitchFamily="34" charset="0"/>
+                <a:cs typeface="Open Sans" panose="020B0606030504020204" pitchFamily="34" charset="0"/>
+              </a:rPr>
+              <a:t>Figure 6 : Exemple de rang</a:t>
+            </a:r>
+          </a:p>
+        </p:txBody>
+      </p:sp>
     </p:spTree>
     <p:extLst>
       <p:ext uri="{BB962C8B-B14F-4D97-AF65-F5344CB8AC3E}">

--- a/A4_Presentation.pptx
+++ b/A4_Presentation.pptx
@@ -124,6 +124,39 @@
     </a:lvl9pPr>
   </p:defaultTextStyle>
   <p:extLst>
+    <p:ext uri="{521415D9-36F7-43E2-AB2F-B90AF26B5E84}">
+      <p14:sectionLst xmlns:p14="http://schemas.microsoft.com/office/powerpoint/2010/main">
+        <p14:section name="Guillaume" id="{07B3E380-62FD-424B-9CC7-3D8C244F5190}">
+          <p14:sldIdLst>
+            <p14:sldId id="280"/>
+            <p14:sldId id="281"/>
+            <p14:sldId id="291"/>
+            <p14:sldId id="283"/>
+            <p14:sldId id="292"/>
+            <p14:sldId id="293"/>
+          </p14:sldIdLst>
+        </p14:section>
+        <p14:section name="Nathan" id="{FF30E7BD-0ABC-4AAA-A586-132A181CA3CD}">
+          <p14:sldIdLst>
+            <p14:sldId id="284"/>
+            <p14:sldId id="294"/>
+            <p14:sldId id="295"/>
+            <p14:sldId id="285"/>
+            <p14:sldId id="286"/>
+          </p14:sldIdLst>
+        </p14:section>
+        <p14:section name="Vincent" id="{BCE1ADBB-FC68-4DA8-B1A6-601C86978C23}">
+          <p14:sldIdLst>
+            <p14:sldId id="296"/>
+            <p14:sldId id="297"/>
+            <p14:sldId id="287"/>
+            <p14:sldId id="300"/>
+            <p14:sldId id="302"/>
+            <p14:sldId id="301"/>
+          </p14:sldIdLst>
+        </p14:section>
+      </p14:sectionLst>
+    </p:ext>
     <p:ext uri="{EFAFB233-063F-42B5-8137-9DF3F51BA10A}">
       <p15:sldGuideLst xmlns:p15="http://schemas.microsoft.com/office/powerpoint/2012/main">
         <p15:guide id="1" orient="horz" pos="4320" userDrawn="1">
@@ -227,7 +260,7 @@
           <a:p>
             <a:fld id="{52CFFC7C-0376-E44D-ACA0-D60DC10B59F7}" type="datetimeFigureOut">
               <a:rPr lang="en-US" smtClean="0"/>
-              <a:t>4/26/2020</a:t>
+              <a:t>4/28/2020</a:t>
             </a:fld>
             <a:endParaRPr lang="en-US"/>
           </a:p>
@@ -790,12 +823,12 @@
           </a:ln>
           <a:extLst>
             <a:ext uri="{909E8E84-426E-40dd-AFC4-6F175D3DCCD1}">
-              <a14:hiddenFill xmlns="" xmlns:a14="http://schemas.microsoft.com/office/drawing/2010/main">
+              <a14:hiddenFill xmlns:a14="http://schemas.microsoft.com/office/drawing/2010/main" xmlns="">
                 <a:noFill/>
               </a14:hiddenFill>
             </a:ext>
             <a:ext uri="{91240B29-F687-4f45-9708-019B960494DF}">
-              <a14:hiddenLine xmlns="" xmlns:a14="http://schemas.microsoft.com/office/drawing/2010/main" w="9525">
+              <a14:hiddenLine xmlns:a14="http://schemas.microsoft.com/office/drawing/2010/main" xmlns="" w="9525">
                 <a:solidFill>
                   <a:srgbClr val="000000"/>
                 </a:solidFill>
@@ -840,12 +873,12 @@
           </a:ln>
           <a:extLst>
             <a:ext uri="{909E8E84-426E-40dd-AFC4-6F175D3DCCD1}">
-              <a14:hiddenFill xmlns="" xmlns:a14="http://schemas.microsoft.com/office/drawing/2010/main">
+              <a14:hiddenFill xmlns:a14="http://schemas.microsoft.com/office/drawing/2010/main" xmlns="">
                 <a:noFill/>
               </a14:hiddenFill>
             </a:ext>
             <a:ext uri="{91240B29-F687-4f45-9708-019B960494DF}">
-              <a14:hiddenLine xmlns="" xmlns:a14="http://schemas.microsoft.com/office/drawing/2010/main" w="9525">
+              <a14:hiddenLine xmlns:a14="http://schemas.microsoft.com/office/drawing/2010/main" xmlns="" w="9525">
                 <a:solidFill>
                   <a:srgbClr val="000000"/>
                 </a:solidFill>
@@ -1008,6 +1041,36 @@
           </a:p>
         </p:txBody>
       </p:sp>
+      <p:pic>
+        <p:nvPicPr>
+          <p:cNvPr id="6" name="Image 5" descr="Une image contenant horloge, dessin, signe&#10;&#10;Description générée automatiquement">
+            <a:extLst>
+              <a:ext uri="{FF2B5EF4-FFF2-40B4-BE49-F238E27FC236}">
+                <a16:creationId xmlns:a16="http://schemas.microsoft.com/office/drawing/2014/main" id="{B3E3E06E-F3AE-4F8D-8A67-05706F0AED6C}"/>
+              </a:ext>
+            </a:extLst>
+          </p:cNvPr>
+          <p:cNvPicPr>
+            <a:picLocks noChangeAspect="1"/>
+          </p:cNvPicPr>
+          <p:nvPr/>
+        </p:nvPicPr>
+        <p:blipFill>
+          <a:blip r:embed="rId3"/>
+          <a:stretch>
+            <a:fillRect/>
+          </a:stretch>
+        </p:blipFill>
+        <p:spPr>
+          <a:xfrm>
+            <a:off x="19151392" y="842530"/>
+            <a:ext cx="3927270" cy="1500650"/>
+          </a:xfrm>
+          <a:prstGeom prst="rect">
+            <a:avLst/>
+          </a:prstGeom>
+        </p:spPr>
+      </p:pic>
     </p:spTree>
     <p:extLst>
       <p:ext uri="{BB962C8B-B14F-4D97-AF65-F5344CB8AC3E}">
@@ -1418,7 +1481,7 @@
                 <a:ea typeface="Open Sans" panose="020B0606030504020204" pitchFamily="34" charset="0"/>
                 <a:cs typeface="Open Sans" panose="020B0606030504020204" pitchFamily="34" charset="0"/>
               </a:rPr>
-              <a:t>Une fois les conditions vérifiées on peut passer a l’ordonnancement.</a:t>
+              <a:t>Une fois les conditions vérifiées on peut passer à l’ordonnancement.</a:t>
             </a:r>
           </a:p>
           <a:p>
@@ -1478,7 +1541,7 @@
                 <a:ea typeface="Open Sans" panose="020B0606030504020204" pitchFamily="34" charset="0"/>
                 <a:cs typeface="Open Sans" panose="020B0606030504020204" pitchFamily="34" charset="0"/>
               </a:rPr>
-              <a:t>		+ valeur de la tache du prédécesseur</a:t>
+              <a:t>		+ valeur de la tâche du prédécesseur</a:t>
             </a:r>
           </a:p>
           <a:p>
@@ -3251,7 +3314,7 @@
                 <a:ea typeface="Open Sans" panose="020B0606030504020204" pitchFamily="34" charset="0"/>
                 <a:cs typeface="Open Sans" panose="020B0606030504020204" pitchFamily="34" charset="0"/>
               </a:rPr>
-              <a:t>		- valeur de la tache du sommet</a:t>
+              <a:t>		- valeur de la tâche du sommet</a:t>
             </a:r>
           </a:p>
           <a:p>
@@ -7644,7 +7707,7 @@
               <a:rPr lang="fr-FR" sz="6200" b="1" dirty="0">
                 <a:latin typeface="Montserrat" panose="00000500000000000000" pitchFamily="2" charset="0"/>
               </a:rPr>
-              <a:t>II : Structure général du programme</a:t>
+              <a:t>II : Structure générale du programme</a:t>
             </a:r>
           </a:p>
         </p:txBody>
@@ -8787,7 +8850,7 @@
                 <a:ea typeface="Open Sans" panose="020B0606030504020204" pitchFamily="34" charset="0"/>
                 <a:cs typeface="Open Sans" panose="020B0606030504020204" pitchFamily="34" charset="0"/>
               </a:rPr>
-              <a:t>pour  pour i allant de 0 à nbSommet-1</a:t>
+              <a:t>pour i allant de 0 à nbSommet-1</a:t>
             </a:r>
           </a:p>
           <a:p>
@@ -8941,7 +9004,7 @@
         </p:nvGraphicFramePr>
         <p:xfrm>
           <a:off x="1172368" y="3675988"/>
-          <a:ext cx="22042438" cy="7863840"/>
+          <a:ext cx="22042438" cy="8412480"/>
         </p:xfrm>
         <a:graphic>
           <a:graphicData uri="http://schemas.openxmlformats.org/drawingml/2006/table">
